--- a/FYP_Poser.pptx
+++ b/FYP_Poser.pptx
@@ -104,6 +104,11 @@
       </a:defRPr>
     </a:lvl9pPr>
   </p:defaultTextStyle>
+  <p:extLst>
+    <p:ext uri="{EFAFB233-063F-42B5-8137-9DF3F51BA10A}">
+      <p15:sldGuideLst xmlns:p15="http://schemas.microsoft.com/office/powerpoint/2012/main"/>
+    </p:ext>
+  </p:extLst>
 </p:presentation>
 </file>
 
@@ -238,7 +243,7 @@
           <a:p>
             <a:fld id="{DCEEBA53-EBA9-40A5-BD15-213969A436B3}" type="datetimeFigureOut">
               <a:rPr lang="en-GB" smtClean="0"/>
-              <a:t>29/04/2025</a:t>
+              <a:t>30/04/2025</a:t>
             </a:fld>
             <a:endParaRPr lang="en-GB"/>
           </a:p>
@@ -408,7 +413,7 @@
           <a:p>
             <a:fld id="{DCEEBA53-EBA9-40A5-BD15-213969A436B3}" type="datetimeFigureOut">
               <a:rPr lang="en-GB" smtClean="0"/>
-              <a:t>29/04/2025</a:t>
+              <a:t>30/04/2025</a:t>
             </a:fld>
             <a:endParaRPr lang="en-GB"/>
           </a:p>
@@ -588,7 +593,7 @@
           <a:p>
             <a:fld id="{DCEEBA53-EBA9-40A5-BD15-213969A436B3}" type="datetimeFigureOut">
               <a:rPr lang="en-GB" smtClean="0"/>
-              <a:t>29/04/2025</a:t>
+              <a:t>30/04/2025</a:t>
             </a:fld>
             <a:endParaRPr lang="en-GB"/>
           </a:p>
@@ -758,7 +763,7 @@
           <a:p>
             <a:fld id="{DCEEBA53-EBA9-40A5-BD15-213969A436B3}" type="datetimeFigureOut">
               <a:rPr lang="en-GB" smtClean="0"/>
-              <a:t>29/04/2025</a:t>
+              <a:t>30/04/2025</a:t>
             </a:fld>
             <a:endParaRPr lang="en-GB"/>
           </a:p>
@@ -1004,7 +1009,7 @@
           <a:p>
             <a:fld id="{DCEEBA53-EBA9-40A5-BD15-213969A436B3}" type="datetimeFigureOut">
               <a:rPr lang="en-GB" smtClean="0"/>
-              <a:t>29/04/2025</a:t>
+              <a:t>30/04/2025</a:t>
             </a:fld>
             <a:endParaRPr lang="en-GB"/>
           </a:p>
@@ -1236,7 +1241,7 @@
           <a:p>
             <a:fld id="{DCEEBA53-EBA9-40A5-BD15-213969A436B3}" type="datetimeFigureOut">
               <a:rPr lang="en-GB" smtClean="0"/>
-              <a:t>29/04/2025</a:t>
+              <a:t>30/04/2025</a:t>
             </a:fld>
             <a:endParaRPr lang="en-GB"/>
           </a:p>
@@ -1603,7 +1608,7 @@
           <a:p>
             <a:fld id="{DCEEBA53-EBA9-40A5-BD15-213969A436B3}" type="datetimeFigureOut">
               <a:rPr lang="en-GB" smtClean="0"/>
-              <a:t>29/04/2025</a:t>
+              <a:t>30/04/2025</a:t>
             </a:fld>
             <a:endParaRPr lang="en-GB"/>
           </a:p>
@@ -1721,7 +1726,7 @@
           <a:p>
             <a:fld id="{DCEEBA53-EBA9-40A5-BD15-213969A436B3}" type="datetimeFigureOut">
               <a:rPr lang="en-GB" smtClean="0"/>
-              <a:t>29/04/2025</a:t>
+              <a:t>30/04/2025</a:t>
             </a:fld>
             <a:endParaRPr lang="en-GB"/>
           </a:p>
@@ -1816,7 +1821,7 @@
           <a:p>
             <a:fld id="{DCEEBA53-EBA9-40A5-BD15-213969A436B3}" type="datetimeFigureOut">
               <a:rPr lang="en-GB" smtClean="0"/>
-              <a:t>29/04/2025</a:t>
+              <a:t>30/04/2025</a:t>
             </a:fld>
             <a:endParaRPr lang="en-GB"/>
           </a:p>
@@ -2093,7 +2098,7 @@
           <a:p>
             <a:fld id="{DCEEBA53-EBA9-40A5-BD15-213969A436B3}" type="datetimeFigureOut">
               <a:rPr lang="en-GB" smtClean="0"/>
-              <a:t>29/04/2025</a:t>
+              <a:t>30/04/2025</a:t>
             </a:fld>
             <a:endParaRPr lang="en-GB"/>
           </a:p>
@@ -2350,7 +2355,7 @@
           <a:p>
             <a:fld id="{DCEEBA53-EBA9-40A5-BD15-213969A436B3}" type="datetimeFigureOut">
               <a:rPr lang="en-GB" smtClean="0"/>
-              <a:t>29/04/2025</a:t>
+              <a:t>30/04/2025</a:t>
             </a:fld>
             <a:endParaRPr lang="en-GB"/>
           </a:p>
@@ -2563,7 +2568,7 @@
           <a:p>
             <a:fld id="{DCEEBA53-EBA9-40A5-BD15-213969A436B3}" type="datetimeFigureOut">
               <a:rPr lang="en-GB" smtClean="0"/>
-              <a:t>29/04/2025</a:t>
+              <a:t>30/04/2025</a:t>
             </a:fld>
             <a:endParaRPr lang="en-GB"/>
           </a:p>
@@ -3555,8 +3560,8 @@
         </p:nvSpPr>
         <p:spPr>
           <a:xfrm>
-            <a:off x="208269" y="9725458"/>
-            <a:ext cx="7137651" cy="1735732"/>
+            <a:off x="172999" y="9725458"/>
+            <a:ext cx="7137651" cy="978858"/>
           </a:xfrm>
           <a:prstGeom prst="rect">
             <a:avLst/>
@@ -3579,7 +3584,7 @@
               <a:buNone/>
             </a:pPr>
             <a:r>
-              <a:rPr lang="en-GB" sz="400" dirty="0">
+              <a:rPr lang="en-GB" sz="300" dirty="0">
                 <a:solidFill>
                   <a:schemeClr val="bg1"/>
                 </a:solidFill>
@@ -3587,7 +3592,7 @@
               <a:t>References - </a:t>
             </a:r>
             <a:r>
-              <a:rPr lang="en-GB" sz="400" kern="100" dirty="0">
+              <a:rPr lang="en-GB" sz="300" kern="100" dirty="0">
                 <a:solidFill>
                   <a:schemeClr val="bg1"/>
                 </a:solidFill>
@@ -3599,7 +3604,7 @@
               <a:t>Tito </a:t>
             </a:r>
             <a:r>
-              <a:rPr lang="en-GB" sz="400" kern="100" dirty="0" err="1">
+              <a:rPr lang="en-GB" sz="300" kern="100" dirty="0" err="1">
                 <a:solidFill>
                   <a:schemeClr val="bg1"/>
                 </a:solidFill>
@@ -3611,7 +3616,7 @@
               <a:t>waluyo</a:t>
             </a:r>
             <a:r>
-              <a:rPr lang="en-GB" sz="400" kern="100" dirty="0">
+              <a:rPr lang="en-GB" sz="300" kern="100" dirty="0">
                 <a:solidFill>
                   <a:schemeClr val="bg1"/>
                 </a:solidFill>
@@ -3623,7 +3628,7 @@
               <a:t> </a:t>
             </a:r>
             <a:r>
-              <a:rPr lang="en-GB" sz="400" kern="100" dirty="0" err="1">
+              <a:rPr lang="en-GB" sz="300" kern="100" dirty="0" err="1">
                 <a:solidFill>
                   <a:schemeClr val="bg1"/>
                 </a:solidFill>
@@ -3635,7 +3640,7 @@
               <a:t>purboyo</a:t>
             </a:r>
             <a:r>
-              <a:rPr lang="en-GB" sz="400" kern="100" dirty="0">
+              <a:rPr lang="en-GB" sz="300" kern="100" dirty="0">
                 <a:solidFill>
                   <a:schemeClr val="bg1"/>
                 </a:solidFill>
@@ -3647,7 +3652,7 @@
               <a:t>, 2017, a review of data compression techniques, international journal of applied engineering research, 8596 - 8963, (PDF) A review of data compression techniques. SIDDEQ, </a:t>
             </a:r>
             <a:r>
-              <a:rPr lang="en-GB" sz="400" kern="100" dirty="0" err="1">
+              <a:rPr lang="en-GB" sz="300" kern="100" dirty="0" err="1">
                 <a:solidFill>
                   <a:schemeClr val="bg1"/>
                 </a:solidFill>
@@ -3659,7 +3664,7 @@
               <a:t>mohammed</a:t>
             </a:r>
             <a:r>
-              <a:rPr lang="en-GB" sz="400" kern="100" dirty="0">
+              <a:rPr lang="en-GB" sz="300" kern="100" dirty="0">
                 <a:solidFill>
                   <a:schemeClr val="bg1"/>
                 </a:solidFill>
@@ -3671,7 +3676,7 @@
               <a:t> M and Rodrigues, </a:t>
             </a:r>
             <a:r>
-              <a:rPr lang="en-GB" sz="400" kern="100" dirty="0" err="1">
+              <a:rPr lang="en-GB" sz="300" kern="100" dirty="0" err="1">
                 <a:solidFill>
                   <a:schemeClr val="bg1"/>
                 </a:solidFill>
@@ -3683,7 +3688,7 @@
               <a:t>marcos</a:t>
             </a:r>
             <a:r>
-              <a:rPr lang="en-GB" sz="400" kern="100" dirty="0">
+              <a:rPr lang="en-GB" sz="300" kern="100" dirty="0">
                 <a:solidFill>
                   <a:schemeClr val="bg1"/>
                 </a:solidFill>
@@ -3695,7 +3700,7 @@
               <a:t>, 2016, Novel 3D compression methods for geometry connectivity and texture, Sheffield </a:t>
             </a:r>
             <a:r>
-              <a:rPr lang="en-GB" sz="400" kern="100" dirty="0" err="1">
+              <a:rPr lang="en-GB" sz="300" kern="100" dirty="0" err="1">
                 <a:solidFill>
                   <a:schemeClr val="bg1"/>
                 </a:solidFill>
@@ -3707,7 +3712,7 @@
               <a:t>hallam</a:t>
             </a:r>
             <a:r>
-              <a:rPr lang="en-GB" sz="400" kern="100" dirty="0">
+              <a:rPr lang="en-GB" sz="300" kern="100" dirty="0">
                 <a:solidFill>
                   <a:schemeClr val="bg1"/>
                 </a:solidFill>
@@ -3719,7 +3724,7 @@
               <a:t> university research archive, 1 - 16, Microsoft Word - Research_No_7_MR_final.docx Mustafa ORAL, Ammar abbas Elmas, 2017, A brief history of 3d mesh compression, </a:t>
             </a:r>
             <a:r>
-              <a:rPr lang="en-GB" sz="400" kern="100" dirty="0" err="1">
+              <a:rPr lang="en-GB" sz="300" kern="100" dirty="0" err="1">
                 <a:solidFill>
                   <a:schemeClr val="bg1"/>
                 </a:solidFill>
@@ -3731,7 +3736,7 @@
               <a:t>Cukorva</a:t>
             </a:r>
             <a:r>
-              <a:rPr lang="en-GB" sz="400" kern="100" dirty="0">
+              <a:rPr lang="en-GB" sz="300" kern="100" dirty="0">
                 <a:solidFill>
                   <a:schemeClr val="bg1"/>
                 </a:solidFill>
@@ -3743,7 +3748,7 @@
               <a:t> university, 1-6, , https://www.researchgate.net/publication/327905583_A_Brief_History_of_3D_Mesh_Compression Amandeep Singh Sidhu, 2014, Research paper on text data compression algorithm using hybrid approach, International Journal of Computer Science and Mobile </a:t>
             </a:r>
             <a:r>
-              <a:rPr lang="en-GB" sz="400" kern="100" dirty="0" err="1">
+              <a:rPr lang="en-GB" sz="300" kern="100" dirty="0" err="1">
                 <a:solidFill>
                   <a:schemeClr val="bg1"/>
                 </a:solidFill>
@@ -3755,7 +3760,7 @@
               <a:t>Computing,volume</a:t>
             </a:r>
             <a:r>
-              <a:rPr lang="en-GB" sz="400" kern="100" dirty="0">
+              <a:rPr lang="en-GB" sz="300" kern="100" dirty="0">
                 <a:solidFill>
                   <a:schemeClr val="bg1"/>
                 </a:solidFill>
@@ -3767,7 +3772,7 @@
               <a:t> 3 issue 12, 1 - 10, https://ijcsmc.com/docs/papers/December2014/V3I12201404.pdf.Sjöstrand, M. (2005). </a:t>
             </a:r>
             <a:r>
-              <a:rPr lang="en-GB" sz="400" i="1" kern="100" dirty="0">
+              <a:rPr lang="en-GB" sz="300" i="1" kern="100" dirty="0">
                 <a:solidFill>
                   <a:schemeClr val="bg1"/>
                 </a:solidFill>
@@ -3779,7 +3784,7 @@
               <a:t>A study in compression algorithms</a:t>
             </a:r>
             <a:r>
-              <a:rPr lang="en-GB" sz="400" kern="100" dirty="0">
+              <a:rPr lang="en-GB" sz="300" kern="100" dirty="0">
                 <a:solidFill>
                   <a:schemeClr val="bg1"/>
                 </a:solidFill>
@@ -3791,7 +3796,7 @@
               <a:t>. https://www.diva-portal.org/smash/get/diva2:830266/FULLTEXT01.pdf. Peng, J., Kim, C.-S. and Jay Kuo, C.-C. . (2005). Technologies for 3D mesh compression: A survey. </a:t>
             </a:r>
             <a:r>
-              <a:rPr lang="en-GB" sz="400" i="1" kern="100" dirty="0">
+              <a:rPr lang="en-GB" sz="300" i="1" kern="100" dirty="0">
                 <a:solidFill>
                   <a:schemeClr val="bg1"/>
                 </a:solidFill>
@@ -3803,7 +3808,7 @@
               <a:t>Journal of Visual Communication and Image Representation</a:t>
             </a:r>
             <a:r>
-              <a:rPr lang="en-GB" sz="400" kern="100" dirty="0">
+              <a:rPr lang="en-GB" sz="300" kern="100" dirty="0">
                 <a:solidFill>
                   <a:schemeClr val="bg1"/>
                 </a:solidFill>
@@ -3815,7 +3820,7 @@
               <a:t>, 16(6), pp.688–733. </a:t>
             </a:r>
             <a:r>
-              <a:rPr lang="en-GB" sz="400" kern="100" dirty="0" err="1">
+              <a:rPr lang="en-GB" sz="300" kern="100" dirty="0" err="1">
                 <a:solidFill>
                   <a:schemeClr val="bg1"/>
                 </a:solidFill>
@@ -3827,7 +3832,7 @@
               <a:t>doi:https</a:t>
             </a:r>
             <a:r>
-              <a:rPr lang="en-GB" sz="400" kern="100" dirty="0">
+              <a:rPr lang="en-GB" sz="300" kern="100" dirty="0">
                 <a:solidFill>
                   <a:schemeClr val="bg1"/>
                 </a:solidFill>
@@ -3839,7 +3844,7 @@
               <a:t>://doi.org/10.1016/j.jvcir.2005.03.001. Girard, J.-F. and </a:t>
             </a:r>
             <a:r>
-              <a:rPr lang="en-GB" sz="400" kern="100" dirty="0" err="1">
+              <a:rPr lang="en-GB" sz="300" kern="100" dirty="0" err="1">
                 <a:solidFill>
                   <a:schemeClr val="bg1"/>
                 </a:solidFill>
@@ -3851,7 +3856,7 @@
               <a:t>Koschke</a:t>
             </a:r>
             <a:r>
-              <a:rPr lang="en-GB" sz="400" kern="100" dirty="0">
+              <a:rPr lang="en-GB" sz="300" kern="100" dirty="0">
                 <a:solidFill>
                   <a:schemeClr val="bg1"/>
                 </a:solidFill>
@@ -3863,7 +3868,7 @@
               <a:t>, R. (2000). A comparison of abstract data types and objects recovery techniques. </a:t>
             </a:r>
             <a:r>
-              <a:rPr lang="en-GB" sz="400" i="1" kern="100" dirty="0">
+              <a:rPr lang="en-GB" sz="300" i="1" kern="100" dirty="0">
                 <a:solidFill>
                   <a:schemeClr val="bg1"/>
                 </a:solidFill>
@@ -3875,7 +3880,7 @@
               <a:t>Science of Computer Programming</a:t>
             </a:r>
             <a:r>
-              <a:rPr lang="en-GB" sz="400" kern="100" dirty="0">
+              <a:rPr lang="en-GB" sz="300" kern="100" dirty="0">
                 <a:solidFill>
                   <a:schemeClr val="bg1"/>
                 </a:solidFill>
@@ -3887,7 +3892,7 @@
               <a:t>, 36(2-3), pp.149–181. </a:t>
             </a:r>
             <a:r>
-              <a:rPr lang="en-GB" sz="400" kern="100" dirty="0" err="1">
+              <a:rPr lang="en-GB" sz="300" kern="100" dirty="0" err="1">
                 <a:solidFill>
                   <a:schemeClr val="bg1"/>
                 </a:solidFill>
@@ -3899,7 +3904,7 @@
               <a:t>doi:https</a:t>
             </a:r>
             <a:r>
-              <a:rPr lang="en-GB" sz="400" kern="100" dirty="0">
+              <a:rPr lang="en-GB" sz="300" kern="100" dirty="0">
                 <a:solidFill>
                   <a:schemeClr val="bg1"/>
                 </a:solidFill>
@@ -3911,7 +3916,7 @@
               <a:t>://doi.org/10.1016/s0167-6423(99)00035-0. Guttag, J.V., Horowitz, E. and Musser, D.R. (1978). Abstract data types and software validation. </a:t>
             </a:r>
             <a:r>
-              <a:rPr lang="en-GB" sz="400" i="1" kern="100" dirty="0">
+              <a:rPr lang="en-GB" sz="300" i="1" kern="100" dirty="0">
                 <a:solidFill>
                   <a:schemeClr val="bg1"/>
                 </a:solidFill>
@@ -3923,7 +3928,7 @@
               <a:t>Communications of the ACM</a:t>
             </a:r>
             <a:r>
-              <a:rPr lang="en-GB" sz="400" kern="100" dirty="0">
+              <a:rPr lang="en-GB" sz="300" kern="100" dirty="0">
                 <a:solidFill>
                   <a:schemeClr val="bg1"/>
                 </a:solidFill>
@@ -3935,7 +3940,7 @@
               <a:t>, 21(12), pp.1048–1064. </a:t>
             </a:r>
             <a:r>
-              <a:rPr lang="en-GB" sz="400" kern="100" dirty="0" err="1">
+              <a:rPr lang="en-GB" sz="300" kern="100" dirty="0" err="1">
                 <a:solidFill>
                   <a:schemeClr val="bg1"/>
                 </a:solidFill>
@@ -3947,7 +3952,7 @@
               <a:t>doi:https</a:t>
             </a:r>
             <a:r>
-              <a:rPr lang="en-GB" sz="400" kern="100" dirty="0">
+              <a:rPr lang="en-GB" sz="300" kern="100" dirty="0">
                 <a:solidFill>
                   <a:schemeClr val="bg1"/>
                 </a:solidFill>
@@ -3959,7 +3964,7 @@
               <a:t>://doi.org/10.1145/359657.359666. Guttag, J. (1977). Abstract data types and the development of data structures. </a:t>
             </a:r>
             <a:r>
-              <a:rPr lang="en-GB" sz="400" i="1" kern="100" dirty="0">
+              <a:rPr lang="en-GB" sz="300" i="1" kern="100" dirty="0">
                 <a:solidFill>
                   <a:schemeClr val="bg1"/>
                 </a:solidFill>
@@ -3971,7 +3976,7 @@
               <a:t>Communications of the ACM</a:t>
             </a:r>
             <a:r>
-              <a:rPr lang="en-GB" sz="400" kern="100" dirty="0">
+              <a:rPr lang="en-GB" sz="300" kern="100" dirty="0">
                 <a:solidFill>
                   <a:schemeClr val="bg1"/>
                 </a:solidFill>
@@ -3983,7 +3988,7 @@
               <a:t>, 20(6), pp.396–404. </a:t>
             </a:r>
             <a:r>
-              <a:rPr lang="en-GB" sz="400" kern="100" dirty="0" err="1">
+              <a:rPr lang="en-GB" sz="300" kern="100" dirty="0" err="1">
                 <a:solidFill>
                   <a:schemeClr val="bg1"/>
                 </a:solidFill>
@@ -3995,7 +4000,7 @@
               <a:t>doi:https</a:t>
             </a:r>
             <a:r>
-              <a:rPr lang="en-GB" sz="400" kern="100" dirty="0">
+              <a:rPr lang="en-GB" sz="300" kern="100" dirty="0">
                 <a:solidFill>
                   <a:schemeClr val="bg1"/>
                 </a:solidFill>
@@ -4007,7 +4012,7 @@
               <a:t>://doi.org/10.1145/359605.359618. </a:t>
             </a:r>
             <a:r>
-              <a:rPr lang="en-GB" sz="400" kern="100" dirty="0" err="1">
+              <a:rPr lang="en-GB" sz="300" kern="100" dirty="0" err="1">
                 <a:solidFill>
                   <a:schemeClr val="bg1"/>
                 </a:solidFill>
@@ -4019,7 +4024,7 @@
               <a:t>Liskov</a:t>
             </a:r>
             <a:r>
-              <a:rPr lang="en-GB" sz="400" kern="100" dirty="0">
+              <a:rPr lang="en-GB" sz="300" kern="100" dirty="0">
                 <a:solidFill>
                   <a:schemeClr val="bg1"/>
                 </a:solidFill>
@@ -4031,7 +4036,7 @@
               <a:t>, B. and Zilles, S. (1974). Programming with abstract data types. </a:t>
             </a:r>
             <a:r>
-              <a:rPr lang="en-GB" sz="400" i="1" kern="100" dirty="0">
+              <a:rPr lang="en-GB" sz="300" i="1" kern="100" dirty="0">
                 <a:solidFill>
                   <a:schemeClr val="bg1"/>
                 </a:solidFill>
@@ -4043,7 +4048,7 @@
               <a:t>ACM SIGPLAN Notices</a:t>
             </a:r>
             <a:r>
-              <a:rPr lang="en-GB" sz="400" kern="100" dirty="0">
+              <a:rPr lang="en-GB" sz="300" kern="100" dirty="0">
                 <a:solidFill>
                   <a:schemeClr val="bg1"/>
                 </a:solidFill>
@@ -4055,7 +4060,7 @@
               <a:t>, 9(4), pp.50–59. </a:t>
             </a:r>
             <a:r>
-              <a:rPr lang="en-GB" sz="400" kern="100" dirty="0" err="1">
+              <a:rPr lang="en-GB" sz="300" kern="100" dirty="0" err="1">
                 <a:solidFill>
                   <a:schemeClr val="bg1"/>
                 </a:solidFill>
@@ -4067,7 +4072,7 @@
               <a:t>doi:https</a:t>
             </a:r>
             <a:r>
-              <a:rPr lang="en-GB" sz="400" kern="100" dirty="0">
+              <a:rPr lang="en-GB" sz="300" kern="100" dirty="0">
                 <a:solidFill>
                   <a:schemeClr val="bg1"/>
                 </a:solidFill>
@@ -4079,7 +4084,7 @@
               <a:t>://doi.org/10.1145/942572.807045. Musser, D.R. (1980). On proving inductive properties of abstract data types. </a:t>
             </a:r>
             <a:r>
-              <a:rPr lang="en-GB" sz="400" kern="100" dirty="0" err="1">
+              <a:rPr lang="en-GB" sz="300" kern="100" dirty="0" err="1">
                 <a:solidFill>
                   <a:schemeClr val="bg1"/>
                 </a:solidFill>
@@ -4091,7 +4096,7 @@
               <a:t>doi:https</a:t>
             </a:r>
             <a:r>
-              <a:rPr lang="en-GB" sz="400" kern="100" dirty="0">
+              <a:rPr lang="en-GB" sz="300" kern="100" dirty="0">
                 <a:solidFill>
                   <a:schemeClr val="bg1"/>
                 </a:solidFill>
@@ -4103,7 +4108,7 @@
               <a:t>://doi.org/10.1145/567446.567461. Bertoni, A., Mauri, G. and P. </a:t>
             </a:r>
             <a:r>
-              <a:rPr lang="en-GB" sz="400" kern="100" dirty="0" err="1">
+              <a:rPr lang="en-GB" sz="300" kern="100" dirty="0" err="1">
                 <a:solidFill>
                   <a:schemeClr val="bg1"/>
                 </a:solidFill>
@@ -4115,7 +4120,7 @@
               <a:t>Miglioli</a:t>
             </a:r>
             <a:r>
-              <a:rPr lang="en-GB" sz="400" kern="100" dirty="0">
+              <a:rPr lang="en-GB" sz="300" kern="100" dirty="0">
                 <a:solidFill>
                   <a:schemeClr val="bg1"/>
                 </a:solidFill>
@@ -4127,7 +4132,7 @@
               <a:t> (2006). Towards a theory of abstract data types: A discussion on problems and tools. </a:t>
             </a:r>
             <a:r>
-              <a:rPr lang="en-GB" sz="400" i="1" kern="100" dirty="0">
+              <a:rPr lang="en-GB" sz="300" i="1" kern="100" dirty="0">
                 <a:solidFill>
                   <a:schemeClr val="bg1"/>
                 </a:solidFill>
@@ -4139,7 +4144,7 @@
               <a:t>Lecture Notes in Computer Science</a:t>
             </a:r>
             <a:r>
-              <a:rPr lang="en-GB" sz="400" kern="100" dirty="0">
+              <a:rPr lang="en-GB" sz="300" kern="100" dirty="0">
                 <a:solidFill>
                   <a:schemeClr val="bg1"/>
                 </a:solidFill>
@@ -4151,7 +4156,7 @@
               <a:t>, [online] pp.44–58. </a:t>
             </a:r>
             <a:r>
-              <a:rPr lang="en-GB" sz="400" kern="100" dirty="0" err="1">
+              <a:rPr lang="en-GB" sz="300" kern="100" dirty="0" err="1">
                 <a:solidFill>
                   <a:schemeClr val="bg1"/>
                 </a:solidFill>
@@ -4163,7 +4168,7 @@
               <a:t>doi:https</a:t>
             </a:r>
             <a:r>
-              <a:rPr lang="en-GB" sz="400" kern="100" dirty="0">
+              <a:rPr lang="en-GB" sz="300" kern="100" dirty="0">
                 <a:solidFill>
                   <a:schemeClr val="bg1"/>
                 </a:solidFill>
@@ -4175,7 +4180,7 @@
               <a:t>://doi.org/10.1007/3-540-09981-6_4. A, A. (2021). </a:t>
             </a:r>
             <a:r>
-              <a:rPr lang="en-GB" sz="400" i="1" kern="100" dirty="0">
+              <a:rPr lang="en-GB" sz="300" i="1" kern="100" dirty="0">
                 <a:solidFill>
                   <a:schemeClr val="bg1"/>
                 </a:solidFill>
@@ -4187,7 +4192,7 @@
               <a:t>Reverse Engineering Research</a:t>
             </a:r>
             <a:r>
-              <a:rPr lang="en-GB" sz="400" kern="100" dirty="0">
+              <a:rPr lang="en-GB" sz="300" kern="100" dirty="0">
                 <a:solidFill>
                   <a:schemeClr val="bg1"/>
                 </a:solidFill>
@@ -4199,7 +4204,7 @@
               <a:t>. [online] </a:t>
             </a:r>
             <a:r>
-              <a:rPr lang="en-GB" sz="400" kern="100" dirty="0" err="1">
+              <a:rPr lang="en-GB" sz="300" kern="100" dirty="0" err="1">
                 <a:solidFill>
                   <a:schemeClr val="bg1"/>
                 </a:solidFill>
@@ -4211,7 +4216,7 @@
               <a:t>doi:https</a:t>
             </a:r>
             <a:r>
-              <a:rPr lang="en-GB" sz="400" kern="100" dirty="0">
+              <a:rPr lang="en-GB" sz="300" kern="100" dirty="0">
                 <a:solidFill>
                   <a:schemeClr val="bg1"/>
                 </a:solidFill>
@@ -4223,7 +4228,7 @@
               <a:t>://doi.org/10.13140/RG.2.2.28030.51520. Mantovani, A., </a:t>
             </a:r>
             <a:r>
-              <a:rPr lang="en-GB" sz="400" kern="100" dirty="0" err="1">
+              <a:rPr lang="en-GB" sz="300" kern="100" dirty="0" err="1">
                 <a:solidFill>
                   <a:schemeClr val="bg1"/>
                 </a:solidFill>
@@ -4235,7 +4240,7 @@
               <a:t>Aonzo</a:t>
             </a:r>
             <a:r>
-              <a:rPr lang="en-GB" sz="400" kern="100" dirty="0">
+              <a:rPr lang="en-GB" sz="300" kern="100" dirty="0">
                 <a:solidFill>
                   <a:schemeClr val="bg1"/>
                 </a:solidFill>
@@ -4247,7 +4252,7 @@
               <a:t>, S., </a:t>
             </a:r>
             <a:r>
-              <a:rPr lang="en-GB" sz="400" kern="100" dirty="0" err="1">
+              <a:rPr lang="en-GB" sz="300" kern="100" dirty="0" err="1">
                 <a:solidFill>
                   <a:schemeClr val="bg1"/>
                 </a:solidFill>
@@ -4259,7 +4264,7 @@
               <a:t>Fratantonio</a:t>
             </a:r>
             <a:r>
-              <a:rPr lang="en-GB" sz="400" kern="100" dirty="0">
+              <a:rPr lang="en-GB" sz="300" kern="100" dirty="0">
                 <a:solidFill>
                   <a:schemeClr val="bg1"/>
                 </a:solidFill>
@@ -4271,7 +4276,7 @@
               <a:t>, Y., Talos, C. and </a:t>
             </a:r>
             <a:r>
-              <a:rPr lang="en-GB" sz="400" kern="100" dirty="0" err="1">
+              <a:rPr lang="en-GB" sz="300" kern="100" dirty="0" err="1">
                 <a:solidFill>
                   <a:schemeClr val="bg1"/>
                 </a:solidFill>
@@ -4283,7 +4288,7 @@
               <a:t>Balzarotti</a:t>
             </a:r>
             <a:r>
-              <a:rPr lang="en-GB" sz="400" kern="100" dirty="0">
+              <a:rPr lang="en-GB" sz="300" kern="100" dirty="0">
                 <a:solidFill>
                   <a:schemeClr val="bg1"/>
                 </a:solidFill>
@@ -4295,7 +4300,7 @@
               <a:t>, D. (n.d.). </a:t>
             </a:r>
             <a:r>
-              <a:rPr lang="en-GB" sz="400" i="1" kern="100" dirty="0">
+              <a:rPr lang="en-GB" sz="300" i="1" kern="100" dirty="0">
                 <a:solidFill>
                   <a:schemeClr val="bg1"/>
                 </a:solidFill>
@@ -4307,7 +4312,7 @@
               <a:t>RE-Mind: a First Look Inside the Mind of a Reverse Engineer</a:t>
             </a:r>
             <a:r>
-              <a:rPr lang="en-GB" sz="400" kern="100" dirty="0">
+              <a:rPr lang="en-GB" sz="300" kern="100" dirty="0">
                 <a:solidFill>
                   <a:schemeClr val="bg1"/>
                 </a:solidFill>
@@ -4319,7 +4324,7 @@
               <a:t>. [online] Available at: https://www.usenix.org/system/files/sec22summer_mantovani.pdf. Jain, A., Swapnil Soner and Anand Gadwal (2011). Reverse engineering: Journey from code to design. </a:t>
             </a:r>
             <a:r>
-              <a:rPr lang="en-GB" sz="400" kern="100" dirty="0" err="1">
+              <a:rPr lang="en-GB" sz="300" kern="100" dirty="0" err="1">
                 <a:solidFill>
                   <a:schemeClr val="bg1"/>
                 </a:solidFill>
@@ -4331,7 +4336,7 @@
               <a:t>doi:https</a:t>
             </a:r>
             <a:r>
-              <a:rPr lang="en-GB" sz="400" kern="100" dirty="0">
+              <a:rPr lang="en-GB" sz="300" kern="100" dirty="0">
                 <a:solidFill>
                   <a:schemeClr val="bg1"/>
                 </a:solidFill>
@@ -4343,7 +4348,7 @@
               <a:t>://doi.org/10.1109/icectech.2011.5941966.Singh, R. (2013). A Review of Reverse Engineering Theories and Tools. [online] 2, pp.35–38. Available at: https://www.ijesi.org/papers/Vol(2)1/G213538.pdf. </a:t>
             </a:r>
             <a:r>
-              <a:rPr lang="en-GB" sz="400" kern="100" dirty="0" err="1">
+              <a:rPr lang="en-GB" sz="300" kern="100" dirty="0" err="1">
                 <a:solidFill>
                   <a:schemeClr val="bg1"/>
                 </a:solidFill>
@@ -4355,7 +4360,7 @@
               <a:t>Cipresso</a:t>
             </a:r>
             <a:r>
-              <a:rPr lang="en-GB" sz="400" kern="100" dirty="0">
+              <a:rPr lang="en-GB" sz="300" kern="100" dirty="0">
                 <a:solidFill>
                   <a:schemeClr val="bg1"/>
                 </a:solidFill>
@@ -4367,7 +4372,7 @@
               <a:t>, T. and Stamp, M. (2010). Software Reverse Engineering. </a:t>
             </a:r>
             <a:r>
-              <a:rPr lang="en-GB" sz="400" i="1" kern="100" dirty="0">
+              <a:rPr lang="en-GB" sz="300" i="1" kern="100" dirty="0">
                 <a:solidFill>
                   <a:schemeClr val="bg1"/>
                 </a:solidFill>
@@ -4379,7 +4384,7 @@
               <a:t>Handbook of Information and Communication Security</a:t>
             </a:r>
             <a:r>
-              <a:rPr lang="en-GB" sz="400" kern="100" dirty="0">
+              <a:rPr lang="en-GB" sz="300" kern="100" dirty="0">
                 <a:solidFill>
                   <a:schemeClr val="bg1"/>
                 </a:solidFill>
@@ -4391,7 +4396,7 @@
               <a:t>, pp.659–696. </a:t>
             </a:r>
             <a:r>
-              <a:rPr lang="en-GB" sz="400" kern="100" dirty="0" err="1">
+              <a:rPr lang="en-GB" sz="300" kern="100" dirty="0" err="1">
                 <a:solidFill>
                   <a:schemeClr val="bg1"/>
                 </a:solidFill>
@@ -4403,7 +4408,7 @@
               <a:t>doi:https</a:t>
             </a:r>
             <a:r>
-              <a:rPr lang="en-GB" sz="400" kern="100" dirty="0">
+              <a:rPr lang="en-GB" sz="300" kern="100" dirty="0">
                 <a:solidFill>
                   <a:schemeClr val="bg1"/>
                 </a:solidFill>
@@ -4415,7 +4420,7 @@
               <a:t>://doi.org/10.1007/978-3-642-04117-4_31. Müller, H.A., Jahnke, J.H., Smith, D.B., Storey, M.-A., Tilley, S.R. and Wong, K. (2000). Reverse engineering. </a:t>
             </a:r>
             <a:r>
-              <a:rPr lang="en-GB" sz="400" i="1" kern="100" dirty="0">
+              <a:rPr lang="en-GB" sz="300" i="1" kern="100" dirty="0">
                 <a:solidFill>
                   <a:schemeClr val="bg1"/>
                 </a:solidFill>
@@ -4427,7 +4432,7 @@
               <a:t>Proceedings of the conference on The future of Software engineering - ICSE ’00</a:t>
             </a:r>
             <a:r>
-              <a:rPr lang="en-GB" sz="400" kern="100" dirty="0">
+              <a:rPr lang="en-GB" sz="300" kern="100" dirty="0">
                 <a:solidFill>
                   <a:schemeClr val="bg1"/>
                 </a:solidFill>
@@ -4439,7 +4444,7 @@
               <a:t>. </a:t>
             </a:r>
             <a:r>
-              <a:rPr lang="en-GB" sz="400" kern="100" dirty="0" err="1">
+              <a:rPr lang="en-GB" sz="300" kern="100" dirty="0" err="1">
                 <a:solidFill>
                   <a:schemeClr val="bg1"/>
                 </a:solidFill>
@@ -4451,7 +4456,7 @@
               <a:t>doi:https</a:t>
             </a:r>
             <a:r>
-              <a:rPr lang="en-GB" sz="400" kern="100" dirty="0">
+              <a:rPr lang="en-GB" sz="300" kern="100" dirty="0">
                 <a:solidFill>
                   <a:schemeClr val="bg1"/>
                 </a:solidFill>
@@ -4463,7 +4468,7 @@
               <a:t>://doi.org/10.1145/336512.336526. Google Books. (2024). </a:t>
             </a:r>
             <a:r>
-              <a:rPr lang="en-GB" sz="400" i="1" kern="100" dirty="0">
+              <a:rPr lang="en-GB" sz="300" i="1" kern="100" dirty="0">
                 <a:solidFill>
                   <a:schemeClr val="bg1"/>
                 </a:solidFill>
@@ -4475,7 +4480,7 @@
               <a:t>Reversing</a:t>
             </a:r>
             <a:r>
-              <a:rPr lang="en-GB" sz="400" kern="100" dirty="0">
+              <a:rPr lang="en-GB" sz="300" kern="100" dirty="0">
                 <a:solidFill>
                   <a:schemeClr val="bg1"/>
                 </a:solidFill>
@@ -4487,7 +4492,7 @@
               <a:t>. [online] Available at: https://books.google.co.uk/books?hl=en&amp;lr=&amp;id=_78HnPPRU_oC&amp;oi=fnd&amp;pg=PR23&amp;dq=reverse+engi </a:t>
             </a:r>
             <a:r>
-              <a:rPr lang="en-GB" sz="400" kern="100" dirty="0" err="1">
+              <a:rPr lang="en-GB" sz="300" kern="100" dirty="0" err="1">
                 <a:solidFill>
                   <a:schemeClr val="bg1"/>
                 </a:solidFill>
@@ -4499,7 +4504,7 @@
               <a:t>neering+software&amp;ots</a:t>
             </a:r>
             <a:r>
-              <a:rPr lang="en-GB" sz="400" kern="100" dirty="0">
+              <a:rPr lang="en-GB" sz="300" kern="100" dirty="0">
                 <a:solidFill>
                   <a:schemeClr val="bg1"/>
                 </a:solidFill>
@@ -4511,7 +4516,7 @@
               <a:t>=EP1MLkmRVn&amp;sig=stA7p1aP8xPSkUcFJi6jOCmA_Is&amp;redir_esc=</a:t>
             </a:r>
             <a:r>
-              <a:rPr lang="en-GB" sz="400" kern="100" dirty="0" err="1">
+              <a:rPr lang="en-GB" sz="300" kern="100" dirty="0" err="1">
                 <a:solidFill>
                   <a:schemeClr val="bg1"/>
                 </a:solidFill>
@@ -4523,7 +4528,7 @@
               <a:t>y#v</a:t>
             </a:r>
             <a:r>
-              <a:rPr lang="en-GB" sz="400" kern="100" dirty="0">
+              <a:rPr lang="en-GB" sz="300" kern="100" dirty="0">
                 <a:solidFill>
                   <a:schemeClr val="bg1"/>
                 </a:solidFill>
@@ -4535,7 +4540,7 @@
               <a:t>=</a:t>
             </a:r>
             <a:r>
-              <a:rPr lang="en-GB" sz="400" kern="100" dirty="0" err="1">
+              <a:rPr lang="en-GB" sz="300" kern="100" dirty="0" err="1">
                 <a:solidFill>
                   <a:schemeClr val="bg1"/>
                 </a:solidFill>
@@ -4547,7 +4552,7 @@
               <a:t>onepage</a:t>
             </a:r>
             <a:r>
-              <a:rPr lang="en-GB" sz="400" kern="100" dirty="0">
+              <a:rPr lang="en-GB" sz="300" kern="100" dirty="0">
                 <a:solidFill>
                   <a:schemeClr val="bg1"/>
                 </a:solidFill>
@@ -4559,7 +4564,7 @@
               <a:t> &amp;q=reverse%20engineering%20software&amp;f=false [Accessed 25 Nov. 2024]. Davis, K.L. and Alken, P.H. (2002). Data reverse engineering: a historical survey. </a:t>
             </a:r>
             <a:r>
-              <a:rPr lang="en-GB" sz="400" kern="100" dirty="0" err="1">
+              <a:rPr lang="en-GB" sz="300" kern="100" dirty="0" err="1">
                 <a:solidFill>
                   <a:schemeClr val="bg1"/>
                 </a:solidFill>
@@ -4571,7 +4576,7 @@
               <a:t>doi:https</a:t>
             </a:r>
             <a:r>
-              <a:rPr lang="en-GB" sz="400" kern="100" dirty="0">
+              <a:rPr lang="en-GB" sz="300" kern="100" dirty="0">
                 <a:solidFill>
                   <a:schemeClr val="bg1"/>
                 </a:solidFill>
@@ -4583,7 +4588,7 @@
               <a:t>://doi.org/10.1109/wcre.2000.891454. Bachell, A. and Barr, M. (2014). Video Game Preservation in the UK: A Survey of Records Management Practices. </a:t>
             </a:r>
             <a:r>
-              <a:rPr lang="en-GB" sz="400" i="1" kern="100" dirty="0">
+              <a:rPr lang="en-GB" sz="300" i="1" kern="100" dirty="0">
                 <a:solidFill>
                   <a:schemeClr val="bg1"/>
                 </a:solidFill>
@@ -4595,7 +4600,7 @@
               <a:t>International Journal of Digital Curation</a:t>
             </a:r>
             <a:r>
-              <a:rPr lang="en-GB" sz="400" kern="100" dirty="0">
+              <a:rPr lang="en-GB" sz="300" kern="100" dirty="0">
                 <a:solidFill>
                   <a:schemeClr val="bg1"/>
                 </a:solidFill>
@@ -4607,7 +4612,7 @@
               <a:t>, 9(2), pp.139–170. </a:t>
             </a:r>
             <a:r>
-              <a:rPr lang="en-GB" sz="400" kern="100" dirty="0" err="1">
+              <a:rPr lang="en-GB" sz="300" kern="100" dirty="0" err="1">
                 <a:solidFill>
                   <a:schemeClr val="bg1"/>
                 </a:solidFill>
@@ -4619,7 +4624,7 @@
               <a:t>doi:https</a:t>
             </a:r>
             <a:r>
-              <a:rPr lang="en-GB" sz="400" kern="100" dirty="0">
+              <a:rPr lang="en-GB" sz="300" kern="100" dirty="0">
                 <a:solidFill>
                   <a:schemeClr val="bg1"/>
                 </a:solidFill>
@@ -4631,7 +4636,7 @@
               <a:t>://doi.org/10.2218/ijdc.v9i2.294. Davide V (2024). </a:t>
             </a:r>
             <a:r>
-              <a:rPr lang="en-GB" sz="400" i="1" kern="100" dirty="0">
+              <a:rPr lang="en-GB" sz="300" i="1" kern="100" dirty="0">
                 <a:solidFill>
                   <a:schemeClr val="bg1"/>
                 </a:solidFill>
@@ -4643,7 +4648,7 @@
               <a:t>GTA-Modding.com - Download Area» GTA San Andreas» Tools» RW </a:t>
             </a:r>
             <a:r>
-              <a:rPr lang="en-GB" sz="400" i="1" kern="100" dirty="0" err="1">
+              <a:rPr lang="en-GB" sz="300" i="1" kern="100" dirty="0" err="1">
                 <a:solidFill>
                   <a:schemeClr val="bg1"/>
                 </a:solidFill>
@@ -4655,7 +4660,7 @@
               <a:t>Analyze</a:t>
             </a:r>
             <a:r>
-              <a:rPr lang="en-GB" sz="400" kern="100" dirty="0">
+              <a:rPr lang="en-GB" sz="300" kern="100" dirty="0">
                 <a:solidFill>
                   <a:schemeClr val="bg1"/>
                 </a:solidFill>
@@ -4667,7 +4672,7 @@
               <a:t>. [online] Gta-modding.com. Available at: https://www.gta-modding.com/area/file-33-rw-analyze.html [Accessed 25 Nov. 2024]. Winget, M.A. and Murray, C. (2008). Collecting and preserving videogames and their related materials: A review of current practice, game-related archives and research projects. </a:t>
             </a:r>
             <a:r>
-              <a:rPr lang="en-GB" sz="400" i="1" kern="100" dirty="0">
+              <a:rPr lang="en-GB" sz="300" i="1" kern="100" dirty="0">
                 <a:solidFill>
                   <a:schemeClr val="bg1"/>
                 </a:solidFill>
@@ -4679,7 +4684,7 @@
               <a:t>Proceedings of the American Society for Information Science and Technology</a:t>
             </a:r>
             <a:r>
-              <a:rPr lang="en-GB" sz="400" kern="100" dirty="0">
+              <a:rPr lang="en-GB" sz="300" kern="100" dirty="0">
                 <a:solidFill>
                   <a:schemeClr val="bg1"/>
                 </a:solidFill>
@@ -4691,7 +4696,7 @@
               <a:t>, 45(1), pp.1–9. </a:t>
             </a:r>
             <a:r>
-              <a:rPr lang="en-GB" sz="400" kern="100" dirty="0" err="1">
+              <a:rPr lang="en-GB" sz="300" kern="100" dirty="0" err="1">
                 <a:solidFill>
                   <a:schemeClr val="bg1"/>
                 </a:solidFill>
@@ -4703,7 +4708,7 @@
               <a:t>doi:https</a:t>
             </a:r>
             <a:r>
-              <a:rPr lang="en-GB" sz="400" kern="100" dirty="0">
+              <a:rPr lang="en-GB" sz="300" kern="100" dirty="0">
                 <a:solidFill>
                   <a:schemeClr val="bg1"/>
                 </a:solidFill>
@@ -4715,7 +4720,7 @@
               <a:t>://doi.org/10.1002/meet.2008.1450450250. Todd, B. and Hopkins, J. (2019). </a:t>
             </a:r>
             <a:r>
-              <a:rPr lang="en-GB" sz="400" i="1" kern="100" dirty="0">
+              <a:rPr lang="en-GB" sz="300" i="1" kern="100" dirty="0">
                 <a:solidFill>
                   <a:schemeClr val="bg1"/>
                 </a:solidFill>
@@ -4727,7 +4732,7 @@
               <a:t>Running head: PRESERVING VIDEO GAME SIGNIFICANCE Preserving Video Game Significance: A Practical Guide for Video Game Preservation, Exhibition, and their Significant Properties</a:t>
             </a:r>
             <a:r>
-              <a:rPr lang="en-GB" sz="400" kern="100" dirty="0">
+              <a:rPr lang="en-GB" sz="300" kern="100" dirty="0">
                 <a:solidFill>
                   <a:schemeClr val="bg1"/>
                 </a:solidFill>
@@ -4739,7 +4744,7 @@
               <a:t>. [online] Available at: https://jscholarship.library.jhu.edu/server/api/core/bitstreams/49d19d02-a439-4a7d-8243-a685429cbcac/c </a:t>
             </a:r>
             <a:r>
-              <a:rPr lang="en-GB" sz="400" kern="100" dirty="0" err="1">
+              <a:rPr lang="en-GB" sz="300" kern="100" dirty="0" err="1">
                 <a:solidFill>
                   <a:schemeClr val="bg1"/>
                 </a:solidFill>
@@ -4751,7 +4756,7 @@
               <a:t>ontent.Guay</a:t>
             </a:r>
             <a:r>
-              <a:rPr lang="en-GB" sz="400" kern="100" dirty="0">
+              <a:rPr lang="en-GB" sz="300" kern="100" dirty="0">
                 <a:solidFill>
                   <a:schemeClr val="bg1"/>
                 </a:solidFill>
@@ -4763,7 +4768,7 @@
               <a:t>-Bélanger, D. (2021). Assembling Auras: Towards a Methodology for the Preservation and Study of Video Games as Cultural Heritage Artefacts. </a:t>
             </a:r>
             <a:r>
-              <a:rPr lang="en-GB" sz="400" i="1" kern="100" dirty="0">
+              <a:rPr lang="en-GB" sz="300" i="1" kern="100" dirty="0">
                 <a:solidFill>
                   <a:schemeClr val="bg1"/>
                 </a:solidFill>
@@ -4775,7 +4780,7 @@
               <a:t>Games and Culture</a:t>
             </a:r>
             <a:r>
-              <a:rPr lang="en-GB" sz="400" kern="100" dirty="0">
+              <a:rPr lang="en-GB" sz="300" kern="100" dirty="0">
                 <a:solidFill>
                   <a:schemeClr val="bg1"/>
                 </a:solidFill>
@@ -4787,7 +4792,7 @@
               <a:t>, p.155541202110203. </a:t>
             </a:r>
             <a:r>
-              <a:rPr lang="en-GB" sz="400" kern="100" dirty="0" err="1">
+              <a:rPr lang="en-GB" sz="300" kern="100" dirty="0" err="1">
                 <a:solidFill>
                   <a:schemeClr val="bg1"/>
                 </a:solidFill>
@@ -4799,7 +4804,7 @@
               <a:t>doi:https</a:t>
             </a:r>
             <a:r>
-              <a:rPr lang="en-GB" sz="400" kern="100" dirty="0">
+              <a:rPr lang="en-GB" sz="300" kern="100" dirty="0">
                 <a:solidFill>
                   <a:schemeClr val="bg1"/>
                 </a:solidFill>
@@ -4811,7 +4816,7 @@
               <a:t>://doi.org/10.1177/15554120211020381. Digra.org. (2024). </a:t>
             </a:r>
             <a:r>
-              <a:rPr lang="en-GB" sz="400" i="1" kern="100" dirty="0">
+              <a:rPr lang="en-GB" sz="300" i="1" kern="100" dirty="0">
                 <a:solidFill>
                   <a:schemeClr val="bg1"/>
                 </a:solidFill>
@@ -4823,7 +4828,7 @@
               <a:t>View of Before It’s Too Late: Preserving Games across the Industry / Academia divide</a:t>
             </a:r>
             <a:r>
-              <a:rPr lang="en-GB" sz="400" kern="100" dirty="0">
+              <a:rPr lang="en-GB" sz="300" kern="100" dirty="0">
                 <a:solidFill>
                   <a:schemeClr val="bg1"/>
                 </a:solidFill>
@@ -4835,7 +4840,7 @@
               <a:t>. [online] Available at: https://dl.digra.org/index.php/dl/article/view/468/468 [Accessed 25 Nov. 2024]. Johansson, C. and </a:t>
             </a:r>
             <a:r>
-              <a:rPr lang="en-GB" sz="400" kern="100" dirty="0" err="1">
+              <a:rPr lang="en-GB" sz="300" kern="100" dirty="0" err="1">
                 <a:solidFill>
                   <a:schemeClr val="bg1"/>
                 </a:solidFill>
@@ -4847,7 +4852,7 @@
               <a:t>Koenitz</a:t>
             </a:r>
             <a:r>
-              <a:rPr lang="en-GB" sz="400" kern="100" dirty="0">
+              <a:rPr lang="en-GB" sz="300" kern="100" dirty="0">
                 <a:solidFill>
                   <a:schemeClr val="bg1"/>
                 </a:solidFill>
@@ -4859,7 +4864,7 @@
               <a:t>, H. (n.d.). </a:t>
             </a:r>
             <a:r>
-              <a:rPr lang="en-GB" sz="400" i="1" kern="100" dirty="0">
+              <a:rPr lang="en-GB" sz="300" i="1" kern="100" dirty="0">
                 <a:solidFill>
                   <a:schemeClr val="bg1"/>
                 </a:solidFill>
@@ -4871,7 +4876,7 @@
               <a:t>Video Game Preservation and Emulation from Three Perspectives: Developers, Archivists and Gamers Video Game Preservation and Emulation from Three Perspectives: Developers, Archivists and Gamers</a:t>
             </a:r>
             <a:r>
-              <a:rPr lang="en-GB" sz="400" kern="100" dirty="0">
+              <a:rPr lang="en-GB" sz="300" kern="100" dirty="0">
                 <a:solidFill>
                   <a:schemeClr val="bg1"/>
                 </a:solidFill>
@@ -4883,7 +4888,7 @@
               <a:t>. [online] Available at: http://sh.diva-portal.org/smash/get/diva2:1807915/FULLTEXT02.pdf. Haydock, C. (2018). </a:t>
             </a:r>
             <a:r>
-              <a:rPr lang="en-GB" sz="400" i="1" kern="100" dirty="0">
+              <a:rPr lang="en-GB" sz="300" i="1" kern="100" dirty="0">
                 <a:solidFill>
                   <a:schemeClr val="bg1"/>
                 </a:solidFill>
@@ -4895,7 +4900,7 @@
               <a:t>Challenges in Preserving Video Games</a:t>
             </a:r>
             <a:r>
-              <a:rPr lang="en-GB" sz="400" kern="100" dirty="0">
+              <a:rPr lang="en-GB" sz="300" kern="100" dirty="0">
                 <a:solidFill>
                   <a:schemeClr val="bg1"/>
                 </a:solidFill>
@@ -4907,7 +4912,7 @@
               <a:t>. [online] Carolina Digital Repository. Available at: https://cdr.lib.unc.edu/concern/masters_papers/fn107276t [Accessed 25 Nov. 2024]. Folk, M. and </a:t>
             </a:r>
             <a:r>
-              <a:rPr lang="en-GB" sz="400" kern="100" dirty="0" err="1">
+              <a:rPr lang="en-GB" sz="300" kern="100" dirty="0" err="1">
                 <a:solidFill>
                   <a:schemeClr val="bg1"/>
                 </a:solidFill>
@@ -4919,7 +4924,7 @@
               <a:t>Barkstrom</a:t>
             </a:r>
             <a:r>
-              <a:rPr lang="en-GB" sz="400" kern="100" dirty="0">
+              <a:rPr lang="en-GB" sz="300" kern="100" dirty="0">
                 <a:solidFill>
                   <a:schemeClr val="bg1"/>
                 </a:solidFill>
@@ -4931,7 +4936,7 @@
               <a:t>, B.R. (2003). </a:t>
             </a:r>
             <a:r>
-              <a:rPr lang="en-GB" sz="400" i="1" kern="100" dirty="0">
+              <a:rPr lang="en-GB" sz="300" i="1" kern="100" dirty="0">
                 <a:solidFill>
                   <a:schemeClr val="bg1"/>
                 </a:solidFill>
@@ -4943,7 +4948,7 @@
               <a:t>Attributes of file formats for long-term preservation of scientific and engineering data in digital libraries</a:t>
             </a:r>
             <a:r>
-              <a:rPr lang="en-GB" sz="400" kern="100" dirty="0">
+              <a:rPr lang="en-GB" sz="300" kern="100" dirty="0">
                 <a:solidFill>
                   <a:schemeClr val="bg1"/>
                 </a:solidFill>
@@ -4955,7 +4960,7 @@
               <a:t>. [online] Available at: https://www.researchgate.net/publication/228726593_Attributes_of_file_formats_for_long-term_preservation_of_scientific_and_engineering_data_in_digital_libraries. THE DEFINITIVE GUIDE TO EXPLORING FILE FORMATS </a:t>
             </a:r>
             <a:r>
-              <a:rPr lang="en-GB" sz="400" kern="100" dirty="0" err="1">
+              <a:rPr lang="en-GB" sz="300" kern="100" dirty="0" err="1">
                 <a:solidFill>
                   <a:schemeClr val="bg1"/>
                 </a:solidFill>
@@ -4967,7 +4972,7 @@
               <a:t>Mr.Mouse</a:t>
             </a:r>
             <a:r>
-              <a:rPr lang="en-GB" sz="400" kern="100" dirty="0">
+              <a:rPr lang="en-GB" sz="300" kern="100" dirty="0">
                 <a:solidFill>
                   <a:schemeClr val="bg1"/>
                 </a:solidFill>
@@ -4979,7 +4984,7 @@
               <a:t> and WATTO. (n.d.). Available at: https://www.gamedevs.org/uploads/the-definitive-guide-to-exploring-file-formats.pdf [Accessed 25 Nov. 2024]. File Formats for Big Data Storage Systems. (2019). </a:t>
             </a:r>
             <a:r>
-              <a:rPr lang="en-GB" sz="400" i="1" kern="100" dirty="0">
+              <a:rPr lang="en-GB" sz="300" i="1" kern="100" dirty="0">
                 <a:solidFill>
                   <a:schemeClr val="bg1"/>
                 </a:solidFill>
@@ -4991,7 +4996,7 @@
               <a:t>International Journal of Engineering and Advanced Technology</a:t>
             </a:r>
             <a:r>
-              <a:rPr lang="en-GB" sz="400" kern="100" dirty="0">
+              <a:rPr lang="en-GB" sz="300" kern="100" dirty="0">
                 <a:solidFill>
                   <a:schemeClr val="bg1"/>
                 </a:solidFill>
@@ -5003,7 +5008,7 @@
               <a:t>, 9(1), pp.2906–2912. </a:t>
             </a:r>
             <a:r>
-              <a:rPr lang="en-GB" sz="400" kern="100" dirty="0" err="1">
+              <a:rPr lang="en-GB" sz="300" kern="100" dirty="0" err="1">
                 <a:solidFill>
                   <a:schemeClr val="bg1"/>
                 </a:solidFill>
@@ -5015,7 +5020,7 @@
               <a:t>doi:https</a:t>
             </a:r>
             <a:r>
-              <a:rPr lang="en-GB" sz="400" kern="100" dirty="0">
+              <a:rPr lang="en-GB" sz="300" kern="100" dirty="0">
                 <a:solidFill>
                   <a:schemeClr val="bg1"/>
                 </a:solidFill>
@@ -5027,7 +5032,7 @@
               <a:t>://doi.org/10.35940/ijeat.a1196.109119. Zhenhua, W. (2018). Design and Research of an Image File Format with Rich Information. </a:t>
             </a:r>
             <a:r>
-              <a:rPr lang="en-GB" sz="400" i="1" kern="100" dirty="0">
+              <a:rPr lang="en-GB" sz="300" i="1" kern="100" dirty="0">
                 <a:solidFill>
                   <a:schemeClr val="bg1"/>
                 </a:solidFill>
@@ -5039,7 +5044,7 @@
               <a:t>Journal of Electrical and Electronic Engineering</a:t>
             </a:r>
             <a:r>
-              <a:rPr lang="en-GB" sz="400" kern="100" dirty="0">
+              <a:rPr lang="en-GB" sz="300" kern="100" dirty="0">
                 <a:solidFill>
                   <a:schemeClr val="bg1"/>
                 </a:solidFill>
@@ -5051,7 +5056,7 @@
               <a:t>, 6(2), p.71. </a:t>
             </a:r>
             <a:r>
-              <a:rPr lang="en-GB" sz="400" kern="100" dirty="0" err="1">
+              <a:rPr lang="en-GB" sz="300" kern="100" dirty="0" err="1">
                 <a:solidFill>
                   <a:schemeClr val="bg1"/>
                 </a:solidFill>
@@ -5063,7 +5068,7 @@
               <a:t>doi:https</a:t>
             </a:r>
             <a:r>
-              <a:rPr lang="en-GB" sz="400" kern="100" dirty="0">
+              <a:rPr lang="en-GB" sz="300" kern="100" dirty="0">
                 <a:solidFill>
                   <a:schemeClr val="bg1"/>
                 </a:solidFill>
@@ -5075,7 +5080,7 @@
               <a:t>://doi.org/10.11648/j.jeee.20180602.16. Ontology of Heterogeneous Image File Formats and their Disparate Applications. (2021). </a:t>
             </a:r>
             <a:r>
-              <a:rPr lang="en-GB" sz="400" i="1" kern="100" dirty="0">
+              <a:rPr lang="en-GB" sz="300" i="1" kern="100" dirty="0">
                 <a:solidFill>
                   <a:schemeClr val="bg1"/>
                 </a:solidFill>
@@ -5087,7 +5092,7 @@
               <a:t>International Journal of Advanced Trends in Computer Science and Engineering</a:t>
             </a:r>
             <a:r>
-              <a:rPr lang="en-GB" sz="400" kern="100" dirty="0">
+              <a:rPr lang="en-GB" sz="300" kern="100" dirty="0">
                 <a:solidFill>
                   <a:schemeClr val="bg1"/>
                 </a:solidFill>
@@ -5099,7 +5104,7 @@
               <a:t>, 10(6), pp.3138–3143. </a:t>
             </a:r>
             <a:r>
-              <a:rPr lang="en-GB" sz="400" kern="100" dirty="0" err="1">
+              <a:rPr lang="en-GB" sz="300" kern="100" dirty="0" err="1">
                 <a:solidFill>
                   <a:schemeClr val="bg1"/>
                 </a:solidFill>
@@ -5111,7 +5116,7 @@
               <a:t>doi:https</a:t>
             </a:r>
             <a:r>
-              <a:rPr lang="en-GB" sz="400" kern="100" dirty="0">
+              <a:rPr lang="en-GB" sz="300" kern="100" dirty="0">
                 <a:solidFill>
                   <a:schemeClr val="bg1"/>
                 </a:solidFill>
@@ -5123,7 +5128,7 @@
               <a:t>://doi.org/10.30534/</a:t>
             </a:r>
             <a:r>
-              <a:rPr lang="en-GB" sz="400" kern="100" dirty="0" err="1">
+              <a:rPr lang="en-GB" sz="300" kern="100" dirty="0" err="1">
                 <a:solidFill>
                   <a:schemeClr val="bg1"/>
                 </a:solidFill>
@@ -5135,7 +5140,7 @@
               <a:t>ijatcse</a:t>
             </a:r>
             <a:r>
-              <a:rPr lang="en-GB" sz="400" kern="100" dirty="0">
+              <a:rPr lang="en-GB" sz="300" kern="100" dirty="0">
                 <a:solidFill>
                   <a:schemeClr val="bg1"/>
                 </a:solidFill>
@@ -5147,7 +5152,7 @@
               <a:t>/2021/091062021. Dinneen, J.D. and Julien, C.-A. (2021). </a:t>
             </a:r>
             <a:r>
-              <a:rPr lang="en-GB" sz="400" i="1" kern="100" dirty="0">
+              <a:rPr lang="en-GB" sz="300" i="1" kern="100" dirty="0">
                 <a:solidFill>
                   <a:schemeClr val="bg1"/>
                 </a:solidFill>
@@ -5159,7 +5164,7 @@
               <a:t>The ubiquitous digital file: A review of file management research</a:t>
             </a:r>
             <a:r>
-              <a:rPr lang="en-GB" sz="400" kern="100" dirty="0">
+              <a:rPr lang="en-GB" sz="300" kern="100" dirty="0">
                 <a:solidFill>
                   <a:schemeClr val="bg1"/>
                 </a:solidFill>
@@ -5171,7 +5176,7 @@
               <a:t>. [online] </a:t>
             </a:r>
             <a:r>
-              <a:rPr lang="en-GB" sz="400" kern="100" dirty="0" err="1">
+              <a:rPr lang="en-GB" sz="300" kern="100" dirty="0" err="1">
                 <a:solidFill>
                   <a:schemeClr val="bg1"/>
                 </a:solidFill>
@@ -5183,7 +5188,7 @@
               <a:t>doi</a:t>
             </a:r>
             <a:r>
-              <a:rPr lang="en-GB" sz="400" kern="100" dirty="0">
+              <a:rPr lang="en-GB" sz="300" kern="100" dirty="0">
                 <a:solidFill>
                   <a:schemeClr val="bg1"/>
                 </a:solidFill>
@@ -5195,7 +5200,7 @@
               <a:t>: https://doi.org/10.48550/arXiv.2109.09668.Underwood, W. (2012). Grammar-Based Specification and Parsing of Binary File Formats. </a:t>
             </a:r>
             <a:r>
-              <a:rPr lang="en-GB" sz="400" i="1" kern="100" dirty="0">
+              <a:rPr lang="en-GB" sz="300" i="1" kern="100" dirty="0">
                 <a:solidFill>
                   <a:schemeClr val="bg1"/>
                 </a:solidFill>
@@ -5207,7 +5212,7 @@
               <a:t>International Journal of Digital Curation</a:t>
             </a:r>
             <a:r>
-              <a:rPr lang="en-GB" sz="400" kern="100" dirty="0">
+              <a:rPr lang="en-GB" sz="300" kern="100" dirty="0">
                 <a:solidFill>
                   <a:schemeClr val="bg1"/>
                 </a:solidFill>
@@ -5219,7 +5224,7 @@
               <a:t>, 7(1), pp.95–106. </a:t>
             </a:r>
             <a:r>
-              <a:rPr lang="en-GB" sz="400" kern="100" dirty="0" err="1">
+              <a:rPr lang="en-GB" sz="300" kern="100" dirty="0" err="1">
                 <a:solidFill>
                   <a:schemeClr val="bg1"/>
                 </a:solidFill>
@@ -5231,7 +5236,7 @@
               <a:t>doi:https</a:t>
             </a:r>
             <a:r>
-              <a:rPr lang="en-GB" sz="400" kern="100" dirty="0">
+              <a:rPr lang="en-GB" sz="300" kern="100" dirty="0">
                 <a:solidFill>
                   <a:schemeClr val="bg1"/>
                 </a:solidFill>

--- a/FYP_Poser.pptx
+++ b/FYP_Poser.pptx
@@ -104,6 +104,11 @@
       </a:defRPr>
     </a:lvl9pPr>
   </p:defaultTextStyle>
+  <p:extLst>
+    <p:ext uri="{EFAFB233-063F-42B5-8137-9DF3F51BA10A}">
+      <p15:sldGuideLst xmlns:p15="http://schemas.microsoft.com/office/powerpoint/2012/main"/>
+    </p:ext>
+  </p:extLst>
 </p:presentation>
 </file>
 
@@ -238,7 +243,7 @@
           <a:p>
             <a:fld id="{DCEEBA53-EBA9-40A5-BD15-213969A436B3}" type="datetimeFigureOut">
               <a:rPr lang="en-GB" smtClean="0"/>
-              <a:t>29/04/2025</a:t>
+              <a:t>01/05/2025</a:t>
             </a:fld>
             <a:endParaRPr lang="en-GB"/>
           </a:p>
@@ -408,7 +413,7 @@
           <a:p>
             <a:fld id="{DCEEBA53-EBA9-40A5-BD15-213969A436B3}" type="datetimeFigureOut">
               <a:rPr lang="en-GB" smtClean="0"/>
-              <a:t>29/04/2025</a:t>
+              <a:t>01/05/2025</a:t>
             </a:fld>
             <a:endParaRPr lang="en-GB"/>
           </a:p>
@@ -588,7 +593,7 @@
           <a:p>
             <a:fld id="{DCEEBA53-EBA9-40A5-BD15-213969A436B3}" type="datetimeFigureOut">
               <a:rPr lang="en-GB" smtClean="0"/>
-              <a:t>29/04/2025</a:t>
+              <a:t>01/05/2025</a:t>
             </a:fld>
             <a:endParaRPr lang="en-GB"/>
           </a:p>
@@ -758,7 +763,7 @@
           <a:p>
             <a:fld id="{DCEEBA53-EBA9-40A5-BD15-213969A436B3}" type="datetimeFigureOut">
               <a:rPr lang="en-GB" smtClean="0"/>
-              <a:t>29/04/2025</a:t>
+              <a:t>01/05/2025</a:t>
             </a:fld>
             <a:endParaRPr lang="en-GB"/>
           </a:p>
@@ -1004,7 +1009,7 @@
           <a:p>
             <a:fld id="{DCEEBA53-EBA9-40A5-BD15-213969A436B3}" type="datetimeFigureOut">
               <a:rPr lang="en-GB" smtClean="0"/>
-              <a:t>29/04/2025</a:t>
+              <a:t>01/05/2025</a:t>
             </a:fld>
             <a:endParaRPr lang="en-GB"/>
           </a:p>
@@ -1236,7 +1241,7 @@
           <a:p>
             <a:fld id="{DCEEBA53-EBA9-40A5-BD15-213969A436B3}" type="datetimeFigureOut">
               <a:rPr lang="en-GB" smtClean="0"/>
-              <a:t>29/04/2025</a:t>
+              <a:t>01/05/2025</a:t>
             </a:fld>
             <a:endParaRPr lang="en-GB"/>
           </a:p>
@@ -1603,7 +1608,7 @@
           <a:p>
             <a:fld id="{DCEEBA53-EBA9-40A5-BD15-213969A436B3}" type="datetimeFigureOut">
               <a:rPr lang="en-GB" smtClean="0"/>
-              <a:t>29/04/2025</a:t>
+              <a:t>01/05/2025</a:t>
             </a:fld>
             <a:endParaRPr lang="en-GB"/>
           </a:p>
@@ -1721,7 +1726,7 @@
           <a:p>
             <a:fld id="{DCEEBA53-EBA9-40A5-BD15-213969A436B3}" type="datetimeFigureOut">
               <a:rPr lang="en-GB" smtClean="0"/>
-              <a:t>29/04/2025</a:t>
+              <a:t>01/05/2025</a:t>
             </a:fld>
             <a:endParaRPr lang="en-GB"/>
           </a:p>
@@ -1816,7 +1821,7 @@
           <a:p>
             <a:fld id="{DCEEBA53-EBA9-40A5-BD15-213969A436B3}" type="datetimeFigureOut">
               <a:rPr lang="en-GB" smtClean="0"/>
-              <a:t>29/04/2025</a:t>
+              <a:t>01/05/2025</a:t>
             </a:fld>
             <a:endParaRPr lang="en-GB"/>
           </a:p>
@@ -2093,7 +2098,7 @@
           <a:p>
             <a:fld id="{DCEEBA53-EBA9-40A5-BD15-213969A436B3}" type="datetimeFigureOut">
               <a:rPr lang="en-GB" smtClean="0"/>
-              <a:t>29/04/2025</a:t>
+              <a:t>01/05/2025</a:t>
             </a:fld>
             <a:endParaRPr lang="en-GB"/>
           </a:p>
@@ -2350,7 +2355,7 @@
           <a:p>
             <a:fld id="{DCEEBA53-EBA9-40A5-BD15-213969A436B3}" type="datetimeFigureOut">
               <a:rPr lang="en-GB" smtClean="0"/>
-              <a:t>29/04/2025</a:t>
+              <a:t>01/05/2025</a:t>
             </a:fld>
             <a:endParaRPr lang="en-GB"/>
           </a:p>
@@ -2563,7 +2568,7 @@
           <a:p>
             <a:fld id="{DCEEBA53-EBA9-40A5-BD15-213969A436B3}" type="datetimeFigureOut">
               <a:rPr lang="en-GB" smtClean="0"/>
-              <a:t>29/04/2025</a:t>
+              <a:t>01/05/2025</a:t>
             </a:fld>
             <a:endParaRPr lang="en-GB"/>
           </a:p>
@@ -3340,7 +3345,7 @@
         </p:blipFill>
         <p:spPr>
           <a:xfrm>
-            <a:off x="5701704" y="232737"/>
+            <a:off x="5701704" y="208232"/>
             <a:ext cx="1543337" cy="413440"/>
           </a:xfrm>
           <a:prstGeom prst="rect">
@@ -3363,7 +3368,7 @@
         <p:spPr>
           <a:xfrm>
             <a:off x="238054" y="1218840"/>
-            <a:ext cx="3495475" cy="4339650"/>
+            <a:ext cx="3495475" cy="4093428"/>
           </a:xfrm>
           <a:prstGeom prst="rect">
             <a:avLst/>
@@ -3377,7 +3382,7 @@
           <a:lstStyle/>
           <a:p>
             <a:r>
-              <a:rPr lang="en-GB" sz="1200" b="1" dirty="0">
+              <a:rPr lang="en-GB" sz="1000" b="1" dirty="0">
                 <a:latin typeface="Calibri Light" panose="020F0302020204030204" pitchFamily="34" charset="0"/>
                 <a:ea typeface="Anonymous Pro" panose="02060609030202000504" pitchFamily="49" charset="0"/>
                 <a:cs typeface="Calibri Light" panose="020F0302020204030204" pitchFamily="34" charset="0"/>
@@ -3386,154 +3391,233 @@
             </a:r>
           </a:p>
           <a:p>
-            <a:endParaRPr lang="en-GB" sz="1200" b="1" dirty="0">
-              <a:latin typeface="Calibri Light" panose="020F0302020204030204" pitchFamily="34" charset="0"/>
-              <a:ea typeface="Anonymous Pro" panose="02060609030202000504" pitchFamily="49" charset="0"/>
-              <a:cs typeface="Calibri Light" panose="020F0302020204030204" pitchFamily="34" charset="0"/>
-            </a:endParaRPr>
-          </a:p>
-          <a:p>
-            <a:endParaRPr lang="en-GB" sz="1200" b="1" dirty="0">
-              <a:latin typeface="Calibri Light" panose="020F0302020204030204" pitchFamily="34" charset="0"/>
-              <a:ea typeface="Anonymous Pro" panose="02060609030202000504" pitchFamily="49" charset="0"/>
-              <a:cs typeface="Calibri Light" panose="020F0302020204030204" pitchFamily="34" charset="0"/>
-            </a:endParaRPr>
-          </a:p>
-          <a:p>
-            <a:endParaRPr lang="en-GB" sz="1200" b="1" dirty="0">
-              <a:latin typeface="Calibri Light" panose="020F0302020204030204" pitchFamily="34" charset="0"/>
-              <a:ea typeface="Anonymous Pro" panose="02060609030202000504" pitchFamily="49" charset="0"/>
-              <a:cs typeface="Calibri Light" panose="020F0302020204030204" pitchFamily="34" charset="0"/>
-            </a:endParaRPr>
-          </a:p>
-          <a:p>
-            <a:endParaRPr lang="en-GB" sz="1200" b="1" dirty="0">
-              <a:latin typeface="Calibri Light" panose="020F0302020204030204" pitchFamily="34" charset="0"/>
-              <a:ea typeface="Anonymous Pro" panose="02060609030202000504" pitchFamily="49" charset="0"/>
-              <a:cs typeface="Calibri Light" panose="020F0302020204030204" pitchFamily="34" charset="0"/>
-            </a:endParaRPr>
-          </a:p>
-          <a:p>
-            <a:endParaRPr lang="en-GB" sz="1200" b="1" dirty="0">
-              <a:latin typeface="Calibri Light" panose="020F0302020204030204" pitchFamily="34" charset="0"/>
-              <a:ea typeface="Anonymous Pro" panose="02060609030202000504" pitchFamily="49" charset="0"/>
-              <a:cs typeface="Calibri Light" panose="020F0302020204030204" pitchFamily="34" charset="0"/>
-            </a:endParaRPr>
-          </a:p>
-          <a:p>
-            <a:endParaRPr lang="en-GB" sz="1200" b="1" dirty="0">
-              <a:latin typeface="Calibri Light" panose="020F0302020204030204" pitchFamily="34" charset="0"/>
-              <a:ea typeface="Anonymous Pro" panose="02060609030202000504" pitchFamily="49" charset="0"/>
-              <a:cs typeface="Calibri Light" panose="020F0302020204030204" pitchFamily="34" charset="0"/>
-            </a:endParaRPr>
-          </a:p>
-          <a:p>
-            <a:endParaRPr lang="en-GB" sz="1200" b="1" dirty="0">
-              <a:latin typeface="Calibri Light" panose="020F0302020204030204" pitchFamily="34" charset="0"/>
-              <a:ea typeface="Anonymous Pro" panose="02060609030202000504" pitchFamily="49" charset="0"/>
-              <a:cs typeface="Calibri Light" panose="020F0302020204030204" pitchFamily="34" charset="0"/>
-            </a:endParaRPr>
-          </a:p>
-          <a:p>
-            <a:endParaRPr lang="en-GB" sz="1200" b="1" dirty="0">
-              <a:latin typeface="Calibri Light" panose="020F0302020204030204" pitchFamily="34" charset="0"/>
-              <a:ea typeface="Anonymous Pro" panose="02060609030202000504" pitchFamily="49" charset="0"/>
-              <a:cs typeface="Calibri Light" panose="020F0302020204030204" pitchFamily="34" charset="0"/>
-            </a:endParaRPr>
-          </a:p>
-          <a:p>
-            <a:endParaRPr lang="en-GB" sz="1200" b="1" dirty="0">
-              <a:latin typeface="Calibri Light" panose="020F0302020204030204" pitchFamily="34" charset="0"/>
-              <a:ea typeface="Anonymous Pro" panose="02060609030202000504" pitchFamily="49" charset="0"/>
-              <a:cs typeface="Calibri Light" panose="020F0302020204030204" pitchFamily="34" charset="0"/>
-            </a:endParaRPr>
-          </a:p>
-          <a:p>
-            <a:endParaRPr lang="en-GB" sz="1200" b="1" dirty="0">
-              <a:latin typeface="Calibri Light" panose="020F0302020204030204" pitchFamily="34" charset="0"/>
-              <a:ea typeface="Anonymous Pro" panose="02060609030202000504" pitchFamily="49" charset="0"/>
-              <a:cs typeface="Calibri Light" panose="020F0302020204030204" pitchFamily="34" charset="0"/>
-            </a:endParaRPr>
-          </a:p>
-          <a:p>
-            <a:endParaRPr lang="en-GB" sz="1200" b="1" dirty="0">
-              <a:latin typeface="Calibri Light" panose="020F0302020204030204" pitchFamily="34" charset="0"/>
-              <a:ea typeface="Anonymous Pro" panose="02060609030202000504" pitchFamily="49" charset="0"/>
-              <a:cs typeface="Calibri Light" panose="020F0302020204030204" pitchFamily="34" charset="0"/>
-            </a:endParaRPr>
-          </a:p>
-          <a:p>
-            <a:endParaRPr lang="en-GB" sz="1200" b="1" dirty="0">
-              <a:latin typeface="Calibri Light" panose="020F0302020204030204" pitchFamily="34" charset="0"/>
-              <a:ea typeface="Anonymous Pro" panose="02060609030202000504" pitchFamily="49" charset="0"/>
-              <a:cs typeface="Calibri Light" panose="020F0302020204030204" pitchFamily="34" charset="0"/>
-            </a:endParaRPr>
-          </a:p>
-          <a:p>
-            <a:endParaRPr lang="en-GB" sz="1200" b="1" dirty="0">
-              <a:latin typeface="Calibri Light" panose="020F0302020204030204" pitchFamily="34" charset="0"/>
-              <a:ea typeface="Anonymous Pro" panose="02060609030202000504" pitchFamily="49" charset="0"/>
-              <a:cs typeface="Calibri Light" panose="020F0302020204030204" pitchFamily="34" charset="0"/>
-            </a:endParaRPr>
-          </a:p>
-          <a:p>
-            <a:endParaRPr lang="en-GB" sz="1200" b="1" dirty="0">
-              <a:latin typeface="Calibri Light" panose="020F0302020204030204" pitchFamily="34" charset="0"/>
-              <a:ea typeface="Anonymous Pro" panose="02060609030202000504" pitchFamily="49" charset="0"/>
-              <a:cs typeface="Calibri Light" panose="020F0302020204030204" pitchFamily="34" charset="0"/>
-            </a:endParaRPr>
-          </a:p>
-          <a:p>
-            <a:endParaRPr lang="en-GB" sz="1200" b="1" dirty="0">
-              <a:latin typeface="Calibri Light" panose="020F0302020204030204" pitchFamily="34" charset="0"/>
-              <a:ea typeface="Anonymous Pro" panose="02060609030202000504" pitchFamily="49" charset="0"/>
-              <a:cs typeface="Calibri Light" panose="020F0302020204030204" pitchFamily="34" charset="0"/>
-            </a:endParaRPr>
-          </a:p>
-          <a:p>
-            <a:endParaRPr lang="en-GB" sz="1200" b="1" dirty="0">
-              <a:latin typeface="Calibri Light" panose="020F0302020204030204" pitchFamily="34" charset="0"/>
-              <a:ea typeface="Anonymous Pro" panose="02060609030202000504" pitchFamily="49" charset="0"/>
-              <a:cs typeface="Calibri Light" panose="020F0302020204030204" pitchFamily="34" charset="0"/>
-            </a:endParaRPr>
-          </a:p>
-          <a:p>
-            <a:endParaRPr lang="en-GB" sz="1200" b="1" dirty="0">
-              <a:latin typeface="Calibri Light" panose="020F0302020204030204" pitchFamily="34" charset="0"/>
-              <a:ea typeface="Anonymous Pro" panose="02060609030202000504" pitchFamily="49" charset="0"/>
-              <a:cs typeface="Calibri Light" panose="020F0302020204030204" pitchFamily="34" charset="0"/>
-            </a:endParaRPr>
-          </a:p>
-          <a:p>
-            <a:endParaRPr lang="en-GB" sz="1200" b="1" dirty="0">
-              <a:latin typeface="Calibri Light" panose="020F0302020204030204" pitchFamily="34" charset="0"/>
-              <a:ea typeface="Anonymous Pro" panose="02060609030202000504" pitchFamily="49" charset="0"/>
-              <a:cs typeface="Calibri Light" panose="020F0302020204030204" pitchFamily="34" charset="0"/>
-            </a:endParaRPr>
-          </a:p>
-          <a:p>
-            <a:endParaRPr lang="en-GB" sz="1200" b="1" dirty="0">
-              <a:latin typeface="Calibri Light" panose="020F0302020204030204" pitchFamily="34" charset="0"/>
-              <a:ea typeface="Anonymous Pro" panose="02060609030202000504" pitchFamily="49" charset="0"/>
-              <a:cs typeface="Calibri Light" panose="020F0302020204030204" pitchFamily="34" charset="0"/>
-            </a:endParaRPr>
-          </a:p>
-          <a:p>
-            <a:endParaRPr lang="en-GB" sz="1200" b="1" dirty="0">
-              <a:latin typeface="Calibri Light" panose="020F0302020204030204" pitchFamily="34" charset="0"/>
-              <a:ea typeface="Anonymous Pro" panose="02060609030202000504" pitchFamily="49" charset="0"/>
-              <a:cs typeface="Calibri Light" panose="020F0302020204030204" pitchFamily="34" charset="0"/>
-            </a:endParaRPr>
-          </a:p>
-          <a:p>
-            <a:endParaRPr lang="en-GB" sz="1200" b="1" dirty="0">
-              <a:latin typeface="Calibri Light" panose="020F0302020204030204" pitchFamily="34" charset="0"/>
-              <a:ea typeface="Anonymous Pro" panose="02060609030202000504" pitchFamily="49" charset="0"/>
-              <a:cs typeface="Calibri Light" panose="020F0302020204030204" pitchFamily="34" charset="0"/>
-            </a:endParaRPr>
-          </a:p>
-          <a:p>
-            <a:endParaRPr lang="en-GB" sz="1200" b="1" dirty="0">
+            <a:endParaRPr lang="en-GB" sz="1000" dirty="0">
+              <a:latin typeface="Calibri Light" panose="020F0302020204030204" pitchFamily="34" charset="0"/>
+              <a:ea typeface="Anonymous Pro" panose="02060609030202000504" pitchFamily="49" charset="0"/>
+              <a:cs typeface="Calibri Light" panose="020F0302020204030204" pitchFamily="34" charset="0"/>
+            </a:endParaRPr>
+          </a:p>
+          <a:p>
+            <a:r>
+              <a:rPr lang="en-GB" sz="800" dirty="0">
+                <a:latin typeface="Calibri Light" panose="020F0302020204030204" pitchFamily="34" charset="0"/>
+                <a:ea typeface="Anonymous Pro" panose="02060609030202000504" pitchFamily="49" charset="0"/>
+                <a:cs typeface="Calibri Light" panose="020F0302020204030204" pitchFamily="34" charset="0"/>
+              </a:rPr>
+              <a:t>Games preservation is the practice of preserving games, game files and game code for the purposes of long-term </a:t>
+            </a:r>
+            <a:r>
+              <a:rPr lang="en-GB" sz="800" dirty="0"/>
+              <a:t>maintenance</a:t>
+            </a:r>
+            <a:r>
+              <a:rPr lang="en-GB" sz="800" dirty="0">
+                <a:latin typeface="Calibri Light" panose="020F0302020204030204" pitchFamily="34" charset="0"/>
+                <a:ea typeface="Anonymous Pro" panose="02060609030202000504" pitchFamily="49" charset="0"/>
+                <a:cs typeface="Calibri Light" panose="020F0302020204030204" pitchFamily="34" charset="0"/>
+              </a:rPr>
+              <a:t> and accessibility of the games for the consumers and companies.</a:t>
+            </a:r>
+          </a:p>
+          <a:p>
+            <a:endParaRPr lang="en-GB" sz="800" dirty="0">
+              <a:latin typeface="Calibri Light" panose="020F0302020204030204" pitchFamily="34" charset="0"/>
+              <a:ea typeface="Anonymous Pro" panose="02060609030202000504" pitchFamily="49" charset="0"/>
+              <a:cs typeface="Calibri Light" panose="020F0302020204030204" pitchFamily="34" charset="0"/>
+            </a:endParaRPr>
+          </a:p>
+          <a:p>
+            <a:r>
+              <a:rPr lang="en-GB" sz="800" dirty="0">
+                <a:latin typeface="Calibri Light" panose="020F0302020204030204" pitchFamily="34" charset="0"/>
+                <a:ea typeface="Anonymous Pro" panose="02060609030202000504" pitchFamily="49" charset="0"/>
+                <a:cs typeface="Calibri Light" panose="020F0302020204030204" pitchFamily="34" charset="0"/>
+              </a:rPr>
+              <a:t>File reverse engineering and converting can be used to preserve games by virtue of reverse engineering the files and converting them to contemporary files formats. These can then be used in modern game engines therefore preserving their contents for further use.</a:t>
+            </a:r>
+          </a:p>
+          <a:p>
+            <a:endParaRPr lang="en-GB" sz="800" dirty="0">
+              <a:latin typeface="Calibri Light" panose="020F0302020204030204" pitchFamily="34" charset="0"/>
+              <a:ea typeface="Anonymous Pro" panose="02060609030202000504" pitchFamily="49" charset="0"/>
+              <a:cs typeface="Calibri Light" panose="020F0302020204030204" pitchFamily="34" charset="0"/>
+            </a:endParaRPr>
+          </a:p>
+          <a:p>
+            <a:r>
+              <a:rPr lang="en-GB" sz="800" dirty="0">
+                <a:latin typeface="Calibri Light" panose="020F0302020204030204" pitchFamily="34" charset="0"/>
+                <a:ea typeface="Anonymous Pro" panose="02060609030202000504" pitchFamily="49" charset="0"/>
+                <a:cs typeface="Calibri Light" panose="020F0302020204030204" pitchFamily="34" charset="0"/>
+              </a:rPr>
+              <a:t>The  aim of the report was to create a Graphical tool to aid programmers in reverse engineering  game asset files. Called the </a:t>
+            </a:r>
+            <a:r>
+              <a:rPr lang="en-GB" sz="800" b="1" dirty="0">
+                <a:latin typeface="Calibri Light" panose="020F0302020204030204" pitchFamily="34" charset="0"/>
+                <a:ea typeface="Anonymous Pro" panose="02060609030202000504" pitchFamily="49" charset="0"/>
+                <a:cs typeface="Calibri Light" panose="020F0302020204030204" pitchFamily="34" charset="0"/>
+              </a:rPr>
+              <a:t>GAD</a:t>
+            </a:r>
+            <a:r>
+              <a:rPr lang="en-GB" sz="800" dirty="0">
+                <a:latin typeface="Calibri Light" panose="020F0302020204030204" pitchFamily="34" charset="0"/>
+                <a:ea typeface="Anonymous Pro" panose="02060609030202000504" pitchFamily="49" charset="0"/>
+                <a:cs typeface="Calibri Light" panose="020F0302020204030204" pitchFamily="34" charset="0"/>
+              </a:rPr>
+              <a:t> (Game Abstract Diagram, This was done through reverse engineering and converting .Str/.</a:t>
+            </a:r>
+            <a:r>
+              <a:rPr lang="en-GB" sz="800" dirty="0" err="1">
+                <a:latin typeface="Calibri Light" panose="020F0302020204030204" pitchFamily="34" charset="0"/>
+                <a:ea typeface="Anonymous Pro" panose="02060609030202000504" pitchFamily="49" charset="0"/>
+                <a:cs typeface="Calibri Light" panose="020F0302020204030204" pitchFamily="34" charset="0"/>
+              </a:rPr>
+              <a:t>Rws</a:t>
+            </a:r>
+            <a:r>
+              <a:rPr lang="en-GB" sz="800" dirty="0">
+                <a:latin typeface="Calibri Light" panose="020F0302020204030204" pitchFamily="34" charset="0"/>
+                <a:ea typeface="Anonymous Pro" panose="02060609030202000504" pitchFamily="49" charset="0"/>
+                <a:cs typeface="Calibri Light" panose="020F0302020204030204" pitchFamily="34" charset="0"/>
+              </a:rPr>
+              <a:t>/.</a:t>
+            </a:r>
+            <a:r>
+              <a:rPr lang="en-GB" sz="800" dirty="0" err="1">
+                <a:latin typeface="Calibri Light" panose="020F0302020204030204" pitchFamily="34" charset="0"/>
+                <a:ea typeface="Anonymous Pro" panose="02060609030202000504" pitchFamily="49" charset="0"/>
+                <a:cs typeface="Calibri Light" panose="020F0302020204030204" pitchFamily="34" charset="0"/>
+              </a:rPr>
+              <a:t>Dff</a:t>
+            </a:r>
+            <a:r>
+              <a:rPr lang="en-GB" sz="800" dirty="0">
+                <a:latin typeface="Calibri Light" panose="020F0302020204030204" pitchFamily="34" charset="0"/>
+                <a:ea typeface="Anonymous Pro" panose="02060609030202000504" pitchFamily="49" charset="0"/>
+                <a:cs typeface="Calibri Light" panose="020F0302020204030204" pitchFamily="34" charset="0"/>
+              </a:rPr>
+              <a:t> files to contemporary formats such as .</a:t>
+            </a:r>
+            <a:r>
+              <a:rPr lang="en-GB" sz="800" dirty="0" err="1">
+                <a:latin typeface="Calibri Light" panose="020F0302020204030204" pitchFamily="34" charset="0"/>
+                <a:ea typeface="Anonymous Pro" panose="02060609030202000504" pitchFamily="49" charset="0"/>
+                <a:cs typeface="Calibri Light" panose="020F0302020204030204" pitchFamily="34" charset="0"/>
+              </a:rPr>
+              <a:t>Obj</a:t>
+            </a:r>
+            <a:r>
+              <a:rPr lang="en-GB" sz="800" dirty="0">
+                <a:latin typeface="Calibri Light" panose="020F0302020204030204" pitchFamily="34" charset="0"/>
+                <a:ea typeface="Anonymous Pro" panose="02060609030202000504" pitchFamily="49" charset="0"/>
+                <a:cs typeface="Calibri Light" panose="020F0302020204030204" pitchFamily="34" charset="0"/>
+              </a:rPr>
+              <a:t> model files.</a:t>
+            </a:r>
+          </a:p>
+          <a:p>
+            <a:endParaRPr lang="en-GB" sz="800" dirty="0">
+              <a:latin typeface="Calibri Light" panose="020F0302020204030204" pitchFamily="34" charset="0"/>
+              <a:ea typeface="Anonymous Pro" panose="02060609030202000504" pitchFamily="49" charset="0"/>
+              <a:cs typeface="Calibri Light" panose="020F0302020204030204" pitchFamily="34" charset="0"/>
+            </a:endParaRPr>
+          </a:p>
+          <a:p>
+            <a:r>
+              <a:rPr lang="en-GB" sz="800" dirty="0">
+                <a:latin typeface="Calibri Light" panose="020F0302020204030204" pitchFamily="34" charset="0"/>
+                <a:ea typeface="Anonymous Pro" panose="02060609030202000504" pitchFamily="49" charset="0"/>
+                <a:cs typeface="Calibri Light" panose="020F0302020204030204" pitchFamily="34" charset="0"/>
+              </a:rPr>
+              <a:t>This was done to the “Simpsons game 2008” game asset files.  </a:t>
+            </a:r>
+            <a:endParaRPr lang="en-GB" sz="1000" dirty="0">
+              <a:latin typeface="Calibri Light" panose="020F0302020204030204" pitchFamily="34" charset="0"/>
+              <a:ea typeface="Anonymous Pro" panose="02060609030202000504" pitchFamily="49" charset="0"/>
+              <a:cs typeface="Calibri Light" panose="020F0302020204030204" pitchFamily="34" charset="0"/>
+            </a:endParaRPr>
+          </a:p>
+          <a:p>
+            <a:endParaRPr lang="en-GB" sz="1000" b="1" dirty="0">
+              <a:latin typeface="Calibri Light" panose="020F0302020204030204" pitchFamily="34" charset="0"/>
+              <a:ea typeface="Anonymous Pro" panose="02060609030202000504" pitchFamily="49" charset="0"/>
+              <a:cs typeface="Calibri Light" panose="020F0302020204030204" pitchFamily="34" charset="0"/>
+            </a:endParaRPr>
+          </a:p>
+          <a:p>
+            <a:endParaRPr lang="en-GB" sz="1000" b="1" dirty="0">
+              <a:latin typeface="Calibri Light" panose="020F0302020204030204" pitchFamily="34" charset="0"/>
+              <a:ea typeface="Anonymous Pro" panose="02060609030202000504" pitchFamily="49" charset="0"/>
+              <a:cs typeface="Calibri Light" panose="020F0302020204030204" pitchFamily="34" charset="0"/>
+            </a:endParaRPr>
+          </a:p>
+          <a:p>
+            <a:endParaRPr lang="en-GB" sz="1000" b="1" dirty="0">
+              <a:latin typeface="Calibri Light" panose="020F0302020204030204" pitchFamily="34" charset="0"/>
+              <a:ea typeface="Anonymous Pro" panose="02060609030202000504" pitchFamily="49" charset="0"/>
+              <a:cs typeface="Calibri Light" panose="020F0302020204030204" pitchFamily="34" charset="0"/>
+            </a:endParaRPr>
+          </a:p>
+          <a:p>
+            <a:endParaRPr lang="en-GB" sz="1000" b="1" dirty="0">
+              <a:latin typeface="Calibri Light" panose="020F0302020204030204" pitchFamily="34" charset="0"/>
+              <a:ea typeface="Anonymous Pro" panose="02060609030202000504" pitchFamily="49" charset="0"/>
+              <a:cs typeface="Calibri Light" panose="020F0302020204030204" pitchFamily="34" charset="0"/>
+            </a:endParaRPr>
+          </a:p>
+          <a:p>
+            <a:endParaRPr lang="en-GB" sz="1000" b="1" dirty="0">
+              <a:latin typeface="Calibri Light" panose="020F0302020204030204" pitchFamily="34" charset="0"/>
+              <a:ea typeface="Anonymous Pro" panose="02060609030202000504" pitchFamily="49" charset="0"/>
+              <a:cs typeface="Calibri Light" panose="020F0302020204030204" pitchFamily="34" charset="0"/>
+            </a:endParaRPr>
+          </a:p>
+          <a:p>
+            <a:endParaRPr lang="en-GB" sz="1000" b="1" dirty="0">
+              <a:latin typeface="Calibri Light" panose="020F0302020204030204" pitchFamily="34" charset="0"/>
+              <a:ea typeface="Anonymous Pro" panose="02060609030202000504" pitchFamily="49" charset="0"/>
+              <a:cs typeface="Calibri Light" panose="020F0302020204030204" pitchFamily="34" charset="0"/>
+            </a:endParaRPr>
+          </a:p>
+          <a:p>
+            <a:endParaRPr lang="en-GB" sz="1000" b="1" dirty="0">
+              <a:latin typeface="Calibri Light" panose="020F0302020204030204" pitchFamily="34" charset="0"/>
+              <a:ea typeface="Anonymous Pro" panose="02060609030202000504" pitchFamily="49" charset="0"/>
+              <a:cs typeface="Calibri Light" panose="020F0302020204030204" pitchFamily="34" charset="0"/>
+            </a:endParaRPr>
+          </a:p>
+          <a:p>
+            <a:endParaRPr lang="en-GB" sz="1000" b="1" dirty="0">
+              <a:latin typeface="Calibri Light" panose="020F0302020204030204" pitchFamily="34" charset="0"/>
+              <a:ea typeface="Anonymous Pro" panose="02060609030202000504" pitchFamily="49" charset="0"/>
+              <a:cs typeface="Calibri Light" panose="020F0302020204030204" pitchFamily="34" charset="0"/>
+            </a:endParaRPr>
+          </a:p>
+          <a:p>
+            <a:endParaRPr lang="en-GB" sz="1000" b="1" dirty="0">
+              <a:latin typeface="Calibri Light" panose="020F0302020204030204" pitchFamily="34" charset="0"/>
+              <a:ea typeface="Anonymous Pro" panose="02060609030202000504" pitchFamily="49" charset="0"/>
+              <a:cs typeface="Calibri Light" panose="020F0302020204030204" pitchFamily="34" charset="0"/>
+            </a:endParaRPr>
+          </a:p>
+          <a:p>
+            <a:endParaRPr lang="en-GB" sz="1000" b="1" dirty="0">
+              <a:latin typeface="Calibri Light" panose="020F0302020204030204" pitchFamily="34" charset="0"/>
+              <a:ea typeface="Anonymous Pro" panose="02060609030202000504" pitchFamily="49" charset="0"/>
+              <a:cs typeface="Calibri Light" panose="020F0302020204030204" pitchFamily="34" charset="0"/>
+            </a:endParaRPr>
+          </a:p>
+          <a:p>
+            <a:endParaRPr lang="en-GB" sz="1000" b="1" dirty="0">
+              <a:latin typeface="Calibri Light" panose="020F0302020204030204" pitchFamily="34" charset="0"/>
+              <a:ea typeface="Anonymous Pro" panose="02060609030202000504" pitchFamily="49" charset="0"/>
+              <a:cs typeface="Calibri Light" panose="020F0302020204030204" pitchFamily="34" charset="0"/>
+            </a:endParaRPr>
+          </a:p>
+          <a:p>
+            <a:endParaRPr lang="en-GB" sz="1000" b="1" dirty="0">
               <a:latin typeface="Calibri Light" panose="020F0302020204030204" pitchFamily="34" charset="0"/>
               <a:ea typeface="Anonymous Pro" panose="02060609030202000504" pitchFamily="49" charset="0"/>
               <a:cs typeface="Calibri Light" panose="020F0302020204030204" pitchFamily="34" charset="0"/>
@@ -5260,7 +5344,7 @@
         <p:spPr>
           <a:xfrm>
             <a:off x="3855931" y="1218840"/>
-            <a:ext cx="3495475" cy="4339650"/>
+            <a:ext cx="3495475" cy="3631763"/>
           </a:xfrm>
           <a:prstGeom prst="rect">
             <a:avLst/>
@@ -5274,7 +5358,7 @@
           <a:lstStyle/>
           <a:p>
             <a:r>
-              <a:rPr lang="en-GB" sz="1200" b="1" dirty="0">
+              <a:rPr lang="en-GB" sz="1000" b="1" dirty="0">
                 <a:latin typeface="Calibri Light" panose="020F0302020204030204" pitchFamily="34" charset="0"/>
                 <a:ea typeface="Anonymous Pro" panose="02060609030202000504" pitchFamily="49" charset="0"/>
                 <a:cs typeface="Calibri Light" panose="020F0302020204030204" pitchFamily="34" charset="0"/>
@@ -5283,154 +5367,154 @@
             </a:r>
           </a:p>
           <a:p>
-            <a:endParaRPr lang="en-GB" sz="1200" b="1" dirty="0">
-              <a:latin typeface="Calibri Light" panose="020F0302020204030204" pitchFamily="34" charset="0"/>
-              <a:ea typeface="Anonymous Pro" panose="02060609030202000504" pitchFamily="49" charset="0"/>
-              <a:cs typeface="Calibri Light" panose="020F0302020204030204" pitchFamily="34" charset="0"/>
-            </a:endParaRPr>
-          </a:p>
-          <a:p>
-            <a:endParaRPr lang="en-GB" sz="1200" b="1" dirty="0">
-              <a:latin typeface="Calibri Light" panose="020F0302020204030204" pitchFamily="34" charset="0"/>
-              <a:ea typeface="Anonymous Pro" panose="02060609030202000504" pitchFamily="49" charset="0"/>
-              <a:cs typeface="Calibri Light" panose="020F0302020204030204" pitchFamily="34" charset="0"/>
-            </a:endParaRPr>
-          </a:p>
-          <a:p>
-            <a:endParaRPr lang="en-GB" sz="1200" b="1" dirty="0">
-              <a:latin typeface="Calibri Light" panose="020F0302020204030204" pitchFamily="34" charset="0"/>
-              <a:ea typeface="Anonymous Pro" panose="02060609030202000504" pitchFamily="49" charset="0"/>
-              <a:cs typeface="Calibri Light" panose="020F0302020204030204" pitchFamily="34" charset="0"/>
-            </a:endParaRPr>
-          </a:p>
-          <a:p>
-            <a:endParaRPr lang="en-GB" sz="1200" b="1" dirty="0">
-              <a:latin typeface="Calibri Light" panose="020F0302020204030204" pitchFamily="34" charset="0"/>
-              <a:ea typeface="Anonymous Pro" panose="02060609030202000504" pitchFamily="49" charset="0"/>
-              <a:cs typeface="Calibri Light" panose="020F0302020204030204" pitchFamily="34" charset="0"/>
-            </a:endParaRPr>
-          </a:p>
-          <a:p>
-            <a:endParaRPr lang="en-GB" sz="1200" b="1" dirty="0">
-              <a:latin typeface="Calibri Light" panose="020F0302020204030204" pitchFamily="34" charset="0"/>
-              <a:ea typeface="Anonymous Pro" panose="02060609030202000504" pitchFamily="49" charset="0"/>
-              <a:cs typeface="Calibri Light" panose="020F0302020204030204" pitchFamily="34" charset="0"/>
-            </a:endParaRPr>
-          </a:p>
-          <a:p>
-            <a:endParaRPr lang="en-GB" sz="1200" b="1" dirty="0">
-              <a:latin typeface="Calibri Light" panose="020F0302020204030204" pitchFamily="34" charset="0"/>
-              <a:ea typeface="Anonymous Pro" panose="02060609030202000504" pitchFamily="49" charset="0"/>
-              <a:cs typeface="Calibri Light" panose="020F0302020204030204" pitchFamily="34" charset="0"/>
-            </a:endParaRPr>
-          </a:p>
-          <a:p>
-            <a:endParaRPr lang="en-GB" sz="1200" b="1" dirty="0">
-              <a:latin typeface="Calibri Light" panose="020F0302020204030204" pitchFamily="34" charset="0"/>
-              <a:ea typeface="Anonymous Pro" panose="02060609030202000504" pitchFamily="49" charset="0"/>
-              <a:cs typeface="Calibri Light" panose="020F0302020204030204" pitchFamily="34" charset="0"/>
-            </a:endParaRPr>
-          </a:p>
-          <a:p>
-            <a:endParaRPr lang="en-GB" sz="1200" b="1" dirty="0">
-              <a:latin typeface="Calibri Light" panose="020F0302020204030204" pitchFamily="34" charset="0"/>
-              <a:ea typeface="Anonymous Pro" panose="02060609030202000504" pitchFamily="49" charset="0"/>
-              <a:cs typeface="Calibri Light" panose="020F0302020204030204" pitchFamily="34" charset="0"/>
-            </a:endParaRPr>
-          </a:p>
-          <a:p>
-            <a:endParaRPr lang="en-GB" sz="1200" b="1" dirty="0">
-              <a:latin typeface="Calibri Light" panose="020F0302020204030204" pitchFamily="34" charset="0"/>
-              <a:ea typeface="Anonymous Pro" panose="02060609030202000504" pitchFamily="49" charset="0"/>
-              <a:cs typeface="Calibri Light" panose="020F0302020204030204" pitchFamily="34" charset="0"/>
-            </a:endParaRPr>
-          </a:p>
-          <a:p>
-            <a:endParaRPr lang="en-GB" sz="1200" b="1" dirty="0">
-              <a:latin typeface="Calibri Light" panose="020F0302020204030204" pitchFamily="34" charset="0"/>
-              <a:ea typeface="Anonymous Pro" panose="02060609030202000504" pitchFamily="49" charset="0"/>
-              <a:cs typeface="Calibri Light" panose="020F0302020204030204" pitchFamily="34" charset="0"/>
-            </a:endParaRPr>
-          </a:p>
-          <a:p>
-            <a:endParaRPr lang="en-GB" sz="1200" b="1" dirty="0">
-              <a:latin typeface="Calibri Light" panose="020F0302020204030204" pitchFamily="34" charset="0"/>
-              <a:ea typeface="Anonymous Pro" panose="02060609030202000504" pitchFamily="49" charset="0"/>
-              <a:cs typeface="Calibri Light" panose="020F0302020204030204" pitchFamily="34" charset="0"/>
-            </a:endParaRPr>
-          </a:p>
-          <a:p>
-            <a:endParaRPr lang="en-GB" sz="1200" b="1" dirty="0">
-              <a:latin typeface="Calibri Light" panose="020F0302020204030204" pitchFamily="34" charset="0"/>
-              <a:ea typeface="Anonymous Pro" panose="02060609030202000504" pitchFamily="49" charset="0"/>
-              <a:cs typeface="Calibri Light" panose="020F0302020204030204" pitchFamily="34" charset="0"/>
-            </a:endParaRPr>
-          </a:p>
-          <a:p>
-            <a:endParaRPr lang="en-GB" sz="1200" b="1" dirty="0">
-              <a:latin typeface="Calibri Light" panose="020F0302020204030204" pitchFamily="34" charset="0"/>
-              <a:ea typeface="Anonymous Pro" panose="02060609030202000504" pitchFamily="49" charset="0"/>
-              <a:cs typeface="Calibri Light" panose="020F0302020204030204" pitchFamily="34" charset="0"/>
-            </a:endParaRPr>
-          </a:p>
-          <a:p>
-            <a:endParaRPr lang="en-GB" sz="1200" b="1" dirty="0">
-              <a:latin typeface="Calibri Light" panose="020F0302020204030204" pitchFamily="34" charset="0"/>
-              <a:ea typeface="Anonymous Pro" panose="02060609030202000504" pitchFamily="49" charset="0"/>
-              <a:cs typeface="Calibri Light" panose="020F0302020204030204" pitchFamily="34" charset="0"/>
-            </a:endParaRPr>
-          </a:p>
-          <a:p>
-            <a:endParaRPr lang="en-GB" sz="1200" b="1" dirty="0">
-              <a:latin typeface="Calibri Light" panose="020F0302020204030204" pitchFamily="34" charset="0"/>
-              <a:ea typeface="Anonymous Pro" panose="02060609030202000504" pitchFamily="49" charset="0"/>
-              <a:cs typeface="Calibri Light" panose="020F0302020204030204" pitchFamily="34" charset="0"/>
-            </a:endParaRPr>
-          </a:p>
-          <a:p>
-            <a:endParaRPr lang="en-GB" sz="1200" b="1" dirty="0">
-              <a:latin typeface="Calibri Light" panose="020F0302020204030204" pitchFamily="34" charset="0"/>
-              <a:ea typeface="Anonymous Pro" panose="02060609030202000504" pitchFamily="49" charset="0"/>
-              <a:cs typeface="Calibri Light" panose="020F0302020204030204" pitchFamily="34" charset="0"/>
-            </a:endParaRPr>
-          </a:p>
-          <a:p>
-            <a:endParaRPr lang="en-GB" sz="1200" b="1" dirty="0">
-              <a:latin typeface="Calibri Light" panose="020F0302020204030204" pitchFamily="34" charset="0"/>
-              <a:ea typeface="Anonymous Pro" panose="02060609030202000504" pitchFamily="49" charset="0"/>
-              <a:cs typeface="Calibri Light" panose="020F0302020204030204" pitchFamily="34" charset="0"/>
-            </a:endParaRPr>
-          </a:p>
-          <a:p>
-            <a:endParaRPr lang="en-GB" sz="1200" b="1" dirty="0">
-              <a:latin typeface="Calibri Light" panose="020F0302020204030204" pitchFamily="34" charset="0"/>
-              <a:ea typeface="Anonymous Pro" panose="02060609030202000504" pitchFamily="49" charset="0"/>
-              <a:cs typeface="Calibri Light" panose="020F0302020204030204" pitchFamily="34" charset="0"/>
-            </a:endParaRPr>
-          </a:p>
-          <a:p>
-            <a:endParaRPr lang="en-GB" sz="1200" b="1" dirty="0">
-              <a:latin typeface="Calibri Light" panose="020F0302020204030204" pitchFamily="34" charset="0"/>
-              <a:ea typeface="Anonymous Pro" panose="02060609030202000504" pitchFamily="49" charset="0"/>
-              <a:cs typeface="Calibri Light" panose="020F0302020204030204" pitchFamily="34" charset="0"/>
-            </a:endParaRPr>
-          </a:p>
-          <a:p>
-            <a:endParaRPr lang="en-GB" sz="1200" b="1" dirty="0">
-              <a:latin typeface="Calibri Light" panose="020F0302020204030204" pitchFamily="34" charset="0"/>
-              <a:ea typeface="Anonymous Pro" panose="02060609030202000504" pitchFamily="49" charset="0"/>
-              <a:cs typeface="Calibri Light" panose="020F0302020204030204" pitchFamily="34" charset="0"/>
-            </a:endParaRPr>
-          </a:p>
-          <a:p>
-            <a:endParaRPr lang="en-GB" sz="1200" b="1" dirty="0">
-              <a:latin typeface="Calibri Light" panose="020F0302020204030204" pitchFamily="34" charset="0"/>
-              <a:ea typeface="Anonymous Pro" panose="02060609030202000504" pitchFamily="49" charset="0"/>
-              <a:cs typeface="Calibri Light" panose="020F0302020204030204" pitchFamily="34" charset="0"/>
-            </a:endParaRPr>
-          </a:p>
-          <a:p>
-            <a:endParaRPr lang="en-GB" sz="1200" b="1" dirty="0">
+            <a:endParaRPr lang="en-GB" sz="1000" b="1" dirty="0">
+              <a:latin typeface="Calibri Light" panose="020F0302020204030204" pitchFamily="34" charset="0"/>
+              <a:ea typeface="Anonymous Pro" panose="02060609030202000504" pitchFamily="49" charset="0"/>
+              <a:cs typeface="Calibri Light" panose="020F0302020204030204" pitchFamily="34" charset="0"/>
+            </a:endParaRPr>
+          </a:p>
+          <a:p>
+            <a:endParaRPr lang="en-GB" sz="1000" b="1" dirty="0">
+              <a:latin typeface="Calibri Light" panose="020F0302020204030204" pitchFamily="34" charset="0"/>
+              <a:ea typeface="Anonymous Pro" panose="02060609030202000504" pitchFamily="49" charset="0"/>
+              <a:cs typeface="Calibri Light" panose="020F0302020204030204" pitchFamily="34" charset="0"/>
+            </a:endParaRPr>
+          </a:p>
+          <a:p>
+            <a:endParaRPr lang="en-GB" sz="1000" b="1" dirty="0">
+              <a:latin typeface="Calibri Light" panose="020F0302020204030204" pitchFamily="34" charset="0"/>
+              <a:ea typeface="Anonymous Pro" panose="02060609030202000504" pitchFamily="49" charset="0"/>
+              <a:cs typeface="Calibri Light" panose="020F0302020204030204" pitchFamily="34" charset="0"/>
+            </a:endParaRPr>
+          </a:p>
+          <a:p>
+            <a:endParaRPr lang="en-GB" sz="1000" b="1" dirty="0">
+              <a:latin typeface="Calibri Light" panose="020F0302020204030204" pitchFamily="34" charset="0"/>
+              <a:ea typeface="Anonymous Pro" panose="02060609030202000504" pitchFamily="49" charset="0"/>
+              <a:cs typeface="Calibri Light" panose="020F0302020204030204" pitchFamily="34" charset="0"/>
+            </a:endParaRPr>
+          </a:p>
+          <a:p>
+            <a:endParaRPr lang="en-GB" sz="1000" b="1" dirty="0">
+              <a:latin typeface="Calibri Light" panose="020F0302020204030204" pitchFamily="34" charset="0"/>
+              <a:ea typeface="Anonymous Pro" panose="02060609030202000504" pitchFamily="49" charset="0"/>
+              <a:cs typeface="Calibri Light" panose="020F0302020204030204" pitchFamily="34" charset="0"/>
+            </a:endParaRPr>
+          </a:p>
+          <a:p>
+            <a:endParaRPr lang="en-GB" sz="1000" b="1" dirty="0">
+              <a:latin typeface="Calibri Light" panose="020F0302020204030204" pitchFamily="34" charset="0"/>
+              <a:ea typeface="Anonymous Pro" panose="02060609030202000504" pitchFamily="49" charset="0"/>
+              <a:cs typeface="Calibri Light" panose="020F0302020204030204" pitchFamily="34" charset="0"/>
+            </a:endParaRPr>
+          </a:p>
+          <a:p>
+            <a:endParaRPr lang="en-GB" sz="1000" b="1" dirty="0">
+              <a:latin typeface="Calibri Light" panose="020F0302020204030204" pitchFamily="34" charset="0"/>
+              <a:ea typeface="Anonymous Pro" panose="02060609030202000504" pitchFamily="49" charset="0"/>
+              <a:cs typeface="Calibri Light" panose="020F0302020204030204" pitchFamily="34" charset="0"/>
+            </a:endParaRPr>
+          </a:p>
+          <a:p>
+            <a:endParaRPr lang="en-GB" sz="1000" b="1" dirty="0">
+              <a:latin typeface="Calibri Light" panose="020F0302020204030204" pitchFamily="34" charset="0"/>
+              <a:ea typeface="Anonymous Pro" panose="02060609030202000504" pitchFamily="49" charset="0"/>
+              <a:cs typeface="Calibri Light" panose="020F0302020204030204" pitchFamily="34" charset="0"/>
+            </a:endParaRPr>
+          </a:p>
+          <a:p>
+            <a:endParaRPr lang="en-GB" sz="1000" b="1" dirty="0">
+              <a:latin typeface="Calibri Light" panose="020F0302020204030204" pitchFamily="34" charset="0"/>
+              <a:ea typeface="Anonymous Pro" panose="02060609030202000504" pitchFamily="49" charset="0"/>
+              <a:cs typeface="Calibri Light" panose="020F0302020204030204" pitchFamily="34" charset="0"/>
+            </a:endParaRPr>
+          </a:p>
+          <a:p>
+            <a:endParaRPr lang="en-GB" sz="1000" b="1" dirty="0">
+              <a:latin typeface="Calibri Light" panose="020F0302020204030204" pitchFamily="34" charset="0"/>
+              <a:ea typeface="Anonymous Pro" panose="02060609030202000504" pitchFamily="49" charset="0"/>
+              <a:cs typeface="Calibri Light" panose="020F0302020204030204" pitchFamily="34" charset="0"/>
+            </a:endParaRPr>
+          </a:p>
+          <a:p>
+            <a:endParaRPr lang="en-GB" sz="1000" b="1" dirty="0">
+              <a:latin typeface="Calibri Light" panose="020F0302020204030204" pitchFamily="34" charset="0"/>
+              <a:ea typeface="Anonymous Pro" panose="02060609030202000504" pitchFamily="49" charset="0"/>
+              <a:cs typeface="Calibri Light" panose="020F0302020204030204" pitchFamily="34" charset="0"/>
+            </a:endParaRPr>
+          </a:p>
+          <a:p>
+            <a:endParaRPr lang="en-GB" sz="1000" b="1" dirty="0">
+              <a:latin typeface="Calibri Light" panose="020F0302020204030204" pitchFamily="34" charset="0"/>
+              <a:ea typeface="Anonymous Pro" panose="02060609030202000504" pitchFamily="49" charset="0"/>
+              <a:cs typeface="Calibri Light" panose="020F0302020204030204" pitchFamily="34" charset="0"/>
+            </a:endParaRPr>
+          </a:p>
+          <a:p>
+            <a:endParaRPr lang="en-GB" sz="1000" b="1" dirty="0">
+              <a:latin typeface="Calibri Light" panose="020F0302020204030204" pitchFamily="34" charset="0"/>
+              <a:ea typeface="Anonymous Pro" panose="02060609030202000504" pitchFamily="49" charset="0"/>
+              <a:cs typeface="Calibri Light" panose="020F0302020204030204" pitchFamily="34" charset="0"/>
+            </a:endParaRPr>
+          </a:p>
+          <a:p>
+            <a:endParaRPr lang="en-GB" sz="1000" b="1" dirty="0">
+              <a:latin typeface="Calibri Light" panose="020F0302020204030204" pitchFamily="34" charset="0"/>
+              <a:ea typeface="Anonymous Pro" panose="02060609030202000504" pitchFamily="49" charset="0"/>
+              <a:cs typeface="Calibri Light" panose="020F0302020204030204" pitchFamily="34" charset="0"/>
+            </a:endParaRPr>
+          </a:p>
+          <a:p>
+            <a:endParaRPr lang="en-GB" sz="1000" b="1" dirty="0">
+              <a:latin typeface="Calibri Light" panose="020F0302020204030204" pitchFamily="34" charset="0"/>
+              <a:ea typeface="Anonymous Pro" panose="02060609030202000504" pitchFamily="49" charset="0"/>
+              <a:cs typeface="Calibri Light" panose="020F0302020204030204" pitchFamily="34" charset="0"/>
+            </a:endParaRPr>
+          </a:p>
+          <a:p>
+            <a:endParaRPr lang="en-GB" sz="1000" b="1" dirty="0">
+              <a:latin typeface="Calibri Light" panose="020F0302020204030204" pitchFamily="34" charset="0"/>
+              <a:ea typeface="Anonymous Pro" panose="02060609030202000504" pitchFamily="49" charset="0"/>
+              <a:cs typeface="Calibri Light" panose="020F0302020204030204" pitchFamily="34" charset="0"/>
+            </a:endParaRPr>
+          </a:p>
+          <a:p>
+            <a:endParaRPr lang="en-GB" sz="1000" b="1" dirty="0">
+              <a:latin typeface="Calibri Light" panose="020F0302020204030204" pitchFamily="34" charset="0"/>
+              <a:ea typeface="Anonymous Pro" panose="02060609030202000504" pitchFamily="49" charset="0"/>
+              <a:cs typeface="Calibri Light" panose="020F0302020204030204" pitchFamily="34" charset="0"/>
+            </a:endParaRPr>
+          </a:p>
+          <a:p>
+            <a:endParaRPr lang="en-GB" sz="1000" b="1" dirty="0">
+              <a:latin typeface="Calibri Light" panose="020F0302020204030204" pitchFamily="34" charset="0"/>
+              <a:ea typeface="Anonymous Pro" panose="02060609030202000504" pitchFamily="49" charset="0"/>
+              <a:cs typeface="Calibri Light" panose="020F0302020204030204" pitchFamily="34" charset="0"/>
+            </a:endParaRPr>
+          </a:p>
+          <a:p>
+            <a:endParaRPr lang="en-GB" sz="1000" b="1" dirty="0">
+              <a:latin typeface="Calibri Light" panose="020F0302020204030204" pitchFamily="34" charset="0"/>
+              <a:ea typeface="Anonymous Pro" panose="02060609030202000504" pitchFamily="49" charset="0"/>
+              <a:cs typeface="Calibri Light" panose="020F0302020204030204" pitchFamily="34" charset="0"/>
+            </a:endParaRPr>
+          </a:p>
+          <a:p>
+            <a:endParaRPr lang="en-GB" sz="1000" b="1" dirty="0">
+              <a:latin typeface="Calibri Light" panose="020F0302020204030204" pitchFamily="34" charset="0"/>
+              <a:ea typeface="Anonymous Pro" panose="02060609030202000504" pitchFamily="49" charset="0"/>
+              <a:cs typeface="Calibri Light" panose="020F0302020204030204" pitchFamily="34" charset="0"/>
+            </a:endParaRPr>
+          </a:p>
+          <a:p>
+            <a:endParaRPr lang="en-GB" sz="1000" b="1" dirty="0">
+              <a:latin typeface="Calibri Light" panose="020F0302020204030204" pitchFamily="34" charset="0"/>
+              <a:ea typeface="Anonymous Pro" panose="02060609030202000504" pitchFamily="49" charset="0"/>
+              <a:cs typeface="Calibri Light" panose="020F0302020204030204" pitchFamily="34" charset="0"/>
+            </a:endParaRPr>
+          </a:p>
+          <a:p>
+            <a:endParaRPr lang="en-GB" sz="1000" b="1" dirty="0">
               <a:latin typeface="Calibri Light" panose="020F0302020204030204" pitchFamily="34" charset="0"/>
               <a:ea typeface="Anonymous Pro" panose="02060609030202000504" pitchFamily="49" charset="0"/>
               <a:cs typeface="Calibri Light" panose="020F0302020204030204" pitchFamily="34" charset="0"/>
@@ -5453,7 +5537,7 @@
         <p:spPr>
           <a:xfrm>
             <a:off x="205526" y="5520890"/>
-            <a:ext cx="3495475" cy="4339650"/>
+            <a:ext cx="3495475" cy="3939540"/>
           </a:xfrm>
           <a:prstGeom prst="rect">
             <a:avLst/>
@@ -5467,163 +5551,182 @@
           <a:lstStyle/>
           <a:p>
             <a:r>
-              <a:rPr lang="en-GB" sz="1200" b="1" dirty="0">
+              <a:rPr lang="en-GB" sz="1000" b="1" dirty="0">
                 <a:latin typeface="Calibri Light" panose="020F0302020204030204" pitchFamily="34" charset="0"/>
                 <a:ea typeface="Anonymous Pro" panose="02060609030202000504" pitchFamily="49" charset="0"/>
                 <a:cs typeface="Calibri Light" panose="020F0302020204030204" pitchFamily="34" charset="0"/>
               </a:rPr>
-              <a:t>Discussion:</a:t>
-            </a:r>
-          </a:p>
-          <a:p>
-            <a:endParaRPr lang="en-GB" sz="1200" b="1" dirty="0">
-              <a:latin typeface="Calibri Light" panose="020F0302020204030204" pitchFamily="34" charset="0"/>
-              <a:ea typeface="Anonymous Pro" panose="02060609030202000504" pitchFamily="49" charset="0"/>
-              <a:cs typeface="Calibri Light" panose="020F0302020204030204" pitchFamily="34" charset="0"/>
-            </a:endParaRPr>
-          </a:p>
-          <a:p>
-            <a:endParaRPr lang="en-GB" sz="1200" b="1" dirty="0">
-              <a:latin typeface="Calibri Light" panose="020F0302020204030204" pitchFamily="34" charset="0"/>
-              <a:ea typeface="Anonymous Pro" panose="02060609030202000504" pitchFamily="49" charset="0"/>
-              <a:cs typeface="Calibri Light" panose="020F0302020204030204" pitchFamily="34" charset="0"/>
-            </a:endParaRPr>
-          </a:p>
-          <a:p>
-            <a:endParaRPr lang="en-GB" sz="1200" b="1" dirty="0">
-              <a:latin typeface="Calibri Light" panose="020F0302020204030204" pitchFamily="34" charset="0"/>
-              <a:ea typeface="Anonymous Pro" panose="02060609030202000504" pitchFamily="49" charset="0"/>
-              <a:cs typeface="Calibri Light" panose="020F0302020204030204" pitchFamily="34" charset="0"/>
-            </a:endParaRPr>
-          </a:p>
-          <a:p>
-            <a:endParaRPr lang="en-GB" sz="1200" b="1" dirty="0">
-              <a:latin typeface="Calibri Light" panose="020F0302020204030204" pitchFamily="34" charset="0"/>
-              <a:ea typeface="Anonymous Pro" panose="02060609030202000504" pitchFamily="49" charset="0"/>
-              <a:cs typeface="Calibri Light" panose="020F0302020204030204" pitchFamily="34" charset="0"/>
-            </a:endParaRPr>
-          </a:p>
-          <a:p>
-            <a:endParaRPr lang="en-GB" sz="1200" b="1" dirty="0">
-              <a:latin typeface="Calibri Light" panose="020F0302020204030204" pitchFamily="34" charset="0"/>
-              <a:ea typeface="Anonymous Pro" panose="02060609030202000504" pitchFamily="49" charset="0"/>
-              <a:cs typeface="Calibri Light" panose="020F0302020204030204" pitchFamily="34" charset="0"/>
-            </a:endParaRPr>
-          </a:p>
-          <a:p>
-            <a:endParaRPr lang="en-GB" sz="1200" b="1" dirty="0">
-              <a:latin typeface="Calibri Light" panose="020F0302020204030204" pitchFamily="34" charset="0"/>
-              <a:ea typeface="Anonymous Pro" panose="02060609030202000504" pitchFamily="49" charset="0"/>
-              <a:cs typeface="Calibri Light" panose="020F0302020204030204" pitchFamily="34" charset="0"/>
-            </a:endParaRPr>
-          </a:p>
-          <a:p>
-            <a:endParaRPr lang="en-GB" sz="1200" b="1" dirty="0">
-              <a:latin typeface="Calibri Light" panose="020F0302020204030204" pitchFamily="34" charset="0"/>
-              <a:ea typeface="Anonymous Pro" panose="02060609030202000504" pitchFamily="49" charset="0"/>
-              <a:cs typeface="Calibri Light" panose="020F0302020204030204" pitchFamily="34" charset="0"/>
-            </a:endParaRPr>
-          </a:p>
-          <a:p>
-            <a:endParaRPr lang="en-GB" sz="1200" b="1" dirty="0">
-              <a:latin typeface="Calibri Light" panose="020F0302020204030204" pitchFamily="34" charset="0"/>
-              <a:ea typeface="Anonymous Pro" panose="02060609030202000504" pitchFamily="49" charset="0"/>
-              <a:cs typeface="Calibri Light" panose="020F0302020204030204" pitchFamily="34" charset="0"/>
-            </a:endParaRPr>
-          </a:p>
-          <a:p>
-            <a:endParaRPr lang="en-GB" sz="1200" b="1" dirty="0">
-              <a:latin typeface="Calibri Light" panose="020F0302020204030204" pitchFamily="34" charset="0"/>
-              <a:ea typeface="Anonymous Pro" panose="02060609030202000504" pitchFamily="49" charset="0"/>
-              <a:cs typeface="Calibri Light" panose="020F0302020204030204" pitchFamily="34" charset="0"/>
-            </a:endParaRPr>
-          </a:p>
-          <a:p>
-            <a:endParaRPr lang="en-GB" sz="1200" b="1" dirty="0">
-              <a:latin typeface="Calibri Light" panose="020F0302020204030204" pitchFamily="34" charset="0"/>
-              <a:ea typeface="Anonymous Pro" panose="02060609030202000504" pitchFamily="49" charset="0"/>
-              <a:cs typeface="Calibri Light" panose="020F0302020204030204" pitchFamily="34" charset="0"/>
-            </a:endParaRPr>
-          </a:p>
-          <a:p>
-            <a:endParaRPr lang="en-GB" sz="1200" b="1" dirty="0">
-              <a:latin typeface="Calibri Light" panose="020F0302020204030204" pitchFamily="34" charset="0"/>
-              <a:ea typeface="Anonymous Pro" panose="02060609030202000504" pitchFamily="49" charset="0"/>
-              <a:cs typeface="Calibri Light" panose="020F0302020204030204" pitchFamily="34" charset="0"/>
-            </a:endParaRPr>
-          </a:p>
-          <a:p>
-            <a:endParaRPr lang="en-GB" sz="1200" b="1" dirty="0">
-              <a:latin typeface="Calibri Light" panose="020F0302020204030204" pitchFamily="34" charset="0"/>
-              <a:ea typeface="Anonymous Pro" panose="02060609030202000504" pitchFamily="49" charset="0"/>
-              <a:cs typeface="Calibri Light" panose="020F0302020204030204" pitchFamily="34" charset="0"/>
-            </a:endParaRPr>
-          </a:p>
-          <a:p>
-            <a:endParaRPr lang="en-GB" sz="1200" b="1" dirty="0">
-              <a:latin typeface="Calibri Light" panose="020F0302020204030204" pitchFamily="34" charset="0"/>
-              <a:ea typeface="Anonymous Pro" panose="02060609030202000504" pitchFamily="49" charset="0"/>
-              <a:cs typeface="Calibri Light" panose="020F0302020204030204" pitchFamily="34" charset="0"/>
-            </a:endParaRPr>
-          </a:p>
-          <a:p>
-            <a:endParaRPr lang="en-GB" sz="1200" b="1" dirty="0">
-              <a:latin typeface="Calibri Light" panose="020F0302020204030204" pitchFamily="34" charset="0"/>
-              <a:ea typeface="Anonymous Pro" panose="02060609030202000504" pitchFamily="49" charset="0"/>
-              <a:cs typeface="Calibri Light" panose="020F0302020204030204" pitchFamily="34" charset="0"/>
-            </a:endParaRPr>
-          </a:p>
-          <a:p>
-            <a:endParaRPr lang="en-GB" sz="1200" b="1" dirty="0">
-              <a:latin typeface="Calibri Light" panose="020F0302020204030204" pitchFamily="34" charset="0"/>
-              <a:ea typeface="Anonymous Pro" panose="02060609030202000504" pitchFamily="49" charset="0"/>
-              <a:cs typeface="Calibri Light" panose="020F0302020204030204" pitchFamily="34" charset="0"/>
-            </a:endParaRPr>
-          </a:p>
-          <a:p>
-            <a:endParaRPr lang="en-GB" sz="1200" b="1" dirty="0">
-              <a:latin typeface="Calibri Light" panose="020F0302020204030204" pitchFamily="34" charset="0"/>
-              <a:ea typeface="Anonymous Pro" panose="02060609030202000504" pitchFamily="49" charset="0"/>
-              <a:cs typeface="Calibri Light" panose="020F0302020204030204" pitchFamily="34" charset="0"/>
-            </a:endParaRPr>
-          </a:p>
-          <a:p>
-            <a:endParaRPr lang="en-GB" sz="1200" b="1" dirty="0">
-              <a:latin typeface="Calibri Light" panose="020F0302020204030204" pitchFamily="34" charset="0"/>
-              <a:ea typeface="Anonymous Pro" panose="02060609030202000504" pitchFamily="49" charset="0"/>
-              <a:cs typeface="Calibri Light" panose="020F0302020204030204" pitchFamily="34" charset="0"/>
-            </a:endParaRPr>
-          </a:p>
-          <a:p>
-            <a:endParaRPr lang="en-GB" sz="1200" b="1" dirty="0">
-              <a:latin typeface="Calibri Light" panose="020F0302020204030204" pitchFamily="34" charset="0"/>
-              <a:ea typeface="Anonymous Pro" panose="02060609030202000504" pitchFamily="49" charset="0"/>
-              <a:cs typeface="Calibri Light" panose="020F0302020204030204" pitchFamily="34" charset="0"/>
-            </a:endParaRPr>
-          </a:p>
-          <a:p>
-            <a:endParaRPr lang="en-GB" sz="1200" b="1" dirty="0">
-              <a:latin typeface="Calibri Light" panose="020F0302020204030204" pitchFamily="34" charset="0"/>
-              <a:ea typeface="Anonymous Pro" panose="02060609030202000504" pitchFamily="49" charset="0"/>
-              <a:cs typeface="Calibri Light" panose="020F0302020204030204" pitchFamily="34" charset="0"/>
-            </a:endParaRPr>
-          </a:p>
-          <a:p>
-            <a:endParaRPr lang="en-GB" sz="1200" b="1" dirty="0">
-              <a:latin typeface="Calibri Light" panose="020F0302020204030204" pitchFamily="34" charset="0"/>
-              <a:ea typeface="Anonymous Pro" panose="02060609030202000504" pitchFamily="49" charset="0"/>
-              <a:cs typeface="Calibri Light" panose="020F0302020204030204" pitchFamily="34" charset="0"/>
-            </a:endParaRPr>
-          </a:p>
-          <a:p>
-            <a:endParaRPr lang="en-GB" sz="1200" b="1" dirty="0">
-              <a:latin typeface="Calibri Light" panose="020F0302020204030204" pitchFamily="34" charset="0"/>
-              <a:ea typeface="Anonymous Pro" panose="02060609030202000504" pitchFamily="49" charset="0"/>
-              <a:cs typeface="Calibri Light" panose="020F0302020204030204" pitchFamily="34" charset="0"/>
-            </a:endParaRPr>
-          </a:p>
-          <a:p>
-            <a:endParaRPr lang="en-GB" sz="1200" b="1" dirty="0">
+              <a:t>Discussion And Results:</a:t>
+            </a:r>
+          </a:p>
+          <a:p>
+            <a:endParaRPr lang="en-GB" sz="1000" b="1" dirty="0">
+              <a:latin typeface="Calibri Light" panose="020F0302020204030204" pitchFamily="34" charset="0"/>
+              <a:ea typeface="Anonymous Pro" panose="02060609030202000504" pitchFamily="49" charset="0"/>
+              <a:cs typeface="Calibri Light" panose="020F0302020204030204" pitchFamily="34" charset="0"/>
+            </a:endParaRPr>
+          </a:p>
+          <a:p>
+            <a:r>
+              <a:rPr lang="en-GB" sz="1000" b="1" dirty="0">
+                <a:latin typeface="Calibri Light" panose="020F0302020204030204" pitchFamily="34" charset="0"/>
+                <a:ea typeface="Anonymous Pro" panose="02060609030202000504" pitchFamily="49" charset="0"/>
+                <a:cs typeface="Calibri Light" panose="020F0302020204030204" pitchFamily="34" charset="0"/>
+              </a:rPr>
+              <a:t>The results were shown to be accurate; this was validated with the lack of graphics artefacts when the converted .</a:t>
+            </a:r>
+            <a:r>
+              <a:rPr lang="en-GB" sz="1000" b="1" dirty="0" err="1">
+                <a:latin typeface="Calibri Light" panose="020F0302020204030204" pitchFamily="34" charset="0"/>
+                <a:ea typeface="Anonymous Pro" panose="02060609030202000504" pitchFamily="49" charset="0"/>
+                <a:cs typeface="Calibri Light" panose="020F0302020204030204" pitchFamily="34" charset="0"/>
+              </a:rPr>
+              <a:t>Objs</a:t>
+            </a:r>
+            <a:r>
+              <a:rPr lang="en-GB" sz="1000" b="1" dirty="0">
+                <a:latin typeface="Calibri Light" panose="020F0302020204030204" pitchFamily="34" charset="0"/>
+                <a:ea typeface="Anonymous Pro" panose="02060609030202000504" pitchFamily="49" charset="0"/>
+                <a:cs typeface="Calibri Light" panose="020F0302020204030204" pitchFamily="34" charset="0"/>
+              </a:rPr>
+              <a:t> were parsed into 3d rendering software e.g. unreal, Object viewer etc.</a:t>
+            </a:r>
+          </a:p>
+          <a:p>
+            <a:endParaRPr lang="en-GB" sz="1000" b="1" dirty="0">
+              <a:latin typeface="Calibri Light" panose="020F0302020204030204" pitchFamily="34" charset="0"/>
+              <a:ea typeface="Anonymous Pro" panose="02060609030202000504" pitchFamily="49" charset="0"/>
+              <a:cs typeface="Calibri Light" panose="020F0302020204030204" pitchFamily="34" charset="0"/>
+            </a:endParaRPr>
+          </a:p>
+          <a:p>
+            <a:endParaRPr lang="en-GB" sz="1000" b="1" dirty="0">
+              <a:latin typeface="Calibri Light" panose="020F0302020204030204" pitchFamily="34" charset="0"/>
+              <a:ea typeface="Anonymous Pro" panose="02060609030202000504" pitchFamily="49" charset="0"/>
+              <a:cs typeface="Calibri Light" panose="020F0302020204030204" pitchFamily="34" charset="0"/>
+            </a:endParaRPr>
+          </a:p>
+          <a:p>
+            <a:endParaRPr lang="en-GB" sz="1000" b="1" dirty="0">
+              <a:latin typeface="Calibri Light" panose="020F0302020204030204" pitchFamily="34" charset="0"/>
+              <a:ea typeface="Anonymous Pro" panose="02060609030202000504" pitchFamily="49" charset="0"/>
+              <a:cs typeface="Calibri Light" panose="020F0302020204030204" pitchFamily="34" charset="0"/>
+            </a:endParaRPr>
+          </a:p>
+          <a:p>
+            <a:endParaRPr lang="en-GB" sz="1000" b="1" dirty="0">
+              <a:latin typeface="Calibri Light" panose="020F0302020204030204" pitchFamily="34" charset="0"/>
+              <a:ea typeface="Anonymous Pro" panose="02060609030202000504" pitchFamily="49" charset="0"/>
+              <a:cs typeface="Calibri Light" panose="020F0302020204030204" pitchFamily="34" charset="0"/>
+            </a:endParaRPr>
+          </a:p>
+          <a:p>
+            <a:endParaRPr lang="en-GB" sz="1000" b="1" dirty="0">
+              <a:latin typeface="Calibri Light" panose="020F0302020204030204" pitchFamily="34" charset="0"/>
+              <a:ea typeface="Anonymous Pro" panose="02060609030202000504" pitchFamily="49" charset="0"/>
+              <a:cs typeface="Calibri Light" panose="020F0302020204030204" pitchFamily="34" charset="0"/>
+            </a:endParaRPr>
+          </a:p>
+          <a:p>
+            <a:endParaRPr lang="en-GB" sz="1000" b="1" dirty="0">
+              <a:latin typeface="Calibri Light" panose="020F0302020204030204" pitchFamily="34" charset="0"/>
+              <a:ea typeface="Anonymous Pro" panose="02060609030202000504" pitchFamily="49" charset="0"/>
+              <a:cs typeface="Calibri Light" panose="020F0302020204030204" pitchFamily="34" charset="0"/>
+            </a:endParaRPr>
+          </a:p>
+          <a:p>
+            <a:endParaRPr lang="en-GB" sz="1000" b="1" dirty="0">
+              <a:latin typeface="Calibri Light" panose="020F0302020204030204" pitchFamily="34" charset="0"/>
+              <a:ea typeface="Anonymous Pro" panose="02060609030202000504" pitchFamily="49" charset="0"/>
+              <a:cs typeface="Calibri Light" panose="020F0302020204030204" pitchFamily="34" charset="0"/>
+            </a:endParaRPr>
+          </a:p>
+          <a:p>
+            <a:endParaRPr lang="en-GB" sz="1000" b="1" dirty="0">
+              <a:latin typeface="Calibri Light" panose="020F0302020204030204" pitchFamily="34" charset="0"/>
+              <a:ea typeface="Anonymous Pro" panose="02060609030202000504" pitchFamily="49" charset="0"/>
+              <a:cs typeface="Calibri Light" panose="020F0302020204030204" pitchFamily="34" charset="0"/>
+            </a:endParaRPr>
+          </a:p>
+          <a:p>
+            <a:endParaRPr lang="en-GB" sz="1000" b="1" dirty="0">
+              <a:latin typeface="Calibri Light" panose="020F0302020204030204" pitchFamily="34" charset="0"/>
+              <a:ea typeface="Anonymous Pro" panose="02060609030202000504" pitchFamily="49" charset="0"/>
+              <a:cs typeface="Calibri Light" panose="020F0302020204030204" pitchFamily="34" charset="0"/>
+            </a:endParaRPr>
+          </a:p>
+          <a:p>
+            <a:endParaRPr lang="en-GB" sz="1000" b="1" dirty="0">
+              <a:latin typeface="Calibri Light" panose="020F0302020204030204" pitchFamily="34" charset="0"/>
+              <a:ea typeface="Anonymous Pro" panose="02060609030202000504" pitchFamily="49" charset="0"/>
+              <a:cs typeface="Calibri Light" panose="020F0302020204030204" pitchFamily="34" charset="0"/>
+            </a:endParaRPr>
+          </a:p>
+          <a:p>
+            <a:endParaRPr lang="en-GB" sz="1000" b="1" dirty="0">
+              <a:latin typeface="Calibri Light" panose="020F0302020204030204" pitchFamily="34" charset="0"/>
+              <a:ea typeface="Anonymous Pro" panose="02060609030202000504" pitchFamily="49" charset="0"/>
+              <a:cs typeface="Calibri Light" panose="020F0302020204030204" pitchFamily="34" charset="0"/>
+            </a:endParaRPr>
+          </a:p>
+          <a:p>
+            <a:endParaRPr lang="en-GB" sz="1000" b="1" dirty="0">
+              <a:latin typeface="Calibri Light" panose="020F0302020204030204" pitchFamily="34" charset="0"/>
+              <a:ea typeface="Anonymous Pro" panose="02060609030202000504" pitchFamily="49" charset="0"/>
+              <a:cs typeface="Calibri Light" panose="020F0302020204030204" pitchFamily="34" charset="0"/>
+            </a:endParaRPr>
+          </a:p>
+          <a:p>
+            <a:endParaRPr lang="en-GB" sz="1000" b="1" dirty="0">
+              <a:latin typeface="Calibri Light" panose="020F0302020204030204" pitchFamily="34" charset="0"/>
+              <a:ea typeface="Anonymous Pro" panose="02060609030202000504" pitchFamily="49" charset="0"/>
+              <a:cs typeface="Calibri Light" panose="020F0302020204030204" pitchFamily="34" charset="0"/>
+            </a:endParaRPr>
+          </a:p>
+          <a:p>
+            <a:endParaRPr lang="en-GB" sz="1000" b="1" dirty="0">
+              <a:latin typeface="Calibri Light" panose="020F0302020204030204" pitchFamily="34" charset="0"/>
+              <a:ea typeface="Anonymous Pro" panose="02060609030202000504" pitchFamily="49" charset="0"/>
+              <a:cs typeface="Calibri Light" panose="020F0302020204030204" pitchFamily="34" charset="0"/>
+            </a:endParaRPr>
+          </a:p>
+          <a:p>
+            <a:endParaRPr lang="en-GB" sz="1000" b="1" dirty="0">
+              <a:latin typeface="Calibri Light" panose="020F0302020204030204" pitchFamily="34" charset="0"/>
+              <a:ea typeface="Anonymous Pro" panose="02060609030202000504" pitchFamily="49" charset="0"/>
+              <a:cs typeface="Calibri Light" panose="020F0302020204030204" pitchFamily="34" charset="0"/>
+            </a:endParaRPr>
+          </a:p>
+          <a:p>
+            <a:endParaRPr lang="en-GB" sz="1000" b="1" dirty="0">
+              <a:latin typeface="Calibri Light" panose="020F0302020204030204" pitchFamily="34" charset="0"/>
+              <a:ea typeface="Anonymous Pro" panose="02060609030202000504" pitchFamily="49" charset="0"/>
+              <a:cs typeface="Calibri Light" panose="020F0302020204030204" pitchFamily="34" charset="0"/>
+            </a:endParaRPr>
+          </a:p>
+          <a:p>
+            <a:endParaRPr lang="en-GB" sz="1000" b="1" dirty="0">
+              <a:latin typeface="Calibri Light" panose="020F0302020204030204" pitchFamily="34" charset="0"/>
+              <a:ea typeface="Anonymous Pro" panose="02060609030202000504" pitchFamily="49" charset="0"/>
+              <a:cs typeface="Calibri Light" panose="020F0302020204030204" pitchFamily="34" charset="0"/>
+            </a:endParaRPr>
+          </a:p>
+          <a:p>
+            <a:endParaRPr lang="en-GB" sz="1000" b="1" dirty="0">
+              <a:latin typeface="Calibri Light" panose="020F0302020204030204" pitchFamily="34" charset="0"/>
+              <a:ea typeface="Anonymous Pro" panose="02060609030202000504" pitchFamily="49" charset="0"/>
+              <a:cs typeface="Calibri Light" panose="020F0302020204030204" pitchFamily="34" charset="0"/>
+            </a:endParaRPr>
+          </a:p>
+          <a:p>
+            <a:endParaRPr lang="en-GB" sz="1000" b="1" dirty="0">
+              <a:latin typeface="Calibri Light" panose="020F0302020204030204" pitchFamily="34" charset="0"/>
+              <a:ea typeface="Anonymous Pro" panose="02060609030202000504" pitchFamily="49" charset="0"/>
+              <a:cs typeface="Calibri Light" panose="020F0302020204030204" pitchFamily="34" charset="0"/>
+            </a:endParaRPr>
+          </a:p>
+          <a:p>
+            <a:endParaRPr lang="en-GB" sz="1000" b="1" dirty="0">
               <a:latin typeface="Calibri Light" panose="020F0302020204030204" pitchFamily="34" charset="0"/>
               <a:ea typeface="Anonymous Pro" panose="02060609030202000504" pitchFamily="49" charset="0"/>
               <a:cs typeface="Calibri Light" panose="020F0302020204030204" pitchFamily="34" charset="0"/>
@@ -5646,7 +5749,7 @@
         <p:spPr>
           <a:xfrm>
             <a:off x="3858675" y="5520890"/>
-            <a:ext cx="3495475" cy="4339650"/>
+            <a:ext cx="3495475" cy="4216539"/>
           </a:xfrm>
           <a:prstGeom prst="rect">
             <a:avLst/>
@@ -5660,7 +5763,7 @@
           <a:lstStyle/>
           <a:p>
             <a:r>
-              <a:rPr lang="en-GB" sz="1200" b="1" dirty="0">
+              <a:rPr lang="en-GB" sz="1000" b="1" dirty="0">
                 <a:latin typeface="Calibri Light" panose="020F0302020204030204" pitchFamily="34" charset="0"/>
                 <a:ea typeface="Anonymous Pro" panose="02060609030202000504" pitchFamily="49" charset="0"/>
                 <a:cs typeface="Calibri Light" panose="020F0302020204030204" pitchFamily="34" charset="0"/>
@@ -5669,154 +5772,243 @@
             </a:r>
           </a:p>
           <a:p>
-            <a:endParaRPr lang="en-GB" sz="1200" b="1" dirty="0">
-              <a:latin typeface="Calibri Light" panose="020F0302020204030204" pitchFamily="34" charset="0"/>
-              <a:ea typeface="Anonymous Pro" panose="02060609030202000504" pitchFamily="49" charset="0"/>
-              <a:cs typeface="Calibri Light" panose="020F0302020204030204" pitchFamily="34" charset="0"/>
-            </a:endParaRPr>
-          </a:p>
-          <a:p>
-            <a:endParaRPr lang="en-GB" sz="1200" b="1" dirty="0">
-              <a:latin typeface="Calibri Light" panose="020F0302020204030204" pitchFamily="34" charset="0"/>
-              <a:ea typeface="Anonymous Pro" panose="02060609030202000504" pitchFamily="49" charset="0"/>
-              <a:cs typeface="Calibri Light" panose="020F0302020204030204" pitchFamily="34" charset="0"/>
-            </a:endParaRPr>
-          </a:p>
-          <a:p>
-            <a:endParaRPr lang="en-GB" sz="1200" b="1" dirty="0">
-              <a:latin typeface="Calibri Light" panose="020F0302020204030204" pitchFamily="34" charset="0"/>
-              <a:ea typeface="Anonymous Pro" panose="02060609030202000504" pitchFamily="49" charset="0"/>
-              <a:cs typeface="Calibri Light" panose="020F0302020204030204" pitchFamily="34" charset="0"/>
-            </a:endParaRPr>
-          </a:p>
-          <a:p>
-            <a:endParaRPr lang="en-GB" sz="1200" b="1" dirty="0">
-              <a:latin typeface="Calibri Light" panose="020F0302020204030204" pitchFamily="34" charset="0"/>
-              <a:ea typeface="Anonymous Pro" panose="02060609030202000504" pitchFamily="49" charset="0"/>
-              <a:cs typeface="Calibri Light" panose="020F0302020204030204" pitchFamily="34" charset="0"/>
-            </a:endParaRPr>
-          </a:p>
-          <a:p>
-            <a:endParaRPr lang="en-GB" sz="1200" b="1" dirty="0">
-              <a:latin typeface="Calibri Light" panose="020F0302020204030204" pitchFamily="34" charset="0"/>
-              <a:ea typeface="Anonymous Pro" panose="02060609030202000504" pitchFamily="49" charset="0"/>
-              <a:cs typeface="Calibri Light" panose="020F0302020204030204" pitchFamily="34" charset="0"/>
-            </a:endParaRPr>
-          </a:p>
-          <a:p>
-            <a:endParaRPr lang="en-GB" sz="1200" b="1" dirty="0">
-              <a:latin typeface="Calibri Light" panose="020F0302020204030204" pitchFamily="34" charset="0"/>
-              <a:ea typeface="Anonymous Pro" panose="02060609030202000504" pitchFamily="49" charset="0"/>
-              <a:cs typeface="Calibri Light" panose="020F0302020204030204" pitchFamily="34" charset="0"/>
-            </a:endParaRPr>
-          </a:p>
-          <a:p>
-            <a:endParaRPr lang="en-GB" sz="1200" b="1" dirty="0">
-              <a:latin typeface="Calibri Light" panose="020F0302020204030204" pitchFamily="34" charset="0"/>
-              <a:ea typeface="Anonymous Pro" panose="02060609030202000504" pitchFamily="49" charset="0"/>
-              <a:cs typeface="Calibri Light" panose="020F0302020204030204" pitchFamily="34" charset="0"/>
-            </a:endParaRPr>
-          </a:p>
-          <a:p>
-            <a:endParaRPr lang="en-GB" sz="1200" b="1" dirty="0">
-              <a:latin typeface="Calibri Light" panose="020F0302020204030204" pitchFamily="34" charset="0"/>
-              <a:ea typeface="Anonymous Pro" panose="02060609030202000504" pitchFamily="49" charset="0"/>
-              <a:cs typeface="Calibri Light" panose="020F0302020204030204" pitchFamily="34" charset="0"/>
-            </a:endParaRPr>
-          </a:p>
-          <a:p>
-            <a:endParaRPr lang="en-GB" sz="1200" b="1" dirty="0">
-              <a:latin typeface="Calibri Light" panose="020F0302020204030204" pitchFamily="34" charset="0"/>
-              <a:ea typeface="Anonymous Pro" panose="02060609030202000504" pitchFamily="49" charset="0"/>
-              <a:cs typeface="Calibri Light" panose="020F0302020204030204" pitchFamily="34" charset="0"/>
-            </a:endParaRPr>
-          </a:p>
-          <a:p>
-            <a:endParaRPr lang="en-GB" sz="1200" b="1" dirty="0">
-              <a:latin typeface="Calibri Light" panose="020F0302020204030204" pitchFamily="34" charset="0"/>
-              <a:ea typeface="Anonymous Pro" panose="02060609030202000504" pitchFamily="49" charset="0"/>
-              <a:cs typeface="Calibri Light" panose="020F0302020204030204" pitchFamily="34" charset="0"/>
-            </a:endParaRPr>
-          </a:p>
-          <a:p>
-            <a:endParaRPr lang="en-GB" sz="1200" b="1" dirty="0">
-              <a:latin typeface="Calibri Light" panose="020F0302020204030204" pitchFamily="34" charset="0"/>
-              <a:ea typeface="Anonymous Pro" panose="02060609030202000504" pitchFamily="49" charset="0"/>
-              <a:cs typeface="Calibri Light" panose="020F0302020204030204" pitchFamily="34" charset="0"/>
-            </a:endParaRPr>
-          </a:p>
-          <a:p>
-            <a:endParaRPr lang="en-GB" sz="1200" b="1" dirty="0">
-              <a:latin typeface="Calibri Light" panose="020F0302020204030204" pitchFamily="34" charset="0"/>
-              <a:ea typeface="Anonymous Pro" panose="02060609030202000504" pitchFamily="49" charset="0"/>
-              <a:cs typeface="Calibri Light" panose="020F0302020204030204" pitchFamily="34" charset="0"/>
-            </a:endParaRPr>
-          </a:p>
-          <a:p>
-            <a:endParaRPr lang="en-GB" sz="1200" b="1" dirty="0">
-              <a:latin typeface="Calibri Light" panose="020F0302020204030204" pitchFamily="34" charset="0"/>
-              <a:ea typeface="Anonymous Pro" panose="02060609030202000504" pitchFamily="49" charset="0"/>
-              <a:cs typeface="Calibri Light" panose="020F0302020204030204" pitchFamily="34" charset="0"/>
-            </a:endParaRPr>
-          </a:p>
-          <a:p>
-            <a:endParaRPr lang="en-GB" sz="1200" b="1" dirty="0">
-              <a:latin typeface="Calibri Light" panose="020F0302020204030204" pitchFamily="34" charset="0"/>
-              <a:ea typeface="Anonymous Pro" panose="02060609030202000504" pitchFamily="49" charset="0"/>
-              <a:cs typeface="Calibri Light" panose="020F0302020204030204" pitchFamily="34" charset="0"/>
-            </a:endParaRPr>
-          </a:p>
-          <a:p>
-            <a:endParaRPr lang="en-GB" sz="1200" b="1" dirty="0">
-              <a:latin typeface="Calibri Light" panose="020F0302020204030204" pitchFamily="34" charset="0"/>
-              <a:ea typeface="Anonymous Pro" panose="02060609030202000504" pitchFamily="49" charset="0"/>
-              <a:cs typeface="Calibri Light" panose="020F0302020204030204" pitchFamily="34" charset="0"/>
-            </a:endParaRPr>
-          </a:p>
-          <a:p>
-            <a:endParaRPr lang="en-GB" sz="1200" b="1" dirty="0">
-              <a:latin typeface="Calibri Light" panose="020F0302020204030204" pitchFamily="34" charset="0"/>
-              <a:ea typeface="Anonymous Pro" panose="02060609030202000504" pitchFamily="49" charset="0"/>
-              <a:cs typeface="Calibri Light" panose="020F0302020204030204" pitchFamily="34" charset="0"/>
-            </a:endParaRPr>
-          </a:p>
-          <a:p>
-            <a:endParaRPr lang="en-GB" sz="1200" b="1" dirty="0">
-              <a:latin typeface="Calibri Light" panose="020F0302020204030204" pitchFamily="34" charset="0"/>
-              <a:ea typeface="Anonymous Pro" panose="02060609030202000504" pitchFamily="49" charset="0"/>
-              <a:cs typeface="Calibri Light" panose="020F0302020204030204" pitchFamily="34" charset="0"/>
-            </a:endParaRPr>
-          </a:p>
-          <a:p>
-            <a:endParaRPr lang="en-GB" sz="1200" b="1" dirty="0">
-              <a:latin typeface="Calibri Light" panose="020F0302020204030204" pitchFamily="34" charset="0"/>
-              <a:ea typeface="Anonymous Pro" panose="02060609030202000504" pitchFamily="49" charset="0"/>
-              <a:cs typeface="Calibri Light" panose="020F0302020204030204" pitchFamily="34" charset="0"/>
-            </a:endParaRPr>
-          </a:p>
-          <a:p>
-            <a:endParaRPr lang="en-GB" sz="1200" b="1" dirty="0">
-              <a:latin typeface="Calibri Light" panose="020F0302020204030204" pitchFamily="34" charset="0"/>
-              <a:ea typeface="Anonymous Pro" panose="02060609030202000504" pitchFamily="49" charset="0"/>
-              <a:cs typeface="Calibri Light" panose="020F0302020204030204" pitchFamily="34" charset="0"/>
-            </a:endParaRPr>
-          </a:p>
-          <a:p>
-            <a:endParaRPr lang="en-GB" sz="1200" b="1" dirty="0">
-              <a:latin typeface="Calibri Light" panose="020F0302020204030204" pitchFamily="34" charset="0"/>
-              <a:ea typeface="Anonymous Pro" panose="02060609030202000504" pitchFamily="49" charset="0"/>
-              <a:cs typeface="Calibri Light" panose="020F0302020204030204" pitchFamily="34" charset="0"/>
-            </a:endParaRPr>
-          </a:p>
-          <a:p>
-            <a:endParaRPr lang="en-GB" sz="1200" b="1" dirty="0">
-              <a:latin typeface="Calibri Light" panose="020F0302020204030204" pitchFamily="34" charset="0"/>
-              <a:ea typeface="Anonymous Pro" panose="02060609030202000504" pitchFamily="49" charset="0"/>
-              <a:cs typeface="Calibri Light" panose="020F0302020204030204" pitchFamily="34" charset="0"/>
-            </a:endParaRPr>
-          </a:p>
-          <a:p>
-            <a:endParaRPr lang="en-GB" sz="1200" b="1" dirty="0">
+            <a:endParaRPr lang="en-GB" sz="1000" b="1" dirty="0">
+              <a:latin typeface="Calibri Light" panose="020F0302020204030204" pitchFamily="34" charset="0"/>
+              <a:ea typeface="Anonymous Pro" panose="02060609030202000504" pitchFamily="49" charset="0"/>
+              <a:cs typeface="Calibri Light" panose="020F0302020204030204" pitchFamily="34" charset="0"/>
+            </a:endParaRPr>
+          </a:p>
+          <a:p>
+            <a:r>
+              <a:rPr lang="en-GB" sz="800" dirty="0">
+                <a:latin typeface="Calibri Light" panose="020F0302020204030204" pitchFamily="34" charset="0"/>
+                <a:ea typeface="Anonymous Pro" panose="02060609030202000504" pitchFamily="49" charset="0"/>
+                <a:cs typeface="Calibri Light" panose="020F0302020204030204" pitchFamily="34" charset="0"/>
+              </a:rPr>
+              <a:t>The main</a:t>
+            </a:r>
+            <a:r>
+              <a:rPr lang="en-GB" sz="800" b="1" dirty="0">
+                <a:latin typeface="Calibri Light" panose="020F0302020204030204" pitchFamily="34" charset="0"/>
+                <a:ea typeface="Anonymous Pro" panose="02060609030202000504" pitchFamily="49" charset="0"/>
+                <a:cs typeface="Calibri Light" panose="020F0302020204030204" pitchFamily="34" charset="0"/>
+              </a:rPr>
+              <a:t>  </a:t>
+            </a:r>
+            <a:r>
+              <a:rPr lang="en-GB" sz="800" dirty="0">
+                <a:latin typeface="Calibri Light" panose="020F0302020204030204" pitchFamily="34" charset="0"/>
+                <a:ea typeface="Anonymous Pro" panose="02060609030202000504" pitchFamily="49" charset="0"/>
+                <a:cs typeface="Calibri Light" panose="020F0302020204030204" pitchFamily="34" charset="0"/>
+              </a:rPr>
+              <a:t>takeaways are that the given game asset files were reverse engineered, decoded and converted correctly.</a:t>
+            </a:r>
+          </a:p>
+          <a:p>
+            <a:endParaRPr lang="en-GB" sz="800" dirty="0">
+              <a:latin typeface="Calibri Light" panose="020F0302020204030204" pitchFamily="34" charset="0"/>
+              <a:ea typeface="Anonymous Pro" panose="02060609030202000504" pitchFamily="49" charset="0"/>
+              <a:cs typeface="Calibri Light" panose="020F0302020204030204" pitchFamily="34" charset="0"/>
+            </a:endParaRPr>
+          </a:p>
+          <a:p>
+            <a:r>
+              <a:rPr lang="en-GB" sz="800" dirty="0">
+                <a:latin typeface="Calibri Light" panose="020F0302020204030204" pitchFamily="34" charset="0"/>
+                <a:ea typeface="Anonymous Pro" panose="02060609030202000504" pitchFamily="49" charset="0"/>
+                <a:cs typeface="Calibri Light" panose="020F0302020204030204" pitchFamily="34" charset="0"/>
+              </a:rPr>
+              <a:t>The </a:t>
+            </a:r>
+            <a:r>
+              <a:rPr lang="en-GB" sz="800" b="1" dirty="0">
+                <a:latin typeface="Calibri Light" panose="020F0302020204030204" pitchFamily="34" charset="0"/>
+                <a:ea typeface="Anonymous Pro" panose="02060609030202000504" pitchFamily="49" charset="0"/>
+                <a:cs typeface="Calibri Light" panose="020F0302020204030204" pitchFamily="34" charset="0"/>
+              </a:rPr>
+              <a:t>GAD  </a:t>
+            </a:r>
+            <a:r>
+              <a:rPr lang="en-GB" sz="800" dirty="0">
+                <a:latin typeface="Calibri Light" panose="020F0302020204030204" pitchFamily="34" charset="0"/>
+                <a:ea typeface="Anonymous Pro" panose="02060609030202000504" pitchFamily="49" charset="0"/>
+                <a:cs typeface="Calibri Light" panose="020F0302020204030204" pitchFamily="34" charset="0"/>
+              </a:rPr>
+              <a:t>details the breakdown of reverse engineering files correctly, as the processes detailed in the methodology reflect the process of the </a:t>
+            </a:r>
+            <a:r>
+              <a:rPr lang="en-GB" sz="800" b="1" dirty="0">
+                <a:latin typeface="Calibri Light" panose="020F0302020204030204" pitchFamily="34" charset="0"/>
+                <a:ea typeface="Anonymous Pro" panose="02060609030202000504" pitchFamily="49" charset="0"/>
+                <a:cs typeface="Calibri Light" panose="020F0302020204030204" pitchFamily="34" charset="0"/>
+              </a:rPr>
+              <a:t>GAD </a:t>
+            </a:r>
+            <a:r>
+              <a:rPr lang="en-GB" sz="800" dirty="0">
+                <a:latin typeface="Calibri Light" panose="020F0302020204030204" pitchFamily="34" charset="0"/>
+                <a:ea typeface="Anonymous Pro" panose="02060609030202000504" pitchFamily="49" charset="0"/>
+                <a:cs typeface="Calibri Light" panose="020F0302020204030204" pitchFamily="34" charset="0"/>
+              </a:rPr>
+              <a:t>development of the file </a:t>
+            </a:r>
+            <a:r>
+              <a:rPr lang="en-GB" sz="800" dirty="0" err="1">
+                <a:latin typeface="Calibri Light" panose="020F0302020204030204" pitchFamily="34" charset="0"/>
+                <a:ea typeface="Anonymous Pro" panose="02060609030202000504" pitchFamily="49" charset="0"/>
+                <a:cs typeface="Calibri Light" panose="020F0302020204030204" pitchFamily="34" charset="0"/>
+              </a:rPr>
+              <a:t>decorers</a:t>
+            </a:r>
+            <a:r>
+              <a:rPr lang="en-GB" sz="800" dirty="0">
+                <a:latin typeface="Calibri Light" panose="020F0302020204030204" pitchFamily="34" charset="0"/>
+                <a:ea typeface="Anonymous Pro" panose="02060609030202000504" pitchFamily="49" charset="0"/>
+                <a:cs typeface="Calibri Light" panose="020F0302020204030204" pitchFamily="34" charset="0"/>
+              </a:rPr>
+              <a:t>. </a:t>
+            </a:r>
+            <a:endParaRPr lang="en-GB" sz="800" b="1" dirty="0">
+              <a:latin typeface="Calibri Light" panose="020F0302020204030204" pitchFamily="34" charset="0"/>
+              <a:ea typeface="Anonymous Pro" panose="02060609030202000504" pitchFamily="49" charset="0"/>
+              <a:cs typeface="Calibri Light" panose="020F0302020204030204" pitchFamily="34" charset="0"/>
+            </a:endParaRPr>
+          </a:p>
+          <a:p>
+            <a:endParaRPr lang="en-GB" sz="1000" b="1" dirty="0">
+              <a:latin typeface="Calibri Light" panose="020F0302020204030204" pitchFamily="34" charset="0"/>
+              <a:ea typeface="Anonymous Pro" panose="02060609030202000504" pitchFamily="49" charset="0"/>
+              <a:cs typeface="Calibri Light" panose="020F0302020204030204" pitchFamily="34" charset="0"/>
+            </a:endParaRPr>
+          </a:p>
+          <a:p>
+            <a:endParaRPr lang="en-GB" sz="1000" b="1" dirty="0">
+              <a:latin typeface="Calibri Light" panose="020F0302020204030204" pitchFamily="34" charset="0"/>
+              <a:ea typeface="Anonymous Pro" panose="02060609030202000504" pitchFamily="49" charset="0"/>
+              <a:cs typeface="Calibri Light" panose="020F0302020204030204" pitchFamily="34" charset="0"/>
+            </a:endParaRPr>
+          </a:p>
+          <a:p>
+            <a:endParaRPr lang="en-GB" sz="1000" b="1" dirty="0">
+              <a:latin typeface="Calibri Light" panose="020F0302020204030204" pitchFamily="34" charset="0"/>
+              <a:ea typeface="Anonymous Pro" panose="02060609030202000504" pitchFamily="49" charset="0"/>
+              <a:cs typeface="Calibri Light" panose="020F0302020204030204" pitchFamily="34" charset="0"/>
+            </a:endParaRPr>
+          </a:p>
+          <a:p>
+            <a:endParaRPr lang="en-GB" sz="1000" b="1" dirty="0">
+              <a:latin typeface="Calibri Light" panose="020F0302020204030204" pitchFamily="34" charset="0"/>
+              <a:ea typeface="Anonymous Pro" panose="02060609030202000504" pitchFamily="49" charset="0"/>
+              <a:cs typeface="Calibri Light" panose="020F0302020204030204" pitchFamily="34" charset="0"/>
+            </a:endParaRPr>
+          </a:p>
+          <a:p>
+            <a:endParaRPr lang="en-GB" sz="1000" b="1" dirty="0">
+              <a:latin typeface="Calibri Light" panose="020F0302020204030204" pitchFamily="34" charset="0"/>
+              <a:ea typeface="Anonymous Pro" panose="02060609030202000504" pitchFamily="49" charset="0"/>
+              <a:cs typeface="Calibri Light" panose="020F0302020204030204" pitchFamily="34" charset="0"/>
+            </a:endParaRPr>
+          </a:p>
+          <a:p>
+            <a:endParaRPr lang="en-GB" sz="1000" b="1" dirty="0">
+              <a:latin typeface="Calibri Light" panose="020F0302020204030204" pitchFamily="34" charset="0"/>
+              <a:ea typeface="Anonymous Pro" panose="02060609030202000504" pitchFamily="49" charset="0"/>
+              <a:cs typeface="Calibri Light" panose="020F0302020204030204" pitchFamily="34" charset="0"/>
+            </a:endParaRPr>
+          </a:p>
+          <a:p>
+            <a:endParaRPr lang="en-GB" sz="1000" b="1" dirty="0">
+              <a:latin typeface="Calibri Light" panose="020F0302020204030204" pitchFamily="34" charset="0"/>
+              <a:ea typeface="Anonymous Pro" panose="02060609030202000504" pitchFamily="49" charset="0"/>
+              <a:cs typeface="Calibri Light" panose="020F0302020204030204" pitchFamily="34" charset="0"/>
+            </a:endParaRPr>
+          </a:p>
+          <a:p>
+            <a:endParaRPr lang="en-GB" sz="1000" b="1" dirty="0">
+              <a:latin typeface="Calibri Light" panose="020F0302020204030204" pitchFamily="34" charset="0"/>
+              <a:ea typeface="Anonymous Pro" panose="02060609030202000504" pitchFamily="49" charset="0"/>
+              <a:cs typeface="Calibri Light" panose="020F0302020204030204" pitchFamily="34" charset="0"/>
+            </a:endParaRPr>
+          </a:p>
+          <a:p>
+            <a:endParaRPr lang="en-GB" sz="1000" b="1" dirty="0">
+              <a:latin typeface="Calibri Light" panose="020F0302020204030204" pitchFamily="34" charset="0"/>
+              <a:ea typeface="Anonymous Pro" panose="02060609030202000504" pitchFamily="49" charset="0"/>
+              <a:cs typeface="Calibri Light" panose="020F0302020204030204" pitchFamily="34" charset="0"/>
+            </a:endParaRPr>
+          </a:p>
+          <a:p>
+            <a:endParaRPr lang="en-GB" sz="1000" b="1" dirty="0">
+              <a:latin typeface="Calibri Light" panose="020F0302020204030204" pitchFamily="34" charset="0"/>
+              <a:ea typeface="Anonymous Pro" panose="02060609030202000504" pitchFamily="49" charset="0"/>
+              <a:cs typeface="Calibri Light" panose="020F0302020204030204" pitchFamily="34" charset="0"/>
+            </a:endParaRPr>
+          </a:p>
+          <a:p>
+            <a:endParaRPr lang="en-GB" sz="1000" b="1" dirty="0">
+              <a:latin typeface="Calibri Light" panose="020F0302020204030204" pitchFamily="34" charset="0"/>
+              <a:ea typeface="Anonymous Pro" panose="02060609030202000504" pitchFamily="49" charset="0"/>
+              <a:cs typeface="Calibri Light" panose="020F0302020204030204" pitchFamily="34" charset="0"/>
+            </a:endParaRPr>
+          </a:p>
+          <a:p>
+            <a:endParaRPr lang="en-GB" sz="1000" b="1" dirty="0">
+              <a:latin typeface="Calibri Light" panose="020F0302020204030204" pitchFamily="34" charset="0"/>
+              <a:ea typeface="Anonymous Pro" panose="02060609030202000504" pitchFamily="49" charset="0"/>
+              <a:cs typeface="Calibri Light" panose="020F0302020204030204" pitchFamily="34" charset="0"/>
+            </a:endParaRPr>
+          </a:p>
+          <a:p>
+            <a:endParaRPr lang="en-GB" sz="1000" b="1" dirty="0">
+              <a:latin typeface="Calibri Light" panose="020F0302020204030204" pitchFamily="34" charset="0"/>
+              <a:ea typeface="Anonymous Pro" panose="02060609030202000504" pitchFamily="49" charset="0"/>
+              <a:cs typeface="Calibri Light" panose="020F0302020204030204" pitchFamily="34" charset="0"/>
+            </a:endParaRPr>
+          </a:p>
+          <a:p>
+            <a:endParaRPr lang="en-GB" sz="1000" b="1" dirty="0">
+              <a:latin typeface="Calibri Light" panose="020F0302020204030204" pitchFamily="34" charset="0"/>
+              <a:ea typeface="Anonymous Pro" panose="02060609030202000504" pitchFamily="49" charset="0"/>
+              <a:cs typeface="Calibri Light" panose="020F0302020204030204" pitchFamily="34" charset="0"/>
+            </a:endParaRPr>
+          </a:p>
+          <a:p>
+            <a:endParaRPr lang="en-GB" sz="1000" b="1" dirty="0">
+              <a:latin typeface="Calibri Light" panose="020F0302020204030204" pitchFamily="34" charset="0"/>
+              <a:ea typeface="Anonymous Pro" panose="02060609030202000504" pitchFamily="49" charset="0"/>
+              <a:cs typeface="Calibri Light" panose="020F0302020204030204" pitchFamily="34" charset="0"/>
+            </a:endParaRPr>
+          </a:p>
+          <a:p>
+            <a:endParaRPr lang="en-GB" sz="1000" b="1" dirty="0">
+              <a:latin typeface="Calibri Light" panose="020F0302020204030204" pitchFamily="34" charset="0"/>
+              <a:ea typeface="Anonymous Pro" panose="02060609030202000504" pitchFamily="49" charset="0"/>
+              <a:cs typeface="Calibri Light" panose="020F0302020204030204" pitchFamily="34" charset="0"/>
+            </a:endParaRPr>
+          </a:p>
+          <a:p>
+            <a:endParaRPr lang="en-GB" sz="1000" b="1" dirty="0">
+              <a:latin typeface="Calibri Light" panose="020F0302020204030204" pitchFamily="34" charset="0"/>
+              <a:ea typeface="Anonymous Pro" panose="02060609030202000504" pitchFamily="49" charset="0"/>
+              <a:cs typeface="Calibri Light" panose="020F0302020204030204" pitchFamily="34" charset="0"/>
+            </a:endParaRPr>
+          </a:p>
+          <a:p>
+            <a:endParaRPr lang="en-GB" sz="1000" b="1" dirty="0">
+              <a:latin typeface="Calibri Light" panose="020F0302020204030204" pitchFamily="34" charset="0"/>
+              <a:ea typeface="Anonymous Pro" panose="02060609030202000504" pitchFamily="49" charset="0"/>
+              <a:cs typeface="Calibri Light" panose="020F0302020204030204" pitchFamily="34" charset="0"/>
+            </a:endParaRPr>
+          </a:p>
+          <a:p>
+            <a:endParaRPr lang="en-GB" sz="1000" b="1" dirty="0">
+              <a:latin typeface="Calibri Light" panose="020F0302020204030204" pitchFamily="34" charset="0"/>
+              <a:ea typeface="Anonymous Pro" panose="02060609030202000504" pitchFamily="49" charset="0"/>
+              <a:cs typeface="Calibri Light" panose="020F0302020204030204" pitchFamily="34" charset="0"/>
+            </a:endParaRPr>
+          </a:p>
+          <a:p>
+            <a:endParaRPr lang="en-GB" sz="1000" b="1" dirty="0">
               <a:latin typeface="Calibri Light" panose="020F0302020204030204" pitchFamily="34" charset="0"/>
               <a:ea typeface="Anonymous Pro" panose="02060609030202000504" pitchFamily="49" charset="0"/>
               <a:cs typeface="Calibri Light" panose="020F0302020204030204" pitchFamily="34" charset="0"/>
@@ -5879,8 +6071,8 @@
         </p:nvSpPr>
         <p:spPr>
           <a:xfrm>
-            <a:off x="5766816" y="694402"/>
-            <a:ext cx="1389888" cy="276999"/>
+            <a:off x="5617149" y="600422"/>
+            <a:ext cx="1389888" cy="400110"/>
           </a:xfrm>
           <a:prstGeom prst="rect">
             <a:avLst/>
@@ -5894,12 +6086,172 @@
           <a:lstStyle/>
           <a:p>
             <a:r>
-              <a:rPr lang="en-GB" sz="1200" dirty="0"/>
-              <a:t>By Khai Ailyan</a:t>
-            </a:r>
-          </a:p>
-        </p:txBody>
-      </p:sp>
+              <a:rPr lang="en-GB" sz="1000" dirty="0"/>
+              <a:t>Name : Khai Ailyan</a:t>
+            </a:r>
+          </a:p>
+          <a:p>
+            <a:r>
+              <a:rPr lang="en-GB" sz="1000" dirty="0"/>
+              <a:t>Student Id : 22130235</a:t>
+            </a:r>
+          </a:p>
+        </p:txBody>
+      </p:sp>
+      <p:sp>
+        <p:nvSpPr>
+          <p:cNvPr id="6" name="Rectangle: Rounded Corners 5">
+            <a:extLst>
+              <a:ext uri="{FF2B5EF4-FFF2-40B4-BE49-F238E27FC236}">
+                <a16:creationId xmlns:a16="http://schemas.microsoft.com/office/drawing/2014/main" id="{2578828A-5BC6-042D-2139-BC98A8F53E0A}"/>
+              </a:ext>
+            </a:extLst>
+          </p:cNvPr>
+          <p:cNvSpPr/>
+          <p:nvPr/>
+        </p:nvSpPr>
+        <p:spPr>
+          <a:xfrm>
+            <a:off x="314634" y="7630160"/>
+            <a:ext cx="3292166" cy="1867311"/>
+          </a:xfrm>
+          <a:prstGeom prst="roundRect">
+            <a:avLst/>
+          </a:prstGeom>
+          <a:solidFill>
+            <a:schemeClr val="accent1">
+              <a:lumMod val="40000"/>
+              <a:lumOff val="60000"/>
+            </a:schemeClr>
+          </a:solidFill>
+        </p:spPr>
+        <p:style>
+          <a:lnRef idx="2">
+            <a:schemeClr val="accent1">
+              <a:shade val="15000"/>
+            </a:schemeClr>
+          </a:lnRef>
+          <a:fillRef idx="1">
+            <a:schemeClr val="accent1"/>
+          </a:fillRef>
+          <a:effectRef idx="0">
+            <a:schemeClr val="accent1"/>
+          </a:effectRef>
+          <a:fontRef idx="minor">
+            <a:schemeClr val="lt1"/>
+          </a:fontRef>
+        </p:style>
+        <p:txBody>
+          <a:bodyPr rtlCol="0" anchor="ctr"/>
+          <a:lstStyle/>
+          <a:p>
+            <a:pPr algn="ctr"/>
+            <a:endParaRPr lang="en-GB"/>
+          </a:p>
+        </p:txBody>
+      </p:sp>
+      <p:pic>
+        <p:nvPicPr>
+          <p:cNvPr id="2" name="Picture 1" descr="A model of a city&#10;&#10;AI-generated content may be incorrect.">
+            <a:extLst>
+              <a:ext uri="{FF2B5EF4-FFF2-40B4-BE49-F238E27FC236}">
+                <a16:creationId xmlns:a16="http://schemas.microsoft.com/office/drawing/2014/main" id="{AC97E6A5-C072-FEF0-31A2-58341C15ADFF}"/>
+              </a:ext>
+            </a:extLst>
+          </p:cNvPr>
+          <p:cNvPicPr>
+            <a:picLocks noChangeAspect="1"/>
+          </p:cNvPicPr>
+          <p:nvPr/>
+        </p:nvPicPr>
+        <p:blipFill>
+          <a:blip r:embed="rId3"/>
+          <a:stretch>
+            <a:fillRect/>
+          </a:stretch>
+        </p:blipFill>
+        <p:spPr>
+          <a:xfrm>
+            <a:off x="548314" y="8706131"/>
+            <a:ext cx="1368741" cy="621506"/>
+          </a:xfrm>
+          <a:prstGeom prst="rect">
+            <a:avLst/>
+          </a:prstGeom>
+          <a:noFill/>
+          <a:ln>
+            <a:noFill/>
+          </a:ln>
+        </p:spPr>
+      </p:pic>
+      <p:pic>
+        <p:nvPicPr>
+          <p:cNvPr id="3" name="Picture 2" descr="A greyscale shot of a building&#10;&#10;AI-generated content may be incorrect.">
+            <a:extLst>
+              <a:ext uri="{FF2B5EF4-FFF2-40B4-BE49-F238E27FC236}">
+                <a16:creationId xmlns:a16="http://schemas.microsoft.com/office/drawing/2014/main" id="{C61F976F-AA37-72BA-A155-0C7D2E17CEF7}"/>
+              </a:ext>
+            </a:extLst>
+          </p:cNvPr>
+          <p:cNvPicPr>
+            <a:picLocks noChangeAspect="1"/>
+          </p:cNvPicPr>
+          <p:nvPr/>
+        </p:nvPicPr>
+        <p:blipFill>
+          <a:blip r:embed="rId4"/>
+          <a:stretch>
+            <a:fillRect/>
+          </a:stretch>
+        </p:blipFill>
+        <p:spPr>
+          <a:xfrm>
+            <a:off x="548314" y="7959022"/>
+            <a:ext cx="1368741" cy="621506"/>
+          </a:xfrm>
+          <a:prstGeom prst="rect">
+            <a:avLst/>
+          </a:prstGeom>
+          <a:noFill/>
+          <a:ln>
+            <a:noFill/>
+          </a:ln>
+        </p:spPr>
+      </p:pic>
+      <p:pic>
+        <p:nvPicPr>
+          <p:cNvPr id="5" name="Picture 4" descr="A grey statue of a cartoon character pointing&#10;&#10;AI-generated content may be incorrect.">
+            <a:extLst>
+              <a:ext uri="{FF2B5EF4-FFF2-40B4-BE49-F238E27FC236}">
+                <a16:creationId xmlns:a16="http://schemas.microsoft.com/office/drawing/2014/main" id="{458B9551-0CDD-FA49-7B15-D8596F893381}"/>
+              </a:ext>
+            </a:extLst>
+          </p:cNvPr>
+          <p:cNvPicPr>
+            <a:picLocks noChangeAspect="1"/>
+          </p:cNvPicPr>
+          <p:nvPr/>
+        </p:nvPicPr>
+        <p:blipFill>
+          <a:blip r:embed="rId5"/>
+          <a:stretch>
+            <a:fillRect/>
+          </a:stretch>
+        </p:blipFill>
+        <p:spPr>
+          <a:xfrm>
+            <a:off x="2039455" y="7959021"/>
+            <a:ext cx="1368742" cy="1368615"/>
+          </a:xfrm>
+          <a:prstGeom prst="rect">
+            <a:avLst/>
+          </a:prstGeom>
+          <a:noFill/>
+          <a:ln>
+            <a:noFill/>
+          </a:ln>
+        </p:spPr>
+      </p:pic>
     </p:spTree>
     <p:extLst>
       <p:ext uri="{BB962C8B-B14F-4D97-AF65-F5344CB8AC3E}">

--- a/FYP_Poser.pptx
+++ b/FYP_Poser.pptx
@@ -243,7 +243,7 @@
           <a:p>
             <a:fld id="{DCEEBA53-EBA9-40A5-BD15-213969A436B3}" type="datetimeFigureOut">
               <a:rPr lang="en-GB" smtClean="0"/>
-              <a:t>30/04/2025</a:t>
+              <a:t>02/05/2025</a:t>
             </a:fld>
             <a:endParaRPr lang="en-GB"/>
           </a:p>
@@ -413,7 +413,7 @@
           <a:p>
             <a:fld id="{DCEEBA53-EBA9-40A5-BD15-213969A436B3}" type="datetimeFigureOut">
               <a:rPr lang="en-GB" smtClean="0"/>
-              <a:t>30/04/2025</a:t>
+              <a:t>02/05/2025</a:t>
             </a:fld>
             <a:endParaRPr lang="en-GB"/>
           </a:p>
@@ -593,7 +593,7 @@
           <a:p>
             <a:fld id="{DCEEBA53-EBA9-40A5-BD15-213969A436B3}" type="datetimeFigureOut">
               <a:rPr lang="en-GB" smtClean="0"/>
-              <a:t>30/04/2025</a:t>
+              <a:t>02/05/2025</a:t>
             </a:fld>
             <a:endParaRPr lang="en-GB"/>
           </a:p>
@@ -763,7 +763,7 @@
           <a:p>
             <a:fld id="{DCEEBA53-EBA9-40A5-BD15-213969A436B3}" type="datetimeFigureOut">
               <a:rPr lang="en-GB" smtClean="0"/>
-              <a:t>30/04/2025</a:t>
+              <a:t>02/05/2025</a:t>
             </a:fld>
             <a:endParaRPr lang="en-GB"/>
           </a:p>
@@ -1009,7 +1009,7 @@
           <a:p>
             <a:fld id="{DCEEBA53-EBA9-40A5-BD15-213969A436B3}" type="datetimeFigureOut">
               <a:rPr lang="en-GB" smtClean="0"/>
-              <a:t>30/04/2025</a:t>
+              <a:t>02/05/2025</a:t>
             </a:fld>
             <a:endParaRPr lang="en-GB"/>
           </a:p>
@@ -1241,7 +1241,7 @@
           <a:p>
             <a:fld id="{DCEEBA53-EBA9-40A5-BD15-213969A436B3}" type="datetimeFigureOut">
               <a:rPr lang="en-GB" smtClean="0"/>
-              <a:t>30/04/2025</a:t>
+              <a:t>02/05/2025</a:t>
             </a:fld>
             <a:endParaRPr lang="en-GB"/>
           </a:p>
@@ -1608,7 +1608,7 @@
           <a:p>
             <a:fld id="{DCEEBA53-EBA9-40A5-BD15-213969A436B3}" type="datetimeFigureOut">
               <a:rPr lang="en-GB" smtClean="0"/>
-              <a:t>30/04/2025</a:t>
+              <a:t>02/05/2025</a:t>
             </a:fld>
             <a:endParaRPr lang="en-GB"/>
           </a:p>
@@ -1726,7 +1726,7 @@
           <a:p>
             <a:fld id="{DCEEBA53-EBA9-40A5-BD15-213969A436B3}" type="datetimeFigureOut">
               <a:rPr lang="en-GB" smtClean="0"/>
-              <a:t>30/04/2025</a:t>
+              <a:t>02/05/2025</a:t>
             </a:fld>
             <a:endParaRPr lang="en-GB"/>
           </a:p>
@@ -1821,7 +1821,7 @@
           <a:p>
             <a:fld id="{DCEEBA53-EBA9-40A5-BD15-213969A436B3}" type="datetimeFigureOut">
               <a:rPr lang="en-GB" smtClean="0"/>
-              <a:t>30/04/2025</a:t>
+              <a:t>02/05/2025</a:t>
             </a:fld>
             <a:endParaRPr lang="en-GB"/>
           </a:p>
@@ -2098,7 +2098,7 @@
           <a:p>
             <a:fld id="{DCEEBA53-EBA9-40A5-BD15-213969A436B3}" type="datetimeFigureOut">
               <a:rPr lang="en-GB" smtClean="0"/>
-              <a:t>30/04/2025</a:t>
+              <a:t>02/05/2025</a:t>
             </a:fld>
             <a:endParaRPr lang="en-GB"/>
           </a:p>
@@ -2355,7 +2355,7 @@
           <a:p>
             <a:fld id="{DCEEBA53-EBA9-40A5-BD15-213969A436B3}" type="datetimeFigureOut">
               <a:rPr lang="en-GB" smtClean="0"/>
-              <a:t>30/04/2025</a:t>
+              <a:t>02/05/2025</a:t>
             </a:fld>
             <a:endParaRPr lang="en-GB"/>
           </a:p>
@@ -2568,7 +2568,7 @@
           <a:p>
             <a:fld id="{DCEEBA53-EBA9-40A5-BD15-213969A436B3}" type="datetimeFigureOut">
               <a:rPr lang="en-GB" smtClean="0"/>
-              <a:t>30/04/2025</a:t>
+              <a:t>02/05/2025</a:t>
             </a:fld>
             <a:endParaRPr lang="en-GB"/>
           </a:p>
@@ -3368,7 +3368,7 @@
         <p:spPr>
           <a:xfrm>
             <a:off x="238054" y="1218840"/>
-            <a:ext cx="3495475" cy="4339650"/>
+            <a:ext cx="3495475" cy="4524315"/>
           </a:xfrm>
           <a:prstGeom prst="rect">
             <a:avLst/>
@@ -3398,81 +3398,108 @@
             </a:endParaRPr>
           </a:p>
           <a:p>
-            <a:endParaRPr lang="en-GB" sz="1200" b="1" dirty="0">
-              <a:latin typeface="Calibri Light" panose="020F0302020204030204" pitchFamily="34" charset="0"/>
-              <a:ea typeface="Anonymous Pro" panose="02060609030202000504" pitchFamily="49" charset="0"/>
-              <a:cs typeface="Calibri Light" panose="020F0302020204030204" pitchFamily="34" charset="0"/>
-            </a:endParaRPr>
-          </a:p>
-          <a:p>
-            <a:endParaRPr lang="en-GB" sz="1200" b="1" dirty="0">
-              <a:latin typeface="Calibri Light" panose="020F0302020204030204" pitchFamily="34" charset="0"/>
-              <a:ea typeface="Anonymous Pro" panose="02060609030202000504" pitchFamily="49" charset="0"/>
-              <a:cs typeface="Calibri Light" panose="020F0302020204030204" pitchFamily="34" charset="0"/>
-            </a:endParaRPr>
-          </a:p>
-          <a:p>
-            <a:endParaRPr lang="en-GB" sz="1200" b="1" dirty="0">
-              <a:latin typeface="Calibri Light" panose="020F0302020204030204" pitchFamily="34" charset="0"/>
-              <a:ea typeface="Anonymous Pro" panose="02060609030202000504" pitchFamily="49" charset="0"/>
-              <a:cs typeface="Calibri Light" panose="020F0302020204030204" pitchFamily="34" charset="0"/>
-            </a:endParaRPr>
-          </a:p>
-          <a:p>
-            <a:endParaRPr lang="en-GB" sz="1200" b="1" dirty="0">
-              <a:latin typeface="Calibri Light" panose="020F0302020204030204" pitchFamily="34" charset="0"/>
-              <a:ea typeface="Anonymous Pro" panose="02060609030202000504" pitchFamily="49" charset="0"/>
-              <a:cs typeface="Calibri Light" panose="020F0302020204030204" pitchFamily="34" charset="0"/>
-            </a:endParaRPr>
-          </a:p>
-          <a:p>
-            <a:endParaRPr lang="en-GB" sz="1200" b="1" dirty="0">
-              <a:latin typeface="Calibri Light" panose="020F0302020204030204" pitchFamily="34" charset="0"/>
-              <a:ea typeface="Anonymous Pro" panose="02060609030202000504" pitchFamily="49" charset="0"/>
-              <a:cs typeface="Calibri Light" panose="020F0302020204030204" pitchFamily="34" charset="0"/>
-            </a:endParaRPr>
-          </a:p>
-          <a:p>
-            <a:endParaRPr lang="en-GB" sz="1200" b="1" dirty="0">
-              <a:latin typeface="Calibri Light" panose="020F0302020204030204" pitchFamily="34" charset="0"/>
-              <a:ea typeface="Anonymous Pro" panose="02060609030202000504" pitchFamily="49" charset="0"/>
-              <a:cs typeface="Calibri Light" panose="020F0302020204030204" pitchFamily="34" charset="0"/>
-            </a:endParaRPr>
-          </a:p>
-          <a:p>
-            <a:endParaRPr lang="en-GB" sz="1200" b="1" dirty="0">
-              <a:latin typeface="Calibri Light" panose="020F0302020204030204" pitchFamily="34" charset="0"/>
-              <a:ea typeface="Anonymous Pro" panose="02060609030202000504" pitchFamily="49" charset="0"/>
-              <a:cs typeface="Calibri Light" panose="020F0302020204030204" pitchFamily="34" charset="0"/>
-            </a:endParaRPr>
-          </a:p>
-          <a:p>
-            <a:endParaRPr lang="en-GB" sz="1200" b="1" dirty="0">
-              <a:latin typeface="Calibri Light" panose="020F0302020204030204" pitchFamily="34" charset="0"/>
-              <a:ea typeface="Anonymous Pro" panose="02060609030202000504" pitchFamily="49" charset="0"/>
-              <a:cs typeface="Calibri Light" panose="020F0302020204030204" pitchFamily="34" charset="0"/>
-            </a:endParaRPr>
-          </a:p>
-          <a:p>
-            <a:endParaRPr lang="en-GB" sz="1200" b="1" dirty="0">
-              <a:latin typeface="Calibri Light" panose="020F0302020204030204" pitchFamily="34" charset="0"/>
-              <a:ea typeface="Anonymous Pro" panose="02060609030202000504" pitchFamily="49" charset="0"/>
-              <a:cs typeface="Calibri Light" panose="020F0302020204030204" pitchFamily="34" charset="0"/>
-            </a:endParaRPr>
-          </a:p>
-          <a:p>
-            <a:endParaRPr lang="en-GB" sz="1200" b="1" dirty="0">
-              <a:latin typeface="Calibri Light" panose="020F0302020204030204" pitchFamily="34" charset="0"/>
-              <a:ea typeface="Anonymous Pro" panose="02060609030202000504" pitchFamily="49" charset="0"/>
-              <a:cs typeface="Calibri Light" panose="020F0302020204030204" pitchFamily="34" charset="0"/>
-            </a:endParaRPr>
-          </a:p>
-          <a:p>
-            <a:endParaRPr lang="en-GB" sz="1200" b="1" dirty="0">
-              <a:latin typeface="Calibri Light" panose="020F0302020204030204" pitchFamily="34" charset="0"/>
-              <a:ea typeface="Anonymous Pro" panose="02060609030202000504" pitchFamily="49" charset="0"/>
-              <a:cs typeface="Calibri Light" panose="020F0302020204030204" pitchFamily="34" charset="0"/>
-            </a:endParaRPr>
+            <a:r>
+              <a:rPr lang="en-GB" sz="1200" b="1" dirty="0">
+                <a:latin typeface="Calibri Light" panose="020F0302020204030204" pitchFamily="34" charset="0"/>
+                <a:ea typeface="Anonymous Pro" panose="02060609030202000504" pitchFamily="49" charset="0"/>
+                <a:cs typeface="Calibri Light" panose="020F0302020204030204" pitchFamily="34" charset="0"/>
+              </a:rPr>
+              <a:t>Games preservation is the act of preserving games, games systems and their files. Games preservation as a practice can be done preserving the contents of the games asset files for further use and remastering. </a:t>
+            </a:r>
+          </a:p>
+          <a:p>
+            <a:endParaRPr lang="en-GB" sz="1200" b="1" dirty="0">
+              <a:latin typeface="Calibri Light" panose="020F0302020204030204" pitchFamily="34" charset="0"/>
+              <a:ea typeface="Anonymous Pro" panose="02060609030202000504" pitchFamily="49" charset="0"/>
+              <a:cs typeface="Calibri Light" panose="020F0302020204030204" pitchFamily="34" charset="0"/>
+            </a:endParaRPr>
+          </a:p>
+          <a:p>
+            <a:r>
+              <a:rPr lang="en-GB" sz="1200" b="1" dirty="0">
+                <a:latin typeface="Calibri Light" panose="020F0302020204030204" pitchFamily="34" charset="0"/>
+                <a:ea typeface="Anonymous Pro" panose="02060609030202000504" pitchFamily="49" charset="0"/>
+                <a:cs typeface="Calibri Light" panose="020F0302020204030204" pitchFamily="34" charset="0"/>
+              </a:rPr>
+              <a:t>This was the aim of the report, to reverse engineer files and convert them into contemporary file formats.</a:t>
+            </a:r>
+            <a:br>
+              <a:rPr lang="en-GB" sz="1200" b="1" dirty="0">
+                <a:latin typeface="Calibri Light" panose="020F0302020204030204" pitchFamily="34" charset="0"/>
+                <a:ea typeface="Anonymous Pro" panose="02060609030202000504" pitchFamily="49" charset="0"/>
+                <a:cs typeface="Calibri Light" panose="020F0302020204030204" pitchFamily="34" charset="0"/>
+              </a:rPr>
+            </a:br>
+            <a:endParaRPr lang="en-GB" sz="1200" b="1" dirty="0">
+              <a:latin typeface="Calibri Light" panose="020F0302020204030204" pitchFamily="34" charset="0"/>
+              <a:ea typeface="Anonymous Pro" panose="02060609030202000504" pitchFamily="49" charset="0"/>
+              <a:cs typeface="Calibri Light" panose="020F0302020204030204" pitchFamily="34" charset="0"/>
+            </a:endParaRPr>
+          </a:p>
+          <a:p>
+            <a:endParaRPr lang="en-GB" sz="1200" b="1" dirty="0">
+              <a:latin typeface="Calibri Light" panose="020F0302020204030204" pitchFamily="34" charset="0"/>
+              <a:ea typeface="Anonymous Pro" panose="02060609030202000504" pitchFamily="49" charset="0"/>
+              <a:cs typeface="Calibri Light" panose="020F0302020204030204" pitchFamily="34" charset="0"/>
+            </a:endParaRPr>
+          </a:p>
+          <a:p>
+            <a:r>
+              <a:rPr lang="en-GB" sz="1200" b="1" dirty="0">
+                <a:latin typeface="Calibri Light" panose="020F0302020204030204" pitchFamily="34" charset="0"/>
+                <a:ea typeface="Anonymous Pro" panose="02060609030202000504" pitchFamily="49" charset="0"/>
+                <a:cs typeface="Calibri Light" panose="020F0302020204030204" pitchFamily="34" charset="0"/>
+              </a:rPr>
+              <a:t>This was done to the </a:t>
+            </a:r>
+            <a:r>
+              <a:rPr lang="en-GB" sz="1200" b="1" dirty="0" err="1">
+                <a:latin typeface="Calibri Light" panose="020F0302020204030204" pitchFamily="34" charset="0"/>
+                <a:ea typeface="Anonymous Pro" panose="02060609030202000504" pitchFamily="49" charset="0"/>
+                <a:cs typeface="Calibri Light" panose="020F0302020204030204" pitchFamily="34" charset="0"/>
+              </a:rPr>
+              <a:t>simpsons</a:t>
+            </a:r>
+            <a:r>
+              <a:rPr lang="en-GB" sz="1200" b="1" dirty="0">
+                <a:latin typeface="Calibri Light" panose="020F0302020204030204" pitchFamily="34" charset="0"/>
+                <a:ea typeface="Anonymous Pro" panose="02060609030202000504" pitchFamily="49" charset="0"/>
+                <a:cs typeface="Calibri Light" panose="020F0302020204030204" pitchFamily="34" charset="0"/>
+              </a:rPr>
+              <a:t> game 2008, the chosen files were .Str files and the model geometry files .</a:t>
+            </a:r>
+            <a:r>
+              <a:rPr lang="en-GB" sz="1200" b="1" dirty="0" err="1">
+                <a:latin typeface="Calibri Light" panose="020F0302020204030204" pitchFamily="34" charset="0"/>
+                <a:ea typeface="Anonymous Pro" panose="02060609030202000504" pitchFamily="49" charset="0"/>
+                <a:cs typeface="Calibri Light" panose="020F0302020204030204" pitchFamily="34" charset="0"/>
+              </a:rPr>
+              <a:t>Rws</a:t>
+            </a:r>
+            <a:r>
+              <a:rPr lang="en-GB" sz="1200" b="1" dirty="0">
+                <a:latin typeface="Calibri Light" panose="020F0302020204030204" pitchFamily="34" charset="0"/>
+                <a:ea typeface="Anonymous Pro" panose="02060609030202000504" pitchFamily="49" charset="0"/>
+                <a:cs typeface="Calibri Light" panose="020F0302020204030204" pitchFamily="34" charset="0"/>
+              </a:rPr>
+              <a:t> and .</a:t>
+            </a:r>
+            <a:r>
+              <a:rPr lang="en-GB" sz="1200" b="1" dirty="0" err="1">
+                <a:latin typeface="Calibri Light" panose="020F0302020204030204" pitchFamily="34" charset="0"/>
+                <a:ea typeface="Anonymous Pro" panose="02060609030202000504" pitchFamily="49" charset="0"/>
+                <a:cs typeface="Calibri Light" panose="020F0302020204030204" pitchFamily="34" charset="0"/>
+              </a:rPr>
+              <a:t>Dff</a:t>
+            </a:r>
+            <a:r>
+              <a:rPr lang="en-GB" sz="1200" b="1" dirty="0">
+                <a:latin typeface="Calibri Light" panose="020F0302020204030204" pitchFamily="34" charset="0"/>
+                <a:ea typeface="Anonymous Pro" panose="02060609030202000504" pitchFamily="49" charset="0"/>
+                <a:cs typeface="Calibri Light" panose="020F0302020204030204" pitchFamily="34" charset="0"/>
+              </a:rPr>
+              <a:t> files</a:t>
+            </a:r>
           </a:p>
           <a:p>
             <a:endParaRPr lang="en-GB" sz="1200" b="1" dirty="0">
@@ -5458,7 +5485,7 @@
         <p:spPr>
           <a:xfrm>
             <a:off x="205526" y="5520890"/>
-            <a:ext cx="3495475" cy="4339650"/>
+            <a:ext cx="3495475" cy="4524315"/>
           </a:xfrm>
           <a:prstGeom prst="rect">
             <a:avLst/>
@@ -5477,22 +5504,57 @@
                 <a:ea typeface="Anonymous Pro" panose="02060609030202000504" pitchFamily="49" charset="0"/>
                 <a:cs typeface="Calibri Light" panose="020F0302020204030204" pitchFamily="34" charset="0"/>
               </a:rPr>
-              <a:t>Discussion:</a:t>
-            </a:r>
-          </a:p>
-          <a:p>
-            <a:endParaRPr lang="en-GB" sz="1200" b="1" dirty="0">
-              <a:latin typeface="Calibri Light" panose="020F0302020204030204" pitchFamily="34" charset="0"/>
-              <a:ea typeface="Anonymous Pro" panose="02060609030202000504" pitchFamily="49" charset="0"/>
-              <a:cs typeface="Calibri Light" panose="020F0302020204030204" pitchFamily="34" charset="0"/>
-            </a:endParaRPr>
-          </a:p>
-          <a:p>
-            <a:endParaRPr lang="en-GB" sz="1200" b="1" dirty="0">
-              <a:latin typeface="Calibri Light" panose="020F0302020204030204" pitchFamily="34" charset="0"/>
-              <a:ea typeface="Anonymous Pro" panose="02060609030202000504" pitchFamily="49" charset="0"/>
-              <a:cs typeface="Calibri Light" panose="020F0302020204030204" pitchFamily="34" charset="0"/>
-            </a:endParaRPr>
+              <a:t>Discussion and Results:</a:t>
+            </a:r>
+          </a:p>
+          <a:p>
+            <a:endParaRPr lang="en-GB" sz="1200" b="1" dirty="0">
+              <a:latin typeface="Calibri Light" panose="020F0302020204030204" pitchFamily="34" charset="0"/>
+              <a:ea typeface="Anonymous Pro" panose="02060609030202000504" pitchFamily="49" charset="0"/>
+              <a:cs typeface="Calibri Light" panose="020F0302020204030204" pitchFamily="34" charset="0"/>
+            </a:endParaRPr>
+          </a:p>
+          <a:p>
+            <a:r>
+              <a:rPr lang="en-GB" sz="1200" b="1" dirty="0">
+                <a:latin typeface="Calibri Light" panose="020F0302020204030204" pitchFamily="34" charset="0"/>
+                <a:ea typeface="Anonymous Pro" panose="02060609030202000504" pitchFamily="49" charset="0"/>
+                <a:cs typeface="Calibri Light" panose="020F0302020204030204" pitchFamily="34" charset="0"/>
+              </a:rPr>
+              <a:t>The results were the creation of .</a:t>
+            </a:r>
+            <a:r>
+              <a:rPr lang="en-GB" sz="1200" b="1" dirty="0" err="1">
+                <a:latin typeface="Calibri Light" panose="020F0302020204030204" pitchFamily="34" charset="0"/>
+                <a:ea typeface="Anonymous Pro" panose="02060609030202000504" pitchFamily="49" charset="0"/>
+                <a:cs typeface="Calibri Light" panose="020F0302020204030204" pitchFamily="34" charset="0"/>
+              </a:rPr>
+              <a:t>Obj</a:t>
+            </a:r>
+            <a:r>
+              <a:rPr lang="en-GB" sz="1200" b="1" dirty="0">
+                <a:latin typeface="Calibri Light" panose="020F0302020204030204" pitchFamily="34" charset="0"/>
+                <a:ea typeface="Anonymous Pro" panose="02060609030202000504" pitchFamily="49" charset="0"/>
+                <a:cs typeface="Calibri Light" panose="020F0302020204030204" pitchFamily="34" charset="0"/>
+              </a:rPr>
+              <a:t> files, each .</a:t>
+            </a:r>
+            <a:r>
+              <a:rPr lang="en-GB" sz="1200" b="1" dirty="0" err="1">
+                <a:latin typeface="Calibri Light" panose="020F0302020204030204" pitchFamily="34" charset="0"/>
+                <a:ea typeface="Anonymous Pro" panose="02060609030202000504" pitchFamily="49" charset="0"/>
+                <a:cs typeface="Calibri Light" panose="020F0302020204030204" pitchFamily="34" charset="0"/>
+              </a:rPr>
+              <a:t>Obj</a:t>
+            </a:r>
+            <a:r>
+              <a:rPr lang="en-GB" sz="1200" b="1" dirty="0">
+                <a:latin typeface="Calibri Light" panose="020F0302020204030204" pitchFamily="34" charset="0"/>
+                <a:ea typeface="Anonymous Pro" panose="02060609030202000504" pitchFamily="49" charset="0"/>
+                <a:cs typeface="Calibri Light" panose="020F0302020204030204" pitchFamily="34" charset="0"/>
+              </a:rPr>
+              <a:t> correctly being converted, this was shown through</a:t>
+            </a:r>
           </a:p>
           <a:p>
             <a:endParaRPr lang="en-GB" sz="1200" b="1" dirty="0">
@@ -5651,7 +5713,7 @@
         <p:spPr>
           <a:xfrm>
             <a:off x="3858675" y="5520890"/>
-            <a:ext cx="3495475" cy="4339650"/>
+            <a:ext cx="3495475" cy="3416320"/>
           </a:xfrm>
           <a:prstGeom prst="rect">
             <a:avLst/>
@@ -5681,74 +5743,31 @@
             </a:endParaRPr>
           </a:p>
           <a:p>
-            <a:endParaRPr lang="en-GB" sz="1200" b="1" dirty="0">
-              <a:latin typeface="Calibri Light" panose="020F0302020204030204" pitchFamily="34" charset="0"/>
-              <a:ea typeface="Anonymous Pro" panose="02060609030202000504" pitchFamily="49" charset="0"/>
-              <a:cs typeface="Calibri Light" panose="020F0302020204030204" pitchFamily="34" charset="0"/>
-            </a:endParaRPr>
-          </a:p>
-          <a:p>
-            <a:endParaRPr lang="en-GB" sz="1200" b="1" dirty="0">
-              <a:latin typeface="Calibri Light" panose="020F0302020204030204" pitchFamily="34" charset="0"/>
-              <a:ea typeface="Anonymous Pro" panose="02060609030202000504" pitchFamily="49" charset="0"/>
-              <a:cs typeface="Calibri Light" panose="020F0302020204030204" pitchFamily="34" charset="0"/>
-            </a:endParaRPr>
-          </a:p>
-          <a:p>
-            <a:endParaRPr lang="en-GB" sz="1200" b="1" dirty="0">
-              <a:latin typeface="Calibri Light" panose="020F0302020204030204" pitchFamily="34" charset="0"/>
-              <a:ea typeface="Anonymous Pro" panose="02060609030202000504" pitchFamily="49" charset="0"/>
-              <a:cs typeface="Calibri Light" panose="020F0302020204030204" pitchFamily="34" charset="0"/>
-            </a:endParaRPr>
-          </a:p>
-          <a:p>
-            <a:endParaRPr lang="en-GB" sz="1200" b="1" dirty="0">
-              <a:latin typeface="Calibri Light" panose="020F0302020204030204" pitchFamily="34" charset="0"/>
-              <a:ea typeface="Anonymous Pro" panose="02060609030202000504" pitchFamily="49" charset="0"/>
-              <a:cs typeface="Calibri Light" panose="020F0302020204030204" pitchFamily="34" charset="0"/>
-            </a:endParaRPr>
-          </a:p>
-          <a:p>
-            <a:endParaRPr lang="en-GB" sz="1200" b="1" dirty="0">
-              <a:latin typeface="Calibri Light" panose="020F0302020204030204" pitchFamily="34" charset="0"/>
-              <a:ea typeface="Anonymous Pro" panose="02060609030202000504" pitchFamily="49" charset="0"/>
-              <a:cs typeface="Calibri Light" panose="020F0302020204030204" pitchFamily="34" charset="0"/>
-            </a:endParaRPr>
-          </a:p>
-          <a:p>
-            <a:endParaRPr lang="en-GB" sz="1200" b="1" dirty="0">
-              <a:latin typeface="Calibri Light" panose="020F0302020204030204" pitchFamily="34" charset="0"/>
-              <a:ea typeface="Anonymous Pro" panose="02060609030202000504" pitchFamily="49" charset="0"/>
-              <a:cs typeface="Calibri Light" panose="020F0302020204030204" pitchFamily="34" charset="0"/>
-            </a:endParaRPr>
-          </a:p>
-          <a:p>
-            <a:endParaRPr lang="en-GB" sz="1200" b="1" dirty="0">
-              <a:latin typeface="Calibri Light" panose="020F0302020204030204" pitchFamily="34" charset="0"/>
-              <a:ea typeface="Anonymous Pro" panose="02060609030202000504" pitchFamily="49" charset="0"/>
-              <a:cs typeface="Calibri Light" panose="020F0302020204030204" pitchFamily="34" charset="0"/>
-            </a:endParaRPr>
-          </a:p>
-          <a:p>
-            <a:endParaRPr lang="en-GB" sz="1200" b="1" dirty="0">
-              <a:latin typeface="Calibri Light" panose="020F0302020204030204" pitchFamily="34" charset="0"/>
-              <a:ea typeface="Anonymous Pro" panose="02060609030202000504" pitchFamily="49" charset="0"/>
-              <a:cs typeface="Calibri Light" panose="020F0302020204030204" pitchFamily="34" charset="0"/>
-            </a:endParaRPr>
-          </a:p>
-          <a:p>
-            <a:endParaRPr lang="en-GB" sz="1200" b="1" dirty="0">
-              <a:latin typeface="Calibri Light" panose="020F0302020204030204" pitchFamily="34" charset="0"/>
-              <a:ea typeface="Anonymous Pro" panose="02060609030202000504" pitchFamily="49" charset="0"/>
-              <a:cs typeface="Calibri Light" panose="020F0302020204030204" pitchFamily="34" charset="0"/>
-            </a:endParaRPr>
-          </a:p>
-          <a:p>
-            <a:endParaRPr lang="en-GB" sz="1200" b="1" dirty="0">
-              <a:latin typeface="Calibri Light" panose="020F0302020204030204" pitchFamily="34" charset="0"/>
-              <a:ea typeface="Anonymous Pro" panose="02060609030202000504" pitchFamily="49" charset="0"/>
-              <a:cs typeface="Calibri Light" panose="020F0302020204030204" pitchFamily="34" charset="0"/>
-            </a:endParaRPr>
+            <a:r>
+              <a:rPr lang="en-GB" sz="1200" b="1" dirty="0">
+                <a:latin typeface="Calibri Light" panose="020F0302020204030204" pitchFamily="34" charset="0"/>
+                <a:ea typeface="Anonymous Pro" panose="02060609030202000504" pitchFamily="49" charset="0"/>
+                <a:cs typeface="Calibri Light" panose="020F0302020204030204" pitchFamily="34" charset="0"/>
+              </a:rPr>
+              <a:t>The key take aways from this project are the successful reverse engineered files from the Simpsons game 2008.</a:t>
+            </a:r>
+          </a:p>
+          <a:p>
+            <a:endParaRPr lang="en-GB" sz="1200" b="1" dirty="0">
+              <a:latin typeface="Calibri Light" panose="020F0302020204030204" pitchFamily="34" charset="0"/>
+              <a:ea typeface="Anonymous Pro" panose="02060609030202000504" pitchFamily="49" charset="0"/>
+              <a:cs typeface="Calibri Light" panose="020F0302020204030204" pitchFamily="34" charset="0"/>
+            </a:endParaRPr>
+          </a:p>
+          <a:p>
+            <a:r>
+              <a:rPr lang="en-GB" sz="1200" b="1" dirty="0">
+                <a:latin typeface="Calibri Light" panose="020F0302020204030204" pitchFamily="34" charset="0"/>
+                <a:ea typeface="Anonymous Pro" panose="02060609030202000504" pitchFamily="49" charset="0"/>
+                <a:cs typeface="Calibri Light" panose="020F0302020204030204" pitchFamily="34" charset="0"/>
+              </a:rPr>
+              <a:t>That being the </a:t>
+            </a:r>
           </a:p>
           <a:p>
             <a:endParaRPr lang="en-GB" sz="1200" b="1" dirty="0">
@@ -5905,6 +5924,160 @@
           </a:p>
         </p:txBody>
       </p:sp>
+      <p:sp>
+        <p:nvSpPr>
+          <p:cNvPr id="3" name="Rectangle: Rounded Corners 2">
+            <a:extLst>
+              <a:ext uri="{FF2B5EF4-FFF2-40B4-BE49-F238E27FC236}">
+                <a16:creationId xmlns:a16="http://schemas.microsoft.com/office/drawing/2014/main" id="{CB2D1631-D135-B865-6FE5-CA50B2A589AD}"/>
+              </a:ext>
+            </a:extLst>
+          </p:cNvPr>
+          <p:cNvSpPr/>
+          <p:nvPr/>
+        </p:nvSpPr>
+        <p:spPr>
+          <a:xfrm>
+            <a:off x="314634" y="7543800"/>
+            <a:ext cx="3291011" cy="1929173"/>
+          </a:xfrm>
+          <a:prstGeom prst="roundRect">
+            <a:avLst/>
+          </a:prstGeom>
+          <a:solidFill>
+            <a:schemeClr val="accent1">
+              <a:lumMod val="40000"/>
+              <a:lumOff val="60000"/>
+            </a:schemeClr>
+          </a:solidFill>
+        </p:spPr>
+        <p:style>
+          <a:lnRef idx="2">
+            <a:schemeClr val="accent1">
+              <a:shade val="15000"/>
+            </a:schemeClr>
+          </a:lnRef>
+          <a:fillRef idx="1">
+            <a:schemeClr val="accent1"/>
+          </a:fillRef>
+          <a:effectRef idx="0">
+            <a:schemeClr val="accent1"/>
+          </a:effectRef>
+          <a:fontRef idx="minor">
+            <a:schemeClr val="lt1"/>
+          </a:fontRef>
+        </p:style>
+        <p:txBody>
+          <a:bodyPr rtlCol="0" anchor="ctr"/>
+          <a:lstStyle/>
+          <a:p>
+            <a:pPr algn="ctr"/>
+            <a:endParaRPr lang="en-GB"/>
+          </a:p>
+        </p:txBody>
+      </p:sp>
+      <p:pic>
+        <p:nvPicPr>
+          <p:cNvPr id="2" name="Picture 1" descr="A model of a city&#10;&#10;AI-generated content may be incorrect.">
+            <a:extLst>
+              <a:ext uri="{FF2B5EF4-FFF2-40B4-BE49-F238E27FC236}">
+                <a16:creationId xmlns:a16="http://schemas.microsoft.com/office/drawing/2014/main" id="{D082D622-2859-2EBF-5CAB-ADD90200002C}"/>
+              </a:ext>
+            </a:extLst>
+          </p:cNvPr>
+          <p:cNvPicPr>
+            <a:picLocks noChangeAspect="1"/>
+          </p:cNvPicPr>
+          <p:nvPr/>
+        </p:nvPicPr>
+        <p:blipFill>
+          <a:blip r:embed="rId3"/>
+          <a:stretch>
+            <a:fillRect/>
+          </a:stretch>
+        </p:blipFill>
+        <p:spPr>
+          <a:xfrm>
+            <a:off x="439785" y="8542525"/>
+            <a:ext cx="1347451" cy="768444"/>
+          </a:xfrm>
+          <a:prstGeom prst="rect">
+            <a:avLst/>
+          </a:prstGeom>
+          <a:noFill/>
+          <a:ln>
+            <a:noFill/>
+          </a:ln>
+        </p:spPr>
+      </p:pic>
+      <p:pic>
+        <p:nvPicPr>
+          <p:cNvPr id="5" name="Picture 4" descr="A grey statue of a cartoon character pointing&#10;&#10;AI-generated content may be incorrect.">
+            <a:extLst>
+              <a:ext uri="{FF2B5EF4-FFF2-40B4-BE49-F238E27FC236}">
+                <a16:creationId xmlns:a16="http://schemas.microsoft.com/office/drawing/2014/main" id="{6FA43477-42C8-7F76-9C7B-D50DB1B90801}"/>
+              </a:ext>
+            </a:extLst>
+          </p:cNvPr>
+          <p:cNvPicPr>
+            <a:picLocks noChangeAspect="1"/>
+          </p:cNvPicPr>
+          <p:nvPr/>
+        </p:nvPicPr>
+        <p:blipFill>
+          <a:blip r:embed="rId4"/>
+          <a:stretch>
+            <a:fillRect/>
+          </a:stretch>
+        </p:blipFill>
+        <p:spPr>
+          <a:xfrm>
+            <a:off x="1985791" y="7730836"/>
+            <a:ext cx="1347451" cy="1603372"/>
+          </a:xfrm>
+          <a:prstGeom prst="rect">
+            <a:avLst/>
+          </a:prstGeom>
+          <a:noFill/>
+          <a:ln>
+            <a:noFill/>
+          </a:ln>
+        </p:spPr>
+      </p:pic>
+      <p:pic>
+        <p:nvPicPr>
+          <p:cNvPr id="6" name="Picture 5" descr="A greyscale shot of a building&#10;&#10;AI-generated content may be incorrect.">
+            <a:extLst>
+              <a:ext uri="{FF2B5EF4-FFF2-40B4-BE49-F238E27FC236}">
+                <a16:creationId xmlns:a16="http://schemas.microsoft.com/office/drawing/2014/main" id="{CAA47EF9-B782-EE66-5CA5-2D92FF267DB4}"/>
+              </a:ext>
+            </a:extLst>
+          </p:cNvPr>
+          <p:cNvPicPr>
+            <a:picLocks noChangeAspect="1"/>
+          </p:cNvPicPr>
+          <p:nvPr/>
+        </p:nvPicPr>
+        <p:blipFill>
+          <a:blip r:embed="rId5"/>
+          <a:stretch>
+            <a:fillRect/>
+          </a:stretch>
+        </p:blipFill>
+        <p:spPr>
+          <a:xfrm>
+            <a:off x="470345" y="7730836"/>
+            <a:ext cx="1316892" cy="706100"/>
+          </a:xfrm>
+          <a:prstGeom prst="rect">
+            <a:avLst/>
+          </a:prstGeom>
+          <a:noFill/>
+          <a:ln>
+            <a:noFill/>
+          </a:ln>
+        </p:spPr>
+      </p:pic>
     </p:spTree>
     <p:extLst>
       <p:ext uri="{BB962C8B-B14F-4D97-AF65-F5344CB8AC3E}">

--- a/FYP_Poser.pptx
+++ b/FYP_Poser.pptx
@@ -3187,8 +3187,8 @@
         </p:nvSpPr>
         <p:spPr>
           <a:xfrm>
-            <a:off x="3826146" y="5345906"/>
-            <a:ext cx="3522517" cy="4275212"/>
+            <a:off x="3826146" y="7730836"/>
+            <a:ext cx="3522517" cy="1890282"/>
           </a:xfrm>
           <a:prstGeom prst="roundRect">
             <a:avLst>
@@ -5712,8 +5712,8 @@
         </p:nvSpPr>
         <p:spPr>
           <a:xfrm>
-            <a:off x="3858675" y="5520890"/>
-            <a:ext cx="3495475" cy="3416320"/>
+            <a:off x="3889240" y="7912958"/>
+            <a:ext cx="3495475" cy="1569660"/>
           </a:xfrm>
           <a:prstGeom prst="rect">
             <a:avLst/>
@@ -5768,76 +5768,6 @@
               </a:rPr>
               <a:t>That being the </a:t>
             </a:r>
-          </a:p>
-          <a:p>
-            <a:endParaRPr lang="en-GB" sz="1200" b="1" dirty="0">
-              <a:latin typeface="Calibri Light" panose="020F0302020204030204" pitchFamily="34" charset="0"/>
-              <a:ea typeface="Anonymous Pro" panose="02060609030202000504" pitchFamily="49" charset="0"/>
-              <a:cs typeface="Calibri Light" panose="020F0302020204030204" pitchFamily="34" charset="0"/>
-            </a:endParaRPr>
-          </a:p>
-          <a:p>
-            <a:endParaRPr lang="en-GB" sz="1200" b="1" dirty="0">
-              <a:latin typeface="Calibri Light" panose="020F0302020204030204" pitchFamily="34" charset="0"/>
-              <a:ea typeface="Anonymous Pro" panose="02060609030202000504" pitchFamily="49" charset="0"/>
-              <a:cs typeface="Calibri Light" panose="020F0302020204030204" pitchFamily="34" charset="0"/>
-            </a:endParaRPr>
-          </a:p>
-          <a:p>
-            <a:endParaRPr lang="en-GB" sz="1200" b="1" dirty="0">
-              <a:latin typeface="Calibri Light" panose="020F0302020204030204" pitchFamily="34" charset="0"/>
-              <a:ea typeface="Anonymous Pro" panose="02060609030202000504" pitchFamily="49" charset="0"/>
-              <a:cs typeface="Calibri Light" panose="020F0302020204030204" pitchFamily="34" charset="0"/>
-            </a:endParaRPr>
-          </a:p>
-          <a:p>
-            <a:endParaRPr lang="en-GB" sz="1200" b="1" dirty="0">
-              <a:latin typeface="Calibri Light" panose="020F0302020204030204" pitchFamily="34" charset="0"/>
-              <a:ea typeface="Anonymous Pro" panose="02060609030202000504" pitchFamily="49" charset="0"/>
-              <a:cs typeface="Calibri Light" panose="020F0302020204030204" pitchFamily="34" charset="0"/>
-            </a:endParaRPr>
-          </a:p>
-          <a:p>
-            <a:endParaRPr lang="en-GB" sz="1200" b="1" dirty="0">
-              <a:latin typeface="Calibri Light" panose="020F0302020204030204" pitchFamily="34" charset="0"/>
-              <a:ea typeface="Anonymous Pro" panose="02060609030202000504" pitchFamily="49" charset="0"/>
-              <a:cs typeface="Calibri Light" panose="020F0302020204030204" pitchFamily="34" charset="0"/>
-            </a:endParaRPr>
-          </a:p>
-          <a:p>
-            <a:endParaRPr lang="en-GB" sz="1200" b="1" dirty="0">
-              <a:latin typeface="Calibri Light" panose="020F0302020204030204" pitchFamily="34" charset="0"/>
-              <a:ea typeface="Anonymous Pro" panose="02060609030202000504" pitchFamily="49" charset="0"/>
-              <a:cs typeface="Calibri Light" panose="020F0302020204030204" pitchFamily="34" charset="0"/>
-            </a:endParaRPr>
-          </a:p>
-          <a:p>
-            <a:endParaRPr lang="en-GB" sz="1200" b="1" dirty="0">
-              <a:latin typeface="Calibri Light" panose="020F0302020204030204" pitchFamily="34" charset="0"/>
-              <a:ea typeface="Anonymous Pro" panose="02060609030202000504" pitchFamily="49" charset="0"/>
-              <a:cs typeface="Calibri Light" panose="020F0302020204030204" pitchFamily="34" charset="0"/>
-            </a:endParaRPr>
-          </a:p>
-          <a:p>
-            <a:endParaRPr lang="en-GB" sz="1200" b="1" dirty="0">
-              <a:latin typeface="Calibri Light" panose="020F0302020204030204" pitchFamily="34" charset="0"/>
-              <a:ea typeface="Anonymous Pro" panose="02060609030202000504" pitchFamily="49" charset="0"/>
-              <a:cs typeface="Calibri Light" panose="020F0302020204030204" pitchFamily="34" charset="0"/>
-            </a:endParaRPr>
-          </a:p>
-          <a:p>
-            <a:endParaRPr lang="en-GB" sz="1200" b="1" dirty="0">
-              <a:latin typeface="Calibri Light" panose="020F0302020204030204" pitchFamily="34" charset="0"/>
-              <a:ea typeface="Anonymous Pro" panose="02060609030202000504" pitchFamily="49" charset="0"/>
-              <a:cs typeface="Calibri Light" panose="020F0302020204030204" pitchFamily="34" charset="0"/>
-            </a:endParaRPr>
-          </a:p>
-          <a:p>
-            <a:endParaRPr lang="en-GB" sz="1200" b="1" dirty="0">
-              <a:latin typeface="Calibri Light" panose="020F0302020204030204" pitchFamily="34" charset="0"/>
-              <a:ea typeface="Anonymous Pro" panose="02060609030202000504" pitchFamily="49" charset="0"/>
-              <a:cs typeface="Calibri Light" panose="020F0302020204030204" pitchFamily="34" charset="0"/>
-            </a:endParaRPr>
           </a:p>
           <a:p>
             <a:endParaRPr lang="en-GB" sz="1200" b="1" dirty="0">
@@ -5903,8 +5833,8 @@
         </p:nvSpPr>
         <p:spPr>
           <a:xfrm>
-            <a:off x="5766816" y="694402"/>
-            <a:ext cx="1389888" cy="276999"/>
+            <a:off x="5404513" y="694402"/>
+            <a:ext cx="1752191" cy="276999"/>
           </a:xfrm>
           <a:prstGeom prst="rect">
             <a:avLst/>
@@ -5919,7 +5849,7 @@
           <a:p>
             <a:r>
               <a:rPr lang="en-GB" sz="1200" dirty="0"/>
-              <a:t>By Khai Ailyan</a:t>
+              <a:t>By Khai Ailyan 22130235</a:t>
             </a:r>
           </a:p>
         </p:txBody>
@@ -6078,6 +6008,54 @@
           </a:ln>
         </p:spPr>
       </p:pic>
+      <p:sp>
+        <p:nvSpPr>
+          <p:cNvPr id="21" name="Rectangle: Rounded Corners 20">
+            <a:extLst>
+              <a:ext uri="{FF2B5EF4-FFF2-40B4-BE49-F238E27FC236}">
+                <a16:creationId xmlns:a16="http://schemas.microsoft.com/office/drawing/2014/main" id="{1E7F5D03-2ECE-4986-BA02-F80E4FB0E78D}"/>
+              </a:ext>
+            </a:extLst>
+          </p:cNvPr>
+          <p:cNvSpPr/>
+          <p:nvPr/>
+        </p:nvSpPr>
+        <p:spPr>
+          <a:xfrm>
+            <a:off x="3888457" y="5340860"/>
+            <a:ext cx="3457464" cy="2316243"/>
+          </a:xfrm>
+          <a:prstGeom prst="roundRect">
+            <a:avLst>
+              <a:gd name="adj" fmla="val 8409"/>
+            </a:avLst>
+          </a:prstGeom>
+        </p:spPr>
+        <p:style>
+          <a:lnRef idx="2">
+            <a:schemeClr val="accent1">
+              <a:shade val="15000"/>
+            </a:schemeClr>
+          </a:lnRef>
+          <a:fillRef idx="1">
+            <a:schemeClr val="accent1"/>
+          </a:fillRef>
+          <a:effectRef idx="0">
+            <a:schemeClr val="accent1"/>
+          </a:effectRef>
+          <a:fontRef idx="minor">
+            <a:schemeClr val="lt1"/>
+          </a:fontRef>
+        </p:style>
+        <p:txBody>
+          <a:bodyPr rtlCol="0" anchor="ctr"/>
+          <a:lstStyle/>
+          <a:p>
+            <a:pPr algn="ctr"/>
+            <a:endParaRPr lang="en-GB"/>
+          </a:p>
+        </p:txBody>
+      </p:sp>
     </p:spTree>
     <p:extLst>
       <p:ext uri="{BB962C8B-B14F-4D97-AF65-F5344CB8AC3E}">

--- a/FYP_Poser.pptx
+++ b/FYP_Poser.pptx
@@ -1,8 +1,8 @@
 
 <file path=ppt/presentation.xml><?xml version="1.0" encoding="utf-8"?>
-<p:presentation xmlns:a="http://schemas.openxmlformats.org/drawingml/2006/main" xmlns:r="http://schemas.openxmlformats.org/officeDocument/2006/relationships" xmlns:p="http://schemas.openxmlformats.org/presentationml/2006/main" saveSubsetFonts="1">
+<p:presentation xmlns:a="http://schemas.openxmlformats.org/drawingml/2006/main" xmlns:r="http://schemas.openxmlformats.org/officeDocument/2006/relationships" xmlns:p="http://schemas.openxmlformats.org/presentationml/2006/main">
   <p:sldMasterIdLst>
-    <p:sldMasterId id="2147483684" r:id="rId1"/>
+    <p:sldMasterId id="2147483648" r:id="rId1"/>
   </p:sldMasterIdLst>
   <p:sldIdLst>
     <p:sldId id="256" r:id="rId2"/>
@@ -182,39 +182,39 @@
           <a:lstStyle>
             <a:lvl1pPr marL="0" indent="0" algn="ctr">
               <a:buNone/>
-              <a:defRPr sz="1984"/>
+              <a:defRPr sz="1985"/>
             </a:lvl1pPr>
-            <a:lvl2pPr marL="377967" indent="0" algn="ctr">
+            <a:lvl2pPr marL="377825" indent="0" algn="ctr">
               <a:buNone/>
-              <a:defRPr sz="1653"/>
+              <a:defRPr sz="1655"/>
             </a:lvl2pPr>
-            <a:lvl3pPr marL="755934" indent="0" algn="ctr">
+            <a:lvl3pPr marL="755650" indent="0" algn="ctr">
               <a:buNone/>
-              <a:defRPr sz="1488"/>
+              <a:defRPr sz="1490"/>
             </a:lvl3pPr>
-            <a:lvl4pPr marL="1133902" indent="0" algn="ctr">
+            <a:lvl4pPr marL="1134110" indent="0" algn="ctr">
               <a:buNone/>
-              <a:defRPr sz="1323"/>
+              <a:defRPr sz="1325"/>
             </a:lvl4pPr>
-            <a:lvl5pPr marL="1511869" indent="0" algn="ctr">
+            <a:lvl5pPr marL="1511935" indent="0" algn="ctr">
               <a:buNone/>
-              <a:defRPr sz="1323"/>
+              <a:defRPr sz="1325"/>
             </a:lvl5pPr>
-            <a:lvl6pPr marL="1889836" indent="0" algn="ctr">
+            <a:lvl6pPr marL="1889760" indent="0" algn="ctr">
               <a:buNone/>
-              <a:defRPr sz="1323"/>
+              <a:defRPr sz="1325"/>
             </a:lvl6pPr>
-            <a:lvl7pPr marL="2267803" indent="0" algn="ctr">
+            <a:lvl7pPr marL="2267585" indent="0" algn="ctr">
               <a:buNone/>
-              <a:defRPr sz="1323"/>
+              <a:defRPr sz="1325"/>
             </a:lvl7pPr>
-            <a:lvl8pPr marL="2645771" indent="0" algn="ctr">
+            <a:lvl8pPr marL="2646045" indent="0" algn="ctr">
               <a:buNone/>
-              <a:defRPr sz="1323"/>
+              <a:defRPr sz="1325"/>
             </a:lvl8pPr>
-            <a:lvl9pPr marL="3023738" indent="0" algn="ctr">
+            <a:lvl9pPr marL="3023870" indent="0" algn="ctr">
               <a:buNone/>
-              <a:defRPr sz="1323"/>
+              <a:defRPr sz="1325"/>
             </a:lvl9pPr>
           </a:lstStyle>
           <a:p>
@@ -243,7 +243,7 @@
           <a:p>
             <a:fld id="{DCEEBA53-EBA9-40A5-BD15-213969A436B3}" type="datetimeFigureOut">
               <a:rPr lang="en-GB" smtClean="0"/>
-              <a:t>02/05/2025</a:t>
+              <a:t>04/05/2025</a:t>
             </a:fld>
             <a:endParaRPr lang="en-GB"/>
           </a:p>
@@ -292,11 +292,6 @@
         </p:txBody>
       </p:sp>
     </p:spTree>
-    <p:extLst>
-      <p:ext uri="{BB962C8B-B14F-4D97-AF65-F5344CB8AC3E}">
-        <p14:creationId xmlns:p14="http://schemas.microsoft.com/office/powerpoint/2010/main" val="652205534"/>
-      </p:ext>
-    </p:extLst>
   </p:cSld>
   <p:clrMapOvr>
     <a:masterClrMapping/>
@@ -413,7 +408,7 @@
           <a:p>
             <a:fld id="{DCEEBA53-EBA9-40A5-BD15-213969A436B3}" type="datetimeFigureOut">
               <a:rPr lang="en-GB" smtClean="0"/>
-              <a:t>02/05/2025</a:t>
+              <a:t>04/05/2025</a:t>
             </a:fld>
             <a:endParaRPr lang="en-GB"/>
           </a:p>
@@ -462,11 +457,6 @@
         </p:txBody>
       </p:sp>
     </p:spTree>
-    <p:extLst>
-      <p:ext uri="{BB962C8B-B14F-4D97-AF65-F5344CB8AC3E}">
-        <p14:creationId xmlns:p14="http://schemas.microsoft.com/office/powerpoint/2010/main" val="2411701302"/>
-      </p:ext>
-    </p:extLst>
   </p:cSld>
   <p:clrMapOvr>
     <a:masterClrMapping/>
@@ -593,7 +583,7 @@
           <a:p>
             <a:fld id="{DCEEBA53-EBA9-40A5-BD15-213969A436B3}" type="datetimeFigureOut">
               <a:rPr lang="en-GB" smtClean="0"/>
-              <a:t>02/05/2025</a:t>
+              <a:t>04/05/2025</a:t>
             </a:fld>
             <a:endParaRPr lang="en-GB"/>
           </a:p>
@@ -642,11 +632,6 @@
         </p:txBody>
       </p:sp>
     </p:spTree>
-    <p:extLst>
-      <p:ext uri="{BB962C8B-B14F-4D97-AF65-F5344CB8AC3E}">
-        <p14:creationId xmlns:p14="http://schemas.microsoft.com/office/powerpoint/2010/main" val="3156264338"/>
-      </p:ext>
-    </p:extLst>
   </p:cSld>
   <p:clrMapOvr>
     <a:masterClrMapping/>
@@ -763,7 +748,7 @@
           <a:p>
             <a:fld id="{DCEEBA53-EBA9-40A5-BD15-213969A436B3}" type="datetimeFigureOut">
               <a:rPr lang="en-GB" smtClean="0"/>
-              <a:t>02/05/2025</a:t>
+              <a:t>04/05/2025</a:t>
             </a:fld>
             <a:endParaRPr lang="en-GB"/>
           </a:p>
@@ -812,11 +797,6 @@
         </p:txBody>
       </p:sp>
     </p:spTree>
-    <p:extLst>
-      <p:ext uri="{BB962C8B-B14F-4D97-AF65-F5344CB8AC3E}">
-        <p14:creationId xmlns:p14="http://schemas.microsoft.com/office/powerpoint/2010/main" val="1260441332"/>
-      </p:ext>
-    </p:extLst>
   </p:cSld>
   <p:clrMapOvr>
     <a:masterClrMapping/>
@@ -894,7 +874,7 @@
           <a:lstStyle>
             <a:lvl1pPr marL="0" indent="0">
               <a:buNone/>
-              <a:defRPr sz="1984">
+              <a:defRPr sz="1985">
                 <a:solidFill>
                   <a:schemeClr val="tx1">
                     <a:tint val="82000"/>
@@ -902,9 +882,9 @@
                 </a:solidFill>
               </a:defRPr>
             </a:lvl1pPr>
-            <a:lvl2pPr marL="377967" indent="0">
+            <a:lvl2pPr marL="377825" indent="0">
               <a:buNone/>
-              <a:defRPr sz="1653">
+              <a:defRPr sz="1655">
                 <a:solidFill>
                   <a:schemeClr val="tx1">
                     <a:tint val="82000"/>
@@ -912,9 +892,9 @@
                 </a:solidFill>
               </a:defRPr>
             </a:lvl2pPr>
-            <a:lvl3pPr marL="755934" indent="0">
+            <a:lvl3pPr marL="755650" indent="0">
               <a:buNone/>
-              <a:defRPr sz="1488">
+              <a:defRPr sz="1490">
                 <a:solidFill>
                   <a:schemeClr val="tx1">
                     <a:tint val="82000"/>
@@ -922,9 +902,9 @@
                 </a:solidFill>
               </a:defRPr>
             </a:lvl3pPr>
-            <a:lvl4pPr marL="1133902" indent="0">
+            <a:lvl4pPr marL="1134110" indent="0">
               <a:buNone/>
-              <a:defRPr sz="1323">
+              <a:defRPr sz="1325">
                 <a:solidFill>
                   <a:schemeClr val="tx1">
                     <a:tint val="82000"/>
@@ -932,9 +912,9 @@
                 </a:solidFill>
               </a:defRPr>
             </a:lvl4pPr>
-            <a:lvl5pPr marL="1511869" indent="0">
+            <a:lvl5pPr marL="1511935" indent="0">
               <a:buNone/>
-              <a:defRPr sz="1323">
+              <a:defRPr sz="1325">
                 <a:solidFill>
                   <a:schemeClr val="tx1">
                     <a:tint val="82000"/>
@@ -942,9 +922,9 @@
                 </a:solidFill>
               </a:defRPr>
             </a:lvl5pPr>
-            <a:lvl6pPr marL="1889836" indent="0">
+            <a:lvl6pPr marL="1889760" indent="0">
               <a:buNone/>
-              <a:defRPr sz="1323">
+              <a:defRPr sz="1325">
                 <a:solidFill>
                   <a:schemeClr val="tx1">
                     <a:tint val="82000"/>
@@ -952,9 +932,9 @@
                 </a:solidFill>
               </a:defRPr>
             </a:lvl6pPr>
-            <a:lvl7pPr marL="2267803" indent="0">
+            <a:lvl7pPr marL="2267585" indent="0">
               <a:buNone/>
-              <a:defRPr sz="1323">
+              <a:defRPr sz="1325">
                 <a:solidFill>
                   <a:schemeClr val="tx1">
                     <a:tint val="82000"/>
@@ -962,9 +942,9 @@
                 </a:solidFill>
               </a:defRPr>
             </a:lvl7pPr>
-            <a:lvl8pPr marL="2645771" indent="0">
+            <a:lvl8pPr marL="2646045" indent="0">
               <a:buNone/>
-              <a:defRPr sz="1323">
+              <a:defRPr sz="1325">
                 <a:solidFill>
                   <a:schemeClr val="tx1">
                     <a:tint val="82000"/>
@@ -972,9 +952,9 @@
                 </a:solidFill>
               </a:defRPr>
             </a:lvl8pPr>
-            <a:lvl9pPr marL="3023738" indent="0">
+            <a:lvl9pPr marL="3023870" indent="0">
               <a:buNone/>
-              <a:defRPr sz="1323">
+              <a:defRPr sz="1325">
                 <a:solidFill>
                   <a:schemeClr val="tx1">
                     <a:tint val="82000"/>
@@ -1009,7 +989,7 @@
           <a:p>
             <a:fld id="{DCEEBA53-EBA9-40A5-BD15-213969A436B3}" type="datetimeFigureOut">
               <a:rPr lang="en-GB" smtClean="0"/>
-              <a:t>02/05/2025</a:t>
+              <a:t>04/05/2025</a:t>
             </a:fld>
             <a:endParaRPr lang="en-GB"/>
           </a:p>
@@ -1058,11 +1038,6 @@
         </p:txBody>
       </p:sp>
     </p:spTree>
-    <p:extLst>
-      <p:ext uri="{BB962C8B-B14F-4D97-AF65-F5344CB8AC3E}">
-        <p14:creationId xmlns:p14="http://schemas.microsoft.com/office/powerpoint/2010/main" val="659048782"/>
-      </p:ext>
-    </p:extLst>
   </p:cSld>
   <p:clrMapOvr>
     <a:masterClrMapping/>
@@ -1241,7 +1216,7 @@
           <a:p>
             <a:fld id="{DCEEBA53-EBA9-40A5-BD15-213969A436B3}" type="datetimeFigureOut">
               <a:rPr lang="en-GB" smtClean="0"/>
-              <a:t>02/05/2025</a:t>
+              <a:t>04/05/2025</a:t>
             </a:fld>
             <a:endParaRPr lang="en-GB"/>
           </a:p>
@@ -1290,11 +1265,6 @@
         </p:txBody>
       </p:sp>
     </p:spTree>
-    <p:extLst>
-      <p:ext uri="{BB962C8B-B14F-4D97-AF65-F5344CB8AC3E}">
-        <p14:creationId xmlns:p14="http://schemas.microsoft.com/office/powerpoint/2010/main" val="640753850"/>
-      </p:ext>
-    </p:extLst>
   </p:cSld>
   <p:clrMapOvr>
     <a:masterClrMapping/>
@@ -1368,39 +1338,39 @@
           <a:lstStyle>
             <a:lvl1pPr marL="0" indent="0">
               <a:buNone/>
-              <a:defRPr sz="1984" b="1"/>
+              <a:defRPr sz="1985" b="1"/>
             </a:lvl1pPr>
-            <a:lvl2pPr marL="377967" indent="0">
+            <a:lvl2pPr marL="377825" indent="0">
               <a:buNone/>
-              <a:defRPr sz="1653" b="1"/>
+              <a:defRPr sz="1655" b="1"/>
             </a:lvl2pPr>
-            <a:lvl3pPr marL="755934" indent="0">
+            <a:lvl3pPr marL="755650" indent="0">
               <a:buNone/>
-              <a:defRPr sz="1488" b="1"/>
+              <a:defRPr sz="1490" b="1"/>
             </a:lvl3pPr>
-            <a:lvl4pPr marL="1133902" indent="0">
+            <a:lvl4pPr marL="1134110" indent="0">
               <a:buNone/>
-              <a:defRPr sz="1323" b="1"/>
+              <a:defRPr sz="1325" b="1"/>
             </a:lvl4pPr>
-            <a:lvl5pPr marL="1511869" indent="0">
+            <a:lvl5pPr marL="1511935" indent="0">
               <a:buNone/>
-              <a:defRPr sz="1323" b="1"/>
+              <a:defRPr sz="1325" b="1"/>
             </a:lvl5pPr>
-            <a:lvl6pPr marL="1889836" indent="0">
+            <a:lvl6pPr marL="1889760" indent="0">
               <a:buNone/>
-              <a:defRPr sz="1323" b="1"/>
+              <a:defRPr sz="1325" b="1"/>
             </a:lvl6pPr>
-            <a:lvl7pPr marL="2267803" indent="0">
+            <a:lvl7pPr marL="2267585" indent="0">
               <a:buNone/>
-              <a:defRPr sz="1323" b="1"/>
+              <a:defRPr sz="1325" b="1"/>
             </a:lvl7pPr>
-            <a:lvl8pPr marL="2645771" indent="0">
+            <a:lvl8pPr marL="2646045" indent="0">
               <a:buNone/>
-              <a:defRPr sz="1323" b="1"/>
+              <a:defRPr sz="1325" b="1"/>
             </a:lvl8pPr>
-            <a:lvl9pPr marL="3023738" indent="0">
+            <a:lvl9pPr marL="3023870" indent="0">
               <a:buNone/>
-              <a:defRPr sz="1323" b="1"/>
+              <a:defRPr sz="1325" b="1"/>
             </a:lvl9pPr>
           </a:lstStyle>
           <a:p>
@@ -1490,39 +1460,39 @@
           <a:lstStyle>
             <a:lvl1pPr marL="0" indent="0">
               <a:buNone/>
-              <a:defRPr sz="1984" b="1"/>
+              <a:defRPr sz="1985" b="1"/>
             </a:lvl1pPr>
-            <a:lvl2pPr marL="377967" indent="0">
+            <a:lvl2pPr marL="377825" indent="0">
               <a:buNone/>
-              <a:defRPr sz="1653" b="1"/>
+              <a:defRPr sz="1655" b="1"/>
             </a:lvl2pPr>
-            <a:lvl3pPr marL="755934" indent="0">
+            <a:lvl3pPr marL="755650" indent="0">
               <a:buNone/>
-              <a:defRPr sz="1488" b="1"/>
+              <a:defRPr sz="1490" b="1"/>
             </a:lvl3pPr>
-            <a:lvl4pPr marL="1133902" indent="0">
+            <a:lvl4pPr marL="1134110" indent="0">
               <a:buNone/>
-              <a:defRPr sz="1323" b="1"/>
+              <a:defRPr sz="1325" b="1"/>
             </a:lvl4pPr>
-            <a:lvl5pPr marL="1511869" indent="0">
+            <a:lvl5pPr marL="1511935" indent="0">
               <a:buNone/>
-              <a:defRPr sz="1323" b="1"/>
+              <a:defRPr sz="1325" b="1"/>
             </a:lvl5pPr>
-            <a:lvl6pPr marL="1889836" indent="0">
+            <a:lvl6pPr marL="1889760" indent="0">
               <a:buNone/>
-              <a:defRPr sz="1323" b="1"/>
+              <a:defRPr sz="1325" b="1"/>
             </a:lvl6pPr>
-            <a:lvl7pPr marL="2267803" indent="0">
+            <a:lvl7pPr marL="2267585" indent="0">
               <a:buNone/>
-              <a:defRPr sz="1323" b="1"/>
+              <a:defRPr sz="1325" b="1"/>
             </a:lvl7pPr>
-            <a:lvl8pPr marL="2645771" indent="0">
+            <a:lvl8pPr marL="2646045" indent="0">
               <a:buNone/>
-              <a:defRPr sz="1323" b="1"/>
+              <a:defRPr sz="1325" b="1"/>
             </a:lvl8pPr>
-            <a:lvl9pPr marL="3023738" indent="0">
+            <a:lvl9pPr marL="3023870" indent="0">
               <a:buNone/>
-              <a:defRPr sz="1323" b="1"/>
+              <a:defRPr sz="1325" b="1"/>
             </a:lvl9pPr>
           </a:lstStyle>
           <a:p>
@@ -1608,7 +1578,7 @@
           <a:p>
             <a:fld id="{DCEEBA53-EBA9-40A5-BD15-213969A436B3}" type="datetimeFigureOut">
               <a:rPr lang="en-GB" smtClean="0"/>
-              <a:t>02/05/2025</a:t>
+              <a:t>04/05/2025</a:t>
             </a:fld>
             <a:endParaRPr lang="en-GB"/>
           </a:p>
@@ -1657,11 +1627,6 @@
         </p:txBody>
       </p:sp>
     </p:spTree>
-    <p:extLst>
-      <p:ext uri="{BB962C8B-B14F-4D97-AF65-F5344CB8AC3E}">
-        <p14:creationId xmlns:p14="http://schemas.microsoft.com/office/powerpoint/2010/main" val="2026807451"/>
-      </p:ext>
-    </p:extLst>
   </p:cSld>
   <p:clrMapOvr>
     <a:masterClrMapping/>
@@ -1726,7 +1691,7 @@
           <a:p>
             <a:fld id="{DCEEBA53-EBA9-40A5-BD15-213969A436B3}" type="datetimeFigureOut">
               <a:rPr lang="en-GB" smtClean="0"/>
-              <a:t>02/05/2025</a:t>
+              <a:t>04/05/2025</a:t>
             </a:fld>
             <a:endParaRPr lang="en-GB"/>
           </a:p>
@@ -1775,11 +1740,6 @@
         </p:txBody>
       </p:sp>
     </p:spTree>
-    <p:extLst>
-      <p:ext uri="{BB962C8B-B14F-4D97-AF65-F5344CB8AC3E}">
-        <p14:creationId xmlns:p14="http://schemas.microsoft.com/office/powerpoint/2010/main" val="4011335469"/>
-      </p:ext>
-    </p:extLst>
   </p:cSld>
   <p:clrMapOvr>
     <a:masterClrMapping/>
@@ -1821,7 +1781,7 @@
           <a:p>
             <a:fld id="{DCEEBA53-EBA9-40A5-BD15-213969A436B3}" type="datetimeFigureOut">
               <a:rPr lang="en-GB" smtClean="0"/>
-              <a:t>02/05/2025</a:t>
+              <a:t>04/05/2025</a:t>
             </a:fld>
             <a:endParaRPr lang="en-GB"/>
           </a:p>
@@ -1870,11 +1830,6 @@
         </p:txBody>
       </p:sp>
     </p:spTree>
-    <p:extLst>
-      <p:ext uri="{BB962C8B-B14F-4D97-AF65-F5344CB8AC3E}">
-        <p14:creationId xmlns:p14="http://schemas.microsoft.com/office/powerpoint/2010/main" val="2908863116"/>
-      </p:ext>
-    </p:extLst>
   </p:cSld>
   <p:clrMapOvr>
     <a:masterClrMapping/>
@@ -1957,25 +1912,25 @@
               <a:defRPr sz="2315"/>
             </a:lvl2pPr>
             <a:lvl3pPr>
-              <a:defRPr sz="1984"/>
+              <a:defRPr sz="1985"/>
             </a:lvl3pPr>
             <a:lvl4pPr>
-              <a:defRPr sz="1653"/>
+              <a:defRPr sz="1655"/>
             </a:lvl4pPr>
             <a:lvl5pPr>
-              <a:defRPr sz="1653"/>
+              <a:defRPr sz="1655"/>
             </a:lvl5pPr>
             <a:lvl6pPr>
-              <a:defRPr sz="1653"/>
+              <a:defRPr sz="1655"/>
             </a:lvl6pPr>
             <a:lvl7pPr>
-              <a:defRPr sz="1653"/>
+              <a:defRPr sz="1655"/>
             </a:lvl7pPr>
             <a:lvl8pPr>
-              <a:defRPr sz="1653"/>
+              <a:defRPr sz="1655"/>
             </a:lvl8pPr>
             <a:lvl9pPr>
-              <a:defRPr sz="1653"/>
+              <a:defRPr sz="1655"/>
             </a:lvl9pPr>
           </a:lstStyle>
           <a:p>
@@ -2037,39 +1992,39 @@
           <a:lstStyle>
             <a:lvl1pPr marL="0" indent="0">
               <a:buNone/>
-              <a:defRPr sz="1323"/>
+              <a:defRPr sz="1325"/>
             </a:lvl1pPr>
-            <a:lvl2pPr marL="377967" indent="0">
+            <a:lvl2pPr marL="377825" indent="0">
               <a:buNone/>
-              <a:defRPr sz="1157"/>
+              <a:defRPr sz="1155"/>
             </a:lvl2pPr>
-            <a:lvl3pPr marL="755934" indent="0">
+            <a:lvl3pPr marL="755650" indent="0">
               <a:buNone/>
-              <a:defRPr sz="992"/>
+              <a:defRPr sz="990"/>
             </a:lvl3pPr>
-            <a:lvl4pPr marL="1133902" indent="0">
+            <a:lvl4pPr marL="1134110" indent="0">
               <a:buNone/>
-              <a:defRPr sz="827"/>
+              <a:defRPr sz="825"/>
             </a:lvl4pPr>
-            <a:lvl5pPr marL="1511869" indent="0">
+            <a:lvl5pPr marL="1511935" indent="0">
               <a:buNone/>
-              <a:defRPr sz="827"/>
+              <a:defRPr sz="825"/>
             </a:lvl5pPr>
-            <a:lvl6pPr marL="1889836" indent="0">
+            <a:lvl6pPr marL="1889760" indent="0">
               <a:buNone/>
-              <a:defRPr sz="827"/>
+              <a:defRPr sz="825"/>
             </a:lvl6pPr>
-            <a:lvl7pPr marL="2267803" indent="0">
+            <a:lvl7pPr marL="2267585" indent="0">
               <a:buNone/>
-              <a:defRPr sz="827"/>
+              <a:defRPr sz="825"/>
             </a:lvl7pPr>
-            <a:lvl8pPr marL="2645771" indent="0">
+            <a:lvl8pPr marL="2646045" indent="0">
               <a:buNone/>
-              <a:defRPr sz="827"/>
+              <a:defRPr sz="825"/>
             </a:lvl8pPr>
-            <a:lvl9pPr marL="3023738" indent="0">
+            <a:lvl9pPr marL="3023870" indent="0">
               <a:buNone/>
-              <a:defRPr sz="827"/>
+              <a:defRPr sz="825"/>
             </a:lvl9pPr>
           </a:lstStyle>
           <a:p>
@@ -2098,7 +2053,7 @@
           <a:p>
             <a:fld id="{DCEEBA53-EBA9-40A5-BD15-213969A436B3}" type="datetimeFigureOut">
               <a:rPr lang="en-GB" smtClean="0"/>
-              <a:t>02/05/2025</a:t>
+              <a:t>04/05/2025</a:t>
             </a:fld>
             <a:endParaRPr lang="en-GB"/>
           </a:p>
@@ -2147,11 +2102,6 @@
         </p:txBody>
       </p:sp>
     </p:spTree>
-    <p:extLst>
-      <p:ext uri="{BB962C8B-B14F-4D97-AF65-F5344CB8AC3E}">
-        <p14:creationId xmlns:p14="http://schemas.microsoft.com/office/powerpoint/2010/main" val="1078045325"/>
-      </p:ext>
-    </p:extLst>
   </p:cSld>
   <p:clrMapOvr>
     <a:masterClrMapping/>
@@ -2231,37 +2181,37 @@
               <a:buNone/>
               <a:defRPr sz="2645"/>
             </a:lvl1pPr>
-            <a:lvl2pPr marL="377967" indent="0">
+            <a:lvl2pPr marL="377825" indent="0">
               <a:buNone/>
               <a:defRPr sz="2315"/>
             </a:lvl2pPr>
-            <a:lvl3pPr marL="755934" indent="0">
+            <a:lvl3pPr marL="755650" indent="0">
               <a:buNone/>
-              <a:defRPr sz="1984"/>
+              <a:defRPr sz="1985"/>
             </a:lvl3pPr>
-            <a:lvl4pPr marL="1133902" indent="0">
+            <a:lvl4pPr marL="1134110" indent="0">
               <a:buNone/>
-              <a:defRPr sz="1653"/>
+              <a:defRPr sz="1655"/>
             </a:lvl4pPr>
-            <a:lvl5pPr marL="1511869" indent="0">
+            <a:lvl5pPr marL="1511935" indent="0">
               <a:buNone/>
-              <a:defRPr sz="1653"/>
+              <a:defRPr sz="1655"/>
             </a:lvl5pPr>
-            <a:lvl6pPr marL="1889836" indent="0">
+            <a:lvl6pPr marL="1889760" indent="0">
               <a:buNone/>
-              <a:defRPr sz="1653"/>
+              <a:defRPr sz="1655"/>
             </a:lvl6pPr>
-            <a:lvl7pPr marL="2267803" indent="0">
+            <a:lvl7pPr marL="2267585" indent="0">
               <a:buNone/>
-              <a:defRPr sz="1653"/>
+              <a:defRPr sz="1655"/>
             </a:lvl7pPr>
-            <a:lvl8pPr marL="2645771" indent="0">
+            <a:lvl8pPr marL="2646045" indent="0">
               <a:buNone/>
-              <a:defRPr sz="1653"/>
+              <a:defRPr sz="1655"/>
             </a:lvl8pPr>
-            <a:lvl9pPr marL="3023738" indent="0">
+            <a:lvl9pPr marL="3023870" indent="0">
               <a:buNone/>
-              <a:defRPr sz="1653"/>
+              <a:defRPr sz="1655"/>
             </a:lvl9pPr>
           </a:lstStyle>
           <a:p>
@@ -2294,39 +2244,39 @@
           <a:lstStyle>
             <a:lvl1pPr marL="0" indent="0">
               <a:buNone/>
-              <a:defRPr sz="1323"/>
+              <a:defRPr sz="1325"/>
             </a:lvl1pPr>
-            <a:lvl2pPr marL="377967" indent="0">
+            <a:lvl2pPr marL="377825" indent="0">
               <a:buNone/>
-              <a:defRPr sz="1157"/>
+              <a:defRPr sz="1155"/>
             </a:lvl2pPr>
-            <a:lvl3pPr marL="755934" indent="0">
+            <a:lvl3pPr marL="755650" indent="0">
               <a:buNone/>
-              <a:defRPr sz="992"/>
+              <a:defRPr sz="990"/>
             </a:lvl3pPr>
-            <a:lvl4pPr marL="1133902" indent="0">
+            <a:lvl4pPr marL="1134110" indent="0">
               <a:buNone/>
-              <a:defRPr sz="827"/>
+              <a:defRPr sz="825"/>
             </a:lvl4pPr>
-            <a:lvl5pPr marL="1511869" indent="0">
+            <a:lvl5pPr marL="1511935" indent="0">
               <a:buNone/>
-              <a:defRPr sz="827"/>
+              <a:defRPr sz="825"/>
             </a:lvl5pPr>
-            <a:lvl6pPr marL="1889836" indent="0">
+            <a:lvl6pPr marL="1889760" indent="0">
               <a:buNone/>
-              <a:defRPr sz="827"/>
+              <a:defRPr sz="825"/>
             </a:lvl6pPr>
-            <a:lvl7pPr marL="2267803" indent="0">
+            <a:lvl7pPr marL="2267585" indent="0">
               <a:buNone/>
-              <a:defRPr sz="827"/>
+              <a:defRPr sz="825"/>
             </a:lvl7pPr>
-            <a:lvl8pPr marL="2645771" indent="0">
+            <a:lvl8pPr marL="2646045" indent="0">
               <a:buNone/>
-              <a:defRPr sz="827"/>
+              <a:defRPr sz="825"/>
             </a:lvl8pPr>
-            <a:lvl9pPr marL="3023738" indent="0">
+            <a:lvl9pPr marL="3023870" indent="0">
               <a:buNone/>
-              <a:defRPr sz="827"/>
+              <a:defRPr sz="825"/>
             </a:lvl9pPr>
           </a:lstStyle>
           <a:p>
@@ -2355,7 +2305,7 @@
           <a:p>
             <a:fld id="{DCEEBA53-EBA9-40A5-BD15-213969A436B3}" type="datetimeFigureOut">
               <a:rPr lang="en-GB" smtClean="0"/>
-              <a:t>02/05/2025</a:t>
+              <a:t>04/05/2025</a:t>
             </a:fld>
             <a:endParaRPr lang="en-GB"/>
           </a:p>
@@ -2404,11 +2354,6 @@
         </p:txBody>
       </p:sp>
     </p:spTree>
-    <p:extLst>
-      <p:ext uri="{BB962C8B-B14F-4D97-AF65-F5344CB8AC3E}">
-        <p14:creationId xmlns:p14="http://schemas.microsoft.com/office/powerpoint/2010/main" val="1048730340"/>
-      </p:ext>
-    </p:extLst>
   </p:cSld>
   <p:clrMapOvr>
     <a:masterClrMapping/>
@@ -2556,7 +2501,7 @@
           <a:bodyPr vert="horz" lIns="91440" tIns="45720" rIns="91440" bIns="45720" rtlCol="0" anchor="ctr"/>
           <a:lstStyle>
             <a:lvl1pPr algn="l">
-              <a:defRPr sz="992">
+              <a:defRPr sz="990">
                 <a:solidFill>
                   <a:schemeClr val="tx1">
                     <a:tint val="82000"/>
@@ -2568,7 +2513,7 @@
           <a:p>
             <a:fld id="{DCEEBA53-EBA9-40A5-BD15-213969A436B3}" type="datetimeFigureOut">
               <a:rPr lang="en-GB" smtClean="0"/>
-              <a:t>02/05/2025</a:t>
+              <a:t>04/05/2025</a:t>
             </a:fld>
             <a:endParaRPr lang="en-GB"/>
           </a:p>
@@ -2597,7 +2542,7 @@
           <a:bodyPr vert="horz" lIns="91440" tIns="45720" rIns="91440" bIns="45720" rtlCol="0" anchor="ctr"/>
           <a:lstStyle>
             <a:lvl1pPr algn="ctr">
-              <a:defRPr sz="992">
+              <a:defRPr sz="990">
                 <a:solidFill>
                   <a:schemeClr val="tx1">
                     <a:tint val="82000"/>
@@ -2634,7 +2579,7 @@
           <a:bodyPr vert="horz" lIns="91440" tIns="45720" rIns="91440" bIns="45720" rtlCol="0" anchor="ctr"/>
           <a:lstStyle>
             <a:lvl1pPr algn="r">
-              <a:defRPr sz="992">
+              <a:defRPr sz="990">
                 <a:solidFill>
                   <a:schemeClr val="tx1">
                     <a:tint val="82000"/>
@@ -2653,29 +2598,24 @@
         </p:txBody>
       </p:sp>
     </p:spTree>
-    <p:extLst>
-      <p:ext uri="{BB962C8B-B14F-4D97-AF65-F5344CB8AC3E}">
-        <p14:creationId xmlns:p14="http://schemas.microsoft.com/office/powerpoint/2010/main" val="3956696324"/>
-      </p:ext>
-    </p:extLst>
   </p:cSld>
   <p:clrMap bg1="dk1" tx1="lt1" bg2="dk2" tx2="lt2" accent1="accent1" accent2="accent2" accent3="accent3" accent4="accent4" accent5="accent5" accent6="accent6" hlink="hlink" folHlink="folHlink"/>
   <p:sldLayoutIdLst>
-    <p:sldLayoutId id="2147483685" r:id="rId1"/>
-    <p:sldLayoutId id="2147483686" r:id="rId2"/>
-    <p:sldLayoutId id="2147483687" r:id="rId3"/>
-    <p:sldLayoutId id="2147483688" r:id="rId4"/>
-    <p:sldLayoutId id="2147483689" r:id="rId5"/>
-    <p:sldLayoutId id="2147483690" r:id="rId6"/>
-    <p:sldLayoutId id="2147483691" r:id="rId7"/>
-    <p:sldLayoutId id="2147483692" r:id="rId8"/>
-    <p:sldLayoutId id="2147483693" r:id="rId9"/>
-    <p:sldLayoutId id="2147483694" r:id="rId10"/>
-    <p:sldLayoutId id="2147483695" r:id="rId11"/>
+    <p:sldLayoutId id="2147483649" r:id="rId1"/>
+    <p:sldLayoutId id="2147483650" r:id="rId2"/>
+    <p:sldLayoutId id="2147483651" r:id="rId3"/>
+    <p:sldLayoutId id="2147483652" r:id="rId4"/>
+    <p:sldLayoutId id="2147483653" r:id="rId5"/>
+    <p:sldLayoutId id="2147483654" r:id="rId6"/>
+    <p:sldLayoutId id="2147483655" r:id="rId7"/>
+    <p:sldLayoutId id="2147483656" r:id="rId8"/>
+    <p:sldLayoutId id="2147483657" r:id="rId9"/>
+    <p:sldLayoutId id="2147483658" r:id="rId10"/>
+    <p:sldLayoutId id="2147483659" r:id="rId11"/>
   </p:sldLayoutIdLst>
   <p:txStyles>
     <p:titleStyle>
-      <a:lvl1pPr algn="l" defTabSz="755934" rtl="0" eaLnBrk="1" latinLnBrk="0" hangingPunct="1">
+      <a:lvl1pPr algn="l" defTabSz="755650" rtl="0" eaLnBrk="1" latinLnBrk="0" hangingPunct="1">
         <a:lnSpc>
           <a:spcPct val="90000"/>
         </a:lnSpc>
@@ -2683,7 +2623,7 @@
           <a:spcPct val="0"/>
         </a:spcBef>
         <a:buNone/>
-        <a:defRPr sz="3637" kern="1200">
+        <a:defRPr sz="3635" kern="1200">
           <a:solidFill>
             <a:schemeClr val="tx1"/>
           </a:solidFill>
@@ -2694,12 +2634,12 @@
       </a:lvl1pPr>
     </p:titleStyle>
     <p:bodyStyle>
-      <a:lvl1pPr marL="188984" indent="-188984" algn="l" defTabSz="755934" rtl="0" eaLnBrk="1" latinLnBrk="0" hangingPunct="1">
+      <a:lvl1pPr marL="189230" indent="-189230" algn="l" defTabSz="755650" rtl="0" eaLnBrk="1" latinLnBrk="0" hangingPunct="1">
         <a:lnSpc>
           <a:spcPct val="90000"/>
         </a:lnSpc>
         <a:spcBef>
-          <a:spcPts val="827"/>
+          <a:spcPts val="825"/>
         </a:spcBef>
         <a:buFont typeface="Arial" panose="020B0604020202020204" pitchFamily="34" charset="0"/>
         <a:buChar char="•"/>
@@ -2712,16 +2652,16 @@
           <a:cs typeface="+mn-cs"/>
         </a:defRPr>
       </a:lvl1pPr>
-      <a:lvl2pPr marL="566951" indent="-188984" algn="l" defTabSz="755934" rtl="0" eaLnBrk="1" latinLnBrk="0" hangingPunct="1">
+      <a:lvl2pPr marL="567055" indent="-189230" algn="l" defTabSz="755650" rtl="0" eaLnBrk="1" latinLnBrk="0" hangingPunct="1">
         <a:lnSpc>
           <a:spcPct val="90000"/>
         </a:lnSpc>
         <a:spcBef>
-          <a:spcPts val="413"/>
+          <a:spcPts val="415"/>
         </a:spcBef>
         <a:buFont typeface="Arial" panose="020B0604020202020204" pitchFamily="34" charset="0"/>
         <a:buChar char="•"/>
-        <a:defRPr sz="1984" kern="1200">
+        <a:defRPr sz="1985" kern="1200">
           <a:solidFill>
             <a:schemeClr val="tx1"/>
           </a:solidFill>
@@ -2730,16 +2670,16 @@
           <a:cs typeface="+mn-cs"/>
         </a:defRPr>
       </a:lvl2pPr>
-      <a:lvl3pPr marL="944918" indent="-188984" algn="l" defTabSz="755934" rtl="0" eaLnBrk="1" latinLnBrk="0" hangingPunct="1">
+      <a:lvl3pPr marL="944880" indent="-189230" algn="l" defTabSz="755650" rtl="0" eaLnBrk="1" latinLnBrk="0" hangingPunct="1">
         <a:lnSpc>
           <a:spcPct val="90000"/>
         </a:lnSpc>
         <a:spcBef>
-          <a:spcPts val="413"/>
+          <a:spcPts val="415"/>
         </a:spcBef>
         <a:buFont typeface="Arial" panose="020B0604020202020204" pitchFamily="34" charset="0"/>
         <a:buChar char="•"/>
-        <a:defRPr sz="1653" kern="1200">
+        <a:defRPr sz="1655" kern="1200">
           <a:solidFill>
             <a:schemeClr val="tx1"/>
           </a:solidFill>
@@ -2748,16 +2688,16 @@
           <a:cs typeface="+mn-cs"/>
         </a:defRPr>
       </a:lvl3pPr>
-      <a:lvl4pPr marL="1322885" indent="-188984" algn="l" defTabSz="755934" rtl="0" eaLnBrk="1" latinLnBrk="0" hangingPunct="1">
+      <a:lvl4pPr marL="1322705" indent="-189230" algn="l" defTabSz="755650" rtl="0" eaLnBrk="1" latinLnBrk="0" hangingPunct="1">
         <a:lnSpc>
           <a:spcPct val="90000"/>
         </a:lnSpc>
         <a:spcBef>
-          <a:spcPts val="413"/>
+          <a:spcPts val="415"/>
         </a:spcBef>
         <a:buFont typeface="Arial" panose="020B0604020202020204" pitchFamily="34" charset="0"/>
         <a:buChar char="•"/>
-        <a:defRPr sz="1488" kern="1200">
+        <a:defRPr sz="1490" kern="1200">
           <a:solidFill>
             <a:schemeClr val="tx1"/>
           </a:solidFill>
@@ -2766,16 +2706,16 @@
           <a:cs typeface="+mn-cs"/>
         </a:defRPr>
       </a:lvl4pPr>
-      <a:lvl5pPr marL="1700853" indent="-188984" algn="l" defTabSz="755934" rtl="0" eaLnBrk="1" latinLnBrk="0" hangingPunct="1">
+      <a:lvl5pPr marL="1701165" indent="-189230" algn="l" defTabSz="755650" rtl="0" eaLnBrk="1" latinLnBrk="0" hangingPunct="1">
         <a:lnSpc>
           <a:spcPct val="90000"/>
         </a:lnSpc>
         <a:spcBef>
-          <a:spcPts val="413"/>
+          <a:spcPts val="415"/>
         </a:spcBef>
         <a:buFont typeface="Arial" panose="020B0604020202020204" pitchFamily="34" charset="0"/>
         <a:buChar char="•"/>
-        <a:defRPr sz="1488" kern="1200">
+        <a:defRPr sz="1490" kern="1200">
           <a:solidFill>
             <a:schemeClr val="tx1"/>
           </a:solidFill>
@@ -2784,16 +2724,16 @@
           <a:cs typeface="+mn-cs"/>
         </a:defRPr>
       </a:lvl5pPr>
-      <a:lvl6pPr marL="2078820" indent="-188984" algn="l" defTabSz="755934" rtl="0" eaLnBrk="1" latinLnBrk="0" hangingPunct="1">
+      <a:lvl6pPr marL="2078990" indent="-189230" algn="l" defTabSz="755650" rtl="0" eaLnBrk="1" latinLnBrk="0" hangingPunct="1">
         <a:lnSpc>
           <a:spcPct val="90000"/>
         </a:lnSpc>
         <a:spcBef>
-          <a:spcPts val="413"/>
+          <a:spcPts val="415"/>
         </a:spcBef>
         <a:buFont typeface="Arial" panose="020B0604020202020204" pitchFamily="34" charset="0"/>
         <a:buChar char="•"/>
-        <a:defRPr sz="1488" kern="1200">
+        <a:defRPr sz="1490" kern="1200">
           <a:solidFill>
             <a:schemeClr val="tx1"/>
           </a:solidFill>
@@ -2802,16 +2742,16 @@
           <a:cs typeface="+mn-cs"/>
         </a:defRPr>
       </a:lvl6pPr>
-      <a:lvl7pPr marL="2456787" indent="-188984" algn="l" defTabSz="755934" rtl="0" eaLnBrk="1" latinLnBrk="0" hangingPunct="1">
+      <a:lvl7pPr marL="2456815" indent="-189230" algn="l" defTabSz="755650" rtl="0" eaLnBrk="1" latinLnBrk="0" hangingPunct="1">
         <a:lnSpc>
           <a:spcPct val="90000"/>
         </a:lnSpc>
         <a:spcBef>
-          <a:spcPts val="413"/>
+          <a:spcPts val="415"/>
         </a:spcBef>
         <a:buFont typeface="Arial" panose="020B0604020202020204" pitchFamily="34" charset="0"/>
         <a:buChar char="•"/>
-        <a:defRPr sz="1488" kern="1200">
+        <a:defRPr sz="1490" kern="1200">
           <a:solidFill>
             <a:schemeClr val="tx1"/>
           </a:solidFill>
@@ -2820,16 +2760,16 @@
           <a:cs typeface="+mn-cs"/>
         </a:defRPr>
       </a:lvl7pPr>
-      <a:lvl8pPr marL="2834754" indent="-188984" algn="l" defTabSz="755934" rtl="0" eaLnBrk="1" latinLnBrk="0" hangingPunct="1">
+      <a:lvl8pPr marL="2834640" indent="-189230" algn="l" defTabSz="755650" rtl="0" eaLnBrk="1" latinLnBrk="0" hangingPunct="1">
         <a:lnSpc>
           <a:spcPct val="90000"/>
         </a:lnSpc>
         <a:spcBef>
-          <a:spcPts val="413"/>
+          <a:spcPts val="415"/>
         </a:spcBef>
         <a:buFont typeface="Arial" panose="020B0604020202020204" pitchFamily="34" charset="0"/>
         <a:buChar char="•"/>
-        <a:defRPr sz="1488" kern="1200">
+        <a:defRPr sz="1490" kern="1200">
           <a:solidFill>
             <a:schemeClr val="tx1"/>
           </a:solidFill>
@@ -2838,16 +2778,16 @@
           <a:cs typeface="+mn-cs"/>
         </a:defRPr>
       </a:lvl8pPr>
-      <a:lvl9pPr marL="3212722" indent="-188984" algn="l" defTabSz="755934" rtl="0" eaLnBrk="1" latinLnBrk="0" hangingPunct="1">
+      <a:lvl9pPr marL="3212465" indent="-189230" algn="l" defTabSz="755650" rtl="0" eaLnBrk="1" latinLnBrk="0" hangingPunct="1">
         <a:lnSpc>
           <a:spcPct val="90000"/>
         </a:lnSpc>
         <a:spcBef>
-          <a:spcPts val="413"/>
+          <a:spcPts val="415"/>
         </a:spcBef>
         <a:buFont typeface="Arial" panose="020B0604020202020204" pitchFamily="34" charset="0"/>
         <a:buChar char="•"/>
-        <a:defRPr sz="1488" kern="1200">
+        <a:defRPr sz="1490" kern="1200">
           <a:solidFill>
             <a:schemeClr val="tx1"/>
           </a:solidFill>
@@ -2861,8 +2801,8 @@
       <a:defPPr>
         <a:defRPr lang="en-US"/>
       </a:defPPr>
-      <a:lvl1pPr marL="0" algn="l" defTabSz="755934" rtl="0" eaLnBrk="1" latinLnBrk="0" hangingPunct="1">
-        <a:defRPr sz="1488" kern="1200">
+      <a:lvl1pPr marL="0" algn="l" defTabSz="755650" rtl="0" eaLnBrk="1" latinLnBrk="0" hangingPunct="1">
+        <a:defRPr sz="1490" kern="1200">
           <a:solidFill>
             <a:schemeClr val="tx1"/>
           </a:solidFill>
@@ -2871,8 +2811,8 @@
           <a:cs typeface="+mn-cs"/>
         </a:defRPr>
       </a:lvl1pPr>
-      <a:lvl2pPr marL="377967" algn="l" defTabSz="755934" rtl="0" eaLnBrk="1" latinLnBrk="0" hangingPunct="1">
-        <a:defRPr sz="1488" kern="1200">
+      <a:lvl2pPr marL="377825" algn="l" defTabSz="755650" rtl="0" eaLnBrk="1" latinLnBrk="0" hangingPunct="1">
+        <a:defRPr sz="1490" kern="1200">
           <a:solidFill>
             <a:schemeClr val="tx1"/>
           </a:solidFill>
@@ -2881,8 +2821,8 @@
           <a:cs typeface="+mn-cs"/>
         </a:defRPr>
       </a:lvl2pPr>
-      <a:lvl3pPr marL="755934" algn="l" defTabSz="755934" rtl="0" eaLnBrk="1" latinLnBrk="0" hangingPunct="1">
-        <a:defRPr sz="1488" kern="1200">
+      <a:lvl3pPr marL="755650" algn="l" defTabSz="755650" rtl="0" eaLnBrk="1" latinLnBrk="0" hangingPunct="1">
+        <a:defRPr sz="1490" kern="1200">
           <a:solidFill>
             <a:schemeClr val="tx1"/>
           </a:solidFill>
@@ -2891,8 +2831,8 @@
           <a:cs typeface="+mn-cs"/>
         </a:defRPr>
       </a:lvl3pPr>
-      <a:lvl4pPr marL="1133902" algn="l" defTabSz="755934" rtl="0" eaLnBrk="1" latinLnBrk="0" hangingPunct="1">
-        <a:defRPr sz="1488" kern="1200">
+      <a:lvl4pPr marL="1134110" algn="l" defTabSz="755650" rtl="0" eaLnBrk="1" latinLnBrk="0" hangingPunct="1">
+        <a:defRPr sz="1490" kern="1200">
           <a:solidFill>
             <a:schemeClr val="tx1"/>
           </a:solidFill>
@@ -2901,8 +2841,8 @@
           <a:cs typeface="+mn-cs"/>
         </a:defRPr>
       </a:lvl4pPr>
-      <a:lvl5pPr marL="1511869" algn="l" defTabSz="755934" rtl="0" eaLnBrk="1" latinLnBrk="0" hangingPunct="1">
-        <a:defRPr sz="1488" kern="1200">
+      <a:lvl5pPr marL="1511935" algn="l" defTabSz="755650" rtl="0" eaLnBrk="1" latinLnBrk="0" hangingPunct="1">
+        <a:defRPr sz="1490" kern="1200">
           <a:solidFill>
             <a:schemeClr val="tx1"/>
           </a:solidFill>
@@ -2911,8 +2851,8 @@
           <a:cs typeface="+mn-cs"/>
         </a:defRPr>
       </a:lvl5pPr>
-      <a:lvl6pPr marL="1889836" algn="l" defTabSz="755934" rtl="0" eaLnBrk="1" latinLnBrk="0" hangingPunct="1">
-        <a:defRPr sz="1488" kern="1200">
+      <a:lvl6pPr marL="1889760" algn="l" defTabSz="755650" rtl="0" eaLnBrk="1" latinLnBrk="0" hangingPunct="1">
+        <a:defRPr sz="1490" kern="1200">
           <a:solidFill>
             <a:schemeClr val="tx1"/>
           </a:solidFill>
@@ -2921,8 +2861,8 @@
           <a:cs typeface="+mn-cs"/>
         </a:defRPr>
       </a:lvl6pPr>
-      <a:lvl7pPr marL="2267803" algn="l" defTabSz="755934" rtl="0" eaLnBrk="1" latinLnBrk="0" hangingPunct="1">
-        <a:defRPr sz="1488" kern="1200">
+      <a:lvl7pPr marL="2267585" algn="l" defTabSz="755650" rtl="0" eaLnBrk="1" latinLnBrk="0" hangingPunct="1">
+        <a:defRPr sz="1490" kern="1200">
           <a:solidFill>
             <a:schemeClr val="tx1"/>
           </a:solidFill>
@@ -2931,8 +2871,8 @@
           <a:cs typeface="+mn-cs"/>
         </a:defRPr>
       </a:lvl7pPr>
-      <a:lvl8pPr marL="2645771" algn="l" defTabSz="755934" rtl="0" eaLnBrk="1" latinLnBrk="0" hangingPunct="1">
-        <a:defRPr sz="1488" kern="1200">
+      <a:lvl8pPr marL="2646045" algn="l" defTabSz="755650" rtl="0" eaLnBrk="1" latinLnBrk="0" hangingPunct="1">
+        <a:defRPr sz="1490" kern="1200">
           <a:solidFill>
             <a:schemeClr val="tx1"/>
           </a:solidFill>
@@ -2941,8 +2881,8 @@
           <a:cs typeface="+mn-cs"/>
         </a:defRPr>
       </a:lvl8pPr>
-      <a:lvl9pPr marL="3023738" algn="l" defTabSz="755934" rtl="0" eaLnBrk="1" latinLnBrk="0" hangingPunct="1">
-        <a:defRPr sz="1488" kern="1200">
+      <a:lvl9pPr marL="3023870" algn="l" defTabSz="755650" rtl="0" eaLnBrk="1" latinLnBrk="0" hangingPunct="1">
+        <a:defRPr sz="1490" kern="1200">
           <a:solidFill>
             <a:schemeClr val="tx1"/>
           </a:solidFill>
@@ -2975,13 +2915,7 @@
       </p:grpSpPr>
       <p:sp>
         <p:nvSpPr>
-          <p:cNvPr id="4" name="Rectangle 3">
-            <a:extLst>
-              <a:ext uri="{FF2B5EF4-FFF2-40B4-BE49-F238E27FC236}">
-                <a16:creationId xmlns:a16="http://schemas.microsoft.com/office/drawing/2014/main" id="{255C4DAE-3FE8-FEAB-9677-88CC26084F36}"/>
-              </a:ext>
-            </a:extLst>
-          </p:cNvPr>
+          <p:cNvPr id="4" name="Rectangle 3"/>
           <p:cNvSpPr/>
           <p:nvPr/>
         </p:nvSpPr>
@@ -3031,20 +2965,14 @@
       </p:sp>
       <p:sp>
         <p:nvSpPr>
-          <p:cNvPr id="8" name="Rectangle: Rounded Corners 7">
-            <a:extLst>
-              <a:ext uri="{FF2B5EF4-FFF2-40B4-BE49-F238E27FC236}">
-                <a16:creationId xmlns:a16="http://schemas.microsoft.com/office/drawing/2014/main" id="{E4E6A87B-509F-F097-FC23-809808BA6469}"/>
-              </a:ext>
-            </a:extLst>
-          </p:cNvPr>
+          <p:cNvPr id="8" name="Rectangle: Rounded Corners 7"/>
           <p:cNvSpPr/>
           <p:nvPr/>
         </p:nvSpPr>
         <p:spPr>
           <a:xfrm>
-            <a:off x="211012" y="1070695"/>
-            <a:ext cx="3522517" cy="4170871"/>
+            <a:off x="205526" y="2594660"/>
+            <a:ext cx="3522517" cy="2058585"/>
           </a:xfrm>
           <a:prstGeom prst="roundRect">
             <a:avLst>
@@ -3079,13 +3007,7 @@
       </p:sp>
       <p:sp>
         <p:nvSpPr>
-          <p:cNvPr id="9" name="Rectangle: Rounded Corners 8">
-            <a:extLst>
-              <a:ext uri="{FF2B5EF4-FFF2-40B4-BE49-F238E27FC236}">
-                <a16:creationId xmlns:a16="http://schemas.microsoft.com/office/drawing/2014/main" id="{4D8ECBCF-7318-99DD-4267-C13292E03984}"/>
-              </a:ext>
-            </a:extLst>
-          </p:cNvPr>
+          <p:cNvPr id="9" name="Rectangle: Rounded Corners 8"/>
           <p:cNvSpPr/>
           <p:nvPr/>
         </p:nvSpPr>
@@ -3127,13 +3049,7 @@
       </p:sp>
       <p:sp>
         <p:nvSpPr>
-          <p:cNvPr id="10" name="Rectangle: Rounded Corners 9">
-            <a:extLst>
-              <a:ext uri="{FF2B5EF4-FFF2-40B4-BE49-F238E27FC236}">
-                <a16:creationId xmlns:a16="http://schemas.microsoft.com/office/drawing/2014/main" id="{80D168F7-2F01-4116-6D96-4F77765B9922}"/>
-              </a:ext>
-            </a:extLst>
-          </p:cNvPr>
+          <p:cNvPr id="10" name="Rectangle: Rounded Corners 9"/>
           <p:cNvSpPr/>
           <p:nvPr/>
         </p:nvSpPr>
@@ -3175,20 +3091,14 @@
       </p:sp>
       <p:sp>
         <p:nvSpPr>
-          <p:cNvPr id="11" name="Rectangle: Rounded Corners 10">
-            <a:extLst>
-              <a:ext uri="{FF2B5EF4-FFF2-40B4-BE49-F238E27FC236}">
-                <a16:creationId xmlns:a16="http://schemas.microsoft.com/office/drawing/2014/main" id="{37537C17-98DD-3F8F-A6EE-C5F1BBBBEF2D}"/>
-              </a:ext>
-            </a:extLst>
-          </p:cNvPr>
+          <p:cNvPr id="11" name="Rectangle: Rounded Corners 10"/>
           <p:cNvSpPr/>
           <p:nvPr/>
         </p:nvSpPr>
         <p:spPr>
           <a:xfrm>
-            <a:off x="3826146" y="7730836"/>
-            <a:ext cx="3522517" cy="1890282"/>
+            <a:off x="3826146" y="8481096"/>
+            <a:ext cx="3522517" cy="1140022"/>
           </a:xfrm>
           <a:prstGeom prst="roundRect">
             <a:avLst>
@@ -3223,13 +3133,7 @@
       </p:sp>
       <p:sp>
         <p:nvSpPr>
-          <p:cNvPr id="12" name="Rectangle: Rounded Corners 11">
-            <a:extLst>
-              <a:ext uri="{FF2B5EF4-FFF2-40B4-BE49-F238E27FC236}">
-                <a16:creationId xmlns:a16="http://schemas.microsoft.com/office/drawing/2014/main" id="{9EFA3976-534F-CA66-8830-862DB22F5722}"/>
-              </a:ext>
-            </a:extLst>
-          </p:cNvPr>
+          <p:cNvPr id="12" name="Rectangle: Rounded Corners 11"/>
           <p:cNvSpPr/>
           <p:nvPr/>
         </p:nvSpPr>
@@ -3271,13 +3175,7 @@
       </p:sp>
       <p:sp>
         <p:nvSpPr>
-          <p:cNvPr id="13" name="Rectangle: Rounded Corners 12">
-            <a:extLst>
-              <a:ext uri="{FF2B5EF4-FFF2-40B4-BE49-F238E27FC236}">
-                <a16:creationId xmlns:a16="http://schemas.microsoft.com/office/drawing/2014/main" id="{D66F1513-2FB0-3359-2A6E-0DFF9D7F080F}"/>
-              </a:ext>
-            </a:extLst>
-          </p:cNvPr>
+          <p:cNvPr id="13" name="Rectangle: Rounded Corners 12"/>
           <p:cNvSpPr/>
           <p:nvPr/>
         </p:nvSpPr>
@@ -3319,20 +3217,14 @@
       </p:sp>
       <p:pic>
         <p:nvPicPr>
-          <p:cNvPr id="7" name="Picture 6" descr="A black background with white text&#10;&#10;AI-generated content may be incorrect.">
-            <a:extLst>
-              <a:ext uri="{FF2B5EF4-FFF2-40B4-BE49-F238E27FC236}">
-                <a16:creationId xmlns:a16="http://schemas.microsoft.com/office/drawing/2014/main" id="{22B7B7C5-F66D-9993-EBA4-15BB2663F2A4}"/>
-              </a:ext>
-            </a:extLst>
-          </p:cNvPr>
+          <p:cNvPr id="7" name="Picture 6" descr="A black background with white text&#10;&#10;AI-generated content may be incorrect."/>
           <p:cNvPicPr>
             <a:picLocks noChangeAspect="1"/>
           </p:cNvPicPr>
           <p:nvPr/>
         </p:nvPicPr>
         <p:blipFill>
-          <a:blip r:embed="rId2">
+          <a:blip r:embed="rId2" cstate="print">
             <a:extLst>
               <a:ext uri="{28A0092B-C50C-407E-A947-70E740481C1C}">
                 <a14:useLocalDpi xmlns:a14="http://schemas.microsoft.com/office/drawing/2010/main" val="0"/>
@@ -3355,20 +3247,14 @@
       </p:pic>
       <p:sp>
         <p:nvSpPr>
-          <p:cNvPr id="14" name="TextBox 13">
-            <a:extLst>
-              <a:ext uri="{FF2B5EF4-FFF2-40B4-BE49-F238E27FC236}">
-                <a16:creationId xmlns:a16="http://schemas.microsoft.com/office/drawing/2014/main" id="{199DBD11-D1A4-F166-6B75-1AC71C440477}"/>
-              </a:ext>
-            </a:extLst>
-          </p:cNvPr>
+          <p:cNvPr id="14" name="TextBox 13"/>
           <p:cNvSpPr txBox="1"/>
           <p:nvPr/>
         </p:nvSpPr>
         <p:spPr>
           <a:xfrm>
-            <a:off x="238054" y="1218840"/>
-            <a:ext cx="3495475" cy="4524315"/>
+            <a:off x="232568" y="2742805"/>
+            <a:ext cx="3495475" cy="1292662"/>
           </a:xfrm>
           <a:prstGeom prst="rect">
             <a:avLst/>
@@ -3391,7 +3277,7 @@
             </a:r>
           </a:p>
           <a:p>
-            <a:endParaRPr lang="en-GB" sz="1200" b="1" dirty="0">
+            <a:endParaRPr lang="en-GB" sz="1000" b="1" dirty="0">
               <a:latin typeface="Calibri Light" panose="020F0302020204030204" pitchFamily="34" charset="0"/>
               <a:ea typeface="Anonymous Pro" panose="02060609030202000504" pitchFamily="49" charset="0"/>
               <a:cs typeface="Calibri Light" panose="020F0302020204030204" pitchFamily="34" charset="0"/>
@@ -3399,16 +3285,16 @@
           </a:p>
           <a:p>
             <a:r>
-              <a:rPr lang="en-GB" sz="1200" b="1" dirty="0">
+              <a:rPr lang="en-GB" sz="800" dirty="0">
                 <a:latin typeface="Calibri Light" panose="020F0302020204030204" pitchFamily="34" charset="0"/>
                 <a:ea typeface="Anonymous Pro" panose="02060609030202000504" pitchFamily="49" charset="0"/>
                 <a:cs typeface="Calibri Light" panose="020F0302020204030204" pitchFamily="34" charset="0"/>
               </a:rPr>
-              <a:t>Games preservation is the act of preserving games, games systems and their files. Games preservation as a practice can be done preserving the contents of the games asset files for further use and remastering. </a:t>
-            </a:r>
-          </a:p>
-          <a:p>
-            <a:endParaRPr lang="en-GB" sz="1200" b="1" dirty="0">
+              <a:t>As Games become older there is less investment from their creators due to weakening cashflows, as a result they go obsolete. This makes games preservation vital in making it so these games do not go obsolete.</a:t>
+            </a:r>
+          </a:p>
+          <a:p>
+            <a:endParaRPr lang="en-GB" sz="800" dirty="0">
               <a:latin typeface="Calibri Light" panose="020F0302020204030204" pitchFamily="34" charset="0"/>
               <a:ea typeface="Anonymous Pro" panose="02060609030202000504" pitchFamily="49" charset="0"/>
               <a:cs typeface="Calibri Light" panose="020F0302020204030204" pitchFamily="34" charset="0"/>
@@ -3416,172 +3302,19 @@
           </a:p>
           <a:p>
             <a:r>
-              <a:rPr lang="en-GB" sz="1200" b="1" dirty="0">
+              <a:rPr lang="en-GB" sz="800" dirty="0">
                 <a:latin typeface="Calibri Light" panose="020F0302020204030204" pitchFamily="34" charset="0"/>
                 <a:ea typeface="Anonymous Pro" panose="02060609030202000504" pitchFamily="49" charset="0"/>
                 <a:cs typeface="Calibri Light" panose="020F0302020204030204" pitchFamily="34" charset="0"/>
               </a:rPr>
-              <a:t>This was the aim of the report, to reverse engineer files and convert them into contemporary file formats.</a:t>
-            </a:r>
-            <a:br>
-              <a:rPr lang="en-GB" sz="1200" b="1" dirty="0">
-                <a:latin typeface="Calibri Light" panose="020F0302020204030204" pitchFamily="34" charset="0"/>
-                <a:ea typeface="Anonymous Pro" panose="02060609030202000504" pitchFamily="49" charset="0"/>
-                <a:cs typeface="Calibri Light" panose="020F0302020204030204" pitchFamily="34" charset="0"/>
-              </a:rPr>
-            </a:br>
-            <a:endParaRPr lang="en-GB" sz="1200" b="1" dirty="0">
-              <a:latin typeface="Calibri Light" panose="020F0302020204030204" pitchFamily="34" charset="0"/>
-              <a:ea typeface="Anonymous Pro" panose="02060609030202000504" pitchFamily="49" charset="0"/>
-              <a:cs typeface="Calibri Light" panose="020F0302020204030204" pitchFamily="34" charset="0"/>
-            </a:endParaRPr>
-          </a:p>
-          <a:p>
-            <a:endParaRPr lang="en-GB" sz="1200" b="1" dirty="0">
-              <a:latin typeface="Calibri Light" panose="020F0302020204030204" pitchFamily="34" charset="0"/>
-              <a:ea typeface="Anonymous Pro" panose="02060609030202000504" pitchFamily="49" charset="0"/>
-              <a:cs typeface="Calibri Light" panose="020F0302020204030204" pitchFamily="34" charset="0"/>
-            </a:endParaRPr>
-          </a:p>
-          <a:p>
-            <a:r>
-              <a:rPr lang="en-GB" sz="1200" b="1" dirty="0">
-                <a:latin typeface="Calibri Light" panose="020F0302020204030204" pitchFamily="34" charset="0"/>
-                <a:ea typeface="Anonymous Pro" panose="02060609030202000504" pitchFamily="49" charset="0"/>
-                <a:cs typeface="Calibri Light" panose="020F0302020204030204" pitchFamily="34" charset="0"/>
-              </a:rPr>
-              <a:t>This was done to the </a:t>
-            </a:r>
-            <a:r>
-              <a:rPr lang="en-GB" sz="1200" b="1" dirty="0" err="1">
-                <a:latin typeface="Calibri Light" panose="020F0302020204030204" pitchFamily="34" charset="0"/>
-                <a:ea typeface="Anonymous Pro" panose="02060609030202000504" pitchFamily="49" charset="0"/>
-                <a:cs typeface="Calibri Light" panose="020F0302020204030204" pitchFamily="34" charset="0"/>
-              </a:rPr>
-              <a:t>simpsons</a:t>
-            </a:r>
-            <a:r>
-              <a:rPr lang="en-GB" sz="1200" b="1" dirty="0">
-                <a:latin typeface="Calibri Light" panose="020F0302020204030204" pitchFamily="34" charset="0"/>
-                <a:ea typeface="Anonymous Pro" panose="02060609030202000504" pitchFamily="49" charset="0"/>
-                <a:cs typeface="Calibri Light" panose="020F0302020204030204" pitchFamily="34" charset="0"/>
-              </a:rPr>
-              <a:t> game 2008, the chosen files were .Str files and the model geometry files .</a:t>
-            </a:r>
-            <a:r>
-              <a:rPr lang="en-GB" sz="1200" b="1" dirty="0" err="1">
-                <a:latin typeface="Calibri Light" panose="020F0302020204030204" pitchFamily="34" charset="0"/>
-                <a:ea typeface="Anonymous Pro" panose="02060609030202000504" pitchFamily="49" charset="0"/>
-                <a:cs typeface="Calibri Light" panose="020F0302020204030204" pitchFamily="34" charset="0"/>
-              </a:rPr>
-              <a:t>Rws</a:t>
-            </a:r>
-            <a:r>
-              <a:rPr lang="en-GB" sz="1200" b="1" dirty="0">
-                <a:latin typeface="Calibri Light" panose="020F0302020204030204" pitchFamily="34" charset="0"/>
-                <a:ea typeface="Anonymous Pro" panose="02060609030202000504" pitchFamily="49" charset="0"/>
-                <a:cs typeface="Calibri Light" panose="020F0302020204030204" pitchFamily="34" charset="0"/>
-              </a:rPr>
-              <a:t> and .</a:t>
-            </a:r>
-            <a:r>
-              <a:rPr lang="en-GB" sz="1200" b="1" dirty="0" err="1">
-                <a:latin typeface="Calibri Light" panose="020F0302020204030204" pitchFamily="34" charset="0"/>
-                <a:ea typeface="Anonymous Pro" panose="02060609030202000504" pitchFamily="49" charset="0"/>
-                <a:cs typeface="Calibri Light" panose="020F0302020204030204" pitchFamily="34" charset="0"/>
-              </a:rPr>
-              <a:t>Dff</a:t>
-            </a:r>
-            <a:r>
-              <a:rPr lang="en-GB" sz="1200" b="1" dirty="0">
-                <a:latin typeface="Calibri Light" panose="020F0302020204030204" pitchFamily="34" charset="0"/>
-                <a:ea typeface="Anonymous Pro" panose="02060609030202000504" pitchFamily="49" charset="0"/>
-                <a:cs typeface="Calibri Light" panose="020F0302020204030204" pitchFamily="34" charset="0"/>
-              </a:rPr>
-              <a:t> files</a:t>
-            </a:r>
-          </a:p>
-          <a:p>
-            <a:endParaRPr lang="en-GB" sz="1200" b="1" dirty="0">
-              <a:latin typeface="Calibri Light" panose="020F0302020204030204" pitchFamily="34" charset="0"/>
-              <a:ea typeface="Anonymous Pro" panose="02060609030202000504" pitchFamily="49" charset="0"/>
-              <a:cs typeface="Calibri Light" panose="020F0302020204030204" pitchFamily="34" charset="0"/>
-            </a:endParaRPr>
-          </a:p>
-          <a:p>
-            <a:endParaRPr lang="en-GB" sz="1200" b="1" dirty="0">
-              <a:latin typeface="Calibri Light" panose="020F0302020204030204" pitchFamily="34" charset="0"/>
-              <a:ea typeface="Anonymous Pro" panose="02060609030202000504" pitchFamily="49" charset="0"/>
-              <a:cs typeface="Calibri Light" panose="020F0302020204030204" pitchFamily="34" charset="0"/>
-            </a:endParaRPr>
-          </a:p>
-          <a:p>
-            <a:endParaRPr lang="en-GB" sz="1200" b="1" dirty="0">
-              <a:latin typeface="Calibri Light" panose="020F0302020204030204" pitchFamily="34" charset="0"/>
-              <a:ea typeface="Anonymous Pro" panose="02060609030202000504" pitchFamily="49" charset="0"/>
-              <a:cs typeface="Calibri Light" panose="020F0302020204030204" pitchFamily="34" charset="0"/>
-            </a:endParaRPr>
-          </a:p>
-          <a:p>
-            <a:endParaRPr lang="en-GB" sz="1200" b="1" dirty="0">
-              <a:latin typeface="Calibri Light" panose="020F0302020204030204" pitchFamily="34" charset="0"/>
-              <a:ea typeface="Anonymous Pro" panose="02060609030202000504" pitchFamily="49" charset="0"/>
-              <a:cs typeface="Calibri Light" panose="020F0302020204030204" pitchFamily="34" charset="0"/>
-            </a:endParaRPr>
-          </a:p>
-          <a:p>
-            <a:endParaRPr lang="en-GB" sz="1200" b="1" dirty="0">
-              <a:latin typeface="Calibri Light" panose="020F0302020204030204" pitchFamily="34" charset="0"/>
-              <a:ea typeface="Anonymous Pro" panose="02060609030202000504" pitchFamily="49" charset="0"/>
-              <a:cs typeface="Calibri Light" panose="020F0302020204030204" pitchFamily="34" charset="0"/>
-            </a:endParaRPr>
-          </a:p>
-          <a:p>
-            <a:endParaRPr lang="en-GB" sz="1200" b="1" dirty="0">
-              <a:latin typeface="Calibri Light" panose="020F0302020204030204" pitchFamily="34" charset="0"/>
-              <a:ea typeface="Anonymous Pro" panose="02060609030202000504" pitchFamily="49" charset="0"/>
-              <a:cs typeface="Calibri Light" panose="020F0302020204030204" pitchFamily="34" charset="0"/>
-            </a:endParaRPr>
-          </a:p>
-          <a:p>
-            <a:endParaRPr lang="en-GB" sz="1200" b="1" dirty="0">
-              <a:latin typeface="Calibri Light" panose="020F0302020204030204" pitchFamily="34" charset="0"/>
-              <a:ea typeface="Anonymous Pro" panose="02060609030202000504" pitchFamily="49" charset="0"/>
-              <a:cs typeface="Calibri Light" panose="020F0302020204030204" pitchFamily="34" charset="0"/>
-            </a:endParaRPr>
-          </a:p>
-          <a:p>
-            <a:endParaRPr lang="en-GB" sz="1200" b="1" dirty="0">
-              <a:latin typeface="Calibri Light" panose="020F0302020204030204" pitchFamily="34" charset="0"/>
-              <a:ea typeface="Anonymous Pro" panose="02060609030202000504" pitchFamily="49" charset="0"/>
-              <a:cs typeface="Calibri Light" panose="020F0302020204030204" pitchFamily="34" charset="0"/>
-            </a:endParaRPr>
-          </a:p>
-          <a:p>
-            <a:endParaRPr lang="en-GB" sz="1200" b="1" dirty="0">
-              <a:latin typeface="Calibri Light" panose="020F0302020204030204" pitchFamily="34" charset="0"/>
-              <a:ea typeface="Anonymous Pro" panose="02060609030202000504" pitchFamily="49" charset="0"/>
-              <a:cs typeface="Calibri Light" panose="020F0302020204030204" pitchFamily="34" charset="0"/>
-            </a:endParaRPr>
-          </a:p>
-          <a:p>
-            <a:endParaRPr lang="en-GB" sz="1200" b="1" dirty="0">
-              <a:latin typeface="Calibri Light" panose="020F0302020204030204" pitchFamily="34" charset="0"/>
-              <a:ea typeface="Anonymous Pro" panose="02060609030202000504" pitchFamily="49" charset="0"/>
-              <a:cs typeface="Calibri Light" panose="020F0302020204030204" pitchFamily="34" charset="0"/>
-            </a:endParaRPr>
-          </a:p>
-        </p:txBody>
-      </p:sp>
-      <p:sp>
-        <p:nvSpPr>
-          <p:cNvPr id="15" name="TextBox 14">
-            <a:extLst>
-              <a:ext uri="{FF2B5EF4-FFF2-40B4-BE49-F238E27FC236}">
-                <a16:creationId xmlns:a16="http://schemas.microsoft.com/office/drawing/2014/main" id="{4C427A68-1B0A-2E04-F465-85FEE6B38E08}"/>
-              </a:ext>
-            </a:extLst>
-          </p:cNvPr>
+              <a:t>Games preservation is the act of preserving games, games systems and their files. Games preservation as a practice can be done through preserving the contents of the game asset files for further use. </a:t>
+            </a:r>
+          </a:p>
+        </p:txBody>
+      </p:sp>
+      <p:sp>
+        <p:nvSpPr>
+          <p:cNvPr id="15" name="TextBox 14"/>
           <p:cNvSpPr txBox="1"/>
           <p:nvPr/>
         </p:nvSpPr>
@@ -5279,20 +5012,14 @@
       </p:sp>
       <p:sp>
         <p:nvSpPr>
-          <p:cNvPr id="16" name="TextBox 15">
-            <a:extLst>
-              <a:ext uri="{FF2B5EF4-FFF2-40B4-BE49-F238E27FC236}">
-                <a16:creationId xmlns:a16="http://schemas.microsoft.com/office/drawing/2014/main" id="{3A040124-6825-3CD6-DB07-CA0FDAFAD129}"/>
-              </a:ext>
-            </a:extLst>
-          </p:cNvPr>
+          <p:cNvPr id="16" name="TextBox 15"/>
           <p:cNvSpPr txBox="1"/>
           <p:nvPr/>
         </p:nvSpPr>
         <p:spPr>
           <a:xfrm>
             <a:off x="3855931" y="1218840"/>
-            <a:ext cx="3495475" cy="4339650"/>
+            <a:ext cx="3495475" cy="5139869"/>
           </a:xfrm>
           <a:prstGeom prst="rect">
             <a:avLst/>
@@ -5322,6 +5049,110 @@
             </a:endParaRPr>
           </a:p>
           <a:p>
+            <a:r>
+              <a:rPr lang="en-GB" sz="800" dirty="0">
+                <a:latin typeface="Calibri Light" panose="020F0302020204030204" pitchFamily="34" charset="0"/>
+                <a:ea typeface="Anonymous Pro" panose="02060609030202000504" pitchFamily="49" charset="0"/>
+                <a:cs typeface="Calibri Light" panose="020F0302020204030204" pitchFamily="34" charset="0"/>
+              </a:rPr>
+              <a:t>Each .Str file had its syntax profile built through static analysis, </a:t>
+            </a:r>
+            <a:r>
+              <a:rPr lang="en-GB" sz="800" dirty="0" err="1">
+                <a:latin typeface="Calibri Light" panose="020F0302020204030204" pitchFamily="34" charset="0"/>
+                <a:ea typeface="Anonymous Pro" panose="02060609030202000504" pitchFamily="49" charset="0"/>
+                <a:cs typeface="Calibri Light" panose="020F0302020204030204" pitchFamily="34" charset="0"/>
+              </a:rPr>
+              <a:t>i.e</a:t>
+            </a:r>
+            <a:r>
+              <a:rPr lang="en-GB" sz="800" dirty="0">
+                <a:latin typeface="Calibri Light" panose="020F0302020204030204" pitchFamily="34" charset="0"/>
+                <a:ea typeface="Anonymous Pro" panose="02060609030202000504" pitchFamily="49" charset="0"/>
+                <a:cs typeface="Calibri Light" panose="020F0302020204030204" pitchFamily="34" charset="0"/>
+              </a:rPr>
+              <a:t> reading the file as raw binary in a hex editor to discern patters, the profile was built, and code was written to read in the files. Each Section in the .Str files were decompressed and its contents exported.</a:t>
+            </a:r>
+          </a:p>
+          <a:p>
+            <a:endParaRPr lang="en-GB" sz="800" dirty="0">
+              <a:latin typeface="Calibri Light" panose="020F0302020204030204" pitchFamily="34" charset="0"/>
+              <a:ea typeface="Anonymous Pro" panose="02060609030202000504" pitchFamily="49" charset="0"/>
+              <a:cs typeface="Calibri Light" panose="020F0302020204030204" pitchFamily="34" charset="0"/>
+            </a:endParaRPr>
+          </a:p>
+          <a:p>
+            <a:r>
+              <a:rPr lang="en-GB" sz="800" dirty="0">
+                <a:latin typeface="Calibri Light" panose="020F0302020204030204" pitchFamily="34" charset="0"/>
+                <a:ea typeface="Anonymous Pro" panose="02060609030202000504" pitchFamily="49" charset="0"/>
+                <a:cs typeface="Calibri Light" panose="020F0302020204030204" pitchFamily="34" charset="0"/>
+              </a:rPr>
+              <a:t>The data was read into lists to be exported as subfiles, each individual sub file was determined ,via their extension, if they were a geometry file </a:t>
+            </a:r>
+            <a:r>
+              <a:rPr lang="en-GB" sz="800" dirty="0" err="1">
+                <a:latin typeface="Calibri Light" panose="020F0302020204030204" pitchFamily="34" charset="0"/>
+                <a:ea typeface="Anonymous Pro" panose="02060609030202000504" pitchFamily="49" charset="0"/>
+                <a:cs typeface="Calibri Light" panose="020F0302020204030204" pitchFamily="34" charset="0"/>
+              </a:rPr>
+              <a:t>i.e</a:t>
+            </a:r>
+            <a:r>
+              <a:rPr lang="en-GB" sz="800" dirty="0">
+                <a:latin typeface="Calibri Light" panose="020F0302020204030204" pitchFamily="34" charset="0"/>
+                <a:ea typeface="Anonymous Pro" panose="02060609030202000504" pitchFamily="49" charset="0"/>
+                <a:cs typeface="Calibri Light" panose="020F0302020204030204" pitchFamily="34" charset="0"/>
+              </a:rPr>
+              <a:t> .</a:t>
+            </a:r>
+            <a:r>
+              <a:rPr lang="en-GB" sz="800" dirty="0" err="1">
+                <a:latin typeface="Calibri Light" panose="020F0302020204030204" pitchFamily="34" charset="0"/>
+                <a:ea typeface="Anonymous Pro" panose="02060609030202000504" pitchFamily="49" charset="0"/>
+                <a:cs typeface="Calibri Light" panose="020F0302020204030204" pitchFamily="34" charset="0"/>
+              </a:rPr>
+              <a:t>Rws</a:t>
+            </a:r>
+            <a:r>
+              <a:rPr lang="en-GB" sz="800" dirty="0">
+                <a:latin typeface="Calibri Light" panose="020F0302020204030204" pitchFamily="34" charset="0"/>
+                <a:ea typeface="Anonymous Pro" panose="02060609030202000504" pitchFamily="49" charset="0"/>
+                <a:cs typeface="Calibri Light" panose="020F0302020204030204" pitchFamily="34" charset="0"/>
+              </a:rPr>
+              <a:t> and .</a:t>
+            </a:r>
+            <a:r>
+              <a:rPr lang="en-GB" sz="800" dirty="0" err="1">
+                <a:latin typeface="Calibri Light" panose="020F0302020204030204" pitchFamily="34" charset="0"/>
+                <a:ea typeface="Anonymous Pro" panose="02060609030202000504" pitchFamily="49" charset="0"/>
+                <a:cs typeface="Calibri Light" panose="020F0302020204030204" pitchFamily="34" charset="0"/>
+              </a:rPr>
+              <a:t>Dff</a:t>
+            </a:r>
+            <a:r>
+              <a:rPr lang="en-GB" sz="800" dirty="0">
+                <a:latin typeface="Calibri Light" panose="020F0302020204030204" pitchFamily="34" charset="0"/>
+                <a:ea typeface="Anonymous Pro" panose="02060609030202000504" pitchFamily="49" charset="0"/>
+                <a:cs typeface="Calibri Light" panose="020F0302020204030204" pitchFamily="34" charset="0"/>
+              </a:rPr>
+              <a:t>. Each geometry file had its header understood, </a:t>
+            </a:r>
+            <a:r>
+              <a:rPr lang="en-GB" sz="800" dirty="0" err="1">
+                <a:latin typeface="Calibri Light" panose="020F0302020204030204" pitchFamily="34" charset="0"/>
+                <a:ea typeface="Anonymous Pro" panose="02060609030202000504" pitchFamily="49" charset="0"/>
+                <a:cs typeface="Calibri Light" panose="020F0302020204030204" pitchFamily="34" charset="0"/>
+              </a:rPr>
+              <a:t>profi</a:t>
+            </a:r>
+            <a:endParaRPr lang="en-GB" sz="800" dirty="0">
+              <a:latin typeface="Calibri Light" panose="020F0302020204030204" pitchFamily="34" charset="0"/>
+              <a:ea typeface="Anonymous Pro" panose="02060609030202000504" pitchFamily="49" charset="0"/>
+              <a:cs typeface="Calibri Light" panose="020F0302020204030204" pitchFamily="34" charset="0"/>
+            </a:endParaRPr>
+          </a:p>
+          <a:p>
             <a:endParaRPr lang="en-GB" sz="1200" b="1" dirty="0">
               <a:latin typeface="Calibri Light" panose="020F0302020204030204" pitchFamily="34" charset="0"/>
               <a:ea typeface="Anonymous Pro" panose="02060609030202000504" pitchFamily="49" charset="0"/>
@@ -5461,31 +5292,18 @@
               <a:cs typeface="Calibri Light" panose="020F0302020204030204" pitchFamily="34" charset="0"/>
             </a:endParaRPr>
           </a:p>
-          <a:p>
-            <a:endParaRPr lang="en-GB" sz="1200" b="1" dirty="0">
-              <a:latin typeface="Calibri Light" panose="020F0302020204030204" pitchFamily="34" charset="0"/>
-              <a:ea typeface="Anonymous Pro" panose="02060609030202000504" pitchFamily="49" charset="0"/>
-              <a:cs typeface="Calibri Light" panose="020F0302020204030204" pitchFamily="34" charset="0"/>
-            </a:endParaRPr>
-          </a:p>
-        </p:txBody>
-      </p:sp>
-      <p:sp>
-        <p:nvSpPr>
-          <p:cNvPr id="17" name="TextBox 16">
-            <a:extLst>
-              <a:ext uri="{FF2B5EF4-FFF2-40B4-BE49-F238E27FC236}">
-                <a16:creationId xmlns:a16="http://schemas.microsoft.com/office/drawing/2014/main" id="{FDD81028-1C02-AD06-B87B-853F5CD0A0E1}"/>
-              </a:ext>
-            </a:extLst>
-          </p:cNvPr>
+        </p:txBody>
+      </p:sp>
+      <p:sp>
+        <p:nvSpPr>
+          <p:cNvPr id="17" name="TextBox 16"/>
           <p:cNvSpPr txBox="1"/>
           <p:nvPr/>
         </p:nvSpPr>
         <p:spPr>
           <a:xfrm>
             <a:off x="205526" y="5520890"/>
-            <a:ext cx="3495475" cy="4524315"/>
+            <a:ext cx="3495475" cy="5232202"/>
           </a:xfrm>
           <a:prstGeom prst="rect">
             <a:avLst/>
@@ -5508,6 +5326,166 @@
             </a:r>
           </a:p>
           <a:p>
+            <a:endParaRPr lang="en-GB" sz="1000" dirty="0">
+              <a:latin typeface="Calibri Light" panose="020F0302020204030204" pitchFamily="34" charset="0"/>
+              <a:ea typeface="Anonymous Pro" panose="02060609030202000504" pitchFamily="49" charset="0"/>
+              <a:cs typeface="Calibri Light" panose="020F0302020204030204" pitchFamily="34" charset="0"/>
+            </a:endParaRPr>
+          </a:p>
+          <a:p>
+            <a:r>
+              <a:rPr lang="en-GB" sz="800" dirty="0">
+                <a:latin typeface="Calibri Light" panose="020F0302020204030204" pitchFamily="34" charset="0"/>
+                <a:ea typeface="Anonymous Pro" panose="02060609030202000504" pitchFamily="49" charset="0"/>
+                <a:cs typeface="Calibri Light" panose="020F0302020204030204" pitchFamily="34" charset="0"/>
+              </a:rPr>
+              <a:t>The results were the successful conversion of the .Str/.</a:t>
+            </a:r>
+            <a:r>
+              <a:rPr lang="en-GB" sz="800" dirty="0" err="1">
+                <a:latin typeface="Calibri Light" panose="020F0302020204030204" pitchFamily="34" charset="0"/>
+                <a:ea typeface="Anonymous Pro" panose="02060609030202000504" pitchFamily="49" charset="0"/>
+                <a:cs typeface="Calibri Light" panose="020F0302020204030204" pitchFamily="34" charset="0"/>
+              </a:rPr>
+              <a:t>Rws</a:t>
+            </a:r>
+            <a:r>
+              <a:rPr lang="en-GB" sz="800" dirty="0">
+                <a:latin typeface="Calibri Light" panose="020F0302020204030204" pitchFamily="34" charset="0"/>
+                <a:ea typeface="Anonymous Pro" panose="02060609030202000504" pitchFamily="49" charset="0"/>
+                <a:cs typeface="Calibri Light" panose="020F0302020204030204" pitchFamily="34" charset="0"/>
+              </a:rPr>
+              <a:t>/.</a:t>
+            </a:r>
+            <a:r>
+              <a:rPr lang="en-GB" sz="800" dirty="0" err="1">
+                <a:latin typeface="Calibri Light" panose="020F0302020204030204" pitchFamily="34" charset="0"/>
+                <a:ea typeface="Anonymous Pro" panose="02060609030202000504" pitchFamily="49" charset="0"/>
+                <a:cs typeface="Calibri Light" panose="020F0302020204030204" pitchFamily="34" charset="0"/>
+              </a:rPr>
+              <a:t>Dff</a:t>
+            </a:r>
+            <a:r>
+              <a:rPr lang="en-GB" sz="800" dirty="0">
+                <a:latin typeface="Calibri Light" panose="020F0302020204030204" pitchFamily="34" charset="0"/>
+                <a:ea typeface="Anonymous Pro" panose="02060609030202000504" pitchFamily="49" charset="0"/>
+                <a:cs typeface="Calibri Light" panose="020F0302020204030204" pitchFamily="34" charset="0"/>
+              </a:rPr>
+              <a:t> files and the creation of .</a:t>
+            </a:r>
+            <a:r>
+              <a:rPr lang="en-GB" sz="800" dirty="0" err="1">
+                <a:latin typeface="Calibri Light" panose="020F0302020204030204" pitchFamily="34" charset="0"/>
+                <a:ea typeface="Anonymous Pro" panose="02060609030202000504" pitchFamily="49" charset="0"/>
+                <a:cs typeface="Calibri Light" panose="020F0302020204030204" pitchFamily="34" charset="0"/>
+              </a:rPr>
+              <a:t>Obj</a:t>
+            </a:r>
+            <a:r>
+              <a:rPr lang="en-GB" sz="800" dirty="0">
+                <a:latin typeface="Calibri Light" panose="020F0302020204030204" pitchFamily="34" charset="0"/>
+                <a:ea typeface="Anonymous Pro" panose="02060609030202000504" pitchFamily="49" charset="0"/>
+                <a:cs typeface="Calibri Light" panose="020F0302020204030204" pitchFamily="34" charset="0"/>
+              </a:rPr>
+              <a:t> files from .</a:t>
+            </a:r>
+            <a:r>
+              <a:rPr lang="en-GB" sz="800" dirty="0" err="1">
+                <a:latin typeface="Calibri Light" panose="020F0302020204030204" pitchFamily="34" charset="0"/>
+                <a:ea typeface="Anonymous Pro" panose="02060609030202000504" pitchFamily="49" charset="0"/>
+                <a:cs typeface="Calibri Light" panose="020F0302020204030204" pitchFamily="34" charset="0"/>
+              </a:rPr>
+              <a:t>Rws</a:t>
+            </a:r>
+            <a:r>
+              <a:rPr lang="en-GB" sz="800" dirty="0">
+                <a:latin typeface="Calibri Light" panose="020F0302020204030204" pitchFamily="34" charset="0"/>
+                <a:ea typeface="Anonymous Pro" panose="02060609030202000504" pitchFamily="49" charset="0"/>
+                <a:cs typeface="Calibri Light" panose="020F0302020204030204" pitchFamily="34" charset="0"/>
+              </a:rPr>
+              <a:t> and .</a:t>
+            </a:r>
+            <a:r>
+              <a:rPr lang="en-GB" sz="800" dirty="0" err="1">
+                <a:latin typeface="Calibri Light" panose="020F0302020204030204" pitchFamily="34" charset="0"/>
+                <a:ea typeface="Anonymous Pro" panose="02060609030202000504" pitchFamily="49" charset="0"/>
+                <a:cs typeface="Calibri Light" panose="020F0302020204030204" pitchFamily="34" charset="0"/>
+              </a:rPr>
+              <a:t>Dff</a:t>
+            </a:r>
+            <a:r>
+              <a:rPr lang="en-GB" sz="800" dirty="0">
+                <a:latin typeface="Calibri Light" panose="020F0302020204030204" pitchFamily="34" charset="0"/>
+                <a:ea typeface="Anonymous Pro" panose="02060609030202000504" pitchFamily="49" charset="0"/>
+                <a:cs typeface="Calibri Light" panose="020F0302020204030204" pitchFamily="34" charset="0"/>
+              </a:rPr>
+              <a:t> files. These .</a:t>
+            </a:r>
+            <a:r>
+              <a:rPr lang="en-GB" sz="800" dirty="0" err="1">
+                <a:latin typeface="Calibri Light" panose="020F0302020204030204" pitchFamily="34" charset="0"/>
+                <a:ea typeface="Anonymous Pro" panose="02060609030202000504" pitchFamily="49" charset="0"/>
+                <a:cs typeface="Calibri Light" panose="020F0302020204030204" pitchFamily="34" charset="0"/>
+              </a:rPr>
+              <a:t>Objs</a:t>
+            </a:r>
+            <a:r>
+              <a:rPr lang="en-GB" sz="800" dirty="0">
+                <a:latin typeface="Calibri Light" panose="020F0302020204030204" pitchFamily="34" charset="0"/>
+                <a:ea typeface="Anonymous Pro" panose="02060609030202000504" pitchFamily="49" charset="0"/>
+                <a:cs typeface="Calibri Light" panose="020F0302020204030204" pitchFamily="34" charset="0"/>
+              </a:rPr>
+              <a:t> include models from the colossal doughnut, never quest and Kill lawyer's level.</a:t>
+            </a:r>
+          </a:p>
+          <a:p>
+            <a:endParaRPr lang="en-GB" sz="800" dirty="0">
+              <a:latin typeface="Calibri Light" panose="020F0302020204030204" pitchFamily="34" charset="0"/>
+              <a:ea typeface="Anonymous Pro" panose="02060609030202000504" pitchFamily="49" charset="0"/>
+              <a:cs typeface="Calibri Light" panose="020F0302020204030204" pitchFamily="34" charset="0"/>
+            </a:endParaRPr>
+          </a:p>
+          <a:p>
+            <a:r>
+              <a:rPr lang="en-GB" sz="800" dirty="0">
+                <a:latin typeface="Calibri Light" panose="020F0302020204030204" pitchFamily="34" charset="0"/>
+                <a:ea typeface="Anonymous Pro" panose="02060609030202000504" pitchFamily="49" charset="0"/>
+                <a:cs typeface="Calibri Light" panose="020F0302020204030204" pitchFamily="34" charset="0"/>
+              </a:rPr>
+              <a:t>These results were validated through using 3d rendering software </a:t>
+            </a:r>
+            <a:r>
+              <a:rPr lang="en-GB" sz="800" dirty="0" err="1">
+                <a:latin typeface="Calibri Light" panose="020F0302020204030204" pitchFamily="34" charset="0"/>
+                <a:ea typeface="Anonymous Pro" panose="02060609030202000504" pitchFamily="49" charset="0"/>
+                <a:cs typeface="Calibri Light" panose="020F0302020204030204" pitchFamily="34" charset="0"/>
+              </a:rPr>
+              <a:t>i.e</a:t>
+            </a:r>
+            <a:r>
+              <a:rPr lang="en-GB" sz="800" dirty="0">
+                <a:latin typeface="Calibri Light" panose="020F0302020204030204" pitchFamily="34" charset="0"/>
+                <a:ea typeface="Anonymous Pro" panose="02060609030202000504" pitchFamily="49" charset="0"/>
+                <a:cs typeface="Calibri Light" panose="020F0302020204030204" pitchFamily="34" charset="0"/>
+              </a:rPr>
+              <a:t> unreal engine and the inbuilt windows object viewer. There were no graphical artefacts such as error with lighting and geometry. Each file was compared to their in-game counterpart.</a:t>
+            </a:r>
+          </a:p>
+          <a:p>
+            <a:endParaRPr lang="en-GB" sz="1000" dirty="0">
+              <a:latin typeface="Calibri Light" panose="020F0302020204030204" pitchFamily="34" charset="0"/>
+              <a:ea typeface="Anonymous Pro" panose="02060609030202000504" pitchFamily="49" charset="0"/>
+              <a:cs typeface="Calibri Light" panose="020F0302020204030204" pitchFamily="34" charset="0"/>
+            </a:endParaRPr>
+          </a:p>
+          <a:p>
+            <a:endParaRPr lang="en-GB" sz="1000" b="1" dirty="0">
+              <a:latin typeface="Calibri Light" panose="020F0302020204030204" pitchFamily="34" charset="0"/>
+              <a:ea typeface="Anonymous Pro" panose="02060609030202000504" pitchFamily="49" charset="0"/>
+              <a:cs typeface="Calibri Light" panose="020F0302020204030204" pitchFamily="34" charset="0"/>
+            </a:endParaRPr>
+          </a:p>
+          <a:p>
             <a:endParaRPr lang="en-GB" sz="1200" b="1" dirty="0">
               <a:latin typeface="Calibri Light" panose="020F0302020204030204" pitchFamily="34" charset="0"/>
               <a:ea typeface="Anonymous Pro" panose="02060609030202000504" pitchFamily="49" charset="0"/>
@@ -5515,48 +5493,6 @@
             </a:endParaRPr>
           </a:p>
           <a:p>
-            <a:r>
-              <a:rPr lang="en-GB" sz="1200" b="1" dirty="0">
-                <a:latin typeface="Calibri Light" panose="020F0302020204030204" pitchFamily="34" charset="0"/>
-                <a:ea typeface="Anonymous Pro" panose="02060609030202000504" pitchFamily="49" charset="0"/>
-                <a:cs typeface="Calibri Light" panose="020F0302020204030204" pitchFamily="34" charset="0"/>
-              </a:rPr>
-              <a:t>The results were the creation of .</a:t>
-            </a:r>
-            <a:r>
-              <a:rPr lang="en-GB" sz="1200" b="1" dirty="0" err="1">
-                <a:latin typeface="Calibri Light" panose="020F0302020204030204" pitchFamily="34" charset="0"/>
-                <a:ea typeface="Anonymous Pro" panose="02060609030202000504" pitchFamily="49" charset="0"/>
-                <a:cs typeface="Calibri Light" panose="020F0302020204030204" pitchFamily="34" charset="0"/>
-              </a:rPr>
-              <a:t>Obj</a:t>
-            </a:r>
-            <a:r>
-              <a:rPr lang="en-GB" sz="1200" b="1" dirty="0">
-                <a:latin typeface="Calibri Light" panose="020F0302020204030204" pitchFamily="34" charset="0"/>
-                <a:ea typeface="Anonymous Pro" panose="02060609030202000504" pitchFamily="49" charset="0"/>
-                <a:cs typeface="Calibri Light" panose="020F0302020204030204" pitchFamily="34" charset="0"/>
-              </a:rPr>
-              <a:t> files, each .</a:t>
-            </a:r>
-            <a:r>
-              <a:rPr lang="en-GB" sz="1200" b="1" dirty="0" err="1">
-                <a:latin typeface="Calibri Light" panose="020F0302020204030204" pitchFamily="34" charset="0"/>
-                <a:ea typeface="Anonymous Pro" panose="02060609030202000504" pitchFamily="49" charset="0"/>
-                <a:cs typeface="Calibri Light" panose="020F0302020204030204" pitchFamily="34" charset="0"/>
-              </a:rPr>
-              <a:t>Obj</a:t>
-            </a:r>
-            <a:r>
-              <a:rPr lang="en-GB" sz="1200" b="1" dirty="0">
-                <a:latin typeface="Calibri Light" panose="020F0302020204030204" pitchFamily="34" charset="0"/>
-                <a:ea typeface="Anonymous Pro" panose="02060609030202000504" pitchFamily="49" charset="0"/>
-                <a:cs typeface="Calibri Light" panose="020F0302020204030204" pitchFamily="34" charset="0"/>
-              </a:rPr>
-              <a:t> correctly being converted, this was shown through</a:t>
-            </a:r>
-          </a:p>
-          <a:p>
             <a:endParaRPr lang="en-GB" sz="1200" b="1" dirty="0">
               <a:latin typeface="Calibri Light" panose="020F0302020204030204" pitchFamily="34" charset="0"/>
               <a:ea typeface="Anonymous Pro" panose="02060609030202000504" pitchFamily="49" charset="0"/>
@@ -5682,38 +5618,18 @@
               <a:cs typeface="Calibri Light" panose="020F0302020204030204" pitchFamily="34" charset="0"/>
             </a:endParaRPr>
           </a:p>
-          <a:p>
-            <a:endParaRPr lang="en-GB" sz="1200" b="1" dirty="0">
-              <a:latin typeface="Calibri Light" panose="020F0302020204030204" pitchFamily="34" charset="0"/>
-              <a:ea typeface="Anonymous Pro" panose="02060609030202000504" pitchFamily="49" charset="0"/>
-              <a:cs typeface="Calibri Light" panose="020F0302020204030204" pitchFamily="34" charset="0"/>
-            </a:endParaRPr>
-          </a:p>
-          <a:p>
-            <a:endParaRPr lang="en-GB" sz="1200" b="1" dirty="0">
-              <a:latin typeface="Calibri Light" panose="020F0302020204030204" pitchFamily="34" charset="0"/>
-              <a:ea typeface="Anonymous Pro" panose="02060609030202000504" pitchFamily="49" charset="0"/>
-              <a:cs typeface="Calibri Light" panose="020F0302020204030204" pitchFamily="34" charset="0"/>
-            </a:endParaRPr>
-          </a:p>
-        </p:txBody>
-      </p:sp>
-      <p:sp>
-        <p:nvSpPr>
-          <p:cNvPr id="18" name="TextBox 17">
-            <a:extLst>
-              <a:ext uri="{FF2B5EF4-FFF2-40B4-BE49-F238E27FC236}">
-                <a16:creationId xmlns:a16="http://schemas.microsoft.com/office/drawing/2014/main" id="{6A69A0B7-A4D3-46EC-BD6D-3512AA343EB4}"/>
-              </a:ext>
-            </a:extLst>
-          </p:cNvPr>
+        </p:txBody>
+      </p:sp>
+      <p:sp>
+        <p:nvSpPr>
+          <p:cNvPr id="18" name="TextBox 17"/>
           <p:cNvSpPr txBox="1"/>
           <p:nvPr/>
         </p:nvSpPr>
         <p:spPr>
           <a:xfrm>
-            <a:off x="3889240" y="7912958"/>
-            <a:ext cx="3495475" cy="1569660"/>
+            <a:off x="3839666" y="8586685"/>
+            <a:ext cx="3495475" cy="1138773"/>
           </a:xfrm>
           <a:prstGeom prst="rect">
             <a:avLst/>
@@ -5744,12 +5660,29 @@
           </a:p>
           <a:p>
             <a:r>
-              <a:rPr lang="en-GB" sz="1200" b="1" dirty="0">
+              <a:rPr lang="en-GB" sz="800" b="1" dirty="0">
                 <a:latin typeface="Calibri Light" panose="020F0302020204030204" pitchFamily="34" charset="0"/>
                 <a:ea typeface="Anonymous Pro" panose="02060609030202000504" pitchFamily="49" charset="0"/>
                 <a:cs typeface="Calibri Light" panose="020F0302020204030204" pitchFamily="34" charset="0"/>
               </a:rPr>
-              <a:t>The key take aways from this project are the successful reverse engineered files from the Simpsons game 2008.</a:t>
+              <a:t>The key take aways from this project are the successful reverse engineered game asset files from the Simpsons game 2008.</a:t>
+            </a:r>
+          </a:p>
+          <a:p>
+            <a:endParaRPr lang="en-GB" sz="800" b="1" dirty="0">
+              <a:latin typeface="Calibri Light" panose="020F0302020204030204" pitchFamily="34" charset="0"/>
+              <a:ea typeface="Anonymous Pro" panose="02060609030202000504" pitchFamily="49" charset="0"/>
+              <a:cs typeface="Calibri Light" panose="020F0302020204030204" pitchFamily="34" charset="0"/>
+            </a:endParaRPr>
+          </a:p>
+          <a:p>
+            <a:r>
+              <a:rPr lang="en-GB" sz="800" b="1" dirty="0">
+                <a:latin typeface="Calibri Light" panose="020F0302020204030204" pitchFamily="34" charset="0"/>
+                <a:ea typeface="Anonymous Pro" panose="02060609030202000504" pitchFamily="49" charset="0"/>
+                <a:cs typeface="Calibri Light" panose="020F0302020204030204" pitchFamily="34" charset="0"/>
+              </a:rPr>
+              <a:t>That being the </a:t>
             </a:r>
           </a:p>
           <a:p>
@@ -5759,34 +5692,11 @@
               <a:cs typeface="Calibri Light" panose="020F0302020204030204" pitchFamily="34" charset="0"/>
             </a:endParaRPr>
           </a:p>
-          <a:p>
-            <a:r>
-              <a:rPr lang="en-GB" sz="1200" b="1" dirty="0">
-                <a:latin typeface="Calibri Light" panose="020F0302020204030204" pitchFamily="34" charset="0"/>
-                <a:ea typeface="Anonymous Pro" panose="02060609030202000504" pitchFamily="49" charset="0"/>
-                <a:cs typeface="Calibri Light" panose="020F0302020204030204" pitchFamily="34" charset="0"/>
-              </a:rPr>
-              <a:t>That being the </a:t>
-            </a:r>
-          </a:p>
-          <a:p>
-            <a:endParaRPr lang="en-GB" sz="1200" b="1" dirty="0">
-              <a:latin typeface="Calibri Light" panose="020F0302020204030204" pitchFamily="34" charset="0"/>
-              <a:ea typeface="Anonymous Pro" panose="02060609030202000504" pitchFamily="49" charset="0"/>
-              <a:cs typeface="Calibri Light" panose="020F0302020204030204" pitchFamily="34" charset="0"/>
-            </a:endParaRPr>
-          </a:p>
-        </p:txBody>
-      </p:sp>
-      <p:sp>
-        <p:nvSpPr>
-          <p:cNvPr id="19" name="TextBox 18">
-            <a:extLst>
-              <a:ext uri="{FF2B5EF4-FFF2-40B4-BE49-F238E27FC236}">
-                <a16:creationId xmlns:a16="http://schemas.microsoft.com/office/drawing/2014/main" id="{C0B7E579-7D15-D642-55D0-D20D72FA1DF7}"/>
-              </a:ext>
-            </a:extLst>
-          </p:cNvPr>
+        </p:txBody>
+      </p:sp>
+      <p:sp>
+        <p:nvSpPr>
+          <p:cNvPr id="19" name="TextBox 18"/>
           <p:cNvSpPr txBox="1"/>
           <p:nvPr/>
         </p:nvSpPr>
@@ -5821,20 +5731,14 @@
       </p:sp>
       <p:sp>
         <p:nvSpPr>
-          <p:cNvPr id="20" name="TextBox 19">
-            <a:extLst>
-              <a:ext uri="{FF2B5EF4-FFF2-40B4-BE49-F238E27FC236}">
-                <a16:creationId xmlns:a16="http://schemas.microsoft.com/office/drawing/2014/main" id="{BCCB6B6A-9512-9E5D-D386-8B5E2EE877C0}"/>
-              </a:ext>
-            </a:extLst>
-          </p:cNvPr>
+          <p:cNvPr id="20" name="TextBox 19"/>
           <p:cNvSpPr txBox="1"/>
           <p:nvPr/>
         </p:nvSpPr>
         <p:spPr>
           <a:xfrm>
-            <a:off x="5404513" y="694402"/>
-            <a:ext cx="1752191" cy="276999"/>
+            <a:off x="5155565" y="694690"/>
+            <a:ext cx="2000885" cy="275590"/>
           </a:xfrm>
           <a:prstGeom prst="rect">
             <a:avLst/>
@@ -5856,20 +5760,14 @@
       </p:sp>
       <p:sp>
         <p:nvSpPr>
-          <p:cNvPr id="3" name="Rectangle: Rounded Corners 2">
-            <a:extLst>
-              <a:ext uri="{FF2B5EF4-FFF2-40B4-BE49-F238E27FC236}">
-                <a16:creationId xmlns:a16="http://schemas.microsoft.com/office/drawing/2014/main" id="{CB2D1631-D135-B865-6FE5-CA50B2A589AD}"/>
-              </a:ext>
-            </a:extLst>
-          </p:cNvPr>
+          <p:cNvPr id="3" name="Rectangle: Rounded Corners 2"/>
           <p:cNvSpPr/>
           <p:nvPr/>
         </p:nvSpPr>
         <p:spPr>
           <a:xfrm>
-            <a:off x="314634" y="7543800"/>
-            <a:ext cx="3291011" cy="1929173"/>
+            <a:off x="314634" y="8514080"/>
+            <a:ext cx="3285489" cy="958893"/>
           </a:xfrm>
           <a:prstGeom prst="roundRect">
             <a:avLst/>
@@ -5908,13 +5806,7 @@
       </p:sp>
       <p:pic>
         <p:nvPicPr>
-          <p:cNvPr id="2" name="Picture 1" descr="A model of a city&#10;&#10;AI-generated content may be incorrect.">
-            <a:extLst>
-              <a:ext uri="{FF2B5EF4-FFF2-40B4-BE49-F238E27FC236}">
-                <a16:creationId xmlns:a16="http://schemas.microsoft.com/office/drawing/2014/main" id="{D082D622-2859-2EBF-5CAB-ADD90200002C}"/>
-              </a:ext>
-            </a:extLst>
-          </p:cNvPr>
+          <p:cNvPr id="2" name="Picture 1" descr="A model of a city&#10;&#10;AI-generated content may be incorrect."/>
           <p:cNvPicPr>
             <a:picLocks noChangeAspect="1"/>
           </p:cNvPicPr>
@@ -5928,8 +5820,8 @@
         </p:blipFill>
         <p:spPr>
           <a:xfrm>
-            <a:off x="439785" y="8542525"/>
-            <a:ext cx="1347451" cy="768444"/>
+            <a:off x="439785" y="8761079"/>
+            <a:ext cx="977231" cy="523978"/>
           </a:xfrm>
           <a:prstGeom prst="rect">
             <a:avLst/>
@@ -5942,13 +5834,7 @@
       </p:pic>
       <p:pic>
         <p:nvPicPr>
-          <p:cNvPr id="5" name="Picture 4" descr="A grey statue of a cartoon character pointing&#10;&#10;AI-generated content may be incorrect.">
-            <a:extLst>
-              <a:ext uri="{FF2B5EF4-FFF2-40B4-BE49-F238E27FC236}">
-                <a16:creationId xmlns:a16="http://schemas.microsoft.com/office/drawing/2014/main" id="{6FA43477-42C8-7F76-9C7B-D50DB1B90801}"/>
-              </a:ext>
-            </a:extLst>
-          </p:cNvPr>
+          <p:cNvPr id="5" name="Picture 4" descr="A grey statue of a cartoon character pointing&#10;&#10;AI-generated content may be incorrect."/>
           <p:cNvPicPr>
             <a:picLocks noChangeAspect="1"/>
           </p:cNvPicPr>
@@ -5962,8 +5848,8 @@
         </p:blipFill>
         <p:spPr>
           <a:xfrm>
-            <a:off x="1985791" y="7730836"/>
-            <a:ext cx="1347451" cy="1603372"/>
+            <a:off x="2623802" y="8761079"/>
+            <a:ext cx="850918" cy="523978"/>
           </a:xfrm>
           <a:prstGeom prst="rect">
             <a:avLst/>
@@ -5976,13 +5862,7 @@
       </p:pic>
       <p:pic>
         <p:nvPicPr>
-          <p:cNvPr id="6" name="Picture 5" descr="A greyscale shot of a building&#10;&#10;AI-generated content may be incorrect.">
-            <a:extLst>
-              <a:ext uri="{FF2B5EF4-FFF2-40B4-BE49-F238E27FC236}">
-                <a16:creationId xmlns:a16="http://schemas.microsoft.com/office/drawing/2014/main" id="{CAA47EF9-B782-EE66-5CA5-2D92FF267DB4}"/>
-              </a:ext>
-            </a:extLst>
-          </p:cNvPr>
+          <p:cNvPr id="6" name="Picture 5" descr="A greyscale shot of a building&#10;&#10;AI-generated content may be incorrect."/>
           <p:cNvPicPr>
             <a:picLocks noChangeAspect="1"/>
           </p:cNvPicPr>
@@ -5996,8 +5876,8 @@
         </p:blipFill>
         <p:spPr>
           <a:xfrm>
-            <a:off x="470345" y="7730836"/>
-            <a:ext cx="1316892" cy="706100"/>
+            <a:off x="1497176" y="8761079"/>
+            <a:ext cx="977230" cy="523978"/>
           </a:xfrm>
           <a:prstGeom prst="rect">
             <a:avLst/>
@@ -6010,20 +5890,14 @@
       </p:pic>
       <p:sp>
         <p:nvSpPr>
-          <p:cNvPr id="21" name="Rectangle: Rounded Corners 20">
-            <a:extLst>
-              <a:ext uri="{FF2B5EF4-FFF2-40B4-BE49-F238E27FC236}">
-                <a16:creationId xmlns:a16="http://schemas.microsoft.com/office/drawing/2014/main" id="{1E7F5D03-2ECE-4986-BA02-F80E4FB0E78D}"/>
-              </a:ext>
-            </a:extLst>
-          </p:cNvPr>
+          <p:cNvPr id="21" name="Rectangle: Rounded Corners 20"/>
           <p:cNvSpPr/>
           <p:nvPr/>
         </p:nvSpPr>
         <p:spPr>
           <a:xfrm>
-            <a:off x="3888457" y="5340860"/>
-            <a:ext cx="3457464" cy="2316243"/>
+            <a:off x="3888457" y="5340859"/>
+            <a:ext cx="3457464" cy="3034647"/>
           </a:xfrm>
           <a:prstGeom prst="roundRect">
             <a:avLst>
@@ -6056,12 +5930,373 @@
           </a:p>
         </p:txBody>
       </p:sp>
+      <p:sp>
+        <p:nvSpPr>
+          <p:cNvPr id="22" name="TextBox 21">
+            <a:extLst>
+              <a:ext uri="{FF2B5EF4-FFF2-40B4-BE49-F238E27FC236}">
+                <a16:creationId xmlns:a16="http://schemas.microsoft.com/office/drawing/2014/main" id="{C0B7CEE8-0D82-9221-BC0B-BBA910ED8045}"/>
+              </a:ext>
+            </a:extLst>
+          </p:cNvPr>
+          <p:cNvSpPr txBox="1"/>
+          <p:nvPr/>
+        </p:nvSpPr>
+        <p:spPr>
+          <a:xfrm>
+            <a:off x="3990109" y="5450247"/>
+            <a:ext cx="3254933" cy="2708434"/>
+          </a:xfrm>
+          <a:prstGeom prst="rect">
+            <a:avLst/>
+          </a:prstGeom>
+          <a:noFill/>
+        </p:spPr>
+        <p:txBody>
+          <a:bodyPr wrap="square" rtlCol="0">
+            <a:spAutoFit/>
+          </a:bodyPr>
+          <a:lstStyle/>
+          <a:p>
+            <a:r>
+              <a:rPr lang="en-GB" sz="1200" b="1" dirty="0">
+                <a:latin typeface="Calibri Light" panose="020F0302020204030204" pitchFamily="34" charset="0"/>
+                <a:ea typeface="Anonymous Pro" panose="02060609030202000504" pitchFamily="49" charset="0"/>
+                <a:cs typeface="Calibri Light" panose="020F0302020204030204" pitchFamily="34" charset="0"/>
+              </a:rPr>
+              <a:t>Literature and Research: </a:t>
+            </a:r>
+          </a:p>
+          <a:p>
+            <a:endParaRPr lang="en-GB" sz="800" b="1" dirty="0">
+              <a:latin typeface="Calibri Light" panose="020F0302020204030204" pitchFamily="34" charset="0"/>
+              <a:ea typeface="Anonymous Pro" panose="02060609030202000504" pitchFamily="49" charset="0"/>
+              <a:cs typeface="Calibri Light" panose="020F0302020204030204" pitchFamily="34" charset="0"/>
+            </a:endParaRPr>
+          </a:p>
+          <a:p>
+            <a:r>
+              <a:rPr lang="en-GB" sz="800" b="1" dirty="0">
+                <a:latin typeface="Calibri Light" panose="020F0302020204030204" pitchFamily="34" charset="0"/>
+                <a:ea typeface="Anonymous Pro" panose="02060609030202000504" pitchFamily="49" charset="0"/>
+                <a:cs typeface="Calibri Light" panose="020F0302020204030204" pitchFamily="34" charset="0"/>
+              </a:rPr>
+              <a:t>Reverse engineering: </a:t>
+            </a:r>
+            <a:r>
+              <a:rPr lang="en-GB" sz="800" dirty="0">
+                <a:latin typeface="Calibri Light" panose="020F0302020204030204" pitchFamily="34" charset="0"/>
+                <a:ea typeface="Anonymous Pro" panose="02060609030202000504" pitchFamily="49" charset="0"/>
+                <a:cs typeface="Calibri Light" panose="020F0302020204030204" pitchFamily="34" charset="0"/>
+              </a:rPr>
+              <a:t>Reverse engineering as a practice can be used to preserve games through means of understanding the games contents and converting them to contemporary format.</a:t>
+            </a:r>
+          </a:p>
+          <a:p>
+            <a:endParaRPr lang="en-GB" sz="800" dirty="0">
+              <a:latin typeface="Calibri Light" panose="020F0302020204030204" pitchFamily="34" charset="0"/>
+              <a:ea typeface="Anonymous Pro" panose="02060609030202000504" pitchFamily="49" charset="0"/>
+              <a:cs typeface="Calibri Light" panose="020F0302020204030204" pitchFamily="34" charset="0"/>
+            </a:endParaRPr>
+          </a:p>
+          <a:p>
+            <a:r>
+              <a:rPr lang="en-GB" sz="800" b="1" dirty="0">
+                <a:latin typeface="Calibri Light" panose="020F0302020204030204" pitchFamily="34" charset="0"/>
+                <a:ea typeface="Anonymous Pro" panose="02060609030202000504" pitchFamily="49" charset="0"/>
+                <a:cs typeface="Calibri Light" panose="020F0302020204030204" pitchFamily="34" charset="0"/>
+              </a:rPr>
+              <a:t>File Syntax: </a:t>
+            </a:r>
+            <a:r>
+              <a:rPr lang="en-GB" sz="800" dirty="0">
+                <a:latin typeface="Calibri Light" panose="020F0302020204030204" pitchFamily="34" charset="0"/>
+                <a:ea typeface="Anonymous Pro" panose="02060609030202000504" pitchFamily="49" charset="0"/>
+                <a:cs typeface="Calibri Light" panose="020F0302020204030204" pitchFamily="34" charset="0"/>
+              </a:rPr>
+              <a:t> File syntax is needed in preserving games, as to convert the files they first need to be understood. </a:t>
+            </a:r>
+          </a:p>
+          <a:p>
+            <a:endParaRPr lang="en-GB" sz="800" b="1" dirty="0">
+              <a:latin typeface="Calibri Light" panose="020F0302020204030204" pitchFamily="34" charset="0"/>
+              <a:ea typeface="Anonymous Pro" panose="02060609030202000504" pitchFamily="49" charset="0"/>
+              <a:cs typeface="Calibri Light" panose="020F0302020204030204" pitchFamily="34" charset="0"/>
+            </a:endParaRPr>
+          </a:p>
+          <a:p>
+            <a:r>
+              <a:rPr lang="en-GB" sz="800" b="1" dirty="0">
+                <a:latin typeface="Calibri Light" panose="020F0302020204030204" pitchFamily="34" charset="0"/>
+                <a:ea typeface="Anonymous Pro" panose="02060609030202000504" pitchFamily="49" charset="0"/>
+                <a:cs typeface="Calibri Light" panose="020F0302020204030204" pitchFamily="34" charset="0"/>
+              </a:rPr>
+              <a:t>ADT:  </a:t>
+            </a:r>
+            <a:r>
+              <a:rPr lang="en-GB" sz="800" dirty="0">
+                <a:latin typeface="Calibri Light" panose="020F0302020204030204" pitchFamily="34" charset="0"/>
+                <a:ea typeface="Anonymous Pro" panose="02060609030202000504" pitchFamily="49" charset="0"/>
+                <a:cs typeface="Calibri Light" panose="020F0302020204030204" pitchFamily="34" charset="0"/>
+              </a:rPr>
+              <a:t>ADTs are ways of containing data in specific configurations with specific functionality, game asset files need their contents parsed to ADTs or ADT-LIKE structures to then be outputted to file.</a:t>
+            </a:r>
+            <a:endParaRPr lang="en-GB" sz="800" b="1" dirty="0">
+              <a:latin typeface="Calibri Light" panose="020F0302020204030204" pitchFamily="34" charset="0"/>
+              <a:ea typeface="Anonymous Pro" panose="02060609030202000504" pitchFamily="49" charset="0"/>
+              <a:cs typeface="Calibri Light" panose="020F0302020204030204" pitchFamily="34" charset="0"/>
+            </a:endParaRPr>
+          </a:p>
+          <a:p>
+            <a:endParaRPr lang="en-GB" sz="1000" dirty="0">
+              <a:latin typeface="Calibri Light" panose="020F0302020204030204" pitchFamily="34" charset="0"/>
+              <a:ea typeface="Anonymous Pro" panose="02060609030202000504" pitchFamily="49" charset="0"/>
+              <a:cs typeface="Calibri Light" panose="020F0302020204030204" pitchFamily="34" charset="0"/>
+            </a:endParaRPr>
+          </a:p>
+          <a:p>
+            <a:r>
+              <a:rPr lang="en-GB" sz="800" dirty="0">
+                <a:latin typeface="Calibri Light" panose="020F0302020204030204" pitchFamily="34" charset="0"/>
+                <a:ea typeface="Anonymous Pro" panose="02060609030202000504" pitchFamily="49" charset="0"/>
+                <a:cs typeface="Calibri Light" panose="020F0302020204030204" pitchFamily="34" charset="0"/>
+              </a:rPr>
+              <a:t> </a:t>
+            </a:r>
+            <a:r>
+              <a:rPr lang="en-GB" sz="800" b="1" dirty="0">
+                <a:latin typeface="Calibri Light" panose="020F0302020204030204" pitchFamily="34" charset="0"/>
+                <a:ea typeface="Anonymous Pro" panose="02060609030202000504" pitchFamily="49" charset="0"/>
+                <a:cs typeface="Calibri Light" panose="020F0302020204030204" pitchFamily="34" charset="0"/>
+              </a:rPr>
+              <a:t>Compression: </a:t>
+            </a:r>
+            <a:r>
+              <a:rPr lang="en-GB" sz="800" dirty="0">
+                <a:latin typeface="Calibri Light" panose="020F0302020204030204" pitchFamily="34" charset="0"/>
+                <a:ea typeface="Anonymous Pro" panose="02060609030202000504" pitchFamily="49" charset="0"/>
+                <a:cs typeface="Calibri Light" panose="020F0302020204030204" pitchFamily="34" charset="0"/>
+              </a:rPr>
+              <a:t>game asset files are usually compressed to take up less space on proprietary hardware, therefore, to preserve the contents of the game, each file has to be uncompressed to express their true values as data.</a:t>
+            </a:r>
+          </a:p>
+          <a:p>
+            <a:endParaRPr lang="en-GB" sz="800" dirty="0">
+              <a:latin typeface="Calibri Light" panose="020F0302020204030204" pitchFamily="34" charset="0"/>
+              <a:ea typeface="Anonymous Pro" panose="02060609030202000504" pitchFamily="49" charset="0"/>
+              <a:cs typeface="Calibri Light" panose="020F0302020204030204" pitchFamily="34" charset="0"/>
+            </a:endParaRPr>
+          </a:p>
+          <a:p>
+            <a:r>
+              <a:rPr lang="en-GB" sz="800" b="1" dirty="0">
+                <a:latin typeface="Calibri Light" panose="020F0302020204030204" pitchFamily="34" charset="0"/>
+                <a:ea typeface="Anonymous Pro" panose="02060609030202000504" pitchFamily="49" charset="0"/>
+                <a:cs typeface="Calibri Light" panose="020F0302020204030204" pitchFamily="34" charset="0"/>
+              </a:rPr>
+              <a:t>Games Preservation: </a:t>
+            </a:r>
+          </a:p>
+          <a:p>
+            <a:endParaRPr lang="en-GB" sz="1200" b="1" dirty="0">
+              <a:latin typeface="Calibri Light" panose="020F0302020204030204" pitchFamily="34" charset="0"/>
+              <a:ea typeface="Anonymous Pro" panose="02060609030202000504" pitchFamily="49" charset="0"/>
+              <a:cs typeface="Calibri Light" panose="020F0302020204030204" pitchFamily="34" charset="0"/>
+            </a:endParaRPr>
+          </a:p>
+        </p:txBody>
+      </p:sp>
+      <p:sp>
+        <p:nvSpPr>
+          <p:cNvPr id="28" name="Rectangle: Rounded Corners 27">
+            <a:extLst>
+              <a:ext uri="{FF2B5EF4-FFF2-40B4-BE49-F238E27FC236}">
+                <a16:creationId xmlns:a16="http://schemas.microsoft.com/office/drawing/2014/main" id="{05486C91-9432-568A-D30B-73561CC732CC}"/>
+              </a:ext>
+            </a:extLst>
+          </p:cNvPr>
+          <p:cNvSpPr/>
+          <p:nvPr/>
+        </p:nvSpPr>
+        <p:spPr>
+          <a:xfrm>
+            <a:off x="208269" y="1073031"/>
+            <a:ext cx="3495475" cy="1392491"/>
+          </a:xfrm>
+          <a:prstGeom prst="roundRect">
+            <a:avLst>
+              <a:gd name="adj" fmla="val 8703"/>
+            </a:avLst>
+          </a:prstGeom>
+        </p:spPr>
+        <p:style>
+          <a:lnRef idx="2">
+            <a:schemeClr val="accent1">
+              <a:shade val="15000"/>
+            </a:schemeClr>
+          </a:lnRef>
+          <a:fillRef idx="1">
+            <a:schemeClr val="accent1"/>
+          </a:fillRef>
+          <a:effectRef idx="0">
+            <a:schemeClr val="accent1"/>
+          </a:effectRef>
+          <a:fontRef idx="minor">
+            <a:schemeClr val="lt1"/>
+          </a:fontRef>
+        </p:style>
+        <p:txBody>
+          <a:bodyPr rtlCol="0" anchor="ctr"/>
+          <a:lstStyle/>
+          <a:p>
+            <a:pPr algn="ctr"/>
+            <a:endParaRPr lang="en-GB"/>
+          </a:p>
+        </p:txBody>
+      </p:sp>
+      <p:sp>
+        <p:nvSpPr>
+          <p:cNvPr id="27" name="TextBox 26">
+            <a:extLst>
+              <a:ext uri="{FF2B5EF4-FFF2-40B4-BE49-F238E27FC236}">
+                <a16:creationId xmlns:a16="http://schemas.microsoft.com/office/drawing/2014/main" id="{DABE1241-73C2-CD19-E892-5AAE314B0D08}"/>
+              </a:ext>
+            </a:extLst>
+          </p:cNvPr>
+          <p:cNvSpPr txBox="1"/>
+          <p:nvPr/>
+        </p:nvSpPr>
+        <p:spPr>
+          <a:xfrm>
+            <a:off x="205526" y="1231167"/>
+            <a:ext cx="3285489" cy="1138773"/>
+          </a:xfrm>
+          <a:prstGeom prst="rect">
+            <a:avLst/>
+          </a:prstGeom>
+          <a:noFill/>
+        </p:spPr>
+        <p:txBody>
+          <a:bodyPr wrap="square" rtlCol="0">
+            <a:spAutoFit/>
+          </a:bodyPr>
+          <a:lstStyle/>
+          <a:p>
+            <a:r>
+              <a:rPr lang="en-GB" sz="1200" b="1" dirty="0">
+                <a:latin typeface="Calibri Light" panose="020F0302020204030204" pitchFamily="34" charset="0"/>
+                <a:ea typeface="Anonymous Pro" panose="02060609030202000504" pitchFamily="49" charset="0"/>
+                <a:cs typeface="Calibri Light" panose="020F0302020204030204" pitchFamily="34" charset="0"/>
+              </a:rPr>
+              <a:t>Project Aim:</a:t>
+            </a:r>
+          </a:p>
+          <a:p>
+            <a:endParaRPr lang="en-GB" sz="800" dirty="0">
+              <a:latin typeface="Calibri Light" panose="020F0302020204030204" pitchFamily="34" charset="0"/>
+              <a:ea typeface="Anonymous Pro" panose="02060609030202000504" pitchFamily="49" charset="0"/>
+              <a:cs typeface="Calibri Light" panose="020F0302020204030204" pitchFamily="34" charset="0"/>
+            </a:endParaRPr>
+          </a:p>
+          <a:p>
+            <a:r>
+              <a:rPr lang="en-GB" sz="800" dirty="0">
+                <a:latin typeface="Calibri Light" panose="020F0302020204030204" pitchFamily="34" charset="0"/>
+                <a:ea typeface="Anonymous Pro" panose="02060609030202000504" pitchFamily="49" charset="0"/>
+                <a:cs typeface="Calibri Light" panose="020F0302020204030204" pitchFamily="34" charset="0"/>
+              </a:rPr>
+              <a:t>This was the aim of the report, to reverse engineer files and convert them into contemporary file formats. As well as create a Diagram to aid future reverse engineers </a:t>
+            </a:r>
+            <a:r>
+              <a:rPr lang="en-GB" sz="800" dirty="0" err="1">
+                <a:latin typeface="Calibri Light" panose="020F0302020204030204" pitchFamily="34" charset="0"/>
+                <a:ea typeface="Anonymous Pro" panose="02060609030202000504" pitchFamily="49" charset="0"/>
+                <a:cs typeface="Calibri Light" panose="020F0302020204030204" pitchFamily="34" charset="0"/>
+              </a:rPr>
+              <a:t>i.e</a:t>
+            </a:r>
+            <a:r>
+              <a:rPr lang="en-GB" sz="800" dirty="0">
+                <a:latin typeface="Calibri Light" panose="020F0302020204030204" pitchFamily="34" charset="0"/>
+                <a:ea typeface="Anonymous Pro" panose="02060609030202000504" pitchFamily="49" charset="0"/>
+                <a:cs typeface="Calibri Light" panose="020F0302020204030204" pitchFamily="34" charset="0"/>
+              </a:rPr>
+              <a:t> the </a:t>
+            </a:r>
+            <a:r>
+              <a:rPr lang="en-GB" sz="800" b="1" dirty="0">
+                <a:latin typeface="Calibri Light" panose="020F0302020204030204" pitchFamily="34" charset="0"/>
+                <a:ea typeface="Anonymous Pro" panose="02060609030202000504" pitchFamily="49" charset="0"/>
+                <a:cs typeface="Calibri Light" panose="020F0302020204030204" pitchFamily="34" charset="0"/>
+              </a:rPr>
+              <a:t>GAD, </a:t>
+            </a:r>
+            <a:r>
+              <a:rPr lang="en-GB" sz="800" dirty="0">
+                <a:latin typeface="Calibri Light" panose="020F0302020204030204" pitchFamily="34" charset="0"/>
+                <a:ea typeface="Anonymous Pro" panose="02060609030202000504" pitchFamily="49" charset="0"/>
+                <a:cs typeface="Calibri Light" panose="020F0302020204030204" pitchFamily="34" charset="0"/>
+              </a:rPr>
+              <a:t>preserve games.</a:t>
+            </a:r>
+            <a:br>
+              <a:rPr lang="en-GB" sz="800" dirty="0">
+                <a:latin typeface="Calibri Light" panose="020F0302020204030204" pitchFamily="34" charset="0"/>
+                <a:ea typeface="Anonymous Pro" panose="02060609030202000504" pitchFamily="49" charset="0"/>
+                <a:cs typeface="Calibri Light" panose="020F0302020204030204" pitchFamily="34" charset="0"/>
+              </a:rPr>
+            </a:br>
+            <a:endParaRPr lang="en-GB" sz="800" dirty="0">
+              <a:latin typeface="Calibri Light" panose="020F0302020204030204" pitchFamily="34" charset="0"/>
+              <a:ea typeface="Anonymous Pro" panose="02060609030202000504" pitchFamily="49" charset="0"/>
+              <a:cs typeface="Calibri Light" panose="020F0302020204030204" pitchFamily="34" charset="0"/>
+            </a:endParaRPr>
+          </a:p>
+          <a:p>
+            <a:r>
+              <a:rPr lang="en-GB" sz="800" dirty="0">
+                <a:latin typeface="Calibri Light" panose="020F0302020204030204" pitchFamily="34" charset="0"/>
+                <a:ea typeface="Anonymous Pro" panose="02060609030202000504" pitchFamily="49" charset="0"/>
+                <a:cs typeface="Calibri Light" panose="020F0302020204030204" pitchFamily="34" charset="0"/>
+              </a:rPr>
+              <a:t>This was done to the Simpsons game 2008, the chosen files were .Str files and the model geometry files were .</a:t>
+            </a:r>
+            <a:r>
+              <a:rPr lang="en-GB" sz="800" dirty="0" err="1">
+                <a:latin typeface="Calibri Light" panose="020F0302020204030204" pitchFamily="34" charset="0"/>
+                <a:ea typeface="Anonymous Pro" panose="02060609030202000504" pitchFamily="49" charset="0"/>
+                <a:cs typeface="Calibri Light" panose="020F0302020204030204" pitchFamily="34" charset="0"/>
+              </a:rPr>
+              <a:t>Rws</a:t>
+            </a:r>
+            <a:r>
+              <a:rPr lang="en-GB" sz="800" dirty="0">
+                <a:latin typeface="Calibri Light" panose="020F0302020204030204" pitchFamily="34" charset="0"/>
+                <a:ea typeface="Anonymous Pro" panose="02060609030202000504" pitchFamily="49" charset="0"/>
+                <a:cs typeface="Calibri Light" panose="020F0302020204030204" pitchFamily="34" charset="0"/>
+              </a:rPr>
+              <a:t> and .</a:t>
+            </a:r>
+            <a:r>
+              <a:rPr lang="en-GB" sz="800" dirty="0" err="1">
+                <a:latin typeface="Calibri Light" panose="020F0302020204030204" pitchFamily="34" charset="0"/>
+                <a:ea typeface="Anonymous Pro" panose="02060609030202000504" pitchFamily="49" charset="0"/>
+                <a:cs typeface="Calibri Light" panose="020F0302020204030204" pitchFamily="34" charset="0"/>
+              </a:rPr>
+              <a:t>Dff</a:t>
+            </a:r>
+            <a:r>
+              <a:rPr lang="en-GB" sz="800" dirty="0">
+                <a:latin typeface="Calibri Light" panose="020F0302020204030204" pitchFamily="34" charset="0"/>
+                <a:ea typeface="Anonymous Pro" panose="02060609030202000504" pitchFamily="49" charset="0"/>
+                <a:cs typeface="Calibri Light" panose="020F0302020204030204" pitchFamily="34" charset="0"/>
+              </a:rPr>
+              <a:t> files.</a:t>
+            </a:r>
+          </a:p>
+        </p:txBody>
+      </p:sp>
     </p:spTree>
-    <p:extLst>
-      <p:ext uri="{BB962C8B-B14F-4D97-AF65-F5344CB8AC3E}">
-        <p14:creationId xmlns:p14="http://schemas.microsoft.com/office/powerpoint/2010/main" val="2834048440"/>
-      </p:ext>
-    </p:extLst>
   </p:cSld>
   <p:clrMapOvr>
     <a:masterClrMapping/>
@@ -6112,7 +6347,7 @@
     </a:clrScheme>
     <a:fontScheme name="Office Theme">
       <a:majorFont>
-        <a:latin typeface="Aptos Display" panose="02110004020202020204"/>
+        <a:latin typeface="Aptos Display"/>
         <a:ea typeface=""/>
         <a:cs typeface=""/>
         <a:font script="Jpan" typeface="游ゴシック Light"/>
@@ -6145,26 +6380,9 @@
         <a:font script="Viet" typeface="Times New Roman"/>
         <a:font script="Uigh" typeface="Microsoft Uighur"/>
         <a:font script="Geor" typeface="Sylfaen"/>
-        <a:font script="Armn" typeface="Arial"/>
-        <a:font script="Bugi" typeface="Leelawadee UI"/>
-        <a:font script="Bopo" typeface="Microsoft JhengHei"/>
-        <a:font script="Java" typeface="Javanese Text"/>
-        <a:font script="Lisu" typeface="Segoe UI"/>
-        <a:font script="Mymr" typeface="Myanmar Text"/>
-        <a:font script="Nkoo" typeface="Ebrima"/>
-        <a:font script="Olck" typeface="Nirmala UI"/>
-        <a:font script="Osma" typeface="Ebrima"/>
-        <a:font script="Phag" typeface="Phagspa"/>
-        <a:font script="Syrn" typeface="Estrangelo Edessa"/>
-        <a:font script="Syrj" typeface="Estrangelo Edessa"/>
-        <a:font script="Syre" typeface="Estrangelo Edessa"/>
-        <a:font script="Sora" typeface="Nirmala UI"/>
-        <a:font script="Tale" typeface="Microsoft Tai Le"/>
-        <a:font script="Talu" typeface="Microsoft New Tai Lue"/>
-        <a:font script="Tfng" typeface="Ebrima"/>
       </a:majorFont>
       <a:minorFont>
-        <a:latin typeface="Aptos" panose="02110004020202020204"/>
+        <a:latin typeface="Aptos"/>
         <a:ea typeface=""/>
         <a:cs typeface=""/>
         <a:font script="Jpan" typeface="游ゴシック"/>
@@ -6197,23 +6415,6 @@
         <a:font script="Viet" typeface="Arial"/>
         <a:font script="Uigh" typeface="Microsoft Uighur"/>
         <a:font script="Geor" typeface="Sylfaen"/>
-        <a:font script="Armn" typeface="Arial"/>
-        <a:font script="Bugi" typeface="Leelawadee UI"/>
-        <a:font script="Bopo" typeface="Microsoft JhengHei"/>
-        <a:font script="Java" typeface="Javanese Text"/>
-        <a:font script="Lisu" typeface="Segoe UI"/>
-        <a:font script="Mymr" typeface="Myanmar Text"/>
-        <a:font script="Nkoo" typeface="Ebrima"/>
-        <a:font script="Olck" typeface="Nirmala UI"/>
-        <a:font script="Osma" typeface="Ebrima"/>
-        <a:font script="Phag" typeface="Phagspa"/>
-        <a:font script="Syrn" typeface="Estrangelo Edessa"/>
-        <a:font script="Syrj" typeface="Estrangelo Edessa"/>
-        <a:font script="Syre" typeface="Estrangelo Edessa"/>
-        <a:font script="Sora" typeface="Nirmala UI"/>
-        <a:font script="Tale" typeface="Microsoft Tai Le"/>
-        <a:font script="Talu" typeface="Microsoft New Tai Lue"/>
-        <a:font script="Tfng" typeface="Ebrima"/>
       </a:minorFont>
     </a:fontScheme>
     <a:fmtScheme name="Office Theme">
@@ -6378,7 +6579,7 @@
   <a:extraClrSchemeLst/>
   <a:extLst>
     <a:ext uri="{05A4C25C-085E-4340-85A3-A5531E510DB2}">
-      <thm15:themeFamily xmlns:thm15="http://schemas.microsoft.com/office/thememl/2012/main" name="Office Theme" id="{2E142A2C-CD16-42D6-873A-C26D2A0506FA}" vid="{1BDDFF52-6CD6-40A5-AB3C-68EB2F1E4D0A}"/>
+      <thm15:themeFamily xmlns:thm15="http://schemas.microsoft.com/office/thememl/2012/main" name="Office Theme" id="{62F939B6-93AF-4DB8-9C6B-D6C7DFDC589F}" vid="{4A3C46E8-61CC-4603-A589-7422A47A8E4A}"/>
     </a:ext>
   </a:extLst>
 </a:theme>

--- a/FYP_Poser.pptx
+++ b/FYP_Poser.pptx
@@ -2,12 +2,12 @@
 <file path=ppt/presentation.xml><?xml version="1.0" encoding="utf-8"?>
 <p:presentation xmlns:a="http://schemas.openxmlformats.org/drawingml/2006/main" xmlns:r="http://schemas.openxmlformats.org/officeDocument/2006/relationships" xmlns:p="http://schemas.openxmlformats.org/presentationml/2006/main">
   <p:sldMasterIdLst>
-    <p:sldMasterId id="2147483648" r:id="rId1"/>
+    <p:sldMasterId id="2147483660" r:id="rId1"/>
   </p:sldMasterIdLst>
   <p:sldIdLst>
     <p:sldId id="256" r:id="rId2"/>
   </p:sldIdLst>
-  <p:sldSz cx="7559675" cy="10691813"/>
+  <p:sldSz cx="21383625" cy="30275213"/>
   <p:notesSz cx="6858000" cy="9144000"/>
   <p:defaultTextStyle>
     <a:defPPr>
@@ -141,15 +141,15 @@
         </p:nvSpPr>
         <p:spPr>
           <a:xfrm>
-            <a:off x="566976" y="1749795"/>
-            <a:ext cx="6425724" cy="3722335"/>
+            <a:off x="1603772" y="4954765"/>
+            <a:ext cx="18176081" cy="10540259"/>
           </a:xfrm>
         </p:spPr>
         <p:txBody>
           <a:bodyPr anchor="b"/>
           <a:lstStyle>
             <a:lvl1pPr algn="ctr">
-              <a:defRPr sz="4960"/>
+              <a:defRPr sz="14031"/>
             </a:lvl1pPr>
           </a:lstStyle>
           <a:p>
@@ -173,8 +173,8 @@
         </p:nvSpPr>
         <p:spPr>
           <a:xfrm>
-            <a:off x="944960" y="5615678"/>
-            <a:ext cx="5669756" cy="2581379"/>
+            <a:off x="2672953" y="15901497"/>
+            <a:ext cx="16037719" cy="7309499"/>
           </a:xfrm>
         </p:spPr>
         <p:txBody>
@@ -182,39 +182,39 @@
           <a:lstStyle>
             <a:lvl1pPr marL="0" indent="0" algn="ctr">
               <a:buNone/>
-              <a:defRPr sz="1985"/>
+              <a:defRPr sz="5612"/>
             </a:lvl1pPr>
-            <a:lvl2pPr marL="377825" indent="0" algn="ctr">
+            <a:lvl2pPr marL="1069162" indent="0" algn="ctr">
               <a:buNone/>
-              <a:defRPr sz="1655"/>
+              <a:defRPr sz="4677"/>
             </a:lvl2pPr>
-            <a:lvl3pPr marL="755650" indent="0" algn="ctr">
+            <a:lvl3pPr marL="2138324" indent="0" algn="ctr">
               <a:buNone/>
-              <a:defRPr sz="1490"/>
+              <a:defRPr sz="4209"/>
             </a:lvl3pPr>
-            <a:lvl4pPr marL="1134110" indent="0" algn="ctr">
+            <a:lvl4pPr marL="3207487" indent="0" algn="ctr">
               <a:buNone/>
-              <a:defRPr sz="1325"/>
+              <a:defRPr sz="3742"/>
             </a:lvl4pPr>
-            <a:lvl5pPr marL="1511935" indent="0" algn="ctr">
+            <a:lvl5pPr marL="4276649" indent="0" algn="ctr">
               <a:buNone/>
-              <a:defRPr sz="1325"/>
+              <a:defRPr sz="3742"/>
             </a:lvl5pPr>
-            <a:lvl6pPr marL="1889760" indent="0" algn="ctr">
+            <a:lvl6pPr marL="5345811" indent="0" algn="ctr">
               <a:buNone/>
-              <a:defRPr sz="1325"/>
+              <a:defRPr sz="3742"/>
             </a:lvl6pPr>
-            <a:lvl7pPr marL="2267585" indent="0" algn="ctr">
+            <a:lvl7pPr marL="6414973" indent="0" algn="ctr">
               <a:buNone/>
-              <a:defRPr sz="1325"/>
+              <a:defRPr sz="3742"/>
             </a:lvl7pPr>
-            <a:lvl8pPr marL="2646045" indent="0" algn="ctr">
+            <a:lvl8pPr marL="7484135" indent="0" algn="ctr">
               <a:buNone/>
-              <a:defRPr sz="1325"/>
+              <a:defRPr sz="3742"/>
             </a:lvl8pPr>
-            <a:lvl9pPr marL="3023870" indent="0" algn="ctr">
+            <a:lvl9pPr marL="8553298" indent="0" algn="ctr">
               <a:buNone/>
-              <a:defRPr sz="1325"/>
+              <a:defRPr sz="3742"/>
             </a:lvl9pPr>
           </a:lstStyle>
           <a:p>
@@ -243,7 +243,7 @@
           <a:p>
             <a:fld id="{DCEEBA53-EBA9-40A5-BD15-213969A436B3}" type="datetimeFigureOut">
               <a:rPr lang="en-GB" smtClean="0"/>
-              <a:t>04/05/2025</a:t>
+              <a:t>05/05/2025</a:t>
             </a:fld>
             <a:endParaRPr lang="en-GB"/>
           </a:p>
@@ -292,6 +292,11 @@
         </p:txBody>
       </p:sp>
     </p:spTree>
+    <p:extLst>
+      <p:ext uri="{BB962C8B-B14F-4D97-AF65-F5344CB8AC3E}">
+        <p14:creationId xmlns:p14="http://schemas.microsoft.com/office/powerpoint/2010/main" val="1357177746"/>
+      </p:ext>
+    </p:extLst>
   </p:cSld>
   <p:clrMapOvr>
     <a:masterClrMapping/>
@@ -408,7 +413,7 @@
           <a:p>
             <a:fld id="{DCEEBA53-EBA9-40A5-BD15-213969A436B3}" type="datetimeFigureOut">
               <a:rPr lang="en-GB" smtClean="0"/>
-              <a:t>04/05/2025</a:t>
+              <a:t>05/05/2025</a:t>
             </a:fld>
             <a:endParaRPr lang="en-GB"/>
           </a:p>
@@ -457,6 +462,11 @@
         </p:txBody>
       </p:sp>
     </p:spTree>
+    <p:extLst>
+      <p:ext uri="{BB962C8B-B14F-4D97-AF65-F5344CB8AC3E}">
+        <p14:creationId xmlns:p14="http://schemas.microsoft.com/office/powerpoint/2010/main" val="371524513"/>
+      </p:ext>
+    </p:extLst>
   </p:cSld>
   <p:clrMapOvr>
     <a:masterClrMapping/>
@@ -493,8 +503,8 @@
         </p:nvSpPr>
         <p:spPr>
           <a:xfrm>
-            <a:off x="5409893" y="569240"/>
-            <a:ext cx="1630055" cy="9060817"/>
+            <a:off x="15302658" y="1611875"/>
+            <a:ext cx="4610844" cy="25656844"/>
           </a:xfrm>
         </p:spPr>
         <p:txBody>
@@ -521,8 +531,8 @@
         </p:nvSpPr>
         <p:spPr>
           <a:xfrm>
-            <a:off x="519728" y="569240"/>
-            <a:ext cx="4795669" cy="9060817"/>
+            <a:off x="1470125" y="1611875"/>
+            <a:ext cx="13565237" cy="25656844"/>
           </a:xfrm>
         </p:spPr>
         <p:txBody>
@@ -583,7 +593,7 @@
           <a:p>
             <a:fld id="{DCEEBA53-EBA9-40A5-BD15-213969A436B3}" type="datetimeFigureOut">
               <a:rPr lang="en-GB" smtClean="0"/>
-              <a:t>04/05/2025</a:t>
+              <a:t>05/05/2025</a:t>
             </a:fld>
             <a:endParaRPr lang="en-GB"/>
           </a:p>
@@ -632,6 +642,11 @@
         </p:txBody>
       </p:sp>
     </p:spTree>
+    <p:extLst>
+      <p:ext uri="{BB962C8B-B14F-4D97-AF65-F5344CB8AC3E}">
+        <p14:creationId xmlns:p14="http://schemas.microsoft.com/office/powerpoint/2010/main" val="1643192786"/>
+      </p:ext>
+    </p:extLst>
   </p:cSld>
   <p:clrMapOvr>
     <a:masterClrMapping/>
@@ -748,7 +763,7 @@
           <a:p>
             <a:fld id="{DCEEBA53-EBA9-40A5-BD15-213969A436B3}" type="datetimeFigureOut">
               <a:rPr lang="en-GB" smtClean="0"/>
-              <a:t>04/05/2025</a:t>
+              <a:t>05/05/2025</a:t>
             </a:fld>
             <a:endParaRPr lang="en-GB"/>
           </a:p>
@@ -797,6 +812,11 @@
         </p:txBody>
       </p:sp>
     </p:spTree>
+    <p:extLst>
+      <p:ext uri="{BB962C8B-B14F-4D97-AF65-F5344CB8AC3E}">
+        <p14:creationId xmlns:p14="http://schemas.microsoft.com/office/powerpoint/2010/main" val="1287094155"/>
+      </p:ext>
+    </p:extLst>
   </p:cSld>
   <p:clrMapOvr>
     <a:masterClrMapping/>
@@ -833,15 +853,15 @@
         </p:nvSpPr>
         <p:spPr>
           <a:xfrm>
-            <a:off x="515791" y="2665532"/>
-            <a:ext cx="6520220" cy="4447496"/>
+            <a:off x="1458988" y="7547788"/>
+            <a:ext cx="18443377" cy="12593645"/>
           </a:xfrm>
         </p:spPr>
         <p:txBody>
           <a:bodyPr anchor="b"/>
           <a:lstStyle>
             <a:lvl1pPr>
-              <a:defRPr sz="4960"/>
+              <a:defRPr sz="14031"/>
             </a:lvl1pPr>
           </a:lstStyle>
           <a:p>
@@ -865,8 +885,8 @@
         </p:nvSpPr>
         <p:spPr>
           <a:xfrm>
-            <a:off x="515791" y="7155103"/>
-            <a:ext cx="6520220" cy="2338833"/>
+            <a:off x="1458988" y="20260574"/>
+            <a:ext cx="18443377" cy="6622701"/>
           </a:xfrm>
         </p:spPr>
         <p:txBody>
@@ -874,90 +894,88 @@
           <a:lstStyle>
             <a:lvl1pPr marL="0" indent="0">
               <a:buNone/>
-              <a:defRPr sz="1985">
+              <a:defRPr sz="5612">
                 <a:solidFill>
-                  <a:schemeClr val="tx1">
-                    <a:tint val="82000"/>
-                  </a:schemeClr>
+                  <a:schemeClr val="tx1"/>
                 </a:solidFill>
               </a:defRPr>
             </a:lvl1pPr>
-            <a:lvl2pPr marL="377825" indent="0">
+            <a:lvl2pPr marL="1069162" indent="0">
               <a:buNone/>
-              <a:defRPr sz="1655">
+              <a:defRPr sz="4677">
                 <a:solidFill>
                   <a:schemeClr val="tx1">
-                    <a:tint val="82000"/>
+                    <a:tint val="75000"/>
                   </a:schemeClr>
                 </a:solidFill>
               </a:defRPr>
             </a:lvl2pPr>
-            <a:lvl3pPr marL="755650" indent="0">
+            <a:lvl3pPr marL="2138324" indent="0">
               <a:buNone/>
-              <a:defRPr sz="1490">
+              <a:defRPr sz="4209">
                 <a:solidFill>
                   <a:schemeClr val="tx1">
-                    <a:tint val="82000"/>
+                    <a:tint val="75000"/>
                   </a:schemeClr>
                 </a:solidFill>
               </a:defRPr>
             </a:lvl3pPr>
-            <a:lvl4pPr marL="1134110" indent="0">
+            <a:lvl4pPr marL="3207487" indent="0">
               <a:buNone/>
-              <a:defRPr sz="1325">
+              <a:defRPr sz="3742">
                 <a:solidFill>
                   <a:schemeClr val="tx1">
-                    <a:tint val="82000"/>
+                    <a:tint val="75000"/>
                   </a:schemeClr>
                 </a:solidFill>
               </a:defRPr>
             </a:lvl4pPr>
-            <a:lvl5pPr marL="1511935" indent="0">
+            <a:lvl5pPr marL="4276649" indent="0">
               <a:buNone/>
-              <a:defRPr sz="1325">
+              <a:defRPr sz="3742">
                 <a:solidFill>
                   <a:schemeClr val="tx1">
-                    <a:tint val="82000"/>
+                    <a:tint val="75000"/>
                   </a:schemeClr>
                 </a:solidFill>
               </a:defRPr>
             </a:lvl5pPr>
-            <a:lvl6pPr marL="1889760" indent="0">
+            <a:lvl6pPr marL="5345811" indent="0">
               <a:buNone/>
-              <a:defRPr sz="1325">
+              <a:defRPr sz="3742">
                 <a:solidFill>
                   <a:schemeClr val="tx1">
-                    <a:tint val="82000"/>
+                    <a:tint val="75000"/>
                   </a:schemeClr>
                 </a:solidFill>
               </a:defRPr>
             </a:lvl6pPr>
-            <a:lvl7pPr marL="2267585" indent="0">
+            <a:lvl7pPr marL="6414973" indent="0">
               <a:buNone/>
-              <a:defRPr sz="1325">
+              <a:defRPr sz="3742">
                 <a:solidFill>
                   <a:schemeClr val="tx1">
-                    <a:tint val="82000"/>
+                    <a:tint val="75000"/>
                   </a:schemeClr>
                 </a:solidFill>
               </a:defRPr>
             </a:lvl7pPr>
-            <a:lvl8pPr marL="2646045" indent="0">
+            <a:lvl8pPr marL="7484135" indent="0">
               <a:buNone/>
-              <a:defRPr sz="1325">
+              <a:defRPr sz="3742">
                 <a:solidFill>
                   <a:schemeClr val="tx1">
-                    <a:tint val="82000"/>
+                    <a:tint val="75000"/>
                   </a:schemeClr>
                 </a:solidFill>
               </a:defRPr>
             </a:lvl8pPr>
-            <a:lvl9pPr marL="3023870" indent="0">
+            <a:lvl9pPr marL="8553298" indent="0">
               <a:buNone/>
-              <a:defRPr sz="1325">
+              <a:defRPr sz="3742">
                 <a:solidFill>
                   <a:schemeClr val="tx1">
-                    <a:tint val="82000"/>
+                    <a:tint val="75000"/>
                   </a:schemeClr>
                 </a:solidFill>
               </a:defRPr>
@@ -989,7 +1007,7 @@
           <a:p>
             <a:fld id="{DCEEBA53-EBA9-40A5-BD15-213969A436B3}" type="datetimeFigureOut">
               <a:rPr lang="en-GB" smtClean="0"/>
-              <a:t>04/05/2025</a:t>
+              <a:t>05/05/2025</a:t>
             </a:fld>
             <a:endParaRPr lang="en-GB"/>
           </a:p>
@@ -1038,6 +1056,11 @@
         </p:txBody>
       </p:sp>
     </p:spTree>
+    <p:extLst>
+      <p:ext uri="{BB962C8B-B14F-4D97-AF65-F5344CB8AC3E}">
+        <p14:creationId xmlns:p14="http://schemas.microsoft.com/office/powerpoint/2010/main" val="2407950122"/>
+      </p:ext>
+    </p:extLst>
   </p:cSld>
   <p:clrMapOvr>
     <a:masterClrMapping/>
@@ -1097,8 +1120,8 @@
         </p:nvSpPr>
         <p:spPr>
           <a:xfrm>
-            <a:off x="519728" y="2846200"/>
-            <a:ext cx="3212862" cy="6783857"/>
+            <a:off x="1470124" y="8059374"/>
+            <a:ext cx="9088041" cy="19209345"/>
           </a:xfrm>
         </p:spPr>
         <p:txBody>
@@ -1154,8 +1177,8 @@
         </p:nvSpPr>
         <p:spPr>
           <a:xfrm>
-            <a:off x="3827085" y="2846200"/>
-            <a:ext cx="3212862" cy="6783857"/>
+            <a:off x="10825460" y="8059374"/>
+            <a:ext cx="9088041" cy="19209345"/>
           </a:xfrm>
         </p:spPr>
         <p:txBody>
@@ -1216,7 +1239,7 @@
           <a:p>
             <a:fld id="{DCEEBA53-EBA9-40A5-BD15-213969A436B3}" type="datetimeFigureOut">
               <a:rPr lang="en-GB" smtClean="0"/>
-              <a:t>04/05/2025</a:t>
+              <a:t>05/05/2025</a:t>
             </a:fld>
             <a:endParaRPr lang="en-GB"/>
           </a:p>
@@ -1265,6 +1288,11 @@
         </p:txBody>
       </p:sp>
     </p:spTree>
+    <p:extLst>
+      <p:ext uri="{BB962C8B-B14F-4D97-AF65-F5344CB8AC3E}">
+        <p14:creationId xmlns:p14="http://schemas.microsoft.com/office/powerpoint/2010/main" val="1589622414"/>
+      </p:ext>
+    </p:extLst>
   </p:cSld>
   <p:clrMapOvr>
     <a:masterClrMapping/>
@@ -1301,8 +1329,8 @@
         </p:nvSpPr>
         <p:spPr>
           <a:xfrm>
-            <a:off x="520712" y="569242"/>
-            <a:ext cx="6520220" cy="2066590"/>
+            <a:off x="1472909" y="1611882"/>
+            <a:ext cx="18443377" cy="5851808"/>
           </a:xfrm>
         </p:spPr>
         <p:txBody>
@@ -1329,8 +1357,8 @@
         </p:nvSpPr>
         <p:spPr>
           <a:xfrm>
-            <a:off x="520713" y="2620980"/>
-            <a:ext cx="3198096" cy="1284502"/>
+            <a:off x="1472912" y="7421634"/>
+            <a:ext cx="9046274" cy="3637228"/>
           </a:xfrm>
         </p:spPr>
         <p:txBody>
@@ -1338,39 +1366,39 @@
           <a:lstStyle>
             <a:lvl1pPr marL="0" indent="0">
               <a:buNone/>
-              <a:defRPr sz="1985" b="1"/>
+              <a:defRPr sz="5612" b="1"/>
             </a:lvl1pPr>
-            <a:lvl2pPr marL="377825" indent="0">
+            <a:lvl2pPr marL="1069162" indent="0">
               <a:buNone/>
-              <a:defRPr sz="1655" b="1"/>
+              <a:defRPr sz="4677" b="1"/>
             </a:lvl2pPr>
-            <a:lvl3pPr marL="755650" indent="0">
+            <a:lvl3pPr marL="2138324" indent="0">
               <a:buNone/>
-              <a:defRPr sz="1490" b="1"/>
+              <a:defRPr sz="4209" b="1"/>
             </a:lvl3pPr>
-            <a:lvl4pPr marL="1134110" indent="0">
+            <a:lvl4pPr marL="3207487" indent="0">
               <a:buNone/>
-              <a:defRPr sz="1325" b="1"/>
+              <a:defRPr sz="3742" b="1"/>
             </a:lvl4pPr>
-            <a:lvl5pPr marL="1511935" indent="0">
+            <a:lvl5pPr marL="4276649" indent="0">
               <a:buNone/>
-              <a:defRPr sz="1325" b="1"/>
+              <a:defRPr sz="3742" b="1"/>
             </a:lvl5pPr>
-            <a:lvl6pPr marL="1889760" indent="0">
+            <a:lvl6pPr marL="5345811" indent="0">
               <a:buNone/>
-              <a:defRPr sz="1325" b="1"/>
+              <a:defRPr sz="3742" b="1"/>
             </a:lvl6pPr>
-            <a:lvl7pPr marL="2267585" indent="0">
+            <a:lvl7pPr marL="6414973" indent="0">
               <a:buNone/>
-              <a:defRPr sz="1325" b="1"/>
+              <a:defRPr sz="3742" b="1"/>
             </a:lvl7pPr>
-            <a:lvl8pPr marL="2646045" indent="0">
+            <a:lvl8pPr marL="7484135" indent="0">
               <a:buNone/>
-              <a:defRPr sz="1325" b="1"/>
+              <a:defRPr sz="3742" b="1"/>
             </a:lvl8pPr>
-            <a:lvl9pPr marL="3023870" indent="0">
+            <a:lvl9pPr marL="8553298" indent="0">
               <a:buNone/>
-              <a:defRPr sz="1325" b="1"/>
+              <a:defRPr sz="3742" b="1"/>
             </a:lvl9pPr>
           </a:lstStyle>
           <a:p>
@@ -1394,8 +1422,8 @@
         </p:nvSpPr>
         <p:spPr>
           <a:xfrm>
-            <a:off x="520713" y="3905482"/>
-            <a:ext cx="3198096" cy="5744375"/>
+            <a:off x="1472912" y="11058863"/>
+            <a:ext cx="9046274" cy="16265921"/>
           </a:xfrm>
         </p:spPr>
         <p:txBody>
@@ -1451,8 +1479,8 @@
         </p:nvSpPr>
         <p:spPr>
           <a:xfrm>
-            <a:off x="3827086" y="2620980"/>
-            <a:ext cx="3213847" cy="1284502"/>
+            <a:off x="10825461" y="7421634"/>
+            <a:ext cx="9090826" cy="3637228"/>
           </a:xfrm>
         </p:spPr>
         <p:txBody>
@@ -1460,39 +1488,39 @@
           <a:lstStyle>
             <a:lvl1pPr marL="0" indent="0">
               <a:buNone/>
-              <a:defRPr sz="1985" b="1"/>
+              <a:defRPr sz="5612" b="1"/>
             </a:lvl1pPr>
-            <a:lvl2pPr marL="377825" indent="0">
+            <a:lvl2pPr marL="1069162" indent="0">
               <a:buNone/>
-              <a:defRPr sz="1655" b="1"/>
+              <a:defRPr sz="4677" b="1"/>
             </a:lvl2pPr>
-            <a:lvl3pPr marL="755650" indent="0">
+            <a:lvl3pPr marL="2138324" indent="0">
               <a:buNone/>
-              <a:defRPr sz="1490" b="1"/>
+              <a:defRPr sz="4209" b="1"/>
             </a:lvl3pPr>
-            <a:lvl4pPr marL="1134110" indent="0">
+            <a:lvl4pPr marL="3207487" indent="0">
               <a:buNone/>
-              <a:defRPr sz="1325" b="1"/>
+              <a:defRPr sz="3742" b="1"/>
             </a:lvl4pPr>
-            <a:lvl5pPr marL="1511935" indent="0">
+            <a:lvl5pPr marL="4276649" indent="0">
               <a:buNone/>
-              <a:defRPr sz="1325" b="1"/>
+              <a:defRPr sz="3742" b="1"/>
             </a:lvl5pPr>
-            <a:lvl6pPr marL="1889760" indent="0">
+            <a:lvl6pPr marL="5345811" indent="0">
               <a:buNone/>
-              <a:defRPr sz="1325" b="1"/>
+              <a:defRPr sz="3742" b="1"/>
             </a:lvl6pPr>
-            <a:lvl7pPr marL="2267585" indent="0">
+            <a:lvl7pPr marL="6414973" indent="0">
               <a:buNone/>
-              <a:defRPr sz="1325" b="1"/>
+              <a:defRPr sz="3742" b="1"/>
             </a:lvl7pPr>
-            <a:lvl8pPr marL="2646045" indent="0">
+            <a:lvl8pPr marL="7484135" indent="0">
               <a:buNone/>
-              <a:defRPr sz="1325" b="1"/>
+              <a:defRPr sz="3742" b="1"/>
             </a:lvl8pPr>
-            <a:lvl9pPr marL="3023870" indent="0">
+            <a:lvl9pPr marL="8553298" indent="0">
               <a:buNone/>
-              <a:defRPr sz="1325" b="1"/>
+              <a:defRPr sz="3742" b="1"/>
             </a:lvl9pPr>
           </a:lstStyle>
           <a:p>
@@ -1516,8 +1544,8 @@
         </p:nvSpPr>
         <p:spPr>
           <a:xfrm>
-            <a:off x="3827086" y="3905482"/>
-            <a:ext cx="3213847" cy="5744375"/>
+            <a:off x="10825461" y="11058863"/>
+            <a:ext cx="9090826" cy="16265921"/>
           </a:xfrm>
         </p:spPr>
         <p:txBody>
@@ -1578,7 +1606,7 @@
           <a:p>
             <a:fld id="{DCEEBA53-EBA9-40A5-BD15-213969A436B3}" type="datetimeFigureOut">
               <a:rPr lang="en-GB" smtClean="0"/>
-              <a:t>04/05/2025</a:t>
+              <a:t>05/05/2025</a:t>
             </a:fld>
             <a:endParaRPr lang="en-GB"/>
           </a:p>
@@ -1627,6 +1655,11 @@
         </p:txBody>
       </p:sp>
     </p:spTree>
+    <p:extLst>
+      <p:ext uri="{BB962C8B-B14F-4D97-AF65-F5344CB8AC3E}">
+        <p14:creationId xmlns:p14="http://schemas.microsoft.com/office/powerpoint/2010/main" val="441605402"/>
+      </p:ext>
+    </p:extLst>
   </p:cSld>
   <p:clrMapOvr>
     <a:masterClrMapping/>
@@ -1691,7 +1724,7 @@
           <a:p>
             <a:fld id="{DCEEBA53-EBA9-40A5-BD15-213969A436B3}" type="datetimeFigureOut">
               <a:rPr lang="en-GB" smtClean="0"/>
-              <a:t>04/05/2025</a:t>
+              <a:t>05/05/2025</a:t>
             </a:fld>
             <a:endParaRPr lang="en-GB"/>
           </a:p>
@@ -1740,6 +1773,11 @@
         </p:txBody>
       </p:sp>
     </p:spTree>
+    <p:extLst>
+      <p:ext uri="{BB962C8B-B14F-4D97-AF65-F5344CB8AC3E}">
+        <p14:creationId xmlns:p14="http://schemas.microsoft.com/office/powerpoint/2010/main" val="1052162188"/>
+      </p:ext>
+    </p:extLst>
   </p:cSld>
   <p:clrMapOvr>
     <a:masterClrMapping/>
@@ -1781,7 +1819,7 @@
           <a:p>
             <a:fld id="{DCEEBA53-EBA9-40A5-BD15-213969A436B3}" type="datetimeFigureOut">
               <a:rPr lang="en-GB" smtClean="0"/>
-              <a:t>04/05/2025</a:t>
+              <a:t>05/05/2025</a:t>
             </a:fld>
             <a:endParaRPr lang="en-GB"/>
           </a:p>
@@ -1830,6 +1868,11 @@
         </p:txBody>
       </p:sp>
     </p:spTree>
+    <p:extLst>
+      <p:ext uri="{BB962C8B-B14F-4D97-AF65-F5344CB8AC3E}">
+        <p14:creationId xmlns:p14="http://schemas.microsoft.com/office/powerpoint/2010/main" val="1685815143"/>
+      </p:ext>
+    </p:extLst>
   </p:cSld>
   <p:clrMapOvr>
     <a:masterClrMapping/>
@@ -1866,15 +1909,15 @@
         </p:nvSpPr>
         <p:spPr>
           <a:xfrm>
-            <a:off x="520712" y="712788"/>
-            <a:ext cx="2438192" cy="2494756"/>
+            <a:off x="1472909" y="2018348"/>
+            <a:ext cx="6896776" cy="7064216"/>
           </a:xfrm>
         </p:spPr>
         <p:txBody>
           <a:bodyPr anchor="b"/>
           <a:lstStyle>
             <a:lvl1pPr>
-              <a:defRPr sz="2645"/>
+              <a:defRPr sz="7483"/>
             </a:lvl1pPr>
           </a:lstStyle>
           <a:p>
@@ -1898,39 +1941,39 @@
         </p:nvSpPr>
         <p:spPr>
           <a:xfrm>
-            <a:off x="3213847" y="1539425"/>
-            <a:ext cx="3827085" cy="7598117"/>
+            <a:off x="9090826" y="4359077"/>
+            <a:ext cx="10825460" cy="21515024"/>
           </a:xfrm>
         </p:spPr>
         <p:txBody>
           <a:bodyPr/>
           <a:lstStyle>
             <a:lvl1pPr>
-              <a:defRPr sz="2645"/>
+              <a:defRPr sz="7483"/>
             </a:lvl1pPr>
             <a:lvl2pPr>
-              <a:defRPr sz="2315"/>
+              <a:defRPr sz="6548"/>
             </a:lvl2pPr>
             <a:lvl3pPr>
-              <a:defRPr sz="1985"/>
+              <a:defRPr sz="5612"/>
             </a:lvl3pPr>
             <a:lvl4pPr>
-              <a:defRPr sz="1655"/>
+              <a:defRPr sz="4677"/>
             </a:lvl4pPr>
             <a:lvl5pPr>
-              <a:defRPr sz="1655"/>
+              <a:defRPr sz="4677"/>
             </a:lvl5pPr>
             <a:lvl6pPr>
-              <a:defRPr sz="1655"/>
+              <a:defRPr sz="4677"/>
             </a:lvl6pPr>
             <a:lvl7pPr>
-              <a:defRPr sz="1655"/>
+              <a:defRPr sz="4677"/>
             </a:lvl7pPr>
             <a:lvl8pPr>
-              <a:defRPr sz="1655"/>
+              <a:defRPr sz="4677"/>
             </a:lvl8pPr>
             <a:lvl9pPr>
-              <a:defRPr sz="1655"/>
+              <a:defRPr sz="4677"/>
             </a:lvl9pPr>
           </a:lstStyle>
           <a:p>
@@ -1983,8 +2026,8 @@
         </p:nvSpPr>
         <p:spPr>
           <a:xfrm>
-            <a:off x="520712" y="3207544"/>
-            <a:ext cx="2438192" cy="5942372"/>
+            <a:off x="1472909" y="9082564"/>
+            <a:ext cx="6896776" cy="16826573"/>
           </a:xfrm>
         </p:spPr>
         <p:txBody>
@@ -1992,39 +2035,39 @@
           <a:lstStyle>
             <a:lvl1pPr marL="0" indent="0">
               <a:buNone/>
-              <a:defRPr sz="1325"/>
+              <a:defRPr sz="3742"/>
             </a:lvl1pPr>
-            <a:lvl2pPr marL="377825" indent="0">
+            <a:lvl2pPr marL="1069162" indent="0">
               <a:buNone/>
-              <a:defRPr sz="1155"/>
+              <a:defRPr sz="3274"/>
             </a:lvl2pPr>
-            <a:lvl3pPr marL="755650" indent="0">
+            <a:lvl3pPr marL="2138324" indent="0">
               <a:buNone/>
-              <a:defRPr sz="990"/>
+              <a:defRPr sz="2806"/>
             </a:lvl3pPr>
-            <a:lvl4pPr marL="1134110" indent="0">
+            <a:lvl4pPr marL="3207487" indent="0">
               <a:buNone/>
-              <a:defRPr sz="825"/>
+              <a:defRPr sz="2339"/>
             </a:lvl4pPr>
-            <a:lvl5pPr marL="1511935" indent="0">
+            <a:lvl5pPr marL="4276649" indent="0">
               <a:buNone/>
-              <a:defRPr sz="825"/>
+              <a:defRPr sz="2339"/>
             </a:lvl5pPr>
-            <a:lvl6pPr marL="1889760" indent="0">
+            <a:lvl6pPr marL="5345811" indent="0">
               <a:buNone/>
-              <a:defRPr sz="825"/>
+              <a:defRPr sz="2339"/>
             </a:lvl6pPr>
-            <a:lvl7pPr marL="2267585" indent="0">
+            <a:lvl7pPr marL="6414973" indent="0">
               <a:buNone/>
-              <a:defRPr sz="825"/>
+              <a:defRPr sz="2339"/>
             </a:lvl7pPr>
-            <a:lvl8pPr marL="2646045" indent="0">
+            <a:lvl8pPr marL="7484135" indent="0">
               <a:buNone/>
-              <a:defRPr sz="825"/>
+              <a:defRPr sz="2339"/>
             </a:lvl8pPr>
-            <a:lvl9pPr marL="3023870" indent="0">
+            <a:lvl9pPr marL="8553298" indent="0">
               <a:buNone/>
-              <a:defRPr sz="825"/>
+              <a:defRPr sz="2339"/>
             </a:lvl9pPr>
           </a:lstStyle>
           <a:p>
@@ -2053,7 +2096,7 @@
           <a:p>
             <a:fld id="{DCEEBA53-EBA9-40A5-BD15-213969A436B3}" type="datetimeFigureOut">
               <a:rPr lang="en-GB" smtClean="0"/>
-              <a:t>04/05/2025</a:t>
+              <a:t>05/05/2025</a:t>
             </a:fld>
             <a:endParaRPr lang="en-GB"/>
           </a:p>
@@ -2102,6 +2145,11 @@
         </p:txBody>
       </p:sp>
     </p:spTree>
+    <p:extLst>
+      <p:ext uri="{BB962C8B-B14F-4D97-AF65-F5344CB8AC3E}">
+        <p14:creationId xmlns:p14="http://schemas.microsoft.com/office/powerpoint/2010/main" val="2499635228"/>
+      </p:ext>
+    </p:extLst>
   </p:cSld>
   <p:clrMapOvr>
     <a:masterClrMapping/>
@@ -2138,15 +2186,15 @@
         </p:nvSpPr>
         <p:spPr>
           <a:xfrm>
-            <a:off x="520712" y="712788"/>
-            <a:ext cx="2438192" cy="2494756"/>
+            <a:off x="1472909" y="2018348"/>
+            <a:ext cx="6896776" cy="7064216"/>
           </a:xfrm>
         </p:spPr>
         <p:txBody>
           <a:bodyPr anchor="b"/>
           <a:lstStyle>
             <a:lvl1pPr>
-              <a:defRPr sz="2645"/>
+              <a:defRPr sz="7483"/>
             </a:lvl1pPr>
           </a:lstStyle>
           <a:p>
@@ -2170,8 +2218,8 @@
         </p:nvSpPr>
         <p:spPr>
           <a:xfrm>
-            <a:off x="3213847" y="1539425"/>
-            <a:ext cx="3827085" cy="7598117"/>
+            <a:off x="9090826" y="4359077"/>
+            <a:ext cx="10825460" cy="21515024"/>
           </a:xfrm>
         </p:spPr>
         <p:txBody>
@@ -2179,39 +2227,39 @@
           <a:lstStyle>
             <a:lvl1pPr marL="0" indent="0">
               <a:buNone/>
-              <a:defRPr sz="2645"/>
+              <a:defRPr sz="7483"/>
             </a:lvl1pPr>
-            <a:lvl2pPr marL="377825" indent="0">
+            <a:lvl2pPr marL="1069162" indent="0">
               <a:buNone/>
-              <a:defRPr sz="2315"/>
+              <a:defRPr sz="6548"/>
             </a:lvl2pPr>
-            <a:lvl3pPr marL="755650" indent="0">
+            <a:lvl3pPr marL="2138324" indent="0">
               <a:buNone/>
-              <a:defRPr sz="1985"/>
+              <a:defRPr sz="5612"/>
             </a:lvl3pPr>
-            <a:lvl4pPr marL="1134110" indent="0">
+            <a:lvl4pPr marL="3207487" indent="0">
               <a:buNone/>
-              <a:defRPr sz="1655"/>
+              <a:defRPr sz="4677"/>
             </a:lvl4pPr>
-            <a:lvl5pPr marL="1511935" indent="0">
+            <a:lvl5pPr marL="4276649" indent="0">
               <a:buNone/>
-              <a:defRPr sz="1655"/>
+              <a:defRPr sz="4677"/>
             </a:lvl5pPr>
-            <a:lvl6pPr marL="1889760" indent="0">
+            <a:lvl6pPr marL="5345811" indent="0">
               <a:buNone/>
-              <a:defRPr sz="1655"/>
+              <a:defRPr sz="4677"/>
             </a:lvl6pPr>
-            <a:lvl7pPr marL="2267585" indent="0">
+            <a:lvl7pPr marL="6414973" indent="0">
               <a:buNone/>
-              <a:defRPr sz="1655"/>
+              <a:defRPr sz="4677"/>
             </a:lvl7pPr>
-            <a:lvl8pPr marL="2646045" indent="0">
+            <a:lvl8pPr marL="7484135" indent="0">
               <a:buNone/>
-              <a:defRPr sz="1655"/>
+              <a:defRPr sz="4677"/>
             </a:lvl8pPr>
-            <a:lvl9pPr marL="3023870" indent="0">
+            <a:lvl9pPr marL="8553298" indent="0">
               <a:buNone/>
-              <a:defRPr sz="1655"/>
+              <a:defRPr sz="4677"/>
             </a:lvl9pPr>
           </a:lstStyle>
           <a:p>
@@ -2235,8 +2283,8 @@
         </p:nvSpPr>
         <p:spPr>
           <a:xfrm>
-            <a:off x="520712" y="3207544"/>
-            <a:ext cx="2438192" cy="5942372"/>
+            <a:off x="1472909" y="9082564"/>
+            <a:ext cx="6896776" cy="16826573"/>
           </a:xfrm>
         </p:spPr>
         <p:txBody>
@@ -2244,39 +2292,39 @@
           <a:lstStyle>
             <a:lvl1pPr marL="0" indent="0">
               <a:buNone/>
-              <a:defRPr sz="1325"/>
+              <a:defRPr sz="3742"/>
             </a:lvl1pPr>
-            <a:lvl2pPr marL="377825" indent="0">
+            <a:lvl2pPr marL="1069162" indent="0">
               <a:buNone/>
-              <a:defRPr sz="1155"/>
+              <a:defRPr sz="3274"/>
             </a:lvl2pPr>
-            <a:lvl3pPr marL="755650" indent="0">
+            <a:lvl3pPr marL="2138324" indent="0">
               <a:buNone/>
-              <a:defRPr sz="990"/>
+              <a:defRPr sz="2806"/>
             </a:lvl3pPr>
-            <a:lvl4pPr marL="1134110" indent="0">
+            <a:lvl4pPr marL="3207487" indent="0">
               <a:buNone/>
-              <a:defRPr sz="825"/>
+              <a:defRPr sz="2339"/>
             </a:lvl4pPr>
-            <a:lvl5pPr marL="1511935" indent="0">
+            <a:lvl5pPr marL="4276649" indent="0">
               <a:buNone/>
-              <a:defRPr sz="825"/>
+              <a:defRPr sz="2339"/>
             </a:lvl5pPr>
-            <a:lvl6pPr marL="1889760" indent="0">
+            <a:lvl6pPr marL="5345811" indent="0">
               <a:buNone/>
-              <a:defRPr sz="825"/>
+              <a:defRPr sz="2339"/>
             </a:lvl6pPr>
-            <a:lvl7pPr marL="2267585" indent="0">
+            <a:lvl7pPr marL="6414973" indent="0">
               <a:buNone/>
-              <a:defRPr sz="825"/>
+              <a:defRPr sz="2339"/>
             </a:lvl7pPr>
-            <a:lvl8pPr marL="2646045" indent="0">
+            <a:lvl8pPr marL="7484135" indent="0">
               <a:buNone/>
-              <a:defRPr sz="825"/>
+              <a:defRPr sz="2339"/>
             </a:lvl8pPr>
-            <a:lvl9pPr marL="3023870" indent="0">
+            <a:lvl9pPr marL="8553298" indent="0">
               <a:buNone/>
-              <a:defRPr sz="825"/>
+              <a:defRPr sz="2339"/>
             </a:lvl9pPr>
           </a:lstStyle>
           <a:p>
@@ -2305,7 +2353,7 @@
           <a:p>
             <a:fld id="{DCEEBA53-EBA9-40A5-BD15-213969A436B3}" type="datetimeFigureOut">
               <a:rPr lang="en-GB" smtClean="0"/>
-              <a:t>04/05/2025</a:t>
+              <a:t>05/05/2025</a:t>
             </a:fld>
             <a:endParaRPr lang="en-GB"/>
           </a:p>
@@ -2354,6 +2402,11 @@
         </p:txBody>
       </p:sp>
     </p:spTree>
+    <p:extLst>
+      <p:ext uri="{BB962C8B-B14F-4D97-AF65-F5344CB8AC3E}">
+        <p14:creationId xmlns:p14="http://schemas.microsoft.com/office/powerpoint/2010/main" val="3968605461"/>
+      </p:ext>
+    </p:extLst>
   </p:cSld>
   <p:clrMapOvr>
     <a:masterClrMapping/>
@@ -2366,7 +2419,7 @@
   <p:cSld>
     <p:bg>
       <p:bgRef idx="1001">
-        <a:schemeClr val="bg2"/>
+        <a:schemeClr val="bg1"/>
       </p:bgRef>
     </p:bg>
     <p:spTree>
@@ -2395,8 +2448,8 @@
         </p:nvSpPr>
         <p:spPr>
           <a:xfrm>
-            <a:off x="519728" y="569242"/>
-            <a:ext cx="6520220" cy="2066590"/>
+            <a:off x="1470124" y="1611882"/>
+            <a:ext cx="18443377" cy="5851808"/>
           </a:xfrm>
           <a:prstGeom prst="rect">
             <a:avLst/>
@@ -2428,8 +2481,8 @@
         </p:nvSpPr>
         <p:spPr>
           <a:xfrm>
-            <a:off x="519728" y="2846200"/>
-            <a:ext cx="6520220" cy="6783857"/>
+            <a:off x="1470124" y="8059374"/>
+            <a:ext cx="18443377" cy="19209345"/>
           </a:xfrm>
           <a:prstGeom prst="rect">
             <a:avLst/>
@@ -2490,8 +2543,8 @@
         </p:nvSpPr>
         <p:spPr>
           <a:xfrm>
-            <a:off x="519728" y="9909729"/>
-            <a:ext cx="1700927" cy="569240"/>
+            <a:off x="1470124" y="28060644"/>
+            <a:ext cx="4811316" cy="1611875"/>
           </a:xfrm>
           <a:prstGeom prst="rect">
             <a:avLst/>
@@ -2501,10 +2554,10 @@
           <a:bodyPr vert="horz" lIns="91440" tIns="45720" rIns="91440" bIns="45720" rtlCol="0" anchor="ctr"/>
           <a:lstStyle>
             <a:lvl1pPr algn="l">
-              <a:defRPr sz="990">
+              <a:defRPr sz="2806">
                 <a:solidFill>
                   <a:schemeClr val="tx1">
-                    <a:tint val="82000"/>
+                    <a:tint val="75000"/>
                   </a:schemeClr>
                 </a:solidFill>
               </a:defRPr>
@@ -2513,7 +2566,7 @@
           <a:p>
             <a:fld id="{DCEEBA53-EBA9-40A5-BD15-213969A436B3}" type="datetimeFigureOut">
               <a:rPr lang="en-GB" smtClean="0"/>
-              <a:t>04/05/2025</a:t>
+              <a:t>05/05/2025</a:t>
             </a:fld>
             <a:endParaRPr lang="en-GB"/>
           </a:p>
@@ -2531,8 +2584,8 @@
         </p:nvSpPr>
         <p:spPr>
           <a:xfrm>
-            <a:off x="2504143" y="9909729"/>
-            <a:ext cx="2551390" cy="569240"/>
+            <a:off x="7083326" y="28060644"/>
+            <a:ext cx="7216973" cy="1611875"/>
           </a:xfrm>
           <a:prstGeom prst="rect">
             <a:avLst/>
@@ -2542,10 +2595,10 @@
           <a:bodyPr vert="horz" lIns="91440" tIns="45720" rIns="91440" bIns="45720" rtlCol="0" anchor="ctr"/>
           <a:lstStyle>
             <a:lvl1pPr algn="ctr">
-              <a:defRPr sz="990">
+              <a:defRPr sz="2806">
                 <a:solidFill>
                   <a:schemeClr val="tx1">
-                    <a:tint val="82000"/>
+                    <a:tint val="75000"/>
                   </a:schemeClr>
                 </a:solidFill>
               </a:defRPr>
@@ -2568,8 +2621,8 @@
         </p:nvSpPr>
         <p:spPr>
           <a:xfrm>
-            <a:off x="5339020" y="9909729"/>
-            <a:ext cx="1700927" cy="569240"/>
+            <a:off x="15102185" y="28060644"/>
+            <a:ext cx="4811316" cy="1611875"/>
           </a:xfrm>
           <a:prstGeom prst="rect">
             <a:avLst/>
@@ -2579,10 +2632,10 @@
           <a:bodyPr vert="horz" lIns="91440" tIns="45720" rIns="91440" bIns="45720" rtlCol="0" anchor="ctr"/>
           <a:lstStyle>
             <a:lvl1pPr algn="r">
-              <a:defRPr sz="990">
+              <a:defRPr sz="2806">
                 <a:solidFill>
                   <a:schemeClr val="tx1">
-                    <a:tint val="82000"/>
+                    <a:tint val="75000"/>
                   </a:schemeClr>
                 </a:solidFill>
               </a:defRPr>
@@ -2598,24 +2651,29 @@
         </p:txBody>
       </p:sp>
     </p:spTree>
+    <p:extLst>
+      <p:ext uri="{BB962C8B-B14F-4D97-AF65-F5344CB8AC3E}">
+        <p14:creationId xmlns:p14="http://schemas.microsoft.com/office/powerpoint/2010/main" val="3124963222"/>
+      </p:ext>
+    </p:extLst>
   </p:cSld>
-  <p:clrMap bg1="dk1" tx1="lt1" bg2="dk2" tx2="lt2" accent1="accent1" accent2="accent2" accent3="accent3" accent4="accent4" accent5="accent5" accent6="accent6" hlink="hlink" folHlink="folHlink"/>
+  <p:clrMap bg1="lt1" tx1="dk1" bg2="lt2" tx2="dk2" accent1="accent1" accent2="accent2" accent3="accent3" accent4="accent4" accent5="accent5" accent6="accent6" hlink="hlink" folHlink="folHlink"/>
   <p:sldLayoutIdLst>
-    <p:sldLayoutId id="2147483649" r:id="rId1"/>
-    <p:sldLayoutId id="2147483650" r:id="rId2"/>
-    <p:sldLayoutId id="2147483651" r:id="rId3"/>
-    <p:sldLayoutId id="2147483652" r:id="rId4"/>
-    <p:sldLayoutId id="2147483653" r:id="rId5"/>
-    <p:sldLayoutId id="2147483654" r:id="rId6"/>
-    <p:sldLayoutId id="2147483655" r:id="rId7"/>
-    <p:sldLayoutId id="2147483656" r:id="rId8"/>
-    <p:sldLayoutId id="2147483657" r:id="rId9"/>
-    <p:sldLayoutId id="2147483658" r:id="rId10"/>
-    <p:sldLayoutId id="2147483659" r:id="rId11"/>
+    <p:sldLayoutId id="2147483661" r:id="rId1"/>
+    <p:sldLayoutId id="2147483662" r:id="rId2"/>
+    <p:sldLayoutId id="2147483663" r:id="rId3"/>
+    <p:sldLayoutId id="2147483664" r:id="rId4"/>
+    <p:sldLayoutId id="2147483665" r:id="rId5"/>
+    <p:sldLayoutId id="2147483666" r:id="rId6"/>
+    <p:sldLayoutId id="2147483667" r:id="rId7"/>
+    <p:sldLayoutId id="2147483668" r:id="rId8"/>
+    <p:sldLayoutId id="2147483669" r:id="rId9"/>
+    <p:sldLayoutId id="2147483670" r:id="rId10"/>
+    <p:sldLayoutId id="2147483671" r:id="rId11"/>
   </p:sldLayoutIdLst>
   <p:txStyles>
     <p:titleStyle>
-      <a:lvl1pPr algn="l" defTabSz="755650" rtl="0" eaLnBrk="1" latinLnBrk="0" hangingPunct="1">
+      <a:lvl1pPr algn="l" defTabSz="2138324" rtl="0" eaLnBrk="1" latinLnBrk="0" hangingPunct="1">
         <a:lnSpc>
           <a:spcPct val="90000"/>
         </a:lnSpc>
@@ -2623,7 +2681,7 @@
           <a:spcPct val="0"/>
         </a:spcBef>
         <a:buNone/>
-        <a:defRPr sz="3635" kern="1200">
+        <a:defRPr sz="10289" kern="1200">
           <a:solidFill>
             <a:schemeClr val="tx1"/>
           </a:solidFill>
@@ -2634,16 +2692,16 @@
       </a:lvl1pPr>
     </p:titleStyle>
     <p:bodyStyle>
-      <a:lvl1pPr marL="189230" indent="-189230" algn="l" defTabSz="755650" rtl="0" eaLnBrk="1" latinLnBrk="0" hangingPunct="1">
+      <a:lvl1pPr marL="534581" indent="-534581" algn="l" defTabSz="2138324" rtl="0" eaLnBrk="1" latinLnBrk="0" hangingPunct="1">
         <a:lnSpc>
           <a:spcPct val="90000"/>
         </a:lnSpc>
         <a:spcBef>
-          <a:spcPts val="825"/>
+          <a:spcPts val="2339"/>
         </a:spcBef>
         <a:buFont typeface="Arial" panose="020B0604020202020204" pitchFamily="34" charset="0"/>
         <a:buChar char="•"/>
-        <a:defRPr sz="2315" kern="1200">
+        <a:defRPr sz="6548" kern="1200">
           <a:solidFill>
             <a:schemeClr val="tx1"/>
           </a:solidFill>
@@ -2652,16 +2710,16 @@
           <a:cs typeface="+mn-cs"/>
         </a:defRPr>
       </a:lvl1pPr>
-      <a:lvl2pPr marL="567055" indent="-189230" algn="l" defTabSz="755650" rtl="0" eaLnBrk="1" latinLnBrk="0" hangingPunct="1">
+      <a:lvl2pPr marL="1603743" indent="-534581" algn="l" defTabSz="2138324" rtl="0" eaLnBrk="1" latinLnBrk="0" hangingPunct="1">
         <a:lnSpc>
           <a:spcPct val="90000"/>
         </a:lnSpc>
         <a:spcBef>
-          <a:spcPts val="415"/>
+          <a:spcPts val="1169"/>
         </a:spcBef>
         <a:buFont typeface="Arial" panose="020B0604020202020204" pitchFamily="34" charset="0"/>
         <a:buChar char="•"/>
-        <a:defRPr sz="1985" kern="1200">
+        <a:defRPr sz="5612" kern="1200">
           <a:solidFill>
             <a:schemeClr val="tx1"/>
           </a:solidFill>
@@ -2670,16 +2728,16 @@
           <a:cs typeface="+mn-cs"/>
         </a:defRPr>
       </a:lvl2pPr>
-      <a:lvl3pPr marL="944880" indent="-189230" algn="l" defTabSz="755650" rtl="0" eaLnBrk="1" latinLnBrk="0" hangingPunct="1">
+      <a:lvl3pPr marL="2672906" indent="-534581" algn="l" defTabSz="2138324" rtl="0" eaLnBrk="1" latinLnBrk="0" hangingPunct="1">
         <a:lnSpc>
           <a:spcPct val="90000"/>
         </a:lnSpc>
         <a:spcBef>
-          <a:spcPts val="415"/>
+          <a:spcPts val="1169"/>
         </a:spcBef>
         <a:buFont typeface="Arial" panose="020B0604020202020204" pitchFamily="34" charset="0"/>
         <a:buChar char="•"/>
-        <a:defRPr sz="1655" kern="1200">
+        <a:defRPr sz="4677" kern="1200">
           <a:solidFill>
             <a:schemeClr val="tx1"/>
           </a:solidFill>
@@ -2688,16 +2746,16 @@
           <a:cs typeface="+mn-cs"/>
         </a:defRPr>
       </a:lvl3pPr>
-      <a:lvl4pPr marL="1322705" indent="-189230" algn="l" defTabSz="755650" rtl="0" eaLnBrk="1" latinLnBrk="0" hangingPunct="1">
+      <a:lvl4pPr marL="3742068" indent="-534581" algn="l" defTabSz="2138324" rtl="0" eaLnBrk="1" latinLnBrk="0" hangingPunct="1">
         <a:lnSpc>
           <a:spcPct val="90000"/>
         </a:lnSpc>
         <a:spcBef>
-          <a:spcPts val="415"/>
+          <a:spcPts val="1169"/>
         </a:spcBef>
         <a:buFont typeface="Arial" panose="020B0604020202020204" pitchFamily="34" charset="0"/>
         <a:buChar char="•"/>
-        <a:defRPr sz="1490" kern="1200">
+        <a:defRPr sz="4209" kern="1200">
           <a:solidFill>
             <a:schemeClr val="tx1"/>
           </a:solidFill>
@@ -2706,16 +2764,16 @@
           <a:cs typeface="+mn-cs"/>
         </a:defRPr>
       </a:lvl4pPr>
-      <a:lvl5pPr marL="1701165" indent="-189230" algn="l" defTabSz="755650" rtl="0" eaLnBrk="1" latinLnBrk="0" hangingPunct="1">
+      <a:lvl5pPr marL="4811230" indent="-534581" algn="l" defTabSz="2138324" rtl="0" eaLnBrk="1" latinLnBrk="0" hangingPunct="1">
         <a:lnSpc>
           <a:spcPct val="90000"/>
         </a:lnSpc>
         <a:spcBef>
-          <a:spcPts val="415"/>
+          <a:spcPts val="1169"/>
         </a:spcBef>
         <a:buFont typeface="Arial" panose="020B0604020202020204" pitchFamily="34" charset="0"/>
         <a:buChar char="•"/>
-        <a:defRPr sz="1490" kern="1200">
+        <a:defRPr sz="4209" kern="1200">
           <a:solidFill>
             <a:schemeClr val="tx1"/>
           </a:solidFill>
@@ -2724,16 +2782,16 @@
           <a:cs typeface="+mn-cs"/>
         </a:defRPr>
       </a:lvl5pPr>
-      <a:lvl6pPr marL="2078990" indent="-189230" algn="l" defTabSz="755650" rtl="0" eaLnBrk="1" latinLnBrk="0" hangingPunct="1">
+      <a:lvl6pPr marL="5880392" indent="-534581" algn="l" defTabSz="2138324" rtl="0" eaLnBrk="1" latinLnBrk="0" hangingPunct="1">
         <a:lnSpc>
           <a:spcPct val="90000"/>
         </a:lnSpc>
         <a:spcBef>
-          <a:spcPts val="415"/>
+          <a:spcPts val="1169"/>
         </a:spcBef>
         <a:buFont typeface="Arial" panose="020B0604020202020204" pitchFamily="34" charset="0"/>
         <a:buChar char="•"/>
-        <a:defRPr sz="1490" kern="1200">
+        <a:defRPr sz="4209" kern="1200">
           <a:solidFill>
             <a:schemeClr val="tx1"/>
           </a:solidFill>
@@ -2742,16 +2800,16 @@
           <a:cs typeface="+mn-cs"/>
         </a:defRPr>
       </a:lvl6pPr>
-      <a:lvl7pPr marL="2456815" indent="-189230" algn="l" defTabSz="755650" rtl="0" eaLnBrk="1" latinLnBrk="0" hangingPunct="1">
+      <a:lvl7pPr marL="6949554" indent="-534581" algn="l" defTabSz="2138324" rtl="0" eaLnBrk="1" latinLnBrk="0" hangingPunct="1">
         <a:lnSpc>
           <a:spcPct val="90000"/>
         </a:lnSpc>
         <a:spcBef>
-          <a:spcPts val="415"/>
+          <a:spcPts val="1169"/>
         </a:spcBef>
         <a:buFont typeface="Arial" panose="020B0604020202020204" pitchFamily="34" charset="0"/>
         <a:buChar char="•"/>
-        <a:defRPr sz="1490" kern="1200">
+        <a:defRPr sz="4209" kern="1200">
           <a:solidFill>
             <a:schemeClr val="tx1"/>
           </a:solidFill>
@@ -2760,16 +2818,16 @@
           <a:cs typeface="+mn-cs"/>
         </a:defRPr>
       </a:lvl7pPr>
-      <a:lvl8pPr marL="2834640" indent="-189230" algn="l" defTabSz="755650" rtl="0" eaLnBrk="1" latinLnBrk="0" hangingPunct="1">
+      <a:lvl8pPr marL="8018717" indent="-534581" algn="l" defTabSz="2138324" rtl="0" eaLnBrk="1" latinLnBrk="0" hangingPunct="1">
         <a:lnSpc>
           <a:spcPct val="90000"/>
         </a:lnSpc>
         <a:spcBef>
-          <a:spcPts val="415"/>
+          <a:spcPts val="1169"/>
         </a:spcBef>
         <a:buFont typeface="Arial" panose="020B0604020202020204" pitchFamily="34" charset="0"/>
         <a:buChar char="•"/>
-        <a:defRPr sz="1490" kern="1200">
+        <a:defRPr sz="4209" kern="1200">
           <a:solidFill>
             <a:schemeClr val="tx1"/>
           </a:solidFill>
@@ -2778,16 +2836,16 @@
           <a:cs typeface="+mn-cs"/>
         </a:defRPr>
       </a:lvl8pPr>
-      <a:lvl9pPr marL="3212465" indent="-189230" algn="l" defTabSz="755650" rtl="0" eaLnBrk="1" latinLnBrk="0" hangingPunct="1">
+      <a:lvl9pPr marL="9087879" indent="-534581" algn="l" defTabSz="2138324" rtl="0" eaLnBrk="1" latinLnBrk="0" hangingPunct="1">
         <a:lnSpc>
           <a:spcPct val="90000"/>
         </a:lnSpc>
         <a:spcBef>
-          <a:spcPts val="415"/>
+          <a:spcPts val="1169"/>
         </a:spcBef>
         <a:buFont typeface="Arial" panose="020B0604020202020204" pitchFamily="34" charset="0"/>
         <a:buChar char="•"/>
-        <a:defRPr sz="1490" kern="1200">
+        <a:defRPr sz="4209" kern="1200">
           <a:solidFill>
             <a:schemeClr val="tx1"/>
           </a:solidFill>
@@ -2801,8 +2859,8 @@
       <a:defPPr>
         <a:defRPr lang="en-US"/>
       </a:defPPr>
-      <a:lvl1pPr marL="0" algn="l" defTabSz="755650" rtl="0" eaLnBrk="1" latinLnBrk="0" hangingPunct="1">
-        <a:defRPr sz="1490" kern="1200">
+      <a:lvl1pPr marL="0" algn="l" defTabSz="2138324" rtl="0" eaLnBrk="1" latinLnBrk="0" hangingPunct="1">
+        <a:defRPr sz="4209" kern="1200">
           <a:solidFill>
             <a:schemeClr val="tx1"/>
           </a:solidFill>
@@ -2811,8 +2869,8 @@
           <a:cs typeface="+mn-cs"/>
         </a:defRPr>
       </a:lvl1pPr>
-      <a:lvl2pPr marL="377825" algn="l" defTabSz="755650" rtl="0" eaLnBrk="1" latinLnBrk="0" hangingPunct="1">
-        <a:defRPr sz="1490" kern="1200">
+      <a:lvl2pPr marL="1069162" algn="l" defTabSz="2138324" rtl="0" eaLnBrk="1" latinLnBrk="0" hangingPunct="1">
+        <a:defRPr sz="4209" kern="1200">
           <a:solidFill>
             <a:schemeClr val="tx1"/>
           </a:solidFill>
@@ -2821,8 +2879,8 @@
           <a:cs typeface="+mn-cs"/>
         </a:defRPr>
       </a:lvl2pPr>
-      <a:lvl3pPr marL="755650" algn="l" defTabSz="755650" rtl="0" eaLnBrk="1" latinLnBrk="0" hangingPunct="1">
-        <a:defRPr sz="1490" kern="1200">
+      <a:lvl3pPr marL="2138324" algn="l" defTabSz="2138324" rtl="0" eaLnBrk="1" latinLnBrk="0" hangingPunct="1">
+        <a:defRPr sz="4209" kern="1200">
           <a:solidFill>
             <a:schemeClr val="tx1"/>
           </a:solidFill>
@@ -2831,8 +2889,8 @@
           <a:cs typeface="+mn-cs"/>
         </a:defRPr>
       </a:lvl3pPr>
-      <a:lvl4pPr marL="1134110" algn="l" defTabSz="755650" rtl="0" eaLnBrk="1" latinLnBrk="0" hangingPunct="1">
-        <a:defRPr sz="1490" kern="1200">
+      <a:lvl4pPr marL="3207487" algn="l" defTabSz="2138324" rtl="0" eaLnBrk="1" latinLnBrk="0" hangingPunct="1">
+        <a:defRPr sz="4209" kern="1200">
           <a:solidFill>
             <a:schemeClr val="tx1"/>
           </a:solidFill>
@@ -2841,8 +2899,8 @@
           <a:cs typeface="+mn-cs"/>
         </a:defRPr>
       </a:lvl4pPr>
-      <a:lvl5pPr marL="1511935" algn="l" defTabSz="755650" rtl="0" eaLnBrk="1" latinLnBrk="0" hangingPunct="1">
-        <a:defRPr sz="1490" kern="1200">
+      <a:lvl5pPr marL="4276649" algn="l" defTabSz="2138324" rtl="0" eaLnBrk="1" latinLnBrk="0" hangingPunct="1">
+        <a:defRPr sz="4209" kern="1200">
           <a:solidFill>
             <a:schemeClr val="tx1"/>
           </a:solidFill>
@@ -2851,8 +2909,8 @@
           <a:cs typeface="+mn-cs"/>
         </a:defRPr>
       </a:lvl5pPr>
-      <a:lvl6pPr marL="1889760" algn="l" defTabSz="755650" rtl="0" eaLnBrk="1" latinLnBrk="0" hangingPunct="1">
-        <a:defRPr sz="1490" kern="1200">
+      <a:lvl6pPr marL="5345811" algn="l" defTabSz="2138324" rtl="0" eaLnBrk="1" latinLnBrk="0" hangingPunct="1">
+        <a:defRPr sz="4209" kern="1200">
           <a:solidFill>
             <a:schemeClr val="tx1"/>
           </a:solidFill>
@@ -2861,8 +2919,8 @@
           <a:cs typeface="+mn-cs"/>
         </a:defRPr>
       </a:lvl6pPr>
-      <a:lvl7pPr marL="2267585" algn="l" defTabSz="755650" rtl="0" eaLnBrk="1" latinLnBrk="0" hangingPunct="1">
-        <a:defRPr sz="1490" kern="1200">
+      <a:lvl7pPr marL="6414973" algn="l" defTabSz="2138324" rtl="0" eaLnBrk="1" latinLnBrk="0" hangingPunct="1">
+        <a:defRPr sz="4209" kern="1200">
           <a:solidFill>
             <a:schemeClr val="tx1"/>
           </a:solidFill>
@@ -2871,8 +2929,8 @@
           <a:cs typeface="+mn-cs"/>
         </a:defRPr>
       </a:lvl7pPr>
-      <a:lvl8pPr marL="2646045" algn="l" defTabSz="755650" rtl="0" eaLnBrk="1" latinLnBrk="0" hangingPunct="1">
-        <a:defRPr sz="1490" kern="1200">
+      <a:lvl8pPr marL="7484135" algn="l" defTabSz="2138324" rtl="0" eaLnBrk="1" latinLnBrk="0" hangingPunct="1">
+        <a:defRPr sz="4209" kern="1200">
           <a:solidFill>
             <a:schemeClr val="tx1"/>
           </a:solidFill>
@@ -2881,8 +2939,8 @@
           <a:cs typeface="+mn-cs"/>
         </a:defRPr>
       </a:lvl8pPr>
-      <a:lvl9pPr marL="3023870" algn="l" defTabSz="755650" rtl="0" eaLnBrk="1" latinLnBrk="0" hangingPunct="1">
-        <a:defRPr sz="1490" kern="1200">
+      <a:lvl9pPr marL="8553298" algn="l" defTabSz="2138324" rtl="0" eaLnBrk="1" latinLnBrk="0" hangingPunct="1">
+        <a:defRPr sz="4209" kern="1200">
           <a:solidFill>
             <a:schemeClr val="tx1"/>
           </a:solidFill>
@@ -2921,14 +2979,16 @@
         </p:nvSpPr>
         <p:spPr>
           <a:xfrm>
-            <a:off x="83127" y="72736"/>
-            <a:ext cx="7387937" cy="10525991"/>
+            <a:off x="0" y="0"/>
+            <a:ext cx="21383625" cy="30275213"/>
           </a:xfrm>
           <a:prstGeom prst="rect">
             <a:avLst/>
           </a:prstGeom>
           <a:solidFill>
-            <a:srgbClr val="B1F0FD"/>
+            <a:schemeClr val="accent1">
+              <a:lumMod val="50000"/>
+            </a:schemeClr>
           </a:solidFill>
         </p:spPr>
         <p:style>
@@ -2952,7 +3012,7 @@
           <a:lstStyle/>
           <a:p>
             <a:pPr algn="ctr"/>
-            <a:endParaRPr lang="en-GB" dirty="0">
+            <a:endParaRPr lang="en-GB" sz="14412" dirty="0">
               <a:solidFill>
                 <a:srgbClr val="FF0000"/>
               </a:solidFill>
@@ -2965,20 +3025,97 @@
       </p:sp>
       <p:sp>
         <p:nvSpPr>
+          <p:cNvPr id="23" name="Rectangle 22">
+            <a:extLst>
+              <a:ext uri="{FF2B5EF4-FFF2-40B4-BE49-F238E27FC236}">
+                <a16:creationId xmlns:a16="http://schemas.microsoft.com/office/drawing/2014/main" id="{7BF20449-EDD7-0CEA-39F7-F3CF284A47C0}"/>
+              </a:ext>
+            </a:extLst>
+          </p:cNvPr>
+          <p:cNvSpPr/>
+          <p:nvPr/>
+        </p:nvSpPr>
+        <p:spPr>
+          <a:xfrm>
+            <a:off x="107974" y="146072"/>
+            <a:ext cx="21167678" cy="29983067"/>
+          </a:xfrm>
+          <a:prstGeom prst="rect">
+            <a:avLst/>
+          </a:prstGeom>
+          <a:solidFill>
+            <a:schemeClr val="accent1">
+              <a:lumMod val="40000"/>
+              <a:lumOff val="60000"/>
+            </a:schemeClr>
+          </a:solidFill>
+        </p:spPr>
+        <p:style>
+          <a:lnRef idx="2">
+            <a:schemeClr val="accent4">
+              <a:shade val="15000"/>
+            </a:schemeClr>
+          </a:lnRef>
+          <a:fillRef idx="1">
+            <a:schemeClr val="accent4"/>
+          </a:fillRef>
+          <a:effectRef idx="0">
+            <a:schemeClr val="accent4"/>
+          </a:effectRef>
+          <a:fontRef idx="minor">
+            <a:schemeClr val="lt1"/>
+          </a:fontRef>
+        </p:style>
+        <p:txBody>
+          <a:bodyPr rtlCol="0" anchor="ctr"/>
+          <a:lstStyle/>
+          <a:p>
+            <a:pPr algn="ctr"/>
+            <a:endParaRPr lang="en-GB" sz="14412" dirty="0">
+              <a:solidFill>
+                <a:srgbClr val="FF0000"/>
+              </a:solidFill>
+              <a:highlight>
+                <a:srgbClr val="FFFF00"/>
+              </a:highlight>
+            </a:endParaRPr>
+          </a:p>
+        </p:txBody>
+      </p:sp>
+      <p:sp>
+        <p:nvSpPr>
           <p:cNvPr id="8" name="Rectangle: Rounded Corners 7"/>
           <p:cNvSpPr/>
           <p:nvPr/>
         </p:nvSpPr>
         <p:spPr>
           <a:xfrm>
-            <a:off x="205526" y="2594660"/>
-            <a:ext cx="3522517" cy="2058585"/>
+            <a:off x="581362" y="7355313"/>
+            <a:ext cx="9895211" cy="5823003"/>
           </a:xfrm>
           <a:prstGeom prst="roundRect">
             <a:avLst>
-              <a:gd name="adj" fmla="val 8703"/>
+              <a:gd name="adj" fmla="val 5157"/>
             </a:avLst>
           </a:prstGeom>
+          <a:solidFill>
+            <a:schemeClr val="accent4">
+              <a:lumMod val="60000"/>
+              <a:lumOff val="40000"/>
+            </a:schemeClr>
+          </a:solidFill>
+          <a:ln>
+            <a:solidFill>
+              <a:schemeClr val="tx1"/>
+            </a:solidFill>
+          </a:ln>
+          <a:effectLst>
+            <a:outerShdw blurRad="50800" dist="38100" dir="8100000" algn="tr" rotWithShape="0">
+              <a:prstClr val="black">
+                <a:alpha val="40000"/>
+              </a:prstClr>
+            </a:outerShdw>
+          </a:effectLst>
         </p:spPr>
         <p:style>
           <a:lnRef idx="2">
@@ -3001,7 +3138,7 @@
           <a:lstStyle/>
           <a:p>
             <a:pPr algn="ctr"/>
-            <a:endParaRPr lang="en-GB"/>
+            <a:endParaRPr lang="en-GB" sz="14412"/>
           </a:p>
         </p:txBody>
       </p:sp>
@@ -3013,14 +3150,31 @@
         </p:nvSpPr>
         <p:spPr>
           <a:xfrm>
-            <a:off x="3826146" y="1070695"/>
-            <a:ext cx="3522517" cy="4170871"/>
+            <a:off x="10822805" y="3044560"/>
+            <a:ext cx="9963945" cy="6443984"/>
           </a:xfrm>
           <a:prstGeom prst="roundRect">
             <a:avLst>
-              <a:gd name="adj" fmla="val 8998"/>
+              <a:gd name="adj" fmla="val 9359"/>
             </a:avLst>
           </a:prstGeom>
+          <a:solidFill>
+            <a:schemeClr val="accent6">
+              <a:lumMod val="75000"/>
+            </a:schemeClr>
+          </a:solidFill>
+          <a:ln>
+            <a:solidFill>
+              <a:schemeClr val="tx1"/>
+            </a:solidFill>
+          </a:ln>
+          <a:effectLst>
+            <a:outerShdw blurRad="50800" dist="38100" dir="8100000" algn="tr" rotWithShape="0">
+              <a:prstClr val="black">
+                <a:alpha val="40000"/>
+              </a:prstClr>
+            </a:outerShdw>
+          </a:effectLst>
         </p:spPr>
         <p:style>
           <a:lnRef idx="2">
@@ -3043,7 +3197,7 @@
           <a:lstStyle/>
           <a:p>
             <a:pPr algn="ctr"/>
-            <a:endParaRPr lang="en-GB"/>
+            <a:endParaRPr lang="en-GB" sz="14412"/>
           </a:p>
         </p:txBody>
       </p:sp>
@@ -3055,8 +3209,127 @@
         </p:nvSpPr>
         <p:spPr>
           <a:xfrm>
-            <a:off x="211012" y="5345906"/>
-            <a:ext cx="3522517" cy="4275212"/>
+            <a:off x="596880" y="13418285"/>
+            <a:ext cx="9963945" cy="7557298"/>
+          </a:xfrm>
+          <a:prstGeom prst="roundRect">
+            <a:avLst>
+              <a:gd name="adj" fmla="val 5015"/>
+            </a:avLst>
+          </a:prstGeom>
+          <a:solidFill>
+            <a:schemeClr val="tx1">
+              <a:lumMod val="50000"/>
+              <a:lumOff val="50000"/>
+            </a:schemeClr>
+          </a:solidFill>
+          <a:ln>
+            <a:solidFill>
+              <a:schemeClr val="tx1"/>
+            </a:solidFill>
+          </a:ln>
+          <a:effectLst>
+            <a:outerShdw blurRad="50800" dist="38100" dir="8100000" algn="tr" rotWithShape="0">
+              <a:prstClr val="black">
+                <a:alpha val="40000"/>
+              </a:prstClr>
+            </a:outerShdw>
+          </a:effectLst>
+        </p:spPr>
+        <p:style>
+          <a:lnRef idx="2">
+            <a:schemeClr val="accent1">
+              <a:shade val="15000"/>
+            </a:schemeClr>
+          </a:lnRef>
+          <a:fillRef idx="1">
+            <a:schemeClr val="accent1"/>
+          </a:fillRef>
+          <a:effectRef idx="0">
+            <a:schemeClr val="accent1"/>
+          </a:effectRef>
+          <a:fontRef idx="minor">
+            <a:schemeClr val="lt1"/>
+          </a:fontRef>
+        </p:style>
+        <p:txBody>
+          <a:bodyPr rtlCol="0" anchor="ctr"/>
+          <a:lstStyle/>
+          <a:p>
+            <a:pPr algn="ctr"/>
+            <a:endParaRPr lang="en-GB" sz="14412"/>
+          </a:p>
+        </p:txBody>
+      </p:sp>
+      <p:sp>
+        <p:nvSpPr>
+          <p:cNvPr id="11" name="Rectangle: Rounded Corners 10"/>
+          <p:cNvSpPr/>
+          <p:nvPr/>
+        </p:nvSpPr>
+        <p:spPr>
+          <a:xfrm>
+            <a:off x="10822801" y="23913593"/>
+            <a:ext cx="9963945" cy="3224716"/>
+          </a:xfrm>
+          <a:prstGeom prst="roundRect">
+            <a:avLst>
+              <a:gd name="adj" fmla="val 7818"/>
+            </a:avLst>
+          </a:prstGeom>
+          <a:solidFill>
+            <a:schemeClr val="accent4">
+              <a:lumMod val="75000"/>
+            </a:schemeClr>
+          </a:solidFill>
+          <a:ln>
+            <a:solidFill>
+              <a:schemeClr val="tx1"/>
+            </a:solidFill>
+          </a:ln>
+          <a:effectLst>
+            <a:outerShdw blurRad="50800" dist="38100" dir="8100000" algn="tr" rotWithShape="0">
+              <a:prstClr val="black">
+                <a:alpha val="40000"/>
+              </a:prstClr>
+            </a:outerShdw>
+          </a:effectLst>
+        </p:spPr>
+        <p:style>
+          <a:lnRef idx="2">
+            <a:schemeClr val="accent1">
+              <a:shade val="15000"/>
+            </a:schemeClr>
+          </a:lnRef>
+          <a:fillRef idx="1">
+            <a:schemeClr val="accent1"/>
+          </a:fillRef>
+          <a:effectRef idx="0">
+            <a:schemeClr val="accent1"/>
+          </a:effectRef>
+          <a:fontRef idx="minor">
+            <a:schemeClr val="lt1"/>
+          </a:fontRef>
+        </p:style>
+        <p:txBody>
+          <a:bodyPr rtlCol="0" anchor="ctr"/>
+          <a:lstStyle/>
+          <a:p>
+            <a:pPr algn="ctr"/>
+            <a:endParaRPr lang="en-GB" sz="14412"/>
+          </a:p>
+        </p:txBody>
+      </p:sp>
+      <p:sp>
+        <p:nvSpPr>
+          <p:cNvPr id="12" name="Rectangle: Rounded Corners 11"/>
+          <p:cNvSpPr/>
+          <p:nvPr/>
+        </p:nvSpPr>
+        <p:spPr>
+          <a:xfrm>
+            <a:off x="596880" y="27344637"/>
+            <a:ext cx="20189870" cy="2603341"/>
           </a:xfrm>
           <a:prstGeom prst="roundRect">
             <a:avLst>
@@ -3085,26 +3358,38 @@
           <a:lstStyle/>
           <a:p>
             <a:pPr algn="ctr"/>
-            <a:endParaRPr lang="en-GB"/>
-          </a:p>
-        </p:txBody>
-      </p:sp>
-      <p:sp>
-        <p:nvSpPr>
-          <p:cNvPr id="11" name="Rectangle: Rounded Corners 10"/>
+            <a:endParaRPr lang="en-GB" sz="14412"/>
+          </a:p>
+        </p:txBody>
+      </p:sp>
+      <p:sp>
+        <p:nvSpPr>
+          <p:cNvPr id="13" name="Rectangle: Rounded Corners 12"/>
           <p:cNvSpPr/>
           <p:nvPr/>
         </p:nvSpPr>
         <p:spPr>
           <a:xfrm>
-            <a:off x="3826146" y="8481096"/>
-            <a:ext cx="3522517" cy="1140022"/>
+            <a:off x="589121" y="481930"/>
+            <a:ext cx="20189870" cy="2267489"/>
           </a:xfrm>
           <a:prstGeom prst="roundRect">
             <a:avLst>
-              <a:gd name="adj" fmla="val 7818"/>
+              <a:gd name="adj" fmla="val 15557"/>
             </a:avLst>
           </a:prstGeom>
+          <a:ln>
+            <a:solidFill>
+              <a:schemeClr val="tx1"/>
+            </a:solidFill>
+          </a:ln>
+          <a:effectLst>
+            <a:outerShdw blurRad="50800" dist="38100" dir="8100000" algn="tr" rotWithShape="0">
+              <a:prstClr val="black">
+                <a:alpha val="40000"/>
+              </a:prstClr>
+            </a:outerShdw>
+          </a:effectLst>
         </p:spPr>
         <p:style>
           <a:lnRef idx="2">
@@ -3127,91 +3412,7 @@
           <a:lstStyle/>
           <a:p>
             <a:pPr algn="ctr"/>
-            <a:endParaRPr lang="en-GB"/>
-          </a:p>
-        </p:txBody>
-      </p:sp>
-      <p:sp>
-        <p:nvSpPr>
-          <p:cNvPr id="12" name="Rectangle: Rounded Corners 11"/>
-          <p:cNvSpPr/>
-          <p:nvPr/>
-        </p:nvSpPr>
-        <p:spPr>
-          <a:xfrm>
-            <a:off x="211012" y="9725458"/>
-            <a:ext cx="7137651" cy="768929"/>
-          </a:xfrm>
-          <a:prstGeom prst="roundRect">
-            <a:avLst>
-              <a:gd name="adj" fmla="val 9293"/>
-            </a:avLst>
-          </a:prstGeom>
-        </p:spPr>
-        <p:style>
-          <a:lnRef idx="2">
-            <a:schemeClr val="accent1">
-              <a:shade val="15000"/>
-            </a:schemeClr>
-          </a:lnRef>
-          <a:fillRef idx="1">
-            <a:schemeClr val="accent1"/>
-          </a:fillRef>
-          <a:effectRef idx="0">
-            <a:schemeClr val="accent1"/>
-          </a:effectRef>
-          <a:fontRef idx="minor">
-            <a:schemeClr val="lt1"/>
-          </a:fontRef>
-        </p:style>
-        <p:txBody>
-          <a:bodyPr rtlCol="0" anchor="ctr"/>
-          <a:lstStyle/>
-          <a:p>
-            <a:pPr algn="ctr"/>
-            <a:endParaRPr lang="en-GB"/>
-          </a:p>
-        </p:txBody>
-      </p:sp>
-      <p:sp>
-        <p:nvSpPr>
-          <p:cNvPr id="13" name="Rectangle: Rounded Corners 12"/>
-          <p:cNvSpPr/>
-          <p:nvPr/>
-        </p:nvSpPr>
-        <p:spPr>
-          <a:xfrm>
-            <a:off x="208269" y="164738"/>
-            <a:ext cx="7137651" cy="801617"/>
-          </a:xfrm>
-          <a:prstGeom prst="roundRect">
-            <a:avLst>
-              <a:gd name="adj" fmla="val 25927"/>
-            </a:avLst>
-          </a:prstGeom>
-        </p:spPr>
-        <p:style>
-          <a:lnRef idx="2">
-            <a:schemeClr val="accent1">
-              <a:shade val="15000"/>
-            </a:schemeClr>
-          </a:lnRef>
-          <a:fillRef idx="1">
-            <a:schemeClr val="accent1"/>
-          </a:fillRef>
-          <a:effectRef idx="0">
-            <a:schemeClr val="accent1"/>
-          </a:effectRef>
-          <a:fontRef idx="minor">
-            <a:schemeClr val="lt1"/>
-          </a:fontRef>
-        </p:style>
-        <p:txBody>
-          <a:bodyPr rtlCol="0" anchor="ctr"/>
-          <a:lstStyle/>
-          <a:p>
-            <a:pPr algn="ctr"/>
-            <a:endParaRPr lang="en-GB"/>
+            <a:endParaRPr lang="en-GB" sz="14412"/>
           </a:p>
         </p:txBody>
       </p:sp>
@@ -3237,8 +3438,8 @@
         </p:blipFill>
         <p:spPr>
           <a:xfrm>
-            <a:off x="5701704" y="232737"/>
-            <a:ext cx="1543337" cy="413440"/>
+            <a:off x="15889027" y="672758"/>
+            <a:ext cx="4365550" cy="1169474"/>
           </a:xfrm>
           <a:prstGeom prst="rect">
             <a:avLst/>
@@ -3253,8 +3454,8 @@
         </p:nvSpPr>
         <p:spPr>
           <a:xfrm>
-            <a:off x="232568" y="2742805"/>
-            <a:ext cx="3495475" cy="1292662"/>
+            <a:off x="643108" y="7688699"/>
+            <a:ext cx="9887452" cy="4793492"/>
           </a:xfrm>
           <a:prstGeom prst="rect">
             <a:avLst/>
@@ -3268,16 +3469,14 @@
           <a:lstStyle/>
           <a:p>
             <a:r>
-              <a:rPr lang="en-GB" sz="1200" b="1" dirty="0">
+              <a:rPr lang="en-GB" sz="3394" b="1" dirty="0">
                 <a:latin typeface="Calibri Light" panose="020F0302020204030204" pitchFamily="34" charset="0"/>
                 <a:ea typeface="Anonymous Pro" panose="02060609030202000504" pitchFamily="49" charset="0"/>
                 <a:cs typeface="Calibri Light" panose="020F0302020204030204" pitchFamily="34" charset="0"/>
               </a:rPr>
               <a:t>Introduction:</a:t>
             </a:r>
-          </a:p>
-          <a:p>
-            <a:endParaRPr lang="en-GB" sz="1000" b="1" dirty="0">
+            <a:endParaRPr lang="en-GB" sz="2829" b="1" dirty="0">
               <a:latin typeface="Calibri Light" panose="020F0302020204030204" pitchFamily="34" charset="0"/>
               <a:ea typeface="Anonymous Pro" panose="02060609030202000504" pitchFamily="49" charset="0"/>
               <a:cs typeface="Calibri Light" panose="020F0302020204030204" pitchFamily="34" charset="0"/>
@@ -3285,16 +3484,16 @@
           </a:p>
           <a:p>
             <a:r>
-              <a:rPr lang="en-GB" sz="800" dirty="0">
-                <a:latin typeface="Calibri Light" panose="020F0302020204030204" pitchFamily="34" charset="0"/>
-                <a:ea typeface="Anonymous Pro" panose="02060609030202000504" pitchFamily="49" charset="0"/>
-                <a:cs typeface="Calibri Light" panose="020F0302020204030204" pitchFamily="34" charset="0"/>
-              </a:rPr>
-              <a:t>As Games become older there is less investment from their creators due to weakening cashflows, as a result they go obsolete. This makes games preservation vital in making it so these games do not go obsolete.</a:t>
-            </a:r>
-          </a:p>
-          <a:p>
-            <a:endParaRPr lang="en-GB" sz="800" dirty="0">
+              <a:rPr lang="en-GB" sz="2263" dirty="0">
+                <a:latin typeface="Calibri Light" panose="020F0302020204030204" pitchFamily="34" charset="0"/>
+                <a:ea typeface="Anonymous Pro" panose="02060609030202000504" pitchFamily="49" charset="0"/>
+                <a:cs typeface="Calibri Light" panose="020F0302020204030204" pitchFamily="34" charset="0"/>
+              </a:rPr>
+              <a:t>As Games become older there is less investment from their creators, as a result games go obsolete with time. This makes games preservation vital in ensuring these games do not go obsolete and forgotten for public and professional use.</a:t>
+            </a:r>
+          </a:p>
+          <a:p>
+            <a:endParaRPr lang="en-GB" sz="2263" dirty="0">
               <a:latin typeface="Calibri Light" panose="020F0302020204030204" pitchFamily="34" charset="0"/>
               <a:ea typeface="Anonymous Pro" panose="02060609030202000504" pitchFamily="49" charset="0"/>
               <a:cs typeface="Calibri Light" panose="020F0302020204030204" pitchFamily="34" charset="0"/>
@@ -3302,12 +3501,109 @@
           </a:p>
           <a:p>
             <a:r>
-              <a:rPr lang="en-GB" sz="800" dirty="0">
-                <a:latin typeface="Calibri Light" panose="020F0302020204030204" pitchFamily="34" charset="0"/>
-                <a:ea typeface="Anonymous Pro" panose="02060609030202000504" pitchFamily="49" charset="0"/>
-                <a:cs typeface="Calibri Light" panose="020F0302020204030204" pitchFamily="34" charset="0"/>
-              </a:rPr>
-              <a:t>Games preservation is the act of preserving games, games systems and their files. Games preservation as a practice can be done through preserving the contents of the game asset files for further use. </a:t>
+              <a:rPr lang="en-GB" sz="2263" dirty="0">
+                <a:latin typeface="Calibri Light" panose="020F0302020204030204" pitchFamily="34" charset="0"/>
+                <a:ea typeface="Anonymous Pro" panose="02060609030202000504" pitchFamily="49" charset="0"/>
+                <a:cs typeface="Calibri Light" panose="020F0302020204030204" pitchFamily="34" charset="0"/>
+              </a:rPr>
+              <a:t>Games preservation is the act of preserving and maintain games, games systems and their files Games preservation as a practice can be done through preserving the contents of the game asset files for further use for programmers and game designers. </a:t>
+            </a:r>
+          </a:p>
+          <a:p>
+            <a:endParaRPr lang="en-GB" sz="2263" dirty="0">
+              <a:latin typeface="Calibri Light" panose="020F0302020204030204" pitchFamily="34" charset="0"/>
+              <a:ea typeface="Anonymous Pro" panose="02060609030202000504" pitchFamily="49" charset="0"/>
+              <a:cs typeface="Calibri Light" panose="020F0302020204030204" pitchFamily="34" charset="0"/>
+            </a:endParaRPr>
+          </a:p>
+          <a:p>
+            <a:r>
+              <a:rPr lang="en-GB" sz="2263" dirty="0">
+                <a:latin typeface="Calibri Light" panose="020F0302020204030204" pitchFamily="34" charset="0"/>
+                <a:ea typeface="Anonymous Pro" panose="02060609030202000504" pitchFamily="49" charset="0"/>
+                <a:cs typeface="Calibri Light" panose="020F0302020204030204" pitchFamily="34" charset="0"/>
+              </a:rPr>
+              <a:t>4 Artefacts were created in total for this purpose, .Str exporter, .</a:t>
+            </a:r>
+            <a:r>
+              <a:rPr lang="en-GB" sz="2263" dirty="0" err="1">
+                <a:latin typeface="Calibri Light" panose="020F0302020204030204" pitchFamily="34" charset="0"/>
+                <a:ea typeface="Anonymous Pro" panose="02060609030202000504" pitchFamily="49" charset="0"/>
+                <a:cs typeface="Calibri Light" panose="020F0302020204030204" pitchFamily="34" charset="0"/>
+              </a:rPr>
+              <a:t>Rws</a:t>
+            </a:r>
+            <a:r>
+              <a:rPr lang="en-GB" sz="2263" dirty="0">
+                <a:latin typeface="Calibri Light" panose="020F0302020204030204" pitchFamily="34" charset="0"/>
+                <a:ea typeface="Anonymous Pro" panose="02060609030202000504" pitchFamily="49" charset="0"/>
+                <a:cs typeface="Calibri Light" panose="020F0302020204030204" pitchFamily="34" charset="0"/>
+              </a:rPr>
+              <a:t> and .</a:t>
+            </a:r>
+            <a:r>
+              <a:rPr lang="en-GB" sz="2263" dirty="0" err="1">
+                <a:latin typeface="Calibri Light" panose="020F0302020204030204" pitchFamily="34" charset="0"/>
+                <a:ea typeface="Anonymous Pro" panose="02060609030202000504" pitchFamily="49" charset="0"/>
+                <a:cs typeface="Calibri Light" panose="020F0302020204030204" pitchFamily="34" charset="0"/>
+              </a:rPr>
+              <a:t>Dff</a:t>
+            </a:r>
+            <a:r>
+              <a:rPr lang="en-GB" sz="2263" dirty="0">
+                <a:latin typeface="Calibri Light" panose="020F0302020204030204" pitchFamily="34" charset="0"/>
+                <a:ea typeface="Anonymous Pro" panose="02060609030202000504" pitchFamily="49" charset="0"/>
+                <a:cs typeface="Calibri Light" panose="020F0302020204030204" pitchFamily="34" charset="0"/>
+              </a:rPr>
+              <a:t> file converter to .</a:t>
+            </a:r>
+            <a:r>
+              <a:rPr lang="en-GB" sz="2263" dirty="0" err="1">
+                <a:latin typeface="Calibri Light" panose="020F0302020204030204" pitchFamily="34" charset="0"/>
+                <a:ea typeface="Anonymous Pro" panose="02060609030202000504" pitchFamily="49" charset="0"/>
+                <a:cs typeface="Calibri Light" panose="020F0302020204030204" pitchFamily="34" charset="0"/>
+              </a:rPr>
+              <a:t>Obj</a:t>
+            </a:r>
+            <a:r>
+              <a:rPr lang="en-GB" sz="2263" dirty="0">
+                <a:latin typeface="Calibri Light" panose="020F0302020204030204" pitchFamily="34" charset="0"/>
+                <a:ea typeface="Anonymous Pro" panose="02060609030202000504" pitchFamily="49" charset="0"/>
+                <a:cs typeface="Calibri Light" panose="020F0302020204030204" pitchFamily="34" charset="0"/>
+              </a:rPr>
+              <a:t> and the </a:t>
+            </a:r>
+            <a:r>
+              <a:rPr lang="en-GB" sz="2263" b="1" dirty="0">
+                <a:latin typeface="Calibri Light" panose="020F0302020204030204" pitchFamily="34" charset="0"/>
+                <a:ea typeface="Anonymous Pro" panose="02060609030202000504" pitchFamily="49" charset="0"/>
+                <a:cs typeface="Calibri Light" panose="020F0302020204030204" pitchFamily="34" charset="0"/>
+              </a:rPr>
+              <a:t>GAD. </a:t>
+            </a:r>
+            <a:r>
+              <a:rPr lang="en-GB" sz="2263" dirty="0">
+                <a:latin typeface="Calibri Light" panose="020F0302020204030204" pitchFamily="34" charset="0"/>
+                <a:ea typeface="Anonymous Pro" panose="02060609030202000504" pitchFamily="49" charset="0"/>
+                <a:cs typeface="Calibri Light" panose="020F0302020204030204" pitchFamily="34" charset="0"/>
+              </a:rPr>
+              <a:t>Software Artefacts were Written in </a:t>
+            </a:r>
+            <a:r>
+              <a:rPr lang="en-GB" sz="2263" dirty="0" err="1">
+                <a:latin typeface="Calibri Light" panose="020F0302020204030204" pitchFamily="34" charset="0"/>
+                <a:ea typeface="Anonymous Pro" panose="02060609030202000504" pitchFamily="49" charset="0"/>
+                <a:cs typeface="Calibri Light" panose="020F0302020204030204" pitchFamily="34" charset="0"/>
+              </a:rPr>
+              <a:t>c++</a:t>
+            </a:r>
+            <a:r>
+              <a:rPr lang="en-GB" sz="2263" dirty="0">
+                <a:latin typeface="Calibri Light" panose="020F0302020204030204" pitchFamily="34" charset="0"/>
+                <a:ea typeface="Anonymous Pro" panose="02060609030202000504" pitchFamily="49" charset="0"/>
+                <a:cs typeface="Calibri Light" panose="020F0302020204030204" pitchFamily="34" charset="0"/>
+              </a:rPr>
+              <a:t> for speed and memory efficiency.</a:t>
             </a:r>
           </a:p>
         </p:txBody>
@@ -3320,8 +3616,1156 @@
         </p:nvSpPr>
         <p:spPr>
           <a:xfrm>
-            <a:off x="172999" y="9725458"/>
-            <a:ext cx="7137651" cy="978858"/>
+            <a:off x="653972" y="27356862"/>
+            <a:ext cx="20189870" cy="2603341"/>
+          </a:xfrm>
+          <a:prstGeom prst="rect">
+            <a:avLst/>
+          </a:prstGeom>
+          <a:noFill/>
+          <a:effectLst>
+            <a:outerShdw blurRad="50800" dist="38100" dir="8100000" algn="tr" rotWithShape="0">
+              <a:prstClr val="black">
+                <a:alpha val="40000"/>
+              </a:prstClr>
+            </a:outerShdw>
+          </a:effectLst>
+        </p:spPr>
+        <p:txBody>
+          <a:bodyPr wrap="square" rtlCol="0">
+            <a:spAutoFit/>
+          </a:bodyPr>
+          <a:lstStyle/>
+          <a:p>
+            <a:pPr>
+              <a:lnSpc>
+                <a:spcPct val="107000"/>
+              </a:lnSpc>
+              <a:spcAft>
+                <a:spcPts val="2263"/>
+              </a:spcAft>
+            </a:pPr>
+            <a:r>
+              <a:rPr lang="en-GB" sz="849" dirty="0"/>
+              <a:t>References - </a:t>
+            </a:r>
+            <a:r>
+              <a:rPr lang="en-GB" sz="849" kern="100" dirty="0">
+                <a:latin typeface="Calibri" panose="020F0502020204030204" pitchFamily="34" charset="0"/>
+                <a:ea typeface="SimSun" panose="02010600030101010101" pitchFamily="2" charset="-122"/>
+                <a:cs typeface="Times New Roman" panose="02020603050405020304" pitchFamily="18" charset="0"/>
+              </a:rPr>
+              <a:t>Tito </a:t>
+            </a:r>
+            <a:r>
+              <a:rPr lang="en-GB" sz="849" kern="100" dirty="0" err="1">
+                <a:latin typeface="Calibri" panose="020F0502020204030204" pitchFamily="34" charset="0"/>
+                <a:ea typeface="SimSun" panose="02010600030101010101" pitchFamily="2" charset="-122"/>
+                <a:cs typeface="Times New Roman" panose="02020603050405020304" pitchFamily="18" charset="0"/>
+              </a:rPr>
+              <a:t>waluyo</a:t>
+            </a:r>
+            <a:r>
+              <a:rPr lang="en-GB" sz="849" kern="100" dirty="0">
+                <a:latin typeface="Calibri" panose="020F0502020204030204" pitchFamily="34" charset="0"/>
+                <a:ea typeface="SimSun" panose="02010600030101010101" pitchFamily="2" charset="-122"/>
+                <a:cs typeface="Times New Roman" panose="02020603050405020304" pitchFamily="18" charset="0"/>
+              </a:rPr>
+              <a:t> </a:t>
+            </a:r>
+            <a:r>
+              <a:rPr lang="en-GB" sz="849" kern="100" dirty="0" err="1">
+                <a:latin typeface="Calibri" panose="020F0502020204030204" pitchFamily="34" charset="0"/>
+                <a:ea typeface="SimSun" panose="02010600030101010101" pitchFamily="2" charset="-122"/>
+                <a:cs typeface="Times New Roman" panose="02020603050405020304" pitchFamily="18" charset="0"/>
+              </a:rPr>
+              <a:t>purboyo</a:t>
+            </a:r>
+            <a:r>
+              <a:rPr lang="en-GB" sz="849" kern="100" dirty="0">
+                <a:latin typeface="Calibri" panose="020F0502020204030204" pitchFamily="34" charset="0"/>
+                <a:ea typeface="SimSun" panose="02010600030101010101" pitchFamily="2" charset="-122"/>
+                <a:cs typeface="Times New Roman" panose="02020603050405020304" pitchFamily="18" charset="0"/>
+              </a:rPr>
+              <a:t>, 2017, a review of data compression techniques, international journal of applied engineering research, 8596 - 8963, (PDF) A review of data compression techniques. SIDDEQ, </a:t>
+            </a:r>
+            <a:r>
+              <a:rPr lang="en-GB" sz="849" kern="100" dirty="0" err="1">
+                <a:latin typeface="Calibri" panose="020F0502020204030204" pitchFamily="34" charset="0"/>
+                <a:ea typeface="SimSun" panose="02010600030101010101" pitchFamily="2" charset="-122"/>
+                <a:cs typeface="Times New Roman" panose="02020603050405020304" pitchFamily="18" charset="0"/>
+              </a:rPr>
+              <a:t>mohammed</a:t>
+            </a:r>
+            <a:r>
+              <a:rPr lang="en-GB" sz="849" kern="100" dirty="0">
+                <a:latin typeface="Calibri" panose="020F0502020204030204" pitchFamily="34" charset="0"/>
+                <a:ea typeface="SimSun" panose="02010600030101010101" pitchFamily="2" charset="-122"/>
+                <a:cs typeface="Times New Roman" panose="02020603050405020304" pitchFamily="18" charset="0"/>
+              </a:rPr>
+              <a:t> M and Rodrigues, </a:t>
+            </a:r>
+            <a:r>
+              <a:rPr lang="en-GB" sz="849" kern="100" dirty="0" err="1">
+                <a:latin typeface="Calibri" panose="020F0502020204030204" pitchFamily="34" charset="0"/>
+                <a:ea typeface="SimSun" panose="02010600030101010101" pitchFamily="2" charset="-122"/>
+                <a:cs typeface="Times New Roman" panose="02020603050405020304" pitchFamily="18" charset="0"/>
+              </a:rPr>
+              <a:t>marcos</a:t>
+            </a:r>
+            <a:r>
+              <a:rPr lang="en-GB" sz="849" kern="100" dirty="0">
+                <a:latin typeface="Calibri" panose="020F0502020204030204" pitchFamily="34" charset="0"/>
+                <a:ea typeface="SimSun" panose="02010600030101010101" pitchFamily="2" charset="-122"/>
+                <a:cs typeface="Times New Roman" panose="02020603050405020304" pitchFamily="18" charset="0"/>
+              </a:rPr>
+              <a:t>, 2016, Novel 3D compression methods for geometry connectivity and texture, Sheffield </a:t>
+            </a:r>
+            <a:r>
+              <a:rPr lang="en-GB" sz="849" kern="100" dirty="0" err="1">
+                <a:latin typeface="Calibri" panose="020F0502020204030204" pitchFamily="34" charset="0"/>
+                <a:ea typeface="SimSun" panose="02010600030101010101" pitchFamily="2" charset="-122"/>
+                <a:cs typeface="Times New Roman" panose="02020603050405020304" pitchFamily="18" charset="0"/>
+              </a:rPr>
+              <a:t>hallam</a:t>
+            </a:r>
+            <a:r>
+              <a:rPr lang="en-GB" sz="849" kern="100" dirty="0">
+                <a:latin typeface="Calibri" panose="020F0502020204030204" pitchFamily="34" charset="0"/>
+                <a:ea typeface="SimSun" panose="02010600030101010101" pitchFamily="2" charset="-122"/>
+                <a:cs typeface="Times New Roman" panose="02020603050405020304" pitchFamily="18" charset="0"/>
+              </a:rPr>
+              <a:t> university research archive, 1 - 16, Microsoft Word - Research_No_7_MR_final.docx Mustafa ORAL, Ammar abbas Elmas, 2017, A brief history of 3d mesh compression, </a:t>
+            </a:r>
+            <a:r>
+              <a:rPr lang="en-GB" sz="849" kern="100" dirty="0" err="1">
+                <a:latin typeface="Calibri" panose="020F0502020204030204" pitchFamily="34" charset="0"/>
+                <a:ea typeface="SimSun" panose="02010600030101010101" pitchFamily="2" charset="-122"/>
+                <a:cs typeface="Times New Roman" panose="02020603050405020304" pitchFamily="18" charset="0"/>
+              </a:rPr>
+              <a:t>Cukorva</a:t>
+            </a:r>
+            <a:r>
+              <a:rPr lang="en-GB" sz="849" kern="100" dirty="0">
+                <a:latin typeface="Calibri" panose="020F0502020204030204" pitchFamily="34" charset="0"/>
+                <a:ea typeface="SimSun" panose="02010600030101010101" pitchFamily="2" charset="-122"/>
+                <a:cs typeface="Times New Roman" panose="02020603050405020304" pitchFamily="18" charset="0"/>
+              </a:rPr>
+              <a:t> university, 1-6, , https://www.researchgate.net/publication/327905583_A_Brief_History_of_3D_Mesh_Compression Amandeep Singh Sidhu, 2014, Research paper on text data compression algorithm using hybrid approach, International Journal of Computer Science and Mobile </a:t>
+            </a:r>
+            <a:r>
+              <a:rPr lang="en-GB" sz="849" kern="100" dirty="0" err="1">
+                <a:latin typeface="Calibri" panose="020F0502020204030204" pitchFamily="34" charset="0"/>
+                <a:ea typeface="SimSun" panose="02010600030101010101" pitchFamily="2" charset="-122"/>
+                <a:cs typeface="Times New Roman" panose="02020603050405020304" pitchFamily="18" charset="0"/>
+              </a:rPr>
+              <a:t>Computing,volume</a:t>
+            </a:r>
+            <a:r>
+              <a:rPr lang="en-GB" sz="849" kern="100" dirty="0">
+                <a:latin typeface="Calibri" panose="020F0502020204030204" pitchFamily="34" charset="0"/>
+                <a:ea typeface="SimSun" panose="02010600030101010101" pitchFamily="2" charset="-122"/>
+                <a:cs typeface="Times New Roman" panose="02020603050405020304" pitchFamily="18" charset="0"/>
+              </a:rPr>
+              <a:t> 3 issue 12, 1 - 10, https://ijcsmc.com/docs/papers/December2014/V3I12201404.pdf.Sjöstrand, M. (2005). </a:t>
+            </a:r>
+            <a:r>
+              <a:rPr lang="en-GB" sz="849" i="1" kern="100" dirty="0">
+                <a:latin typeface="TimesNewRomanPS-ItalicMT"/>
+                <a:ea typeface="SimSun" panose="02010600030101010101" pitchFamily="2" charset="-122"/>
+                <a:cs typeface="Times New Roman" panose="02020603050405020304" pitchFamily="18" charset="0"/>
+              </a:rPr>
+              <a:t>A study in compression algorithms</a:t>
+            </a:r>
+            <a:r>
+              <a:rPr lang="en-GB" sz="849" kern="100" dirty="0">
+                <a:latin typeface="Calibri" panose="020F0502020204030204" pitchFamily="34" charset="0"/>
+                <a:ea typeface="SimSun" panose="02010600030101010101" pitchFamily="2" charset="-122"/>
+                <a:cs typeface="Times New Roman" panose="02020603050405020304" pitchFamily="18" charset="0"/>
+              </a:rPr>
+              <a:t>. https://www.diva-portal.org/smash/get/diva2:830266/FULLTEXT01.pdf. Peng, J., Kim, C.-S. and Jay Kuo, C.-C. . (2005). Technologies for 3D mesh compression: A survey. </a:t>
+            </a:r>
+            <a:r>
+              <a:rPr lang="en-GB" sz="849" i="1" kern="100" dirty="0">
+                <a:latin typeface="TimesNewRomanPS-ItalicMT"/>
+                <a:ea typeface="SimSun" panose="02010600030101010101" pitchFamily="2" charset="-122"/>
+                <a:cs typeface="Times New Roman" panose="02020603050405020304" pitchFamily="18" charset="0"/>
+              </a:rPr>
+              <a:t>Journal of Visual Communication and Image Representation</a:t>
+            </a:r>
+            <a:r>
+              <a:rPr lang="en-GB" sz="849" kern="100" dirty="0">
+                <a:latin typeface="Calibri" panose="020F0502020204030204" pitchFamily="34" charset="0"/>
+                <a:ea typeface="SimSun" panose="02010600030101010101" pitchFamily="2" charset="-122"/>
+                <a:cs typeface="Times New Roman" panose="02020603050405020304" pitchFamily="18" charset="0"/>
+              </a:rPr>
+              <a:t>, 16(6), pp.688–733. </a:t>
+            </a:r>
+            <a:r>
+              <a:rPr lang="en-GB" sz="849" kern="100" dirty="0" err="1">
+                <a:latin typeface="Calibri" panose="020F0502020204030204" pitchFamily="34" charset="0"/>
+                <a:ea typeface="SimSun" panose="02010600030101010101" pitchFamily="2" charset="-122"/>
+                <a:cs typeface="Times New Roman" panose="02020603050405020304" pitchFamily="18" charset="0"/>
+              </a:rPr>
+              <a:t>doi:https</a:t>
+            </a:r>
+            <a:r>
+              <a:rPr lang="en-GB" sz="849" kern="100" dirty="0">
+                <a:latin typeface="Calibri" panose="020F0502020204030204" pitchFamily="34" charset="0"/>
+                <a:ea typeface="SimSun" panose="02010600030101010101" pitchFamily="2" charset="-122"/>
+                <a:cs typeface="Times New Roman" panose="02020603050405020304" pitchFamily="18" charset="0"/>
+              </a:rPr>
+              <a:t>://doi.org/10.1016/j.jvcir.2005.03.001. Girard, J.-F. and </a:t>
+            </a:r>
+            <a:r>
+              <a:rPr lang="en-GB" sz="849" kern="100" dirty="0" err="1">
+                <a:latin typeface="Calibri" panose="020F0502020204030204" pitchFamily="34" charset="0"/>
+                <a:ea typeface="SimSun" panose="02010600030101010101" pitchFamily="2" charset="-122"/>
+                <a:cs typeface="Times New Roman" panose="02020603050405020304" pitchFamily="18" charset="0"/>
+              </a:rPr>
+              <a:t>Koschke</a:t>
+            </a:r>
+            <a:r>
+              <a:rPr lang="en-GB" sz="849" kern="100" dirty="0">
+                <a:latin typeface="Calibri" panose="020F0502020204030204" pitchFamily="34" charset="0"/>
+                <a:ea typeface="SimSun" panose="02010600030101010101" pitchFamily="2" charset="-122"/>
+                <a:cs typeface="Times New Roman" panose="02020603050405020304" pitchFamily="18" charset="0"/>
+              </a:rPr>
+              <a:t>, R. (2000). A comparison of abstract data types and objects recovery techniques. </a:t>
+            </a:r>
+            <a:r>
+              <a:rPr lang="en-GB" sz="849" i="1" kern="100" dirty="0">
+                <a:latin typeface="TimesNewRomanPS-ItalicMT"/>
+                <a:ea typeface="SimSun" panose="02010600030101010101" pitchFamily="2" charset="-122"/>
+                <a:cs typeface="Times New Roman" panose="02020603050405020304" pitchFamily="18" charset="0"/>
+              </a:rPr>
+              <a:t>Science of Computer Programming</a:t>
+            </a:r>
+            <a:r>
+              <a:rPr lang="en-GB" sz="849" kern="100" dirty="0">
+                <a:latin typeface="Calibri" panose="020F0502020204030204" pitchFamily="34" charset="0"/>
+                <a:ea typeface="SimSun" panose="02010600030101010101" pitchFamily="2" charset="-122"/>
+                <a:cs typeface="Times New Roman" panose="02020603050405020304" pitchFamily="18" charset="0"/>
+              </a:rPr>
+              <a:t>, 36(2-3), pp.149–181. </a:t>
+            </a:r>
+            <a:r>
+              <a:rPr lang="en-GB" sz="849" kern="100" dirty="0" err="1">
+                <a:latin typeface="Calibri" panose="020F0502020204030204" pitchFamily="34" charset="0"/>
+                <a:ea typeface="SimSun" panose="02010600030101010101" pitchFamily="2" charset="-122"/>
+                <a:cs typeface="Times New Roman" panose="02020603050405020304" pitchFamily="18" charset="0"/>
+              </a:rPr>
+              <a:t>doi:https</a:t>
+            </a:r>
+            <a:r>
+              <a:rPr lang="en-GB" sz="849" kern="100" dirty="0">
+                <a:latin typeface="Calibri" panose="020F0502020204030204" pitchFamily="34" charset="0"/>
+                <a:ea typeface="SimSun" panose="02010600030101010101" pitchFamily="2" charset="-122"/>
+                <a:cs typeface="Times New Roman" panose="02020603050405020304" pitchFamily="18" charset="0"/>
+              </a:rPr>
+              <a:t>://doi.org/10.1016/s0167-6423(99)00035-0. Guttag, J.V., Horowitz, E. and Musser, D.R. (1978). Abstract data types and software validation. </a:t>
+            </a:r>
+            <a:r>
+              <a:rPr lang="en-GB" sz="849" i="1" kern="100" dirty="0">
+                <a:latin typeface="TimesNewRomanPS-ItalicMT"/>
+                <a:ea typeface="SimSun" panose="02010600030101010101" pitchFamily="2" charset="-122"/>
+                <a:cs typeface="Times New Roman" panose="02020603050405020304" pitchFamily="18" charset="0"/>
+              </a:rPr>
+              <a:t>Communications of the ACM</a:t>
+            </a:r>
+            <a:r>
+              <a:rPr lang="en-GB" sz="849" kern="100" dirty="0">
+                <a:latin typeface="Calibri" panose="020F0502020204030204" pitchFamily="34" charset="0"/>
+                <a:ea typeface="SimSun" panose="02010600030101010101" pitchFamily="2" charset="-122"/>
+                <a:cs typeface="Times New Roman" panose="02020603050405020304" pitchFamily="18" charset="0"/>
+              </a:rPr>
+              <a:t>, 21(12), pp.1048–1064. </a:t>
+            </a:r>
+            <a:r>
+              <a:rPr lang="en-GB" sz="849" kern="100" dirty="0" err="1">
+                <a:latin typeface="Calibri" panose="020F0502020204030204" pitchFamily="34" charset="0"/>
+                <a:ea typeface="SimSun" panose="02010600030101010101" pitchFamily="2" charset="-122"/>
+                <a:cs typeface="Times New Roman" panose="02020603050405020304" pitchFamily="18" charset="0"/>
+              </a:rPr>
+              <a:t>doi:https</a:t>
+            </a:r>
+            <a:r>
+              <a:rPr lang="en-GB" sz="849" kern="100" dirty="0">
+                <a:latin typeface="Calibri" panose="020F0502020204030204" pitchFamily="34" charset="0"/>
+                <a:ea typeface="SimSun" panose="02010600030101010101" pitchFamily="2" charset="-122"/>
+                <a:cs typeface="Times New Roman" panose="02020603050405020304" pitchFamily="18" charset="0"/>
+              </a:rPr>
+              <a:t>://doi.org/10.1145/359657.359666. Guttag, J. (1977). Abstract data types and the development of data structures. </a:t>
+            </a:r>
+            <a:r>
+              <a:rPr lang="en-GB" sz="849" i="1" kern="100" dirty="0">
+                <a:latin typeface="TimesNewRomanPS-ItalicMT"/>
+                <a:ea typeface="SimSun" panose="02010600030101010101" pitchFamily="2" charset="-122"/>
+                <a:cs typeface="Times New Roman" panose="02020603050405020304" pitchFamily="18" charset="0"/>
+              </a:rPr>
+              <a:t>Communications of the ACM</a:t>
+            </a:r>
+            <a:r>
+              <a:rPr lang="en-GB" sz="849" kern="100" dirty="0">
+                <a:latin typeface="Calibri" panose="020F0502020204030204" pitchFamily="34" charset="0"/>
+                <a:ea typeface="SimSun" panose="02010600030101010101" pitchFamily="2" charset="-122"/>
+                <a:cs typeface="Times New Roman" panose="02020603050405020304" pitchFamily="18" charset="0"/>
+              </a:rPr>
+              <a:t>, 20(6), pp.396–404. </a:t>
+            </a:r>
+            <a:r>
+              <a:rPr lang="en-GB" sz="849" kern="100" dirty="0" err="1">
+                <a:latin typeface="Calibri" panose="020F0502020204030204" pitchFamily="34" charset="0"/>
+                <a:ea typeface="SimSun" panose="02010600030101010101" pitchFamily="2" charset="-122"/>
+                <a:cs typeface="Times New Roman" panose="02020603050405020304" pitchFamily="18" charset="0"/>
+              </a:rPr>
+              <a:t>doi:https</a:t>
+            </a:r>
+            <a:r>
+              <a:rPr lang="en-GB" sz="849" kern="100" dirty="0">
+                <a:latin typeface="Calibri" panose="020F0502020204030204" pitchFamily="34" charset="0"/>
+                <a:ea typeface="SimSun" panose="02010600030101010101" pitchFamily="2" charset="-122"/>
+                <a:cs typeface="Times New Roman" panose="02020603050405020304" pitchFamily="18" charset="0"/>
+              </a:rPr>
+              <a:t>://doi.org/10.1145/359605.359618. </a:t>
+            </a:r>
+            <a:r>
+              <a:rPr lang="en-GB" sz="849" kern="100" dirty="0" err="1">
+                <a:latin typeface="Calibri" panose="020F0502020204030204" pitchFamily="34" charset="0"/>
+                <a:ea typeface="SimSun" panose="02010600030101010101" pitchFamily="2" charset="-122"/>
+                <a:cs typeface="Times New Roman" panose="02020603050405020304" pitchFamily="18" charset="0"/>
+              </a:rPr>
+              <a:t>Liskov</a:t>
+            </a:r>
+            <a:r>
+              <a:rPr lang="en-GB" sz="849" kern="100" dirty="0">
+                <a:latin typeface="Calibri" panose="020F0502020204030204" pitchFamily="34" charset="0"/>
+                <a:ea typeface="SimSun" panose="02010600030101010101" pitchFamily="2" charset="-122"/>
+                <a:cs typeface="Times New Roman" panose="02020603050405020304" pitchFamily="18" charset="0"/>
+              </a:rPr>
+              <a:t>, B. and Zilles, S. (1974). Programming with abstract data types. </a:t>
+            </a:r>
+            <a:r>
+              <a:rPr lang="en-GB" sz="849" i="1" kern="100" dirty="0">
+                <a:latin typeface="TimesNewRomanPS-ItalicMT"/>
+                <a:ea typeface="SimSun" panose="02010600030101010101" pitchFamily="2" charset="-122"/>
+                <a:cs typeface="Times New Roman" panose="02020603050405020304" pitchFamily="18" charset="0"/>
+              </a:rPr>
+              <a:t>ACM SIGPLAN Notices</a:t>
+            </a:r>
+            <a:r>
+              <a:rPr lang="en-GB" sz="849" kern="100" dirty="0">
+                <a:latin typeface="Calibri" panose="020F0502020204030204" pitchFamily="34" charset="0"/>
+                <a:ea typeface="SimSun" panose="02010600030101010101" pitchFamily="2" charset="-122"/>
+                <a:cs typeface="Times New Roman" panose="02020603050405020304" pitchFamily="18" charset="0"/>
+              </a:rPr>
+              <a:t>, 9(4), pp.50–59. </a:t>
+            </a:r>
+            <a:r>
+              <a:rPr lang="en-GB" sz="849" kern="100" dirty="0" err="1">
+                <a:latin typeface="Calibri" panose="020F0502020204030204" pitchFamily="34" charset="0"/>
+                <a:ea typeface="SimSun" panose="02010600030101010101" pitchFamily="2" charset="-122"/>
+                <a:cs typeface="Times New Roman" panose="02020603050405020304" pitchFamily="18" charset="0"/>
+              </a:rPr>
+              <a:t>doi:https</a:t>
+            </a:r>
+            <a:r>
+              <a:rPr lang="en-GB" sz="849" kern="100" dirty="0">
+                <a:latin typeface="Calibri" panose="020F0502020204030204" pitchFamily="34" charset="0"/>
+                <a:ea typeface="SimSun" panose="02010600030101010101" pitchFamily="2" charset="-122"/>
+                <a:cs typeface="Times New Roman" panose="02020603050405020304" pitchFamily="18" charset="0"/>
+              </a:rPr>
+              <a:t>://doi.org/10.1145/942572.807045. Musser, D.R. (1980). On proving inductive properties of abstract data types. </a:t>
+            </a:r>
+            <a:r>
+              <a:rPr lang="en-GB" sz="849" kern="100" dirty="0" err="1">
+                <a:latin typeface="Calibri" panose="020F0502020204030204" pitchFamily="34" charset="0"/>
+                <a:ea typeface="SimSun" panose="02010600030101010101" pitchFamily="2" charset="-122"/>
+                <a:cs typeface="Times New Roman" panose="02020603050405020304" pitchFamily="18" charset="0"/>
+              </a:rPr>
+              <a:t>doi:https</a:t>
+            </a:r>
+            <a:r>
+              <a:rPr lang="en-GB" sz="849" kern="100" dirty="0">
+                <a:latin typeface="Calibri" panose="020F0502020204030204" pitchFamily="34" charset="0"/>
+                <a:ea typeface="SimSun" panose="02010600030101010101" pitchFamily="2" charset="-122"/>
+                <a:cs typeface="Times New Roman" panose="02020603050405020304" pitchFamily="18" charset="0"/>
+              </a:rPr>
+              <a:t>://doi.org/10.1145/567446.567461. Bertoni, A., Mauri, G. and P. </a:t>
+            </a:r>
+            <a:r>
+              <a:rPr lang="en-GB" sz="849" kern="100" dirty="0" err="1">
+                <a:latin typeface="Calibri" panose="020F0502020204030204" pitchFamily="34" charset="0"/>
+                <a:ea typeface="SimSun" panose="02010600030101010101" pitchFamily="2" charset="-122"/>
+                <a:cs typeface="Times New Roman" panose="02020603050405020304" pitchFamily="18" charset="0"/>
+              </a:rPr>
+              <a:t>Miglioli</a:t>
+            </a:r>
+            <a:r>
+              <a:rPr lang="en-GB" sz="849" kern="100" dirty="0">
+                <a:latin typeface="Calibri" panose="020F0502020204030204" pitchFamily="34" charset="0"/>
+                <a:ea typeface="SimSun" panose="02010600030101010101" pitchFamily="2" charset="-122"/>
+                <a:cs typeface="Times New Roman" panose="02020603050405020304" pitchFamily="18" charset="0"/>
+              </a:rPr>
+              <a:t> (2006). Towards a theory of abstract data types: A discussion on problems and tools. </a:t>
+            </a:r>
+            <a:r>
+              <a:rPr lang="en-GB" sz="849" i="1" kern="100" dirty="0">
+                <a:latin typeface="TimesNewRomanPS-ItalicMT"/>
+                <a:ea typeface="SimSun" panose="02010600030101010101" pitchFamily="2" charset="-122"/>
+                <a:cs typeface="Times New Roman" panose="02020603050405020304" pitchFamily="18" charset="0"/>
+              </a:rPr>
+              <a:t>Lecture Notes in Computer Science</a:t>
+            </a:r>
+            <a:r>
+              <a:rPr lang="en-GB" sz="849" kern="100" dirty="0">
+                <a:latin typeface="Calibri" panose="020F0502020204030204" pitchFamily="34" charset="0"/>
+                <a:ea typeface="SimSun" panose="02010600030101010101" pitchFamily="2" charset="-122"/>
+                <a:cs typeface="Times New Roman" panose="02020603050405020304" pitchFamily="18" charset="0"/>
+              </a:rPr>
+              <a:t>, [online] pp.44–58. </a:t>
+            </a:r>
+            <a:r>
+              <a:rPr lang="en-GB" sz="849" kern="100" dirty="0" err="1">
+                <a:latin typeface="Calibri" panose="020F0502020204030204" pitchFamily="34" charset="0"/>
+                <a:ea typeface="SimSun" panose="02010600030101010101" pitchFamily="2" charset="-122"/>
+                <a:cs typeface="Times New Roman" panose="02020603050405020304" pitchFamily="18" charset="0"/>
+              </a:rPr>
+              <a:t>doi:https</a:t>
+            </a:r>
+            <a:r>
+              <a:rPr lang="en-GB" sz="849" kern="100" dirty="0">
+                <a:latin typeface="Calibri" panose="020F0502020204030204" pitchFamily="34" charset="0"/>
+                <a:ea typeface="SimSun" panose="02010600030101010101" pitchFamily="2" charset="-122"/>
+                <a:cs typeface="Times New Roman" panose="02020603050405020304" pitchFamily="18" charset="0"/>
+              </a:rPr>
+              <a:t>://doi.org/10.1007/3-540-09981-6_4. A, A. (2021). </a:t>
+            </a:r>
+            <a:r>
+              <a:rPr lang="en-GB" sz="849" i="1" kern="100" dirty="0">
+                <a:latin typeface="TimesNewRomanPS-ItalicMT"/>
+                <a:ea typeface="SimSun" panose="02010600030101010101" pitchFamily="2" charset="-122"/>
+                <a:cs typeface="Times New Roman" panose="02020603050405020304" pitchFamily="18" charset="0"/>
+              </a:rPr>
+              <a:t>Reverse Engineering Research</a:t>
+            </a:r>
+            <a:r>
+              <a:rPr lang="en-GB" sz="849" kern="100" dirty="0">
+                <a:latin typeface="Calibri" panose="020F0502020204030204" pitchFamily="34" charset="0"/>
+                <a:ea typeface="SimSun" panose="02010600030101010101" pitchFamily="2" charset="-122"/>
+                <a:cs typeface="Times New Roman" panose="02020603050405020304" pitchFamily="18" charset="0"/>
+              </a:rPr>
+              <a:t>. [online] </a:t>
+            </a:r>
+            <a:r>
+              <a:rPr lang="en-GB" sz="849" kern="100" dirty="0" err="1">
+                <a:latin typeface="Calibri" panose="020F0502020204030204" pitchFamily="34" charset="0"/>
+                <a:ea typeface="SimSun" panose="02010600030101010101" pitchFamily="2" charset="-122"/>
+                <a:cs typeface="Times New Roman" panose="02020603050405020304" pitchFamily="18" charset="0"/>
+              </a:rPr>
+              <a:t>doi:https</a:t>
+            </a:r>
+            <a:r>
+              <a:rPr lang="en-GB" sz="849" kern="100" dirty="0">
+                <a:latin typeface="Calibri" panose="020F0502020204030204" pitchFamily="34" charset="0"/>
+                <a:ea typeface="SimSun" panose="02010600030101010101" pitchFamily="2" charset="-122"/>
+                <a:cs typeface="Times New Roman" panose="02020603050405020304" pitchFamily="18" charset="0"/>
+              </a:rPr>
+              <a:t>://doi.org/10.13140/RG.2.2.28030.51520. Mantovani, A., </a:t>
+            </a:r>
+            <a:r>
+              <a:rPr lang="en-GB" sz="849" kern="100" dirty="0" err="1">
+                <a:latin typeface="Calibri" panose="020F0502020204030204" pitchFamily="34" charset="0"/>
+                <a:ea typeface="SimSun" panose="02010600030101010101" pitchFamily="2" charset="-122"/>
+                <a:cs typeface="Times New Roman" panose="02020603050405020304" pitchFamily="18" charset="0"/>
+              </a:rPr>
+              <a:t>Aonzo</a:t>
+            </a:r>
+            <a:r>
+              <a:rPr lang="en-GB" sz="849" kern="100" dirty="0">
+                <a:latin typeface="Calibri" panose="020F0502020204030204" pitchFamily="34" charset="0"/>
+                <a:ea typeface="SimSun" panose="02010600030101010101" pitchFamily="2" charset="-122"/>
+                <a:cs typeface="Times New Roman" panose="02020603050405020304" pitchFamily="18" charset="0"/>
+              </a:rPr>
+              <a:t>, S., </a:t>
+            </a:r>
+            <a:r>
+              <a:rPr lang="en-GB" sz="849" kern="100" dirty="0" err="1">
+                <a:latin typeface="Calibri" panose="020F0502020204030204" pitchFamily="34" charset="0"/>
+                <a:ea typeface="SimSun" panose="02010600030101010101" pitchFamily="2" charset="-122"/>
+                <a:cs typeface="Times New Roman" panose="02020603050405020304" pitchFamily="18" charset="0"/>
+              </a:rPr>
+              <a:t>Fratantonio</a:t>
+            </a:r>
+            <a:r>
+              <a:rPr lang="en-GB" sz="849" kern="100" dirty="0">
+                <a:latin typeface="Calibri" panose="020F0502020204030204" pitchFamily="34" charset="0"/>
+                <a:ea typeface="SimSun" panose="02010600030101010101" pitchFamily="2" charset="-122"/>
+                <a:cs typeface="Times New Roman" panose="02020603050405020304" pitchFamily="18" charset="0"/>
+              </a:rPr>
+              <a:t>, Y., Talos, C. and </a:t>
+            </a:r>
+            <a:r>
+              <a:rPr lang="en-GB" sz="849" kern="100" dirty="0" err="1">
+                <a:latin typeface="Calibri" panose="020F0502020204030204" pitchFamily="34" charset="0"/>
+                <a:ea typeface="SimSun" panose="02010600030101010101" pitchFamily="2" charset="-122"/>
+                <a:cs typeface="Times New Roman" panose="02020603050405020304" pitchFamily="18" charset="0"/>
+              </a:rPr>
+              <a:t>Balzarotti</a:t>
+            </a:r>
+            <a:r>
+              <a:rPr lang="en-GB" sz="849" kern="100" dirty="0">
+                <a:latin typeface="Calibri" panose="020F0502020204030204" pitchFamily="34" charset="0"/>
+                <a:ea typeface="SimSun" panose="02010600030101010101" pitchFamily="2" charset="-122"/>
+                <a:cs typeface="Times New Roman" panose="02020603050405020304" pitchFamily="18" charset="0"/>
+              </a:rPr>
+              <a:t>, D. (n.d.). </a:t>
+            </a:r>
+            <a:r>
+              <a:rPr lang="en-GB" sz="849" i="1" kern="100" dirty="0">
+                <a:latin typeface="TimesNewRomanPS-ItalicMT"/>
+                <a:ea typeface="SimSun" panose="02010600030101010101" pitchFamily="2" charset="-122"/>
+                <a:cs typeface="Times New Roman" panose="02020603050405020304" pitchFamily="18" charset="0"/>
+              </a:rPr>
+              <a:t>RE-Mind: a First Look Inside the Mind of a Reverse Engineer</a:t>
+            </a:r>
+            <a:r>
+              <a:rPr lang="en-GB" sz="849" kern="100" dirty="0">
+                <a:latin typeface="Calibri" panose="020F0502020204030204" pitchFamily="34" charset="0"/>
+                <a:ea typeface="SimSun" panose="02010600030101010101" pitchFamily="2" charset="-122"/>
+                <a:cs typeface="Times New Roman" panose="02020603050405020304" pitchFamily="18" charset="0"/>
+              </a:rPr>
+              <a:t>. [online] Available at: https://www.usenix.org/system/files/sec22summer_mantovani.pdf. Jain, A., Swapnil Soner and Anand Gadwal (2011). Reverse engineering: Journey from code to design. </a:t>
+            </a:r>
+            <a:r>
+              <a:rPr lang="en-GB" sz="849" kern="100" dirty="0" err="1">
+                <a:latin typeface="Calibri" panose="020F0502020204030204" pitchFamily="34" charset="0"/>
+                <a:ea typeface="SimSun" panose="02010600030101010101" pitchFamily="2" charset="-122"/>
+                <a:cs typeface="Times New Roman" panose="02020603050405020304" pitchFamily="18" charset="0"/>
+              </a:rPr>
+              <a:t>doi:https</a:t>
+            </a:r>
+            <a:r>
+              <a:rPr lang="en-GB" sz="849" kern="100" dirty="0">
+                <a:latin typeface="Calibri" panose="020F0502020204030204" pitchFamily="34" charset="0"/>
+                <a:ea typeface="SimSun" panose="02010600030101010101" pitchFamily="2" charset="-122"/>
+                <a:cs typeface="Times New Roman" panose="02020603050405020304" pitchFamily="18" charset="0"/>
+              </a:rPr>
+              <a:t>://doi.org/10.1109/icectech.2011.5941966.Singh, R. (2013). A Review of Reverse Engineering Theories and Tools. [online] 2, pp.35–38. Available at: https://www.ijesi.org/papers/Vol(2)1/G213538.pdf. </a:t>
+            </a:r>
+            <a:r>
+              <a:rPr lang="en-GB" sz="849" kern="100" dirty="0" err="1">
+                <a:latin typeface="Calibri" panose="020F0502020204030204" pitchFamily="34" charset="0"/>
+                <a:ea typeface="SimSun" panose="02010600030101010101" pitchFamily="2" charset="-122"/>
+                <a:cs typeface="Times New Roman" panose="02020603050405020304" pitchFamily="18" charset="0"/>
+              </a:rPr>
+              <a:t>Cipresso</a:t>
+            </a:r>
+            <a:r>
+              <a:rPr lang="en-GB" sz="849" kern="100" dirty="0">
+                <a:latin typeface="Calibri" panose="020F0502020204030204" pitchFamily="34" charset="0"/>
+                <a:ea typeface="SimSun" panose="02010600030101010101" pitchFamily="2" charset="-122"/>
+                <a:cs typeface="Times New Roman" panose="02020603050405020304" pitchFamily="18" charset="0"/>
+              </a:rPr>
+              <a:t>, T. and Stamp, M. (2010). Software Reverse Engineering. </a:t>
+            </a:r>
+            <a:r>
+              <a:rPr lang="en-GB" sz="849" i="1" kern="100" dirty="0">
+                <a:latin typeface="TimesNewRomanPS-ItalicMT"/>
+                <a:ea typeface="SimSun" panose="02010600030101010101" pitchFamily="2" charset="-122"/>
+                <a:cs typeface="Times New Roman" panose="02020603050405020304" pitchFamily="18" charset="0"/>
+              </a:rPr>
+              <a:t>Handbook of Information and Communication Security</a:t>
+            </a:r>
+            <a:r>
+              <a:rPr lang="en-GB" sz="849" kern="100" dirty="0">
+                <a:latin typeface="Calibri" panose="020F0502020204030204" pitchFamily="34" charset="0"/>
+                <a:ea typeface="SimSun" panose="02010600030101010101" pitchFamily="2" charset="-122"/>
+                <a:cs typeface="Times New Roman" panose="02020603050405020304" pitchFamily="18" charset="0"/>
+              </a:rPr>
+              <a:t>, pp.659–696. </a:t>
+            </a:r>
+            <a:r>
+              <a:rPr lang="en-GB" sz="849" kern="100" dirty="0" err="1">
+                <a:latin typeface="Calibri" panose="020F0502020204030204" pitchFamily="34" charset="0"/>
+                <a:ea typeface="SimSun" panose="02010600030101010101" pitchFamily="2" charset="-122"/>
+                <a:cs typeface="Times New Roman" panose="02020603050405020304" pitchFamily="18" charset="0"/>
+              </a:rPr>
+              <a:t>doi:https</a:t>
+            </a:r>
+            <a:r>
+              <a:rPr lang="en-GB" sz="849" kern="100" dirty="0">
+                <a:latin typeface="Calibri" panose="020F0502020204030204" pitchFamily="34" charset="0"/>
+                <a:ea typeface="SimSun" panose="02010600030101010101" pitchFamily="2" charset="-122"/>
+                <a:cs typeface="Times New Roman" panose="02020603050405020304" pitchFamily="18" charset="0"/>
+              </a:rPr>
+              <a:t>://doi.org/10.1007/978-3-642-04117-4_31. Müller, H.A., Jahnke, J.H., Smith, D.B., Storey, M.-A., Tilley, S.R. and Wong, K. (2000). Reverse engineering. </a:t>
+            </a:r>
+            <a:r>
+              <a:rPr lang="en-GB" sz="849" i="1" kern="100" dirty="0">
+                <a:latin typeface="TimesNewRomanPS-ItalicMT"/>
+                <a:ea typeface="SimSun" panose="02010600030101010101" pitchFamily="2" charset="-122"/>
+                <a:cs typeface="Times New Roman" panose="02020603050405020304" pitchFamily="18" charset="0"/>
+              </a:rPr>
+              <a:t>Proceedings of the conference on The future of Software engineering - ICSE ’00</a:t>
+            </a:r>
+            <a:r>
+              <a:rPr lang="en-GB" sz="849" kern="100" dirty="0">
+                <a:latin typeface="Calibri" panose="020F0502020204030204" pitchFamily="34" charset="0"/>
+                <a:ea typeface="SimSun" panose="02010600030101010101" pitchFamily="2" charset="-122"/>
+                <a:cs typeface="Times New Roman" panose="02020603050405020304" pitchFamily="18" charset="0"/>
+              </a:rPr>
+              <a:t>. </a:t>
+            </a:r>
+            <a:r>
+              <a:rPr lang="en-GB" sz="849" kern="100" dirty="0" err="1">
+                <a:latin typeface="Calibri" panose="020F0502020204030204" pitchFamily="34" charset="0"/>
+                <a:ea typeface="SimSun" panose="02010600030101010101" pitchFamily="2" charset="-122"/>
+                <a:cs typeface="Times New Roman" panose="02020603050405020304" pitchFamily="18" charset="0"/>
+              </a:rPr>
+              <a:t>doi:https</a:t>
+            </a:r>
+            <a:r>
+              <a:rPr lang="en-GB" sz="849" kern="100" dirty="0">
+                <a:latin typeface="Calibri" panose="020F0502020204030204" pitchFamily="34" charset="0"/>
+                <a:ea typeface="SimSun" panose="02010600030101010101" pitchFamily="2" charset="-122"/>
+                <a:cs typeface="Times New Roman" panose="02020603050405020304" pitchFamily="18" charset="0"/>
+              </a:rPr>
+              <a:t>://doi.org/10.1145/336512.336526. Google Books. (2024). </a:t>
+            </a:r>
+            <a:r>
+              <a:rPr lang="en-GB" sz="849" i="1" kern="100" dirty="0">
+                <a:latin typeface="TimesNewRomanPS-ItalicMT"/>
+                <a:ea typeface="SimSun" panose="02010600030101010101" pitchFamily="2" charset="-122"/>
+                <a:cs typeface="Times New Roman" panose="02020603050405020304" pitchFamily="18" charset="0"/>
+              </a:rPr>
+              <a:t>Reversing</a:t>
+            </a:r>
+            <a:r>
+              <a:rPr lang="en-GB" sz="849" kern="100" dirty="0">
+                <a:latin typeface="Calibri" panose="020F0502020204030204" pitchFamily="34" charset="0"/>
+                <a:ea typeface="SimSun" panose="02010600030101010101" pitchFamily="2" charset="-122"/>
+                <a:cs typeface="Times New Roman" panose="02020603050405020304" pitchFamily="18" charset="0"/>
+              </a:rPr>
+              <a:t>. [online] Available at: https://books.google.co.uk/books?hl=en&amp;lr=&amp;id=_78HnPPRU_oC&amp;oi=fnd&amp;pg=PR23&amp;dq=reverse+engi </a:t>
+            </a:r>
+            <a:r>
+              <a:rPr lang="en-GB" sz="849" kern="100" dirty="0" err="1">
+                <a:latin typeface="Calibri" panose="020F0502020204030204" pitchFamily="34" charset="0"/>
+                <a:ea typeface="SimSun" panose="02010600030101010101" pitchFamily="2" charset="-122"/>
+                <a:cs typeface="Times New Roman" panose="02020603050405020304" pitchFamily="18" charset="0"/>
+              </a:rPr>
+              <a:t>neering+software&amp;ots</a:t>
+            </a:r>
+            <a:r>
+              <a:rPr lang="en-GB" sz="849" kern="100" dirty="0">
+                <a:latin typeface="Calibri" panose="020F0502020204030204" pitchFamily="34" charset="0"/>
+                <a:ea typeface="SimSun" panose="02010600030101010101" pitchFamily="2" charset="-122"/>
+                <a:cs typeface="Times New Roman" panose="02020603050405020304" pitchFamily="18" charset="0"/>
+              </a:rPr>
+              <a:t>=EP1MLkmRVn&amp;sig=stA7p1aP8xPSkUcFJi6jOCmA_Is&amp;redir_esc=</a:t>
+            </a:r>
+            <a:r>
+              <a:rPr lang="en-GB" sz="849" kern="100" dirty="0" err="1">
+                <a:latin typeface="Calibri" panose="020F0502020204030204" pitchFamily="34" charset="0"/>
+                <a:ea typeface="SimSun" panose="02010600030101010101" pitchFamily="2" charset="-122"/>
+                <a:cs typeface="Times New Roman" panose="02020603050405020304" pitchFamily="18" charset="0"/>
+              </a:rPr>
+              <a:t>y#v</a:t>
+            </a:r>
+            <a:r>
+              <a:rPr lang="en-GB" sz="849" kern="100" dirty="0">
+                <a:latin typeface="Calibri" panose="020F0502020204030204" pitchFamily="34" charset="0"/>
+                <a:ea typeface="SimSun" panose="02010600030101010101" pitchFamily="2" charset="-122"/>
+                <a:cs typeface="Times New Roman" panose="02020603050405020304" pitchFamily="18" charset="0"/>
+              </a:rPr>
+              <a:t>=</a:t>
+            </a:r>
+            <a:r>
+              <a:rPr lang="en-GB" sz="849" kern="100" dirty="0" err="1">
+                <a:latin typeface="Calibri" panose="020F0502020204030204" pitchFamily="34" charset="0"/>
+                <a:ea typeface="SimSun" panose="02010600030101010101" pitchFamily="2" charset="-122"/>
+                <a:cs typeface="Times New Roman" panose="02020603050405020304" pitchFamily="18" charset="0"/>
+              </a:rPr>
+              <a:t>onepage</a:t>
+            </a:r>
+            <a:r>
+              <a:rPr lang="en-GB" sz="849" kern="100" dirty="0">
+                <a:latin typeface="Calibri" panose="020F0502020204030204" pitchFamily="34" charset="0"/>
+                <a:ea typeface="SimSun" panose="02010600030101010101" pitchFamily="2" charset="-122"/>
+                <a:cs typeface="Times New Roman" panose="02020603050405020304" pitchFamily="18" charset="0"/>
+              </a:rPr>
+              <a:t> &amp;q=reverse%20engineering%20software&amp;f=false [Accessed 25 Nov. 2024]. Davis, K.L. and Alken, P.H. (2002). Data reverse engineering: a historical survey. </a:t>
+            </a:r>
+            <a:r>
+              <a:rPr lang="en-GB" sz="849" kern="100" dirty="0" err="1">
+                <a:latin typeface="Calibri" panose="020F0502020204030204" pitchFamily="34" charset="0"/>
+                <a:ea typeface="SimSun" panose="02010600030101010101" pitchFamily="2" charset="-122"/>
+                <a:cs typeface="Times New Roman" panose="02020603050405020304" pitchFamily="18" charset="0"/>
+              </a:rPr>
+              <a:t>doi:https</a:t>
+            </a:r>
+            <a:r>
+              <a:rPr lang="en-GB" sz="849" kern="100" dirty="0">
+                <a:latin typeface="Calibri" panose="020F0502020204030204" pitchFamily="34" charset="0"/>
+                <a:ea typeface="SimSun" panose="02010600030101010101" pitchFamily="2" charset="-122"/>
+                <a:cs typeface="Times New Roman" panose="02020603050405020304" pitchFamily="18" charset="0"/>
+              </a:rPr>
+              <a:t>://doi.org/10.1109/wcre.2000.891454. Bachell, A. and Barr, M. (2014). Video Game Preservation in the UK: A Survey of Records Management Practices. </a:t>
+            </a:r>
+            <a:r>
+              <a:rPr lang="en-GB" sz="849" i="1" kern="100" dirty="0">
+                <a:latin typeface="TimesNewRomanPS-ItalicMT"/>
+                <a:ea typeface="SimSun" panose="02010600030101010101" pitchFamily="2" charset="-122"/>
+                <a:cs typeface="Times New Roman" panose="02020603050405020304" pitchFamily="18" charset="0"/>
+              </a:rPr>
+              <a:t>International Journal of Digital Curation</a:t>
+            </a:r>
+            <a:r>
+              <a:rPr lang="en-GB" sz="849" kern="100" dirty="0">
+                <a:latin typeface="Calibri" panose="020F0502020204030204" pitchFamily="34" charset="0"/>
+                <a:ea typeface="SimSun" panose="02010600030101010101" pitchFamily="2" charset="-122"/>
+                <a:cs typeface="Times New Roman" panose="02020603050405020304" pitchFamily="18" charset="0"/>
+              </a:rPr>
+              <a:t>, 9(2), pp.139–170. </a:t>
+            </a:r>
+            <a:r>
+              <a:rPr lang="en-GB" sz="849" kern="100" dirty="0" err="1">
+                <a:latin typeface="Calibri" panose="020F0502020204030204" pitchFamily="34" charset="0"/>
+                <a:ea typeface="SimSun" panose="02010600030101010101" pitchFamily="2" charset="-122"/>
+                <a:cs typeface="Times New Roman" panose="02020603050405020304" pitchFamily="18" charset="0"/>
+              </a:rPr>
+              <a:t>doi:https</a:t>
+            </a:r>
+            <a:r>
+              <a:rPr lang="en-GB" sz="849" kern="100" dirty="0">
+                <a:latin typeface="Calibri" panose="020F0502020204030204" pitchFamily="34" charset="0"/>
+                <a:ea typeface="SimSun" panose="02010600030101010101" pitchFamily="2" charset="-122"/>
+                <a:cs typeface="Times New Roman" panose="02020603050405020304" pitchFamily="18" charset="0"/>
+              </a:rPr>
+              <a:t>://doi.org/10.2218/ijdc.v9i2.294. Davide V (2024). </a:t>
+            </a:r>
+            <a:r>
+              <a:rPr lang="en-GB" sz="849" i="1" kern="100" dirty="0">
+                <a:latin typeface="TimesNewRomanPS-ItalicMT"/>
+                <a:ea typeface="SimSun" panose="02010600030101010101" pitchFamily="2" charset="-122"/>
+                <a:cs typeface="Times New Roman" panose="02020603050405020304" pitchFamily="18" charset="0"/>
+              </a:rPr>
+              <a:t>GTA-Modding.com - Download Area» GTA San Andreas» Tools» RW </a:t>
+            </a:r>
+            <a:r>
+              <a:rPr lang="en-GB" sz="849" i="1" kern="100" dirty="0" err="1">
+                <a:latin typeface="TimesNewRomanPS-ItalicMT"/>
+                <a:ea typeface="SimSun" panose="02010600030101010101" pitchFamily="2" charset="-122"/>
+                <a:cs typeface="Times New Roman" panose="02020603050405020304" pitchFamily="18" charset="0"/>
+              </a:rPr>
+              <a:t>Analyze</a:t>
+            </a:r>
+            <a:r>
+              <a:rPr lang="en-GB" sz="849" kern="100" dirty="0">
+                <a:latin typeface="Calibri" panose="020F0502020204030204" pitchFamily="34" charset="0"/>
+                <a:ea typeface="SimSun" panose="02010600030101010101" pitchFamily="2" charset="-122"/>
+                <a:cs typeface="Times New Roman" panose="02020603050405020304" pitchFamily="18" charset="0"/>
+              </a:rPr>
+              <a:t>. [online] Gta-modding.com. Available at: https://www.gta-modding.com/area/file-33-rw-analyze.html [Accessed 25 Nov. 2024]. Winget, M.A. and Murray, C. (2008). Collecting and preserving videogames and their related materials: A review of current practice, game-related archives and research projects. </a:t>
+            </a:r>
+            <a:r>
+              <a:rPr lang="en-GB" sz="849" i="1" kern="100" dirty="0">
+                <a:latin typeface="TimesNewRomanPS-ItalicMT"/>
+                <a:ea typeface="SimSun" panose="02010600030101010101" pitchFamily="2" charset="-122"/>
+                <a:cs typeface="Times New Roman" panose="02020603050405020304" pitchFamily="18" charset="0"/>
+              </a:rPr>
+              <a:t>Proceedings of the American Society for Information Science and Technology</a:t>
+            </a:r>
+            <a:r>
+              <a:rPr lang="en-GB" sz="849" kern="100" dirty="0">
+                <a:latin typeface="Calibri" panose="020F0502020204030204" pitchFamily="34" charset="0"/>
+                <a:ea typeface="SimSun" panose="02010600030101010101" pitchFamily="2" charset="-122"/>
+                <a:cs typeface="Times New Roman" panose="02020603050405020304" pitchFamily="18" charset="0"/>
+              </a:rPr>
+              <a:t>, 45(1), pp.1–9. </a:t>
+            </a:r>
+            <a:r>
+              <a:rPr lang="en-GB" sz="849" kern="100" dirty="0" err="1">
+                <a:latin typeface="Calibri" panose="020F0502020204030204" pitchFamily="34" charset="0"/>
+                <a:ea typeface="SimSun" panose="02010600030101010101" pitchFamily="2" charset="-122"/>
+                <a:cs typeface="Times New Roman" panose="02020603050405020304" pitchFamily="18" charset="0"/>
+              </a:rPr>
+              <a:t>doi:https</a:t>
+            </a:r>
+            <a:r>
+              <a:rPr lang="en-GB" sz="849" kern="100" dirty="0">
+                <a:latin typeface="Calibri" panose="020F0502020204030204" pitchFamily="34" charset="0"/>
+                <a:ea typeface="SimSun" panose="02010600030101010101" pitchFamily="2" charset="-122"/>
+                <a:cs typeface="Times New Roman" panose="02020603050405020304" pitchFamily="18" charset="0"/>
+              </a:rPr>
+              <a:t>://doi.org/10.1002/meet.2008.1450450250. Todd, B. and Hopkins, J. (2019). </a:t>
+            </a:r>
+            <a:r>
+              <a:rPr lang="en-GB" sz="849" i="1" kern="100" dirty="0">
+                <a:latin typeface="TimesNewRomanPS-ItalicMT"/>
+                <a:ea typeface="SimSun" panose="02010600030101010101" pitchFamily="2" charset="-122"/>
+                <a:cs typeface="Times New Roman" panose="02020603050405020304" pitchFamily="18" charset="0"/>
+              </a:rPr>
+              <a:t>Running head: PRESERVING VIDEO GAME SIGNIFICANCE Preserving Video Game Significance: A Practical Guide for Video Game Preservation, Exhibition, and their Significant Properties</a:t>
+            </a:r>
+            <a:r>
+              <a:rPr lang="en-GB" sz="849" kern="100" dirty="0">
+                <a:latin typeface="Calibri" panose="020F0502020204030204" pitchFamily="34" charset="0"/>
+                <a:ea typeface="SimSun" panose="02010600030101010101" pitchFamily="2" charset="-122"/>
+                <a:cs typeface="Times New Roman" panose="02020603050405020304" pitchFamily="18" charset="0"/>
+              </a:rPr>
+              <a:t>. [online] Available at: https://jscholarship.library.jhu.edu/server/api/core/bitstreams/49d19d02-a439-4a7d-8243-a685429cbcac/c </a:t>
+            </a:r>
+            <a:r>
+              <a:rPr lang="en-GB" sz="849" kern="100" dirty="0" err="1">
+                <a:latin typeface="Calibri" panose="020F0502020204030204" pitchFamily="34" charset="0"/>
+                <a:ea typeface="SimSun" panose="02010600030101010101" pitchFamily="2" charset="-122"/>
+                <a:cs typeface="Times New Roman" panose="02020603050405020304" pitchFamily="18" charset="0"/>
+              </a:rPr>
+              <a:t>ontent.Guay</a:t>
+            </a:r>
+            <a:r>
+              <a:rPr lang="en-GB" sz="849" kern="100" dirty="0">
+                <a:latin typeface="Calibri" panose="020F0502020204030204" pitchFamily="34" charset="0"/>
+                <a:ea typeface="SimSun" panose="02010600030101010101" pitchFamily="2" charset="-122"/>
+                <a:cs typeface="Times New Roman" panose="02020603050405020304" pitchFamily="18" charset="0"/>
+              </a:rPr>
+              <a:t>-Bélanger, D. (2021). Assembling Auras: Towards a Methodology for the Preservation and Study of Video Games as Cultural Heritage Artefacts. </a:t>
+            </a:r>
+            <a:r>
+              <a:rPr lang="en-GB" sz="849" i="1" kern="100" dirty="0">
+                <a:latin typeface="TimesNewRomanPS-ItalicMT"/>
+                <a:ea typeface="SimSun" panose="02010600030101010101" pitchFamily="2" charset="-122"/>
+                <a:cs typeface="Times New Roman" panose="02020603050405020304" pitchFamily="18" charset="0"/>
+              </a:rPr>
+              <a:t>Games and Culture</a:t>
+            </a:r>
+            <a:r>
+              <a:rPr lang="en-GB" sz="849" kern="100" dirty="0">
+                <a:latin typeface="Calibri" panose="020F0502020204030204" pitchFamily="34" charset="0"/>
+                <a:ea typeface="SimSun" panose="02010600030101010101" pitchFamily="2" charset="-122"/>
+                <a:cs typeface="Times New Roman" panose="02020603050405020304" pitchFamily="18" charset="0"/>
+              </a:rPr>
+              <a:t>, p.155541202110203. </a:t>
+            </a:r>
+            <a:r>
+              <a:rPr lang="en-GB" sz="849" kern="100" dirty="0" err="1">
+                <a:latin typeface="Calibri" panose="020F0502020204030204" pitchFamily="34" charset="0"/>
+                <a:ea typeface="SimSun" panose="02010600030101010101" pitchFamily="2" charset="-122"/>
+                <a:cs typeface="Times New Roman" panose="02020603050405020304" pitchFamily="18" charset="0"/>
+              </a:rPr>
+              <a:t>doi:https</a:t>
+            </a:r>
+            <a:r>
+              <a:rPr lang="en-GB" sz="849" kern="100" dirty="0">
+                <a:latin typeface="Calibri" panose="020F0502020204030204" pitchFamily="34" charset="0"/>
+                <a:ea typeface="SimSun" panose="02010600030101010101" pitchFamily="2" charset="-122"/>
+                <a:cs typeface="Times New Roman" panose="02020603050405020304" pitchFamily="18" charset="0"/>
+              </a:rPr>
+              <a:t>://doi.org/10.1177/15554120211020381. Digra.org. (2024). </a:t>
+            </a:r>
+            <a:r>
+              <a:rPr lang="en-GB" sz="849" i="1" kern="100" dirty="0">
+                <a:latin typeface="TimesNewRomanPS-ItalicMT"/>
+                <a:ea typeface="SimSun" panose="02010600030101010101" pitchFamily="2" charset="-122"/>
+                <a:cs typeface="Times New Roman" panose="02020603050405020304" pitchFamily="18" charset="0"/>
+              </a:rPr>
+              <a:t>View of Before It’s Too Late: Preserving Games across the Industry / Academia divide</a:t>
+            </a:r>
+            <a:r>
+              <a:rPr lang="en-GB" sz="849" kern="100" dirty="0">
+                <a:latin typeface="Calibri" panose="020F0502020204030204" pitchFamily="34" charset="0"/>
+                <a:ea typeface="SimSun" panose="02010600030101010101" pitchFamily="2" charset="-122"/>
+                <a:cs typeface="Times New Roman" panose="02020603050405020304" pitchFamily="18" charset="0"/>
+              </a:rPr>
+              <a:t>. [online] Available at: https://dl.digra.org/index.php/dl/article/view/468/468 [Accessed 25 Nov. 2024]. Johansson, C. and </a:t>
+            </a:r>
+            <a:r>
+              <a:rPr lang="en-GB" sz="849" kern="100" dirty="0" err="1">
+                <a:latin typeface="Calibri" panose="020F0502020204030204" pitchFamily="34" charset="0"/>
+                <a:ea typeface="SimSun" panose="02010600030101010101" pitchFamily="2" charset="-122"/>
+                <a:cs typeface="Times New Roman" panose="02020603050405020304" pitchFamily="18" charset="0"/>
+              </a:rPr>
+              <a:t>Koenitz</a:t>
+            </a:r>
+            <a:r>
+              <a:rPr lang="en-GB" sz="849" kern="100" dirty="0">
+                <a:latin typeface="Calibri" panose="020F0502020204030204" pitchFamily="34" charset="0"/>
+                <a:ea typeface="SimSun" panose="02010600030101010101" pitchFamily="2" charset="-122"/>
+                <a:cs typeface="Times New Roman" panose="02020603050405020304" pitchFamily="18" charset="0"/>
+              </a:rPr>
+              <a:t>, H. (n.d.). </a:t>
+            </a:r>
+            <a:r>
+              <a:rPr lang="en-GB" sz="849" i="1" kern="100" dirty="0">
+                <a:latin typeface="TimesNewRomanPS-ItalicMT"/>
+                <a:ea typeface="SimSun" panose="02010600030101010101" pitchFamily="2" charset="-122"/>
+                <a:cs typeface="Times New Roman" panose="02020603050405020304" pitchFamily="18" charset="0"/>
+              </a:rPr>
+              <a:t>Video Game Preservation and Emulation from Three Perspectives: Developers, Archivists and Gamers Video Game Preservation and Emulation from Three Perspectives: Developers, Archivists and Gamers</a:t>
+            </a:r>
+            <a:r>
+              <a:rPr lang="en-GB" sz="849" kern="100" dirty="0">
+                <a:latin typeface="Calibri" panose="020F0502020204030204" pitchFamily="34" charset="0"/>
+                <a:ea typeface="SimSun" panose="02010600030101010101" pitchFamily="2" charset="-122"/>
+                <a:cs typeface="Times New Roman" panose="02020603050405020304" pitchFamily="18" charset="0"/>
+              </a:rPr>
+              <a:t>. [online] Available at: http://sh.diva-portal.org/smash/get/diva2:1807915/FULLTEXT02.pdf. Haydock, C. (2018). </a:t>
+            </a:r>
+            <a:r>
+              <a:rPr lang="en-GB" sz="849" i="1" kern="100" dirty="0">
+                <a:latin typeface="TimesNewRomanPS-ItalicMT"/>
+                <a:ea typeface="SimSun" panose="02010600030101010101" pitchFamily="2" charset="-122"/>
+                <a:cs typeface="Times New Roman" panose="02020603050405020304" pitchFamily="18" charset="0"/>
+              </a:rPr>
+              <a:t>Challenges in Preserving Video Games</a:t>
+            </a:r>
+            <a:r>
+              <a:rPr lang="en-GB" sz="849" kern="100" dirty="0">
+                <a:latin typeface="Calibri" panose="020F0502020204030204" pitchFamily="34" charset="0"/>
+                <a:ea typeface="SimSun" panose="02010600030101010101" pitchFamily="2" charset="-122"/>
+                <a:cs typeface="Times New Roman" panose="02020603050405020304" pitchFamily="18" charset="0"/>
+              </a:rPr>
+              <a:t>. [online] Carolina Digital Repository. Available at: https://cdr.lib.unc.edu/concern/masters_papers/fn107276t [Accessed 25 Nov. 2024]. Folk, M. and </a:t>
+            </a:r>
+            <a:r>
+              <a:rPr lang="en-GB" sz="849" kern="100" dirty="0" err="1">
+                <a:latin typeface="Calibri" panose="020F0502020204030204" pitchFamily="34" charset="0"/>
+                <a:ea typeface="SimSun" panose="02010600030101010101" pitchFamily="2" charset="-122"/>
+                <a:cs typeface="Times New Roman" panose="02020603050405020304" pitchFamily="18" charset="0"/>
+              </a:rPr>
+              <a:t>Barkstrom</a:t>
+            </a:r>
+            <a:r>
+              <a:rPr lang="en-GB" sz="849" kern="100" dirty="0">
+                <a:latin typeface="Calibri" panose="020F0502020204030204" pitchFamily="34" charset="0"/>
+                <a:ea typeface="SimSun" panose="02010600030101010101" pitchFamily="2" charset="-122"/>
+                <a:cs typeface="Times New Roman" panose="02020603050405020304" pitchFamily="18" charset="0"/>
+              </a:rPr>
+              <a:t>, B.R. (2003). </a:t>
+            </a:r>
+            <a:r>
+              <a:rPr lang="en-GB" sz="849" i="1" kern="100" dirty="0">
+                <a:latin typeface="TimesNewRomanPS-ItalicMT"/>
+                <a:ea typeface="SimSun" panose="02010600030101010101" pitchFamily="2" charset="-122"/>
+                <a:cs typeface="Times New Roman" panose="02020603050405020304" pitchFamily="18" charset="0"/>
+              </a:rPr>
+              <a:t>Attributes of file formats for long-term preservation of scientific and engineering data in digital libraries</a:t>
+            </a:r>
+            <a:r>
+              <a:rPr lang="en-GB" sz="849" kern="100" dirty="0">
+                <a:latin typeface="Calibri" panose="020F0502020204030204" pitchFamily="34" charset="0"/>
+                <a:ea typeface="SimSun" panose="02010600030101010101" pitchFamily="2" charset="-122"/>
+                <a:cs typeface="Times New Roman" panose="02020603050405020304" pitchFamily="18" charset="0"/>
+              </a:rPr>
+              <a:t>. [online] Available at: https://www.researchgate.net/publication/228726593_Attributes_of_file_formats_for_long-term_preservation_of_scientific_and_engineering_data_in_digital_libraries. THE DEFINITIVE GUIDE TO EXPLORING FILE FORMATS </a:t>
+            </a:r>
+            <a:r>
+              <a:rPr lang="en-GB" sz="849" kern="100" dirty="0" err="1">
+                <a:latin typeface="Calibri" panose="020F0502020204030204" pitchFamily="34" charset="0"/>
+                <a:ea typeface="SimSun" panose="02010600030101010101" pitchFamily="2" charset="-122"/>
+                <a:cs typeface="Times New Roman" panose="02020603050405020304" pitchFamily="18" charset="0"/>
+              </a:rPr>
+              <a:t>Mr.Mouse</a:t>
+            </a:r>
+            <a:r>
+              <a:rPr lang="en-GB" sz="849" kern="100" dirty="0">
+                <a:latin typeface="Calibri" panose="020F0502020204030204" pitchFamily="34" charset="0"/>
+                <a:ea typeface="SimSun" panose="02010600030101010101" pitchFamily="2" charset="-122"/>
+                <a:cs typeface="Times New Roman" panose="02020603050405020304" pitchFamily="18" charset="0"/>
+              </a:rPr>
+              <a:t> and WATTO. (n.d.). Available at: https://www.gamedevs.org/uploads/the-definitive-guide-to-exploring-file-formats.pdf [Accessed 25 Nov. 2024]. File Formats for Big Data Storage Systems. (2019). </a:t>
+            </a:r>
+            <a:r>
+              <a:rPr lang="en-GB" sz="849" i="1" kern="100" dirty="0">
+                <a:latin typeface="TimesNewRomanPS-ItalicMT"/>
+                <a:ea typeface="SimSun" panose="02010600030101010101" pitchFamily="2" charset="-122"/>
+                <a:cs typeface="Times New Roman" panose="02020603050405020304" pitchFamily="18" charset="0"/>
+              </a:rPr>
+              <a:t>International Journal of Engineering and Advanced Technology</a:t>
+            </a:r>
+            <a:r>
+              <a:rPr lang="en-GB" sz="849" kern="100" dirty="0">
+                <a:latin typeface="Calibri" panose="020F0502020204030204" pitchFamily="34" charset="0"/>
+                <a:ea typeface="SimSun" panose="02010600030101010101" pitchFamily="2" charset="-122"/>
+                <a:cs typeface="Times New Roman" panose="02020603050405020304" pitchFamily="18" charset="0"/>
+              </a:rPr>
+              <a:t>, 9(1), pp.2906–2912. </a:t>
+            </a:r>
+            <a:r>
+              <a:rPr lang="en-GB" sz="849" kern="100" dirty="0" err="1">
+                <a:latin typeface="Calibri" panose="020F0502020204030204" pitchFamily="34" charset="0"/>
+                <a:ea typeface="SimSun" panose="02010600030101010101" pitchFamily="2" charset="-122"/>
+                <a:cs typeface="Times New Roman" panose="02020603050405020304" pitchFamily="18" charset="0"/>
+              </a:rPr>
+              <a:t>doi:https</a:t>
+            </a:r>
+            <a:r>
+              <a:rPr lang="en-GB" sz="849" kern="100" dirty="0">
+                <a:latin typeface="Calibri" panose="020F0502020204030204" pitchFamily="34" charset="0"/>
+                <a:ea typeface="SimSun" panose="02010600030101010101" pitchFamily="2" charset="-122"/>
+                <a:cs typeface="Times New Roman" panose="02020603050405020304" pitchFamily="18" charset="0"/>
+              </a:rPr>
+              <a:t>://doi.org/10.35940/ijeat.a1196.109119. Zhenhua, W. (2018). Design and Research of an Image File Format with Rich Information. </a:t>
+            </a:r>
+            <a:r>
+              <a:rPr lang="en-GB" sz="849" i="1" kern="100" dirty="0">
+                <a:latin typeface="TimesNewRomanPS-ItalicMT"/>
+                <a:ea typeface="SimSun" panose="02010600030101010101" pitchFamily="2" charset="-122"/>
+                <a:cs typeface="Times New Roman" panose="02020603050405020304" pitchFamily="18" charset="0"/>
+              </a:rPr>
+              <a:t>Journal of Electrical and Electronic Engineering</a:t>
+            </a:r>
+            <a:r>
+              <a:rPr lang="en-GB" sz="849" kern="100" dirty="0">
+                <a:latin typeface="Calibri" panose="020F0502020204030204" pitchFamily="34" charset="0"/>
+                <a:ea typeface="SimSun" panose="02010600030101010101" pitchFamily="2" charset="-122"/>
+                <a:cs typeface="Times New Roman" panose="02020603050405020304" pitchFamily="18" charset="0"/>
+              </a:rPr>
+              <a:t>, 6(2), p.71. </a:t>
+            </a:r>
+            <a:r>
+              <a:rPr lang="en-GB" sz="849" kern="100" dirty="0" err="1">
+                <a:latin typeface="Calibri" panose="020F0502020204030204" pitchFamily="34" charset="0"/>
+                <a:ea typeface="SimSun" panose="02010600030101010101" pitchFamily="2" charset="-122"/>
+                <a:cs typeface="Times New Roman" panose="02020603050405020304" pitchFamily="18" charset="0"/>
+              </a:rPr>
+              <a:t>doi:https</a:t>
+            </a:r>
+            <a:r>
+              <a:rPr lang="en-GB" sz="849" kern="100" dirty="0">
+                <a:latin typeface="Calibri" panose="020F0502020204030204" pitchFamily="34" charset="0"/>
+                <a:ea typeface="SimSun" panose="02010600030101010101" pitchFamily="2" charset="-122"/>
+                <a:cs typeface="Times New Roman" panose="02020603050405020304" pitchFamily="18" charset="0"/>
+              </a:rPr>
+              <a:t>://doi.org/10.11648/j.jeee.20180602.16. Ontology of Heterogeneous Image File Formats and their Disparate Applications. (2021). </a:t>
+            </a:r>
+            <a:r>
+              <a:rPr lang="en-GB" sz="849" i="1" kern="100" dirty="0">
+                <a:latin typeface="TimesNewRomanPS-ItalicMT"/>
+                <a:ea typeface="SimSun" panose="02010600030101010101" pitchFamily="2" charset="-122"/>
+                <a:cs typeface="Times New Roman" panose="02020603050405020304" pitchFamily="18" charset="0"/>
+              </a:rPr>
+              <a:t>International Journal of Advanced Trends in Computer Science and Engineering</a:t>
+            </a:r>
+            <a:r>
+              <a:rPr lang="en-GB" sz="849" kern="100" dirty="0">
+                <a:latin typeface="Calibri" panose="020F0502020204030204" pitchFamily="34" charset="0"/>
+                <a:ea typeface="SimSun" panose="02010600030101010101" pitchFamily="2" charset="-122"/>
+                <a:cs typeface="Times New Roman" panose="02020603050405020304" pitchFamily="18" charset="0"/>
+              </a:rPr>
+              <a:t>, 10(6), pp.3138–3143. </a:t>
+            </a:r>
+            <a:r>
+              <a:rPr lang="en-GB" sz="849" kern="100" dirty="0" err="1">
+                <a:latin typeface="Calibri" panose="020F0502020204030204" pitchFamily="34" charset="0"/>
+                <a:ea typeface="SimSun" panose="02010600030101010101" pitchFamily="2" charset="-122"/>
+                <a:cs typeface="Times New Roman" panose="02020603050405020304" pitchFamily="18" charset="0"/>
+              </a:rPr>
+              <a:t>doi:https</a:t>
+            </a:r>
+            <a:r>
+              <a:rPr lang="en-GB" sz="849" kern="100" dirty="0">
+                <a:latin typeface="Calibri" panose="020F0502020204030204" pitchFamily="34" charset="0"/>
+                <a:ea typeface="SimSun" panose="02010600030101010101" pitchFamily="2" charset="-122"/>
+                <a:cs typeface="Times New Roman" panose="02020603050405020304" pitchFamily="18" charset="0"/>
+              </a:rPr>
+              <a:t>://doi.org/10.30534/</a:t>
+            </a:r>
+            <a:r>
+              <a:rPr lang="en-GB" sz="849" kern="100" dirty="0" err="1">
+                <a:latin typeface="Calibri" panose="020F0502020204030204" pitchFamily="34" charset="0"/>
+                <a:ea typeface="SimSun" panose="02010600030101010101" pitchFamily="2" charset="-122"/>
+                <a:cs typeface="Times New Roman" panose="02020603050405020304" pitchFamily="18" charset="0"/>
+              </a:rPr>
+              <a:t>ijatcse</a:t>
+            </a:r>
+            <a:r>
+              <a:rPr lang="en-GB" sz="849" kern="100" dirty="0">
+                <a:latin typeface="Calibri" panose="020F0502020204030204" pitchFamily="34" charset="0"/>
+                <a:ea typeface="SimSun" panose="02010600030101010101" pitchFamily="2" charset="-122"/>
+                <a:cs typeface="Times New Roman" panose="02020603050405020304" pitchFamily="18" charset="0"/>
+              </a:rPr>
+              <a:t>/2021/091062021. Dinneen, J.D. and Julien, C.-A. (2021). </a:t>
+            </a:r>
+            <a:r>
+              <a:rPr lang="en-GB" sz="849" i="1" kern="100" dirty="0">
+                <a:latin typeface="TimesNewRomanPS-ItalicMT"/>
+                <a:ea typeface="SimSun" panose="02010600030101010101" pitchFamily="2" charset="-122"/>
+                <a:cs typeface="Times New Roman" panose="02020603050405020304" pitchFamily="18" charset="0"/>
+              </a:rPr>
+              <a:t>The ubiquitous digital file: A review of file management research</a:t>
+            </a:r>
+            <a:r>
+              <a:rPr lang="en-GB" sz="849" kern="100" dirty="0">
+                <a:latin typeface="Calibri" panose="020F0502020204030204" pitchFamily="34" charset="0"/>
+                <a:ea typeface="SimSun" panose="02010600030101010101" pitchFamily="2" charset="-122"/>
+                <a:cs typeface="Times New Roman" panose="02020603050405020304" pitchFamily="18" charset="0"/>
+              </a:rPr>
+              <a:t>. [online] </a:t>
+            </a:r>
+            <a:r>
+              <a:rPr lang="en-GB" sz="849" kern="100" dirty="0" err="1">
+                <a:latin typeface="Calibri" panose="020F0502020204030204" pitchFamily="34" charset="0"/>
+                <a:ea typeface="SimSun" panose="02010600030101010101" pitchFamily="2" charset="-122"/>
+                <a:cs typeface="Times New Roman" panose="02020603050405020304" pitchFamily="18" charset="0"/>
+              </a:rPr>
+              <a:t>doi</a:t>
+            </a:r>
+            <a:r>
+              <a:rPr lang="en-GB" sz="849" kern="100" dirty="0">
+                <a:latin typeface="Calibri" panose="020F0502020204030204" pitchFamily="34" charset="0"/>
+                <a:ea typeface="SimSun" panose="02010600030101010101" pitchFamily="2" charset="-122"/>
+                <a:cs typeface="Times New Roman" panose="02020603050405020304" pitchFamily="18" charset="0"/>
+              </a:rPr>
+              <a:t>: https://doi.org/10.48550/arXiv.2109.09668.Underwood, W. (2012). Grammar-Based Specification and Parsing of Binary File Formats. </a:t>
+            </a:r>
+            <a:r>
+              <a:rPr lang="en-GB" sz="849" i="1" kern="100" dirty="0">
+                <a:latin typeface="TimesNewRomanPS-ItalicMT"/>
+                <a:ea typeface="SimSun" panose="02010600030101010101" pitchFamily="2" charset="-122"/>
+                <a:cs typeface="Times New Roman" panose="02020603050405020304" pitchFamily="18" charset="0"/>
+              </a:rPr>
+              <a:t>International Journal of Digital Curation</a:t>
+            </a:r>
+            <a:r>
+              <a:rPr lang="en-GB" sz="849" kern="100" dirty="0">
+                <a:latin typeface="Calibri" panose="020F0502020204030204" pitchFamily="34" charset="0"/>
+                <a:ea typeface="SimSun" panose="02010600030101010101" pitchFamily="2" charset="-122"/>
+                <a:cs typeface="Times New Roman" panose="02020603050405020304" pitchFamily="18" charset="0"/>
+              </a:rPr>
+              <a:t>, 7(1), pp.95–106. </a:t>
+            </a:r>
+            <a:r>
+              <a:rPr lang="en-GB" sz="849" kern="100" dirty="0" err="1">
+                <a:latin typeface="Calibri" panose="020F0502020204030204" pitchFamily="34" charset="0"/>
+                <a:ea typeface="SimSun" panose="02010600030101010101" pitchFamily="2" charset="-122"/>
+                <a:cs typeface="Times New Roman" panose="02020603050405020304" pitchFamily="18" charset="0"/>
+              </a:rPr>
+              <a:t>doi:https</a:t>
+            </a:r>
+            <a:r>
+              <a:rPr lang="en-GB" sz="849" kern="100" dirty="0">
+                <a:latin typeface="Calibri" panose="020F0502020204030204" pitchFamily="34" charset="0"/>
+                <a:ea typeface="SimSun" panose="02010600030101010101" pitchFamily="2" charset="-122"/>
+                <a:cs typeface="Times New Roman" panose="02020603050405020304" pitchFamily="18" charset="0"/>
+              </a:rPr>
+              <a:t>://doi.org/10.2218/ijdc.v7i1.217. Fred brooks, Data definition and file syntax for ISO/TS 14048 data exchange with data storage format based on ISO/TS 14048, RAUL CARLSON JOHAN TIVANDER, CHALMERS UNIVERSITY OF TECHNOLOGY, 2001, https://citeseerx.ist.psu.edu/document?repid=rep1&amp;type=pdf&amp;doi=676dc77da1217c8cdd1b61d76c83cad5 30bc3159 </a:t>
+            </a:r>
+          </a:p>
+        </p:txBody>
+      </p:sp>
+      <p:sp>
+        <p:nvSpPr>
+          <p:cNvPr id="16" name="TextBox 15"/>
+          <p:cNvSpPr txBox="1"/>
+          <p:nvPr/>
+        </p:nvSpPr>
+        <p:spPr>
+          <a:xfrm>
+            <a:off x="10907052" y="3229889"/>
+            <a:ext cx="9887452" cy="6186437"/>
           </a:xfrm>
           <a:prstGeom prst="rect">
             <a:avLst/>
@@ -3334,1692 +4778,232 @@
           </a:bodyPr>
           <a:lstStyle/>
           <a:p>
-            <a:pPr>
-              <a:lnSpc>
-                <a:spcPct val="107000"/>
-              </a:lnSpc>
-              <a:spcAft>
-                <a:spcPts val="800"/>
-              </a:spcAft>
-              <a:buNone/>
-            </a:pPr>
-            <a:r>
-              <a:rPr lang="en-GB" sz="300" dirty="0">
-                <a:solidFill>
-                  <a:schemeClr val="bg1"/>
-                </a:solidFill>
-              </a:rPr>
-              <a:t>References - </a:t>
-            </a:r>
-            <a:r>
-              <a:rPr lang="en-GB" sz="300" kern="100" dirty="0">
-                <a:solidFill>
-                  <a:schemeClr val="bg1"/>
-                </a:solidFill>
-                <a:effectLst/>
-                <a:latin typeface="Calibri" panose="020F0502020204030204" pitchFamily="34" charset="0"/>
-                <a:ea typeface="SimSun" panose="02010600030101010101" pitchFamily="2" charset="-122"/>
-                <a:cs typeface="Times New Roman" panose="02020603050405020304" pitchFamily="18" charset="0"/>
-              </a:rPr>
-              <a:t>Tito </a:t>
-            </a:r>
-            <a:r>
-              <a:rPr lang="en-GB" sz="300" kern="100" dirty="0" err="1">
-                <a:solidFill>
-                  <a:schemeClr val="bg1"/>
-                </a:solidFill>
-                <a:effectLst/>
-                <a:latin typeface="Calibri" panose="020F0502020204030204" pitchFamily="34" charset="0"/>
-                <a:ea typeface="SimSun" panose="02010600030101010101" pitchFamily="2" charset="-122"/>
-                <a:cs typeface="Times New Roman" panose="02020603050405020304" pitchFamily="18" charset="0"/>
-              </a:rPr>
-              <a:t>waluyo</a:t>
-            </a:r>
-            <a:r>
-              <a:rPr lang="en-GB" sz="300" kern="100" dirty="0">
-                <a:solidFill>
-                  <a:schemeClr val="bg1"/>
-                </a:solidFill>
-                <a:effectLst/>
-                <a:latin typeface="Calibri" panose="020F0502020204030204" pitchFamily="34" charset="0"/>
-                <a:ea typeface="SimSun" panose="02010600030101010101" pitchFamily="2" charset="-122"/>
-                <a:cs typeface="Times New Roman" panose="02020603050405020304" pitchFamily="18" charset="0"/>
-              </a:rPr>
-              <a:t> </a:t>
-            </a:r>
-            <a:r>
-              <a:rPr lang="en-GB" sz="300" kern="100" dirty="0" err="1">
-                <a:solidFill>
-                  <a:schemeClr val="bg1"/>
-                </a:solidFill>
-                <a:effectLst/>
-                <a:latin typeface="Calibri" panose="020F0502020204030204" pitchFamily="34" charset="0"/>
-                <a:ea typeface="SimSun" panose="02010600030101010101" pitchFamily="2" charset="-122"/>
-                <a:cs typeface="Times New Roman" panose="02020603050405020304" pitchFamily="18" charset="0"/>
-              </a:rPr>
-              <a:t>purboyo</a:t>
-            </a:r>
-            <a:r>
-              <a:rPr lang="en-GB" sz="300" kern="100" dirty="0">
-                <a:solidFill>
-                  <a:schemeClr val="bg1"/>
-                </a:solidFill>
-                <a:effectLst/>
-                <a:latin typeface="Calibri" panose="020F0502020204030204" pitchFamily="34" charset="0"/>
-                <a:ea typeface="SimSun" panose="02010600030101010101" pitchFamily="2" charset="-122"/>
-                <a:cs typeface="Times New Roman" panose="02020603050405020304" pitchFamily="18" charset="0"/>
-              </a:rPr>
-              <a:t>, 2017, a review of data compression techniques, international journal of applied engineering research, 8596 - 8963, (PDF) A review of data compression techniques. SIDDEQ, </a:t>
-            </a:r>
-            <a:r>
-              <a:rPr lang="en-GB" sz="300" kern="100" dirty="0" err="1">
-                <a:solidFill>
-                  <a:schemeClr val="bg1"/>
-                </a:solidFill>
-                <a:effectLst/>
-                <a:latin typeface="Calibri" panose="020F0502020204030204" pitchFamily="34" charset="0"/>
-                <a:ea typeface="SimSun" panose="02010600030101010101" pitchFamily="2" charset="-122"/>
-                <a:cs typeface="Times New Roman" panose="02020603050405020304" pitchFamily="18" charset="0"/>
-              </a:rPr>
-              <a:t>mohammed</a:t>
-            </a:r>
-            <a:r>
-              <a:rPr lang="en-GB" sz="300" kern="100" dirty="0">
-                <a:solidFill>
-                  <a:schemeClr val="bg1"/>
-                </a:solidFill>
-                <a:effectLst/>
-                <a:latin typeface="Calibri" panose="020F0502020204030204" pitchFamily="34" charset="0"/>
-                <a:ea typeface="SimSun" panose="02010600030101010101" pitchFamily="2" charset="-122"/>
-                <a:cs typeface="Times New Roman" panose="02020603050405020304" pitchFamily="18" charset="0"/>
-              </a:rPr>
-              <a:t> M and Rodrigues, </a:t>
-            </a:r>
-            <a:r>
-              <a:rPr lang="en-GB" sz="300" kern="100" dirty="0" err="1">
-                <a:solidFill>
-                  <a:schemeClr val="bg1"/>
-                </a:solidFill>
-                <a:effectLst/>
-                <a:latin typeface="Calibri" panose="020F0502020204030204" pitchFamily="34" charset="0"/>
-                <a:ea typeface="SimSun" panose="02010600030101010101" pitchFamily="2" charset="-122"/>
-                <a:cs typeface="Times New Roman" panose="02020603050405020304" pitchFamily="18" charset="0"/>
-              </a:rPr>
-              <a:t>marcos</a:t>
-            </a:r>
-            <a:r>
-              <a:rPr lang="en-GB" sz="300" kern="100" dirty="0">
-                <a:solidFill>
-                  <a:schemeClr val="bg1"/>
-                </a:solidFill>
-                <a:effectLst/>
-                <a:latin typeface="Calibri" panose="020F0502020204030204" pitchFamily="34" charset="0"/>
-                <a:ea typeface="SimSun" panose="02010600030101010101" pitchFamily="2" charset="-122"/>
-                <a:cs typeface="Times New Roman" panose="02020603050405020304" pitchFamily="18" charset="0"/>
-              </a:rPr>
-              <a:t>, 2016, Novel 3D compression methods for geometry connectivity and texture, Sheffield </a:t>
-            </a:r>
-            <a:r>
-              <a:rPr lang="en-GB" sz="300" kern="100" dirty="0" err="1">
-                <a:solidFill>
-                  <a:schemeClr val="bg1"/>
-                </a:solidFill>
-                <a:effectLst/>
-                <a:latin typeface="Calibri" panose="020F0502020204030204" pitchFamily="34" charset="0"/>
-                <a:ea typeface="SimSun" panose="02010600030101010101" pitchFamily="2" charset="-122"/>
-                <a:cs typeface="Times New Roman" panose="02020603050405020304" pitchFamily="18" charset="0"/>
-              </a:rPr>
-              <a:t>hallam</a:t>
-            </a:r>
-            <a:r>
-              <a:rPr lang="en-GB" sz="300" kern="100" dirty="0">
-                <a:solidFill>
-                  <a:schemeClr val="bg1"/>
-                </a:solidFill>
-                <a:effectLst/>
-                <a:latin typeface="Calibri" panose="020F0502020204030204" pitchFamily="34" charset="0"/>
-                <a:ea typeface="SimSun" panose="02010600030101010101" pitchFamily="2" charset="-122"/>
-                <a:cs typeface="Times New Roman" panose="02020603050405020304" pitchFamily="18" charset="0"/>
-              </a:rPr>
-              <a:t> university research archive, 1 - 16, Microsoft Word - Research_No_7_MR_final.docx Mustafa ORAL, Ammar abbas Elmas, 2017, A brief history of 3d mesh compression, </a:t>
-            </a:r>
-            <a:r>
-              <a:rPr lang="en-GB" sz="300" kern="100" dirty="0" err="1">
-                <a:solidFill>
-                  <a:schemeClr val="bg1"/>
-                </a:solidFill>
-                <a:effectLst/>
-                <a:latin typeface="Calibri" panose="020F0502020204030204" pitchFamily="34" charset="0"/>
-                <a:ea typeface="SimSun" panose="02010600030101010101" pitchFamily="2" charset="-122"/>
-                <a:cs typeface="Times New Roman" panose="02020603050405020304" pitchFamily="18" charset="0"/>
-              </a:rPr>
-              <a:t>Cukorva</a:t>
-            </a:r>
-            <a:r>
-              <a:rPr lang="en-GB" sz="300" kern="100" dirty="0">
-                <a:solidFill>
-                  <a:schemeClr val="bg1"/>
-                </a:solidFill>
-                <a:effectLst/>
-                <a:latin typeface="Calibri" panose="020F0502020204030204" pitchFamily="34" charset="0"/>
-                <a:ea typeface="SimSun" panose="02010600030101010101" pitchFamily="2" charset="-122"/>
-                <a:cs typeface="Times New Roman" panose="02020603050405020304" pitchFamily="18" charset="0"/>
-              </a:rPr>
-              <a:t> university, 1-6, , https://www.researchgate.net/publication/327905583_A_Brief_History_of_3D_Mesh_Compression Amandeep Singh Sidhu, 2014, Research paper on text data compression algorithm using hybrid approach, International Journal of Computer Science and Mobile </a:t>
-            </a:r>
-            <a:r>
-              <a:rPr lang="en-GB" sz="300" kern="100" dirty="0" err="1">
-                <a:solidFill>
-                  <a:schemeClr val="bg1"/>
-                </a:solidFill>
-                <a:effectLst/>
-                <a:latin typeface="Calibri" panose="020F0502020204030204" pitchFamily="34" charset="0"/>
-                <a:ea typeface="SimSun" panose="02010600030101010101" pitchFamily="2" charset="-122"/>
-                <a:cs typeface="Times New Roman" panose="02020603050405020304" pitchFamily="18" charset="0"/>
-              </a:rPr>
-              <a:t>Computing,volume</a:t>
-            </a:r>
-            <a:r>
-              <a:rPr lang="en-GB" sz="300" kern="100" dirty="0">
-                <a:solidFill>
-                  <a:schemeClr val="bg1"/>
-                </a:solidFill>
-                <a:effectLst/>
-                <a:latin typeface="Calibri" panose="020F0502020204030204" pitchFamily="34" charset="0"/>
-                <a:ea typeface="SimSun" panose="02010600030101010101" pitchFamily="2" charset="-122"/>
-                <a:cs typeface="Times New Roman" panose="02020603050405020304" pitchFamily="18" charset="0"/>
-              </a:rPr>
-              <a:t> 3 issue 12, 1 - 10, https://ijcsmc.com/docs/papers/December2014/V3I12201404.pdf.Sjöstrand, M. (2005). </a:t>
-            </a:r>
-            <a:r>
-              <a:rPr lang="en-GB" sz="300" i="1" kern="100" dirty="0">
-                <a:solidFill>
-                  <a:schemeClr val="bg1"/>
-                </a:solidFill>
-                <a:effectLst/>
-                <a:latin typeface="TimesNewRomanPS-ItalicMT"/>
-                <a:ea typeface="SimSun" panose="02010600030101010101" pitchFamily="2" charset="-122"/>
-                <a:cs typeface="Times New Roman" panose="02020603050405020304" pitchFamily="18" charset="0"/>
-              </a:rPr>
-              <a:t>A study in compression algorithms</a:t>
-            </a:r>
-            <a:r>
-              <a:rPr lang="en-GB" sz="300" kern="100" dirty="0">
-                <a:solidFill>
-                  <a:schemeClr val="bg1"/>
-                </a:solidFill>
-                <a:effectLst/>
-                <a:latin typeface="Calibri" panose="020F0502020204030204" pitchFamily="34" charset="0"/>
-                <a:ea typeface="SimSun" panose="02010600030101010101" pitchFamily="2" charset="-122"/>
-                <a:cs typeface="Times New Roman" panose="02020603050405020304" pitchFamily="18" charset="0"/>
-              </a:rPr>
-              <a:t>. https://www.diva-portal.org/smash/get/diva2:830266/FULLTEXT01.pdf. Peng, J., Kim, C.-S. and Jay Kuo, C.-C. . (2005). Technologies for 3D mesh compression: A survey. </a:t>
-            </a:r>
-            <a:r>
-              <a:rPr lang="en-GB" sz="300" i="1" kern="100" dirty="0">
-                <a:solidFill>
-                  <a:schemeClr val="bg1"/>
-                </a:solidFill>
-                <a:effectLst/>
-                <a:latin typeface="TimesNewRomanPS-ItalicMT"/>
-                <a:ea typeface="SimSun" panose="02010600030101010101" pitchFamily="2" charset="-122"/>
-                <a:cs typeface="Times New Roman" panose="02020603050405020304" pitchFamily="18" charset="0"/>
-              </a:rPr>
-              <a:t>Journal of Visual Communication and Image Representation</a:t>
-            </a:r>
-            <a:r>
-              <a:rPr lang="en-GB" sz="300" kern="100" dirty="0">
-                <a:solidFill>
-                  <a:schemeClr val="bg1"/>
-                </a:solidFill>
-                <a:effectLst/>
-                <a:latin typeface="Calibri" panose="020F0502020204030204" pitchFamily="34" charset="0"/>
-                <a:ea typeface="SimSun" panose="02010600030101010101" pitchFamily="2" charset="-122"/>
-                <a:cs typeface="Times New Roman" panose="02020603050405020304" pitchFamily="18" charset="0"/>
-              </a:rPr>
-              <a:t>, 16(6), pp.688–733. </a:t>
-            </a:r>
-            <a:r>
-              <a:rPr lang="en-GB" sz="300" kern="100" dirty="0" err="1">
-                <a:solidFill>
-                  <a:schemeClr val="bg1"/>
-                </a:solidFill>
-                <a:effectLst/>
-                <a:latin typeface="Calibri" panose="020F0502020204030204" pitchFamily="34" charset="0"/>
-                <a:ea typeface="SimSun" panose="02010600030101010101" pitchFamily="2" charset="-122"/>
-                <a:cs typeface="Times New Roman" panose="02020603050405020304" pitchFamily="18" charset="0"/>
-              </a:rPr>
-              <a:t>doi:https</a:t>
-            </a:r>
-            <a:r>
-              <a:rPr lang="en-GB" sz="300" kern="100" dirty="0">
-                <a:solidFill>
-                  <a:schemeClr val="bg1"/>
-                </a:solidFill>
-                <a:effectLst/>
-                <a:latin typeface="Calibri" panose="020F0502020204030204" pitchFamily="34" charset="0"/>
-                <a:ea typeface="SimSun" panose="02010600030101010101" pitchFamily="2" charset="-122"/>
-                <a:cs typeface="Times New Roman" panose="02020603050405020304" pitchFamily="18" charset="0"/>
-              </a:rPr>
-              <a:t>://doi.org/10.1016/j.jvcir.2005.03.001. Girard, J.-F. and </a:t>
-            </a:r>
-            <a:r>
-              <a:rPr lang="en-GB" sz="300" kern="100" dirty="0" err="1">
-                <a:solidFill>
-                  <a:schemeClr val="bg1"/>
-                </a:solidFill>
-                <a:effectLst/>
-                <a:latin typeface="Calibri" panose="020F0502020204030204" pitchFamily="34" charset="0"/>
-                <a:ea typeface="SimSun" panose="02010600030101010101" pitchFamily="2" charset="-122"/>
-                <a:cs typeface="Times New Roman" panose="02020603050405020304" pitchFamily="18" charset="0"/>
-              </a:rPr>
-              <a:t>Koschke</a:t>
-            </a:r>
-            <a:r>
-              <a:rPr lang="en-GB" sz="300" kern="100" dirty="0">
-                <a:solidFill>
-                  <a:schemeClr val="bg1"/>
-                </a:solidFill>
-                <a:effectLst/>
-                <a:latin typeface="Calibri" panose="020F0502020204030204" pitchFamily="34" charset="0"/>
-                <a:ea typeface="SimSun" panose="02010600030101010101" pitchFamily="2" charset="-122"/>
-                <a:cs typeface="Times New Roman" panose="02020603050405020304" pitchFamily="18" charset="0"/>
-              </a:rPr>
-              <a:t>, R. (2000). A comparison of abstract data types and objects recovery techniques. </a:t>
-            </a:r>
-            <a:r>
-              <a:rPr lang="en-GB" sz="300" i="1" kern="100" dirty="0">
-                <a:solidFill>
-                  <a:schemeClr val="bg1"/>
-                </a:solidFill>
-                <a:effectLst/>
-                <a:latin typeface="TimesNewRomanPS-ItalicMT"/>
-                <a:ea typeface="SimSun" panose="02010600030101010101" pitchFamily="2" charset="-122"/>
-                <a:cs typeface="Times New Roman" panose="02020603050405020304" pitchFamily="18" charset="0"/>
-              </a:rPr>
-              <a:t>Science of Computer Programming</a:t>
-            </a:r>
-            <a:r>
-              <a:rPr lang="en-GB" sz="300" kern="100" dirty="0">
-                <a:solidFill>
-                  <a:schemeClr val="bg1"/>
-                </a:solidFill>
-                <a:effectLst/>
-                <a:latin typeface="Calibri" panose="020F0502020204030204" pitchFamily="34" charset="0"/>
-                <a:ea typeface="SimSun" panose="02010600030101010101" pitchFamily="2" charset="-122"/>
-                <a:cs typeface="Times New Roman" panose="02020603050405020304" pitchFamily="18" charset="0"/>
-              </a:rPr>
-              <a:t>, 36(2-3), pp.149–181. </a:t>
-            </a:r>
-            <a:r>
-              <a:rPr lang="en-GB" sz="300" kern="100" dirty="0" err="1">
-                <a:solidFill>
-                  <a:schemeClr val="bg1"/>
-                </a:solidFill>
-                <a:effectLst/>
-                <a:latin typeface="Calibri" panose="020F0502020204030204" pitchFamily="34" charset="0"/>
-                <a:ea typeface="SimSun" panose="02010600030101010101" pitchFamily="2" charset="-122"/>
-                <a:cs typeface="Times New Roman" panose="02020603050405020304" pitchFamily="18" charset="0"/>
-              </a:rPr>
-              <a:t>doi:https</a:t>
-            </a:r>
-            <a:r>
-              <a:rPr lang="en-GB" sz="300" kern="100" dirty="0">
-                <a:solidFill>
-                  <a:schemeClr val="bg1"/>
-                </a:solidFill>
-                <a:effectLst/>
-                <a:latin typeface="Calibri" panose="020F0502020204030204" pitchFamily="34" charset="0"/>
-                <a:ea typeface="SimSun" panose="02010600030101010101" pitchFamily="2" charset="-122"/>
-                <a:cs typeface="Times New Roman" panose="02020603050405020304" pitchFamily="18" charset="0"/>
-              </a:rPr>
-              <a:t>://doi.org/10.1016/s0167-6423(99)00035-0. Guttag, J.V., Horowitz, E. and Musser, D.R. (1978). Abstract data types and software validation. </a:t>
-            </a:r>
-            <a:r>
-              <a:rPr lang="en-GB" sz="300" i="1" kern="100" dirty="0">
-                <a:solidFill>
-                  <a:schemeClr val="bg1"/>
-                </a:solidFill>
-                <a:effectLst/>
-                <a:latin typeface="TimesNewRomanPS-ItalicMT"/>
-                <a:ea typeface="SimSun" panose="02010600030101010101" pitchFamily="2" charset="-122"/>
-                <a:cs typeface="Times New Roman" panose="02020603050405020304" pitchFamily="18" charset="0"/>
-              </a:rPr>
-              <a:t>Communications of the ACM</a:t>
-            </a:r>
-            <a:r>
-              <a:rPr lang="en-GB" sz="300" kern="100" dirty="0">
-                <a:solidFill>
-                  <a:schemeClr val="bg1"/>
-                </a:solidFill>
-                <a:effectLst/>
-                <a:latin typeface="Calibri" panose="020F0502020204030204" pitchFamily="34" charset="0"/>
-                <a:ea typeface="SimSun" panose="02010600030101010101" pitchFamily="2" charset="-122"/>
-                <a:cs typeface="Times New Roman" panose="02020603050405020304" pitchFamily="18" charset="0"/>
-              </a:rPr>
-              <a:t>, 21(12), pp.1048–1064. </a:t>
-            </a:r>
-            <a:r>
-              <a:rPr lang="en-GB" sz="300" kern="100" dirty="0" err="1">
-                <a:solidFill>
-                  <a:schemeClr val="bg1"/>
-                </a:solidFill>
-                <a:effectLst/>
-                <a:latin typeface="Calibri" panose="020F0502020204030204" pitchFamily="34" charset="0"/>
-                <a:ea typeface="SimSun" panose="02010600030101010101" pitchFamily="2" charset="-122"/>
-                <a:cs typeface="Times New Roman" panose="02020603050405020304" pitchFamily="18" charset="0"/>
-              </a:rPr>
-              <a:t>doi:https</a:t>
-            </a:r>
-            <a:r>
-              <a:rPr lang="en-GB" sz="300" kern="100" dirty="0">
-                <a:solidFill>
-                  <a:schemeClr val="bg1"/>
-                </a:solidFill>
-                <a:effectLst/>
-                <a:latin typeface="Calibri" panose="020F0502020204030204" pitchFamily="34" charset="0"/>
-                <a:ea typeface="SimSun" panose="02010600030101010101" pitchFamily="2" charset="-122"/>
-                <a:cs typeface="Times New Roman" panose="02020603050405020304" pitchFamily="18" charset="0"/>
-              </a:rPr>
-              <a:t>://doi.org/10.1145/359657.359666. Guttag, J. (1977). Abstract data types and the development of data structures. </a:t>
-            </a:r>
-            <a:r>
-              <a:rPr lang="en-GB" sz="300" i="1" kern="100" dirty="0">
-                <a:solidFill>
-                  <a:schemeClr val="bg1"/>
-                </a:solidFill>
-                <a:effectLst/>
-                <a:latin typeface="TimesNewRomanPS-ItalicMT"/>
-                <a:ea typeface="SimSun" panose="02010600030101010101" pitchFamily="2" charset="-122"/>
-                <a:cs typeface="Times New Roman" panose="02020603050405020304" pitchFamily="18" charset="0"/>
-              </a:rPr>
-              <a:t>Communications of the ACM</a:t>
-            </a:r>
-            <a:r>
-              <a:rPr lang="en-GB" sz="300" kern="100" dirty="0">
-                <a:solidFill>
-                  <a:schemeClr val="bg1"/>
-                </a:solidFill>
-                <a:effectLst/>
-                <a:latin typeface="Calibri" panose="020F0502020204030204" pitchFamily="34" charset="0"/>
-                <a:ea typeface="SimSun" panose="02010600030101010101" pitchFamily="2" charset="-122"/>
-                <a:cs typeface="Times New Roman" panose="02020603050405020304" pitchFamily="18" charset="0"/>
-              </a:rPr>
-              <a:t>, 20(6), pp.396–404. </a:t>
-            </a:r>
-            <a:r>
-              <a:rPr lang="en-GB" sz="300" kern="100" dirty="0" err="1">
-                <a:solidFill>
-                  <a:schemeClr val="bg1"/>
-                </a:solidFill>
-                <a:effectLst/>
-                <a:latin typeface="Calibri" panose="020F0502020204030204" pitchFamily="34" charset="0"/>
-                <a:ea typeface="SimSun" panose="02010600030101010101" pitchFamily="2" charset="-122"/>
-                <a:cs typeface="Times New Roman" panose="02020603050405020304" pitchFamily="18" charset="0"/>
-              </a:rPr>
-              <a:t>doi:https</a:t>
-            </a:r>
-            <a:r>
-              <a:rPr lang="en-GB" sz="300" kern="100" dirty="0">
-                <a:solidFill>
-                  <a:schemeClr val="bg1"/>
-                </a:solidFill>
-                <a:effectLst/>
-                <a:latin typeface="Calibri" panose="020F0502020204030204" pitchFamily="34" charset="0"/>
-                <a:ea typeface="SimSun" panose="02010600030101010101" pitchFamily="2" charset="-122"/>
-                <a:cs typeface="Times New Roman" panose="02020603050405020304" pitchFamily="18" charset="0"/>
-              </a:rPr>
-              <a:t>://doi.org/10.1145/359605.359618. </a:t>
-            </a:r>
-            <a:r>
-              <a:rPr lang="en-GB" sz="300" kern="100" dirty="0" err="1">
-                <a:solidFill>
-                  <a:schemeClr val="bg1"/>
-                </a:solidFill>
-                <a:effectLst/>
-                <a:latin typeface="Calibri" panose="020F0502020204030204" pitchFamily="34" charset="0"/>
-                <a:ea typeface="SimSun" panose="02010600030101010101" pitchFamily="2" charset="-122"/>
-                <a:cs typeface="Times New Roman" panose="02020603050405020304" pitchFamily="18" charset="0"/>
-              </a:rPr>
-              <a:t>Liskov</a:t>
-            </a:r>
-            <a:r>
-              <a:rPr lang="en-GB" sz="300" kern="100" dirty="0">
-                <a:solidFill>
-                  <a:schemeClr val="bg1"/>
-                </a:solidFill>
-                <a:effectLst/>
-                <a:latin typeface="Calibri" panose="020F0502020204030204" pitchFamily="34" charset="0"/>
-                <a:ea typeface="SimSun" panose="02010600030101010101" pitchFamily="2" charset="-122"/>
-                <a:cs typeface="Times New Roman" panose="02020603050405020304" pitchFamily="18" charset="0"/>
-              </a:rPr>
-              <a:t>, B. and Zilles, S. (1974). Programming with abstract data types. </a:t>
-            </a:r>
-            <a:r>
-              <a:rPr lang="en-GB" sz="300" i="1" kern="100" dirty="0">
-                <a:solidFill>
-                  <a:schemeClr val="bg1"/>
-                </a:solidFill>
-                <a:effectLst/>
-                <a:latin typeface="TimesNewRomanPS-ItalicMT"/>
-                <a:ea typeface="SimSun" panose="02010600030101010101" pitchFamily="2" charset="-122"/>
-                <a:cs typeface="Times New Roman" panose="02020603050405020304" pitchFamily="18" charset="0"/>
-              </a:rPr>
-              <a:t>ACM SIGPLAN Notices</a:t>
-            </a:r>
-            <a:r>
-              <a:rPr lang="en-GB" sz="300" kern="100" dirty="0">
-                <a:solidFill>
-                  <a:schemeClr val="bg1"/>
-                </a:solidFill>
-                <a:effectLst/>
-                <a:latin typeface="Calibri" panose="020F0502020204030204" pitchFamily="34" charset="0"/>
-                <a:ea typeface="SimSun" panose="02010600030101010101" pitchFamily="2" charset="-122"/>
-                <a:cs typeface="Times New Roman" panose="02020603050405020304" pitchFamily="18" charset="0"/>
-              </a:rPr>
-              <a:t>, 9(4), pp.50–59. </a:t>
-            </a:r>
-            <a:r>
-              <a:rPr lang="en-GB" sz="300" kern="100" dirty="0" err="1">
-                <a:solidFill>
-                  <a:schemeClr val="bg1"/>
-                </a:solidFill>
-                <a:effectLst/>
-                <a:latin typeface="Calibri" panose="020F0502020204030204" pitchFamily="34" charset="0"/>
-                <a:ea typeface="SimSun" panose="02010600030101010101" pitchFamily="2" charset="-122"/>
-                <a:cs typeface="Times New Roman" panose="02020603050405020304" pitchFamily="18" charset="0"/>
-              </a:rPr>
-              <a:t>doi:https</a:t>
-            </a:r>
-            <a:r>
-              <a:rPr lang="en-GB" sz="300" kern="100" dirty="0">
-                <a:solidFill>
-                  <a:schemeClr val="bg1"/>
-                </a:solidFill>
-                <a:effectLst/>
-                <a:latin typeface="Calibri" panose="020F0502020204030204" pitchFamily="34" charset="0"/>
-                <a:ea typeface="SimSun" panose="02010600030101010101" pitchFamily="2" charset="-122"/>
-                <a:cs typeface="Times New Roman" panose="02020603050405020304" pitchFamily="18" charset="0"/>
-              </a:rPr>
-              <a:t>://doi.org/10.1145/942572.807045. Musser, D.R. (1980). On proving inductive properties of abstract data types. </a:t>
-            </a:r>
-            <a:r>
-              <a:rPr lang="en-GB" sz="300" kern="100" dirty="0" err="1">
-                <a:solidFill>
-                  <a:schemeClr val="bg1"/>
-                </a:solidFill>
-                <a:effectLst/>
-                <a:latin typeface="Calibri" panose="020F0502020204030204" pitchFamily="34" charset="0"/>
-                <a:ea typeface="SimSun" panose="02010600030101010101" pitchFamily="2" charset="-122"/>
-                <a:cs typeface="Times New Roman" panose="02020603050405020304" pitchFamily="18" charset="0"/>
-              </a:rPr>
-              <a:t>doi:https</a:t>
-            </a:r>
-            <a:r>
-              <a:rPr lang="en-GB" sz="300" kern="100" dirty="0">
-                <a:solidFill>
-                  <a:schemeClr val="bg1"/>
-                </a:solidFill>
-                <a:effectLst/>
-                <a:latin typeface="Calibri" panose="020F0502020204030204" pitchFamily="34" charset="0"/>
-                <a:ea typeface="SimSun" panose="02010600030101010101" pitchFamily="2" charset="-122"/>
-                <a:cs typeface="Times New Roman" panose="02020603050405020304" pitchFamily="18" charset="0"/>
-              </a:rPr>
-              <a:t>://doi.org/10.1145/567446.567461. Bertoni, A., Mauri, G. and P. </a:t>
-            </a:r>
-            <a:r>
-              <a:rPr lang="en-GB" sz="300" kern="100" dirty="0" err="1">
-                <a:solidFill>
-                  <a:schemeClr val="bg1"/>
-                </a:solidFill>
-                <a:effectLst/>
-                <a:latin typeface="Calibri" panose="020F0502020204030204" pitchFamily="34" charset="0"/>
-                <a:ea typeface="SimSun" panose="02010600030101010101" pitchFamily="2" charset="-122"/>
-                <a:cs typeface="Times New Roman" panose="02020603050405020304" pitchFamily="18" charset="0"/>
-              </a:rPr>
-              <a:t>Miglioli</a:t>
-            </a:r>
-            <a:r>
-              <a:rPr lang="en-GB" sz="300" kern="100" dirty="0">
-                <a:solidFill>
-                  <a:schemeClr val="bg1"/>
-                </a:solidFill>
-                <a:effectLst/>
-                <a:latin typeface="Calibri" panose="020F0502020204030204" pitchFamily="34" charset="0"/>
-                <a:ea typeface="SimSun" panose="02010600030101010101" pitchFamily="2" charset="-122"/>
-                <a:cs typeface="Times New Roman" panose="02020603050405020304" pitchFamily="18" charset="0"/>
-              </a:rPr>
-              <a:t> (2006). Towards a theory of abstract data types: A discussion on problems and tools. </a:t>
-            </a:r>
-            <a:r>
-              <a:rPr lang="en-GB" sz="300" i="1" kern="100" dirty="0">
-                <a:solidFill>
-                  <a:schemeClr val="bg1"/>
-                </a:solidFill>
-                <a:effectLst/>
-                <a:latin typeface="TimesNewRomanPS-ItalicMT"/>
-                <a:ea typeface="SimSun" panose="02010600030101010101" pitchFamily="2" charset="-122"/>
-                <a:cs typeface="Times New Roman" panose="02020603050405020304" pitchFamily="18" charset="0"/>
-              </a:rPr>
-              <a:t>Lecture Notes in Computer Science</a:t>
-            </a:r>
-            <a:r>
-              <a:rPr lang="en-GB" sz="300" kern="100" dirty="0">
-                <a:solidFill>
-                  <a:schemeClr val="bg1"/>
-                </a:solidFill>
-                <a:effectLst/>
-                <a:latin typeface="Calibri" panose="020F0502020204030204" pitchFamily="34" charset="0"/>
-                <a:ea typeface="SimSun" panose="02010600030101010101" pitchFamily="2" charset="-122"/>
-                <a:cs typeface="Times New Roman" panose="02020603050405020304" pitchFamily="18" charset="0"/>
-              </a:rPr>
-              <a:t>, [online] pp.44–58. </a:t>
-            </a:r>
-            <a:r>
-              <a:rPr lang="en-GB" sz="300" kern="100" dirty="0" err="1">
-                <a:solidFill>
-                  <a:schemeClr val="bg1"/>
-                </a:solidFill>
-                <a:effectLst/>
-                <a:latin typeface="Calibri" panose="020F0502020204030204" pitchFamily="34" charset="0"/>
-                <a:ea typeface="SimSun" panose="02010600030101010101" pitchFamily="2" charset="-122"/>
-                <a:cs typeface="Times New Roman" panose="02020603050405020304" pitchFamily="18" charset="0"/>
-              </a:rPr>
-              <a:t>doi:https</a:t>
-            </a:r>
-            <a:r>
-              <a:rPr lang="en-GB" sz="300" kern="100" dirty="0">
-                <a:solidFill>
-                  <a:schemeClr val="bg1"/>
-                </a:solidFill>
-                <a:effectLst/>
-                <a:latin typeface="Calibri" panose="020F0502020204030204" pitchFamily="34" charset="0"/>
-                <a:ea typeface="SimSun" panose="02010600030101010101" pitchFamily="2" charset="-122"/>
-                <a:cs typeface="Times New Roman" panose="02020603050405020304" pitchFamily="18" charset="0"/>
-              </a:rPr>
-              <a:t>://doi.org/10.1007/3-540-09981-6_4. A, A. (2021). </a:t>
-            </a:r>
-            <a:r>
-              <a:rPr lang="en-GB" sz="300" i="1" kern="100" dirty="0">
-                <a:solidFill>
-                  <a:schemeClr val="bg1"/>
-                </a:solidFill>
-                <a:effectLst/>
-                <a:latin typeface="TimesNewRomanPS-ItalicMT"/>
-                <a:ea typeface="SimSun" panose="02010600030101010101" pitchFamily="2" charset="-122"/>
-                <a:cs typeface="Times New Roman" panose="02020603050405020304" pitchFamily="18" charset="0"/>
-              </a:rPr>
-              <a:t>Reverse Engineering Research</a:t>
-            </a:r>
-            <a:r>
-              <a:rPr lang="en-GB" sz="300" kern="100" dirty="0">
-                <a:solidFill>
-                  <a:schemeClr val="bg1"/>
-                </a:solidFill>
-                <a:effectLst/>
-                <a:latin typeface="Calibri" panose="020F0502020204030204" pitchFamily="34" charset="0"/>
-                <a:ea typeface="SimSun" panose="02010600030101010101" pitchFamily="2" charset="-122"/>
-                <a:cs typeface="Times New Roman" panose="02020603050405020304" pitchFamily="18" charset="0"/>
-              </a:rPr>
-              <a:t>. [online] </a:t>
-            </a:r>
-            <a:r>
-              <a:rPr lang="en-GB" sz="300" kern="100" dirty="0" err="1">
-                <a:solidFill>
-                  <a:schemeClr val="bg1"/>
-                </a:solidFill>
-                <a:effectLst/>
-                <a:latin typeface="Calibri" panose="020F0502020204030204" pitchFamily="34" charset="0"/>
-                <a:ea typeface="SimSun" panose="02010600030101010101" pitchFamily="2" charset="-122"/>
-                <a:cs typeface="Times New Roman" panose="02020603050405020304" pitchFamily="18" charset="0"/>
-              </a:rPr>
-              <a:t>doi:https</a:t>
-            </a:r>
-            <a:r>
-              <a:rPr lang="en-GB" sz="300" kern="100" dirty="0">
-                <a:solidFill>
-                  <a:schemeClr val="bg1"/>
-                </a:solidFill>
-                <a:effectLst/>
-                <a:latin typeface="Calibri" panose="020F0502020204030204" pitchFamily="34" charset="0"/>
-                <a:ea typeface="SimSun" panose="02010600030101010101" pitchFamily="2" charset="-122"/>
-                <a:cs typeface="Times New Roman" panose="02020603050405020304" pitchFamily="18" charset="0"/>
-              </a:rPr>
-              <a:t>://doi.org/10.13140/RG.2.2.28030.51520. Mantovani, A., </a:t>
-            </a:r>
-            <a:r>
-              <a:rPr lang="en-GB" sz="300" kern="100" dirty="0" err="1">
-                <a:solidFill>
-                  <a:schemeClr val="bg1"/>
-                </a:solidFill>
-                <a:effectLst/>
-                <a:latin typeface="Calibri" panose="020F0502020204030204" pitchFamily="34" charset="0"/>
-                <a:ea typeface="SimSun" panose="02010600030101010101" pitchFamily="2" charset="-122"/>
-                <a:cs typeface="Times New Roman" panose="02020603050405020304" pitchFamily="18" charset="0"/>
-              </a:rPr>
-              <a:t>Aonzo</a:t>
-            </a:r>
-            <a:r>
-              <a:rPr lang="en-GB" sz="300" kern="100" dirty="0">
-                <a:solidFill>
-                  <a:schemeClr val="bg1"/>
-                </a:solidFill>
-                <a:effectLst/>
-                <a:latin typeface="Calibri" panose="020F0502020204030204" pitchFamily="34" charset="0"/>
-                <a:ea typeface="SimSun" panose="02010600030101010101" pitchFamily="2" charset="-122"/>
-                <a:cs typeface="Times New Roman" panose="02020603050405020304" pitchFamily="18" charset="0"/>
-              </a:rPr>
-              <a:t>, S., </a:t>
-            </a:r>
-            <a:r>
-              <a:rPr lang="en-GB" sz="300" kern="100" dirty="0" err="1">
-                <a:solidFill>
-                  <a:schemeClr val="bg1"/>
-                </a:solidFill>
-                <a:effectLst/>
-                <a:latin typeface="Calibri" panose="020F0502020204030204" pitchFamily="34" charset="0"/>
-                <a:ea typeface="SimSun" panose="02010600030101010101" pitchFamily="2" charset="-122"/>
-                <a:cs typeface="Times New Roman" panose="02020603050405020304" pitchFamily="18" charset="0"/>
-              </a:rPr>
-              <a:t>Fratantonio</a:t>
-            </a:r>
-            <a:r>
-              <a:rPr lang="en-GB" sz="300" kern="100" dirty="0">
-                <a:solidFill>
-                  <a:schemeClr val="bg1"/>
-                </a:solidFill>
-                <a:effectLst/>
-                <a:latin typeface="Calibri" panose="020F0502020204030204" pitchFamily="34" charset="0"/>
-                <a:ea typeface="SimSun" panose="02010600030101010101" pitchFamily="2" charset="-122"/>
-                <a:cs typeface="Times New Roman" panose="02020603050405020304" pitchFamily="18" charset="0"/>
-              </a:rPr>
-              <a:t>, Y., Talos, C. and </a:t>
-            </a:r>
-            <a:r>
-              <a:rPr lang="en-GB" sz="300" kern="100" dirty="0" err="1">
-                <a:solidFill>
-                  <a:schemeClr val="bg1"/>
-                </a:solidFill>
-                <a:effectLst/>
-                <a:latin typeface="Calibri" panose="020F0502020204030204" pitchFamily="34" charset="0"/>
-                <a:ea typeface="SimSun" panose="02010600030101010101" pitchFamily="2" charset="-122"/>
-                <a:cs typeface="Times New Roman" panose="02020603050405020304" pitchFamily="18" charset="0"/>
-              </a:rPr>
-              <a:t>Balzarotti</a:t>
-            </a:r>
-            <a:r>
-              <a:rPr lang="en-GB" sz="300" kern="100" dirty="0">
-                <a:solidFill>
-                  <a:schemeClr val="bg1"/>
-                </a:solidFill>
-                <a:effectLst/>
-                <a:latin typeface="Calibri" panose="020F0502020204030204" pitchFamily="34" charset="0"/>
-                <a:ea typeface="SimSun" panose="02010600030101010101" pitchFamily="2" charset="-122"/>
-                <a:cs typeface="Times New Roman" panose="02020603050405020304" pitchFamily="18" charset="0"/>
-              </a:rPr>
-              <a:t>, D. (n.d.). </a:t>
-            </a:r>
-            <a:r>
-              <a:rPr lang="en-GB" sz="300" i="1" kern="100" dirty="0">
-                <a:solidFill>
-                  <a:schemeClr val="bg1"/>
-                </a:solidFill>
-                <a:effectLst/>
-                <a:latin typeface="TimesNewRomanPS-ItalicMT"/>
-                <a:ea typeface="SimSun" panose="02010600030101010101" pitchFamily="2" charset="-122"/>
-                <a:cs typeface="Times New Roman" panose="02020603050405020304" pitchFamily="18" charset="0"/>
-              </a:rPr>
-              <a:t>RE-Mind: a First Look Inside the Mind of a Reverse Engineer</a:t>
-            </a:r>
-            <a:r>
-              <a:rPr lang="en-GB" sz="300" kern="100" dirty="0">
-                <a:solidFill>
-                  <a:schemeClr val="bg1"/>
-                </a:solidFill>
-                <a:effectLst/>
-                <a:latin typeface="Calibri" panose="020F0502020204030204" pitchFamily="34" charset="0"/>
-                <a:ea typeface="SimSun" panose="02010600030101010101" pitchFamily="2" charset="-122"/>
-                <a:cs typeface="Times New Roman" panose="02020603050405020304" pitchFamily="18" charset="0"/>
-              </a:rPr>
-              <a:t>. [online] Available at: https://www.usenix.org/system/files/sec22summer_mantovani.pdf. Jain, A., Swapnil Soner and Anand Gadwal (2011). Reverse engineering: Journey from code to design. </a:t>
-            </a:r>
-            <a:r>
-              <a:rPr lang="en-GB" sz="300" kern="100" dirty="0" err="1">
-                <a:solidFill>
-                  <a:schemeClr val="bg1"/>
-                </a:solidFill>
-                <a:effectLst/>
-                <a:latin typeface="Calibri" panose="020F0502020204030204" pitchFamily="34" charset="0"/>
-                <a:ea typeface="SimSun" panose="02010600030101010101" pitchFamily="2" charset="-122"/>
-                <a:cs typeface="Times New Roman" panose="02020603050405020304" pitchFamily="18" charset="0"/>
-              </a:rPr>
-              <a:t>doi:https</a:t>
-            </a:r>
-            <a:r>
-              <a:rPr lang="en-GB" sz="300" kern="100" dirty="0">
-                <a:solidFill>
-                  <a:schemeClr val="bg1"/>
-                </a:solidFill>
-                <a:effectLst/>
-                <a:latin typeface="Calibri" panose="020F0502020204030204" pitchFamily="34" charset="0"/>
-                <a:ea typeface="SimSun" panose="02010600030101010101" pitchFamily="2" charset="-122"/>
-                <a:cs typeface="Times New Roman" panose="02020603050405020304" pitchFamily="18" charset="0"/>
-              </a:rPr>
-              <a:t>://doi.org/10.1109/icectech.2011.5941966.Singh, R. (2013). A Review of Reverse Engineering Theories and Tools. [online] 2, pp.35–38. Available at: https://www.ijesi.org/papers/Vol(2)1/G213538.pdf. </a:t>
-            </a:r>
-            <a:r>
-              <a:rPr lang="en-GB" sz="300" kern="100" dirty="0" err="1">
-                <a:solidFill>
-                  <a:schemeClr val="bg1"/>
-                </a:solidFill>
-                <a:effectLst/>
-                <a:latin typeface="Calibri" panose="020F0502020204030204" pitchFamily="34" charset="0"/>
-                <a:ea typeface="SimSun" panose="02010600030101010101" pitchFamily="2" charset="-122"/>
-                <a:cs typeface="Times New Roman" panose="02020603050405020304" pitchFamily="18" charset="0"/>
-              </a:rPr>
-              <a:t>Cipresso</a:t>
-            </a:r>
-            <a:r>
-              <a:rPr lang="en-GB" sz="300" kern="100" dirty="0">
-                <a:solidFill>
-                  <a:schemeClr val="bg1"/>
-                </a:solidFill>
-                <a:effectLst/>
-                <a:latin typeface="Calibri" panose="020F0502020204030204" pitchFamily="34" charset="0"/>
-                <a:ea typeface="SimSun" panose="02010600030101010101" pitchFamily="2" charset="-122"/>
-                <a:cs typeface="Times New Roman" panose="02020603050405020304" pitchFamily="18" charset="0"/>
-              </a:rPr>
-              <a:t>, T. and Stamp, M. (2010). Software Reverse Engineering. </a:t>
-            </a:r>
-            <a:r>
-              <a:rPr lang="en-GB" sz="300" i="1" kern="100" dirty="0">
-                <a:solidFill>
-                  <a:schemeClr val="bg1"/>
-                </a:solidFill>
-                <a:effectLst/>
-                <a:latin typeface="TimesNewRomanPS-ItalicMT"/>
-                <a:ea typeface="SimSun" panose="02010600030101010101" pitchFamily="2" charset="-122"/>
-                <a:cs typeface="Times New Roman" panose="02020603050405020304" pitchFamily="18" charset="0"/>
-              </a:rPr>
-              <a:t>Handbook of Information and Communication Security</a:t>
-            </a:r>
-            <a:r>
-              <a:rPr lang="en-GB" sz="300" kern="100" dirty="0">
-                <a:solidFill>
-                  <a:schemeClr val="bg1"/>
-                </a:solidFill>
-                <a:effectLst/>
-                <a:latin typeface="Calibri" panose="020F0502020204030204" pitchFamily="34" charset="0"/>
-                <a:ea typeface="SimSun" panose="02010600030101010101" pitchFamily="2" charset="-122"/>
-                <a:cs typeface="Times New Roman" panose="02020603050405020304" pitchFamily="18" charset="0"/>
-              </a:rPr>
-              <a:t>, pp.659–696. </a:t>
-            </a:r>
-            <a:r>
-              <a:rPr lang="en-GB" sz="300" kern="100" dirty="0" err="1">
-                <a:solidFill>
-                  <a:schemeClr val="bg1"/>
-                </a:solidFill>
-                <a:effectLst/>
-                <a:latin typeface="Calibri" panose="020F0502020204030204" pitchFamily="34" charset="0"/>
-                <a:ea typeface="SimSun" panose="02010600030101010101" pitchFamily="2" charset="-122"/>
-                <a:cs typeface="Times New Roman" panose="02020603050405020304" pitchFamily="18" charset="0"/>
-              </a:rPr>
-              <a:t>doi:https</a:t>
-            </a:r>
-            <a:r>
-              <a:rPr lang="en-GB" sz="300" kern="100" dirty="0">
-                <a:solidFill>
-                  <a:schemeClr val="bg1"/>
-                </a:solidFill>
-                <a:effectLst/>
-                <a:latin typeface="Calibri" panose="020F0502020204030204" pitchFamily="34" charset="0"/>
-                <a:ea typeface="SimSun" panose="02010600030101010101" pitchFamily="2" charset="-122"/>
-                <a:cs typeface="Times New Roman" panose="02020603050405020304" pitchFamily="18" charset="0"/>
-              </a:rPr>
-              <a:t>://doi.org/10.1007/978-3-642-04117-4_31. Müller, H.A., Jahnke, J.H., Smith, D.B., Storey, M.-A., Tilley, S.R. and Wong, K. (2000). Reverse engineering. </a:t>
-            </a:r>
-            <a:r>
-              <a:rPr lang="en-GB" sz="300" i="1" kern="100" dirty="0">
-                <a:solidFill>
-                  <a:schemeClr val="bg1"/>
-                </a:solidFill>
-                <a:effectLst/>
-                <a:latin typeface="TimesNewRomanPS-ItalicMT"/>
-                <a:ea typeface="SimSun" panose="02010600030101010101" pitchFamily="2" charset="-122"/>
-                <a:cs typeface="Times New Roman" panose="02020603050405020304" pitchFamily="18" charset="0"/>
-              </a:rPr>
-              <a:t>Proceedings of the conference on The future of Software engineering - ICSE ’00</a:t>
-            </a:r>
-            <a:r>
-              <a:rPr lang="en-GB" sz="300" kern="100" dirty="0">
-                <a:solidFill>
-                  <a:schemeClr val="bg1"/>
-                </a:solidFill>
-                <a:effectLst/>
-                <a:latin typeface="Calibri" panose="020F0502020204030204" pitchFamily="34" charset="0"/>
-                <a:ea typeface="SimSun" panose="02010600030101010101" pitchFamily="2" charset="-122"/>
-                <a:cs typeface="Times New Roman" panose="02020603050405020304" pitchFamily="18" charset="0"/>
-              </a:rPr>
-              <a:t>. </a:t>
-            </a:r>
-            <a:r>
-              <a:rPr lang="en-GB" sz="300" kern="100" dirty="0" err="1">
-                <a:solidFill>
-                  <a:schemeClr val="bg1"/>
-                </a:solidFill>
-                <a:effectLst/>
-                <a:latin typeface="Calibri" panose="020F0502020204030204" pitchFamily="34" charset="0"/>
-                <a:ea typeface="SimSun" panose="02010600030101010101" pitchFamily="2" charset="-122"/>
-                <a:cs typeface="Times New Roman" panose="02020603050405020304" pitchFamily="18" charset="0"/>
-              </a:rPr>
-              <a:t>doi:https</a:t>
-            </a:r>
-            <a:r>
-              <a:rPr lang="en-GB" sz="300" kern="100" dirty="0">
-                <a:solidFill>
-                  <a:schemeClr val="bg1"/>
-                </a:solidFill>
-                <a:effectLst/>
-                <a:latin typeface="Calibri" panose="020F0502020204030204" pitchFamily="34" charset="0"/>
-                <a:ea typeface="SimSun" panose="02010600030101010101" pitchFamily="2" charset="-122"/>
-                <a:cs typeface="Times New Roman" panose="02020603050405020304" pitchFamily="18" charset="0"/>
-              </a:rPr>
-              <a:t>://doi.org/10.1145/336512.336526. Google Books. (2024). </a:t>
-            </a:r>
-            <a:r>
-              <a:rPr lang="en-GB" sz="300" i="1" kern="100" dirty="0">
-                <a:solidFill>
-                  <a:schemeClr val="bg1"/>
-                </a:solidFill>
-                <a:effectLst/>
-                <a:latin typeface="TimesNewRomanPS-ItalicMT"/>
-                <a:ea typeface="SimSun" panose="02010600030101010101" pitchFamily="2" charset="-122"/>
-                <a:cs typeface="Times New Roman" panose="02020603050405020304" pitchFamily="18" charset="0"/>
-              </a:rPr>
-              <a:t>Reversing</a:t>
-            </a:r>
-            <a:r>
-              <a:rPr lang="en-GB" sz="300" kern="100" dirty="0">
-                <a:solidFill>
-                  <a:schemeClr val="bg1"/>
-                </a:solidFill>
-                <a:effectLst/>
-                <a:latin typeface="Calibri" panose="020F0502020204030204" pitchFamily="34" charset="0"/>
-                <a:ea typeface="SimSun" panose="02010600030101010101" pitchFamily="2" charset="-122"/>
-                <a:cs typeface="Times New Roman" panose="02020603050405020304" pitchFamily="18" charset="0"/>
-              </a:rPr>
-              <a:t>. [online] Available at: https://books.google.co.uk/books?hl=en&amp;lr=&amp;id=_78HnPPRU_oC&amp;oi=fnd&amp;pg=PR23&amp;dq=reverse+engi </a:t>
-            </a:r>
-            <a:r>
-              <a:rPr lang="en-GB" sz="300" kern="100" dirty="0" err="1">
-                <a:solidFill>
-                  <a:schemeClr val="bg1"/>
-                </a:solidFill>
-                <a:effectLst/>
-                <a:latin typeface="Calibri" panose="020F0502020204030204" pitchFamily="34" charset="0"/>
-                <a:ea typeface="SimSun" panose="02010600030101010101" pitchFamily="2" charset="-122"/>
-                <a:cs typeface="Times New Roman" panose="02020603050405020304" pitchFamily="18" charset="0"/>
-              </a:rPr>
-              <a:t>neering+software&amp;ots</a:t>
-            </a:r>
-            <a:r>
-              <a:rPr lang="en-GB" sz="300" kern="100" dirty="0">
-                <a:solidFill>
-                  <a:schemeClr val="bg1"/>
-                </a:solidFill>
-                <a:effectLst/>
-                <a:latin typeface="Calibri" panose="020F0502020204030204" pitchFamily="34" charset="0"/>
-                <a:ea typeface="SimSun" panose="02010600030101010101" pitchFamily="2" charset="-122"/>
-                <a:cs typeface="Times New Roman" panose="02020603050405020304" pitchFamily="18" charset="0"/>
-              </a:rPr>
-              <a:t>=EP1MLkmRVn&amp;sig=stA7p1aP8xPSkUcFJi6jOCmA_Is&amp;redir_esc=</a:t>
-            </a:r>
-            <a:r>
-              <a:rPr lang="en-GB" sz="300" kern="100" dirty="0" err="1">
-                <a:solidFill>
-                  <a:schemeClr val="bg1"/>
-                </a:solidFill>
-                <a:effectLst/>
-                <a:latin typeface="Calibri" panose="020F0502020204030204" pitchFamily="34" charset="0"/>
-                <a:ea typeface="SimSun" panose="02010600030101010101" pitchFamily="2" charset="-122"/>
-                <a:cs typeface="Times New Roman" panose="02020603050405020304" pitchFamily="18" charset="0"/>
-              </a:rPr>
-              <a:t>y#v</a:t>
-            </a:r>
-            <a:r>
-              <a:rPr lang="en-GB" sz="300" kern="100" dirty="0">
-                <a:solidFill>
-                  <a:schemeClr val="bg1"/>
-                </a:solidFill>
-                <a:effectLst/>
-                <a:latin typeface="Calibri" panose="020F0502020204030204" pitchFamily="34" charset="0"/>
-                <a:ea typeface="SimSun" panose="02010600030101010101" pitchFamily="2" charset="-122"/>
-                <a:cs typeface="Times New Roman" panose="02020603050405020304" pitchFamily="18" charset="0"/>
-              </a:rPr>
-              <a:t>=</a:t>
-            </a:r>
-            <a:r>
-              <a:rPr lang="en-GB" sz="300" kern="100" dirty="0" err="1">
-                <a:solidFill>
-                  <a:schemeClr val="bg1"/>
-                </a:solidFill>
-                <a:effectLst/>
-                <a:latin typeface="Calibri" panose="020F0502020204030204" pitchFamily="34" charset="0"/>
-                <a:ea typeface="SimSun" panose="02010600030101010101" pitchFamily="2" charset="-122"/>
-                <a:cs typeface="Times New Roman" panose="02020603050405020304" pitchFamily="18" charset="0"/>
-              </a:rPr>
-              <a:t>onepage</a:t>
-            </a:r>
-            <a:r>
-              <a:rPr lang="en-GB" sz="300" kern="100" dirty="0">
-                <a:solidFill>
-                  <a:schemeClr val="bg1"/>
-                </a:solidFill>
-                <a:effectLst/>
-                <a:latin typeface="Calibri" panose="020F0502020204030204" pitchFamily="34" charset="0"/>
-                <a:ea typeface="SimSun" panose="02010600030101010101" pitchFamily="2" charset="-122"/>
-                <a:cs typeface="Times New Roman" panose="02020603050405020304" pitchFamily="18" charset="0"/>
-              </a:rPr>
-              <a:t> &amp;q=reverse%20engineering%20software&amp;f=false [Accessed 25 Nov. 2024]. Davis, K.L. and Alken, P.H. (2002). Data reverse engineering: a historical survey. </a:t>
-            </a:r>
-            <a:r>
-              <a:rPr lang="en-GB" sz="300" kern="100" dirty="0" err="1">
-                <a:solidFill>
-                  <a:schemeClr val="bg1"/>
-                </a:solidFill>
-                <a:effectLst/>
-                <a:latin typeface="Calibri" panose="020F0502020204030204" pitchFamily="34" charset="0"/>
-                <a:ea typeface="SimSun" panose="02010600030101010101" pitchFamily="2" charset="-122"/>
-                <a:cs typeface="Times New Roman" panose="02020603050405020304" pitchFamily="18" charset="0"/>
-              </a:rPr>
-              <a:t>doi:https</a:t>
-            </a:r>
-            <a:r>
-              <a:rPr lang="en-GB" sz="300" kern="100" dirty="0">
-                <a:solidFill>
-                  <a:schemeClr val="bg1"/>
-                </a:solidFill>
-                <a:effectLst/>
-                <a:latin typeface="Calibri" panose="020F0502020204030204" pitchFamily="34" charset="0"/>
-                <a:ea typeface="SimSun" panose="02010600030101010101" pitchFamily="2" charset="-122"/>
-                <a:cs typeface="Times New Roman" panose="02020603050405020304" pitchFamily="18" charset="0"/>
-              </a:rPr>
-              <a:t>://doi.org/10.1109/wcre.2000.891454. Bachell, A. and Barr, M. (2014). Video Game Preservation in the UK: A Survey of Records Management Practices. </a:t>
-            </a:r>
-            <a:r>
-              <a:rPr lang="en-GB" sz="300" i="1" kern="100" dirty="0">
-                <a:solidFill>
-                  <a:schemeClr val="bg1"/>
-                </a:solidFill>
-                <a:effectLst/>
-                <a:latin typeface="TimesNewRomanPS-ItalicMT"/>
-                <a:ea typeface="SimSun" panose="02010600030101010101" pitchFamily="2" charset="-122"/>
-                <a:cs typeface="Times New Roman" panose="02020603050405020304" pitchFamily="18" charset="0"/>
-              </a:rPr>
-              <a:t>International Journal of Digital Curation</a:t>
-            </a:r>
-            <a:r>
-              <a:rPr lang="en-GB" sz="300" kern="100" dirty="0">
-                <a:solidFill>
-                  <a:schemeClr val="bg1"/>
-                </a:solidFill>
-                <a:effectLst/>
-                <a:latin typeface="Calibri" panose="020F0502020204030204" pitchFamily="34" charset="0"/>
-                <a:ea typeface="SimSun" panose="02010600030101010101" pitchFamily="2" charset="-122"/>
-                <a:cs typeface="Times New Roman" panose="02020603050405020304" pitchFamily="18" charset="0"/>
-              </a:rPr>
-              <a:t>, 9(2), pp.139–170. </a:t>
-            </a:r>
-            <a:r>
-              <a:rPr lang="en-GB" sz="300" kern="100" dirty="0" err="1">
-                <a:solidFill>
-                  <a:schemeClr val="bg1"/>
-                </a:solidFill>
-                <a:effectLst/>
-                <a:latin typeface="Calibri" panose="020F0502020204030204" pitchFamily="34" charset="0"/>
-                <a:ea typeface="SimSun" panose="02010600030101010101" pitchFamily="2" charset="-122"/>
-                <a:cs typeface="Times New Roman" panose="02020603050405020304" pitchFamily="18" charset="0"/>
-              </a:rPr>
-              <a:t>doi:https</a:t>
-            </a:r>
-            <a:r>
-              <a:rPr lang="en-GB" sz="300" kern="100" dirty="0">
-                <a:solidFill>
-                  <a:schemeClr val="bg1"/>
-                </a:solidFill>
-                <a:effectLst/>
-                <a:latin typeface="Calibri" panose="020F0502020204030204" pitchFamily="34" charset="0"/>
-                <a:ea typeface="SimSun" panose="02010600030101010101" pitchFamily="2" charset="-122"/>
-                <a:cs typeface="Times New Roman" panose="02020603050405020304" pitchFamily="18" charset="0"/>
-              </a:rPr>
-              <a:t>://doi.org/10.2218/ijdc.v9i2.294. Davide V (2024). </a:t>
-            </a:r>
-            <a:r>
-              <a:rPr lang="en-GB" sz="300" i="1" kern="100" dirty="0">
-                <a:solidFill>
-                  <a:schemeClr val="bg1"/>
-                </a:solidFill>
-                <a:effectLst/>
-                <a:latin typeface="TimesNewRomanPS-ItalicMT"/>
-                <a:ea typeface="SimSun" panose="02010600030101010101" pitchFamily="2" charset="-122"/>
-                <a:cs typeface="Times New Roman" panose="02020603050405020304" pitchFamily="18" charset="0"/>
-              </a:rPr>
-              <a:t>GTA-Modding.com - Download Area» GTA San Andreas» Tools» RW </a:t>
-            </a:r>
-            <a:r>
-              <a:rPr lang="en-GB" sz="300" i="1" kern="100" dirty="0" err="1">
-                <a:solidFill>
-                  <a:schemeClr val="bg1"/>
-                </a:solidFill>
-                <a:effectLst/>
-                <a:latin typeface="TimesNewRomanPS-ItalicMT"/>
-                <a:ea typeface="SimSun" panose="02010600030101010101" pitchFamily="2" charset="-122"/>
-                <a:cs typeface="Times New Roman" panose="02020603050405020304" pitchFamily="18" charset="0"/>
-              </a:rPr>
-              <a:t>Analyze</a:t>
-            </a:r>
-            <a:r>
-              <a:rPr lang="en-GB" sz="300" kern="100" dirty="0">
-                <a:solidFill>
-                  <a:schemeClr val="bg1"/>
-                </a:solidFill>
-                <a:effectLst/>
-                <a:latin typeface="Calibri" panose="020F0502020204030204" pitchFamily="34" charset="0"/>
-                <a:ea typeface="SimSun" panose="02010600030101010101" pitchFamily="2" charset="-122"/>
-                <a:cs typeface="Times New Roman" panose="02020603050405020304" pitchFamily="18" charset="0"/>
-              </a:rPr>
-              <a:t>. [online] Gta-modding.com. Available at: https://www.gta-modding.com/area/file-33-rw-analyze.html [Accessed 25 Nov. 2024]. Winget, M.A. and Murray, C. (2008). Collecting and preserving videogames and their related materials: A review of current practice, game-related archives and research projects. </a:t>
-            </a:r>
-            <a:r>
-              <a:rPr lang="en-GB" sz="300" i="1" kern="100" dirty="0">
-                <a:solidFill>
-                  <a:schemeClr val="bg1"/>
-                </a:solidFill>
-                <a:effectLst/>
-                <a:latin typeface="TimesNewRomanPS-ItalicMT"/>
-                <a:ea typeface="SimSun" panose="02010600030101010101" pitchFamily="2" charset="-122"/>
-                <a:cs typeface="Times New Roman" panose="02020603050405020304" pitchFamily="18" charset="0"/>
-              </a:rPr>
-              <a:t>Proceedings of the American Society for Information Science and Technology</a:t>
-            </a:r>
-            <a:r>
-              <a:rPr lang="en-GB" sz="300" kern="100" dirty="0">
-                <a:solidFill>
-                  <a:schemeClr val="bg1"/>
-                </a:solidFill>
-                <a:effectLst/>
-                <a:latin typeface="Calibri" panose="020F0502020204030204" pitchFamily="34" charset="0"/>
-                <a:ea typeface="SimSun" panose="02010600030101010101" pitchFamily="2" charset="-122"/>
-                <a:cs typeface="Times New Roman" panose="02020603050405020304" pitchFamily="18" charset="0"/>
-              </a:rPr>
-              <a:t>, 45(1), pp.1–9. </a:t>
-            </a:r>
-            <a:r>
-              <a:rPr lang="en-GB" sz="300" kern="100" dirty="0" err="1">
-                <a:solidFill>
-                  <a:schemeClr val="bg1"/>
-                </a:solidFill>
-                <a:effectLst/>
-                <a:latin typeface="Calibri" panose="020F0502020204030204" pitchFamily="34" charset="0"/>
-                <a:ea typeface="SimSun" panose="02010600030101010101" pitchFamily="2" charset="-122"/>
-                <a:cs typeface="Times New Roman" panose="02020603050405020304" pitchFamily="18" charset="0"/>
-              </a:rPr>
-              <a:t>doi:https</a:t>
-            </a:r>
-            <a:r>
-              <a:rPr lang="en-GB" sz="300" kern="100" dirty="0">
-                <a:solidFill>
-                  <a:schemeClr val="bg1"/>
-                </a:solidFill>
-                <a:effectLst/>
-                <a:latin typeface="Calibri" panose="020F0502020204030204" pitchFamily="34" charset="0"/>
-                <a:ea typeface="SimSun" panose="02010600030101010101" pitchFamily="2" charset="-122"/>
-                <a:cs typeface="Times New Roman" panose="02020603050405020304" pitchFamily="18" charset="0"/>
-              </a:rPr>
-              <a:t>://doi.org/10.1002/meet.2008.1450450250. Todd, B. and Hopkins, J. (2019). </a:t>
-            </a:r>
-            <a:r>
-              <a:rPr lang="en-GB" sz="300" i="1" kern="100" dirty="0">
-                <a:solidFill>
-                  <a:schemeClr val="bg1"/>
-                </a:solidFill>
-                <a:effectLst/>
-                <a:latin typeface="TimesNewRomanPS-ItalicMT"/>
-                <a:ea typeface="SimSun" panose="02010600030101010101" pitchFamily="2" charset="-122"/>
-                <a:cs typeface="Times New Roman" panose="02020603050405020304" pitchFamily="18" charset="0"/>
-              </a:rPr>
-              <a:t>Running head: PRESERVING VIDEO GAME SIGNIFICANCE Preserving Video Game Significance: A Practical Guide for Video Game Preservation, Exhibition, and their Significant Properties</a:t>
-            </a:r>
-            <a:r>
-              <a:rPr lang="en-GB" sz="300" kern="100" dirty="0">
-                <a:solidFill>
-                  <a:schemeClr val="bg1"/>
-                </a:solidFill>
-                <a:effectLst/>
-                <a:latin typeface="Calibri" panose="020F0502020204030204" pitchFamily="34" charset="0"/>
-                <a:ea typeface="SimSun" panose="02010600030101010101" pitchFamily="2" charset="-122"/>
-                <a:cs typeface="Times New Roman" panose="02020603050405020304" pitchFamily="18" charset="0"/>
-              </a:rPr>
-              <a:t>. [online] Available at: https://jscholarship.library.jhu.edu/server/api/core/bitstreams/49d19d02-a439-4a7d-8243-a685429cbcac/c </a:t>
-            </a:r>
-            <a:r>
-              <a:rPr lang="en-GB" sz="300" kern="100" dirty="0" err="1">
-                <a:solidFill>
-                  <a:schemeClr val="bg1"/>
-                </a:solidFill>
-                <a:effectLst/>
-                <a:latin typeface="Calibri" panose="020F0502020204030204" pitchFamily="34" charset="0"/>
-                <a:ea typeface="SimSun" panose="02010600030101010101" pitchFamily="2" charset="-122"/>
-                <a:cs typeface="Times New Roman" panose="02020603050405020304" pitchFamily="18" charset="0"/>
-              </a:rPr>
-              <a:t>ontent.Guay</a:t>
-            </a:r>
-            <a:r>
-              <a:rPr lang="en-GB" sz="300" kern="100" dirty="0">
-                <a:solidFill>
-                  <a:schemeClr val="bg1"/>
-                </a:solidFill>
-                <a:effectLst/>
-                <a:latin typeface="Calibri" panose="020F0502020204030204" pitchFamily="34" charset="0"/>
-                <a:ea typeface="SimSun" panose="02010600030101010101" pitchFamily="2" charset="-122"/>
-                <a:cs typeface="Times New Roman" panose="02020603050405020304" pitchFamily="18" charset="0"/>
-              </a:rPr>
-              <a:t>-Bélanger, D. (2021). Assembling Auras: Towards a Methodology for the Preservation and Study of Video Games as Cultural Heritage Artefacts. </a:t>
-            </a:r>
-            <a:r>
-              <a:rPr lang="en-GB" sz="300" i="1" kern="100" dirty="0">
-                <a:solidFill>
-                  <a:schemeClr val="bg1"/>
-                </a:solidFill>
-                <a:effectLst/>
-                <a:latin typeface="TimesNewRomanPS-ItalicMT"/>
-                <a:ea typeface="SimSun" panose="02010600030101010101" pitchFamily="2" charset="-122"/>
-                <a:cs typeface="Times New Roman" panose="02020603050405020304" pitchFamily="18" charset="0"/>
-              </a:rPr>
-              <a:t>Games and Culture</a:t>
-            </a:r>
-            <a:r>
-              <a:rPr lang="en-GB" sz="300" kern="100" dirty="0">
-                <a:solidFill>
-                  <a:schemeClr val="bg1"/>
-                </a:solidFill>
-                <a:effectLst/>
-                <a:latin typeface="Calibri" panose="020F0502020204030204" pitchFamily="34" charset="0"/>
-                <a:ea typeface="SimSun" panose="02010600030101010101" pitchFamily="2" charset="-122"/>
-                <a:cs typeface="Times New Roman" panose="02020603050405020304" pitchFamily="18" charset="0"/>
-              </a:rPr>
-              <a:t>, p.155541202110203. </a:t>
-            </a:r>
-            <a:r>
-              <a:rPr lang="en-GB" sz="300" kern="100" dirty="0" err="1">
-                <a:solidFill>
-                  <a:schemeClr val="bg1"/>
-                </a:solidFill>
-                <a:effectLst/>
-                <a:latin typeface="Calibri" panose="020F0502020204030204" pitchFamily="34" charset="0"/>
-                <a:ea typeface="SimSun" panose="02010600030101010101" pitchFamily="2" charset="-122"/>
-                <a:cs typeface="Times New Roman" panose="02020603050405020304" pitchFamily="18" charset="0"/>
-              </a:rPr>
-              <a:t>doi:https</a:t>
-            </a:r>
-            <a:r>
-              <a:rPr lang="en-GB" sz="300" kern="100" dirty="0">
-                <a:solidFill>
-                  <a:schemeClr val="bg1"/>
-                </a:solidFill>
-                <a:effectLst/>
-                <a:latin typeface="Calibri" panose="020F0502020204030204" pitchFamily="34" charset="0"/>
-                <a:ea typeface="SimSun" panose="02010600030101010101" pitchFamily="2" charset="-122"/>
-                <a:cs typeface="Times New Roman" panose="02020603050405020304" pitchFamily="18" charset="0"/>
-              </a:rPr>
-              <a:t>://doi.org/10.1177/15554120211020381. Digra.org. (2024). </a:t>
-            </a:r>
-            <a:r>
-              <a:rPr lang="en-GB" sz="300" i="1" kern="100" dirty="0">
-                <a:solidFill>
-                  <a:schemeClr val="bg1"/>
-                </a:solidFill>
-                <a:effectLst/>
-                <a:latin typeface="TimesNewRomanPS-ItalicMT"/>
-                <a:ea typeface="SimSun" panose="02010600030101010101" pitchFamily="2" charset="-122"/>
-                <a:cs typeface="Times New Roman" panose="02020603050405020304" pitchFamily="18" charset="0"/>
-              </a:rPr>
-              <a:t>View of Before It’s Too Late: Preserving Games across the Industry / Academia divide</a:t>
-            </a:r>
-            <a:r>
-              <a:rPr lang="en-GB" sz="300" kern="100" dirty="0">
-                <a:solidFill>
-                  <a:schemeClr val="bg1"/>
-                </a:solidFill>
-                <a:effectLst/>
-                <a:latin typeface="Calibri" panose="020F0502020204030204" pitchFamily="34" charset="0"/>
-                <a:ea typeface="SimSun" panose="02010600030101010101" pitchFamily="2" charset="-122"/>
-                <a:cs typeface="Times New Roman" panose="02020603050405020304" pitchFamily="18" charset="0"/>
-              </a:rPr>
-              <a:t>. [online] Available at: https://dl.digra.org/index.php/dl/article/view/468/468 [Accessed 25 Nov. 2024]. Johansson, C. and </a:t>
-            </a:r>
-            <a:r>
-              <a:rPr lang="en-GB" sz="300" kern="100" dirty="0" err="1">
-                <a:solidFill>
-                  <a:schemeClr val="bg1"/>
-                </a:solidFill>
-                <a:effectLst/>
-                <a:latin typeface="Calibri" panose="020F0502020204030204" pitchFamily="34" charset="0"/>
-                <a:ea typeface="SimSun" panose="02010600030101010101" pitchFamily="2" charset="-122"/>
-                <a:cs typeface="Times New Roman" panose="02020603050405020304" pitchFamily="18" charset="0"/>
-              </a:rPr>
-              <a:t>Koenitz</a:t>
-            </a:r>
-            <a:r>
-              <a:rPr lang="en-GB" sz="300" kern="100" dirty="0">
-                <a:solidFill>
-                  <a:schemeClr val="bg1"/>
-                </a:solidFill>
-                <a:effectLst/>
-                <a:latin typeface="Calibri" panose="020F0502020204030204" pitchFamily="34" charset="0"/>
-                <a:ea typeface="SimSun" panose="02010600030101010101" pitchFamily="2" charset="-122"/>
-                <a:cs typeface="Times New Roman" panose="02020603050405020304" pitchFamily="18" charset="0"/>
-              </a:rPr>
-              <a:t>, H. (n.d.). </a:t>
-            </a:r>
-            <a:r>
-              <a:rPr lang="en-GB" sz="300" i="1" kern="100" dirty="0">
-                <a:solidFill>
-                  <a:schemeClr val="bg1"/>
-                </a:solidFill>
-                <a:effectLst/>
-                <a:latin typeface="TimesNewRomanPS-ItalicMT"/>
-                <a:ea typeface="SimSun" panose="02010600030101010101" pitchFamily="2" charset="-122"/>
-                <a:cs typeface="Times New Roman" panose="02020603050405020304" pitchFamily="18" charset="0"/>
-              </a:rPr>
-              <a:t>Video Game Preservation and Emulation from Three Perspectives: Developers, Archivists and Gamers Video Game Preservation and Emulation from Three Perspectives: Developers, Archivists and Gamers</a:t>
-            </a:r>
-            <a:r>
-              <a:rPr lang="en-GB" sz="300" kern="100" dirty="0">
-                <a:solidFill>
-                  <a:schemeClr val="bg1"/>
-                </a:solidFill>
-                <a:effectLst/>
-                <a:latin typeface="Calibri" panose="020F0502020204030204" pitchFamily="34" charset="0"/>
-                <a:ea typeface="SimSun" panose="02010600030101010101" pitchFamily="2" charset="-122"/>
-                <a:cs typeface="Times New Roman" panose="02020603050405020304" pitchFamily="18" charset="0"/>
-              </a:rPr>
-              <a:t>. [online] Available at: http://sh.diva-portal.org/smash/get/diva2:1807915/FULLTEXT02.pdf. Haydock, C. (2018). </a:t>
-            </a:r>
-            <a:r>
-              <a:rPr lang="en-GB" sz="300" i="1" kern="100" dirty="0">
-                <a:solidFill>
-                  <a:schemeClr val="bg1"/>
-                </a:solidFill>
-                <a:effectLst/>
-                <a:latin typeface="TimesNewRomanPS-ItalicMT"/>
-                <a:ea typeface="SimSun" panose="02010600030101010101" pitchFamily="2" charset="-122"/>
-                <a:cs typeface="Times New Roman" panose="02020603050405020304" pitchFamily="18" charset="0"/>
-              </a:rPr>
-              <a:t>Challenges in Preserving Video Games</a:t>
-            </a:r>
-            <a:r>
-              <a:rPr lang="en-GB" sz="300" kern="100" dirty="0">
-                <a:solidFill>
-                  <a:schemeClr val="bg1"/>
-                </a:solidFill>
-                <a:effectLst/>
-                <a:latin typeface="Calibri" panose="020F0502020204030204" pitchFamily="34" charset="0"/>
-                <a:ea typeface="SimSun" panose="02010600030101010101" pitchFamily="2" charset="-122"/>
-                <a:cs typeface="Times New Roman" panose="02020603050405020304" pitchFamily="18" charset="0"/>
-              </a:rPr>
-              <a:t>. [online] Carolina Digital Repository. Available at: https://cdr.lib.unc.edu/concern/masters_papers/fn107276t [Accessed 25 Nov. 2024]. Folk, M. and </a:t>
-            </a:r>
-            <a:r>
-              <a:rPr lang="en-GB" sz="300" kern="100" dirty="0" err="1">
-                <a:solidFill>
-                  <a:schemeClr val="bg1"/>
-                </a:solidFill>
-                <a:effectLst/>
-                <a:latin typeface="Calibri" panose="020F0502020204030204" pitchFamily="34" charset="0"/>
-                <a:ea typeface="SimSun" panose="02010600030101010101" pitchFamily="2" charset="-122"/>
-                <a:cs typeface="Times New Roman" panose="02020603050405020304" pitchFamily="18" charset="0"/>
-              </a:rPr>
-              <a:t>Barkstrom</a:t>
-            </a:r>
-            <a:r>
-              <a:rPr lang="en-GB" sz="300" kern="100" dirty="0">
-                <a:solidFill>
-                  <a:schemeClr val="bg1"/>
-                </a:solidFill>
-                <a:effectLst/>
-                <a:latin typeface="Calibri" panose="020F0502020204030204" pitchFamily="34" charset="0"/>
-                <a:ea typeface="SimSun" panose="02010600030101010101" pitchFamily="2" charset="-122"/>
-                <a:cs typeface="Times New Roman" panose="02020603050405020304" pitchFamily="18" charset="0"/>
-              </a:rPr>
-              <a:t>, B.R. (2003). </a:t>
-            </a:r>
-            <a:r>
-              <a:rPr lang="en-GB" sz="300" i="1" kern="100" dirty="0">
-                <a:solidFill>
-                  <a:schemeClr val="bg1"/>
-                </a:solidFill>
-                <a:effectLst/>
-                <a:latin typeface="TimesNewRomanPS-ItalicMT"/>
-                <a:ea typeface="SimSun" panose="02010600030101010101" pitchFamily="2" charset="-122"/>
-                <a:cs typeface="Times New Roman" panose="02020603050405020304" pitchFamily="18" charset="0"/>
-              </a:rPr>
-              <a:t>Attributes of file formats for long-term preservation of scientific and engineering data in digital libraries</a:t>
-            </a:r>
-            <a:r>
-              <a:rPr lang="en-GB" sz="300" kern="100" dirty="0">
-                <a:solidFill>
-                  <a:schemeClr val="bg1"/>
-                </a:solidFill>
-                <a:effectLst/>
-                <a:latin typeface="Calibri" panose="020F0502020204030204" pitchFamily="34" charset="0"/>
-                <a:ea typeface="SimSun" panose="02010600030101010101" pitchFamily="2" charset="-122"/>
-                <a:cs typeface="Times New Roman" panose="02020603050405020304" pitchFamily="18" charset="0"/>
-              </a:rPr>
-              <a:t>. [online] Available at: https://www.researchgate.net/publication/228726593_Attributes_of_file_formats_for_long-term_preservation_of_scientific_and_engineering_data_in_digital_libraries. THE DEFINITIVE GUIDE TO EXPLORING FILE FORMATS </a:t>
-            </a:r>
-            <a:r>
-              <a:rPr lang="en-GB" sz="300" kern="100" dirty="0" err="1">
-                <a:solidFill>
-                  <a:schemeClr val="bg1"/>
-                </a:solidFill>
-                <a:effectLst/>
-                <a:latin typeface="Calibri" panose="020F0502020204030204" pitchFamily="34" charset="0"/>
-                <a:ea typeface="SimSun" panose="02010600030101010101" pitchFamily="2" charset="-122"/>
-                <a:cs typeface="Times New Roman" panose="02020603050405020304" pitchFamily="18" charset="0"/>
-              </a:rPr>
-              <a:t>Mr.Mouse</a:t>
-            </a:r>
-            <a:r>
-              <a:rPr lang="en-GB" sz="300" kern="100" dirty="0">
-                <a:solidFill>
-                  <a:schemeClr val="bg1"/>
-                </a:solidFill>
-                <a:effectLst/>
-                <a:latin typeface="Calibri" panose="020F0502020204030204" pitchFamily="34" charset="0"/>
-                <a:ea typeface="SimSun" panose="02010600030101010101" pitchFamily="2" charset="-122"/>
-                <a:cs typeface="Times New Roman" panose="02020603050405020304" pitchFamily="18" charset="0"/>
-              </a:rPr>
-              <a:t> and WATTO. (n.d.). Available at: https://www.gamedevs.org/uploads/the-definitive-guide-to-exploring-file-formats.pdf [Accessed 25 Nov. 2024]. File Formats for Big Data Storage Systems. (2019). </a:t>
-            </a:r>
-            <a:r>
-              <a:rPr lang="en-GB" sz="300" i="1" kern="100" dirty="0">
-                <a:solidFill>
-                  <a:schemeClr val="bg1"/>
-                </a:solidFill>
-                <a:effectLst/>
-                <a:latin typeface="TimesNewRomanPS-ItalicMT"/>
-                <a:ea typeface="SimSun" panose="02010600030101010101" pitchFamily="2" charset="-122"/>
-                <a:cs typeface="Times New Roman" panose="02020603050405020304" pitchFamily="18" charset="0"/>
-              </a:rPr>
-              <a:t>International Journal of Engineering and Advanced Technology</a:t>
-            </a:r>
-            <a:r>
-              <a:rPr lang="en-GB" sz="300" kern="100" dirty="0">
-                <a:solidFill>
-                  <a:schemeClr val="bg1"/>
-                </a:solidFill>
-                <a:effectLst/>
-                <a:latin typeface="Calibri" panose="020F0502020204030204" pitchFamily="34" charset="0"/>
-                <a:ea typeface="SimSun" panose="02010600030101010101" pitchFamily="2" charset="-122"/>
-                <a:cs typeface="Times New Roman" panose="02020603050405020304" pitchFamily="18" charset="0"/>
-              </a:rPr>
-              <a:t>, 9(1), pp.2906–2912. </a:t>
-            </a:r>
-            <a:r>
-              <a:rPr lang="en-GB" sz="300" kern="100" dirty="0" err="1">
-                <a:solidFill>
-                  <a:schemeClr val="bg1"/>
-                </a:solidFill>
-                <a:effectLst/>
-                <a:latin typeface="Calibri" panose="020F0502020204030204" pitchFamily="34" charset="0"/>
-                <a:ea typeface="SimSun" panose="02010600030101010101" pitchFamily="2" charset="-122"/>
-                <a:cs typeface="Times New Roman" panose="02020603050405020304" pitchFamily="18" charset="0"/>
-              </a:rPr>
-              <a:t>doi:https</a:t>
-            </a:r>
-            <a:r>
-              <a:rPr lang="en-GB" sz="300" kern="100" dirty="0">
-                <a:solidFill>
-                  <a:schemeClr val="bg1"/>
-                </a:solidFill>
-                <a:effectLst/>
-                <a:latin typeface="Calibri" panose="020F0502020204030204" pitchFamily="34" charset="0"/>
-                <a:ea typeface="SimSun" panose="02010600030101010101" pitchFamily="2" charset="-122"/>
-                <a:cs typeface="Times New Roman" panose="02020603050405020304" pitchFamily="18" charset="0"/>
-              </a:rPr>
-              <a:t>://doi.org/10.35940/ijeat.a1196.109119. Zhenhua, W. (2018). Design and Research of an Image File Format with Rich Information. </a:t>
-            </a:r>
-            <a:r>
-              <a:rPr lang="en-GB" sz="300" i="1" kern="100" dirty="0">
-                <a:solidFill>
-                  <a:schemeClr val="bg1"/>
-                </a:solidFill>
-                <a:effectLst/>
-                <a:latin typeface="TimesNewRomanPS-ItalicMT"/>
-                <a:ea typeface="SimSun" panose="02010600030101010101" pitchFamily="2" charset="-122"/>
-                <a:cs typeface="Times New Roman" panose="02020603050405020304" pitchFamily="18" charset="0"/>
-              </a:rPr>
-              <a:t>Journal of Electrical and Electronic Engineering</a:t>
-            </a:r>
-            <a:r>
-              <a:rPr lang="en-GB" sz="300" kern="100" dirty="0">
-                <a:solidFill>
-                  <a:schemeClr val="bg1"/>
-                </a:solidFill>
-                <a:effectLst/>
-                <a:latin typeface="Calibri" panose="020F0502020204030204" pitchFamily="34" charset="0"/>
-                <a:ea typeface="SimSun" panose="02010600030101010101" pitchFamily="2" charset="-122"/>
-                <a:cs typeface="Times New Roman" panose="02020603050405020304" pitchFamily="18" charset="0"/>
-              </a:rPr>
-              <a:t>, 6(2), p.71. </a:t>
-            </a:r>
-            <a:r>
-              <a:rPr lang="en-GB" sz="300" kern="100" dirty="0" err="1">
-                <a:solidFill>
-                  <a:schemeClr val="bg1"/>
-                </a:solidFill>
-                <a:effectLst/>
-                <a:latin typeface="Calibri" panose="020F0502020204030204" pitchFamily="34" charset="0"/>
-                <a:ea typeface="SimSun" panose="02010600030101010101" pitchFamily="2" charset="-122"/>
-                <a:cs typeface="Times New Roman" panose="02020603050405020304" pitchFamily="18" charset="0"/>
-              </a:rPr>
-              <a:t>doi:https</a:t>
-            </a:r>
-            <a:r>
-              <a:rPr lang="en-GB" sz="300" kern="100" dirty="0">
-                <a:solidFill>
-                  <a:schemeClr val="bg1"/>
-                </a:solidFill>
-                <a:effectLst/>
-                <a:latin typeface="Calibri" panose="020F0502020204030204" pitchFamily="34" charset="0"/>
-                <a:ea typeface="SimSun" panose="02010600030101010101" pitchFamily="2" charset="-122"/>
-                <a:cs typeface="Times New Roman" panose="02020603050405020304" pitchFamily="18" charset="0"/>
-              </a:rPr>
-              <a:t>://doi.org/10.11648/j.jeee.20180602.16. Ontology of Heterogeneous Image File Formats and their Disparate Applications. (2021). </a:t>
-            </a:r>
-            <a:r>
-              <a:rPr lang="en-GB" sz="300" i="1" kern="100" dirty="0">
-                <a:solidFill>
-                  <a:schemeClr val="bg1"/>
-                </a:solidFill>
-                <a:effectLst/>
-                <a:latin typeface="TimesNewRomanPS-ItalicMT"/>
-                <a:ea typeface="SimSun" panose="02010600030101010101" pitchFamily="2" charset="-122"/>
-                <a:cs typeface="Times New Roman" panose="02020603050405020304" pitchFamily="18" charset="0"/>
-              </a:rPr>
-              <a:t>International Journal of Advanced Trends in Computer Science and Engineering</a:t>
-            </a:r>
-            <a:r>
-              <a:rPr lang="en-GB" sz="300" kern="100" dirty="0">
-                <a:solidFill>
-                  <a:schemeClr val="bg1"/>
-                </a:solidFill>
-                <a:effectLst/>
-                <a:latin typeface="Calibri" panose="020F0502020204030204" pitchFamily="34" charset="0"/>
-                <a:ea typeface="SimSun" panose="02010600030101010101" pitchFamily="2" charset="-122"/>
-                <a:cs typeface="Times New Roman" panose="02020603050405020304" pitchFamily="18" charset="0"/>
-              </a:rPr>
-              <a:t>, 10(6), pp.3138–3143. </a:t>
-            </a:r>
-            <a:r>
-              <a:rPr lang="en-GB" sz="300" kern="100" dirty="0" err="1">
-                <a:solidFill>
-                  <a:schemeClr val="bg1"/>
-                </a:solidFill>
-                <a:effectLst/>
-                <a:latin typeface="Calibri" panose="020F0502020204030204" pitchFamily="34" charset="0"/>
-                <a:ea typeface="SimSun" panose="02010600030101010101" pitchFamily="2" charset="-122"/>
-                <a:cs typeface="Times New Roman" panose="02020603050405020304" pitchFamily="18" charset="0"/>
-              </a:rPr>
-              <a:t>doi:https</a:t>
-            </a:r>
-            <a:r>
-              <a:rPr lang="en-GB" sz="300" kern="100" dirty="0">
-                <a:solidFill>
-                  <a:schemeClr val="bg1"/>
-                </a:solidFill>
-                <a:effectLst/>
-                <a:latin typeface="Calibri" panose="020F0502020204030204" pitchFamily="34" charset="0"/>
-                <a:ea typeface="SimSun" panose="02010600030101010101" pitchFamily="2" charset="-122"/>
-                <a:cs typeface="Times New Roman" panose="02020603050405020304" pitchFamily="18" charset="0"/>
-              </a:rPr>
-              <a:t>://doi.org/10.30534/</a:t>
-            </a:r>
-            <a:r>
-              <a:rPr lang="en-GB" sz="300" kern="100" dirty="0" err="1">
-                <a:solidFill>
-                  <a:schemeClr val="bg1"/>
-                </a:solidFill>
-                <a:effectLst/>
-                <a:latin typeface="Calibri" panose="020F0502020204030204" pitchFamily="34" charset="0"/>
-                <a:ea typeface="SimSun" panose="02010600030101010101" pitchFamily="2" charset="-122"/>
-                <a:cs typeface="Times New Roman" panose="02020603050405020304" pitchFamily="18" charset="0"/>
-              </a:rPr>
-              <a:t>ijatcse</a:t>
-            </a:r>
-            <a:r>
-              <a:rPr lang="en-GB" sz="300" kern="100" dirty="0">
-                <a:solidFill>
-                  <a:schemeClr val="bg1"/>
-                </a:solidFill>
-                <a:effectLst/>
-                <a:latin typeface="Calibri" panose="020F0502020204030204" pitchFamily="34" charset="0"/>
-                <a:ea typeface="SimSun" panose="02010600030101010101" pitchFamily="2" charset="-122"/>
-                <a:cs typeface="Times New Roman" panose="02020603050405020304" pitchFamily="18" charset="0"/>
-              </a:rPr>
-              <a:t>/2021/091062021. Dinneen, J.D. and Julien, C.-A. (2021). </a:t>
-            </a:r>
-            <a:r>
-              <a:rPr lang="en-GB" sz="300" i="1" kern="100" dirty="0">
-                <a:solidFill>
-                  <a:schemeClr val="bg1"/>
-                </a:solidFill>
-                <a:effectLst/>
-                <a:latin typeface="TimesNewRomanPS-ItalicMT"/>
-                <a:ea typeface="SimSun" panose="02010600030101010101" pitchFamily="2" charset="-122"/>
-                <a:cs typeface="Times New Roman" panose="02020603050405020304" pitchFamily="18" charset="0"/>
-              </a:rPr>
-              <a:t>The ubiquitous digital file: A review of file management research</a:t>
-            </a:r>
-            <a:r>
-              <a:rPr lang="en-GB" sz="300" kern="100" dirty="0">
-                <a:solidFill>
-                  <a:schemeClr val="bg1"/>
-                </a:solidFill>
-                <a:effectLst/>
-                <a:latin typeface="Calibri" panose="020F0502020204030204" pitchFamily="34" charset="0"/>
-                <a:ea typeface="SimSun" panose="02010600030101010101" pitchFamily="2" charset="-122"/>
-                <a:cs typeface="Times New Roman" panose="02020603050405020304" pitchFamily="18" charset="0"/>
-              </a:rPr>
-              <a:t>. [online] </a:t>
-            </a:r>
-            <a:r>
-              <a:rPr lang="en-GB" sz="300" kern="100" dirty="0" err="1">
-                <a:solidFill>
-                  <a:schemeClr val="bg1"/>
-                </a:solidFill>
-                <a:effectLst/>
-                <a:latin typeface="Calibri" panose="020F0502020204030204" pitchFamily="34" charset="0"/>
-                <a:ea typeface="SimSun" panose="02010600030101010101" pitchFamily="2" charset="-122"/>
-                <a:cs typeface="Times New Roman" panose="02020603050405020304" pitchFamily="18" charset="0"/>
-              </a:rPr>
-              <a:t>doi</a:t>
-            </a:r>
-            <a:r>
-              <a:rPr lang="en-GB" sz="300" kern="100" dirty="0">
-                <a:solidFill>
-                  <a:schemeClr val="bg1"/>
-                </a:solidFill>
-                <a:effectLst/>
-                <a:latin typeface="Calibri" panose="020F0502020204030204" pitchFamily="34" charset="0"/>
-                <a:ea typeface="SimSun" panose="02010600030101010101" pitchFamily="2" charset="-122"/>
-                <a:cs typeface="Times New Roman" panose="02020603050405020304" pitchFamily="18" charset="0"/>
-              </a:rPr>
-              <a:t>: https://doi.org/10.48550/arXiv.2109.09668.Underwood, W. (2012). Grammar-Based Specification and Parsing of Binary File Formats. </a:t>
-            </a:r>
-            <a:r>
-              <a:rPr lang="en-GB" sz="300" i="1" kern="100" dirty="0">
-                <a:solidFill>
-                  <a:schemeClr val="bg1"/>
-                </a:solidFill>
-                <a:effectLst/>
-                <a:latin typeface="TimesNewRomanPS-ItalicMT"/>
-                <a:ea typeface="SimSun" panose="02010600030101010101" pitchFamily="2" charset="-122"/>
-                <a:cs typeface="Times New Roman" panose="02020603050405020304" pitchFamily="18" charset="0"/>
-              </a:rPr>
-              <a:t>International Journal of Digital Curation</a:t>
-            </a:r>
-            <a:r>
-              <a:rPr lang="en-GB" sz="300" kern="100" dirty="0">
-                <a:solidFill>
-                  <a:schemeClr val="bg1"/>
-                </a:solidFill>
-                <a:effectLst/>
-                <a:latin typeface="Calibri" panose="020F0502020204030204" pitchFamily="34" charset="0"/>
-                <a:ea typeface="SimSun" panose="02010600030101010101" pitchFamily="2" charset="-122"/>
-                <a:cs typeface="Times New Roman" panose="02020603050405020304" pitchFamily="18" charset="0"/>
-              </a:rPr>
-              <a:t>, 7(1), pp.95–106. </a:t>
-            </a:r>
-            <a:r>
-              <a:rPr lang="en-GB" sz="300" kern="100" dirty="0" err="1">
-                <a:solidFill>
-                  <a:schemeClr val="bg1"/>
-                </a:solidFill>
-                <a:effectLst/>
-                <a:latin typeface="Calibri" panose="020F0502020204030204" pitchFamily="34" charset="0"/>
-                <a:ea typeface="SimSun" panose="02010600030101010101" pitchFamily="2" charset="-122"/>
-                <a:cs typeface="Times New Roman" panose="02020603050405020304" pitchFamily="18" charset="0"/>
-              </a:rPr>
-              <a:t>doi:https</a:t>
-            </a:r>
-            <a:r>
-              <a:rPr lang="en-GB" sz="300" kern="100" dirty="0">
-                <a:solidFill>
-                  <a:schemeClr val="bg1"/>
-                </a:solidFill>
-                <a:effectLst/>
-                <a:latin typeface="Calibri" panose="020F0502020204030204" pitchFamily="34" charset="0"/>
-                <a:ea typeface="SimSun" panose="02010600030101010101" pitchFamily="2" charset="-122"/>
-                <a:cs typeface="Times New Roman" panose="02020603050405020304" pitchFamily="18" charset="0"/>
-              </a:rPr>
-              <a:t>://doi.org/10.2218/ijdc.v7i1.217. Fred brooks, Data definition and file syntax for ISO/TS 14048 data exchange with data storage format based on ISO/TS 14048, RAUL CARLSON JOHAN TIVANDER, CHALMERS UNIVERSITY OF TECHNOLOGY, 2001, https://citeseerx.ist.psu.edu/document?repid=rep1&amp;type=pdf&amp;doi=676dc77da1217c8cdd1b61d76c83cad5 30bc3159 </a:t>
-            </a:r>
-          </a:p>
-        </p:txBody>
-      </p:sp>
-      <p:sp>
-        <p:nvSpPr>
-          <p:cNvPr id="16" name="TextBox 15"/>
+            <a:r>
+              <a:rPr lang="en-GB" sz="3394" b="1" dirty="0">
+                <a:latin typeface="Calibri Light" panose="020F0302020204030204" pitchFamily="34" charset="0"/>
+                <a:ea typeface="Anonymous Pro" panose="02060609030202000504" pitchFamily="49" charset="0"/>
+                <a:cs typeface="Calibri Light" panose="020F0302020204030204" pitchFamily="34" charset="0"/>
+              </a:rPr>
+              <a:t>Method And Implementation:</a:t>
+            </a:r>
+          </a:p>
+          <a:p>
+            <a:r>
+              <a:rPr lang="en-GB" sz="2263" dirty="0">
+                <a:latin typeface="Calibri Light" panose="020F0302020204030204" pitchFamily="34" charset="0"/>
+                <a:ea typeface="Anonymous Pro" panose="02060609030202000504" pitchFamily="49" charset="0"/>
+                <a:cs typeface="Calibri Light" panose="020F0302020204030204" pitchFamily="34" charset="0"/>
+              </a:rPr>
+              <a:t>Each .Str file had its syntax profile built through static analysis, </a:t>
+            </a:r>
+            <a:r>
+              <a:rPr lang="en-GB" sz="2263" dirty="0" err="1">
+                <a:latin typeface="Calibri Light" panose="020F0302020204030204" pitchFamily="34" charset="0"/>
+                <a:ea typeface="Anonymous Pro" panose="02060609030202000504" pitchFamily="49" charset="0"/>
+                <a:cs typeface="Calibri Light" panose="020F0302020204030204" pitchFamily="34" charset="0"/>
+              </a:rPr>
+              <a:t>i.e</a:t>
+            </a:r>
+            <a:r>
+              <a:rPr lang="en-GB" sz="2263" dirty="0">
+                <a:latin typeface="Calibri Light" panose="020F0302020204030204" pitchFamily="34" charset="0"/>
+                <a:ea typeface="Anonymous Pro" panose="02060609030202000504" pitchFamily="49" charset="0"/>
+                <a:cs typeface="Calibri Light" panose="020F0302020204030204" pitchFamily="34" charset="0"/>
+              </a:rPr>
+              <a:t> reading the file as raw binary in a hex editor to discern patters, a syntax profile was built, and code was written to read in the files. Each Section in the .Str files were decompressed and its contents exported.</a:t>
+            </a:r>
+          </a:p>
+          <a:p>
+            <a:endParaRPr lang="en-GB" sz="2263" dirty="0">
+              <a:latin typeface="Calibri Light" panose="020F0302020204030204" pitchFamily="34" charset="0"/>
+              <a:ea typeface="Anonymous Pro" panose="02060609030202000504" pitchFamily="49" charset="0"/>
+              <a:cs typeface="Calibri Light" panose="020F0302020204030204" pitchFamily="34" charset="0"/>
+            </a:endParaRPr>
+          </a:p>
+          <a:p>
+            <a:r>
+              <a:rPr lang="en-GB" sz="2263" dirty="0">
+                <a:latin typeface="Calibri Light" panose="020F0302020204030204" pitchFamily="34" charset="0"/>
+                <a:ea typeface="Anonymous Pro" panose="02060609030202000504" pitchFamily="49" charset="0"/>
+                <a:cs typeface="Calibri Light" panose="020F0302020204030204" pitchFamily="34" charset="0"/>
+              </a:rPr>
+              <a:t>The data was read into lists to be exported as subfiles, each individual sub file was determined, via their file extension, if they were a geometry file </a:t>
+            </a:r>
+            <a:r>
+              <a:rPr lang="en-GB" sz="2263" dirty="0" err="1">
+                <a:latin typeface="Calibri Light" panose="020F0302020204030204" pitchFamily="34" charset="0"/>
+                <a:ea typeface="Anonymous Pro" panose="02060609030202000504" pitchFamily="49" charset="0"/>
+                <a:cs typeface="Calibri Light" panose="020F0302020204030204" pitchFamily="34" charset="0"/>
+              </a:rPr>
+              <a:t>i.e</a:t>
+            </a:r>
+            <a:r>
+              <a:rPr lang="en-GB" sz="2263" dirty="0">
+                <a:latin typeface="Calibri Light" panose="020F0302020204030204" pitchFamily="34" charset="0"/>
+                <a:ea typeface="Anonymous Pro" panose="02060609030202000504" pitchFamily="49" charset="0"/>
+                <a:cs typeface="Calibri Light" panose="020F0302020204030204" pitchFamily="34" charset="0"/>
+              </a:rPr>
+              <a:t> .</a:t>
+            </a:r>
+            <a:r>
+              <a:rPr lang="en-GB" sz="2263" dirty="0" err="1">
+                <a:latin typeface="Calibri Light" panose="020F0302020204030204" pitchFamily="34" charset="0"/>
+                <a:ea typeface="Anonymous Pro" panose="02060609030202000504" pitchFamily="49" charset="0"/>
+                <a:cs typeface="Calibri Light" panose="020F0302020204030204" pitchFamily="34" charset="0"/>
+              </a:rPr>
+              <a:t>Rws</a:t>
+            </a:r>
+            <a:r>
+              <a:rPr lang="en-GB" sz="2263" dirty="0">
+                <a:latin typeface="Calibri Light" panose="020F0302020204030204" pitchFamily="34" charset="0"/>
+                <a:ea typeface="Anonymous Pro" panose="02060609030202000504" pitchFamily="49" charset="0"/>
+                <a:cs typeface="Calibri Light" panose="020F0302020204030204" pitchFamily="34" charset="0"/>
+              </a:rPr>
+              <a:t> and .</a:t>
+            </a:r>
+            <a:r>
+              <a:rPr lang="en-GB" sz="2263" dirty="0" err="1">
+                <a:latin typeface="Calibri Light" panose="020F0302020204030204" pitchFamily="34" charset="0"/>
+                <a:ea typeface="Anonymous Pro" panose="02060609030202000504" pitchFamily="49" charset="0"/>
+                <a:cs typeface="Calibri Light" panose="020F0302020204030204" pitchFamily="34" charset="0"/>
+              </a:rPr>
+              <a:t>Dff</a:t>
+            </a:r>
+            <a:r>
+              <a:rPr lang="en-GB" sz="2263" dirty="0">
+                <a:latin typeface="Calibri Light" panose="020F0302020204030204" pitchFamily="34" charset="0"/>
+                <a:ea typeface="Anonymous Pro" panose="02060609030202000504" pitchFamily="49" charset="0"/>
+                <a:cs typeface="Calibri Light" panose="020F0302020204030204" pitchFamily="34" charset="0"/>
+              </a:rPr>
+              <a:t>. Each geometry file  was processed into .</a:t>
+            </a:r>
+            <a:r>
+              <a:rPr lang="en-GB" sz="2263" dirty="0" err="1">
+                <a:latin typeface="Calibri Light" panose="020F0302020204030204" pitchFamily="34" charset="0"/>
+                <a:ea typeface="Anonymous Pro" panose="02060609030202000504" pitchFamily="49" charset="0"/>
+                <a:cs typeface="Calibri Light" panose="020F0302020204030204" pitchFamily="34" charset="0"/>
+              </a:rPr>
+              <a:t>Obj</a:t>
+            </a:r>
+            <a:r>
+              <a:rPr lang="en-GB" sz="2263" dirty="0">
+                <a:latin typeface="Calibri Light" panose="020F0302020204030204" pitchFamily="34" charset="0"/>
+                <a:ea typeface="Anonymous Pro" panose="02060609030202000504" pitchFamily="49" charset="0"/>
+                <a:cs typeface="Calibri Light" panose="020F0302020204030204" pitchFamily="34" charset="0"/>
+              </a:rPr>
+              <a:t> files by understanding their syntax, parsing their data into appropriate ADTs such as lists, and exporting them as “v”, “</a:t>
+            </a:r>
+            <a:r>
+              <a:rPr lang="en-GB" sz="2263" dirty="0" err="1">
+                <a:latin typeface="Calibri Light" panose="020F0302020204030204" pitchFamily="34" charset="0"/>
+                <a:ea typeface="Anonymous Pro" panose="02060609030202000504" pitchFamily="49" charset="0"/>
+                <a:cs typeface="Calibri Light" panose="020F0302020204030204" pitchFamily="34" charset="0"/>
+              </a:rPr>
+              <a:t>vt</a:t>
+            </a:r>
+            <a:r>
+              <a:rPr lang="en-GB" sz="2263" dirty="0">
+                <a:latin typeface="Calibri Light" panose="020F0302020204030204" pitchFamily="34" charset="0"/>
+                <a:ea typeface="Anonymous Pro" panose="02060609030202000504" pitchFamily="49" charset="0"/>
+                <a:cs typeface="Calibri Light" panose="020F0302020204030204" pitchFamily="34" charset="0"/>
+              </a:rPr>
+              <a:t>”, “</a:t>
+            </a:r>
+            <a:r>
+              <a:rPr lang="en-GB" sz="2263" dirty="0" err="1">
+                <a:latin typeface="Calibri Light" panose="020F0302020204030204" pitchFamily="34" charset="0"/>
+                <a:ea typeface="Anonymous Pro" panose="02060609030202000504" pitchFamily="49" charset="0"/>
+                <a:cs typeface="Calibri Light" panose="020F0302020204030204" pitchFamily="34" charset="0"/>
+              </a:rPr>
+              <a:t>vn</a:t>
+            </a:r>
+            <a:r>
+              <a:rPr lang="en-GB" sz="2263" dirty="0">
+                <a:latin typeface="Calibri Light" panose="020F0302020204030204" pitchFamily="34" charset="0"/>
+                <a:ea typeface="Anonymous Pro" panose="02060609030202000504" pitchFamily="49" charset="0"/>
+                <a:cs typeface="Calibri Light" panose="020F0302020204030204" pitchFamily="34" charset="0"/>
+              </a:rPr>
+              <a:t>” and “f” rows.</a:t>
+            </a:r>
+          </a:p>
+          <a:p>
+            <a:endParaRPr lang="en-GB" sz="2263" dirty="0">
+              <a:latin typeface="Calibri Light" panose="020F0302020204030204" pitchFamily="34" charset="0"/>
+              <a:ea typeface="Anonymous Pro" panose="02060609030202000504" pitchFamily="49" charset="0"/>
+              <a:cs typeface="Calibri Light" panose="020F0302020204030204" pitchFamily="34" charset="0"/>
+            </a:endParaRPr>
+          </a:p>
+          <a:p>
+            <a:r>
+              <a:rPr lang="en-GB" sz="2263" dirty="0">
+                <a:latin typeface="Calibri Light" panose="020F0302020204030204" pitchFamily="34" charset="0"/>
+                <a:ea typeface="Anonymous Pro" panose="02060609030202000504" pitchFamily="49" charset="0"/>
+                <a:cs typeface="Calibri Light" panose="020F0302020204030204" pitchFamily="34" charset="0"/>
+              </a:rPr>
+              <a:t>Each file is then determined to have subsequent encapsulating data, if they do not, then the process is complete. If they do the process repeats until the contents are successfully converted to contemporary formats.</a:t>
+            </a:r>
+          </a:p>
+          <a:p>
+            <a:endParaRPr lang="en-GB" sz="2263" dirty="0">
+              <a:latin typeface="Calibri Light" panose="020F0302020204030204" pitchFamily="34" charset="0"/>
+              <a:ea typeface="Anonymous Pro" panose="02060609030202000504" pitchFamily="49" charset="0"/>
+              <a:cs typeface="Calibri Light" panose="020F0302020204030204" pitchFamily="34" charset="0"/>
+            </a:endParaRPr>
+          </a:p>
+          <a:p>
+            <a:r>
+              <a:rPr lang="en-GB" sz="2263" dirty="0">
+                <a:latin typeface="Calibri Light" panose="020F0302020204030204" pitchFamily="34" charset="0"/>
+                <a:ea typeface="Anonymous Pro" panose="02060609030202000504" pitchFamily="49" charset="0"/>
+                <a:cs typeface="Calibri Light" panose="020F0302020204030204" pitchFamily="34" charset="0"/>
+              </a:rPr>
+              <a:t>Below is an .</a:t>
+            </a:r>
+            <a:r>
+              <a:rPr lang="en-GB" sz="2263" dirty="0" err="1">
+                <a:latin typeface="Calibri Light" panose="020F0302020204030204" pitchFamily="34" charset="0"/>
+                <a:ea typeface="Anonymous Pro" panose="02060609030202000504" pitchFamily="49" charset="0"/>
+                <a:cs typeface="Calibri Light" panose="020F0302020204030204" pitchFamily="34" charset="0"/>
+              </a:rPr>
+              <a:t>Obj</a:t>
+            </a:r>
+            <a:r>
+              <a:rPr lang="en-GB" sz="2263" dirty="0">
+                <a:latin typeface="Calibri Light" panose="020F0302020204030204" pitchFamily="34" charset="0"/>
+                <a:ea typeface="Anonymous Pro" panose="02060609030202000504" pitchFamily="49" charset="0"/>
+                <a:cs typeface="Calibri Light" panose="020F0302020204030204" pitchFamily="34" charset="0"/>
+              </a:rPr>
+              <a:t> file and the </a:t>
+            </a:r>
+            <a:r>
+              <a:rPr lang="en-GB" sz="2263" b="1" dirty="0">
+                <a:latin typeface="Calibri Light" panose="020F0302020204030204" pitchFamily="34" charset="0"/>
+                <a:ea typeface="Anonymous Pro" panose="02060609030202000504" pitchFamily="49" charset="0"/>
+                <a:cs typeface="Calibri Light" panose="020F0302020204030204" pitchFamily="34" charset="0"/>
+              </a:rPr>
+              <a:t>GAD</a:t>
+            </a:r>
+            <a:r>
+              <a:rPr lang="en-GB" sz="2263" dirty="0">
+                <a:latin typeface="Calibri Light" panose="020F0302020204030204" pitchFamily="34" charset="0"/>
+                <a:ea typeface="Anonymous Pro" panose="02060609030202000504" pitchFamily="49" charset="0"/>
+                <a:cs typeface="Calibri Light" panose="020F0302020204030204" pitchFamily="34" charset="0"/>
+              </a:rPr>
+              <a:t>.</a:t>
+            </a:r>
+          </a:p>
+        </p:txBody>
+      </p:sp>
+      <p:sp>
+        <p:nvSpPr>
+          <p:cNvPr id="17" name="TextBox 16"/>
           <p:cNvSpPr txBox="1"/>
           <p:nvPr/>
         </p:nvSpPr>
         <p:spPr>
           <a:xfrm>
-            <a:off x="3855931" y="1218840"/>
-            <a:ext cx="3495475" cy="5139869"/>
+            <a:off x="757624" y="13691885"/>
+            <a:ext cx="9887452" cy="3400546"/>
           </a:xfrm>
           <a:prstGeom prst="rect">
             <a:avLst/>
@@ -5033,16 +5017,14 @@
           <a:lstStyle/>
           <a:p>
             <a:r>
-              <a:rPr lang="en-GB" sz="1200" b="1" dirty="0">
-                <a:latin typeface="Calibri Light" panose="020F0302020204030204" pitchFamily="34" charset="0"/>
-                <a:ea typeface="Anonymous Pro" panose="02060609030202000504" pitchFamily="49" charset="0"/>
-                <a:cs typeface="Calibri Light" panose="020F0302020204030204" pitchFamily="34" charset="0"/>
-              </a:rPr>
-              <a:t>Method And Implementation:</a:t>
-            </a:r>
-          </a:p>
-          <a:p>
-            <a:endParaRPr lang="en-GB" sz="1200" b="1" dirty="0">
+              <a:rPr lang="en-GB" sz="3394" b="1" dirty="0">
+                <a:latin typeface="Calibri Light" panose="020F0302020204030204" pitchFamily="34" charset="0"/>
+                <a:ea typeface="Anonymous Pro" panose="02060609030202000504" pitchFamily="49" charset="0"/>
+                <a:cs typeface="Calibri Light" panose="020F0302020204030204" pitchFamily="34" charset="0"/>
+              </a:rPr>
+              <a:t>Discussion and Results:</a:t>
+            </a:r>
+            <a:endParaRPr lang="en-GB" sz="2829" dirty="0">
               <a:latin typeface="Calibri Light" panose="020F0302020204030204" pitchFamily="34" charset="0"/>
               <a:ea typeface="Anonymous Pro" panose="02060609030202000504" pitchFamily="49" charset="0"/>
               <a:cs typeface="Calibri Light" panose="020F0302020204030204" pitchFamily="34" charset="0"/>
@@ -5050,32 +5032,112 @@
           </a:p>
           <a:p>
             <a:r>
-              <a:rPr lang="en-GB" sz="800" dirty="0">
-                <a:latin typeface="Calibri Light" panose="020F0302020204030204" pitchFamily="34" charset="0"/>
-                <a:ea typeface="Anonymous Pro" panose="02060609030202000504" pitchFamily="49" charset="0"/>
-                <a:cs typeface="Calibri Light" panose="020F0302020204030204" pitchFamily="34" charset="0"/>
-              </a:rPr>
-              <a:t>Each .Str file had its syntax profile built through static analysis, </a:t>
-            </a:r>
-            <a:r>
-              <a:rPr lang="en-GB" sz="800" dirty="0" err="1">
-                <a:latin typeface="Calibri Light" panose="020F0302020204030204" pitchFamily="34" charset="0"/>
-                <a:ea typeface="Anonymous Pro" panose="02060609030202000504" pitchFamily="49" charset="0"/>
-                <a:cs typeface="Calibri Light" panose="020F0302020204030204" pitchFamily="34" charset="0"/>
-              </a:rPr>
-              <a:t>i.e</a:t>
-            </a:r>
-            <a:r>
-              <a:rPr lang="en-GB" sz="800" dirty="0">
-                <a:latin typeface="Calibri Light" panose="020F0302020204030204" pitchFamily="34" charset="0"/>
-                <a:ea typeface="Anonymous Pro" panose="02060609030202000504" pitchFamily="49" charset="0"/>
-                <a:cs typeface="Calibri Light" panose="020F0302020204030204" pitchFamily="34" charset="0"/>
-              </a:rPr>
-              <a:t> reading the file as raw binary in a hex editor to discern patters, the profile was built, and code was written to read in the files. Each Section in the .Str files were decompressed and its contents exported.</a:t>
-            </a:r>
-          </a:p>
-          <a:p>
-            <a:endParaRPr lang="en-GB" sz="800" dirty="0">
+              <a:rPr lang="en-GB" sz="2263" dirty="0">
+                <a:latin typeface="Calibri Light" panose="020F0302020204030204" pitchFamily="34" charset="0"/>
+                <a:ea typeface="Anonymous Pro" panose="02060609030202000504" pitchFamily="49" charset="0"/>
+                <a:cs typeface="Calibri Light" panose="020F0302020204030204" pitchFamily="34" charset="0"/>
+              </a:rPr>
+              <a:t>The results were the successful conversion of the .Str/.</a:t>
+            </a:r>
+            <a:r>
+              <a:rPr lang="en-GB" sz="2263" dirty="0" err="1">
+                <a:latin typeface="Calibri Light" panose="020F0302020204030204" pitchFamily="34" charset="0"/>
+                <a:ea typeface="Anonymous Pro" panose="02060609030202000504" pitchFamily="49" charset="0"/>
+                <a:cs typeface="Calibri Light" panose="020F0302020204030204" pitchFamily="34" charset="0"/>
+              </a:rPr>
+              <a:t>Rws</a:t>
+            </a:r>
+            <a:r>
+              <a:rPr lang="en-GB" sz="2263" dirty="0">
+                <a:latin typeface="Calibri Light" panose="020F0302020204030204" pitchFamily="34" charset="0"/>
+                <a:ea typeface="Anonymous Pro" panose="02060609030202000504" pitchFamily="49" charset="0"/>
+                <a:cs typeface="Calibri Light" panose="020F0302020204030204" pitchFamily="34" charset="0"/>
+              </a:rPr>
+              <a:t>/.</a:t>
+            </a:r>
+            <a:r>
+              <a:rPr lang="en-GB" sz="2263" dirty="0" err="1">
+                <a:latin typeface="Calibri Light" panose="020F0302020204030204" pitchFamily="34" charset="0"/>
+                <a:ea typeface="Anonymous Pro" panose="02060609030202000504" pitchFamily="49" charset="0"/>
+                <a:cs typeface="Calibri Light" panose="020F0302020204030204" pitchFamily="34" charset="0"/>
+              </a:rPr>
+              <a:t>Dff</a:t>
+            </a:r>
+            <a:r>
+              <a:rPr lang="en-GB" sz="2263" dirty="0">
+                <a:latin typeface="Calibri Light" panose="020F0302020204030204" pitchFamily="34" charset="0"/>
+                <a:ea typeface="Anonymous Pro" panose="02060609030202000504" pitchFamily="49" charset="0"/>
+                <a:cs typeface="Calibri Light" panose="020F0302020204030204" pitchFamily="34" charset="0"/>
+              </a:rPr>
+              <a:t> files and the creation of .</a:t>
+            </a:r>
+            <a:r>
+              <a:rPr lang="en-GB" sz="2263" dirty="0" err="1">
+                <a:latin typeface="Calibri Light" panose="020F0302020204030204" pitchFamily="34" charset="0"/>
+                <a:ea typeface="Anonymous Pro" panose="02060609030202000504" pitchFamily="49" charset="0"/>
+                <a:cs typeface="Calibri Light" panose="020F0302020204030204" pitchFamily="34" charset="0"/>
+              </a:rPr>
+              <a:t>Obj</a:t>
+            </a:r>
+            <a:r>
+              <a:rPr lang="en-GB" sz="2263" dirty="0">
+                <a:latin typeface="Calibri Light" panose="020F0302020204030204" pitchFamily="34" charset="0"/>
+                <a:ea typeface="Anonymous Pro" panose="02060609030202000504" pitchFamily="49" charset="0"/>
+                <a:cs typeface="Calibri Light" panose="020F0302020204030204" pitchFamily="34" charset="0"/>
+              </a:rPr>
+              <a:t> files from .</a:t>
+            </a:r>
+            <a:r>
+              <a:rPr lang="en-GB" sz="2263" dirty="0" err="1">
+                <a:latin typeface="Calibri Light" panose="020F0302020204030204" pitchFamily="34" charset="0"/>
+                <a:ea typeface="Anonymous Pro" panose="02060609030202000504" pitchFamily="49" charset="0"/>
+                <a:cs typeface="Calibri Light" panose="020F0302020204030204" pitchFamily="34" charset="0"/>
+              </a:rPr>
+              <a:t>Rws</a:t>
+            </a:r>
+            <a:r>
+              <a:rPr lang="en-GB" sz="2263" dirty="0">
+                <a:latin typeface="Calibri Light" panose="020F0302020204030204" pitchFamily="34" charset="0"/>
+                <a:ea typeface="Anonymous Pro" panose="02060609030202000504" pitchFamily="49" charset="0"/>
+                <a:cs typeface="Calibri Light" panose="020F0302020204030204" pitchFamily="34" charset="0"/>
+              </a:rPr>
+              <a:t> and .</a:t>
+            </a:r>
+            <a:r>
+              <a:rPr lang="en-GB" sz="2263" dirty="0" err="1">
+                <a:latin typeface="Calibri Light" panose="020F0302020204030204" pitchFamily="34" charset="0"/>
+                <a:ea typeface="Anonymous Pro" panose="02060609030202000504" pitchFamily="49" charset="0"/>
+                <a:cs typeface="Calibri Light" panose="020F0302020204030204" pitchFamily="34" charset="0"/>
+              </a:rPr>
+              <a:t>Dff</a:t>
+            </a:r>
+            <a:r>
+              <a:rPr lang="en-GB" sz="2263" dirty="0">
+                <a:latin typeface="Calibri Light" panose="020F0302020204030204" pitchFamily="34" charset="0"/>
+                <a:ea typeface="Anonymous Pro" panose="02060609030202000504" pitchFamily="49" charset="0"/>
+                <a:cs typeface="Calibri Light" panose="020F0302020204030204" pitchFamily="34" charset="0"/>
+              </a:rPr>
+              <a:t> files. These .</a:t>
+            </a:r>
+            <a:r>
+              <a:rPr lang="en-GB" sz="2263" dirty="0" err="1">
+                <a:latin typeface="Calibri Light" panose="020F0302020204030204" pitchFamily="34" charset="0"/>
+                <a:ea typeface="Anonymous Pro" panose="02060609030202000504" pitchFamily="49" charset="0"/>
+                <a:cs typeface="Calibri Light" panose="020F0302020204030204" pitchFamily="34" charset="0"/>
+              </a:rPr>
+              <a:t>Objs</a:t>
+            </a:r>
+            <a:r>
+              <a:rPr lang="en-GB" sz="2263" dirty="0">
+                <a:latin typeface="Calibri Light" panose="020F0302020204030204" pitchFamily="34" charset="0"/>
+                <a:ea typeface="Anonymous Pro" panose="02060609030202000504" pitchFamily="49" charset="0"/>
+                <a:cs typeface="Calibri Light" panose="020F0302020204030204" pitchFamily="34" charset="0"/>
+              </a:rPr>
+              <a:t> include models from the colossal doughnut, never quest and Kill lawyer's level.</a:t>
+            </a:r>
+          </a:p>
+          <a:p>
+            <a:endParaRPr lang="en-GB" sz="2263" dirty="0">
               <a:latin typeface="Calibri Light" panose="020F0302020204030204" pitchFamily="34" charset="0"/>
               <a:ea typeface="Anonymous Pro" panose="02060609030202000504" pitchFamily="49" charset="0"/>
               <a:cs typeface="Calibri Light" panose="020F0302020204030204" pitchFamily="34" charset="0"/>
@@ -5083,15 +5145,15 @@
           </a:p>
           <a:p>
             <a:r>
-              <a:rPr lang="en-GB" sz="800" dirty="0">
-                <a:latin typeface="Calibri Light" panose="020F0302020204030204" pitchFamily="34" charset="0"/>
-                <a:ea typeface="Anonymous Pro" panose="02060609030202000504" pitchFamily="49" charset="0"/>
-                <a:cs typeface="Calibri Light" panose="020F0302020204030204" pitchFamily="34" charset="0"/>
-              </a:rPr>
-              <a:t>The data was read into lists to be exported as subfiles, each individual sub file was determined ,via their extension, if they were a geometry file </a:t>
-            </a:r>
-            <a:r>
-              <a:rPr lang="en-GB" sz="800" dirty="0" err="1">
+              <a:rPr lang="en-GB" sz="2263" dirty="0">
+                <a:latin typeface="Calibri Light" panose="020F0302020204030204" pitchFamily="34" charset="0"/>
+                <a:ea typeface="Anonymous Pro" panose="02060609030202000504" pitchFamily="49" charset="0"/>
+                <a:cs typeface="Calibri Light" panose="020F0302020204030204" pitchFamily="34" charset="0"/>
+              </a:rPr>
+              <a:t>These results were validated through using 3d rendering software </a:t>
+            </a:r>
+            <a:r>
+              <a:rPr lang="en-GB" sz="2263" dirty="0" err="1">
                 <a:latin typeface="Calibri Light" panose="020F0302020204030204" pitchFamily="34" charset="0"/>
                 <a:ea typeface="Anonymous Pro" panose="02060609030202000504" pitchFamily="49" charset="0"/>
                 <a:cs typeface="Calibri Light" panose="020F0302020204030204" pitchFamily="34" charset="0"/>
@@ -5099,211 +5161,26 @@
               <a:t>i.e</a:t>
             </a:r>
             <a:r>
-              <a:rPr lang="en-GB" sz="800" dirty="0">
-                <a:latin typeface="Calibri Light" panose="020F0302020204030204" pitchFamily="34" charset="0"/>
-                <a:ea typeface="Anonymous Pro" panose="02060609030202000504" pitchFamily="49" charset="0"/>
-                <a:cs typeface="Calibri Light" panose="020F0302020204030204" pitchFamily="34" charset="0"/>
-              </a:rPr>
-              <a:t> .</a:t>
-            </a:r>
-            <a:r>
-              <a:rPr lang="en-GB" sz="800" dirty="0" err="1">
-                <a:latin typeface="Calibri Light" panose="020F0302020204030204" pitchFamily="34" charset="0"/>
-                <a:ea typeface="Anonymous Pro" panose="02060609030202000504" pitchFamily="49" charset="0"/>
-                <a:cs typeface="Calibri Light" panose="020F0302020204030204" pitchFamily="34" charset="0"/>
-              </a:rPr>
-              <a:t>Rws</a:t>
-            </a:r>
-            <a:r>
-              <a:rPr lang="en-GB" sz="800" dirty="0">
-                <a:latin typeface="Calibri Light" panose="020F0302020204030204" pitchFamily="34" charset="0"/>
-                <a:ea typeface="Anonymous Pro" panose="02060609030202000504" pitchFamily="49" charset="0"/>
-                <a:cs typeface="Calibri Light" panose="020F0302020204030204" pitchFamily="34" charset="0"/>
-              </a:rPr>
-              <a:t> and .</a:t>
-            </a:r>
-            <a:r>
-              <a:rPr lang="en-GB" sz="800" dirty="0" err="1">
-                <a:latin typeface="Calibri Light" panose="020F0302020204030204" pitchFamily="34" charset="0"/>
-                <a:ea typeface="Anonymous Pro" panose="02060609030202000504" pitchFamily="49" charset="0"/>
-                <a:cs typeface="Calibri Light" panose="020F0302020204030204" pitchFamily="34" charset="0"/>
-              </a:rPr>
-              <a:t>Dff</a:t>
-            </a:r>
-            <a:r>
-              <a:rPr lang="en-GB" sz="800" dirty="0">
-                <a:latin typeface="Calibri Light" panose="020F0302020204030204" pitchFamily="34" charset="0"/>
-                <a:ea typeface="Anonymous Pro" panose="02060609030202000504" pitchFamily="49" charset="0"/>
-                <a:cs typeface="Calibri Light" panose="020F0302020204030204" pitchFamily="34" charset="0"/>
-              </a:rPr>
-              <a:t>. Each geometry file had its header understood, </a:t>
-            </a:r>
-            <a:r>
-              <a:rPr lang="en-GB" sz="800" dirty="0" err="1">
-                <a:latin typeface="Calibri Light" panose="020F0302020204030204" pitchFamily="34" charset="0"/>
-                <a:ea typeface="Anonymous Pro" panose="02060609030202000504" pitchFamily="49" charset="0"/>
-                <a:cs typeface="Calibri Light" panose="020F0302020204030204" pitchFamily="34" charset="0"/>
-              </a:rPr>
-              <a:t>profi</a:t>
-            </a:r>
-            <a:endParaRPr lang="en-GB" sz="800" dirty="0">
-              <a:latin typeface="Calibri Light" panose="020F0302020204030204" pitchFamily="34" charset="0"/>
-              <a:ea typeface="Anonymous Pro" panose="02060609030202000504" pitchFamily="49" charset="0"/>
-              <a:cs typeface="Calibri Light" panose="020F0302020204030204" pitchFamily="34" charset="0"/>
-            </a:endParaRPr>
-          </a:p>
-          <a:p>
-            <a:endParaRPr lang="en-GB" sz="1200" b="1" dirty="0">
-              <a:latin typeface="Calibri Light" panose="020F0302020204030204" pitchFamily="34" charset="0"/>
-              <a:ea typeface="Anonymous Pro" panose="02060609030202000504" pitchFamily="49" charset="0"/>
-              <a:cs typeface="Calibri Light" panose="020F0302020204030204" pitchFamily="34" charset="0"/>
-            </a:endParaRPr>
-          </a:p>
-          <a:p>
-            <a:endParaRPr lang="en-GB" sz="1200" b="1" dirty="0">
-              <a:latin typeface="Calibri Light" panose="020F0302020204030204" pitchFamily="34" charset="0"/>
-              <a:ea typeface="Anonymous Pro" panose="02060609030202000504" pitchFamily="49" charset="0"/>
-              <a:cs typeface="Calibri Light" panose="020F0302020204030204" pitchFamily="34" charset="0"/>
-            </a:endParaRPr>
-          </a:p>
-          <a:p>
-            <a:endParaRPr lang="en-GB" sz="1200" b="1" dirty="0">
-              <a:latin typeface="Calibri Light" panose="020F0302020204030204" pitchFamily="34" charset="0"/>
-              <a:ea typeface="Anonymous Pro" panose="02060609030202000504" pitchFamily="49" charset="0"/>
-              <a:cs typeface="Calibri Light" panose="020F0302020204030204" pitchFamily="34" charset="0"/>
-            </a:endParaRPr>
-          </a:p>
-          <a:p>
-            <a:endParaRPr lang="en-GB" sz="1200" b="1" dirty="0">
-              <a:latin typeface="Calibri Light" panose="020F0302020204030204" pitchFamily="34" charset="0"/>
-              <a:ea typeface="Anonymous Pro" panose="02060609030202000504" pitchFamily="49" charset="0"/>
-              <a:cs typeface="Calibri Light" panose="020F0302020204030204" pitchFamily="34" charset="0"/>
-            </a:endParaRPr>
-          </a:p>
-          <a:p>
-            <a:endParaRPr lang="en-GB" sz="1200" b="1" dirty="0">
-              <a:latin typeface="Calibri Light" panose="020F0302020204030204" pitchFamily="34" charset="0"/>
-              <a:ea typeface="Anonymous Pro" panose="02060609030202000504" pitchFamily="49" charset="0"/>
-              <a:cs typeface="Calibri Light" panose="020F0302020204030204" pitchFamily="34" charset="0"/>
-            </a:endParaRPr>
-          </a:p>
-          <a:p>
-            <a:endParaRPr lang="en-GB" sz="1200" b="1" dirty="0">
-              <a:latin typeface="Calibri Light" panose="020F0302020204030204" pitchFamily="34" charset="0"/>
-              <a:ea typeface="Anonymous Pro" panose="02060609030202000504" pitchFamily="49" charset="0"/>
-              <a:cs typeface="Calibri Light" panose="020F0302020204030204" pitchFamily="34" charset="0"/>
-            </a:endParaRPr>
-          </a:p>
-          <a:p>
-            <a:endParaRPr lang="en-GB" sz="1200" b="1" dirty="0">
-              <a:latin typeface="Calibri Light" panose="020F0302020204030204" pitchFamily="34" charset="0"/>
-              <a:ea typeface="Anonymous Pro" panose="02060609030202000504" pitchFamily="49" charset="0"/>
-              <a:cs typeface="Calibri Light" panose="020F0302020204030204" pitchFamily="34" charset="0"/>
-            </a:endParaRPr>
-          </a:p>
-          <a:p>
-            <a:endParaRPr lang="en-GB" sz="1200" b="1" dirty="0">
-              <a:latin typeface="Calibri Light" panose="020F0302020204030204" pitchFamily="34" charset="0"/>
-              <a:ea typeface="Anonymous Pro" panose="02060609030202000504" pitchFamily="49" charset="0"/>
-              <a:cs typeface="Calibri Light" panose="020F0302020204030204" pitchFamily="34" charset="0"/>
-            </a:endParaRPr>
-          </a:p>
-          <a:p>
-            <a:endParaRPr lang="en-GB" sz="1200" b="1" dirty="0">
-              <a:latin typeface="Calibri Light" panose="020F0302020204030204" pitchFamily="34" charset="0"/>
-              <a:ea typeface="Anonymous Pro" panose="02060609030202000504" pitchFamily="49" charset="0"/>
-              <a:cs typeface="Calibri Light" panose="020F0302020204030204" pitchFamily="34" charset="0"/>
-            </a:endParaRPr>
-          </a:p>
-          <a:p>
-            <a:endParaRPr lang="en-GB" sz="1200" b="1" dirty="0">
-              <a:latin typeface="Calibri Light" panose="020F0302020204030204" pitchFamily="34" charset="0"/>
-              <a:ea typeface="Anonymous Pro" panose="02060609030202000504" pitchFamily="49" charset="0"/>
-              <a:cs typeface="Calibri Light" panose="020F0302020204030204" pitchFamily="34" charset="0"/>
-            </a:endParaRPr>
-          </a:p>
-          <a:p>
-            <a:endParaRPr lang="en-GB" sz="1200" b="1" dirty="0">
-              <a:latin typeface="Calibri Light" panose="020F0302020204030204" pitchFamily="34" charset="0"/>
-              <a:ea typeface="Anonymous Pro" panose="02060609030202000504" pitchFamily="49" charset="0"/>
-              <a:cs typeface="Calibri Light" panose="020F0302020204030204" pitchFamily="34" charset="0"/>
-            </a:endParaRPr>
-          </a:p>
-          <a:p>
-            <a:endParaRPr lang="en-GB" sz="1200" b="1" dirty="0">
-              <a:latin typeface="Calibri Light" panose="020F0302020204030204" pitchFamily="34" charset="0"/>
-              <a:ea typeface="Anonymous Pro" panose="02060609030202000504" pitchFamily="49" charset="0"/>
-              <a:cs typeface="Calibri Light" panose="020F0302020204030204" pitchFamily="34" charset="0"/>
-            </a:endParaRPr>
-          </a:p>
-          <a:p>
-            <a:endParaRPr lang="en-GB" sz="1200" b="1" dirty="0">
-              <a:latin typeface="Calibri Light" panose="020F0302020204030204" pitchFamily="34" charset="0"/>
-              <a:ea typeface="Anonymous Pro" panose="02060609030202000504" pitchFamily="49" charset="0"/>
-              <a:cs typeface="Calibri Light" panose="020F0302020204030204" pitchFamily="34" charset="0"/>
-            </a:endParaRPr>
-          </a:p>
-          <a:p>
-            <a:endParaRPr lang="en-GB" sz="1200" b="1" dirty="0">
-              <a:latin typeface="Calibri Light" panose="020F0302020204030204" pitchFamily="34" charset="0"/>
-              <a:ea typeface="Anonymous Pro" panose="02060609030202000504" pitchFamily="49" charset="0"/>
-              <a:cs typeface="Calibri Light" panose="020F0302020204030204" pitchFamily="34" charset="0"/>
-            </a:endParaRPr>
-          </a:p>
-          <a:p>
-            <a:endParaRPr lang="en-GB" sz="1200" b="1" dirty="0">
-              <a:latin typeface="Calibri Light" panose="020F0302020204030204" pitchFamily="34" charset="0"/>
-              <a:ea typeface="Anonymous Pro" panose="02060609030202000504" pitchFamily="49" charset="0"/>
-              <a:cs typeface="Calibri Light" panose="020F0302020204030204" pitchFamily="34" charset="0"/>
-            </a:endParaRPr>
-          </a:p>
-          <a:p>
-            <a:endParaRPr lang="en-GB" sz="1200" b="1" dirty="0">
-              <a:latin typeface="Calibri Light" panose="020F0302020204030204" pitchFamily="34" charset="0"/>
-              <a:ea typeface="Anonymous Pro" panose="02060609030202000504" pitchFamily="49" charset="0"/>
-              <a:cs typeface="Calibri Light" panose="020F0302020204030204" pitchFamily="34" charset="0"/>
-            </a:endParaRPr>
-          </a:p>
-          <a:p>
-            <a:endParaRPr lang="en-GB" sz="1200" b="1" dirty="0">
-              <a:latin typeface="Calibri Light" panose="020F0302020204030204" pitchFamily="34" charset="0"/>
-              <a:ea typeface="Anonymous Pro" panose="02060609030202000504" pitchFamily="49" charset="0"/>
-              <a:cs typeface="Calibri Light" panose="020F0302020204030204" pitchFamily="34" charset="0"/>
-            </a:endParaRPr>
-          </a:p>
-          <a:p>
-            <a:endParaRPr lang="en-GB" sz="1200" b="1" dirty="0">
-              <a:latin typeface="Calibri Light" panose="020F0302020204030204" pitchFamily="34" charset="0"/>
-              <a:ea typeface="Anonymous Pro" panose="02060609030202000504" pitchFamily="49" charset="0"/>
-              <a:cs typeface="Calibri Light" panose="020F0302020204030204" pitchFamily="34" charset="0"/>
-            </a:endParaRPr>
-          </a:p>
-          <a:p>
-            <a:endParaRPr lang="en-GB" sz="1200" b="1" dirty="0">
-              <a:latin typeface="Calibri Light" panose="020F0302020204030204" pitchFamily="34" charset="0"/>
-              <a:ea typeface="Anonymous Pro" panose="02060609030202000504" pitchFamily="49" charset="0"/>
-              <a:cs typeface="Calibri Light" panose="020F0302020204030204" pitchFamily="34" charset="0"/>
-            </a:endParaRPr>
-          </a:p>
-          <a:p>
-            <a:endParaRPr lang="en-GB" sz="1200" b="1" dirty="0">
-              <a:latin typeface="Calibri Light" panose="020F0302020204030204" pitchFamily="34" charset="0"/>
-              <a:ea typeface="Anonymous Pro" panose="02060609030202000504" pitchFamily="49" charset="0"/>
-              <a:cs typeface="Calibri Light" panose="020F0302020204030204" pitchFamily="34" charset="0"/>
-            </a:endParaRPr>
-          </a:p>
-        </p:txBody>
-      </p:sp>
-      <p:sp>
-        <p:nvSpPr>
-          <p:cNvPr id="17" name="TextBox 16"/>
+              <a:rPr lang="en-GB" sz="2263" dirty="0">
+                <a:latin typeface="Calibri Light" panose="020F0302020204030204" pitchFamily="34" charset="0"/>
+                <a:ea typeface="Anonymous Pro" panose="02060609030202000504" pitchFamily="49" charset="0"/>
+                <a:cs typeface="Calibri Light" panose="020F0302020204030204" pitchFamily="34" charset="0"/>
+              </a:rPr>
+              <a:t> unreal engine and the inbuilt windows object viewer. There were no graphical artefacts such as error with lighting  or geometry. As well as each file being compared to their in-game counterpart.</a:t>
+            </a:r>
+          </a:p>
+        </p:txBody>
+      </p:sp>
+      <p:sp>
+        <p:nvSpPr>
+          <p:cNvPr id="18" name="TextBox 17"/>
           <p:cNvSpPr txBox="1"/>
           <p:nvPr/>
         </p:nvSpPr>
         <p:spPr>
           <a:xfrm>
-            <a:off x="205526" y="5520890"/>
-            <a:ext cx="3495475" cy="5232202"/>
+            <a:off x="10861049" y="24304616"/>
+            <a:ext cx="9887452" cy="2529923"/>
           </a:xfrm>
           <a:prstGeom prst="rect">
             <a:avLst/>
@@ -5317,16 +5194,26 @@
           <a:lstStyle/>
           <a:p>
             <a:r>
-              <a:rPr lang="en-GB" sz="1200" b="1" dirty="0">
-                <a:latin typeface="Calibri Light" panose="020F0302020204030204" pitchFamily="34" charset="0"/>
-                <a:ea typeface="Anonymous Pro" panose="02060609030202000504" pitchFamily="49" charset="0"/>
-                <a:cs typeface="Calibri Light" panose="020F0302020204030204" pitchFamily="34" charset="0"/>
-              </a:rPr>
-              <a:t>Discussion and Results:</a:t>
-            </a:r>
-          </a:p>
-          <a:p>
-            <a:endParaRPr lang="en-GB" sz="1000" dirty="0">
+              <a:rPr lang="en-GB" sz="3394" b="1" dirty="0">
+                <a:latin typeface="Calibri Light" panose="020F0302020204030204" pitchFamily="34" charset="0"/>
+                <a:ea typeface="Anonymous Pro" panose="02060609030202000504" pitchFamily="49" charset="0"/>
+                <a:cs typeface="Calibri Light" panose="020F0302020204030204" pitchFamily="34" charset="0"/>
+              </a:rPr>
+              <a:t>Conclusions:</a:t>
+            </a:r>
+          </a:p>
+          <a:p>
+            <a:r>
+              <a:rPr lang="en-GB" sz="2263" dirty="0">
+                <a:latin typeface="Calibri Light" panose="020F0302020204030204" pitchFamily="34" charset="0"/>
+                <a:ea typeface="Anonymous Pro" panose="02060609030202000504" pitchFamily="49" charset="0"/>
+                <a:cs typeface="Calibri Light" panose="020F0302020204030204" pitchFamily="34" charset="0"/>
+              </a:rPr>
+              <a:t>The key take aways from this project are the successful reverse engineered game asset files from the Simpsons game 2008.</a:t>
+            </a:r>
+          </a:p>
+          <a:p>
+            <a:endParaRPr lang="en-GB" sz="2263" dirty="0">
               <a:latin typeface="Calibri Light" panose="020F0302020204030204" pitchFamily="34" charset="0"/>
               <a:ea typeface="Anonymous Pro" panose="02060609030202000504" pitchFamily="49" charset="0"/>
               <a:cs typeface="Calibri Light" panose="020F0302020204030204" pitchFamily="34" charset="0"/>
@@ -5334,302 +5221,33 @@
           </a:p>
           <a:p>
             <a:r>
-              <a:rPr lang="en-GB" sz="800" dirty="0">
-                <a:latin typeface="Calibri Light" panose="020F0302020204030204" pitchFamily="34" charset="0"/>
-                <a:ea typeface="Anonymous Pro" panose="02060609030202000504" pitchFamily="49" charset="0"/>
-                <a:cs typeface="Calibri Light" panose="020F0302020204030204" pitchFamily="34" charset="0"/>
-              </a:rPr>
-              <a:t>The results were the successful conversion of the .Str/.</a:t>
-            </a:r>
-            <a:r>
-              <a:rPr lang="en-GB" sz="800" dirty="0" err="1">
-                <a:latin typeface="Calibri Light" panose="020F0302020204030204" pitchFamily="34" charset="0"/>
-                <a:ea typeface="Anonymous Pro" panose="02060609030202000504" pitchFamily="49" charset="0"/>
-                <a:cs typeface="Calibri Light" panose="020F0302020204030204" pitchFamily="34" charset="0"/>
-              </a:rPr>
-              <a:t>Rws</a:t>
-            </a:r>
-            <a:r>
-              <a:rPr lang="en-GB" sz="800" dirty="0">
-                <a:latin typeface="Calibri Light" panose="020F0302020204030204" pitchFamily="34" charset="0"/>
-                <a:ea typeface="Anonymous Pro" panose="02060609030202000504" pitchFamily="49" charset="0"/>
-                <a:cs typeface="Calibri Light" panose="020F0302020204030204" pitchFamily="34" charset="0"/>
-              </a:rPr>
-              <a:t>/.</a:t>
-            </a:r>
-            <a:r>
-              <a:rPr lang="en-GB" sz="800" dirty="0" err="1">
-                <a:latin typeface="Calibri Light" panose="020F0302020204030204" pitchFamily="34" charset="0"/>
-                <a:ea typeface="Anonymous Pro" panose="02060609030202000504" pitchFamily="49" charset="0"/>
-                <a:cs typeface="Calibri Light" panose="020F0302020204030204" pitchFamily="34" charset="0"/>
-              </a:rPr>
-              <a:t>Dff</a:t>
-            </a:r>
-            <a:r>
-              <a:rPr lang="en-GB" sz="800" dirty="0">
-                <a:latin typeface="Calibri Light" panose="020F0302020204030204" pitchFamily="34" charset="0"/>
-                <a:ea typeface="Anonymous Pro" panose="02060609030202000504" pitchFamily="49" charset="0"/>
-                <a:cs typeface="Calibri Light" panose="020F0302020204030204" pitchFamily="34" charset="0"/>
-              </a:rPr>
-              <a:t> files and the creation of .</a:t>
-            </a:r>
-            <a:r>
-              <a:rPr lang="en-GB" sz="800" dirty="0" err="1">
-                <a:latin typeface="Calibri Light" panose="020F0302020204030204" pitchFamily="34" charset="0"/>
-                <a:ea typeface="Anonymous Pro" panose="02060609030202000504" pitchFamily="49" charset="0"/>
-                <a:cs typeface="Calibri Light" panose="020F0302020204030204" pitchFamily="34" charset="0"/>
-              </a:rPr>
-              <a:t>Obj</a:t>
-            </a:r>
-            <a:r>
-              <a:rPr lang="en-GB" sz="800" dirty="0">
-                <a:latin typeface="Calibri Light" panose="020F0302020204030204" pitchFamily="34" charset="0"/>
-                <a:ea typeface="Anonymous Pro" panose="02060609030202000504" pitchFamily="49" charset="0"/>
-                <a:cs typeface="Calibri Light" panose="020F0302020204030204" pitchFamily="34" charset="0"/>
-              </a:rPr>
-              <a:t> files from .</a:t>
-            </a:r>
-            <a:r>
-              <a:rPr lang="en-GB" sz="800" dirty="0" err="1">
-                <a:latin typeface="Calibri Light" panose="020F0302020204030204" pitchFamily="34" charset="0"/>
-                <a:ea typeface="Anonymous Pro" panose="02060609030202000504" pitchFamily="49" charset="0"/>
-                <a:cs typeface="Calibri Light" panose="020F0302020204030204" pitchFamily="34" charset="0"/>
-              </a:rPr>
-              <a:t>Rws</a:t>
-            </a:r>
-            <a:r>
-              <a:rPr lang="en-GB" sz="800" dirty="0">
-                <a:latin typeface="Calibri Light" panose="020F0302020204030204" pitchFamily="34" charset="0"/>
-                <a:ea typeface="Anonymous Pro" panose="02060609030202000504" pitchFamily="49" charset="0"/>
-                <a:cs typeface="Calibri Light" panose="020F0302020204030204" pitchFamily="34" charset="0"/>
-              </a:rPr>
-              <a:t> and .</a:t>
-            </a:r>
-            <a:r>
-              <a:rPr lang="en-GB" sz="800" dirty="0" err="1">
-                <a:latin typeface="Calibri Light" panose="020F0302020204030204" pitchFamily="34" charset="0"/>
-                <a:ea typeface="Anonymous Pro" panose="02060609030202000504" pitchFamily="49" charset="0"/>
-                <a:cs typeface="Calibri Light" panose="020F0302020204030204" pitchFamily="34" charset="0"/>
-              </a:rPr>
-              <a:t>Dff</a:t>
-            </a:r>
-            <a:r>
-              <a:rPr lang="en-GB" sz="800" dirty="0">
-                <a:latin typeface="Calibri Light" panose="020F0302020204030204" pitchFamily="34" charset="0"/>
-                <a:ea typeface="Anonymous Pro" panose="02060609030202000504" pitchFamily="49" charset="0"/>
-                <a:cs typeface="Calibri Light" panose="020F0302020204030204" pitchFamily="34" charset="0"/>
-              </a:rPr>
-              <a:t> files. These .</a:t>
-            </a:r>
-            <a:r>
-              <a:rPr lang="en-GB" sz="800" dirty="0" err="1">
-                <a:latin typeface="Calibri Light" panose="020F0302020204030204" pitchFamily="34" charset="0"/>
-                <a:ea typeface="Anonymous Pro" panose="02060609030202000504" pitchFamily="49" charset="0"/>
-                <a:cs typeface="Calibri Light" panose="020F0302020204030204" pitchFamily="34" charset="0"/>
-              </a:rPr>
-              <a:t>Objs</a:t>
-            </a:r>
-            <a:r>
-              <a:rPr lang="en-GB" sz="800" dirty="0">
-                <a:latin typeface="Calibri Light" panose="020F0302020204030204" pitchFamily="34" charset="0"/>
-                <a:ea typeface="Anonymous Pro" panose="02060609030202000504" pitchFamily="49" charset="0"/>
-                <a:cs typeface="Calibri Light" panose="020F0302020204030204" pitchFamily="34" charset="0"/>
-              </a:rPr>
-              <a:t> include models from the colossal doughnut, never quest and Kill lawyer's level.</a:t>
-            </a:r>
-          </a:p>
-          <a:p>
-            <a:endParaRPr lang="en-GB" sz="800" dirty="0">
+              <a:rPr lang="en-GB" sz="2263" dirty="0">
+                <a:latin typeface="Calibri Light" panose="020F0302020204030204" pitchFamily="34" charset="0"/>
+                <a:ea typeface="Anonymous Pro" panose="02060609030202000504" pitchFamily="49" charset="0"/>
+                <a:cs typeface="Calibri Light" panose="020F0302020204030204" pitchFamily="34" charset="0"/>
+              </a:rPr>
+              <a:t>That being the </a:t>
+            </a:r>
+          </a:p>
+          <a:p>
+            <a:endParaRPr lang="en-GB" sz="3394" b="1" dirty="0">
               <a:latin typeface="Calibri Light" panose="020F0302020204030204" pitchFamily="34" charset="0"/>
               <a:ea typeface="Anonymous Pro" panose="02060609030202000504" pitchFamily="49" charset="0"/>
               <a:cs typeface="Calibri Light" panose="020F0302020204030204" pitchFamily="34" charset="0"/>
             </a:endParaRPr>
           </a:p>
-          <a:p>
-            <a:r>
-              <a:rPr lang="en-GB" sz="800" dirty="0">
-                <a:latin typeface="Calibri Light" panose="020F0302020204030204" pitchFamily="34" charset="0"/>
-                <a:ea typeface="Anonymous Pro" panose="02060609030202000504" pitchFamily="49" charset="0"/>
-                <a:cs typeface="Calibri Light" panose="020F0302020204030204" pitchFamily="34" charset="0"/>
-              </a:rPr>
-              <a:t>These results were validated through using 3d rendering software </a:t>
-            </a:r>
-            <a:r>
-              <a:rPr lang="en-GB" sz="800" dirty="0" err="1">
-                <a:latin typeface="Calibri Light" panose="020F0302020204030204" pitchFamily="34" charset="0"/>
-                <a:ea typeface="Anonymous Pro" panose="02060609030202000504" pitchFamily="49" charset="0"/>
-                <a:cs typeface="Calibri Light" panose="020F0302020204030204" pitchFamily="34" charset="0"/>
-              </a:rPr>
-              <a:t>i.e</a:t>
-            </a:r>
-            <a:r>
-              <a:rPr lang="en-GB" sz="800" dirty="0">
-                <a:latin typeface="Calibri Light" panose="020F0302020204030204" pitchFamily="34" charset="0"/>
-                <a:ea typeface="Anonymous Pro" panose="02060609030202000504" pitchFamily="49" charset="0"/>
-                <a:cs typeface="Calibri Light" panose="020F0302020204030204" pitchFamily="34" charset="0"/>
-              </a:rPr>
-              <a:t> unreal engine and the inbuilt windows object viewer. There were no graphical artefacts such as error with lighting and geometry. Each file was compared to their in-game counterpart.</a:t>
-            </a:r>
-          </a:p>
-          <a:p>
-            <a:endParaRPr lang="en-GB" sz="1000" dirty="0">
-              <a:latin typeface="Calibri Light" panose="020F0302020204030204" pitchFamily="34" charset="0"/>
-              <a:ea typeface="Anonymous Pro" panose="02060609030202000504" pitchFamily="49" charset="0"/>
-              <a:cs typeface="Calibri Light" panose="020F0302020204030204" pitchFamily="34" charset="0"/>
-            </a:endParaRPr>
-          </a:p>
-          <a:p>
-            <a:endParaRPr lang="en-GB" sz="1000" b="1" dirty="0">
-              <a:latin typeface="Calibri Light" panose="020F0302020204030204" pitchFamily="34" charset="0"/>
-              <a:ea typeface="Anonymous Pro" panose="02060609030202000504" pitchFamily="49" charset="0"/>
-              <a:cs typeface="Calibri Light" panose="020F0302020204030204" pitchFamily="34" charset="0"/>
-            </a:endParaRPr>
-          </a:p>
-          <a:p>
-            <a:endParaRPr lang="en-GB" sz="1200" b="1" dirty="0">
-              <a:latin typeface="Calibri Light" panose="020F0302020204030204" pitchFamily="34" charset="0"/>
-              <a:ea typeface="Anonymous Pro" panose="02060609030202000504" pitchFamily="49" charset="0"/>
-              <a:cs typeface="Calibri Light" panose="020F0302020204030204" pitchFamily="34" charset="0"/>
-            </a:endParaRPr>
-          </a:p>
-          <a:p>
-            <a:endParaRPr lang="en-GB" sz="1200" b="1" dirty="0">
-              <a:latin typeface="Calibri Light" panose="020F0302020204030204" pitchFamily="34" charset="0"/>
-              <a:ea typeface="Anonymous Pro" panose="02060609030202000504" pitchFamily="49" charset="0"/>
-              <a:cs typeface="Calibri Light" panose="020F0302020204030204" pitchFamily="34" charset="0"/>
-            </a:endParaRPr>
-          </a:p>
-          <a:p>
-            <a:endParaRPr lang="en-GB" sz="1200" b="1" dirty="0">
-              <a:latin typeface="Calibri Light" panose="020F0302020204030204" pitchFamily="34" charset="0"/>
-              <a:ea typeface="Anonymous Pro" panose="02060609030202000504" pitchFamily="49" charset="0"/>
-              <a:cs typeface="Calibri Light" panose="020F0302020204030204" pitchFamily="34" charset="0"/>
-            </a:endParaRPr>
-          </a:p>
-          <a:p>
-            <a:endParaRPr lang="en-GB" sz="1200" b="1" dirty="0">
-              <a:latin typeface="Calibri Light" panose="020F0302020204030204" pitchFamily="34" charset="0"/>
-              <a:ea typeface="Anonymous Pro" panose="02060609030202000504" pitchFamily="49" charset="0"/>
-              <a:cs typeface="Calibri Light" panose="020F0302020204030204" pitchFamily="34" charset="0"/>
-            </a:endParaRPr>
-          </a:p>
-          <a:p>
-            <a:endParaRPr lang="en-GB" sz="1200" b="1" dirty="0">
-              <a:latin typeface="Calibri Light" panose="020F0302020204030204" pitchFamily="34" charset="0"/>
-              <a:ea typeface="Anonymous Pro" panose="02060609030202000504" pitchFamily="49" charset="0"/>
-              <a:cs typeface="Calibri Light" panose="020F0302020204030204" pitchFamily="34" charset="0"/>
-            </a:endParaRPr>
-          </a:p>
-          <a:p>
-            <a:endParaRPr lang="en-GB" sz="1200" b="1" dirty="0">
-              <a:latin typeface="Calibri Light" panose="020F0302020204030204" pitchFamily="34" charset="0"/>
-              <a:ea typeface="Anonymous Pro" panose="02060609030202000504" pitchFamily="49" charset="0"/>
-              <a:cs typeface="Calibri Light" panose="020F0302020204030204" pitchFamily="34" charset="0"/>
-            </a:endParaRPr>
-          </a:p>
-          <a:p>
-            <a:endParaRPr lang="en-GB" sz="1200" b="1" dirty="0">
-              <a:latin typeface="Calibri Light" panose="020F0302020204030204" pitchFamily="34" charset="0"/>
-              <a:ea typeface="Anonymous Pro" panose="02060609030202000504" pitchFamily="49" charset="0"/>
-              <a:cs typeface="Calibri Light" panose="020F0302020204030204" pitchFamily="34" charset="0"/>
-            </a:endParaRPr>
-          </a:p>
-          <a:p>
-            <a:endParaRPr lang="en-GB" sz="1200" b="1" dirty="0">
-              <a:latin typeface="Calibri Light" panose="020F0302020204030204" pitchFamily="34" charset="0"/>
-              <a:ea typeface="Anonymous Pro" panose="02060609030202000504" pitchFamily="49" charset="0"/>
-              <a:cs typeface="Calibri Light" panose="020F0302020204030204" pitchFamily="34" charset="0"/>
-            </a:endParaRPr>
-          </a:p>
-          <a:p>
-            <a:endParaRPr lang="en-GB" sz="1200" b="1" dirty="0">
-              <a:latin typeface="Calibri Light" panose="020F0302020204030204" pitchFamily="34" charset="0"/>
-              <a:ea typeface="Anonymous Pro" panose="02060609030202000504" pitchFamily="49" charset="0"/>
-              <a:cs typeface="Calibri Light" panose="020F0302020204030204" pitchFamily="34" charset="0"/>
-            </a:endParaRPr>
-          </a:p>
-          <a:p>
-            <a:endParaRPr lang="en-GB" sz="1200" b="1" dirty="0">
-              <a:latin typeface="Calibri Light" panose="020F0302020204030204" pitchFamily="34" charset="0"/>
-              <a:ea typeface="Anonymous Pro" panose="02060609030202000504" pitchFamily="49" charset="0"/>
-              <a:cs typeface="Calibri Light" panose="020F0302020204030204" pitchFamily="34" charset="0"/>
-            </a:endParaRPr>
-          </a:p>
-          <a:p>
-            <a:endParaRPr lang="en-GB" sz="1200" b="1" dirty="0">
-              <a:latin typeface="Calibri Light" panose="020F0302020204030204" pitchFamily="34" charset="0"/>
-              <a:ea typeface="Anonymous Pro" panose="02060609030202000504" pitchFamily="49" charset="0"/>
-              <a:cs typeface="Calibri Light" panose="020F0302020204030204" pitchFamily="34" charset="0"/>
-            </a:endParaRPr>
-          </a:p>
-          <a:p>
-            <a:endParaRPr lang="en-GB" sz="1200" b="1" dirty="0">
-              <a:latin typeface="Calibri Light" panose="020F0302020204030204" pitchFamily="34" charset="0"/>
-              <a:ea typeface="Anonymous Pro" panose="02060609030202000504" pitchFamily="49" charset="0"/>
-              <a:cs typeface="Calibri Light" panose="020F0302020204030204" pitchFamily="34" charset="0"/>
-            </a:endParaRPr>
-          </a:p>
-          <a:p>
-            <a:endParaRPr lang="en-GB" sz="1200" b="1" dirty="0">
-              <a:latin typeface="Calibri Light" panose="020F0302020204030204" pitchFamily="34" charset="0"/>
-              <a:ea typeface="Anonymous Pro" panose="02060609030202000504" pitchFamily="49" charset="0"/>
-              <a:cs typeface="Calibri Light" panose="020F0302020204030204" pitchFamily="34" charset="0"/>
-            </a:endParaRPr>
-          </a:p>
-          <a:p>
-            <a:endParaRPr lang="en-GB" sz="1200" b="1" dirty="0">
-              <a:latin typeface="Calibri Light" panose="020F0302020204030204" pitchFamily="34" charset="0"/>
-              <a:ea typeface="Anonymous Pro" panose="02060609030202000504" pitchFamily="49" charset="0"/>
-              <a:cs typeface="Calibri Light" panose="020F0302020204030204" pitchFamily="34" charset="0"/>
-            </a:endParaRPr>
-          </a:p>
-          <a:p>
-            <a:endParaRPr lang="en-GB" sz="1200" b="1" dirty="0">
-              <a:latin typeface="Calibri Light" panose="020F0302020204030204" pitchFamily="34" charset="0"/>
-              <a:ea typeface="Anonymous Pro" panose="02060609030202000504" pitchFamily="49" charset="0"/>
-              <a:cs typeface="Calibri Light" panose="020F0302020204030204" pitchFamily="34" charset="0"/>
-            </a:endParaRPr>
-          </a:p>
-          <a:p>
-            <a:endParaRPr lang="en-GB" sz="1200" b="1" dirty="0">
-              <a:latin typeface="Calibri Light" panose="020F0302020204030204" pitchFamily="34" charset="0"/>
-              <a:ea typeface="Anonymous Pro" panose="02060609030202000504" pitchFamily="49" charset="0"/>
-              <a:cs typeface="Calibri Light" panose="020F0302020204030204" pitchFamily="34" charset="0"/>
-            </a:endParaRPr>
-          </a:p>
-          <a:p>
-            <a:endParaRPr lang="en-GB" sz="1200" b="1" dirty="0">
-              <a:latin typeface="Calibri Light" panose="020F0302020204030204" pitchFamily="34" charset="0"/>
-              <a:ea typeface="Anonymous Pro" panose="02060609030202000504" pitchFamily="49" charset="0"/>
-              <a:cs typeface="Calibri Light" panose="020F0302020204030204" pitchFamily="34" charset="0"/>
-            </a:endParaRPr>
-          </a:p>
-          <a:p>
-            <a:endParaRPr lang="en-GB" sz="1200" b="1" dirty="0">
-              <a:latin typeface="Calibri Light" panose="020F0302020204030204" pitchFamily="34" charset="0"/>
-              <a:ea typeface="Anonymous Pro" panose="02060609030202000504" pitchFamily="49" charset="0"/>
-              <a:cs typeface="Calibri Light" panose="020F0302020204030204" pitchFamily="34" charset="0"/>
-            </a:endParaRPr>
-          </a:p>
-          <a:p>
-            <a:endParaRPr lang="en-GB" sz="1200" b="1" dirty="0">
-              <a:latin typeface="Calibri Light" panose="020F0302020204030204" pitchFamily="34" charset="0"/>
-              <a:ea typeface="Anonymous Pro" panose="02060609030202000504" pitchFamily="49" charset="0"/>
-              <a:cs typeface="Calibri Light" panose="020F0302020204030204" pitchFamily="34" charset="0"/>
-            </a:endParaRPr>
-          </a:p>
-        </p:txBody>
-      </p:sp>
-      <p:sp>
-        <p:nvSpPr>
-          <p:cNvPr id="18" name="TextBox 17"/>
+        </p:txBody>
+      </p:sp>
+      <p:sp>
+        <p:nvSpPr>
+          <p:cNvPr id="19" name="TextBox 18"/>
           <p:cNvSpPr txBox="1"/>
           <p:nvPr/>
         </p:nvSpPr>
         <p:spPr>
           <a:xfrm>
-            <a:off x="3839666" y="8586685"/>
-            <a:ext cx="3495475" cy="1138773"/>
+            <a:off x="889988" y="690429"/>
+            <a:ext cx="14713687" cy="1659300"/>
           </a:xfrm>
           <a:prstGeom prst="rect">
             <a:avLst/>
@@ -5643,67 +5261,27 @@
           <a:lstStyle/>
           <a:p>
             <a:r>
-              <a:rPr lang="en-GB" sz="1200" b="1" dirty="0">
-                <a:latin typeface="Calibri Light" panose="020F0302020204030204" pitchFamily="34" charset="0"/>
-                <a:ea typeface="Anonymous Pro" panose="02060609030202000504" pitchFamily="49" charset="0"/>
-                <a:cs typeface="Calibri Light" panose="020F0302020204030204" pitchFamily="34" charset="0"/>
-              </a:rPr>
-              <a:t>Conclusions:</a:t>
-            </a:r>
-          </a:p>
-          <a:p>
-            <a:endParaRPr lang="en-GB" sz="1200" b="1" dirty="0">
-              <a:latin typeface="Calibri Light" panose="020F0302020204030204" pitchFamily="34" charset="0"/>
-              <a:ea typeface="Anonymous Pro" panose="02060609030202000504" pitchFamily="49" charset="0"/>
-              <a:cs typeface="Calibri Light" panose="020F0302020204030204" pitchFamily="34" charset="0"/>
-            </a:endParaRPr>
-          </a:p>
-          <a:p>
-            <a:r>
-              <a:rPr lang="en-GB" sz="800" b="1" dirty="0">
-                <a:latin typeface="Calibri Light" panose="020F0302020204030204" pitchFamily="34" charset="0"/>
-                <a:ea typeface="Anonymous Pro" panose="02060609030202000504" pitchFamily="49" charset="0"/>
-                <a:cs typeface="Calibri Light" panose="020F0302020204030204" pitchFamily="34" charset="0"/>
-              </a:rPr>
-              <a:t>The key take aways from this project are the successful reverse engineered game asset files from the Simpsons game 2008.</a:t>
-            </a:r>
-          </a:p>
-          <a:p>
-            <a:endParaRPr lang="en-GB" sz="800" b="1" dirty="0">
-              <a:latin typeface="Calibri Light" panose="020F0302020204030204" pitchFamily="34" charset="0"/>
-              <a:ea typeface="Anonymous Pro" panose="02060609030202000504" pitchFamily="49" charset="0"/>
-              <a:cs typeface="Calibri Light" panose="020F0302020204030204" pitchFamily="34" charset="0"/>
-            </a:endParaRPr>
-          </a:p>
-          <a:p>
-            <a:r>
-              <a:rPr lang="en-GB" sz="800" b="1" dirty="0">
-                <a:latin typeface="Calibri Light" panose="020F0302020204030204" pitchFamily="34" charset="0"/>
-                <a:ea typeface="Anonymous Pro" panose="02060609030202000504" pitchFamily="49" charset="0"/>
-                <a:cs typeface="Calibri Light" panose="020F0302020204030204" pitchFamily="34" charset="0"/>
-              </a:rPr>
-              <a:t>That being the </a:t>
-            </a:r>
-          </a:p>
-          <a:p>
-            <a:endParaRPr lang="en-GB" sz="1200" b="1" dirty="0">
-              <a:latin typeface="Calibri Light" panose="020F0302020204030204" pitchFamily="34" charset="0"/>
-              <a:ea typeface="Anonymous Pro" panose="02060609030202000504" pitchFamily="49" charset="0"/>
-              <a:cs typeface="Calibri Light" panose="020F0302020204030204" pitchFamily="34" charset="0"/>
-            </a:endParaRPr>
-          </a:p>
-        </p:txBody>
-      </p:sp>
-      <p:sp>
-        <p:nvSpPr>
-          <p:cNvPr id="19" name="TextBox 18"/>
+              <a:rPr lang="en-GB" sz="3394" b="1" cap="all" dirty="0">
+                <a:latin typeface="Calibri Light" panose="020F0302020204030204" pitchFamily="34" charset="0"/>
+                <a:ea typeface="SimSun" panose="02010600030101010101" pitchFamily="2" charset="-122"/>
+                <a:cs typeface="Times New Roman" panose="02020603050405020304" pitchFamily="18" charset="0"/>
+              </a:rPr>
+              <a:t>File Reverse engineering for the purpose of Game Preservation and Restoration For creating An abstract tool for future Reverse engineering.</a:t>
+            </a:r>
+            <a:endParaRPr lang="en-GB" sz="3394" b="1" dirty="0"/>
+          </a:p>
+        </p:txBody>
+      </p:sp>
+      <p:sp>
+        <p:nvSpPr>
+          <p:cNvPr id="20" name="TextBox 19"/>
           <p:cNvSpPr txBox="1"/>
           <p:nvPr/>
         </p:nvSpPr>
         <p:spPr>
           <a:xfrm>
-            <a:off x="314634" y="238448"/>
-            <a:ext cx="5305878" cy="461665"/>
+            <a:off x="15615862" y="1955597"/>
+            <a:ext cx="5659790" cy="614655"/>
           </a:xfrm>
           <a:prstGeom prst="rect">
             <a:avLst/>
@@ -5717,42 +5295,7 @@
           <a:lstStyle/>
           <a:p>
             <a:r>
-              <a:rPr lang="en-GB" sz="1200" b="1" cap="all" dirty="0">
-                <a:effectLst/>
-                <a:latin typeface="Calibri Light" panose="020F0302020204030204" pitchFamily="34" charset="0"/>
-                <a:ea typeface="SimSun" panose="02010600030101010101" pitchFamily="2" charset="-122"/>
-                <a:cs typeface="Times New Roman" panose="02020603050405020304" pitchFamily="18" charset="0"/>
-              </a:rPr>
-              <a:t>File Reverse engineering for the purpose of Game Preservation and Restoration to creating abstract tool for future Reverse engineering.</a:t>
-            </a:r>
-            <a:endParaRPr lang="en-GB" sz="1200" b="1" dirty="0"/>
-          </a:p>
-        </p:txBody>
-      </p:sp>
-      <p:sp>
-        <p:nvSpPr>
-          <p:cNvPr id="20" name="TextBox 19"/>
-          <p:cNvSpPr txBox="1"/>
-          <p:nvPr/>
-        </p:nvSpPr>
-        <p:spPr>
-          <a:xfrm>
-            <a:off x="5155565" y="694690"/>
-            <a:ext cx="2000885" cy="275590"/>
-          </a:xfrm>
-          <a:prstGeom prst="rect">
-            <a:avLst/>
-          </a:prstGeom>
-          <a:noFill/>
-        </p:spPr>
-        <p:txBody>
-          <a:bodyPr wrap="square" rtlCol="0">
-            <a:spAutoFit/>
-          </a:bodyPr>
-          <a:lstStyle/>
-          <a:p>
-            <a:r>
-              <a:rPr lang="en-GB" sz="1200" dirty="0"/>
+              <a:rPr lang="en-GB" sz="3394" dirty="0"/>
               <a:t>By Khai Ailyan 22130235</a:t>
             </a:r>
           </a:p>
@@ -5766,18 +5309,25 @@
         </p:nvSpPr>
         <p:spPr>
           <a:xfrm>
-            <a:off x="314634" y="8514080"/>
-            <a:ext cx="3285489" cy="958893"/>
+            <a:off x="889990" y="17844169"/>
+            <a:ext cx="9293477" cy="2712366"/>
           </a:xfrm>
           <a:prstGeom prst="roundRect">
             <a:avLst/>
           </a:prstGeom>
           <a:solidFill>
-            <a:schemeClr val="accent1">
+            <a:schemeClr val="accent6">
               <a:lumMod val="40000"/>
               <a:lumOff val="60000"/>
             </a:schemeClr>
           </a:solidFill>
+          <a:effectLst>
+            <a:outerShdw blurRad="50800" dist="38100" dir="8100000" algn="tr" rotWithShape="0">
+              <a:prstClr val="black">
+                <a:alpha val="40000"/>
+              </a:prstClr>
+            </a:outerShdw>
+          </a:effectLst>
         </p:spPr>
         <p:style>
           <a:lnRef idx="2">
@@ -5800,7 +5350,7 @@
           <a:lstStyle/>
           <a:p>
             <a:pPr algn="ctr"/>
-            <a:endParaRPr lang="en-GB"/>
+            <a:endParaRPr lang="en-GB" sz="14412"/>
           </a:p>
         </p:txBody>
       </p:sp>
@@ -5820,8 +5370,8 @@
         </p:blipFill>
         <p:spPr>
           <a:xfrm>
-            <a:off x="439785" y="8761079"/>
-            <a:ext cx="977231" cy="523978"/>
+            <a:off x="1243997" y="18542840"/>
+            <a:ext cx="2764238" cy="1482147"/>
           </a:xfrm>
           <a:prstGeom prst="rect">
             <a:avLst/>
@@ -5848,8 +5398,8 @@
         </p:blipFill>
         <p:spPr>
           <a:xfrm>
-            <a:off x="2623802" y="8761079"/>
-            <a:ext cx="850918" cy="523978"/>
+            <a:off x="7421801" y="18542840"/>
+            <a:ext cx="2406944" cy="1482147"/>
           </a:xfrm>
           <a:prstGeom prst="rect">
             <a:avLst/>
@@ -5876,8 +5426,8 @@
         </p:blipFill>
         <p:spPr>
           <a:xfrm>
-            <a:off x="1497176" y="8761079"/>
-            <a:ext cx="977230" cy="523978"/>
+            <a:off x="4234978" y="18542840"/>
+            <a:ext cx="2764235" cy="1482147"/>
           </a:xfrm>
           <a:prstGeom prst="rect">
             <a:avLst/>
@@ -5896,14 +5446,29 @@
         </p:nvSpPr>
         <p:spPr>
           <a:xfrm>
-            <a:off x="3888457" y="5340859"/>
-            <a:ext cx="3457464" cy="3034647"/>
+            <a:off x="10891541" y="15123331"/>
+            <a:ext cx="9887452" cy="8583934"/>
           </a:xfrm>
           <a:prstGeom prst="roundRect">
             <a:avLst>
-              <a:gd name="adj" fmla="val 8409"/>
+              <a:gd name="adj" fmla="val 4300"/>
             </a:avLst>
           </a:prstGeom>
+          <a:solidFill>
+            <a:srgbClr val="7030A0"/>
+          </a:solidFill>
+          <a:ln>
+            <a:solidFill>
+              <a:schemeClr val="tx1"/>
+            </a:solidFill>
+          </a:ln>
+          <a:effectLst>
+            <a:outerShdw blurRad="50800" dist="38100" dir="8100000" algn="tr" rotWithShape="0">
+              <a:prstClr val="black">
+                <a:alpha val="40000"/>
+              </a:prstClr>
+            </a:outerShdw>
+          </a:effectLst>
         </p:spPr>
         <p:style>
           <a:lnRef idx="2">
@@ -5926,7 +5491,7 @@
           <a:lstStyle/>
           <a:p>
             <a:pPr algn="ctr"/>
-            <a:endParaRPr lang="en-GB"/>
+            <a:endParaRPr lang="en-GB" sz="14412"/>
           </a:p>
         </p:txBody>
       </p:sp>
@@ -5944,8 +5509,8 @@
         </p:nvSpPr>
         <p:spPr>
           <a:xfrm>
-            <a:off x="3990109" y="5450247"/>
-            <a:ext cx="3254933" cy="2708434"/>
+            <a:off x="11286590" y="15346262"/>
+            <a:ext cx="9207045" cy="8537081"/>
           </a:xfrm>
           <a:prstGeom prst="rect">
             <a:avLst/>
@@ -5959,16 +5524,14 @@
           <a:lstStyle/>
           <a:p>
             <a:r>
-              <a:rPr lang="en-GB" sz="1200" b="1" dirty="0">
+              <a:rPr lang="en-GB" sz="3394" b="1" dirty="0">
                 <a:latin typeface="Calibri Light" panose="020F0302020204030204" pitchFamily="34" charset="0"/>
                 <a:ea typeface="Anonymous Pro" panose="02060609030202000504" pitchFamily="49" charset="0"/>
                 <a:cs typeface="Calibri Light" panose="020F0302020204030204" pitchFamily="34" charset="0"/>
               </a:rPr>
               <a:t>Literature and Research: </a:t>
             </a:r>
-          </a:p>
-          <a:p>
-            <a:endParaRPr lang="en-GB" sz="800" b="1" dirty="0">
+            <a:endParaRPr lang="en-GB" sz="2263" b="1" dirty="0">
               <a:latin typeface="Calibri Light" panose="020F0302020204030204" pitchFamily="34" charset="0"/>
               <a:ea typeface="Anonymous Pro" panose="02060609030202000504" pitchFamily="49" charset="0"/>
               <a:cs typeface="Calibri Light" panose="020F0302020204030204" pitchFamily="34" charset="0"/>
@@ -5976,7 +5539,7 @@
           </a:p>
           <a:p>
             <a:r>
-              <a:rPr lang="en-GB" sz="800" b="1" dirty="0">
+              <a:rPr lang="en-GB" sz="2263" b="1" dirty="0">
                 <a:latin typeface="Calibri Light" panose="020F0302020204030204" pitchFamily="34" charset="0"/>
                 <a:ea typeface="Anonymous Pro" panose="02060609030202000504" pitchFamily="49" charset="0"/>
                 <a:cs typeface="Calibri Light" panose="020F0302020204030204" pitchFamily="34" charset="0"/>
@@ -5984,16 +5547,32 @@
               <a:t>Reverse engineering: </a:t>
             </a:r>
             <a:r>
-              <a:rPr lang="en-GB" sz="800" dirty="0">
-                <a:latin typeface="Calibri Light" panose="020F0302020204030204" pitchFamily="34" charset="0"/>
-                <a:ea typeface="Anonymous Pro" panose="02060609030202000504" pitchFamily="49" charset="0"/>
-                <a:cs typeface="Calibri Light" panose="020F0302020204030204" pitchFamily="34" charset="0"/>
-              </a:rPr>
-              <a:t>Reverse engineering as a practice can be used to preserve games through means of understanding the games contents and converting them to contemporary format.</a:t>
-            </a:r>
-          </a:p>
-          <a:p>
-            <a:endParaRPr lang="en-GB" sz="800" dirty="0">
+              <a:rPr lang="en-GB" sz="2263" dirty="0">
+                <a:latin typeface="Calibri Light" panose="020F0302020204030204" pitchFamily="34" charset="0"/>
+                <a:ea typeface="Anonymous Pro" panose="02060609030202000504" pitchFamily="49" charset="0"/>
+                <a:cs typeface="Calibri Light" panose="020F0302020204030204" pitchFamily="34" charset="0"/>
+              </a:rPr>
+              <a:t>Reverse engineering as a practice can be used to preserve games through means of understanding the games contents (</a:t>
+            </a:r>
+            <a:r>
+              <a:rPr lang="en-GB" sz="2263" b="1" dirty="0">
+                <a:latin typeface="Calibri Light" panose="020F0302020204030204" pitchFamily="34" charset="0"/>
+                <a:ea typeface="Anonymous Pro" panose="02060609030202000504" pitchFamily="49" charset="0"/>
+                <a:cs typeface="Calibri Light" panose="020F0302020204030204" pitchFamily="34" charset="0"/>
+              </a:rPr>
+              <a:t>Singh </a:t>
+            </a:r>
+            <a:r>
+              <a:rPr lang="en-GB" sz="2263" dirty="0">
+                <a:latin typeface="Calibri Light" panose="020F0302020204030204" pitchFamily="34" charset="0"/>
+                <a:ea typeface="Anonymous Pro" panose="02060609030202000504" pitchFamily="49" charset="0"/>
+                <a:cs typeface="Calibri Light" panose="020F0302020204030204" pitchFamily="34" charset="0"/>
+              </a:rPr>
+              <a:t>2013) and converting them to contemporary format.</a:t>
+            </a:r>
+          </a:p>
+          <a:p>
+            <a:endParaRPr lang="en-GB" sz="2263" dirty="0">
               <a:latin typeface="Calibri Light" panose="020F0302020204030204" pitchFamily="34" charset="0"/>
               <a:ea typeface="Anonymous Pro" panose="02060609030202000504" pitchFamily="49" charset="0"/>
               <a:cs typeface="Calibri Light" panose="020F0302020204030204" pitchFamily="34" charset="0"/>
@@ -6001,7 +5580,7 @@
           </a:p>
           <a:p>
             <a:r>
-              <a:rPr lang="en-GB" sz="800" b="1" dirty="0">
+              <a:rPr lang="en-GB" sz="2263" b="1" dirty="0">
                 <a:latin typeface="Calibri Light" panose="020F0302020204030204" pitchFamily="34" charset="0"/>
                 <a:ea typeface="Anonymous Pro" panose="02060609030202000504" pitchFamily="49" charset="0"/>
                 <a:cs typeface="Calibri Light" panose="020F0302020204030204" pitchFamily="34" charset="0"/>
@@ -6009,16 +5588,16 @@
               <a:t>File Syntax: </a:t>
             </a:r>
             <a:r>
-              <a:rPr lang="en-GB" sz="800" dirty="0">
-                <a:latin typeface="Calibri Light" panose="020F0302020204030204" pitchFamily="34" charset="0"/>
-                <a:ea typeface="Anonymous Pro" panose="02060609030202000504" pitchFamily="49" charset="0"/>
-                <a:cs typeface="Calibri Light" panose="020F0302020204030204" pitchFamily="34" charset="0"/>
-              </a:rPr>
-              <a:t> File syntax is needed in preserving games, as to convert the files they first need to be understood. </a:t>
-            </a:r>
-          </a:p>
-          <a:p>
-            <a:endParaRPr lang="en-GB" sz="800" b="1" dirty="0">
+              <a:rPr lang="en-GB" sz="2263" dirty="0">
+                <a:latin typeface="Calibri Light" panose="020F0302020204030204" pitchFamily="34" charset="0"/>
+                <a:ea typeface="Anonymous Pro" panose="02060609030202000504" pitchFamily="49" charset="0"/>
+                <a:cs typeface="Calibri Light" panose="020F0302020204030204" pitchFamily="34" charset="0"/>
+              </a:rPr>
+              <a:t> File syntax is needed in preserving games, as to convert the files they first need to be understood. A profile is to be made to create code to read/write to files and preserve their contents.</a:t>
+            </a:r>
+          </a:p>
+          <a:p>
+            <a:endParaRPr lang="en-GB" sz="2263" b="1" dirty="0">
               <a:latin typeface="Calibri Light" panose="020F0302020204030204" pitchFamily="34" charset="0"/>
               <a:ea typeface="Anonymous Pro" panose="02060609030202000504" pitchFamily="49" charset="0"/>
               <a:cs typeface="Calibri Light" panose="020F0302020204030204" pitchFamily="34" charset="0"/>
@@ -6026,7 +5605,7 @@
           </a:p>
           <a:p>
             <a:r>
-              <a:rPr lang="en-GB" sz="800" b="1" dirty="0">
+              <a:rPr lang="en-GB" sz="2263" b="1" dirty="0">
                 <a:latin typeface="Calibri Light" panose="020F0302020204030204" pitchFamily="34" charset="0"/>
                 <a:ea typeface="Anonymous Pro" panose="02060609030202000504" pitchFamily="49" charset="0"/>
                 <a:cs typeface="Calibri Light" panose="020F0302020204030204" pitchFamily="34" charset="0"/>
@@ -6034,21 +5613,41 @@
               <a:t>ADT:  </a:t>
             </a:r>
             <a:r>
-              <a:rPr lang="en-GB" sz="800" dirty="0">
+              <a:rPr lang="en-GB" sz="2263" dirty="0">
                 <a:latin typeface="Calibri Light" panose="020F0302020204030204" pitchFamily="34" charset="0"/>
                 <a:ea typeface="Anonymous Pro" panose="02060609030202000504" pitchFamily="49" charset="0"/>
                 <a:cs typeface="Calibri Light" panose="020F0302020204030204" pitchFamily="34" charset="0"/>
               </a:rPr>
               <a:t>ADTs are ways of containing data in specific configurations with specific functionality, game asset files need their contents parsed to ADTs or ADT-LIKE structures to then be outputted to file.</a:t>
             </a:r>
-            <a:endParaRPr lang="en-GB" sz="800" b="1" dirty="0">
+          </a:p>
+          <a:p>
+            <a:endParaRPr lang="en-GB" sz="2829" dirty="0">
               <a:latin typeface="Calibri Light" panose="020F0302020204030204" pitchFamily="34" charset="0"/>
               <a:ea typeface="Anonymous Pro" panose="02060609030202000504" pitchFamily="49" charset="0"/>
               <a:cs typeface="Calibri Light" panose="020F0302020204030204" pitchFamily="34" charset="0"/>
             </a:endParaRPr>
           </a:p>
           <a:p>
-            <a:endParaRPr lang="en-GB" sz="1000" dirty="0">
+            <a:r>
+              <a:rPr lang="en-GB" sz="2263" b="1" dirty="0">
+                <a:latin typeface="Calibri Light" panose="020F0302020204030204" pitchFamily="34" charset="0"/>
+                <a:ea typeface="Anonymous Pro" panose="02060609030202000504" pitchFamily="49" charset="0"/>
+                <a:cs typeface="Calibri Light" panose="020F0302020204030204" pitchFamily="34" charset="0"/>
+              </a:rPr>
+              <a:t>Compression: </a:t>
+            </a:r>
+            <a:r>
+              <a:rPr lang="en-GB" sz="2263" dirty="0">
+                <a:latin typeface="Calibri Light" panose="020F0302020204030204" pitchFamily="34" charset="0"/>
+                <a:ea typeface="Anonymous Pro" panose="02060609030202000504" pitchFamily="49" charset="0"/>
+                <a:cs typeface="Calibri Light" panose="020F0302020204030204" pitchFamily="34" charset="0"/>
+              </a:rPr>
+              <a:t>game asset files are usually compressed to take up less space on proprietary hardware, therefore, to preserve the contents of the game, each file must be uncompressed to express their true values as data to then be reverse engineered successfully so that preserving the game can be done.</a:t>
+            </a:r>
+          </a:p>
+          <a:p>
+            <a:endParaRPr lang="en-GB" sz="2263" dirty="0">
               <a:latin typeface="Calibri Light" panose="020F0302020204030204" pitchFamily="34" charset="0"/>
               <a:ea typeface="Anonymous Pro" panose="02060609030202000504" pitchFamily="49" charset="0"/>
               <a:cs typeface="Calibri Light" panose="020F0302020204030204" pitchFamily="34" charset="0"/>
@@ -6056,49 +5655,29 @@
           </a:p>
           <a:p>
             <a:r>
-              <a:rPr lang="en-GB" sz="800" dirty="0">
-                <a:latin typeface="Calibri Light" panose="020F0302020204030204" pitchFamily="34" charset="0"/>
-                <a:ea typeface="Anonymous Pro" panose="02060609030202000504" pitchFamily="49" charset="0"/>
-                <a:cs typeface="Calibri Light" panose="020F0302020204030204" pitchFamily="34" charset="0"/>
-              </a:rPr>
-              <a:t> </a:t>
-            </a:r>
-            <a:r>
-              <a:rPr lang="en-GB" sz="800" b="1" dirty="0">
-                <a:latin typeface="Calibri Light" panose="020F0302020204030204" pitchFamily="34" charset="0"/>
-                <a:ea typeface="Anonymous Pro" panose="02060609030202000504" pitchFamily="49" charset="0"/>
-                <a:cs typeface="Calibri Light" panose="020F0302020204030204" pitchFamily="34" charset="0"/>
-              </a:rPr>
-              <a:t>Compression: </a:t>
-            </a:r>
-            <a:r>
-              <a:rPr lang="en-GB" sz="800" dirty="0">
-                <a:latin typeface="Calibri Light" panose="020F0302020204030204" pitchFamily="34" charset="0"/>
-                <a:ea typeface="Anonymous Pro" panose="02060609030202000504" pitchFamily="49" charset="0"/>
-                <a:cs typeface="Calibri Light" panose="020F0302020204030204" pitchFamily="34" charset="0"/>
-              </a:rPr>
-              <a:t>game asset files are usually compressed to take up less space on proprietary hardware, therefore, to preserve the contents of the game, each file has to be uncompressed to express their true values as data.</a:t>
-            </a:r>
-          </a:p>
-          <a:p>
-            <a:endParaRPr lang="en-GB" sz="800" dirty="0">
+              <a:rPr lang="en-GB" sz="2263" b="1" dirty="0">
+                <a:latin typeface="Calibri Light" panose="020F0302020204030204" pitchFamily="34" charset="0"/>
+                <a:ea typeface="Anonymous Pro" panose="02060609030202000504" pitchFamily="49" charset="0"/>
+                <a:cs typeface="Calibri Light" panose="020F0302020204030204" pitchFamily="34" charset="0"/>
+              </a:rPr>
+              <a:t>Games Preservation:  </a:t>
+            </a:r>
+            <a:r>
+              <a:rPr lang="en-GB" sz="2263" dirty="0">
+                <a:latin typeface="Calibri Light" panose="020F0302020204030204" pitchFamily="34" charset="0"/>
+                <a:ea typeface="Anonymous Pro" panose="02060609030202000504" pitchFamily="49" charset="0"/>
+                <a:cs typeface="Calibri Light" panose="020F0302020204030204" pitchFamily="34" charset="0"/>
+              </a:rPr>
+              <a:t>games preservation can be done through preserving the games assets files, this is an effective method of preserving the game, as the games contents are secured for further use, either to play or be reconstructed by programmers and reverse engineers.</a:t>
+            </a:r>
+            <a:endParaRPr lang="en-GB" sz="2263" b="1" dirty="0">
               <a:latin typeface="Calibri Light" panose="020F0302020204030204" pitchFamily="34" charset="0"/>
               <a:ea typeface="Anonymous Pro" panose="02060609030202000504" pitchFamily="49" charset="0"/>
               <a:cs typeface="Calibri Light" panose="020F0302020204030204" pitchFamily="34" charset="0"/>
             </a:endParaRPr>
           </a:p>
           <a:p>
-            <a:r>
-              <a:rPr lang="en-GB" sz="800" b="1" dirty="0">
-                <a:latin typeface="Calibri Light" panose="020F0302020204030204" pitchFamily="34" charset="0"/>
-                <a:ea typeface="Anonymous Pro" panose="02060609030202000504" pitchFamily="49" charset="0"/>
-                <a:cs typeface="Calibri Light" panose="020F0302020204030204" pitchFamily="34" charset="0"/>
-              </a:rPr>
-              <a:t>Games Preservation: </a:t>
-            </a:r>
-          </a:p>
-          <a:p>
-            <a:endParaRPr lang="en-GB" sz="1200" b="1" dirty="0">
+            <a:endParaRPr lang="en-GB" sz="3394" b="1" dirty="0">
               <a:latin typeface="Calibri Light" panose="020F0302020204030204" pitchFamily="34" charset="0"/>
               <a:ea typeface="Anonymous Pro" panose="02060609030202000504" pitchFamily="49" charset="0"/>
               <a:cs typeface="Calibri Light" panose="020F0302020204030204" pitchFamily="34" charset="0"/>
@@ -6120,14 +5699,31 @@
         </p:nvSpPr>
         <p:spPr>
           <a:xfrm>
-            <a:off x="208269" y="1073031"/>
-            <a:ext cx="3495475" cy="1392491"/>
+            <a:off x="589121" y="3051167"/>
+            <a:ext cx="9887452" cy="3938861"/>
           </a:xfrm>
           <a:prstGeom prst="roundRect">
             <a:avLst>
               <a:gd name="adj" fmla="val 8703"/>
             </a:avLst>
           </a:prstGeom>
+          <a:solidFill>
+            <a:schemeClr val="accent2">
+              <a:lumMod val="75000"/>
+            </a:schemeClr>
+          </a:solidFill>
+          <a:ln>
+            <a:solidFill>
+              <a:schemeClr val="tx1"/>
+            </a:solidFill>
+          </a:ln>
+          <a:effectLst>
+            <a:outerShdw blurRad="50800" dist="38100" dir="8100000" algn="tr" rotWithShape="0">
+              <a:prstClr val="black">
+                <a:alpha val="40000"/>
+              </a:prstClr>
+            </a:outerShdw>
+          </a:effectLst>
         </p:spPr>
         <p:style>
           <a:lnRef idx="2">
@@ -6150,7 +5746,7 @@
           <a:lstStyle/>
           <a:p>
             <a:pPr algn="ctr"/>
-            <a:endParaRPr lang="en-GB"/>
+            <a:endParaRPr lang="en-GB" sz="14412"/>
           </a:p>
         </p:txBody>
       </p:sp>
@@ -6168,8 +5764,8 @@
         </p:nvSpPr>
         <p:spPr>
           <a:xfrm>
-            <a:off x="205526" y="1231167"/>
-            <a:ext cx="3285489" cy="1138773"/>
+            <a:off x="581362" y="3358104"/>
+            <a:ext cx="9293477" cy="2704074"/>
           </a:xfrm>
           <a:prstGeom prst="rect">
             <a:avLst/>
@@ -6183,16 +5779,14 @@
           <a:lstStyle/>
           <a:p>
             <a:r>
-              <a:rPr lang="en-GB" sz="1200" b="1" dirty="0">
+              <a:rPr lang="en-GB" sz="3394" b="1" dirty="0">
                 <a:latin typeface="Calibri Light" panose="020F0302020204030204" pitchFamily="34" charset="0"/>
                 <a:ea typeface="Anonymous Pro" panose="02060609030202000504" pitchFamily="49" charset="0"/>
                 <a:cs typeface="Calibri Light" panose="020F0302020204030204" pitchFamily="34" charset="0"/>
               </a:rPr>
               <a:t>Project Aim:</a:t>
             </a:r>
-          </a:p>
-          <a:p>
-            <a:endParaRPr lang="en-GB" sz="800" dirty="0">
+            <a:endParaRPr lang="en-GB" sz="2263" dirty="0">
               <a:latin typeface="Calibri Light" panose="020F0302020204030204" pitchFamily="34" charset="0"/>
               <a:ea typeface="Anonymous Pro" panose="02060609030202000504" pitchFamily="49" charset="0"/>
               <a:cs typeface="Calibri Light" panose="020F0302020204030204" pitchFamily="34" charset="0"/>
@@ -6200,53 +5794,29 @@
           </a:p>
           <a:p>
             <a:r>
-              <a:rPr lang="en-GB" sz="800" dirty="0">
-                <a:latin typeface="Calibri Light" panose="020F0302020204030204" pitchFamily="34" charset="0"/>
-                <a:ea typeface="Anonymous Pro" panose="02060609030202000504" pitchFamily="49" charset="0"/>
-                <a:cs typeface="Calibri Light" panose="020F0302020204030204" pitchFamily="34" charset="0"/>
-              </a:rPr>
-              <a:t>This was the aim of the report, to reverse engineer files and convert them into contemporary file formats. As well as create a Diagram to aid future reverse engineers </a:t>
-            </a:r>
-            <a:r>
-              <a:rPr lang="en-GB" sz="800" dirty="0" err="1">
-                <a:latin typeface="Calibri Light" panose="020F0302020204030204" pitchFamily="34" charset="0"/>
-                <a:ea typeface="Anonymous Pro" panose="02060609030202000504" pitchFamily="49" charset="0"/>
-                <a:cs typeface="Calibri Light" panose="020F0302020204030204" pitchFamily="34" charset="0"/>
-              </a:rPr>
-              <a:t>i.e</a:t>
-            </a:r>
-            <a:r>
-              <a:rPr lang="en-GB" sz="800" dirty="0">
-                <a:latin typeface="Calibri Light" panose="020F0302020204030204" pitchFamily="34" charset="0"/>
-                <a:ea typeface="Anonymous Pro" panose="02060609030202000504" pitchFamily="49" charset="0"/>
-                <a:cs typeface="Calibri Light" panose="020F0302020204030204" pitchFamily="34" charset="0"/>
-              </a:rPr>
-              <a:t> the </a:t>
-            </a:r>
-            <a:r>
-              <a:rPr lang="en-GB" sz="800" b="1" dirty="0">
-                <a:latin typeface="Calibri Light" panose="020F0302020204030204" pitchFamily="34" charset="0"/>
-                <a:ea typeface="Anonymous Pro" panose="02060609030202000504" pitchFamily="49" charset="0"/>
-                <a:cs typeface="Calibri Light" panose="020F0302020204030204" pitchFamily="34" charset="0"/>
-              </a:rPr>
-              <a:t>GAD, </a:t>
-            </a:r>
-            <a:r>
-              <a:rPr lang="en-GB" sz="800" dirty="0">
-                <a:latin typeface="Calibri Light" panose="020F0302020204030204" pitchFamily="34" charset="0"/>
-                <a:ea typeface="Anonymous Pro" panose="02060609030202000504" pitchFamily="49" charset="0"/>
-                <a:cs typeface="Calibri Light" panose="020F0302020204030204" pitchFamily="34" charset="0"/>
-              </a:rPr>
-              <a:t>preserve games.</a:t>
+              <a:rPr lang="en-GB" sz="2263" dirty="0">
+                <a:latin typeface="Calibri Light" panose="020F0302020204030204" pitchFamily="34" charset="0"/>
+                <a:ea typeface="Anonymous Pro" panose="02060609030202000504" pitchFamily="49" charset="0"/>
+                <a:cs typeface="Calibri Light" panose="020F0302020204030204" pitchFamily="34" charset="0"/>
+              </a:rPr>
+              <a:t>The aim of the report was to reverse engineer game asset files and convert them into contemporary file formats. As well as create a Diagram to aid future reverse engineers preserve games. This will be called the </a:t>
+            </a:r>
+            <a:r>
+              <a:rPr lang="en-GB" sz="2263" b="1" dirty="0">
+                <a:latin typeface="Calibri Light" panose="020F0302020204030204" pitchFamily="34" charset="0"/>
+                <a:ea typeface="Anonymous Pro" panose="02060609030202000504" pitchFamily="49" charset="0"/>
+                <a:cs typeface="Calibri Light" panose="020F0302020204030204" pitchFamily="34" charset="0"/>
+              </a:rPr>
+              <a:t>GAD.</a:t>
             </a:r>
             <a:br>
-              <a:rPr lang="en-GB" sz="800" dirty="0">
+              <a:rPr lang="en-GB" sz="2263" dirty="0">
                 <a:latin typeface="Calibri Light" panose="020F0302020204030204" pitchFamily="34" charset="0"/>
                 <a:ea typeface="Anonymous Pro" panose="02060609030202000504" pitchFamily="49" charset="0"/>
                 <a:cs typeface="Calibri Light" panose="020F0302020204030204" pitchFamily="34" charset="0"/>
               </a:rPr>
             </a:br>
-            <a:endParaRPr lang="en-GB" sz="800" dirty="0">
+            <a:endParaRPr lang="en-GB" sz="2263" dirty="0">
               <a:latin typeface="Calibri Light" panose="020F0302020204030204" pitchFamily="34" charset="0"/>
               <a:ea typeface="Anonymous Pro" panose="02060609030202000504" pitchFamily="49" charset="0"/>
               <a:cs typeface="Calibri Light" panose="020F0302020204030204" pitchFamily="34" charset="0"/>
@@ -6254,31 +5824,31 @@
           </a:p>
           <a:p>
             <a:r>
-              <a:rPr lang="en-GB" sz="800" dirty="0">
-                <a:latin typeface="Calibri Light" panose="020F0302020204030204" pitchFamily="34" charset="0"/>
-                <a:ea typeface="Anonymous Pro" panose="02060609030202000504" pitchFamily="49" charset="0"/>
-                <a:cs typeface="Calibri Light" panose="020F0302020204030204" pitchFamily="34" charset="0"/>
-              </a:rPr>
-              <a:t>This was done to the Simpsons game 2008, the chosen files were .Str files and the model geometry files were .</a:t>
-            </a:r>
-            <a:r>
-              <a:rPr lang="en-GB" sz="800" dirty="0" err="1">
-                <a:latin typeface="Calibri Light" panose="020F0302020204030204" pitchFamily="34" charset="0"/>
-                <a:ea typeface="Anonymous Pro" panose="02060609030202000504" pitchFamily="49" charset="0"/>
-                <a:cs typeface="Calibri Light" panose="020F0302020204030204" pitchFamily="34" charset="0"/>
-              </a:rPr>
-              <a:t>Rws</a:t>
-            </a:r>
-            <a:r>
-              <a:rPr lang="en-GB" sz="800" dirty="0">
-                <a:latin typeface="Calibri Light" panose="020F0302020204030204" pitchFamily="34" charset="0"/>
-                <a:ea typeface="Anonymous Pro" panose="02060609030202000504" pitchFamily="49" charset="0"/>
-                <a:cs typeface="Calibri Light" panose="020F0302020204030204" pitchFamily="34" charset="0"/>
-              </a:rPr>
-              <a:t> and .</a:t>
-            </a:r>
-            <a:r>
-              <a:rPr lang="en-GB" sz="800" dirty="0" err="1">
+              <a:rPr lang="en-GB" sz="2263" dirty="0">
+                <a:latin typeface="Calibri Light" panose="020F0302020204030204" pitchFamily="34" charset="0"/>
+                <a:ea typeface="Anonymous Pro" panose="02060609030202000504" pitchFamily="49" charset="0"/>
+                <a:cs typeface="Calibri Light" panose="020F0302020204030204" pitchFamily="34" charset="0"/>
+              </a:rPr>
+              <a:t>This was done to the Simpsons game 2008, the chosen files were .Str files  (Ps3 Stream files) </a:t>
+            </a:r>
+            <a:r>
+              <a:rPr lang="en-GB" sz="2263" dirty="0" err="1">
+                <a:latin typeface="Calibri Light" panose="020F0302020204030204" pitchFamily="34" charset="0"/>
+                <a:ea typeface="Anonymous Pro" panose="02060609030202000504" pitchFamily="49" charset="0"/>
+                <a:cs typeface="Calibri Light" panose="020F0302020204030204" pitchFamily="34" charset="0"/>
+              </a:rPr>
+              <a:t>and.Rws</a:t>
+            </a:r>
+            <a:r>
+              <a:rPr lang="en-GB" sz="2263" dirty="0">
+                <a:latin typeface="Calibri Light" panose="020F0302020204030204" pitchFamily="34" charset="0"/>
+                <a:ea typeface="Anonymous Pro" panose="02060609030202000504" pitchFamily="49" charset="0"/>
+                <a:cs typeface="Calibri Light" panose="020F0302020204030204" pitchFamily="34" charset="0"/>
+              </a:rPr>
+              <a:t> /.</a:t>
+            </a:r>
+            <a:r>
+              <a:rPr lang="en-GB" sz="2263" dirty="0" err="1">
                 <a:latin typeface="Calibri Light" panose="020F0302020204030204" pitchFamily="34" charset="0"/>
                 <a:ea typeface="Anonymous Pro" panose="02060609030202000504" pitchFamily="49" charset="0"/>
                 <a:cs typeface="Calibri Light" panose="020F0302020204030204" pitchFamily="34" charset="0"/>
@@ -6286,12 +5856,437 @@
               <a:t>Dff</a:t>
             </a:r>
             <a:r>
-              <a:rPr lang="en-GB" sz="800" dirty="0">
+              <a:rPr lang="en-GB" sz="2263" dirty="0">
                 <a:latin typeface="Calibri Light" panose="020F0302020204030204" pitchFamily="34" charset="0"/>
                 <a:ea typeface="Anonymous Pro" panose="02060609030202000504" pitchFamily="49" charset="0"/>
                 <a:cs typeface="Calibri Light" panose="020F0302020204030204" pitchFamily="34" charset="0"/>
               </a:rPr>
               <a:t> files.</a:t>
+            </a:r>
+          </a:p>
+        </p:txBody>
+      </p:sp>
+      <p:sp>
+        <p:nvSpPr>
+          <p:cNvPr id="24" name="Rectangle: Rounded Corners 23">
+            <a:extLst>
+              <a:ext uri="{FF2B5EF4-FFF2-40B4-BE49-F238E27FC236}">
+                <a16:creationId xmlns:a16="http://schemas.microsoft.com/office/drawing/2014/main" id="{22B39B11-E085-2B9F-5382-ED76C341DEEF}"/>
+              </a:ext>
+            </a:extLst>
+          </p:cNvPr>
+          <p:cNvSpPr/>
+          <p:nvPr/>
+        </p:nvSpPr>
+        <p:spPr>
+          <a:xfrm>
+            <a:off x="15959872" y="9784783"/>
+            <a:ext cx="4819119" cy="5141856"/>
+          </a:xfrm>
+          <a:prstGeom prst="roundRect">
+            <a:avLst>
+              <a:gd name="adj" fmla="val 8563"/>
+            </a:avLst>
+          </a:prstGeom>
+          <a:solidFill>
+            <a:schemeClr val="accent5">
+              <a:lumMod val="60000"/>
+              <a:lumOff val="40000"/>
+            </a:schemeClr>
+          </a:solidFill>
+          <a:ln>
+            <a:solidFill>
+              <a:schemeClr val="tx1"/>
+            </a:solidFill>
+          </a:ln>
+          <a:effectLst>
+            <a:outerShdw blurRad="50800" dist="38100" dir="8100000" algn="tr" rotWithShape="0">
+              <a:prstClr val="black">
+                <a:alpha val="40000"/>
+              </a:prstClr>
+            </a:outerShdw>
+          </a:effectLst>
+        </p:spPr>
+        <p:style>
+          <a:lnRef idx="2">
+            <a:schemeClr val="accent1">
+              <a:shade val="15000"/>
+            </a:schemeClr>
+          </a:lnRef>
+          <a:fillRef idx="1">
+            <a:schemeClr val="accent1"/>
+          </a:fillRef>
+          <a:effectRef idx="0">
+            <a:schemeClr val="accent1"/>
+          </a:effectRef>
+          <a:fontRef idx="minor">
+            <a:schemeClr val="lt1"/>
+          </a:fontRef>
+        </p:style>
+        <p:txBody>
+          <a:bodyPr rtlCol="0" anchor="ctr"/>
+          <a:lstStyle/>
+          <a:p>
+            <a:pPr algn="ctr"/>
+            <a:endParaRPr lang="en-GB" sz="14412"/>
+          </a:p>
+        </p:txBody>
+      </p:sp>
+      <p:pic>
+        <p:nvPicPr>
+          <p:cNvPr id="26" name="Picture 25" descr="A diagram of a flowchart&#10;&#10;AI-generated content may be incorrect.">
+            <a:extLst>
+              <a:ext uri="{FF2B5EF4-FFF2-40B4-BE49-F238E27FC236}">
+                <a16:creationId xmlns:a16="http://schemas.microsoft.com/office/drawing/2014/main" id="{9AAE1666-93CD-FC91-D6ED-4B5F93CC604F}"/>
+              </a:ext>
+            </a:extLst>
+          </p:cNvPr>
+          <p:cNvPicPr>
+            <a:picLocks noChangeAspect="1"/>
+          </p:cNvPicPr>
+          <p:nvPr/>
+        </p:nvPicPr>
+        <p:blipFill>
+          <a:blip r:embed="rId6"/>
+          <a:stretch>
+            <a:fillRect/>
+          </a:stretch>
+        </p:blipFill>
+        <p:spPr>
+          <a:xfrm>
+            <a:off x="16193572" y="9962851"/>
+            <a:ext cx="4300063" cy="4756349"/>
+          </a:xfrm>
+          <a:prstGeom prst="rect">
+            <a:avLst/>
+          </a:prstGeom>
+          <a:noFill/>
+          <a:ln>
+            <a:noFill/>
+          </a:ln>
+        </p:spPr>
+      </p:pic>
+      <p:sp>
+        <p:nvSpPr>
+          <p:cNvPr id="29" name="Rectangle: Rounded Corners 28">
+            <a:extLst>
+              <a:ext uri="{FF2B5EF4-FFF2-40B4-BE49-F238E27FC236}">
+                <a16:creationId xmlns:a16="http://schemas.microsoft.com/office/drawing/2014/main" id="{7949EEC1-F507-CBB4-C470-74D490861316}"/>
+              </a:ext>
+            </a:extLst>
+          </p:cNvPr>
+          <p:cNvSpPr/>
+          <p:nvPr/>
+        </p:nvSpPr>
+        <p:spPr>
+          <a:xfrm>
+            <a:off x="10925513" y="9800314"/>
+            <a:ext cx="4819119" cy="5141856"/>
+          </a:xfrm>
+          <a:prstGeom prst="roundRect">
+            <a:avLst>
+              <a:gd name="adj" fmla="val 8563"/>
+            </a:avLst>
+          </a:prstGeom>
+          <a:solidFill>
+            <a:srgbClr val="FF0000"/>
+          </a:solidFill>
+          <a:ln>
+            <a:solidFill>
+              <a:schemeClr val="tx1"/>
+            </a:solidFill>
+          </a:ln>
+          <a:effectLst>
+            <a:outerShdw blurRad="50800" dist="38100" dir="8100000" algn="tr" rotWithShape="0">
+              <a:prstClr val="black">
+                <a:alpha val="40000"/>
+              </a:prstClr>
+            </a:outerShdw>
+          </a:effectLst>
+        </p:spPr>
+        <p:style>
+          <a:lnRef idx="2">
+            <a:schemeClr val="accent1">
+              <a:shade val="15000"/>
+            </a:schemeClr>
+          </a:lnRef>
+          <a:fillRef idx="1">
+            <a:schemeClr val="accent1"/>
+          </a:fillRef>
+          <a:effectRef idx="0">
+            <a:schemeClr val="accent1"/>
+          </a:effectRef>
+          <a:fontRef idx="minor">
+            <a:schemeClr val="lt1"/>
+          </a:fontRef>
+        </p:style>
+        <p:txBody>
+          <a:bodyPr rtlCol="0" anchor="ctr"/>
+          <a:lstStyle/>
+          <a:p>
+            <a:pPr algn="ctr"/>
+            <a:endParaRPr lang="en-GB" sz="14412"/>
+          </a:p>
+        </p:txBody>
+      </p:sp>
+      <p:pic>
+        <p:nvPicPr>
+          <p:cNvPr id="30" name="Picture 29" descr="A black screen with white text&#10;&#10;AI-generated content may be incorrect.">
+            <a:extLst>
+              <a:ext uri="{FF2B5EF4-FFF2-40B4-BE49-F238E27FC236}">
+                <a16:creationId xmlns:a16="http://schemas.microsoft.com/office/drawing/2014/main" id="{E3274F29-3F2B-56D2-151D-93F138749522}"/>
+              </a:ext>
+            </a:extLst>
+          </p:cNvPr>
+          <p:cNvPicPr>
+            <a:picLocks noChangeAspect="1"/>
+          </p:cNvPicPr>
+          <p:nvPr/>
+        </p:nvPicPr>
+        <p:blipFill>
+          <a:blip r:embed="rId7"/>
+          <a:stretch>
+            <a:fillRect/>
+          </a:stretch>
+        </p:blipFill>
+        <p:spPr>
+          <a:xfrm>
+            <a:off x="11286590" y="9962851"/>
+            <a:ext cx="4176621" cy="4756350"/>
+          </a:xfrm>
+          <a:prstGeom prst="rect">
+            <a:avLst/>
+          </a:prstGeom>
+        </p:spPr>
+      </p:pic>
+      <p:sp>
+        <p:nvSpPr>
+          <p:cNvPr id="31" name="Rectangle: Rounded Corners 30">
+            <a:extLst>
+              <a:ext uri="{FF2B5EF4-FFF2-40B4-BE49-F238E27FC236}">
+                <a16:creationId xmlns:a16="http://schemas.microsoft.com/office/drawing/2014/main" id="{C3F02BCF-2CF0-9C25-6F19-8AA89EA75BF6}"/>
+              </a:ext>
+            </a:extLst>
+          </p:cNvPr>
+          <p:cNvSpPr/>
+          <p:nvPr/>
+        </p:nvSpPr>
+        <p:spPr>
+          <a:xfrm>
+            <a:off x="604632" y="21249183"/>
+            <a:ext cx="4819119" cy="5903708"/>
+          </a:xfrm>
+          <a:prstGeom prst="roundRect">
+            <a:avLst>
+              <a:gd name="adj" fmla="val 8563"/>
+            </a:avLst>
+          </a:prstGeom>
+          <a:solidFill>
+            <a:srgbClr val="002060"/>
+          </a:solidFill>
+          <a:ln>
+            <a:solidFill>
+              <a:schemeClr val="tx1"/>
+            </a:solidFill>
+          </a:ln>
+          <a:effectLst>
+            <a:outerShdw blurRad="50800" dist="38100" dir="8100000" algn="tr" rotWithShape="0">
+              <a:prstClr val="black">
+                <a:alpha val="40000"/>
+              </a:prstClr>
+            </a:outerShdw>
+          </a:effectLst>
+        </p:spPr>
+        <p:style>
+          <a:lnRef idx="2">
+            <a:schemeClr val="accent1">
+              <a:shade val="15000"/>
+            </a:schemeClr>
+          </a:lnRef>
+          <a:fillRef idx="1">
+            <a:schemeClr val="accent1"/>
+          </a:fillRef>
+          <a:effectRef idx="0">
+            <a:schemeClr val="accent1"/>
+          </a:effectRef>
+          <a:fontRef idx="minor">
+            <a:schemeClr val="lt1"/>
+          </a:fontRef>
+        </p:style>
+        <p:txBody>
+          <a:bodyPr rtlCol="0" anchor="ctr"/>
+          <a:lstStyle/>
+          <a:p>
+            <a:pPr algn="ctr"/>
+            <a:endParaRPr lang="en-GB" sz="14412"/>
+          </a:p>
+        </p:txBody>
+      </p:sp>
+      <p:pic>
+        <p:nvPicPr>
+          <p:cNvPr id="33" name="Picture 32">
+            <a:extLst>
+              <a:ext uri="{FF2B5EF4-FFF2-40B4-BE49-F238E27FC236}">
+                <a16:creationId xmlns:a16="http://schemas.microsoft.com/office/drawing/2014/main" id="{3D5D76C3-F7A7-B52D-88D3-1C1517227AC1}"/>
+              </a:ext>
+            </a:extLst>
+          </p:cNvPr>
+          <p:cNvPicPr>
+            <a:picLocks noChangeAspect="1"/>
+          </p:cNvPicPr>
+          <p:nvPr/>
+        </p:nvPicPr>
+        <p:blipFill>
+          <a:blip r:embed="rId8"/>
+          <a:stretch>
+            <a:fillRect/>
+          </a:stretch>
+        </p:blipFill>
+        <p:spPr>
+          <a:xfrm>
+            <a:off x="889988" y="21628031"/>
+            <a:ext cx="4291613" cy="5297558"/>
+          </a:xfrm>
+          <a:prstGeom prst="rect">
+            <a:avLst/>
+          </a:prstGeom>
+        </p:spPr>
+      </p:pic>
+      <p:sp>
+        <p:nvSpPr>
+          <p:cNvPr id="34" name="Rectangle: Rounded Corners 33">
+            <a:extLst>
+              <a:ext uri="{FF2B5EF4-FFF2-40B4-BE49-F238E27FC236}">
+                <a16:creationId xmlns:a16="http://schemas.microsoft.com/office/drawing/2014/main" id="{AFBF0804-9AFC-1F44-1890-7981DD91DCDD}"/>
+              </a:ext>
+            </a:extLst>
+          </p:cNvPr>
+          <p:cNvSpPr/>
+          <p:nvPr/>
+        </p:nvSpPr>
+        <p:spPr>
+          <a:xfrm>
+            <a:off x="5701350" y="21215552"/>
+            <a:ext cx="4819119" cy="5903708"/>
+          </a:xfrm>
+          <a:prstGeom prst="roundRect">
+            <a:avLst>
+              <a:gd name="adj" fmla="val 8563"/>
+            </a:avLst>
+          </a:prstGeom>
+          <a:solidFill>
+            <a:schemeClr val="accent2">
+              <a:lumMod val="40000"/>
+              <a:lumOff val="60000"/>
+            </a:schemeClr>
+          </a:solidFill>
+          <a:ln>
+            <a:solidFill>
+              <a:schemeClr val="tx1"/>
+            </a:solidFill>
+          </a:ln>
+          <a:effectLst>
+            <a:outerShdw blurRad="50800" dist="38100" dir="8100000" algn="tr" rotWithShape="0">
+              <a:prstClr val="black">
+                <a:alpha val="40000"/>
+              </a:prstClr>
+            </a:outerShdw>
+          </a:effectLst>
+        </p:spPr>
+        <p:style>
+          <a:lnRef idx="2">
+            <a:schemeClr val="accent1">
+              <a:shade val="15000"/>
+            </a:schemeClr>
+          </a:lnRef>
+          <a:fillRef idx="1">
+            <a:schemeClr val="accent1"/>
+          </a:fillRef>
+          <a:effectRef idx="0">
+            <a:schemeClr val="accent1"/>
+          </a:effectRef>
+          <a:fontRef idx="minor">
+            <a:schemeClr val="lt1"/>
+          </a:fontRef>
+        </p:style>
+        <p:txBody>
+          <a:bodyPr rtlCol="0" anchor="ctr"/>
+          <a:lstStyle/>
+          <a:p>
+            <a:pPr algn="ctr"/>
+            <a:endParaRPr lang="en-GB" sz="14412"/>
+          </a:p>
+        </p:txBody>
+      </p:sp>
+      <p:sp>
+        <p:nvSpPr>
+          <p:cNvPr id="35" name="TextBox 34">
+            <a:extLst>
+              <a:ext uri="{FF2B5EF4-FFF2-40B4-BE49-F238E27FC236}">
+                <a16:creationId xmlns:a16="http://schemas.microsoft.com/office/drawing/2014/main" id="{0F15F6CF-FF30-9F82-9086-B4AD6967AB02}"/>
+              </a:ext>
+            </a:extLst>
+          </p:cNvPr>
+          <p:cNvSpPr txBox="1"/>
+          <p:nvPr/>
+        </p:nvSpPr>
+        <p:spPr>
+          <a:xfrm>
+            <a:off x="5947722" y="21628032"/>
+            <a:ext cx="4235745" cy="4962641"/>
+          </a:xfrm>
+          <a:prstGeom prst="rect">
+            <a:avLst/>
+          </a:prstGeom>
+          <a:noFill/>
+        </p:spPr>
+        <p:txBody>
+          <a:bodyPr wrap="square" rtlCol="0">
+            <a:spAutoFit/>
+          </a:bodyPr>
+          <a:lstStyle/>
+          <a:p>
+            <a:r>
+              <a:rPr lang="en-GB" sz="3394" b="1" dirty="0">
+                <a:latin typeface="Calibri Light" panose="020F0302020204030204" pitchFamily="34" charset="0"/>
+                <a:ea typeface="Anonymous Pro" panose="02060609030202000504" pitchFamily="49" charset="0"/>
+                <a:cs typeface="Calibri Light" panose="020F0302020204030204" pitchFamily="34" charset="0"/>
+              </a:rPr>
+              <a:t>Results Table:</a:t>
+            </a:r>
+          </a:p>
+          <a:p>
+            <a:endParaRPr lang="en-GB" sz="3394" b="1" dirty="0">
+              <a:latin typeface="Calibri Light" panose="020F0302020204030204" pitchFamily="34" charset="0"/>
+              <a:ea typeface="Anonymous Pro" panose="02060609030202000504" pitchFamily="49" charset="0"/>
+              <a:cs typeface="Calibri Light" panose="020F0302020204030204" pitchFamily="34" charset="0"/>
+            </a:endParaRPr>
+          </a:p>
+          <a:p>
+            <a:r>
+              <a:rPr lang="en-GB" sz="2260" dirty="0">
+                <a:latin typeface="Calibri Light" panose="020F0302020204030204" pitchFamily="34" charset="0"/>
+                <a:ea typeface="Anonymous Pro" panose="02060609030202000504" pitchFamily="49" charset="0"/>
+                <a:cs typeface="Calibri Light" panose="020F0302020204030204" pitchFamily="34" charset="0"/>
+              </a:rPr>
+              <a:t>These results detail the speed of which the artefact process their respective files. These speeds are compared with the artefacts that also process these files types.</a:t>
+            </a:r>
+          </a:p>
+          <a:p>
+            <a:endParaRPr lang="en-GB" sz="2260" dirty="0">
+              <a:latin typeface="Calibri Light" panose="020F0302020204030204" pitchFamily="34" charset="0"/>
+              <a:ea typeface="Anonymous Pro" panose="02060609030202000504" pitchFamily="49" charset="0"/>
+              <a:cs typeface="Calibri Light" panose="020F0302020204030204" pitchFamily="34" charset="0"/>
+            </a:endParaRPr>
+          </a:p>
+          <a:p>
+            <a:r>
+              <a:rPr lang="en-GB" sz="2260" dirty="0">
+                <a:latin typeface="Calibri Light" panose="020F0302020204030204" pitchFamily="34" charset="0"/>
+                <a:ea typeface="Anonymous Pro" panose="02060609030202000504" pitchFamily="49" charset="0"/>
+                <a:cs typeface="Calibri Light" panose="020F0302020204030204" pitchFamily="34" charset="0"/>
+              </a:rPr>
+              <a:t>The reports software artefacts were slower, but this was due to the report's artefacts doing more computations such as vertex normal calculations.</a:t>
             </a:r>
           </a:p>
         </p:txBody>
@@ -6305,9 +6300,9 @@
 </file>
 
 <file path=ppt/theme/theme1.xml><?xml version="1.0" encoding="utf-8"?>
-<a:theme xmlns:a="http://schemas.openxmlformats.org/drawingml/2006/main" name="Office Theme">
+<a:theme xmlns:a="http://schemas.openxmlformats.org/drawingml/2006/main" name="Office 2013 - 2022 Theme">
   <a:themeElements>
-    <a:clrScheme name="Office Theme">
+    <a:clrScheme name="Office 2013 - 2022 Theme">
       <a:dk1>
         <a:sysClr val="windowText" lastClr="000000"/>
       </a:dk1>
@@ -6315,39 +6310,39 @@
         <a:sysClr val="window" lastClr="FFFFFF"/>
       </a:lt1>
       <a:dk2>
-        <a:srgbClr val="0E2841"/>
+        <a:srgbClr val="44546A"/>
       </a:dk2>
       <a:lt2>
-        <a:srgbClr val="E8E8E8"/>
+        <a:srgbClr val="E7E6E6"/>
       </a:lt2>
       <a:accent1>
-        <a:srgbClr val="156082"/>
+        <a:srgbClr val="4472C4"/>
       </a:accent1>
       <a:accent2>
-        <a:srgbClr val="E97132"/>
+        <a:srgbClr val="ED7D31"/>
       </a:accent2>
       <a:accent3>
-        <a:srgbClr val="196B24"/>
+        <a:srgbClr val="A5A5A5"/>
       </a:accent3>
       <a:accent4>
-        <a:srgbClr val="0F9ED5"/>
+        <a:srgbClr val="FFC000"/>
       </a:accent4>
       <a:accent5>
-        <a:srgbClr val="A02B93"/>
+        <a:srgbClr val="5B9BD5"/>
       </a:accent5>
       <a:accent6>
-        <a:srgbClr val="4EA72E"/>
+        <a:srgbClr val="70AD47"/>
       </a:accent6>
       <a:hlink>
-        <a:srgbClr val="467886"/>
+        <a:srgbClr val="0563C1"/>
       </a:hlink>
       <a:folHlink>
-        <a:srgbClr val="96607D"/>
+        <a:srgbClr val="954F72"/>
       </a:folHlink>
     </a:clrScheme>
-    <a:fontScheme name="Office Theme">
+    <a:fontScheme name="Office 2013 - 2022 Theme">
       <a:majorFont>
-        <a:latin typeface="Aptos Display"/>
+        <a:latin typeface="Calibri Light" panose="020F0302020204030204"/>
         <a:ea typeface=""/>
         <a:cs typeface=""/>
         <a:font script="Jpan" typeface="游ゴシック Light"/>
@@ -6382,7 +6377,7 @@
         <a:font script="Geor" typeface="Sylfaen"/>
       </a:majorFont>
       <a:minorFont>
-        <a:latin typeface="Aptos"/>
+        <a:latin typeface="Calibri" panose="020F0502020204030204"/>
         <a:ea typeface=""/>
         <a:cs typeface=""/>
         <a:font script="Jpan" typeface="游ゴシック"/>
@@ -6417,7 +6412,7 @@
         <a:font script="Geor" typeface="Sylfaen"/>
       </a:minorFont>
     </a:fontScheme>
-    <a:fmtScheme name="Office Theme">
+    <a:fmtScheme name="Office 2013 - 2022 Theme">
       <a:fillStyleLst>
         <a:solidFill>
           <a:schemeClr val="phClr"/>
@@ -6476,6 +6471,13 @@
         </a:gradFill>
       </a:fillStyleLst>
       <a:lnStyleLst>
+        <a:ln w="6350" cap="flat" cmpd="sng" algn="ctr">
+          <a:solidFill>
+            <a:schemeClr val="phClr"/>
+          </a:solidFill>
+          <a:prstDash val="solid"/>
+          <a:miter lim="800000"/>
+        </a:ln>
         <a:ln w="12700" cap="flat" cmpd="sng" algn="ctr">
           <a:solidFill>
             <a:schemeClr val="phClr"/>
@@ -6484,13 +6486,6 @@
           <a:miter lim="800000"/>
         </a:ln>
         <a:ln w="19050" cap="flat" cmpd="sng" algn="ctr">
-          <a:solidFill>
-            <a:schemeClr val="phClr"/>
-          </a:solidFill>
-          <a:prstDash val="solid"/>
-          <a:miter lim="800000"/>
-        </a:ln>
-        <a:ln w="25400" cap="flat" cmpd="sng" algn="ctr">
           <a:solidFill>
             <a:schemeClr val="phClr"/>
           </a:solidFill>
@@ -6555,31 +6550,11 @@
       </a:bgFillStyleLst>
     </a:fmtScheme>
   </a:themeElements>
-  <a:objectDefaults>
-    <a:lnDef>
-      <a:spPr/>
-      <a:bodyPr/>
-      <a:lstStyle/>
-      <a:style>
-        <a:lnRef idx="2">
-          <a:schemeClr val="accent1"/>
-        </a:lnRef>
-        <a:fillRef idx="0">
-          <a:schemeClr val="accent1"/>
-        </a:fillRef>
-        <a:effectRef idx="1">
-          <a:schemeClr val="accent1"/>
-        </a:effectRef>
-        <a:fontRef idx="minor">
-          <a:schemeClr val="tx1"/>
-        </a:fontRef>
-      </a:style>
-    </a:lnDef>
-  </a:objectDefaults>
+  <a:objectDefaults/>
   <a:extraClrSchemeLst/>
   <a:extLst>
     <a:ext uri="{05A4C25C-085E-4340-85A3-A5531E510DB2}">
-      <thm15:themeFamily xmlns:thm15="http://schemas.microsoft.com/office/thememl/2012/main" name="Office Theme" id="{62F939B6-93AF-4DB8-9C6B-D6C7DFDC589F}" vid="{4A3C46E8-61CC-4603-A589-7422A47A8E4A}"/>
+      <thm15:themeFamily xmlns:thm15="http://schemas.microsoft.com/office/thememl/2012/main" name="Office 2013 - 2022 Theme" id="{62F939B6-93AF-4DB8-9C6B-D6C7DFDC589F}" vid="{4A3C46E8-61CC-4603-A589-7422A47A8E4A}"/>
     </a:ext>
   </a:extLst>
 </a:theme>

--- a/FYP_Poser.pptx
+++ b/FYP_Poser.pptx
@@ -2,12 +2,12 @@
 <file path=ppt/presentation.xml><?xml version="1.0" encoding="utf-8"?>
 <p:presentation xmlns:a="http://schemas.openxmlformats.org/drawingml/2006/main" xmlns:r="http://schemas.openxmlformats.org/officeDocument/2006/relationships" xmlns:p="http://schemas.openxmlformats.org/presentationml/2006/main">
   <p:sldMasterIdLst>
-    <p:sldMasterId id="2147483660" r:id="rId1"/>
+    <p:sldMasterId id="2147483648" r:id="rId1"/>
   </p:sldMasterIdLst>
   <p:sldIdLst>
-    <p:sldId id="256" r:id="rId2"/>
+    <p:sldId id="256" r:id="rId3"/>
   </p:sldIdLst>
-  <p:sldSz cx="21383625" cy="30275213"/>
+  <p:sldSz cx="21383625" cy="30274895"/>
   <p:notesSz cx="6858000" cy="9144000"/>
   <p:defaultTextStyle>
     <a:defPPr>
@@ -104,11 +104,6 @@
       </a:defRPr>
     </a:lvl9pPr>
   </p:defaultTextStyle>
-  <p:extLst>
-    <p:ext uri="{EFAFB233-063F-42B5-8137-9DF3F51BA10A}">
-      <p15:sldGuideLst xmlns:p15="http://schemas.microsoft.com/office/powerpoint/2012/main"/>
-    </p:ext>
-  </p:extLst>
 </p:presentation>
 </file>
 
@@ -149,7 +144,7 @@
           <a:bodyPr anchor="b"/>
           <a:lstStyle>
             <a:lvl1pPr algn="ctr">
-              <a:defRPr sz="14031"/>
+              <a:defRPr sz="14030"/>
             </a:lvl1pPr>
           </a:lstStyle>
           <a:p>
@@ -182,39 +177,39 @@
           <a:lstStyle>
             <a:lvl1pPr marL="0" indent="0" algn="ctr">
               <a:buNone/>
-              <a:defRPr sz="5612"/>
+              <a:defRPr sz="5610"/>
             </a:lvl1pPr>
-            <a:lvl2pPr marL="1069162" indent="0" algn="ctr">
+            <a:lvl2pPr marL="1069340" indent="0" algn="ctr">
               <a:buNone/>
-              <a:defRPr sz="4677"/>
+              <a:defRPr sz="4675"/>
             </a:lvl2pPr>
-            <a:lvl3pPr marL="2138324" indent="0" algn="ctr">
+            <a:lvl3pPr marL="2138045" indent="0" algn="ctr">
               <a:buNone/>
-              <a:defRPr sz="4209"/>
+              <a:defRPr sz="4210"/>
             </a:lvl3pPr>
-            <a:lvl4pPr marL="3207487" indent="0" algn="ctr">
+            <a:lvl4pPr marL="3207385" indent="0" algn="ctr">
               <a:buNone/>
-              <a:defRPr sz="3742"/>
+              <a:defRPr sz="3740"/>
             </a:lvl4pPr>
-            <a:lvl5pPr marL="4276649" indent="0" algn="ctr">
+            <a:lvl5pPr marL="4276725" indent="0" algn="ctr">
               <a:buNone/>
-              <a:defRPr sz="3742"/>
+              <a:defRPr sz="3740"/>
             </a:lvl5pPr>
-            <a:lvl6pPr marL="5345811" indent="0" algn="ctr">
+            <a:lvl6pPr marL="5346065" indent="0" algn="ctr">
               <a:buNone/>
-              <a:defRPr sz="3742"/>
+              <a:defRPr sz="3740"/>
             </a:lvl6pPr>
-            <a:lvl7pPr marL="6414973" indent="0" algn="ctr">
+            <a:lvl7pPr marL="6414770" indent="0" algn="ctr">
               <a:buNone/>
-              <a:defRPr sz="3742"/>
+              <a:defRPr sz="3740"/>
             </a:lvl7pPr>
-            <a:lvl8pPr marL="7484135" indent="0" algn="ctr">
+            <a:lvl8pPr marL="7484110" indent="0" algn="ctr">
               <a:buNone/>
-              <a:defRPr sz="3742"/>
+              <a:defRPr sz="3740"/>
             </a:lvl8pPr>
-            <a:lvl9pPr marL="8553298" indent="0" algn="ctr">
+            <a:lvl9pPr marL="8553450" indent="0" algn="ctr">
               <a:buNone/>
-              <a:defRPr sz="3742"/>
+              <a:defRPr sz="3740"/>
             </a:lvl9pPr>
           </a:lstStyle>
           <a:p>
@@ -243,7 +238,6 @@
           <a:p>
             <a:fld id="{DCEEBA53-EBA9-40A5-BD15-213969A436B3}" type="datetimeFigureOut">
               <a:rPr lang="en-GB" smtClean="0"/>
-              <a:t>05/05/2025</a:t>
             </a:fld>
             <a:endParaRPr lang="en-GB"/>
           </a:p>
@@ -285,18 +279,12 @@
           <a:p>
             <a:fld id="{AAFCC6D6-1FBA-4615-81ED-4860CC233C56}" type="slidenum">
               <a:rPr lang="en-GB" smtClean="0"/>
-              <a:t>‹#›</a:t>
             </a:fld>
             <a:endParaRPr lang="en-GB"/>
           </a:p>
         </p:txBody>
       </p:sp>
     </p:spTree>
-    <p:extLst>
-      <p:ext uri="{BB962C8B-B14F-4D97-AF65-F5344CB8AC3E}">
-        <p14:creationId xmlns:p14="http://schemas.microsoft.com/office/powerpoint/2010/main" val="1357177746"/>
-      </p:ext>
-    </p:extLst>
   </p:cSld>
   <p:clrMapOvr>
     <a:masterClrMapping/>
@@ -364,6 +352,7 @@
               <a:rPr lang="en-US"/>
               <a:t>Click to edit Master text styles</a:t>
             </a:r>
+            <a:endParaRPr lang="en-US"/>
           </a:p>
           <a:p>
             <a:pPr lvl="1"/>
@@ -371,6 +360,7 @@
               <a:rPr lang="en-US"/>
               <a:t>Second level</a:t>
             </a:r>
+            <a:endParaRPr lang="en-US"/>
           </a:p>
           <a:p>
             <a:pPr lvl="2"/>
@@ -378,6 +368,7 @@
               <a:rPr lang="en-US"/>
               <a:t>Third level</a:t>
             </a:r>
+            <a:endParaRPr lang="en-US"/>
           </a:p>
           <a:p>
             <a:pPr lvl="3"/>
@@ -385,6 +376,7 @@
               <a:rPr lang="en-US"/>
               <a:t>Fourth level</a:t>
             </a:r>
+            <a:endParaRPr lang="en-US"/>
           </a:p>
           <a:p>
             <a:pPr lvl="4"/>
@@ -413,7 +405,6 @@
           <a:p>
             <a:fld id="{DCEEBA53-EBA9-40A5-BD15-213969A436B3}" type="datetimeFigureOut">
               <a:rPr lang="en-GB" smtClean="0"/>
-              <a:t>05/05/2025</a:t>
             </a:fld>
             <a:endParaRPr lang="en-GB"/>
           </a:p>
@@ -455,18 +446,12 @@
           <a:p>
             <a:fld id="{AAFCC6D6-1FBA-4615-81ED-4860CC233C56}" type="slidenum">
               <a:rPr lang="en-GB" smtClean="0"/>
-              <a:t>‹#›</a:t>
             </a:fld>
             <a:endParaRPr lang="en-GB"/>
           </a:p>
         </p:txBody>
       </p:sp>
     </p:spTree>
-    <p:extLst>
-      <p:ext uri="{BB962C8B-B14F-4D97-AF65-F5344CB8AC3E}">
-        <p14:creationId xmlns:p14="http://schemas.microsoft.com/office/powerpoint/2010/main" val="371524513"/>
-      </p:ext>
-    </p:extLst>
   </p:cSld>
   <p:clrMapOvr>
     <a:masterClrMapping/>
@@ -544,6 +529,7 @@
               <a:rPr lang="en-US"/>
               <a:t>Click to edit Master text styles</a:t>
             </a:r>
+            <a:endParaRPr lang="en-US"/>
           </a:p>
           <a:p>
             <a:pPr lvl="1"/>
@@ -551,6 +537,7 @@
               <a:rPr lang="en-US"/>
               <a:t>Second level</a:t>
             </a:r>
+            <a:endParaRPr lang="en-US"/>
           </a:p>
           <a:p>
             <a:pPr lvl="2"/>
@@ -558,6 +545,7 @@
               <a:rPr lang="en-US"/>
               <a:t>Third level</a:t>
             </a:r>
+            <a:endParaRPr lang="en-US"/>
           </a:p>
           <a:p>
             <a:pPr lvl="3"/>
@@ -565,6 +553,7 @@
               <a:rPr lang="en-US"/>
               <a:t>Fourth level</a:t>
             </a:r>
+            <a:endParaRPr lang="en-US"/>
           </a:p>
           <a:p>
             <a:pPr lvl="4"/>
@@ -593,7 +582,6 @@
           <a:p>
             <a:fld id="{DCEEBA53-EBA9-40A5-BD15-213969A436B3}" type="datetimeFigureOut">
               <a:rPr lang="en-GB" smtClean="0"/>
-              <a:t>05/05/2025</a:t>
             </a:fld>
             <a:endParaRPr lang="en-GB"/>
           </a:p>
@@ -635,18 +623,12 @@
           <a:p>
             <a:fld id="{AAFCC6D6-1FBA-4615-81ED-4860CC233C56}" type="slidenum">
               <a:rPr lang="en-GB" smtClean="0"/>
-              <a:t>‹#›</a:t>
             </a:fld>
             <a:endParaRPr lang="en-GB"/>
           </a:p>
         </p:txBody>
       </p:sp>
     </p:spTree>
-    <p:extLst>
-      <p:ext uri="{BB962C8B-B14F-4D97-AF65-F5344CB8AC3E}">
-        <p14:creationId xmlns:p14="http://schemas.microsoft.com/office/powerpoint/2010/main" val="1643192786"/>
-      </p:ext>
-    </p:extLst>
   </p:cSld>
   <p:clrMapOvr>
     <a:masterClrMapping/>
@@ -714,6 +696,7 @@
               <a:rPr lang="en-US"/>
               <a:t>Click to edit Master text styles</a:t>
             </a:r>
+            <a:endParaRPr lang="en-US"/>
           </a:p>
           <a:p>
             <a:pPr lvl="1"/>
@@ -721,6 +704,7 @@
               <a:rPr lang="en-US"/>
               <a:t>Second level</a:t>
             </a:r>
+            <a:endParaRPr lang="en-US"/>
           </a:p>
           <a:p>
             <a:pPr lvl="2"/>
@@ -728,6 +712,7 @@
               <a:rPr lang="en-US"/>
               <a:t>Third level</a:t>
             </a:r>
+            <a:endParaRPr lang="en-US"/>
           </a:p>
           <a:p>
             <a:pPr lvl="3"/>
@@ -735,6 +720,7 @@
               <a:rPr lang="en-US"/>
               <a:t>Fourth level</a:t>
             </a:r>
+            <a:endParaRPr lang="en-US"/>
           </a:p>
           <a:p>
             <a:pPr lvl="4"/>
@@ -763,7 +749,6 @@
           <a:p>
             <a:fld id="{DCEEBA53-EBA9-40A5-BD15-213969A436B3}" type="datetimeFigureOut">
               <a:rPr lang="en-GB" smtClean="0"/>
-              <a:t>05/05/2025</a:t>
             </a:fld>
             <a:endParaRPr lang="en-GB"/>
           </a:p>
@@ -805,18 +790,12 @@
           <a:p>
             <a:fld id="{AAFCC6D6-1FBA-4615-81ED-4860CC233C56}" type="slidenum">
               <a:rPr lang="en-GB" smtClean="0"/>
-              <a:t>‹#›</a:t>
             </a:fld>
             <a:endParaRPr lang="en-GB"/>
           </a:p>
         </p:txBody>
       </p:sp>
     </p:spTree>
-    <p:extLst>
-      <p:ext uri="{BB962C8B-B14F-4D97-AF65-F5344CB8AC3E}">
-        <p14:creationId xmlns:p14="http://schemas.microsoft.com/office/powerpoint/2010/main" val="1287094155"/>
-      </p:ext>
-    </p:extLst>
   </p:cSld>
   <p:clrMapOvr>
     <a:masterClrMapping/>
@@ -861,7 +840,7 @@
           <a:bodyPr anchor="b"/>
           <a:lstStyle>
             <a:lvl1pPr>
-              <a:defRPr sz="14031"/>
+              <a:defRPr sz="14030"/>
             </a:lvl1pPr>
           </a:lstStyle>
           <a:p>
@@ -894,15 +873,15 @@
           <a:lstStyle>
             <a:lvl1pPr marL="0" indent="0">
               <a:buNone/>
-              <a:defRPr sz="5612">
+              <a:defRPr sz="5610">
                 <a:solidFill>
                   <a:schemeClr val="tx1"/>
                 </a:solidFill>
               </a:defRPr>
             </a:lvl1pPr>
-            <a:lvl2pPr marL="1069162" indent="0">
+            <a:lvl2pPr marL="1069340" indent="0">
               <a:buNone/>
-              <a:defRPr sz="4677">
+              <a:defRPr sz="4675">
                 <a:solidFill>
                   <a:schemeClr val="tx1">
                     <a:tint val="75000"/>
@@ -910,9 +889,9 @@
                 </a:solidFill>
               </a:defRPr>
             </a:lvl2pPr>
-            <a:lvl3pPr marL="2138324" indent="0">
+            <a:lvl3pPr marL="2138045" indent="0">
               <a:buNone/>
-              <a:defRPr sz="4209">
+              <a:defRPr sz="4210">
                 <a:solidFill>
                   <a:schemeClr val="tx1">
                     <a:tint val="75000"/>
@@ -920,9 +899,9 @@
                 </a:solidFill>
               </a:defRPr>
             </a:lvl3pPr>
-            <a:lvl4pPr marL="3207487" indent="0">
+            <a:lvl4pPr marL="3207385" indent="0">
               <a:buNone/>
-              <a:defRPr sz="3742">
+              <a:defRPr sz="3740">
                 <a:solidFill>
                   <a:schemeClr val="tx1">
                     <a:tint val="75000"/>
@@ -930,9 +909,9 @@
                 </a:solidFill>
               </a:defRPr>
             </a:lvl4pPr>
-            <a:lvl5pPr marL="4276649" indent="0">
+            <a:lvl5pPr marL="4276725" indent="0">
               <a:buNone/>
-              <a:defRPr sz="3742">
+              <a:defRPr sz="3740">
                 <a:solidFill>
                   <a:schemeClr val="tx1">
                     <a:tint val="75000"/>
@@ -940,9 +919,9 @@
                 </a:solidFill>
               </a:defRPr>
             </a:lvl5pPr>
-            <a:lvl6pPr marL="5345811" indent="0">
+            <a:lvl6pPr marL="5346065" indent="0">
               <a:buNone/>
-              <a:defRPr sz="3742">
+              <a:defRPr sz="3740">
                 <a:solidFill>
                   <a:schemeClr val="tx1">
                     <a:tint val="75000"/>
@@ -950,9 +929,9 @@
                 </a:solidFill>
               </a:defRPr>
             </a:lvl6pPr>
-            <a:lvl7pPr marL="6414973" indent="0">
+            <a:lvl7pPr marL="6414770" indent="0">
               <a:buNone/>
-              <a:defRPr sz="3742">
+              <a:defRPr sz="3740">
                 <a:solidFill>
                   <a:schemeClr val="tx1">
                     <a:tint val="75000"/>
@@ -960,9 +939,9 @@
                 </a:solidFill>
               </a:defRPr>
             </a:lvl7pPr>
-            <a:lvl8pPr marL="7484135" indent="0">
+            <a:lvl8pPr marL="7484110" indent="0">
               <a:buNone/>
-              <a:defRPr sz="3742">
+              <a:defRPr sz="3740">
                 <a:solidFill>
                   <a:schemeClr val="tx1">
                     <a:tint val="75000"/>
@@ -970,9 +949,9 @@
                 </a:solidFill>
               </a:defRPr>
             </a:lvl8pPr>
-            <a:lvl9pPr marL="8553298" indent="0">
+            <a:lvl9pPr marL="8553450" indent="0">
               <a:buNone/>
-              <a:defRPr sz="3742">
+              <a:defRPr sz="3740">
                 <a:solidFill>
                   <a:schemeClr val="tx1">
                     <a:tint val="75000"/>
@@ -987,6 +966,7 @@
               <a:rPr lang="en-US"/>
               <a:t>Click to edit Master text styles</a:t>
             </a:r>
+            <a:endParaRPr lang="en-US"/>
           </a:p>
         </p:txBody>
       </p:sp>
@@ -1007,7 +987,6 @@
           <a:p>
             <a:fld id="{DCEEBA53-EBA9-40A5-BD15-213969A436B3}" type="datetimeFigureOut">
               <a:rPr lang="en-GB" smtClean="0"/>
-              <a:t>05/05/2025</a:t>
             </a:fld>
             <a:endParaRPr lang="en-GB"/>
           </a:p>
@@ -1049,18 +1028,12 @@
           <a:p>
             <a:fld id="{AAFCC6D6-1FBA-4615-81ED-4860CC233C56}" type="slidenum">
               <a:rPr lang="en-GB" smtClean="0"/>
-              <a:t>‹#›</a:t>
             </a:fld>
             <a:endParaRPr lang="en-GB"/>
           </a:p>
         </p:txBody>
       </p:sp>
     </p:spTree>
-    <p:extLst>
-      <p:ext uri="{BB962C8B-B14F-4D97-AF65-F5344CB8AC3E}">
-        <p14:creationId xmlns:p14="http://schemas.microsoft.com/office/powerpoint/2010/main" val="2407950122"/>
-      </p:ext>
-    </p:extLst>
   </p:cSld>
   <p:clrMapOvr>
     <a:masterClrMapping/>
@@ -1133,6 +1106,7 @@
               <a:rPr lang="en-US"/>
               <a:t>Click to edit Master text styles</a:t>
             </a:r>
+            <a:endParaRPr lang="en-US"/>
           </a:p>
           <a:p>
             <a:pPr lvl="1"/>
@@ -1140,6 +1114,7 @@
               <a:rPr lang="en-US"/>
               <a:t>Second level</a:t>
             </a:r>
+            <a:endParaRPr lang="en-US"/>
           </a:p>
           <a:p>
             <a:pPr lvl="2"/>
@@ -1147,6 +1122,7 @@
               <a:rPr lang="en-US"/>
               <a:t>Third level</a:t>
             </a:r>
+            <a:endParaRPr lang="en-US"/>
           </a:p>
           <a:p>
             <a:pPr lvl="3"/>
@@ -1154,6 +1130,7 @@
               <a:rPr lang="en-US"/>
               <a:t>Fourth level</a:t>
             </a:r>
+            <a:endParaRPr lang="en-US"/>
           </a:p>
           <a:p>
             <a:pPr lvl="4"/>
@@ -1190,6 +1167,7 @@
               <a:rPr lang="en-US"/>
               <a:t>Click to edit Master text styles</a:t>
             </a:r>
+            <a:endParaRPr lang="en-US"/>
           </a:p>
           <a:p>
             <a:pPr lvl="1"/>
@@ -1197,6 +1175,7 @@
               <a:rPr lang="en-US"/>
               <a:t>Second level</a:t>
             </a:r>
+            <a:endParaRPr lang="en-US"/>
           </a:p>
           <a:p>
             <a:pPr lvl="2"/>
@@ -1204,6 +1183,7 @@
               <a:rPr lang="en-US"/>
               <a:t>Third level</a:t>
             </a:r>
+            <a:endParaRPr lang="en-US"/>
           </a:p>
           <a:p>
             <a:pPr lvl="3"/>
@@ -1211,6 +1191,7 @@
               <a:rPr lang="en-US"/>
               <a:t>Fourth level</a:t>
             </a:r>
+            <a:endParaRPr lang="en-US"/>
           </a:p>
           <a:p>
             <a:pPr lvl="4"/>
@@ -1239,7 +1220,6 @@
           <a:p>
             <a:fld id="{DCEEBA53-EBA9-40A5-BD15-213969A436B3}" type="datetimeFigureOut">
               <a:rPr lang="en-GB" smtClean="0"/>
-              <a:t>05/05/2025</a:t>
             </a:fld>
             <a:endParaRPr lang="en-GB"/>
           </a:p>
@@ -1281,18 +1261,12 @@
           <a:p>
             <a:fld id="{AAFCC6D6-1FBA-4615-81ED-4860CC233C56}" type="slidenum">
               <a:rPr lang="en-GB" smtClean="0"/>
-              <a:t>‹#›</a:t>
             </a:fld>
             <a:endParaRPr lang="en-GB"/>
           </a:p>
         </p:txBody>
       </p:sp>
     </p:spTree>
-    <p:extLst>
-      <p:ext uri="{BB962C8B-B14F-4D97-AF65-F5344CB8AC3E}">
-        <p14:creationId xmlns:p14="http://schemas.microsoft.com/office/powerpoint/2010/main" val="1589622414"/>
-      </p:ext>
-    </p:extLst>
   </p:cSld>
   <p:clrMapOvr>
     <a:masterClrMapping/>
@@ -1366,39 +1340,39 @@
           <a:lstStyle>
             <a:lvl1pPr marL="0" indent="0">
               <a:buNone/>
-              <a:defRPr sz="5612" b="1"/>
+              <a:defRPr sz="5610" b="1"/>
             </a:lvl1pPr>
-            <a:lvl2pPr marL="1069162" indent="0">
+            <a:lvl2pPr marL="1069340" indent="0">
               <a:buNone/>
-              <a:defRPr sz="4677" b="1"/>
+              <a:defRPr sz="4675" b="1"/>
             </a:lvl2pPr>
-            <a:lvl3pPr marL="2138324" indent="0">
+            <a:lvl3pPr marL="2138045" indent="0">
               <a:buNone/>
-              <a:defRPr sz="4209" b="1"/>
+              <a:defRPr sz="4210" b="1"/>
             </a:lvl3pPr>
-            <a:lvl4pPr marL="3207487" indent="0">
+            <a:lvl4pPr marL="3207385" indent="0">
               <a:buNone/>
-              <a:defRPr sz="3742" b="1"/>
+              <a:defRPr sz="3740" b="1"/>
             </a:lvl4pPr>
-            <a:lvl5pPr marL="4276649" indent="0">
+            <a:lvl5pPr marL="4276725" indent="0">
               <a:buNone/>
-              <a:defRPr sz="3742" b="1"/>
+              <a:defRPr sz="3740" b="1"/>
             </a:lvl5pPr>
-            <a:lvl6pPr marL="5345811" indent="0">
+            <a:lvl6pPr marL="5346065" indent="0">
               <a:buNone/>
-              <a:defRPr sz="3742" b="1"/>
+              <a:defRPr sz="3740" b="1"/>
             </a:lvl6pPr>
-            <a:lvl7pPr marL="6414973" indent="0">
+            <a:lvl7pPr marL="6414770" indent="0">
               <a:buNone/>
-              <a:defRPr sz="3742" b="1"/>
+              <a:defRPr sz="3740" b="1"/>
             </a:lvl7pPr>
-            <a:lvl8pPr marL="7484135" indent="0">
+            <a:lvl8pPr marL="7484110" indent="0">
               <a:buNone/>
-              <a:defRPr sz="3742" b="1"/>
+              <a:defRPr sz="3740" b="1"/>
             </a:lvl8pPr>
-            <a:lvl9pPr marL="8553298" indent="0">
+            <a:lvl9pPr marL="8553450" indent="0">
               <a:buNone/>
-              <a:defRPr sz="3742" b="1"/>
+              <a:defRPr sz="3740" b="1"/>
             </a:lvl9pPr>
           </a:lstStyle>
           <a:p>
@@ -1407,6 +1381,7 @@
               <a:rPr lang="en-US"/>
               <a:t>Click to edit Master text styles</a:t>
             </a:r>
+            <a:endParaRPr lang="en-US"/>
           </a:p>
         </p:txBody>
       </p:sp>
@@ -1435,6 +1410,7 @@
               <a:rPr lang="en-US"/>
               <a:t>Click to edit Master text styles</a:t>
             </a:r>
+            <a:endParaRPr lang="en-US"/>
           </a:p>
           <a:p>
             <a:pPr lvl="1"/>
@@ -1442,6 +1418,7 @@
               <a:rPr lang="en-US"/>
               <a:t>Second level</a:t>
             </a:r>
+            <a:endParaRPr lang="en-US"/>
           </a:p>
           <a:p>
             <a:pPr lvl="2"/>
@@ -1449,6 +1426,7 @@
               <a:rPr lang="en-US"/>
               <a:t>Third level</a:t>
             </a:r>
+            <a:endParaRPr lang="en-US"/>
           </a:p>
           <a:p>
             <a:pPr lvl="3"/>
@@ -1456,6 +1434,7 @@
               <a:rPr lang="en-US"/>
               <a:t>Fourth level</a:t>
             </a:r>
+            <a:endParaRPr lang="en-US"/>
           </a:p>
           <a:p>
             <a:pPr lvl="4"/>
@@ -1488,39 +1467,39 @@
           <a:lstStyle>
             <a:lvl1pPr marL="0" indent="0">
               <a:buNone/>
-              <a:defRPr sz="5612" b="1"/>
+              <a:defRPr sz="5610" b="1"/>
             </a:lvl1pPr>
-            <a:lvl2pPr marL="1069162" indent="0">
+            <a:lvl2pPr marL="1069340" indent="0">
               <a:buNone/>
-              <a:defRPr sz="4677" b="1"/>
+              <a:defRPr sz="4675" b="1"/>
             </a:lvl2pPr>
-            <a:lvl3pPr marL="2138324" indent="0">
+            <a:lvl3pPr marL="2138045" indent="0">
               <a:buNone/>
-              <a:defRPr sz="4209" b="1"/>
+              <a:defRPr sz="4210" b="1"/>
             </a:lvl3pPr>
-            <a:lvl4pPr marL="3207487" indent="0">
+            <a:lvl4pPr marL="3207385" indent="0">
               <a:buNone/>
-              <a:defRPr sz="3742" b="1"/>
+              <a:defRPr sz="3740" b="1"/>
             </a:lvl4pPr>
-            <a:lvl5pPr marL="4276649" indent="0">
+            <a:lvl5pPr marL="4276725" indent="0">
               <a:buNone/>
-              <a:defRPr sz="3742" b="1"/>
+              <a:defRPr sz="3740" b="1"/>
             </a:lvl5pPr>
-            <a:lvl6pPr marL="5345811" indent="0">
+            <a:lvl6pPr marL="5346065" indent="0">
               <a:buNone/>
-              <a:defRPr sz="3742" b="1"/>
+              <a:defRPr sz="3740" b="1"/>
             </a:lvl6pPr>
-            <a:lvl7pPr marL="6414973" indent="0">
+            <a:lvl7pPr marL="6414770" indent="0">
               <a:buNone/>
-              <a:defRPr sz="3742" b="1"/>
+              <a:defRPr sz="3740" b="1"/>
             </a:lvl7pPr>
-            <a:lvl8pPr marL="7484135" indent="0">
+            <a:lvl8pPr marL="7484110" indent="0">
               <a:buNone/>
-              <a:defRPr sz="3742" b="1"/>
+              <a:defRPr sz="3740" b="1"/>
             </a:lvl8pPr>
-            <a:lvl9pPr marL="8553298" indent="0">
+            <a:lvl9pPr marL="8553450" indent="0">
               <a:buNone/>
-              <a:defRPr sz="3742" b="1"/>
+              <a:defRPr sz="3740" b="1"/>
             </a:lvl9pPr>
           </a:lstStyle>
           <a:p>
@@ -1529,6 +1508,7 @@
               <a:rPr lang="en-US"/>
               <a:t>Click to edit Master text styles</a:t>
             </a:r>
+            <a:endParaRPr lang="en-US"/>
           </a:p>
         </p:txBody>
       </p:sp>
@@ -1557,6 +1537,7 @@
               <a:rPr lang="en-US"/>
               <a:t>Click to edit Master text styles</a:t>
             </a:r>
+            <a:endParaRPr lang="en-US"/>
           </a:p>
           <a:p>
             <a:pPr lvl="1"/>
@@ -1564,6 +1545,7 @@
               <a:rPr lang="en-US"/>
               <a:t>Second level</a:t>
             </a:r>
+            <a:endParaRPr lang="en-US"/>
           </a:p>
           <a:p>
             <a:pPr lvl="2"/>
@@ -1571,6 +1553,7 @@
               <a:rPr lang="en-US"/>
               <a:t>Third level</a:t>
             </a:r>
+            <a:endParaRPr lang="en-US"/>
           </a:p>
           <a:p>
             <a:pPr lvl="3"/>
@@ -1578,6 +1561,7 @@
               <a:rPr lang="en-US"/>
               <a:t>Fourth level</a:t>
             </a:r>
+            <a:endParaRPr lang="en-US"/>
           </a:p>
           <a:p>
             <a:pPr lvl="4"/>
@@ -1606,7 +1590,6 @@
           <a:p>
             <a:fld id="{DCEEBA53-EBA9-40A5-BD15-213969A436B3}" type="datetimeFigureOut">
               <a:rPr lang="en-GB" smtClean="0"/>
-              <a:t>05/05/2025</a:t>
             </a:fld>
             <a:endParaRPr lang="en-GB"/>
           </a:p>
@@ -1648,18 +1631,12 @@
           <a:p>
             <a:fld id="{AAFCC6D6-1FBA-4615-81ED-4860CC233C56}" type="slidenum">
               <a:rPr lang="en-GB" smtClean="0"/>
-              <a:t>‹#›</a:t>
             </a:fld>
             <a:endParaRPr lang="en-GB"/>
           </a:p>
         </p:txBody>
       </p:sp>
     </p:spTree>
-    <p:extLst>
-      <p:ext uri="{BB962C8B-B14F-4D97-AF65-F5344CB8AC3E}">
-        <p14:creationId xmlns:p14="http://schemas.microsoft.com/office/powerpoint/2010/main" val="441605402"/>
-      </p:ext>
-    </p:extLst>
   </p:cSld>
   <p:clrMapOvr>
     <a:masterClrMapping/>
@@ -1724,7 +1701,6 @@
           <a:p>
             <a:fld id="{DCEEBA53-EBA9-40A5-BD15-213969A436B3}" type="datetimeFigureOut">
               <a:rPr lang="en-GB" smtClean="0"/>
-              <a:t>05/05/2025</a:t>
             </a:fld>
             <a:endParaRPr lang="en-GB"/>
           </a:p>
@@ -1766,18 +1742,12 @@
           <a:p>
             <a:fld id="{AAFCC6D6-1FBA-4615-81ED-4860CC233C56}" type="slidenum">
               <a:rPr lang="en-GB" smtClean="0"/>
-              <a:t>‹#›</a:t>
             </a:fld>
             <a:endParaRPr lang="en-GB"/>
           </a:p>
         </p:txBody>
       </p:sp>
     </p:spTree>
-    <p:extLst>
-      <p:ext uri="{BB962C8B-B14F-4D97-AF65-F5344CB8AC3E}">
-        <p14:creationId xmlns:p14="http://schemas.microsoft.com/office/powerpoint/2010/main" val="1052162188"/>
-      </p:ext>
-    </p:extLst>
   </p:cSld>
   <p:clrMapOvr>
     <a:masterClrMapping/>
@@ -1819,7 +1789,6 @@
           <a:p>
             <a:fld id="{DCEEBA53-EBA9-40A5-BD15-213969A436B3}" type="datetimeFigureOut">
               <a:rPr lang="en-GB" smtClean="0"/>
-              <a:t>05/05/2025</a:t>
             </a:fld>
             <a:endParaRPr lang="en-GB"/>
           </a:p>
@@ -1861,18 +1830,12 @@
           <a:p>
             <a:fld id="{AAFCC6D6-1FBA-4615-81ED-4860CC233C56}" type="slidenum">
               <a:rPr lang="en-GB" smtClean="0"/>
-              <a:t>‹#›</a:t>
             </a:fld>
             <a:endParaRPr lang="en-GB"/>
           </a:p>
         </p:txBody>
       </p:sp>
     </p:spTree>
-    <p:extLst>
-      <p:ext uri="{BB962C8B-B14F-4D97-AF65-F5344CB8AC3E}">
-        <p14:creationId xmlns:p14="http://schemas.microsoft.com/office/powerpoint/2010/main" val="1685815143"/>
-      </p:ext>
-    </p:extLst>
   </p:cSld>
   <p:clrMapOvr>
     <a:masterClrMapping/>
@@ -1917,7 +1880,7 @@
           <a:bodyPr anchor="b"/>
           <a:lstStyle>
             <a:lvl1pPr>
-              <a:defRPr sz="7483"/>
+              <a:defRPr sz="7485"/>
             </a:lvl1pPr>
           </a:lstStyle>
           <a:p>
@@ -1949,31 +1912,31 @@
           <a:bodyPr/>
           <a:lstStyle>
             <a:lvl1pPr>
-              <a:defRPr sz="7483"/>
+              <a:defRPr sz="7485"/>
             </a:lvl1pPr>
             <a:lvl2pPr>
-              <a:defRPr sz="6548"/>
+              <a:defRPr sz="6550"/>
             </a:lvl2pPr>
             <a:lvl3pPr>
-              <a:defRPr sz="5612"/>
+              <a:defRPr sz="5610"/>
             </a:lvl3pPr>
             <a:lvl4pPr>
-              <a:defRPr sz="4677"/>
+              <a:defRPr sz="4675"/>
             </a:lvl4pPr>
             <a:lvl5pPr>
-              <a:defRPr sz="4677"/>
+              <a:defRPr sz="4675"/>
             </a:lvl5pPr>
             <a:lvl6pPr>
-              <a:defRPr sz="4677"/>
+              <a:defRPr sz="4675"/>
             </a:lvl6pPr>
             <a:lvl7pPr>
-              <a:defRPr sz="4677"/>
+              <a:defRPr sz="4675"/>
             </a:lvl7pPr>
             <a:lvl8pPr>
-              <a:defRPr sz="4677"/>
+              <a:defRPr sz="4675"/>
             </a:lvl8pPr>
             <a:lvl9pPr>
-              <a:defRPr sz="4677"/>
+              <a:defRPr sz="4675"/>
             </a:lvl9pPr>
           </a:lstStyle>
           <a:p>
@@ -1982,6 +1945,7 @@
               <a:rPr lang="en-US"/>
               <a:t>Click to edit Master text styles</a:t>
             </a:r>
+            <a:endParaRPr lang="en-US"/>
           </a:p>
           <a:p>
             <a:pPr lvl="1"/>
@@ -1989,6 +1953,7 @@
               <a:rPr lang="en-US"/>
               <a:t>Second level</a:t>
             </a:r>
+            <a:endParaRPr lang="en-US"/>
           </a:p>
           <a:p>
             <a:pPr lvl="2"/>
@@ -1996,6 +1961,7 @@
               <a:rPr lang="en-US"/>
               <a:t>Third level</a:t>
             </a:r>
+            <a:endParaRPr lang="en-US"/>
           </a:p>
           <a:p>
             <a:pPr lvl="3"/>
@@ -2003,6 +1969,7 @@
               <a:rPr lang="en-US"/>
               <a:t>Fourth level</a:t>
             </a:r>
+            <a:endParaRPr lang="en-US"/>
           </a:p>
           <a:p>
             <a:pPr lvl="4"/>
@@ -2035,39 +2002,39 @@
           <a:lstStyle>
             <a:lvl1pPr marL="0" indent="0">
               <a:buNone/>
-              <a:defRPr sz="3742"/>
+              <a:defRPr sz="3740"/>
             </a:lvl1pPr>
-            <a:lvl2pPr marL="1069162" indent="0">
+            <a:lvl2pPr marL="1069340" indent="0">
               <a:buNone/>
-              <a:defRPr sz="3274"/>
+              <a:defRPr sz="3275"/>
             </a:lvl2pPr>
-            <a:lvl3pPr marL="2138324" indent="0">
+            <a:lvl3pPr marL="2138045" indent="0">
               <a:buNone/>
-              <a:defRPr sz="2806"/>
+              <a:defRPr sz="2805"/>
             </a:lvl3pPr>
-            <a:lvl4pPr marL="3207487" indent="0">
+            <a:lvl4pPr marL="3207385" indent="0">
               <a:buNone/>
-              <a:defRPr sz="2339"/>
+              <a:defRPr sz="2340"/>
             </a:lvl4pPr>
-            <a:lvl5pPr marL="4276649" indent="0">
+            <a:lvl5pPr marL="4276725" indent="0">
               <a:buNone/>
-              <a:defRPr sz="2339"/>
+              <a:defRPr sz="2340"/>
             </a:lvl5pPr>
-            <a:lvl6pPr marL="5345811" indent="0">
+            <a:lvl6pPr marL="5346065" indent="0">
               <a:buNone/>
-              <a:defRPr sz="2339"/>
+              <a:defRPr sz="2340"/>
             </a:lvl6pPr>
-            <a:lvl7pPr marL="6414973" indent="0">
+            <a:lvl7pPr marL="6414770" indent="0">
               <a:buNone/>
-              <a:defRPr sz="2339"/>
+              <a:defRPr sz="2340"/>
             </a:lvl7pPr>
-            <a:lvl8pPr marL="7484135" indent="0">
+            <a:lvl8pPr marL="7484110" indent="0">
               <a:buNone/>
-              <a:defRPr sz="2339"/>
+              <a:defRPr sz="2340"/>
             </a:lvl8pPr>
-            <a:lvl9pPr marL="8553298" indent="0">
+            <a:lvl9pPr marL="8553450" indent="0">
               <a:buNone/>
-              <a:defRPr sz="2339"/>
+              <a:defRPr sz="2340"/>
             </a:lvl9pPr>
           </a:lstStyle>
           <a:p>
@@ -2076,6 +2043,7 @@
               <a:rPr lang="en-US"/>
               <a:t>Click to edit Master text styles</a:t>
             </a:r>
+            <a:endParaRPr lang="en-US"/>
           </a:p>
         </p:txBody>
       </p:sp>
@@ -2096,7 +2064,6 @@
           <a:p>
             <a:fld id="{DCEEBA53-EBA9-40A5-BD15-213969A436B3}" type="datetimeFigureOut">
               <a:rPr lang="en-GB" smtClean="0"/>
-              <a:t>05/05/2025</a:t>
             </a:fld>
             <a:endParaRPr lang="en-GB"/>
           </a:p>
@@ -2138,18 +2105,12 @@
           <a:p>
             <a:fld id="{AAFCC6D6-1FBA-4615-81ED-4860CC233C56}" type="slidenum">
               <a:rPr lang="en-GB" smtClean="0"/>
-              <a:t>‹#›</a:t>
             </a:fld>
             <a:endParaRPr lang="en-GB"/>
           </a:p>
         </p:txBody>
       </p:sp>
     </p:spTree>
-    <p:extLst>
-      <p:ext uri="{BB962C8B-B14F-4D97-AF65-F5344CB8AC3E}">
-        <p14:creationId xmlns:p14="http://schemas.microsoft.com/office/powerpoint/2010/main" val="2499635228"/>
-      </p:ext>
-    </p:extLst>
   </p:cSld>
   <p:clrMapOvr>
     <a:masterClrMapping/>
@@ -2194,7 +2155,7 @@
           <a:bodyPr anchor="b"/>
           <a:lstStyle>
             <a:lvl1pPr>
-              <a:defRPr sz="7483"/>
+              <a:defRPr sz="7485"/>
             </a:lvl1pPr>
           </a:lstStyle>
           <a:p>
@@ -2227,39 +2188,39 @@
           <a:lstStyle>
             <a:lvl1pPr marL="0" indent="0">
               <a:buNone/>
-              <a:defRPr sz="7483"/>
+              <a:defRPr sz="7485"/>
             </a:lvl1pPr>
-            <a:lvl2pPr marL="1069162" indent="0">
+            <a:lvl2pPr marL="1069340" indent="0">
               <a:buNone/>
-              <a:defRPr sz="6548"/>
+              <a:defRPr sz="6550"/>
             </a:lvl2pPr>
-            <a:lvl3pPr marL="2138324" indent="0">
+            <a:lvl3pPr marL="2138045" indent="0">
               <a:buNone/>
-              <a:defRPr sz="5612"/>
+              <a:defRPr sz="5610"/>
             </a:lvl3pPr>
-            <a:lvl4pPr marL="3207487" indent="0">
+            <a:lvl4pPr marL="3207385" indent="0">
               <a:buNone/>
-              <a:defRPr sz="4677"/>
+              <a:defRPr sz="4675"/>
             </a:lvl4pPr>
-            <a:lvl5pPr marL="4276649" indent="0">
+            <a:lvl5pPr marL="4276725" indent="0">
               <a:buNone/>
-              <a:defRPr sz="4677"/>
+              <a:defRPr sz="4675"/>
             </a:lvl5pPr>
-            <a:lvl6pPr marL="5345811" indent="0">
+            <a:lvl6pPr marL="5346065" indent="0">
               <a:buNone/>
-              <a:defRPr sz="4677"/>
+              <a:defRPr sz="4675"/>
             </a:lvl6pPr>
-            <a:lvl7pPr marL="6414973" indent="0">
+            <a:lvl7pPr marL="6414770" indent="0">
               <a:buNone/>
-              <a:defRPr sz="4677"/>
+              <a:defRPr sz="4675"/>
             </a:lvl7pPr>
-            <a:lvl8pPr marL="7484135" indent="0">
+            <a:lvl8pPr marL="7484110" indent="0">
               <a:buNone/>
-              <a:defRPr sz="4677"/>
+              <a:defRPr sz="4675"/>
             </a:lvl8pPr>
-            <a:lvl9pPr marL="8553298" indent="0">
+            <a:lvl9pPr marL="8553450" indent="0">
               <a:buNone/>
-              <a:defRPr sz="4677"/>
+              <a:defRPr sz="4675"/>
             </a:lvl9pPr>
           </a:lstStyle>
           <a:p>
@@ -2292,39 +2253,39 @@
           <a:lstStyle>
             <a:lvl1pPr marL="0" indent="0">
               <a:buNone/>
-              <a:defRPr sz="3742"/>
+              <a:defRPr sz="3740"/>
             </a:lvl1pPr>
-            <a:lvl2pPr marL="1069162" indent="0">
+            <a:lvl2pPr marL="1069340" indent="0">
               <a:buNone/>
-              <a:defRPr sz="3274"/>
+              <a:defRPr sz="3275"/>
             </a:lvl2pPr>
-            <a:lvl3pPr marL="2138324" indent="0">
+            <a:lvl3pPr marL="2138045" indent="0">
               <a:buNone/>
-              <a:defRPr sz="2806"/>
+              <a:defRPr sz="2805"/>
             </a:lvl3pPr>
-            <a:lvl4pPr marL="3207487" indent="0">
+            <a:lvl4pPr marL="3207385" indent="0">
               <a:buNone/>
-              <a:defRPr sz="2339"/>
+              <a:defRPr sz="2340"/>
             </a:lvl4pPr>
-            <a:lvl5pPr marL="4276649" indent="0">
+            <a:lvl5pPr marL="4276725" indent="0">
               <a:buNone/>
-              <a:defRPr sz="2339"/>
+              <a:defRPr sz="2340"/>
             </a:lvl5pPr>
-            <a:lvl6pPr marL="5345811" indent="0">
+            <a:lvl6pPr marL="5346065" indent="0">
               <a:buNone/>
-              <a:defRPr sz="2339"/>
+              <a:defRPr sz="2340"/>
             </a:lvl6pPr>
-            <a:lvl7pPr marL="6414973" indent="0">
+            <a:lvl7pPr marL="6414770" indent="0">
               <a:buNone/>
-              <a:defRPr sz="2339"/>
+              <a:defRPr sz="2340"/>
             </a:lvl7pPr>
-            <a:lvl8pPr marL="7484135" indent="0">
+            <a:lvl8pPr marL="7484110" indent="0">
               <a:buNone/>
-              <a:defRPr sz="2339"/>
+              <a:defRPr sz="2340"/>
             </a:lvl8pPr>
-            <a:lvl9pPr marL="8553298" indent="0">
+            <a:lvl9pPr marL="8553450" indent="0">
               <a:buNone/>
-              <a:defRPr sz="2339"/>
+              <a:defRPr sz="2340"/>
             </a:lvl9pPr>
           </a:lstStyle>
           <a:p>
@@ -2333,6 +2294,7 @@
               <a:rPr lang="en-US"/>
               <a:t>Click to edit Master text styles</a:t>
             </a:r>
+            <a:endParaRPr lang="en-US"/>
           </a:p>
         </p:txBody>
       </p:sp>
@@ -2353,7 +2315,6 @@
           <a:p>
             <a:fld id="{DCEEBA53-EBA9-40A5-BD15-213969A436B3}" type="datetimeFigureOut">
               <a:rPr lang="en-GB" smtClean="0"/>
-              <a:t>05/05/2025</a:t>
             </a:fld>
             <a:endParaRPr lang="en-GB"/>
           </a:p>
@@ -2395,18 +2356,12 @@
           <a:p>
             <a:fld id="{AAFCC6D6-1FBA-4615-81ED-4860CC233C56}" type="slidenum">
               <a:rPr lang="en-GB" smtClean="0"/>
-              <a:t>‹#›</a:t>
             </a:fld>
             <a:endParaRPr lang="en-GB"/>
           </a:p>
         </p:txBody>
       </p:sp>
     </p:spTree>
-    <p:extLst>
-      <p:ext uri="{BB962C8B-B14F-4D97-AF65-F5344CB8AC3E}">
-        <p14:creationId xmlns:p14="http://schemas.microsoft.com/office/powerpoint/2010/main" val="3968605461"/>
-      </p:ext>
-    </p:extLst>
   </p:cSld>
   <p:clrMapOvr>
     <a:masterClrMapping/>
@@ -2499,6 +2454,7 @@
               <a:rPr lang="en-US"/>
               <a:t>Click to edit Master text styles</a:t>
             </a:r>
+            <a:endParaRPr lang="en-US"/>
           </a:p>
           <a:p>
             <a:pPr lvl="1"/>
@@ -2506,6 +2462,7 @@
               <a:rPr lang="en-US"/>
               <a:t>Second level</a:t>
             </a:r>
+            <a:endParaRPr lang="en-US"/>
           </a:p>
           <a:p>
             <a:pPr lvl="2"/>
@@ -2513,6 +2470,7 @@
               <a:rPr lang="en-US"/>
               <a:t>Third level</a:t>
             </a:r>
+            <a:endParaRPr lang="en-US"/>
           </a:p>
           <a:p>
             <a:pPr lvl="3"/>
@@ -2520,6 +2478,7 @@
               <a:rPr lang="en-US"/>
               <a:t>Fourth level</a:t>
             </a:r>
+            <a:endParaRPr lang="en-US"/>
           </a:p>
           <a:p>
             <a:pPr lvl="4"/>
@@ -2554,7 +2513,7 @@
           <a:bodyPr vert="horz" lIns="91440" tIns="45720" rIns="91440" bIns="45720" rtlCol="0" anchor="ctr"/>
           <a:lstStyle>
             <a:lvl1pPr algn="l">
-              <a:defRPr sz="2806">
+              <a:defRPr sz="2805">
                 <a:solidFill>
                   <a:schemeClr val="tx1">
                     <a:tint val="75000"/>
@@ -2566,7 +2525,6 @@
           <a:p>
             <a:fld id="{DCEEBA53-EBA9-40A5-BD15-213969A436B3}" type="datetimeFigureOut">
               <a:rPr lang="en-GB" smtClean="0"/>
-              <a:t>05/05/2025</a:t>
             </a:fld>
             <a:endParaRPr lang="en-GB"/>
           </a:p>
@@ -2595,7 +2553,7 @@
           <a:bodyPr vert="horz" lIns="91440" tIns="45720" rIns="91440" bIns="45720" rtlCol="0" anchor="ctr"/>
           <a:lstStyle>
             <a:lvl1pPr algn="ctr">
-              <a:defRPr sz="2806">
+              <a:defRPr sz="2805">
                 <a:solidFill>
                   <a:schemeClr val="tx1">
                     <a:tint val="75000"/>
@@ -2632,7 +2590,7 @@
           <a:bodyPr vert="horz" lIns="91440" tIns="45720" rIns="91440" bIns="45720" rtlCol="0" anchor="ctr"/>
           <a:lstStyle>
             <a:lvl1pPr algn="r">
-              <a:defRPr sz="2806">
+              <a:defRPr sz="2805">
                 <a:solidFill>
                   <a:schemeClr val="tx1">
                     <a:tint val="75000"/>
@@ -2644,36 +2602,30 @@
           <a:p>
             <a:fld id="{AAFCC6D6-1FBA-4615-81ED-4860CC233C56}" type="slidenum">
               <a:rPr lang="en-GB" smtClean="0"/>
-              <a:t>‹#›</a:t>
             </a:fld>
             <a:endParaRPr lang="en-GB"/>
           </a:p>
         </p:txBody>
       </p:sp>
     </p:spTree>
-    <p:extLst>
-      <p:ext uri="{BB962C8B-B14F-4D97-AF65-F5344CB8AC3E}">
-        <p14:creationId xmlns:p14="http://schemas.microsoft.com/office/powerpoint/2010/main" val="3124963222"/>
-      </p:ext>
-    </p:extLst>
   </p:cSld>
   <p:clrMap bg1="lt1" tx1="dk1" bg2="lt2" tx2="dk2" accent1="accent1" accent2="accent2" accent3="accent3" accent4="accent4" accent5="accent5" accent6="accent6" hlink="hlink" folHlink="folHlink"/>
   <p:sldLayoutIdLst>
-    <p:sldLayoutId id="2147483661" r:id="rId1"/>
-    <p:sldLayoutId id="2147483662" r:id="rId2"/>
-    <p:sldLayoutId id="2147483663" r:id="rId3"/>
-    <p:sldLayoutId id="2147483664" r:id="rId4"/>
-    <p:sldLayoutId id="2147483665" r:id="rId5"/>
-    <p:sldLayoutId id="2147483666" r:id="rId6"/>
-    <p:sldLayoutId id="2147483667" r:id="rId7"/>
-    <p:sldLayoutId id="2147483668" r:id="rId8"/>
-    <p:sldLayoutId id="2147483669" r:id="rId9"/>
-    <p:sldLayoutId id="2147483670" r:id="rId10"/>
-    <p:sldLayoutId id="2147483671" r:id="rId11"/>
+    <p:sldLayoutId id="2147483649" r:id="rId1"/>
+    <p:sldLayoutId id="2147483650" r:id="rId2"/>
+    <p:sldLayoutId id="2147483651" r:id="rId3"/>
+    <p:sldLayoutId id="2147483652" r:id="rId4"/>
+    <p:sldLayoutId id="2147483653" r:id="rId5"/>
+    <p:sldLayoutId id="2147483654" r:id="rId6"/>
+    <p:sldLayoutId id="2147483655" r:id="rId7"/>
+    <p:sldLayoutId id="2147483656" r:id="rId8"/>
+    <p:sldLayoutId id="2147483657" r:id="rId9"/>
+    <p:sldLayoutId id="2147483658" r:id="rId10"/>
+    <p:sldLayoutId id="2147483659" r:id="rId11"/>
   </p:sldLayoutIdLst>
   <p:txStyles>
     <p:titleStyle>
-      <a:lvl1pPr algn="l" defTabSz="2138324" rtl="0" eaLnBrk="1" latinLnBrk="0" hangingPunct="1">
+      <a:lvl1pPr algn="l" defTabSz="2138045" rtl="0" eaLnBrk="1" latinLnBrk="0" hangingPunct="1">
         <a:lnSpc>
           <a:spcPct val="90000"/>
         </a:lnSpc>
@@ -2681,7 +2633,7 @@
           <a:spcPct val="0"/>
         </a:spcBef>
         <a:buNone/>
-        <a:defRPr sz="10289" kern="1200">
+        <a:defRPr sz="10290" kern="1200">
           <a:solidFill>
             <a:schemeClr val="tx1"/>
           </a:solidFill>
@@ -2692,16 +2644,16 @@
       </a:lvl1pPr>
     </p:titleStyle>
     <p:bodyStyle>
-      <a:lvl1pPr marL="534581" indent="-534581" algn="l" defTabSz="2138324" rtl="0" eaLnBrk="1" latinLnBrk="0" hangingPunct="1">
+      <a:lvl1pPr marL="534670" indent="-534670" algn="l" defTabSz="2138045" rtl="0" eaLnBrk="1" latinLnBrk="0" hangingPunct="1">
         <a:lnSpc>
           <a:spcPct val="90000"/>
         </a:lnSpc>
         <a:spcBef>
-          <a:spcPts val="2339"/>
+          <a:spcPts val="2340"/>
         </a:spcBef>
         <a:buFont typeface="Arial" panose="020B0604020202020204" pitchFamily="34" charset="0"/>
         <a:buChar char="•"/>
-        <a:defRPr sz="6548" kern="1200">
+        <a:defRPr sz="6550" kern="1200">
           <a:solidFill>
             <a:schemeClr val="tx1"/>
           </a:solidFill>
@@ -2710,16 +2662,16 @@
           <a:cs typeface="+mn-cs"/>
         </a:defRPr>
       </a:lvl1pPr>
-      <a:lvl2pPr marL="1603743" indent="-534581" algn="l" defTabSz="2138324" rtl="0" eaLnBrk="1" latinLnBrk="0" hangingPunct="1">
+      <a:lvl2pPr marL="1604010" indent="-534670" algn="l" defTabSz="2138045" rtl="0" eaLnBrk="1" latinLnBrk="0" hangingPunct="1">
         <a:lnSpc>
           <a:spcPct val="90000"/>
         </a:lnSpc>
         <a:spcBef>
-          <a:spcPts val="1169"/>
+          <a:spcPts val="1170"/>
         </a:spcBef>
         <a:buFont typeface="Arial" panose="020B0604020202020204" pitchFamily="34" charset="0"/>
         <a:buChar char="•"/>
-        <a:defRPr sz="5612" kern="1200">
+        <a:defRPr sz="5610" kern="1200">
           <a:solidFill>
             <a:schemeClr val="tx1"/>
           </a:solidFill>
@@ -2728,16 +2680,16 @@
           <a:cs typeface="+mn-cs"/>
         </a:defRPr>
       </a:lvl2pPr>
-      <a:lvl3pPr marL="2672906" indent="-534581" algn="l" defTabSz="2138324" rtl="0" eaLnBrk="1" latinLnBrk="0" hangingPunct="1">
+      <a:lvl3pPr marL="2672715" indent="-534670" algn="l" defTabSz="2138045" rtl="0" eaLnBrk="1" latinLnBrk="0" hangingPunct="1">
         <a:lnSpc>
           <a:spcPct val="90000"/>
         </a:lnSpc>
         <a:spcBef>
-          <a:spcPts val="1169"/>
+          <a:spcPts val="1170"/>
         </a:spcBef>
         <a:buFont typeface="Arial" panose="020B0604020202020204" pitchFamily="34" charset="0"/>
         <a:buChar char="•"/>
-        <a:defRPr sz="4677" kern="1200">
+        <a:defRPr sz="4675" kern="1200">
           <a:solidFill>
             <a:schemeClr val="tx1"/>
           </a:solidFill>
@@ -2746,16 +2698,16 @@
           <a:cs typeface="+mn-cs"/>
         </a:defRPr>
       </a:lvl3pPr>
-      <a:lvl4pPr marL="3742068" indent="-534581" algn="l" defTabSz="2138324" rtl="0" eaLnBrk="1" latinLnBrk="0" hangingPunct="1">
+      <a:lvl4pPr marL="3742055" indent="-534670" algn="l" defTabSz="2138045" rtl="0" eaLnBrk="1" latinLnBrk="0" hangingPunct="1">
         <a:lnSpc>
           <a:spcPct val="90000"/>
         </a:lnSpc>
         <a:spcBef>
-          <a:spcPts val="1169"/>
+          <a:spcPts val="1170"/>
         </a:spcBef>
         <a:buFont typeface="Arial" panose="020B0604020202020204" pitchFamily="34" charset="0"/>
         <a:buChar char="•"/>
-        <a:defRPr sz="4209" kern="1200">
+        <a:defRPr sz="4210" kern="1200">
           <a:solidFill>
             <a:schemeClr val="tx1"/>
           </a:solidFill>
@@ -2764,16 +2716,16 @@
           <a:cs typeface="+mn-cs"/>
         </a:defRPr>
       </a:lvl4pPr>
-      <a:lvl5pPr marL="4811230" indent="-534581" algn="l" defTabSz="2138324" rtl="0" eaLnBrk="1" latinLnBrk="0" hangingPunct="1">
+      <a:lvl5pPr marL="4811395" indent="-534670" algn="l" defTabSz="2138045" rtl="0" eaLnBrk="1" latinLnBrk="0" hangingPunct="1">
         <a:lnSpc>
           <a:spcPct val="90000"/>
         </a:lnSpc>
         <a:spcBef>
-          <a:spcPts val="1169"/>
+          <a:spcPts val="1170"/>
         </a:spcBef>
         <a:buFont typeface="Arial" panose="020B0604020202020204" pitchFamily="34" charset="0"/>
         <a:buChar char="•"/>
-        <a:defRPr sz="4209" kern="1200">
+        <a:defRPr sz="4210" kern="1200">
           <a:solidFill>
             <a:schemeClr val="tx1"/>
           </a:solidFill>
@@ -2782,16 +2734,16 @@
           <a:cs typeface="+mn-cs"/>
         </a:defRPr>
       </a:lvl5pPr>
-      <a:lvl6pPr marL="5880392" indent="-534581" algn="l" defTabSz="2138324" rtl="0" eaLnBrk="1" latinLnBrk="0" hangingPunct="1">
+      <a:lvl6pPr marL="5880100" indent="-534670" algn="l" defTabSz="2138045" rtl="0" eaLnBrk="1" latinLnBrk="0" hangingPunct="1">
         <a:lnSpc>
           <a:spcPct val="90000"/>
         </a:lnSpc>
         <a:spcBef>
-          <a:spcPts val="1169"/>
+          <a:spcPts val="1170"/>
         </a:spcBef>
         <a:buFont typeface="Arial" panose="020B0604020202020204" pitchFamily="34" charset="0"/>
         <a:buChar char="•"/>
-        <a:defRPr sz="4209" kern="1200">
+        <a:defRPr sz="4210" kern="1200">
           <a:solidFill>
             <a:schemeClr val="tx1"/>
           </a:solidFill>
@@ -2800,16 +2752,16 @@
           <a:cs typeface="+mn-cs"/>
         </a:defRPr>
       </a:lvl6pPr>
-      <a:lvl7pPr marL="6949554" indent="-534581" algn="l" defTabSz="2138324" rtl="0" eaLnBrk="1" latinLnBrk="0" hangingPunct="1">
+      <a:lvl7pPr marL="6949440" indent="-534670" algn="l" defTabSz="2138045" rtl="0" eaLnBrk="1" latinLnBrk="0" hangingPunct="1">
         <a:lnSpc>
           <a:spcPct val="90000"/>
         </a:lnSpc>
         <a:spcBef>
-          <a:spcPts val="1169"/>
+          <a:spcPts val="1170"/>
         </a:spcBef>
         <a:buFont typeface="Arial" panose="020B0604020202020204" pitchFamily="34" charset="0"/>
         <a:buChar char="•"/>
-        <a:defRPr sz="4209" kern="1200">
+        <a:defRPr sz="4210" kern="1200">
           <a:solidFill>
             <a:schemeClr val="tx1"/>
           </a:solidFill>
@@ -2818,16 +2770,16 @@
           <a:cs typeface="+mn-cs"/>
         </a:defRPr>
       </a:lvl7pPr>
-      <a:lvl8pPr marL="8018717" indent="-534581" algn="l" defTabSz="2138324" rtl="0" eaLnBrk="1" latinLnBrk="0" hangingPunct="1">
+      <a:lvl8pPr marL="8018780" indent="-534670" algn="l" defTabSz="2138045" rtl="0" eaLnBrk="1" latinLnBrk="0" hangingPunct="1">
         <a:lnSpc>
           <a:spcPct val="90000"/>
         </a:lnSpc>
         <a:spcBef>
-          <a:spcPts val="1169"/>
+          <a:spcPts val="1170"/>
         </a:spcBef>
         <a:buFont typeface="Arial" panose="020B0604020202020204" pitchFamily="34" charset="0"/>
         <a:buChar char="•"/>
-        <a:defRPr sz="4209" kern="1200">
+        <a:defRPr sz="4210" kern="1200">
           <a:solidFill>
             <a:schemeClr val="tx1"/>
           </a:solidFill>
@@ -2836,16 +2788,16 @@
           <a:cs typeface="+mn-cs"/>
         </a:defRPr>
       </a:lvl8pPr>
-      <a:lvl9pPr marL="9087879" indent="-534581" algn="l" defTabSz="2138324" rtl="0" eaLnBrk="1" latinLnBrk="0" hangingPunct="1">
+      <a:lvl9pPr marL="9088120" indent="-534670" algn="l" defTabSz="2138045" rtl="0" eaLnBrk="1" latinLnBrk="0" hangingPunct="1">
         <a:lnSpc>
           <a:spcPct val="90000"/>
         </a:lnSpc>
         <a:spcBef>
-          <a:spcPts val="1169"/>
+          <a:spcPts val="1170"/>
         </a:spcBef>
         <a:buFont typeface="Arial" panose="020B0604020202020204" pitchFamily="34" charset="0"/>
         <a:buChar char="•"/>
-        <a:defRPr sz="4209" kern="1200">
+        <a:defRPr sz="4210" kern="1200">
           <a:solidFill>
             <a:schemeClr val="tx1"/>
           </a:solidFill>
@@ -2859,8 +2811,8 @@
       <a:defPPr>
         <a:defRPr lang="en-US"/>
       </a:defPPr>
-      <a:lvl1pPr marL="0" algn="l" defTabSz="2138324" rtl="0" eaLnBrk="1" latinLnBrk="0" hangingPunct="1">
-        <a:defRPr sz="4209" kern="1200">
+      <a:lvl1pPr marL="0" algn="l" defTabSz="2138045" rtl="0" eaLnBrk="1" latinLnBrk="0" hangingPunct="1">
+        <a:defRPr sz="4210" kern="1200">
           <a:solidFill>
             <a:schemeClr val="tx1"/>
           </a:solidFill>
@@ -2869,8 +2821,8 @@
           <a:cs typeface="+mn-cs"/>
         </a:defRPr>
       </a:lvl1pPr>
-      <a:lvl2pPr marL="1069162" algn="l" defTabSz="2138324" rtl="0" eaLnBrk="1" latinLnBrk="0" hangingPunct="1">
-        <a:defRPr sz="4209" kern="1200">
+      <a:lvl2pPr marL="1069340" algn="l" defTabSz="2138045" rtl="0" eaLnBrk="1" latinLnBrk="0" hangingPunct="1">
+        <a:defRPr sz="4210" kern="1200">
           <a:solidFill>
             <a:schemeClr val="tx1"/>
           </a:solidFill>
@@ -2879,8 +2831,8 @@
           <a:cs typeface="+mn-cs"/>
         </a:defRPr>
       </a:lvl2pPr>
-      <a:lvl3pPr marL="2138324" algn="l" defTabSz="2138324" rtl="0" eaLnBrk="1" latinLnBrk="0" hangingPunct="1">
-        <a:defRPr sz="4209" kern="1200">
+      <a:lvl3pPr marL="2138045" algn="l" defTabSz="2138045" rtl="0" eaLnBrk="1" latinLnBrk="0" hangingPunct="1">
+        <a:defRPr sz="4210" kern="1200">
           <a:solidFill>
             <a:schemeClr val="tx1"/>
           </a:solidFill>
@@ -2889,8 +2841,8 @@
           <a:cs typeface="+mn-cs"/>
         </a:defRPr>
       </a:lvl3pPr>
-      <a:lvl4pPr marL="3207487" algn="l" defTabSz="2138324" rtl="0" eaLnBrk="1" latinLnBrk="0" hangingPunct="1">
-        <a:defRPr sz="4209" kern="1200">
+      <a:lvl4pPr marL="3207385" algn="l" defTabSz="2138045" rtl="0" eaLnBrk="1" latinLnBrk="0" hangingPunct="1">
+        <a:defRPr sz="4210" kern="1200">
           <a:solidFill>
             <a:schemeClr val="tx1"/>
           </a:solidFill>
@@ -2899,8 +2851,8 @@
           <a:cs typeface="+mn-cs"/>
         </a:defRPr>
       </a:lvl4pPr>
-      <a:lvl5pPr marL="4276649" algn="l" defTabSz="2138324" rtl="0" eaLnBrk="1" latinLnBrk="0" hangingPunct="1">
-        <a:defRPr sz="4209" kern="1200">
+      <a:lvl5pPr marL="4276725" algn="l" defTabSz="2138045" rtl="0" eaLnBrk="1" latinLnBrk="0" hangingPunct="1">
+        <a:defRPr sz="4210" kern="1200">
           <a:solidFill>
             <a:schemeClr val="tx1"/>
           </a:solidFill>
@@ -2909,8 +2861,8 @@
           <a:cs typeface="+mn-cs"/>
         </a:defRPr>
       </a:lvl5pPr>
-      <a:lvl6pPr marL="5345811" algn="l" defTabSz="2138324" rtl="0" eaLnBrk="1" latinLnBrk="0" hangingPunct="1">
-        <a:defRPr sz="4209" kern="1200">
+      <a:lvl6pPr marL="5346065" algn="l" defTabSz="2138045" rtl="0" eaLnBrk="1" latinLnBrk="0" hangingPunct="1">
+        <a:defRPr sz="4210" kern="1200">
           <a:solidFill>
             <a:schemeClr val="tx1"/>
           </a:solidFill>
@@ -2919,8 +2871,8 @@
           <a:cs typeface="+mn-cs"/>
         </a:defRPr>
       </a:lvl6pPr>
-      <a:lvl7pPr marL="6414973" algn="l" defTabSz="2138324" rtl="0" eaLnBrk="1" latinLnBrk="0" hangingPunct="1">
-        <a:defRPr sz="4209" kern="1200">
+      <a:lvl7pPr marL="6414770" algn="l" defTabSz="2138045" rtl="0" eaLnBrk="1" latinLnBrk="0" hangingPunct="1">
+        <a:defRPr sz="4210" kern="1200">
           <a:solidFill>
             <a:schemeClr val="tx1"/>
           </a:solidFill>
@@ -2929,8 +2881,8 @@
           <a:cs typeface="+mn-cs"/>
         </a:defRPr>
       </a:lvl7pPr>
-      <a:lvl8pPr marL="7484135" algn="l" defTabSz="2138324" rtl="0" eaLnBrk="1" latinLnBrk="0" hangingPunct="1">
-        <a:defRPr sz="4209" kern="1200">
+      <a:lvl8pPr marL="7484110" algn="l" defTabSz="2138045" rtl="0" eaLnBrk="1" latinLnBrk="0" hangingPunct="1">
+        <a:defRPr sz="4210" kern="1200">
           <a:solidFill>
             <a:schemeClr val="tx1"/>
           </a:solidFill>
@@ -2939,8 +2891,8 @@
           <a:cs typeface="+mn-cs"/>
         </a:defRPr>
       </a:lvl8pPr>
-      <a:lvl9pPr marL="8553298" algn="l" defTabSz="2138324" rtl="0" eaLnBrk="1" latinLnBrk="0" hangingPunct="1">
-        <a:defRPr sz="4209" kern="1200">
+      <a:lvl9pPr marL="8553450" algn="l" defTabSz="2138045" rtl="0" eaLnBrk="1" latinLnBrk="0" hangingPunct="1">
+        <a:defRPr sz="4210" kern="1200">
           <a:solidFill>
             <a:schemeClr val="tx1"/>
           </a:solidFill>
@@ -3012,7 +2964,7 @@
           <a:lstStyle/>
           <a:p>
             <a:pPr algn="ctr"/>
-            <a:endParaRPr lang="en-GB" sz="14412" dirty="0">
+            <a:endParaRPr lang="en-GB" sz="14410" dirty="0">
               <a:solidFill>
                 <a:srgbClr val="FF0000"/>
               </a:solidFill>
@@ -3025,13 +2977,7 @@
       </p:sp>
       <p:sp>
         <p:nvSpPr>
-          <p:cNvPr id="23" name="Rectangle 22">
-            <a:extLst>
-              <a:ext uri="{FF2B5EF4-FFF2-40B4-BE49-F238E27FC236}">
-                <a16:creationId xmlns:a16="http://schemas.microsoft.com/office/drawing/2014/main" id="{7BF20449-EDD7-0CEA-39F7-F3CF284A47C0}"/>
-              </a:ext>
-            </a:extLst>
-          </p:cNvPr>
+          <p:cNvPr id="23" name="Rectangle 22"/>
           <p:cNvSpPr/>
           <p:nvPr/>
         </p:nvSpPr>
@@ -3071,7 +3017,7 @@
           <a:lstStyle/>
           <a:p>
             <a:pPr algn="ctr"/>
-            <a:endParaRPr lang="en-GB" sz="14412" dirty="0">
+            <a:endParaRPr lang="en-GB" sz="14410" dirty="0">
               <a:solidFill>
                 <a:srgbClr val="FF0000"/>
               </a:solidFill>
@@ -3138,7 +3084,7 @@
           <a:lstStyle/>
           <a:p>
             <a:pPr algn="ctr"/>
-            <a:endParaRPr lang="en-GB" sz="14412"/>
+            <a:endParaRPr lang="en-GB" sz="14410"/>
           </a:p>
         </p:txBody>
       </p:sp>
@@ -3197,7 +3143,7 @@
           <a:lstStyle/>
           <a:p>
             <a:pPr algn="ctr"/>
-            <a:endParaRPr lang="en-GB" sz="14412"/>
+            <a:endParaRPr lang="en-GB" sz="14410"/>
           </a:p>
         </p:txBody>
       </p:sp>
@@ -3257,7 +3203,7 @@
           <a:lstStyle/>
           <a:p>
             <a:pPr algn="ctr"/>
-            <a:endParaRPr lang="en-GB" sz="14412"/>
+            <a:endParaRPr lang="en-GB" sz="14410"/>
           </a:p>
         </p:txBody>
       </p:sp>
@@ -3316,7 +3262,7 @@
           <a:lstStyle/>
           <a:p>
             <a:pPr algn="ctr"/>
-            <a:endParaRPr lang="en-GB" sz="14412"/>
+            <a:endParaRPr lang="en-GB" sz="14410"/>
           </a:p>
         </p:txBody>
       </p:sp>
@@ -3358,7 +3304,7 @@
           <a:lstStyle/>
           <a:p>
             <a:pPr algn="ctr"/>
-            <a:endParaRPr lang="en-GB" sz="14412"/>
+            <a:endParaRPr lang="en-GB" sz="14410"/>
           </a:p>
         </p:txBody>
       </p:sp>
@@ -3412,7 +3358,7 @@
           <a:lstStyle/>
           <a:p>
             <a:pPr algn="ctr"/>
-            <a:endParaRPr lang="en-GB" sz="14412"/>
+            <a:endParaRPr lang="en-GB" sz="14410"/>
           </a:p>
         </p:txBody>
       </p:sp>
@@ -3425,7 +3371,7 @@
           <p:nvPr/>
         </p:nvPicPr>
         <p:blipFill>
-          <a:blip r:embed="rId2" cstate="print">
+          <a:blip r:embed="rId1" cstate="print">
             <a:extLst>
               <a:ext uri="{28A0092B-C50C-407E-A947-70E740481C1C}">
                 <a14:useLocalDpi xmlns:a14="http://schemas.microsoft.com/office/drawing/2010/main" val="0"/>
@@ -3469,14 +3415,14 @@
           <a:lstStyle/>
           <a:p>
             <a:r>
-              <a:rPr lang="en-GB" sz="3394" b="1" dirty="0">
+              <a:rPr lang="en-GB" sz="3395" b="1" dirty="0">
                 <a:latin typeface="Calibri Light" panose="020F0302020204030204" pitchFamily="34" charset="0"/>
                 <a:ea typeface="Anonymous Pro" panose="02060609030202000504" pitchFamily="49" charset="0"/>
                 <a:cs typeface="Calibri Light" panose="020F0302020204030204" pitchFamily="34" charset="0"/>
               </a:rPr>
               <a:t>Introduction:</a:t>
             </a:r>
-            <a:endParaRPr lang="en-GB" sz="2829" b="1" dirty="0">
+            <a:endParaRPr lang="en-GB" sz="2830" b="1" dirty="0">
               <a:latin typeface="Calibri Light" panose="020F0302020204030204" pitchFamily="34" charset="0"/>
               <a:ea typeface="Anonymous Pro" panose="02060609030202000504" pitchFamily="49" charset="0"/>
               <a:cs typeface="Calibri Light" panose="020F0302020204030204" pitchFamily="34" charset="0"/>
@@ -3484,33 +3430,21 @@
           </a:p>
           <a:p>
             <a:r>
-              <a:rPr lang="en-GB" sz="2263" dirty="0">
+              <a:rPr lang="en-GB" sz="2265" dirty="0">
                 <a:latin typeface="Calibri Light" panose="020F0302020204030204" pitchFamily="34" charset="0"/>
                 <a:ea typeface="Anonymous Pro" panose="02060609030202000504" pitchFamily="49" charset="0"/>
                 <a:cs typeface="Calibri Light" panose="020F0302020204030204" pitchFamily="34" charset="0"/>
               </a:rPr>
               <a:t>As Games become older there is less investment from their creators, as a result games go obsolete with time. This makes games preservation vital in ensuring these games do not go obsolete and forgotten for public and professional use.</a:t>
             </a:r>
-          </a:p>
-          <a:p>
-            <a:endParaRPr lang="en-GB" sz="2263" dirty="0">
+            <a:endParaRPr lang="en-GB" sz="2265" dirty="0">
               <a:latin typeface="Calibri Light" panose="020F0302020204030204" pitchFamily="34" charset="0"/>
               <a:ea typeface="Anonymous Pro" panose="02060609030202000504" pitchFamily="49" charset="0"/>
               <a:cs typeface="Calibri Light" panose="020F0302020204030204" pitchFamily="34" charset="0"/>
             </a:endParaRPr>
           </a:p>
           <a:p>
-            <a:r>
-              <a:rPr lang="en-GB" sz="2263" dirty="0">
-                <a:latin typeface="Calibri Light" panose="020F0302020204030204" pitchFamily="34" charset="0"/>
-                <a:ea typeface="Anonymous Pro" panose="02060609030202000504" pitchFamily="49" charset="0"/>
-                <a:cs typeface="Calibri Light" panose="020F0302020204030204" pitchFamily="34" charset="0"/>
-              </a:rPr>
-              <a:t>Games preservation is the act of preserving and maintain games, games systems and their files Games preservation as a practice can be done through preserving the contents of the game asset files for further use for programmers and game designers. </a:t>
-            </a:r>
-          </a:p>
-          <a:p>
-            <a:endParaRPr lang="en-GB" sz="2263" dirty="0">
+            <a:endParaRPr lang="en-GB" sz="2265" dirty="0">
               <a:latin typeface="Calibri Light" panose="020F0302020204030204" pitchFamily="34" charset="0"/>
               <a:ea typeface="Anonymous Pro" panose="02060609030202000504" pitchFamily="49" charset="0"/>
               <a:cs typeface="Calibri Light" panose="020F0302020204030204" pitchFamily="34" charset="0"/>
@@ -3518,7 +3452,29 @@
           </a:p>
           <a:p>
             <a:r>
-              <a:rPr lang="en-GB" sz="2263" dirty="0">
+              <a:rPr lang="en-GB" sz="2265" dirty="0">
+                <a:latin typeface="Calibri Light" panose="020F0302020204030204" pitchFamily="34" charset="0"/>
+                <a:ea typeface="Anonymous Pro" panose="02060609030202000504" pitchFamily="49" charset="0"/>
+                <a:cs typeface="Calibri Light" panose="020F0302020204030204" pitchFamily="34" charset="0"/>
+              </a:rPr>
+              <a:t>Games preservation is the act of preserving and maintain games, games systems and their files Games preservation as a practice can be done through preserving the contents of the game asset files for further use for programmers and game designers. </a:t>
+            </a:r>
+            <a:endParaRPr lang="en-GB" sz="2265" dirty="0">
+              <a:latin typeface="Calibri Light" panose="020F0302020204030204" pitchFamily="34" charset="0"/>
+              <a:ea typeface="Anonymous Pro" panose="02060609030202000504" pitchFamily="49" charset="0"/>
+              <a:cs typeface="Calibri Light" panose="020F0302020204030204" pitchFamily="34" charset="0"/>
+            </a:endParaRPr>
+          </a:p>
+          <a:p>
+            <a:endParaRPr lang="en-GB" sz="2265" dirty="0">
+              <a:latin typeface="Calibri Light" panose="020F0302020204030204" pitchFamily="34" charset="0"/>
+              <a:ea typeface="Anonymous Pro" panose="02060609030202000504" pitchFamily="49" charset="0"/>
+              <a:cs typeface="Calibri Light" panose="020F0302020204030204" pitchFamily="34" charset="0"/>
+            </a:endParaRPr>
+          </a:p>
+          <a:p>
+            <a:r>
+              <a:rPr lang="en-GB" sz="2265" dirty="0">
                 <a:latin typeface="Calibri Light" panose="020F0302020204030204" pitchFamily="34" charset="0"/>
                 <a:ea typeface="Anonymous Pro" panose="02060609030202000504" pitchFamily="49" charset="0"/>
                 <a:cs typeface="Calibri Light" panose="020F0302020204030204" pitchFamily="34" charset="0"/>
@@ -3526,7 +3482,7 @@
               <a:t>4 Artefacts were created in total for this purpose, .Str exporter, .</a:t>
             </a:r>
             <a:r>
-              <a:rPr lang="en-GB" sz="2263" dirty="0" err="1">
+              <a:rPr lang="en-GB" sz="2265" dirty="0" err="1">
                 <a:latin typeface="Calibri Light" panose="020F0302020204030204" pitchFamily="34" charset="0"/>
                 <a:ea typeface="Anonymous Pro" panose="02060609030202000504" pitchFamily="49" charset="0"/>
                 <a:cs typeface="Calibri Light" panose="020F0302020204030204" pitchFamily="34" charset="0"/>
@@ -3534,7 +3490,7 @@
               <a:t>Rws</a:t>
             </a:r>
             <a:r>
-              <a:rPr lang="en-GB" sz="2263" dirty="0">
+              <a:rPr lang="en-GB" sz="2265" dirty="0">
                 <a:latin typeface="Calibri Light" panose="020F0302020204030204" pitchFamily="34" charset="0"/>
                 <a:ea typeface="Anonymous Pro" panose="02060609030202000504" pitchFamily="49" charset="0"/>
                 <a:cs typeface="Calibri Light" panose="020F0302020204030204" pitchFamily="34" charset="0"/>
@@ -3542,7 +3498,7 @@
               <a:t> and .</a:t>
             </a:r>
             <a:r>
-              <a:rPr lang="en-GB" sz="2263" dirty="0" err="1">
+              <a:rPr lang="en-GB" sz="2265" dirty="0" err="1">
                 <a:latin typeface="Calibri Light" panose="020F0302020204030204" pitchFamily="34" charset="0"/>
                 <a:ea typeface="Anonymous Pro" panose="02060609030202000504" pitchFamily="49" charset="0"/>
                 <a:cs typeface="Calibri Light" panose="020F0302020204030204" pitchFamily="34" charset="0"/>
@@ -3550,7 +3506,7 @@
               <a:t>Dff</a:t>
             </a:r>
             <a:r>
-              <a:rPr lang="en-GB" sz="2263" dirty="0">
+              <a:rPr lang="en-GB" sz="2265" dirty="0">
                 <a:latin typeface="Calibri Light" panose="020F0302020204030204" pitchFamily="34" charset="0"/>
                 <a:ea typeface="Anonymous Pro" panose="02060609030202000504" pitchFamily="49" charset="0"/>
                 <a:cs typeface="Calibri Light" panose="020F0302020204030204" pitchFamily="34" charset="0"/>
@@ -3558,7 +3514,7 @@
               <a:t> file converter to .</a:t>
             </a:r>
             <a:r>
-              <a:rPr lang="en-GB" sz="2263" dirty="0" err="1">
+              <a:rPr lang="en-GB" sz="2265" dirty="0" err="1">
                 <a:latin typeface="Calibri Light" panose="020F0302020204030204" pitchFamily="34" charset="0"/>
                 <a:ea typeface="Anonymous Pro" panose="02060609030202000504" pitchFamily="49" charset="0"/>
                 <a:cs typeface="Calibri Light" panose="020F0302020204030204" pitchFamily="34" charset="0"/>
@@ -3566,7 +3522,7 @@
               <a:t>Obj</a:t>
             </a:r>
             <a:r>
-              <a:rPr lang="en-GB" sz="2263" dirty="0">
+              <a:rPr lang="en-GB" sz="2265" dirty="0">
                 <a:latin typeface="Calibri Light" panose="020F0302020204030204" pitchFamily="34" charset="0"/>
                 <a:ea typeface="Anonymous Pro" panose="02060609030202000504" pitchFamily="49" charset="0"/>
                 <a:cs typeface="Calibri Light" panose="020F0302020204030204" pitchFamily="34" charset="0"/>
@@ -3574,7 +3530,7 @@
               <a:t> and the </a:t>
             </a:r>
             <a:r>
-              <a:rPr lang="en-GB" sz="2263" b="1" dirty="0">
+              <a:rPr lang="en-GB" sz="2265" b="1" dirty="0">
                 <a:latin typeface="Calibri Light" panose="020F0302020204030204" pitchFamily="34" charset="0"/>
                 <a:ea typeface="Anonymous Pro" panose="02060609030202000504" pitchFamily="49" charset="0"/>
                 <a:cs typeface="Calibri Light" panose="020F0302020204030204" pitchFamily="34" charset="0"/>
@@ -3582,7 +3538,7 @@
               <a:t>GAD. </a:t>
             </a:r>
             <a:r>
-              <a:rPr lang="en-GB" sz="2263" dirty="0">
+              <a:rPr lang="en-GB" sz="2265" dirty="0">
                 <a:latin typeface="Calibri Light" panose="020F0302020204030204" pitchFamily="34" charset="0"/>
                 <a:ea typeface="Anonymous Pro" panose="02060609030202000504" pitchFamily="49" charset="0"/>
                 <a:cs typeface="Calibri Light" panose="020F0302020204030204" pitchFamily="34" charset="0"/>
@@ -3590,7 +3546,7 @@
               <a:t>Software Artefacts were Written in </a:t>
             </a:r>
             <a:r>
-              <a:rPr lang="en-GB" sz="2263" dirty="0" err="1">
+              <a:rPr lang="en-GB" sz="2265" dirty="0" err="1">
                 <a:latin typeface="Calibri Light" panose="020F0302020204030204" pitchFamily="34" charset="0"/>
                 <a:ea typeface="Anonymous Pro" panose="02060609030202000504" pitchFamily="49" charset="0"/>
                 <a:cs typeface="Calibri Light" panose="020F0302020204030204" pitchFamily="34" charset="0"/>
@@ -3598,13 +3554,18 @@
               <a:t>c++</a:t>
             </a:r>
             <a:r>
-              <a:rPr lang="en-GB" sz="2263" dirty="0">
+              <a:rPr lang="en-GB" sz="2265" dirty="0">
                 <a:latin typeface="Calibri Light" panose="020F0302020204030204" pitchFamily="34" charset="0"/>
                 <a:ea typeface="Anonymous Pro" panose="02060609030202000504" pitchFamily="49" charset="0"/>
                 <a:cs typeface="Calibri Light" panose="020F0302020204030204" pitchFamily="34" charset="0"/>
               </a:rPr>
               <a:t> for speed and memory efficiency.</a:t>
             </a:r>
+            <a:endParaRPr lang="en-GB" sz="2265" dirty="0">
+              <a:latin typeface="Calibri Light" panose="020F0302020204030204" pitchFamily="34" charset="0"/>
+              <a:ea typeface="Anonymous Pro" panose="02060609030202000504" pitchFamily="49" charset="0"/>
+              <a:cs typeface="Calibri Light" panose="020F0302020204030204" pitchFamily="34" charset="0"/>
+            </a:endParaRPr>
           </a:p>
         </p:txBody>
       </p:sp>
@@ -3642,15 +3603,15 @@
                 <a:spcPct val="107000"/>
               </a:lnSpc>
               <a:spcAft>
-                <a:spcPts val="2263"/>
+                <a:spcPts val="2265"/>
               </a:spcAft>
             </a:pPr>
             <a:r>
-              <a:rPr lang="en-GB" sz="849" dirty="0"/>
+              <a:rPr lang="en-GB" sz="850" dirty="0"/>
               <a:t>References - </a:t>
             </a:r>
             <a:r>
-              <a:rPr lang="en-GB" sz="849" kern="100" dirty="0">
+              <a:rPr lang="en-GB" sz="850" kern="100" dirty="0">
                 <a:latin typeface="Calibri" panose="020F0502020204030204" pitchFamily="34" charset="0"/>
                 <a:ea typeface="SimSun" panose="02010600030101010101" pitchFamily="2" charset="-122"/>
                 <a:cs typeface="Times New Roman" panose="02020603050405020304" pitchFamily="18" charset="0"/>
@@ -3658,7 +3619,7 @@
               <a:t>Tito </a:t>
             </a:r>
             <a:r>
-              <a:rPr lang="en-GB" sz="849" kern="100" dirty="0" err="1">
+              <a:rPr lang="en-GB" sz="850" kern="100" dirty="0" err="1">
                 <a:latin typeface="Calibri" panose="020F0502020204030204" pitchFamily="34" charset="0"/>
                 <a:ea typeface="SimSun" panose="02010600030101010101" pitchFamily="2" charset="-122"/>
                 <a:cs typeface="Times New Roman" panose="02020603050405020304" pitchFamily="18" charset="0"/>
@@ -3666,7 +3627,7 @@
               <a:t>waluyo</a:t>
             </a:r>
             <a:r>
-              <a:rPr lang="en-GB" sz="849" kern="100" dirty="0">
+              <a:rPr lang="en-GB" sz="850" kern="100" dirty="0">
                 <a:latin typeface="Calibri" panose="020F0502020204030204" pitchFamily="34" charset="0"/>
                 <a:ea typeface="SimSun" panose="02010600030101010101" pitchFamily="2" charset="-122"/>
                 <a:cs typeface="Times New Roman" panose="02020603050405020304" pitchFamily="18" charset="0"/>
@@ -3674,7 +3635,7 @@
               <a:t> </a:t>
             </a:r>
             <a:r>
-              <a:rPr lang="en-GB" sz="849" kern="100" dirty="0" err="1">
+              <a:rPr lang="en-GB" sz="850" kern="100" dirty="0" err="1">
                 <a:latin typeface="Calibri" panose="020F0502020204030204" pitchFamily="34" charset="0"/>
                 <a:ea typeface="SimSun" panose="02010600030101010101" pitchFamily="2" charset="-122"/>
                 <a:cs typeface="Times New Roman" panose="02020603050405020304" pitchFamily="18" charset="0"/>
@@ -3682,7 +3643,7 @@
               <a:t>purboyo</a:t>
             </a:r>
             <a:r>
-              <a:rPr lang="en-GB" sz="849" kern="100" dirty="0">
+              <a:rPr lang="en-GB" sz="850" kern="100" dirty="0">
                 <a:latin typeface="Calibri" panose="020F0502020204030204" pitchFamily="34" charset="0"/>
                 <a:ea typeface="SimSun" panose="02010600030101010101" pitchFamily="2" charset="-122"/>
                 <a:cs typeface="Times New Roman" panose="02020603050405020304" pitchFamily="18" charset="0"/>
@@ -3690,7 +3651,7 @@
               <a:t>, 2017, a review of data compression techniques, international journal of applied engineering research, 8596 - 8963, (PDF) A review of data compression techniques. SIDDEQ, </a:t>
             </a:r>
             <a:r>
-              <a:rPr lang="en-GB" sz="849" kern="100" dirty="0" err="1">
+              <a:rPr lang="en-GB" sz="850" kern="100" dirty="0" err="1">
                 <a:latin typeface="Calibri" panose="020F0502020204030204" pitchFamily="34" charset="0"/>
                 <a:ea typeface="SimSun" panose="02010600030101010101" pitchFamily="2" charset="-122"/>
                 <a:cs typeface="Times New Roman" panose="02020603050405020304" pitchFamily="18" charset="0"/>
@@ -3698,7 +3659,7 @@
               <a:t>mohammed</a:t>
             </a:r>
             <a:r>
-              <a:rPr lang="en-GB" sz="849" kern="100" dirty="0">
+              <a:rPr lang="en-GB" sz="850" kern="100" dirty="0">
                 <a:latin typeface="Calibri" panose="020F0502020204030204" pitchFamily="34" charset="0"/>
                 <a:ea typeface="SimSun" panose="02010600030101010101" pitchFamily="2" charset="-122"/>
                 <a:cs typeface="Times New Roman" panose="02020603050405020304" pitchFamily="18" charset="0"/>
@@ -3706,7 +3667,7 @@
               <a:t> M and Rodrigues, </a:t>
             </a:r>
             <a:r>
-              <a:rPr lang="en-GB" sz="849" kern="100" dirty="0" err="1">
+              <a:rPr lang="en-GB" sz="850" kern="100" dirty="0" err="1">
                 <a:latin typeface="Calibri" panose="020F0502020204030204" pitchFamily="34" charset="0"/>
                 <a:ea typeface="SimSun" panose="02010600030101010101" pitchFamily="2" charset="-122"/>
                 <a:cs typeface="Times New Roman" panose="02020603050405020304" pitchFamily="18" charset="0"/>
@@ -3714,7 +3675,7 @@
               <a:t>marcos</a:t>
             </a:r>
             <a:r>
-              <a:rPr lang="en-GB" sz="849" kern="100" dirty="0">
+              <a:rPr lang="en-GB" sz="850" kern="100" dirty="0">
                 <a:latin typeface="Calibri" panose="020F0502020204030204" pitchFamily="34" charset="0"/>
                 <a:ea typeface="SimSun" panose="02010600030101010101" pitchFamily="2" charset="-122"/>
                 <a:cs typeface="Times New Roman" panose="02020603050405020304" pitchFamily="18" charset="0"/>
@@ -3722,7 +3683,7 @@
               <a:t>, 2016, Novel 3D compression methods for geometry connectivity and texture, Sheffield </a:t>
             </a:r>
             <a:r>
-              <a:rPr lang="en-GB" sz="849" kern="100" dirty="0" err="1">
+              <a:rPr lang="en-GB" sz="850" kern="100" dirty="0" err="1">
                 <a:latin typeface="Calibri" panose="020F0502020204030204" pitchFamily="34" charset="0"/>
                 <a:ea typeface="SimSun" panose="02010600030101010101" pitchFamily="2" charset="-122"/>
                 <a:cs typeface="Times New Roman" panose="02020603050405020304" pitchFamily="18" charset="0"/>
@@ -3730,7 +3691,7 @@
               <a:t>hallam</a:t>
             </a:r>
             <a:r>
-              <a:rPr lang="en-GB" sz="849" kern="100" dirty="0">
+              <a:rPr lang="en-GB" sz="850" kern="100" dirty="0">
                 <a:latin typeface="Calibri" panose="020F0502020204030204" pitchFamily="34" charset="0"/>
                 <a:ea typeface="SimSun" panose="02010600030101010101" pitchFamily="2" charset="-122"/>
                 <a:cs typeface="Times New Roman" panose="02020603050405020304" pitchFamily="18" charset="0"/>
@@ -3738,7 +3699,7 @@
               <a:t> university research archive, 1 - 16, Microsoft Word - Research_No_7_MR_final.docx Mustafa ORAL, Ammar abbas Elmas, 2017, A brief history of 3d mesh compression, </a:t>
             </a:r>
             <a:r>
-              <a:rPr lang="en-GB" sz="849" kern="100" dirty="0" err="1">
+              <a:rPr lang="en-GB" sz="850" kern="100" dirty="0" err="1">
                 <a:latin typeface="Calibri" panose="020F0502020204030204" pitchFamily="34" charset="0"/>
                 <a:ea typeface="SimSun" panose="02010600030101010101" pitchFamily="2" charset="-122"/>
                 <a:cs typeface="Times New Roman" panose="02020603050405020304" pitchFamily="18" charset="0"/>
@@ -3746,7 +3707,7 @@
               <a:t>Cukorva</a:t>
             </a:r>
             <a:r>
-              <a:rPr lang="en-GB" sz="849" kern="100" dirty="0">
+              <a:rPr lang="en-GB" sz="850" kern="100" dirty="0">
                 <a:latin typeface="Calibri" panose="020F0502020204030204" pitchFamily="34" charset="0"/>
                 <a:ea typeface="SimSun" panose="02010600030101010101" pitchFamily="2" charset="-122"/>
                 <a:cs typeface="Times New Roman" panose="02020603050405020304" pitchFamily="18" charset="0"/>
@@ -3754,7 +3715,7 @@
               <a:t> university, 1-6, , https://www.researchgate.net/publication/327905583_A_Brief_History_of_3D_Mesh_Compression Amandeep Singh Sidhu, 2014, Research paper on text data compression algorithm using hybrid approach, International Journal of Computer Science and Mobile </a:t>
             </a:r>
             <a:r>
-              <a:rPr lang="en-GB" sz="849" kern="100" dirty="0" err="1">
+              <a:rPr lang="en-GB" sz="850" kern="100" dirty="0" err="1">
                 <a:latin typeface="Calibri" panose="020F0502020204030204" pitchFamily="34" charset="0"/>
                 <a:ea typeface="SimSun" panose="02010600030101010101" pitchFamily="2" charset="-122"/>
                 <a:cs typeface="Times New Roman" panose="02020603050405020304" pitchFamily="18" charset="0"/>
@@ -3762,7 +3723,7 @@
               <a:t>Computing,volume</a:t>
             </a:r>
             <a:r>
-              <a:rPr lang="en-GB" sz="849" kern="100" dirty="0">
+              <a:rPr lang="en-GB" sz="850" kern="100" dirty="0">
                 <a:latin typeface="Calibri" panose="020F0502020204030204" pitchFamily="34" charset="0"/>
                 <a:ea typeface="SimSun" panose="02010600030101010101" pitchFamily="2" charset="-122"/>
                 <a:cs typeface="Times New Roman" panose="02020603050405020304" pitchFamily="18" charset="0"/>
@@ -3770,7 +3731,7 @@
               <a:t> 3 issue 12, 1 - 10, https://ijcsmc.com/docs/papers/December2014/V3I12201404.pdf.Sjöstrand, M. (2005). </a:t>
             </a:r>
             <a:r>
-              <a:rPr lang="en-GB" sz="849" i="1" kern="100" dirty="0">
+              <a:rPr lang="en-GB" sz="850" i="1" kern="100" dirty="0">
                 <a:latin typeface="TimesNewRomanPS-ItalicMT"/>
                 <a:ea typeface="SimSun" panose="02010600030101010101" pitchFamily="2" charset="-122"/>
                 <a:cs typeface="Times New Roman" panose="02020603050405020304" pitchFamily="18" charset="0"/>
@@ -3778,7 +3739,7 @@
               <a:t>A study in compression algorithms</a:t>
             </a:r>
             <a:r>
-              <a:rPr lang="en-GB" sz="849" kern="100" dirty="0">
+              <a:rPr lang="en-GB" sz="850" kern="100" dirty="0">
                 <a:latin typeface="Calibri" panose="020F0502020204030204" pitchFamily="34" charset="0"/>
                 <a:ea typeface="SimSun" panose="02010600030101010101" pitchFamily="2" charset="-122"/>
                 <a:cs typeface="Times New Roman" panose="02020603050405020304" pitchFamily="18" charset="0"/>
@@ -3786,7 +3747,7 @@
               <a:t>. https://www.diva-portal.org/smash/get/diva2:830266/FULLTEXT01.pdf. Peng, J., Kim, C.-S. and Jay Kuo, C.-C. . (2005). Technologies for 3D mesh compression: A survey. </a:t>
             </a:r>
             <a:r>
-              <a:rPr lang="en-GB" sz="849" i="1" kern="100" dirty="0">
+              <a:rPr lang="en-GB" sz="850" i="1" kern="100" dirty="0">
                 <a:latin typeface="TimesNewRomanPS-ItalicMT"/>
                 <a:ea typeface="SimSun" panose="02010600030101010101" pitchFamily="2" charset="-122"/>
                 <a:cs typeface="Times New Roman" panose="02020603050405020304" pitchFamily="18" charset="0"/>
@@ -3794,7 +3755,7 @@
               <a:t>Journal of Visual Communication and Image Representation</a:t>
             </a:r>
             <a:r>
-              <a:rPr lang="en-GB" sz="849" kern="100" dirty="0">
+              <a:rPr lang="en-GB" sz="850" kern="100" dirty="0">
                 <a:latin typeface="Calibri" panose="020F0502020204030204" pitchFamily="34" charset="0"/>
                 <a:ea typeface="SimSun" panose="02010600030101010101" pitchFamily="2" charset="-122"/>
                 <a:cs typeface="Times New Roman" panose="02020603050405020304" pitchFamily="18" charset="0"/>
@@ -3802,7 +3763,7 @@
               <a:t>, 16(6), pp.688–733. </a:t>
             </a:r>
             <a:r>
-              <a:rPr lang="en-GB" sz="849" kern="100" dirty="0" err="1">
+              <a:rPr lang="en-GB" sz="850" kern="100" dirty="0" err="1">
                 <a:latin typeface="Calibri" panose="020F0502020204030204" pitchFamily="34" charset="0"/>
                 <a:ea typeface="SimSun" panose="02010600030101010101" pitchFamily="2" charset="-122"/>
                 <a:cs typeface="Times New Roman" panose="02020603050405020304" pitchFamily="18" charset="0"/>
@@ -3810,7 +3771,7 @@
               <a:t>doi:https</a:t>
             </a:r>
             <a:r>
-              <a:rPr lang="en-GB" sz="849" kern="100" dirty="0">
+              <a:rPr lang="en-GB" sz="850" kern="100" dirty="0">
                 <a:latin typeface="Calibri" panose="020F0502020204030204" pitchFamily="34" charset="0"/>
                 <a:ea typeface="SimSun" panose="02010600030101010101" pitchFamily="2" charset="-122"/>
                 <a:cs typeface="Times New Roman" panose="02020603050405020304" pitchFamily="18" charset="0"/>
@@ -3818,7 +3779,7 @@
               <a:t>://doi.org/10.1016/j.jvcir.2005.03.001. Girard, J.-F. and </a:t>
             </a:r>
             <a:r>
-              <a:rPr lang="en-GB" sz="849" kern="100" dirty="0" err="1">
+              <a:rPr lang="en-GB" sz="850" kern="100" dirty="0" err="1">
                 <a:latin typeface="Calibri" panose="020F0502020204030204" pitchFamily="34" charset="0"/>
                 <a:ea typeface="SimSun" panose="02010600030101010101" pitchFamily="2" charset="-122"/>
                 <a:cs typeface="Times New Roman" panose="02020603050405020304" pitchFamily="18" charset="0"/>
@@ -3826,7 +3787,7 @@
               <a:t>Koschke</a:t>
             </a:r>
             <a:r>
-              <a:rPr lang="en-GB" sz="849" kern="100" dirty="0">
+              <a:rPr lang="en-GB" sz="850" kern="100" dirty="0">
                 <a:latin typeface="Calibri" panose="020F0502020204030204" pitchFamily="34" charset="0"/>
                 <a:ea typeface="SimSun" panose="02010600030101010101" pitchFamily="2" charset="-122"/>
                 <a:cs typeface="Times New Roman" panose="02020603050405020304" pitchFamily="18" charset="0"/>
@@ -3834,7 +3795,7 @@
               <a:t>, R. (2000). A comparison of abstract data types and objects recovery techniques. </a:t>
             </a:r>
             <a:r>
-              <a:rPr lang="en-GB" sz="849" i="1" kern="100" dirty="0">
+              <a:rPr lang="en-GB" sz="850" i="1" kern="100" dirty="0">
                 <a:latin typeface="TimesNewRomanPS-ItalicMT"/>
                 <a:ea typeface="SimSun" panose="02010600030101010101" pitchFamily="2" charset="-122"/>
                 <a:cs typeface="Times New Roman" panose="02020603050405020304" pitchFamily="18" charset="0"/>
@@ -3842,7 +3803,7 @@
               <a:t>Science of Computer Programming</a:t>
             </a:r>
             <a:r>
-              <a:rPr lang="en-GB" sz="849" kern="100" dirty="0">
+              <a:rPr lang="en-GB" sz="850" kern="100" dirty="0">
                 <a:latin typeface="Calibri" panose="020F0502020204030204" pitchFamily="34" charset="0"/>
                 <a:ea typeface="SimSun" panose="02010600030101010101" pitchFamily="2" charset="-122"/>
                 <a:cs typeface="Times New Roman" panose="02020603050405020304" pitchFamily="18" charset="0"/>
@@ -3850,7 +3811,7 @@
               <a:t>, 36(2-3), pp.149–181. </a:t>
             </a:r>
             <a:r>
-              <a:rPr lang="en-GB" sz="849" kern="100" dirty="0" err="1">
+              <a:rPr lang="en-GB" sz="850" kern="100" dirty="0" err="1">
                 <a:latin typeface="Calibri" panose="020F0502020204030204" pitchFamily="34" charset="0"/>
                 <a:ea typeface="SimSun" panose="02010600030101010101" pitchFamily="2" charset="-122"/>
                 <a:cs typeface="Times New Roman" panose="02020603050405020304" pitchFamily="18" charset="0"/>
@@ -3858,7 +3819,7 @@
               <a:t>doi:https</a:t>
             </a:r>
             <a:r>
-              <a:rPr lang="en-GB" sz="849" kern="100" dirty="0">
+              <a:rPr lang="en-GB" sz="850" kern="100" dirty="0">
                 <a:latin typeface="Calibri" panose="020F0502020204030204" pitchFamily="34" charset="0"/>
                 <a:ea typeface="SimSun" panose="02010600030101010101" pitchFamily="2" charset="-122"/>
                 <a:cs typeface="Times New Roman" panose="02020603050405020304" pitchFamily="18" charset="0"/>
@@ -3866,7 +3827,7 @@
               <a:t>://doi.org/10.1016/s0167-6423(99)00035-0. Guttag, J.V., Horowitz, E. and Musser, D.R. (1978). Abstract data types and software validation. </a:t>
             </a:r>
             <a:r>
-              <a:rPr lang="en-GB" sz="849" i="1" kern="100" dirty="0">
+              <a:rPr lang="en-GB" sz="850" i="1" kern="100" dirty="0">
                 <a:latin typeface="TimesNewRomanPS-ItalicMT"/>
                 <a:ea typeface="SimSun" panose="02010600030101010101" pitchFamily="2" charset="-122"/>
                 <a:cs typeface="Times New Roman" panose="02020603050405020304" pitchFamily="18" charset="0"/>
@@ -3874,7 +3835,7 @@
               <a:t>Communications of the ACM</a:t>
             </a:r>
             <a:r>
-              <a:rPr lang="en-GB" sz="849" kern="100" dirty="0">
+              <a:rPr lang="en-GB" sz="850" kern="100" dirty="0">
                 <a:latin typeface="Calibri" panose="020F0502020204030204" pitchFamily="34" charset="0"/>
                 <a:ea typeface="SimSun" panose="02010600030101010101" pitchFamily="2" charset="-122"/>
                 <a:cs typeface="Times New Roman" panose="02020603050405020304" pitchFamily="18" charset="0"/>
@@ -3882,7 +3843,7 @@
               <a:t>, 21(12), pp.1048–1064. </a:t>
             </a:r>
             <a:r>
-              <a:rPr lang="en-GB" sz="849" kern="100" dirty="0" err="1">
+              <a:rPr lang="en-GB" sz="850" kern="100" dirty="0" err="1">
                 <a:latin typeface="Calibri" panose="020F0502020204030204" pitchFamily="34" charset="0"/>
                 <a:ea typeface="SimSun" panose="02010600030101010101" pitchFamily="2" charset="-122"/>
                 <a:cs typeface="Times New Roman" panose="02020603050405020304" pitchFamily="18" charset="0"/>
@@ -3890,7 +3851,7 @@
               <a:t>doi:https</a:t>
             </a:r>
             <a:r>
-              <a:rPr lang="en-GB" sz="849" kern="100" dirty="0">
+              <a:rPr lang="en-GB" sz="850" kern="100" dirty="0">
                 <a:latin typeface="Calibri" panose="020F0502020204030204" pitchFamily="34" charset="0"/>
                 <a:ea typeface="SimSun" panose="02010600030101010101" pitchFamily="2" charset="-122"/>
                 <a:cs typeface="Times New Roman" panose="02020603050405020304" pitchFamily="18" charset="0"/>
@@ -3898,7 +3859,7 @@
               <a:t>://doi.org/10.1145/359657.359666. Guttag, J. (1977). Abstract data types and the development of data structures. </a:t>
             </a:r>
             <a:r>
-              <a:rPr lang="en-GB" sz="849" i="1" kern="100" dirty="0">
+              <a:rPr lang="en-GB" sz="850" i="1" kern="100" dirty="0">
                 <a:latin typeface="TimesNewRomanPS-ItalicMT"/>
                 <a:ea typeface="SimSun" panose="02010600030101010101" pitchFamily="2" charset="-122"/>
                 <a:cs typeface="Times New Roman" panose="02020603050405020304" pitchFamily="18" charset="0"/>
@@ -3906,7 +3867,7 @@
               <a:t>Communications of the ACM</a:t>
             </a:r>
             <a:r>
-              <a:rPr lang="en-GB" sz="849" kern="100" dirty="0">
+              <a:rPr lang="en-GB" sz="850" kern="100" dirty="0">
                 <a:latin typeface="Calibri" panose="020F0502020204030204" pitchFamily="34" charset="0"/>
                 <a:ea typeface="SimSun" panose="02010600030101010101" pitchFamily="2" charset="-122"/>
                 <a:cs typeface="Times New Roman" panose="02020603050405020304" pitchFamily="18" charset="0"/>
@@ -3914,7 +3875,7 @@
               <a:t>, 20(6), pp.396–404. </a:t>
             </a:r>
             <a:r>
-              <a:rPr lang="en-GB" sz="849" kern="100" dirty="0" err="1">
+              <a:rPr lang="en-GB" sz="850" kern="100" dirty="0" err="1">
                 <a:latin typeface="Calibri" panose="020F0502020204030204" pitchFamily="34" charset="0"/>
                 <a:ea typeface="SimSun" panose="02010600030101010101" pitchFamily="2" charset="-122"/>
                 <a:cs typeface="Times New Roman" panose="02020603050405020304" pitchFamily="18" charset="0"/>
@@ -3922,7 +3883,7 @@
               <a:t>doi:https</a:t>
             </a:r>
             <a:r>
-              <a:rPr lang="en-GB" sz="849" kern="100" dirty="0">
+              <a:rPr lang="en-GB" sz="850" kern="100" dirty="0">
                 <a:latin typeface="Calibri" panose="020F0502020204030204" pitchFamily="34" charset="0"/>
                 <a:ea typeface="SimSun" panose="02010600030101010101" pitchFamily="2" charset="-122"/>
                 <a:cs typeface="Times New Roman" panose="02020603050405020304" pitchFamily="18" charset="0"/>
@@ -3930,7 +3891,7 @@
               <a:t>://doi.org/10.1145/359605.359618. </a:t>
             </a:r>
             <a:r>
-              <a:rPr lang="en-GB" sz="849" kern="100" dirty="0" err="1">
+              <a:rPr lang="en-GB" sz="850" kern="100" dirty="0" err="1">
                 <a:latin typeface="Calibri" panose="020F0502020204030204" pitchFamily="34" charset="0"/>
                 <a:ea typeface="SimSun" panose="02010600030101010101" pitchFamily="2" charset="-122"/>
                 <a:cs typeface="Times New Roman" panose="02020603050405020304" pitchFamily="18" charset="0"/>
@@ -3938,7 +3899,7 @@
               <a:t>Liskov</a:t>
             </a:r>
             <a:r>
-              <a:rPr lang="en-GB" sz="849" kern="100" dirty="0">
+              <a:rPr lang="en-GB" sz="850" kern="100" dirty="0">
                 <a:latin typeface="Calibri" panose="020F0502020204030204" pitchFamily="34" charset="0"/>
                 <a:ea typeface="SimSun" panose="02010600030101010101" pitchFamily="2" charset="-122"/>
                 <a:cs typeface="Times New Roman" panose="02020603050405020304" pitchFamily="18" charset="0"/>
@@ -3946,7 +3907,7 @@
               <a:t>, B. and Zilles, S. (1974). Programming with abstract data types. </a:t>
             </a:r>
             <a:r>
-              <a:rPr lang="en-GB" sz="849" i="1" kern="100" dirty="0">
+              <a:rPr lang="en-GB" sz="850" i="1" kern="100" dirty="0">
                 <a:latin typeface="TimesNewRomanPS-ItalicMT"/>
                 <a:ea typeface="SimSun" panose="02010600030101010101" pitchFamily="2" charset="-122"/>
                 <a:cs typeface="Times New Roman" panose="02020603050405020304" pitchFamily="18" charset="0"/>
@@ -3954,7 +3915,7 @@
               <a:t>ACM SIGPLAN Notices</a:t>
             </a:r>
             <a:r>
-              <a:rPr lang="en-GB" sz="849" kern="100" dirty="0">
+              <a:rPr lang="en-GB" sz="850" kern="100" dirty="0">
                 <a:latin typeface="Calibri" panose="020F0502020204030204" pitchFamily="34" charset="0"/>
                 <a:ea typeface="SimSun" panose="02010600030101010101" pitchFamily="2" charset="-122"/>
                 <a:cs typeface="Times New Roman" panose="02020603050405020304" pitchFamily="18" charset="0"/>
@@ -3962,7 +3923,7 @@
               <a:t>, 9(4), pp.50–59. </a:t>
             </a:r>
             <a:r>
-              <a:rPr lang="en-GB" sz="849" kern="100" dirty="0" err="1">
+              <a:rPr lang="en-GB" sz="850" kern="100" dirty="0" err="1">
                 <a:latin typeface="Calibri" panose="020F0502020204030204" pitchFamily="34" charset="0"/>
                 <a:ea typeface="SimSun" panose="02010600030101010101" pitchFamily="2" charset="-122"/>
                 <a:cs typeface="Times New Roman" panose="02020603050405020304" pitchFamily="18" charset="0"/>
@@ -3970,7 +3931,7 @@
               <a:t>doi:https</a:t>
             </a:r>
             <a:r>
-              <a:rPr lang="en-GB" sz="849" kern="100" dirty="0">
+              <a:rPr lang="en-GB" sz="850" kern="100" dirty="0">
                 <a:latin typeface="Calibri" panose="020F0502020204030204" pitchFamily="34" charset="0"/>
                 <a:ea typeface="SimSun" panose="02010600030101010101" pitchFamily="2" charset="-122"/>
                 <a:cs typeface="Times New Roman" panose="02020603050405020304" pitchFamily="18" charset="0"/>
@@ -3978,7 +3939,7 @@
               <a:t>://doi.org/10.1145/942572.807045. Musser, D.R. (1980). On proving inductive properties of abstract data types. </a:t>
             </a:r>
             <a:r>
-              <a:rPr lang="en-GB" sz="849" kern="100" dirty="0" err="1">
+              <a:rPr lang="en-GB" sz="850" kern="100" dirty="0" err="1">
                 <a:latin typeface="Calibri" panose="020F0502020204030204" pitchFamily="34" charset="0"/>
                 <a:ea typeface="SimSun" panose="02010600030101010101" pitchFamily="2" charset="-122"/>
                 <a:cs typeface="Times New Roman" panose="02020603050405020304" pitchFamily="18" charset="0"/>
@@ -3986,7 +3947,7 @@
               <a:t>doi:https</a:t>
             </a:r>
             <a:r>
-              <a:rPr lang="en-GB" sz="849" kern="100" dirty="0">
+              <a:rPr lang="en-GB" sz="850" kern="100" dirty="0">
                 <a:latin typeface="Calibri" panose="020F0502020204030204" pitchFamily="34" charset="0"/>
                 <a:ea typeface="SimSun" panose="02010600030101010101" pitchFamily="2" charset="-122"/>
                 <a:cs typeface="Times New Roman" panose="02020603050405020304" pitchFamily="18" charset="0"/>
@@ -3994,7 +3955,7 @@
               <a:t>://doi.org/10.1145/567446.567461. Bertoni, A., Mauri, G. and P. </a:t>
             </a:r>
             <a:r>
-              <a:rPr lang="en-GB" sz="849" kern="100" dirty="0" err="1">
+              <a:rPr lang="en-GB" sz="850" kern="100" dirty="0" err="1">
                 <a:latin typeface="Calibri" panose="020F0502020204030204" pitchFamily="34" charset="0"/>
                 <a:ea typeface="SimSun" panose="02010600030101010101" pitchFamily="2" charset="-122"/>
                 <a:cs typeface="Times New Roman" panose="02020603050405020304" pitchFamily="18" charset="0"/>
@@ -4002,7 +3963,7 @@
               <a:t>Miglioli</a:t>
             </a:r>
             <a:r>
-              <a:rPr lang="en-GB" sz="849" kern="100" dirty="0">
+              <a:rPr lang="en-GB" sz="850" kern="100" dirty="0">
                 <a:latin typeface="Calibri" panose="020F0502020204030204" pitchFamily="34" charset="0"/>
                 <a:ea typeface="SimSun" panose="02010600030101010101" pitchFamily="2" charset="-122"/>
                 <a:cs typeface="Times New Roman" panose="02020603050405020304" pitchFamily="18" charset="0"/>
@@ -4010,7 +3971,7 @@
               <a:t> (2006). Towards a theory of abstract data types: A discussion on problems and tools. </a:t>
             </a:r>
             <a:r>
-              <a:rPr lang="en-GB" sz="849" i="1" kern="100" dirty="0">
+              <a:rPr lang="en-GB" sz="850" i="1" kern="100" dirty="0">
                 <a:latin typeface="TimesNewRomanPS-ItalicMT"/>
                 <a:ea typeface="SimSun" panose="02010600030101010101" pitchFamily="2" charset="-122"/>
                 <a:cs typeface="Times New Roman" panose="02020603050405020304" pitchFamily="18" charset="0"/>
@@ -4018,7 +3979,7 @@
               <a:t>Lecture Notes in Computer Science</a:t>
             </a:r>
             <a:r>
-              <a:rPr lang="en-GB" sz="849" kern="100" dirty="0">
+              <a:rPr lang="en-GB" sz="850" kern="100" dirty="0">
                 <a:latin typeface="Calibri" panose="020F0502020204030204" pitchFamily="34" charset="0"/>
                 <a:ea typeface="SimSun" panose="02010600030101010101" pitchFamily="2" charset="-122"/>
                 <a:cs typeface="Times New Roman" panose="02020603050405020304" pitchFamily="18" charset="0"/>
@@ -4026,7 +3987,7 @@
               <a:t>, [online] pp.44–58. </a:t>
             </a:r>
             <a:r>
-              <a:rPr lang="en-GB" sz="849" kern="100" dirty="0" err="1">
+              <a:rPr lang="en-GB" sz="850" kern="100" dirty="0" err="1">
                 <a:latin typeface="Calibri" panose="020F0502020204030204" pitchFamily="34" charset="0"/>
                 <a:ea typeface="SimSun" panose="02010600030101010101" pitchFamily="2" charset="-122"/>
                 <a:cs typeface="Times New Roman" panose="02020603050405020304" pitchFamily="18" charset="0"/>
@@ -4034,7 +3995,7 @@
               <a:t>doi:https</a:t>
             </a:r>
             <a:r>
-              <a:rPr lang="en-GB" sz="849" kern="100" dirty="0">
+              <a:rPr lang="en-GB" sz="850" kern="100" dirty="0">
                 <a:latin typeface="Calibri" panose="020F0502020204030204" pitchFamily="34" charset="0"/>
                 <a:ea typeface="SimSun" panose="02010600030101010101" pitchFamily="2" charset="-122"/>
                 <a:cs typeface="Times New Roman" panose="02020603050405020304" pitchFamily="18" charset="0"/>
@@ -4042,7 +4003,7 @@
               <a:t>://doi.org/10.1007/3-540-09981-6_4. A, A. (2021). </a:t>
             </a:r>
             <a:r>
-              <a:rPr lang="en-GB" sz="849" i="1" kern="100" dirty="0">
+              <a:rPr lang="en-GB" sz="850" i="1" kern="100" dirty="0">
                 <a:latin typeface="TimesNewRomanPS-ItalicMT"/>
                 <a:ea typeface="SimSun" panose="02010600030101010101" pitchFamily="2" charset="-122"/>
                 <a:cs typeface="Times New Roman" panose="02020603050405020304" pitchFamily="18" charset="0"/>
@@ -4050,7 +4011,7 @@
               <a:t>Reverse Engineering Research</a:t>
             </a:r>
             <a:r>
-              <a:rPr lang="en-GB" sz="849" kern="100" dirty="0">
+              <a:rPr lang="en-GB" sz="850" kern="100" dirty="0">
                 <a:latin typeface="Calibri" panose="020F0502020204030204" pitchFamily="34" charset="0"/>
                 <a:ea typeface="SimSun" panose="02010600030101010101" pitchFamily="2" charset="-122"/>
                 <a:cs typeface="Times New Roman" panose="02020603050405020304" pitchFamily="18" charset="0"/>
@@ -4058,7 +4019,7 @@
               <a:t>. [online] </a:t>
             </a:r>
             <a:r>
-              <a:rPr lang="en-GB" sz="849" kern="100" dirty="0" err="1">
+              <a:rPr lang="en-GB" sz="850" kern="100" dirty="0" err="1">
                 <a:latin typeface="Calibri" panose="020F0502020204030204" pitchFamily="34" charset="0"/>
                 <a:ea typeface="SimSun" panose="02010600030101010101" pitchFamily="2" charset="-122"/>
                 <a:cs typeface="Times New Roman" panose="02020603050405020304" pitchFamily="18" charset="0"/>
@@ -4066,7 +4027,7 @@
               <a:t>doi:https</a:t>
             </a:r>
             <a:r>
-              <a:rPr lang="en-GB" sz="849" kern="100" dirty="0">
+              <a:rPr lang="en-GB" sz="850" kern="100" dirty="0">
                 <a:latin typeface="Calibri" panose="020F0502020204030204" pitchFamily="34" charset="0"/>
                 <a:ea typeface="SimSun" panose="02010600030101010101" pitchFamily="2" charset="-122"/>
                 <a:cs typeface="Times New Roman" panose="02020603050405020304" pitchFamily="18" charset="0"/>
@@ -4074,7 +4035,7 @@
               <a:t>://doi.org/10.13140/RG.2.2.28030.51520. Mantovani, A., </a:t>
             </a:r>
             <a:r>
-              <a:rPr lang="en-GB" sz="849" kern="100" dirty="0" err="1">
+              <a:rPr lang="en-GB" sz="850" kern="100" dirty="0" err="1">
                 <a:latin typeface="Calibri" panose="020F0502020204030204" pitchFamily="34" charset="0"/>
                 <a:ea typeface="SimSun" panose="02010600030101010101" pitchFamily="2" charset="-122"/>
                 <a:cs typeface="Times New Roman" panose="02020603050405020304" pitchFamily="18" charset="0"/>
@@ -4082,7 +4043,7 @@
               <a:t>Aonzo</a:t>
             </a:r>
             <a:r>
-              <a:rPr lang="en-GB" sz="849" kern="100" dirty="0">
+              <a:rPr lang="en-GB" sz="850" kern="100" dirty="0">
                 <a:latin typeface="Calibri" panose="020F0502020204030204" pitchFamily="34" charset="0"/>
                 <a:ea typeface="SimSun" panose="02010600030101010101" pitchFamily="2" charset="-122"/>
                 <a:cs typeface="Times New Roman" panose="02020603050405020304" pitchFamily="18" charset="0"/>
@@ -4090,7 +4051,7 @@
               <a:t>, S., </a:t>
             </a:r>
             <a:r>
-              <a:rPr lang="en-GB" sz="849" kern="100" dirty="0" err="1">
+              <a:rPr lang="en-GB" sz="850" kern="100" dirty="0" err="1">
                 <a:latin typeface="Calibri" panose="020F0502020204030204" pitchFamily="34" charset="0"/>
                 <a:ea typeface="SimSun" panose="02010600030101010101" pitchFamily="2" charset="-122"/>
                 <a:cs typeface="Times New Roman" panose="02020603050405020304" pitchFamily="18" charset="0"/>
@@ -4098,7 +4059,7 @@
               <a:t>Fratantonio</a:t>
             </a:r>
             <a:r>
-              <a:rPr lang="en-GB" sz="849" kern="100" dirty="0">
+              <a:rPr lang="en-GB" sz="850" kern="100" dirty="0">
                 <a:latin typeface="Calibri" panose="020F0502020204030204" pitchFamily="34" charset="0"/>
                 <a:ea typeface="SimSun" panose="02010600030101010101" pitchFamily="2" charset="-122"/>
                 <a:cs typeface="Times New Roman" panose="02020603050405020304" pitchFamily="18" charset="0"/>
@@ -4106,7 +4067,7 @@
               <a:t>, Y., Talos, C. and </a:t>
             </a:r>
             <a:r>
-              <a:rPr lang="en-GB" sz="849" kern="100" dirty="0" err="1">
+              <a:rPr lang="en-GB" sz="850" kern="100" dirty="0" err="1">
                 <a:latin typeface="Calibri" panose="020F0502020204030204" pitchFamily="34" charset="0"/>
                 <a:ea typeface="SimSun" panose="02010600030101010101" pitchFamily="2" charset="-122"/>
                 <a:cs typeface="Times New Roman" panose="02020603050405020304" pitchFamily="18" charset="0"/>
@@ -4114,7 +4075,7 @@
               <a:t>Balzarotti</a:t>
             </a:r>
             <a:r>
-              <a:rPr lang="en-GB" sz="849" kern="100" dirty="0">
+              <a:rPr lang="en-GB" sz="850" kern="100" dirty="0">
                 <a:latin typeface="Calibri" panose="020F0502020204030204" pitchFamily="34" charset="0"/>
                 <a:ea typeface="SimSun" panose="02010600030101010101" pitchFamily="2" charset="-122"/>
                 <a:cs typeface="Times New Roman" panose="02020603050405020304" pitchFamily="18" charset="0"/>
@@ -4122,7 +4083,7 @@
               <a:t>, D. (n.d.). </a:t>
             </a:r>
             <a:r>
-              <a:rPr lang="en-GB" sz="849" i="1" kern="100" dirty="0">
+              <a:rPr lang="en-GB" sz="850" i="1" kern="100" dirty="0">
                 <a:latin typeface="TimesNewRomanPS-ItalicMT"/>
                 <a:ea typeface="SimSun" panose="02010600030101010101" pitchFamily="2" charset="-122"/>
                 <a:cs typeface="Times New Roman" panose="02020603050405020304" pitchFamily="18" charset="0"/>
@@ -4130,7 +4091,7 @@
               <a:t>RE-Mind: a First Look Inside the Mind of a Reverse Engineer</a:t>
             </a:r>
             <a:r>
-              <a:rPr lang="en-GB" sz="849" kern="100" dirty="0">
+              <a:rPr lang="en-GB" sz="850" kern="100" dirty="0">
                 <a:latin typeface="Calibri" panose="020F0502020204030204" pitchFamily="34" charset="0"/>
                 <a:ea typeface="SimSun" panose="02010600030101010101" pitchFamily="2" charset="-122"/>
                 <a:cs typeface="Times New Roman" panose="02020603050405020304" pitchFamily="18" charset="0"/>
@@ -4138,7 +4099,7 @@
               <a:t>. [online] Available at: https://www.usenix.org/system/files/sec22summer_mantovani.pdf. Jain, A., Swapnil Soner and Anand Gadwal (2011). Reverse engineering: Journey from code to design. </a:t>
             </a:r>
             <a:r>
-              <a:rPr lang="en-GB" sz="849" kern="100" dirty="0" err="1">
+              <a:rPr lang="en-GB" sz="850" kern="100" dirty="0" err="1">
                 <a:latin typeface="Calibri" panose="020F0502020204030204" pitchFamily="34" charset="0"/>
                 <a:ea typeface="SimSun" panose="02010600030101010101" pitchFamily="2" charset="-122"/>
                 <a:cs typeface="Times New Roman" panose="02020603050405020304" pitchFamily="18" charset="0"/>
@@ -4146,7 +4107,7 @@
               <a:t>doi:https</a:t>
             </a:r>
             <a:r>
-              <a:rPr lang="en-GB" sz="849" kern="100" dirty="0">
+              <a:rPr lang="en-GB" sz="850" kern="100" dirty="0">
                 <a:latin typeface="Calibri" panose="020F0502020204030204" pitchFamily="34" charset="0"/>
                 <a:ea typeface="SimSun" panose="02010600030101010101" pitchFamily="2" charset="-122"/>
                 <a:cs typeface="Times New Roman" panose="02020603050405020304" pitchFamily="18" charset="0"/>
@@ -4154,7 +4115,7 @@
               <a:t>://doi.org/10.1109/icectech.2011.5941966.Singh, R. (2013). A Review of Reverse Engineering Theories and Tools. [online] 2, pp.35–38. Available at: https://www.ijesi.org/papers/Vol(2)1/G213538.pdf. </a:t>
             </a:r>
             <a:r>
-              <a:rPr lang="en-GB" sz="849" kern="100" dirty="0" err="1">
+              <a:rPr lang="en-GB" sz="850" kern="100" dirty="0" err="1">
                 <a:latin typeface="Calibri" panose="020F0502020204030204" pitchFamily="34" charset="0"/>
                 <a:ea typeface="SimSun" panose="02010600030101010101" pitchFamily="2" charset="-122"/>
                 <a:cs typeface="Times New Roman" panose="02020603050405020304" pitchFamily="18" charset="0"/>
@@ -4162,7 +4123,7 @@
               <a:t>Cipresso</a:t>
             </a:r>
             <a:r>
-              <a:rPr lang="en-GB" sz="849" kern="100" dirty="0">
+              <a:rPr lang="en-GB" sz="850" kern="100" dirty="0">
                 <a:latin typeface="Calibri" panose="020F0502020204030204" pitchFamily="34" charset="0"/>
                 <a:ea typeface="SimSun" panose="02010600030101010101" pitchFamily="2" charset="-122"/>
                 <a:cs typeface="Times New Roman" panose="02020603050405020304" pitchFamily="18" charset="0"/>
@@ -4170,7 +4131,7 @@
               <a:t>, T. and Stamp, M. (2010). Software Reverse Engineering. </a:t>
             </a:r>
             <a:r>
-              <a:rPr lang="en-GB" sz="849" i="1" kern="100" dirty="0">
+              <a:rPr lang="en-GB" sz="850" i="1" kern="100" dirty="0">
                 <a:latin typeface="TimesNewRomanPS-ItalicMT"/>
                 <a:ea typeface="SimSun" panose="02010600030101010101" pitchFamily="2" charset="-122"/>
                 <a:cs typeface="Times New Roman" panose="02020603050405020304" pitchFamily="18" charset="0"/>
@@ -4178,7 +4139,7 @@
               <a:t>Handbook of Information and Communication Security</a:t>
             </a:r>
             <a:r>
-              <a:rPr lang="en-GB" sz="849" kern="100" dirty="0">
+              <a:rPr lang="en-GB" sz="850" kern="100" dirty="0">
                 <a:latin typeface="Calibri" panose="020F0502020204030204" pitchFamily="34" charset="0"/>
                 <a:ea typeface="SimSun" panose="02010600030101010101" pitchFamily="2" charset="-122"/>
                 <a:cs typeface="Times New Roman" panose="02020603050405020304" pitchFamily="18" charset="0"/>
@@ -4186,7 +4147,7 @@
               <a:t>, pp.659–696. </a:t>
             </a:r>
             <a:r>
-              <a:rPr lang="en-GB" sz="849" kern="100" dirty="0" err="1">
+              <a:rPr lang="en-GB" sz="850" kern="100" dirty="0" err="1">
                 <a:latin typeface="Calibri" panose="020F0502020204030204" pitchFamily="34" charset="0"/>
                 <a:ea typeface="SimSun" panose="02010600030101010101" pitchFamily="2" charset="-122"/>
                 <a:cs typeface="Times New Roman" panose="02020603050405020304" pitchFamily="18" charset="0"/>
@@ -4194,7 +4155,7 @@
               <a:t>doi:https</a:t>
             </a:r>
             <a:r>
-              <a:rPr lang="en-GB" sz="849" kern="100" dirty="0">
+              <a:rPr lang="en-GB" sz="850" kern="100" dirty="0">
                 <a:latin typeface="Calibri" panose="020F0502020204030204" pitchFamily="34" charset="0"/>
                 <a:ea typeface="SimSun" panose="02010600030101010101" pitchFamily="2" charset="-122"/>
                 <a:cs typeface="Times New Roman" panose="02020603050405020304" pitchFamily="18" charset="0"/>
@@ -4202,7 +4163,7 @@
               <a:t>://doi.org/10.1007/978-3-642-04117-4_31. Müller, H.A., Jahnke, J.H., Smith, D.B., Storey, M.-A., Tilley, S.R. and Wong, K. (2000). Reverse engineering. </a:t>
             </a:r>
             <a:r>
-              <a:rPr lang="en-GB" sz="849" i="1" kern="100" dirty="0">
+              <a:rPr lang="en-GB" sz="850" i="1" kern="100" dirty="0">
                 <a:latin typeface="TimesNewRomanPS-ItalicMT"/>
                 <a:ea typeface="SimSun" panose="02010600030101010101" pitchFamily="2" charset="-122"/>
                 <a:cs typeface="Times New Roman" panose="02020603050405020304" pitchFamily="18" charset="0"/>
@@ -4210,7 +4171,7 @@
               <a:t>Proceedings of the conference on The future of Software engineering - ICSE ’00</a:t>
             </a:r>
             <a:r>
-              <a:rPr lang="en-GB" sz="849" kern="100" dirty="0">
+              <a:rPr lang="en-GB" sz="850" kern="100" dirty="0">
                 <a:latin typeface="Calibri" panose="020F0502020204030204" pitchFamily="34" charset="0"/>
                 <a:ea typeface="SimSun" panose="02010600030101010101" pitchFamily="2" charset="-122"/>
                 <a:cs typeface="Times New Roman" panose="02020603050405020304" pitchFamily="18" charset="0"/>
@@ -4218,7 +4179,7 @@
               <a:t>. </a:t>
             </a:r>
             <a:r>
-              <a:rPr lang="en-GB" sz="849" kern="100" dirty="0" err="1">
+              <a:rPr lang="en-GB" sz="850" kern="100" dirty="0" err="1">
                 <a:latin typeface="Calibri" panose="020F0502020204030204" pitchFamily="34" charset="0"/>
                 <a:ea typeface="SimSun" panose="02010600030101010101" pitchFamily="2" charset="-122"/>
                 <a:cs typeface="Times New Roman" panose="02020603050405020304" pitchFamily="18" charset="0"/>
@@ -4226,7 +4187,7 @@
               <a:t>doi:https</a:t>
             </a:r>
             <a:r>
-              <a:rPr lang="en-GB" sz="849" kern="100" dirty="0">
+              <a:rPr lang="en-GB" sz="850" kern="100" dirty="0">
                 <a:latin typeface="Calibri" panose="020F0502020204030204" pitchFamily="34" charset="0"/>
                 <a:ea typeface="SimSun" panose="02010600030101010101" pitchFamily="2" charset="-122"/>
                 <a:cs typeface="Times New Roman" panose="02020603050405020304" pitchFamily="18" charset="0"/>
@@ -4234,7 +4195,7 @@
               <a:t>://doi.org/10.1145/336512.336526. Google Books. (2024). </a:t>
             </a:r>
             <a:r>
-              <a:rPr lang="en-GB" sz="849" i="1" kern="100" dirty="0">
+              <a:rPr lang="en-GB" sz="850" i="1" kern="100" dirty="0">
                 <a:latin typeface="TimesNewRomanPS-ItalicMT"/>
                 <a:ea typeface="SimSun" panose="02010600030101010101" pitchFamily="2" charset="-122"/>
                 <a:cs typeface="Times New Roman" panose="02020603050405020304" pitchFamily="18" charset="0"/>
@@ -4242,7 +4203,7 @@
               <a:t>Reversing</a:t>
             </a:r>
             <a:r>
-              <a:rPr lang="en-GB" sz="849" kern="100" dirty="0">
+              <a:rPr lang="en-GB" sz="850" kern="100" dirty="0">
                 <a:latin typeface="Calibri" panose="020F0502020204030204" pitchFamily="34" charset="0"/>
                 <a:ea typeface="SimSun" panose="02010600030101010101" pitchFamily="2" charset="-122"/>
                 <a:cs typeface="Times New Roman" panose="02020603050405020304" pitchFamily="18" charset="0"/>
@@ -4250,7 +4211,7 @@
               <a:t>. [online] Available at: https://books.google.co.uk/books?hl=en&amp;lr=&amp;id=_78HnPPRU_oC&amp;oi=fnd&amp;pg=PR23&amp;dq=reverse+engi </a:t>
             </a:r>
             <a:r>
-              <a:rPr lang="en-GB" sz="849" kern="100" dirty="0" err="1">
+              <a:rPr lang="en-GB" sz="850" kern="100" dirty="0" err="1">
                 <a:latin typeface="Calibri" panose="020F0502020204030204" pitchFamily="34" charset="0"/>
                 <a:ea typeface="SimSun" panose="02010600030101010101" pitchFamily="2" charset="-122"/>
                 <a:cs typeface="Times New Roman" panose="02020603050405020304" pitchFamily="18" charset="0"/>
@@ -4258,7 +4219,7 @@
               <a:t>neering+software&amp;ots</a:t>
             </a:r>
             <a:r>
-              <a:rPr lang="en-GB" sz="849" kern="100" dirty="0">
+              <a:rPr lang="en-GB" sz="850" kern="100" dirty="0">
                 <a:latin typeface="Calibri" panose="020F0502020204030204" pitchFamily="34" charset="0"/>
                 <a:ea typeface="SimSun" panose="02010600030101010101" pitchFamily="2" charset="-122"/>
                 <a:cs typeface="Times New Roman" panose="02020603050405020304" pitchFamily="18" charset="0"/>
@@ -4266,7 +4227,7 @@
               <a:t>=EP1MLkmRVn&amp;sig=stA7p1aP8xPSkUcFJi6jOCmA_Is&amp;redir_esc=</a:t>
             </a:r>
             <a:r>
-              <a:rPr lang="en-GB" sz="849" kern="100" dirty="0" err="1">
+              <a:rPr lang="en-GB" sz="850" kern="100" dirty="0" err="1">
                 <a:latin typeface="Calibri" panose="020F0502020204030204" pitchFamily="34" charset="0"/>
                 <a:ea typeface="SimSun" panose="02010600030101010101" pitchFamily="2" charset="-122"/>
                 <a:cs typeface="Times New Roman" panose="02020603050405020304" pitchFamily="18" charset="0"/>
@@ -4274,7 +4235,7 @@
               <a:t>y#v</a:t>
             </a:r>
             <a:r>
-              <a:rPr lang="en-GB" sz="849" kern="100" dirty="0">
+              <a:rPr lang="en-GB" sz="850" kern="100" dirty="0">
                 <a:latin typeface="Calibri" panose="020F0502020204030204" pitchFamily="34" charset="0"/>
                 <a:ea typeface="SimSun" panose="02010600030101010101" pitchFamily="2" charset="-122"/>
                 <a:cs typeface="Times New Roman" panose="02020603050405020304" pitchFamily="18" charset="0"/>
@@ -4282,7 +4243,7 @@
               <a:t>=</a:t>
             </a:r>
             <a:r>
-              <a:rPr lang="en-GB" sz="849" kern="100" dirty="0" err="1">
+              <a:rPr lang="en-GB" sz="850" kern="100" dirty="0" err="1">
                 <a:latin typeface="Calibri" panose="020F0502020204030204" pitchFamily="34" charset="0"/>
                 <a:ea typeface="SimSun" panose="02010600030101010101" pitchFamily="2" charset="-122"/>
                 <a:cs typeface="Times New Roman" panose="02020603050405020304" pitchFamily="18" charset="0"/>
@@ -4290,7 +4251,7 @@
               <a:t>onepage</a:t>
             </a:r>
             <a:r>
-              <a:rPr lang="en-GB" sz="849" kern="100" dirty="0">
+              <a:rPr lang="en-GB" sz="850" kern="100" dirty="0">
                 <a:latin typeface="Calibri" panose="020F0502020204030204" pitchFamily="34" charset="0"/>
                 <a:ea typeface="SimSun" panose="02010600030101010101" pitchFamily="2" charset="-122"/>
                 <a:cs typeface="Times New Roman" panose="02020603050405020304" pitchFamily="18" charset="0"/>
@@ -4298,7 +4259,7 @@
               <a:t> &amp;q=reverse%20engineering%20software&amp;f=false [Accessed 25 Nov. 2024]. Davis, K.L. and Alken, P.H. (2002). Data reverse engineering: a historical survey. </a:t>
             </a:r>
             <a:r>
-              <a:rPr lang="en-GB" sz="849" kern="100" dirty="0" err="1">
+              <a:rPr lang="en-GB" sz="850" kern="100" dirty="0" err="1">
                 <a:latin typeface="Calibri" panose="020F0502020204030204" pitchFamily="34" charset="0"/>
                 <a:ea typeface="SimSun" panose="02010600030101010101" pitchFamily="2" charset="-122"/>
                 <a:cs typeface="Times New Roman" panose="02020603050405020304" pitchFamily="18" charset="0"/>
@@ -4306,7 +4267,7 @@
               <a:t>doi:https</a:t>
             </a:r>
             <a:r>
-              <a:rPr lang="en-GB" sz="849" kern="100" dirty="0">
+              <a:rPr lang="en-GB" sz="850" kern="100" dirty="0">
                 <a:latin typeface="Calibri" panose="020F0502020204030204" pitchFamily="34" charset="0"/>
                 <a:ea typeface="SimSun" panose="02010600030101010101" pitchFamily="2" charset="-122"/>
                 <a:cs typeface="Times New Roman" panose="02020603050405020304" pitchFamily="18" charset="0"/>
@@ -4314,7 +4275,7 @@
               <a:t>://doi.org/10.1109/wcre.2000.891454. Bachell, A. and Barr, M. (2014). Video Game Preservation in the UK: A Survey of Records Management Practices. </a:t>
             </a:r>
             <a:r>
-              <a:rPr lang="en-GB" sz="849" i="1" kern="100" dirty="0">
+              <a:rPr lang="en-GB" sz="850" i="1" kern="100" dirty="0">
                 <a:latin typeface="TimesNewRomanPS-ItalicMT"/>
                 <a:ea typeface="SimSun" panose="02010600030101010101" pitchFamily="2" charset="-122"/>
                 <a:cs typeface="Times New Roman" panose="02020603050405020304" pitchFamily="18" charset="0"/>
@@ -4322,7 +4283,7 @@
               <a:t>International Journal of Digital Curation</a:t>
             </a:r>
             <a:r>
-              <a:rPr lang="en-GB" sz="849" kern="100" dirty="0">
+              <a:rPr lang="en-GB" sz="850" kern="100" dirty="0">
                 <a:latin typeface="Calibri" panose="020F0502020204030204" pitchFamily="34" charset="0"/>
                 <a:ea typeface="SimSun" panose="02010600030101010101" pitchFamily="2" charset="-122"/>
                 <a:cs typeface="Times New Roman" panose="02020603050405020304" pitchFamily="18" charset="0"/>
@@ -4330,7 +4291,7 @@
               <a:t>, 9(2), pp.139–170. </a:t>
             </a:r>
             <a:r>
-              <a:rPr lang="en-GB" sz="849" kern="100" dirty="0" err="1">
+              <a:rPr lang="en-GB" sz="850" kern="100" dirty="0" err="1">
                 <a:latin typeface="Calibri" panose="020F0502020204030204" pitchFamily="34" charset="0"/>
                 <a:ea typeface="SimSun" panose="02010600030101010101" pitchFamily="2" charset="-122"/>
                 <a:cs typeface="Times New Roman" panose="02020603050405020304" pitchFamily="18" charset="0"/>
@@ -4338,7 +4299,7 @@
               <a:t>doi:https</a:t>
             </a:r>
             <a:r>
-              <a:rPr lang="en-GB" sz="849" kern="100" dirty="0">
+              <a:rPr lang="en-GB" sz="850" kern="100" dirty="0">
                 <a:latin typeface="Calibri" panose="020F0502020204030204" pitchFamily="34" charset="0"/>
                 <a:ea typeface="SimSun" panose="02010600030101010101" pitchFamily="2" charset="-122"/>
                 <a:cs typeface="Times New Roman" panose="02020603050405020304" pitchFamily="18" charset="0"/>
@@ -4346,7 +4307,7 @@
               <a:t>://doi.org/10.2218/ijdc.v9i2.294. Davide V (2024). </a:t>
             </a:r>
             <a:r>
-              <a:rPr lang="en-GB" sz="849" i="1" kern="100" dirty="0">
+              <a:rPr lang="en-GB" sz="850" i="1" kern="100" dirty="0">
                 <a:latin typeface="TimesNewRomanPS-ItalicMT"/>
                 <a:ea typeface="SimSun" panose="02010600030101010101" pitchFamily="2" charset="-122"/>
                 <a:cs typeface="Times New Roman" panose="02020603050405020304" pitchFamily="18" charset="0"/>
@@ -4354,7 +4315,7 @@
               <a:t>GTA-Modding.com - Download Area» GTA San Andreas» Tools» RW </a:t>
             </a:r>
             <a:r>
-              <a:rPr lang="en-GB" sz="849" i="1" kern="100" dirty="0" err="1">
+              <a:rPr lang="en-GB" sz="850" i="1" kern="100" dirty="0" err="1">
                 <a:latin typeface="TimesNewRomanPS-ItalicMT"/>
                 <a:ea typeface="SimSun" panose="02010600030101010101" pitchFamily="2" charset="-122"/>
                 <a:cs typeface="Times New Roman" panose="02020603050405020304" pitchFamily="18" charset="0"/>
@@ -4362,7 +4323,7 @@
               <a:t>Analyze</a:t>
             </a:r>
             <a:r>
-              <a:rPr lang="en-GB" sz="849" kern="100" dirty="0">
+              <a:rPr lang="en-GB" sz="850" kern="100" dirty="0">
                 <a:latin typeface="Calibri" panose="020F0502020204030204" pitchFamily="34" charset="0"/>
                 <a:ea typeface="SimSun" panose="02010600030101010101" pitchFamily="2" charset="-122"/>
                 <a:cs typeface="Times New Roman" panose="02020603050405020304" pitchFamily="18" charset="0"/>
@@ -4370,7 +4331,7 @@
               <a:t>. [online] Gta-modding.com. Available at: https://www.gta-modding.com/area/file-33-rw-analyze.html [Accessed 25 Nov. 2024]. Winget, M.A. and Murray, C. (2008). Collecting and preserving videogames and their related materials: A review of current practice, game-related archives and research projects. </a:t>
             </a:r>
             <a:r>
-              <a:rPr lang="en-GB" sz="849" i="1" kern="100" dirty="0">
+              <a:rPr lang="en-GB" sz="850" i="1" kern="100" dirty="0">
                 <a:latin typeface="TimesNewRomanPS-ItalicMT"/>
                 <a:ea typeface="SimSun" panose="02010600030101010101" pitchFamily="2" charset="-122"/>
                 <a:cs typeface="Times New Roman" panose="02020603050405020304" pitchFamily="18" charset="0"/>
@@ -4378,7 +4339,7 @@
               <a:t>Proceedings of the American Society for Information Science and Technology</a:t>
             </a:r>
             <a:r>
-              <a:rPr lang="en-GB" sz="849" kern="100" dirty="0">
+              <a:rPr lang="en-GB" sz="850" kern="100" dirty="0">
                 <a:latin typeface="Calibri" panose="020F0502020204030204" pitchFamily="34" charset="0"/>
                 <a:ea typeface="SimSun" panose="02010600030101010101" pitchFamily="2" charset="-122"/>
                 <a:cs typeface="Times New Roman" panose="02020603050405020304" pitchFamily="18" charset="0"/>
@@ -4386,7 +4347,7 @@
               <a:t>, 45(1), pp.1–9. </a:t>
             </a:r>
             <a:r>
-              <a:rPr lang="en-GB" sz="849" kern="100" dirty="0" err="1">
+              <a:rPr lang="en-GB" sz="850" kern="100" dirty="0" err="1">
                 <a:latin typeface="Calibri" panose="020F0502020204030204" pitchFamily="34" charset="0"/>
                 <a:ea typeface="SimSun" panose="02010600030101010101" pitchFamily="2" charset="-122"/>
                 <a:cs typeface="Times New Roman" panose="02020603050405020304" pitchFamily="18" charset="0"/>
@@ -4394,7 +4355,7 @@
               <a:t>doi:https</a:t>
             </a:r>
             <a:r>
-              <a:rPr lang="en-GB" sz="849" kern="100" dirty="0">
+              <a:rPr lang="en-GB" sz="850" kern="100" dirty="0">
                 <a:latin typeface="Calibri" panose="020F0502020204030204" pitchFamily="34" charset="0"/>
                 <a:ea typeface="SimSun" panose="02010600030101010101" pitchFamily="2" charset="-122"/>
                 <a:cs typeface="Times New Roman" panose="02020603050405020304" pitchFamily="18" charset="0"/>
@@ -4402,7 +4363,7 @@
               <a:t>://doi.org/10.1002/meet.2008.1450450250. Todd, B. and Hopkins, J. (2019). </a:t>
             </a:r>
             <a:r>
-              <a:rPr lang="en-GB" sz="849" i="1" kern="100" dirty="0">
+              <a:rPr lang="en-GB" sz="850" i="1" kern="100" dirty="0">
                 <a:latin typeface="TimesNewRomanPS-ItalicMT"/>
                 <a:ea typeface="SimSun" panose="02010600030101010101" pitchFamily="2" charset="-122"/>
                 <a:cs typeface="Times New Roman" panose="02020603050405020304" pitchFamily="18" charset="0"/>
@@ -4410,7 +4371,7 @@
               <a:t>Running head: PRESERVING VIDEO GAME SIGNIFICANCE Preserving Video Game Significance: A Practical Guide for Video Game Preservation, Exhibition, and their Significant Properties</a:t>
             </a:r>
             <a:r>
-              <a:rPr lang="en-GB" sz="849" kern="100" dirty="0">
+              <a:rPr lang="en-GB" sz="850" kern="100" dirty="0">
                 <a:latin typeface="Calibri" panose="020F0502020204030204" pitchFamily="34" charset="0"/>
                 <a:ea typeface="SimSun" panose="02010600030101010101" pitchFamily="2" charset="-122"/>
                 <a:cs typeface="Times New Roman" panose="02020603050405020304" pitchFamily="18" charset="0"/>
@@ -4418,7 +4379,7 @@
               <a:t>. [online] Available at: https://jscholarship.library.jhu.edu/server/api/core/bitstreams/49d19d02-a439-4a7d-8243-a685429cbcac/c </a:t>
             </a:r>
             <a:r>
-              <a:rPr lang="en-GB" sz="849" kern="100" dirty="0" err="1">
+              <a:rPr lang="en-GB" sz="850" kern="100" dirty="0" err="1">
                 <a:latin typeface="Calibri" panose="020F0502020204030204" pitchFamily="34" charset="0"/>
                 <a:ea typeface="SimSun" panose="02010600030101010101" pitchFamily="2" charset="-122"/>
                 <a:cs typeface="Times New Roman" panose="02020603050405020304" pitchFamily="18" charset="0"/>
@@ -4426,7 +4387,7 @@
               <a:t>ontent.Guay</a:t>
             </a:r>
             <a:r>
-              <a:rPr lang="en-GB" sz="849" kern="100" dirty="0">
+              <a:rPr lang="en-GB" sz="850" kern="100" dirty="0">
                 <a:latin typeface="Calibri" panose="020F0502020204030204" pitchFamily="34" charset="0"/>
                 <a:ea typeface="SimSun" panose="02010600030101010101" pitchFamily="2" charset="-122"/>
                 <a:cs typeface="Times New Roman" panose="02020603050405020304" pitchFamily="18" charset="0"/>
@@ -4434,7 +4395,7 @@
               <a:t>-Bélanger, D. (2021). Assembling Auras: Towards a Methodology for the Preservation and Study of Video Games as Cultural Heritage Artefacts. </a:t>
             </a:r>
             <a:r>
-              <a:rPr lang="en-GB" sz="849" i="1" kern="100" dirty="0">
+              <a:rPr lang="en-GB" sz="850" i="1" kern="100" dirty="0">
                 <a:latin typeface="TimesNewRomanPS-ItalicMT"/>
                 <a:ea typeface="SimSun" panose="02010600030101010101" pitchFamily="2" charset="-122"/>
                 <a:cs typeface="Times New Roman" panose="02020603050405020304" pitchFamily="18" charset="0"/>
@@ -4442,7 +4403,7 @@
               <a:t>Games and Culture</a:t>
             </a:r>
             <a:r>
-              <a:rPr lang="en-GB" sz="849" kern="100" dirty="0">
+              <a:rPr lang="en-GB" sz="850" kern="100" dirty="0">
                 <a:latin typeface="Calibri" panose="020F0502020204030204" pitchFamily="34" charset="0"/>
                 <a:ea typeface="SimSun" panose="02010600030101010101" pitchFamily="2" charset="-122"/>
                 <a:cs typeface="Times New Roman" panose="02020603050405020304" pitchFamily="18" charset="0"/>
@@ -4450,7 +4411,7 @@
               <a:t>, p.155541202110203. </a:t>
             </a:r>
             <a:r>
-              <a:rPr lang="en-GB" sz="849" kern="100" dirty="0" err="1">
+              <a:rPr lang="en-GB" sz="850" kern="100" dirty="0" err="1">
                 <a:latin typeface="Calibri" panose="020F0502020204030204" pitchFamily="34" charset="0"/>
                 <a:ea typeface="SimSun" panose="02010600030101010101" pitchFamily="2" charset="-122"/>
                 <a:cs typeface="Times New Roman" panose="02020603050405020304" pitchFamily="18" charset="0"/>
@@ -4458,7 +4419,7 @@
               <a:t>doi:https</a:t>
             </a:r>
             <a:r>
-              <a:rPr lang="en-GB" sz="849" kern="100" dirty="0">
+              <a:rPr lang="en-GB" sz="850" kern="100" dirty="0">
                 <a:latin typeface="Calibri" panose="020F0502020204030204" pitchFamily="34" charset="0"/>
                 <a:ea typeface="SimSun" panose="02010600030101010101" pitchFamily="2" charset="-122"/>
                 <a:cs typeface="Times New Roman" panose="02020603050405020304" pitchFamily="18" charset="0"/>
@@ -4466,7 +4427,7 @@
               <a:t>://doi.org/10.1177/15554120211020381. Digra.org. (2024). </a:t>
             </a:r>
             <a:r>
-              <a:rPr lang="en-GB" sz="849" i="1" kern="100" dirty="0">
+              <a:rPr lang="en-GB" sz="850" i="1" kern="100" dirty="0">
                 <a:latin typeface="TimesNewRomanPS-ItalicMT"/>
                 <a:ea typeface="SimSun" panose="02010600030101010101" pitchFamily="2" charset="-122"/>
                 <a:cs typeface="Times New Roman" panose="02020603050405020304" pitchFamily="18" charset="0"/>
@@ -4474,7 +4435,7 @@
               <a:t>View of Before It’s Too Late: Preserving Games across the Industry / Academia divide</a:t>
             </a:r>
             <a:r>
-              <a:rPr lang="en-GB" sz="849" kern="100" dirty="0">
+              <a:rPr lang="en-GB" sz="850" kern="100" dirty="0">
                 <a:latin typeface="Calibri" panose="020F0502020204030204" pitchFamily="34" charset="0"/>
                 <a:ea typeface="SimSun" panose="02010600030101010101" pitchFamily="2" charset="-122"/>
                 <a:cs typeface="Times New Roman" panose="02020603050405020304" pitchFamily="18" charset="0"/>
@@ -4482,7 +4443,7 @@
               <a:t>. [online] Available at: https://dl.digra.org/index.php/dl/article/view/468/468 [Accessed 25 Nov. 2024]. Johansson, C. and </a:t>
             </a:r>
             <a:r>
-              <a:rPr lang="en-GB" sz="849" kern="100" dirty="0" err="1">
+              <a:rPr lang="en-GB" sz="850" kern="100" dirty="0" err="1">
                 <a:latin typeface="Calibri" panose="020F0502020204030204" pitchFamily="34" charset="0"/>
                 <a:ea typeface="SimSun" panose="02010600030101010101" pitchFamily="2" charset="-122"/>
                 <a:cs typeface="Times New Roman" panose="02020603050405020304" pitchFamily="18" charset="0"/>
@@ -4490,7 +4451,7 @@
               <a:t>Koenitz</a:t>
             </a:r>
             <a:r>
-              <a:rPr lang="en-GB" sz="849" kern="100" dirty="0">
+              <a:rPr lang="en-GB" sz="850" kern="100" dirty="0">
                 <a:latin typeface="Calibri" panose="020F0502020204030204" pitchFamily="34" charset="0"/>
                 <a:ea typeface="SimSun" panose="02010600030101010101" pitchFamily="2" charset="-122"/>
                 <a:cs typeface="Times New Roman" panose="02020603050405020304" pitchFamily="18" charset="0"/>
@@ -4498,7 +4459,7 @@
               <a:t>, H. (n.d.). </a:t>
             </a:r>
             <a:r>
-              <a:rPr lang="en-GB" sz="849" i="1" kern="100" dirty="0">
+              <a:rPr lang="en-GB" sz="850" i="1" kern="100" dirty="0">
                 <a:latin typeface="TimesNewRomanPS-ItalicMT"/>
                 <a:ea typeface="SimSun" panose="02010600030101010101" pitchFamily="2" charset="-122"/>
                 <a:cs typeface="Times New Roman" panose="02020603050405020304" pitchFamily="18" charset="0"/>
@@ -4506,7 +4467,7 @@
               <a:t>Video Game Preservation and Emulation from Three Perspectives: Developers, Archivists and Gamers Video Game Preservation and Emulation from Three Perspectives: Developers, Archivists and Gamers</a:t>
             </a:r>
             <a:r>
-              <a:rPr lang="en-GB" sz="849" kern="100" dirty="0">
+              <a:rPr lang="en-GB" sz="850" kern="100" dirty="0">
                 <a:latin typeface="Calibri" panose="020F0502020204030204" pitchFamily="34" charset="0"/>
                 <a:ea typeface="SimSun" panose="02010600030101010101" pitchFamily="2" charset="-122"/>
                 <a:cs typeface="Times New Roman" panose="02020603050405020304" pitchFamily="18" charset="0"/>
@@ -4514,7 +4475,7 @@
               <a:t>. [online] Available at: http://sh.diva-portal.org/smash/get/diva2:1807915/FULLTEXT02.pdf. Haydock, C. (2018). </a:t>
             </a:r>
             <a:r>
-              <a:rPr lang="en-GB" sz="849" i="1" kern="100" dirty="0">
+              <a:rPr lang="en-GB" sz="850" i="1" kern="100" dirty="0">
                 <a:latin typeface="TimesNewRomanPS-ItalicMT"/>
                 <a:ea typeface="SimSun" panose="02010600030101010101" pitchFamily="2" charset="-122"/>
                 <a:cs typeface="Times New Roman" panose="02020603050405020304" pitchFamily="18" charset="0"/>
@@ -4522,7 +4483,7 @@
               <a:t>Challenges in Preserving Video Games</a:t>
             </a:r>
             <a:r>
-              <a:rPr lang="en-GB" sz="849" kern="100" dirty="0">
+              <a:rPr lang="en-GB" sz="850" kern="100" dirty="0">
                 <a:latin typeface="Calibri" panose="020F0502020204030204" pitchFamily="34" charset="0"/>
                 <a:ea typeface="SimSun" panose="02010600030101010101" pitchFamily="2" charset="-122"/>
                 <a:cs typeface="Times New Roman" panose="02020603050405020304" pitchFamily="18" charset="0"/>
@@ -4530,7 +4491,7 @@
               <a:t>. [online] Carolina Digital Repository. Available at: https://cdr.lib.unc.edu/concern/masters_papers/fn107276t [Accessed 25 Nov. 2024]. Folk, M. and </a:t>
             </a:r>
             <a:r>
-              <a:rPr lang="en-GB" sz="849" kern="100" dirty="0" err="1">
+              <a:rPr lang="en-GB" sz="850" kern="100" dirty="0" err="1">
                 <a:latin typeface="Calibri" panose="020F0502020204030204" pitchFamily="34" charset="0"/>
                 <a:ea typeface="SimSun" panose="02010600030101010101" pitchFamily="2" charset="-122"/>
                 <a:cs typeface="Times New Roman" panose="02020603050405020304" pitchFamily="18" charset="0"/>
@@ -4538,7 +4499,7 @@
               <a:t>Barkstrom</a:t>
             </a:r>
             <a:r>
-              <a:rPr lang="en-GB" sz="849" kern="100" dirty="0">
+              <a:rPr lang="en-GB" sz="850" kern="100" dirty="0">
                 <a:latin typeface="Calibri" panose="020F0502020204030204" pitchFamily="34" charset="0"/>
                 <a:ea typeface="SimSun" panose="02010600030101010101" pitchFamily="2" charset="-122"/>
                 <a:cs typeface="Times New Roman" panose="02020603050405020304" pitchFamily="18" charset="0"/>
@@ -4546,7 +4507,7 @@
               <a:t>, B.R. (2003). </a:t>
             </a:r>
             <a:r>
-              <a:rPr lang="en-GB" sz="849" i="1" kern="100" dirty="0">
+              <a:rPr lang="en-GB" sz="850" i="1" kern="100" dirty="0">
                 <a:latin typeface="TimesNewRomanPS-ItalicMT"/>
                 <a:ea typeface="SimSun" panose="02010600030101010101" pitchFamily="2" charset="-122"/>
                 <a:cs typeface="Times New Roman" panose="02020603050405020304" pitchFamily="18" charset="0"/>
@@ -4554,7 +4515,7 @@
               <a:t>Attributes of file formats for long-term preservation of scientific and engineering data in digital libraries</a:t>
             </a:r>
             <a:r>
-              <a:rPr lang="en-GB" sz="849" kern="100" dirty="0">
+              <a:rPr lang="en-GB" sz="850" kern="100" dirty="0">
                 <a:latin typeface="Calibri" panose="020F0502020204030204" pitchFamily="34" charset="0"/>
                 <a:ea typeface="SimSun" panose="02010600030101010101" pitchFamily="2" charset="-122"/>
                 <a:cs typeface="Times New Roman" panose="02020603050405020304" pitchFamily="18" charset="0"/>
@@ -4562,7 +4523,7 @@
               <a:t>. [online] Available at: https://www.researchgate.net/publication/228726593_Attributes_of_file_formats_for_long-term_preservation_of_scientific_and_engineering_data_in_digital_libraries. THE DEFINITIVE GUIDE TO EXPLORING FILE FORMATS </a:t>
             </a:r>
             <a:r>
-              <a:rPr lang="en-GB" sz="849" kern="100" dirty="0" err="1">
+              <a:rPr lang="en-GB" sz="850" kern="100" dirty="0" err="1">
                 <a:latin typeface="Calibri" panose="020F0502020204030204" pitchFamily="34" charset="0"/>
                 <a:ea typeface="SimSun" panose="02010600030101010101" pitchFamily="2" charset="-122"/>
                 <a:cs typeface="Times New Roman" panose="02020603050405020304" pitchFamily="18" charset="0"/>
@@ -4570,7 +4531,7 @@
               <a:t>Mr.Mouse</a:t>
             </a:r>
             <a:r>
-              <a:rPr lang="en-GB" sz="849" kern="100" dirty="0">
+              <a:rPr lang="en-GB" sz="850" kern="100" dirty="0">
                 <a:latin typeface="Calibri" panose="020F0502020204030204" pitchFamily="34" charset="0"/>
                 <a:ea typeface="SimSun" panose="02010600030101010101" pitchFamily="2" charset="-122"/>
                 <a:cs typeface="Times New Roman" panose="02020603050405020304" pitchFamily="18" charset="0"/>
@@ -4578,7 +4539,7 @@
               <a:t> and WATTO. (n.d.). Available at: https://www.gamedevs.org/uploads/the-definitive-guide-to-exploring-file-formats.pdf [Accessed 25 Nov. 2024]. File Formats for Big Data Storage Systems. (2019). </a:t>
             </a:r>
             <a:r>
-              <a:rPr lang="en-GB" sz="849" i="1" kern="100" dirty="0">
+              <a:rPr lang="en-GB" sz="850" i="1" kern="100" dirty="0">
                 <a:latin typeface="TimesNewRomanPS-ItalicMT"/>
                 <a:ea typeface="SimSun" panose="02010600030101010101" pitchFamily="2" charset="-122"/>
                 <a:cs typeface="Times New Roman" panose="02020603050405020304" pitchFamily="18" charset="0"/>
@@ -4586,7 +4547,7 @@
               <a:t>International Journal of Engineering and Advanced Technology</a:t>
             </a:r>
             <a:r>
-              <a:rPr lang="en-GB" sz="849" kern="100" dirty="0">
+              <a:rPr lang="en-GB" sz="850" kern="100" dirty="0">
                 <a:latin typeface="Calibri" panose="020F0502020204030204" pitchFamily="34" charset="0"/>
                 <a:ea typeface="SimSun" panose="02010600030101010101" pitchFamily="2" charset="-122"/>
                 <a:cs typeface="Times New Roman" panose="02020603050405020304" pitchFamily="18" charset="0"/>
@@ -4594,7 +4555,7 @@
               <a:t>, 9(1), pp.2906–2912. </a:t>
             </a:r>
             <a:r>
-              <a:rPr lang="en-GB" sz="849" kern="100" dirty="0" err="1">
+              <a:rPr lang="en-GB" sz="850" kern="100" dirty="0" err="1">
                 <a:latin typeface="Calibri" panose="020F0502020204030204" pitchFamily="34" charset="0"/>
                 <a:ea typeface="SimSun" panose="02010600030101010101" pitchFamily="2" charset="-122"/>
                 <a:cs typeface="Times New Roman" panose="02020603050405020304" pitchFamily="18" charset="0"/>
@@ -4602,7 +4563,7 @@
               <a:t>doi:https</a:t>
             </a:r>
             <a:r>
-              <a:rPr lang="en-GB" sz="849" kern="100" dirty="0">
+              <a:rPr lang="en-GB" sz="850" kern="100" dirty="0">
                 <a:latin typeface="Calibri" panose="020F0502020204030204" pitchFamily="34" charset="0"/>
                 <a:ea typeface="SimSun" panose="02010600030101010101" pitchFamily="2" charset="-122"/>
                 <a:cs typeface="Times New Roman" panose="02020603050405020304" pitchFamily="18" charset="0"/>
@@ -4610,7 +4571,7 @@
               <a:t>://doi.org/10.35940/ijeat.a1196.109119. Zhenhua, W. (2018). Design and Research of an Image File Format with Rich Information. </a:t>
             </a:r>
             <a:r>
-              <a:rPr lang="en-GB" sz="849" i="1" kern="100" dirty="0">
+              <a:rPr lang="en-GB" sz="850" i="1" kern="100" dirty="0">
                 <a:latin typeface="TimesNewRomanPS-ItalicMT"/>
                 <a:ea typeface="SimSun" panose="02010600030101010101" pitchFamily="2" charset="-122"/>
                 <a:cs typeface="Times New Roman" panose="02020603050405020304" pitchFamily="18" charset="0"/>
@@ -4618,7 +4579,7 @@
               <a:t>Journal of Electrical and Electronic Engineering</a:t>
             </a:r>
             <a:r>
-              <a:rPr lang="en-GB" sz="849" kern="100" dirty="0">
+              <a:rPr lang="en-GB" sz="850" kern="100" dirty="0">
                 <a:latin typeface="Calibri" panose="020F0502020204030204" pitchFamily="34" charset="0"/>
                 <a:ea typeface="SimSun" panose="02010600030101010101" pitchFamily="2" charset="-122"/>
                 <a:cs typeface="Times New Roman" panose="02020603050405020304" pitchFamily="18" charset="0"/>
@@ -4626,7 +4587,7 @@
               <a:t>, 6(2), p.71. </a:t>
             </a:r>
             <a:r>
-              <a:rPr lang="en-GB" sz="849" kern="100" dirty="0" err="1">
+              <a:rPr lang="en-GB" sz="850" kern="100" dirty="0" err="1">
                 <a:latin typeface="Calibri" panose="020F0502020204030204" pitchFamily="34" charset="0"/>
                 <a:ea typeface="SimSun" panose="02010600030101010101" pitchFamily="2" charset="-122"/>
                 <a:cs typeface="Times New Roman" panose="02020603050405020304" pitchFamily="18" charset="0"/>
@@ -4634,7 +4595,7 @@
               <a:t>doi:https</a:t>
             </a:r>
             <a:r>
-              <a:rPr lang="en-GB" sz="849" kern="100" dirty="0">
+              <a:rPr lang="en-GB" sz="850" kern="100" dirty="0">
                 <a:latin typeface="Calibri" panose="020F0502020204030204" pitchFamily="34" charset="0"/>
                 <a:ea typeface="SimSun" panose="02010600030101010101" pitchFamily="2" charset="-122"/>
                 <a:cs typeface="Times New Roman" panose="02020603050405020304" pitchFamily="18" charset="0"/>
@@ -4642,7 +4603,7 @@
               <a:t>://doi.org/10.11648/j.jeee.20180602.16. Ontology of Heterogeneous Image File Formats and their Disparate Applications. (2021). </a:t>
             </a:r>
             <a:r>
-              <a:rPr lang="en-GB" sz="849" i="1" kern="100" dirty="0">
+              <a:rPr lang="en-GB" sz="850" i="1" kern="100" dirty="0">
                 <a:latin typeface="TimesNewRomanPS-ItalicMT"/>
                 <a:ea typeface="SimSun" panose="02010600030101010101" pitchFamily="2" charset="-122"/>
                 <a:cs typeface="Times New Roman" panose="02020603050405020304" pitchFamily="18" charset="0"/>
@@ -4650,7 +4611,7 @@
               <a:t>International Journal of Advanced Trends in Computer Science and Engineering</a:t>
             </a:r>
             <a:r>
-              <a:rPr lang="en-GB" sz="849" kern="100" dirty="0">
+              <a:rPr lang="en-GB" sz="850" kern="100" dirty="0">
                 <a:latin typeface="Calibri" panose="020F0502020204030204" pitchFamily="34" charset="0"/>
                 <a:ea typeface="SimSun" panose="02010600030101010101" pitchFamily="2" charset="-122"/>
                 <a:cs typeface="Times New Roman" panose="02020603050405020304" pitchFamily="18" charset="0"/>
@@ -4658,7 +4619,7 @@
               <a:t>, 10(6), pp.3138–3143. </a:t>
             </a:r>
             <a:r>
-              <a:rPr lang="en-GB" sz="849" kern="100" dirty="0" err="1">
+              <a:rPr lang="en-GB" sz="850" kern="100" dirty="0" err="1">
                 <a:latin typeface="Calibri" panose="020F0502020204030204" pitchFamily="34" charset="0"/>
                 <a:ea typeface="SimSun" panose="02010600030101010101" pitchFamily="2" charset="-122"/>
                 <a:cs typeface="Times New Roman" panose="02020603050405020304" pitchFamily="18" charset="0"/>
@@ -4666,7 +4627,7 @@
               <a:t>doi:https</a:t>
             </a:r>
             <a:r>
-              <a:rPr lang="en-GB" sz="849" kern="100" dirty="0">
+              <a:rPr lang="en-GB" sz="850" kern="100" dirty="0">
                 <a:latin typeface="Calibri" panose="020F0502020204030204" pitchFamily="34" charset="0"/>
                 <a:ea typeface="SimSun" panose="02010600030101010101" pitchFamily="2" charset="-122"/>
                 <a:cs typeface="Times New Roman" panose="02020603050405020304" pitchFamily="18" charset="0"/>
@@ -4674,7 +4635,7 @@
               <a:t>://doi.org/10.30534/</a:t>
             </a:r>
             <a:r>
-              <a:rPr lang="en-GB" sz="849" kern="100" dirty="0" err="1">
+              <a:rPr lang="en-GB" sz="850" kern="100" dirty="0" err="1">
                 <a:latin typeface="Calibri" panose="020F0502020204030204" pitchFamily="34" charset="0"/>
                 <a:ea typeface="SimSun" panose="02010600030101010101" pitchFamily="2" charset="-122"/>
                 <a:cs typeface="Times New Roman" panose="02020603050405020304" pitchFamily="18" charset="0"/>
@@ -4682,7 +4643,7 @@
               <a:t>ijatcse</a:t>
             </a:r>
             <a:r>
-              <a:rPr lang="en-GB" sz="849" kern="100" dirty="0">
+              <a:rPr lang="en-GB" sz="850" kern="100" dirty="0">
                 <a:latin typeface="Calibri" panose="020F0502020204030204" pitchFamily="34" charset="0"/>
                 <a:ea typeface="SimSun" panose="02010600030101010101" pitchFamily="2" charset="-122"/>
                 <a:cs typeface="Times New Roman" panose="02020603050405020304" pitchFamily="18" charset="0"/>
@@ -4690,7 +4651,7 @@
               <a:t>/2021/091062021. Dinneen, J.D. and Julien, C.-A. (2021). </a:t>
             </a:r>
             <a:r>
-              <a:rPr lang="en-GB" sz="849" i="1" kern="100" dirty="0">
+              <a:rPr lang="en-GB" sz="850" i="1" kern="100" dirty="0">
                 <a:latin typeface="TimesNewRomanPS-ItalicMT"/>
                 <a:ea typeface="SimSun" panose="02010600030101010101" pitchFamily="2" charset="-122"/>
                 <a:cs typeface="Times New Roman" panose="02020603050405020304" pitchFamily="18" charset="0"/>
@@ -4698,7 +4659,7 @@
               <a:t>The ubiquitous digital file: A review of file management research</a:t>
             </a:r>
             <a:r>
-              <a:rPr lang="en-GB" sz="849" kern="100" dirty="0">
+              <a:rPr lang="en-GB" sz="850" kern="100" dirty="0">
                 <a:latin typeface="Calibri" panose="020F0502020204030204" pitchFamily="34" charset="0"/>
                 <a:ea typeface="SimSun" panose="02010600030101010101" pitchFamily="2" charset="-122"/>
                 <a:cs typeface="Times New Roman" panose="02020603050405020304" pitchFamily="18" charset="0"/>
@@ -4706,7 +4667,7 @@
               <a:t>. [online] </a:t>
             </a:r>
             <a:r>
-              <a:rPr lang="en-GB" sz="849" kern="100" dirty="0" err="1">
+              <a:rPr lang="en-GB" sz="850" kern="100" dirty="0" err="1">
                 <a:latin typeface="Calibri" panose="020F0502020204030204" pitchFamily="34" charset="0"/>
                 <a:ea typeface="SimSun" panose="02010600030101010101" pitchFamily="2" charset="-122"/>
                 <a:cs typeface="Times New Roman" panose="02020603050405020304" pitchFamily="18" charset="0"/>
@@ -4714,7 +4675,7 @@
               <a:t>doi</a:t>
             </a:r>
             <a:r>
-              <a:rPr lang="en-GB" sz="849" kern="100" dirty="0">
+              <a:rPr lang="en-GB" sz="850" kern="100" dirty="0">
                 <a:latin typeface="Calibri" panose="020F0502020204030204" pitchFamily="34" charset="0"/>
                 <a:ea typeface="SimSun" panose="02010600030101010101" pitchFamily="2" charset="-122"/>
                 <a:cs typeface="Times New Roman" panose="02020603050405020304" pitchFamily="18" charset="0"/>
@@ -4722,7 +4683,7 @@
               <a:t>: https://doi.org/10.48550/arXiv.2109.09668.Underwood, W. (2012). Grammar-Based Specification and Parsing of Binary File Formats. </a:t>
             </a:r>
             <a:r>
-              <a:rPr lang="en-GB" sz="849" i="1" kern="100" dirty="0">
+              <a:rPr lang="en-GB" sz="850" i="1" kern="100" dirty="0">
                 <a:latin typeface="TimesNewRomanPS-ItalicMT"/>
                 <a:ea typeface="SimSun" panose="02010600030101010101" pitchFamily="2" charset="-122"/>
                 <a:cs typeface="Times New Roman" panose="02020603050405020304" pitchFamily="18" charset="0"/>
@@ -4730,7 +4691,7 @@
               <a:t>International Journal of Digital Curation</a:t>
             </a:r>
             <a:r>
-              <a:rPr lang="en-GB" sz="849" kern="100" dirty="0">
+              <a:rPr lang="en-GB" sz="850" kern="100" dirty="0">
                 <a:latin typeface="Calibri" panose="020F0502020204030204" pitchFamily="34" charset="0"/>
                 <a:ea typeface="SimSun" panose="02010600030101010101" pitchFamily="2" charset="-122"/>
                 <a:cs typeface="Times New Roman" panose="02020603050405020304" pitchFamily="18" charset="0"/>
@@ -4738,7 +4699,7 @@
               <a:t>, 7(1), pp.95–106. </a:t>
             </a:r>
             <a:r>
-              <a:rPr lang="en-GB" sz="849" kern="100" dirty="0" err="1">
+              <a:rPr lang="en-GB" sz="850" kern="100" dirty="0" err="1">
                 <a:latin typeface="Calibri" panose="020F0502020204030204" pitchFamily="34" charset="0"/>
                 <a:ea typeface="SimSun" panose="02010600030101010101" pitchFamily="2" charset="-122"/>
                 <a:cs typeface="Times New Roman" panose="02020603050405020304" pitchFamily="18" charset="0"/>
@@ -4746,13 +4707,18 @@
               <a:t>doi:https</a:t>
             </a:r>
             <a:r>
-              <a:rPr lang="en-GB" sz="849" kern="100" dirty="0">
+              <a:rPr lang="en-GB" sz="850" kern="100" dirty="0">
                 <a:latin typeface="Calibri" panose="020F0502020204030204" pitchFamily="34" charset="0"/>
                 <a:ea typeface="SimSun" panose="02010600030101010101" pitchFamily="2" charset="-122"/>
                 <a:cs typeface="Times New Roman" panose="02020603050405020304" pitchFamily="18" charset="0"/>
               </a:rPr>
               <a:t>://doi.org/10.2218/ijdc.v7i1.217. Fred brooks, Data definition and file syntax for ISO/TS 14048 data exchange with data storage format based on ISO/TS 14048, RAUL CARLSON JOHAN TIVANDER, CHALMERS UNIVERSITY OF TECHNOLOGY, 2001, https://citeseerx.ist.psu.edu/document?repid=rep1&amp;type=pdf&amp;doi=676dc77da1217c8cdd1b61d76c83cad5 30bc3159 </a:t>
             </a:r>
+            <a:endParaRPr lang="en-GB" sz="850" kern="100" dirty="0">
+              <a:latin typeface="Calibri" panose="020F0502020204030204" pitchFamily="34" charset="0"/>
+              <a:ea typeface="SimSun" panose="02010600030101010101" pitchFamily="2" charset="-122"/>
+              <a:cs typeface="Times New Roman" panose="02020603050405020304" pitchFamily="18" charset="0"/>
+            </a:endParaRPr>
           </a:p>
         </p:txBody>
       </p:sp>
@@ -4779,42 +4745,14 @@
           <a:lstStyle/>
           <a:p>
             <a:r>
-              <a:rPr lang="en-GB" sz="3394" b="1" dirty="0">
+              <a:rPr lang="en-GB" sz="3395" b="1" dirty="0">
                 <a:latin typeface="Calibri Light" panose="020F0302020204030204" pitchFamily="34" charset="0"/>
                 <a:ea typeface="Anonymous Pro" panose="02060609030202000504" pitchFamily="49" charset="0"/>
                 <a:cs typeface="Calibri Light" panose="020F0302020204030204" pitchFamily="34" charset="0"/>
               </a:rPr>
               <a:t>Method And Implementation:</a:t>
             </a:r>
-          </a:p>
-          <a:p>
-            <a:r>
-              <a:rPr lang="en-GB" sz="2263" dirty="0">
-                <a:latin typeface="Calibri Light" panose="020F0302020204030204" pitchFamily="34" charset="0"/>
-                <a:ea typeface="Anonymous Pro" panose="02060609030202000504" pitchFamily="49" charset="0"/>
-                <a:cs typeface="Calibri Light" panose="020F0302020204030204" pitchFamily="34" charset="0"/>
-              </a:rPr>
-              <a:t>Each .Str file had its syntax profile built through static analysis, </a:t>
-            </a:r>
-            <a:r>
-              <a:rPr lang="en-GB" sz="2263" dirty="0" err="1">
-                <a:latin typeface="Calibri Light" panose="020F0302020204030204" pitchFamily="34" charset="0"/>
-                <a:ea typeface="Anonymous Pro" panose="02060609030202000504" pitchFamily="49" charset="0"/>
-                <a:cs typeface="Calibri Light" panose="020F0302020204030204" pitchFamily="34" charset="0"/>
-              </a:rPr>
-              <a:t>i.e</a:t>
-            </a:r>
-            <a:r>
-              <a:rPr lang="en-GB" sz="2263" dirty="0">
-                <a:latin typeface="Calibri Light" panose="020F0302020204030204" pitchFamily="34" charset="0"/>
-                <a:ea typeface="Anonymous Pro" panose="02060609030202000504" pitchFamily="49" charset="0"/>
-                <a:cs typeface="Calibri Light" panose="020F0302020204030204" pitchFamily="34" charset="0"/>
-              </a:rPr>
-              <a:t> reading the file as raw binary in a hex editor to discern patters, a syntax profile was built, and code was written to read in the files. Each Section in the .Str files were decompressed and its contents exported.</a:t>
-            </a:r>
-          </a:p>
-          <a:p>
-            <a:endParaRPr lang="en-GB" sz="2263" dirty="0">
+            <a:endParaRPr lang="en-GB" sz="3395" b="1" dirty="0">
               <a:latin typeface="Calibri Light" panose="020F0302020204030204" pitchFamily="34" charset="0"/>
               <a:ea typeface="Anonymous Pro" panose="02060609030202000504" pitchFamily="49" charset="0"/>
               <a:cs typeface="Calibri Light" panose="020F0302020204030204" pitchFamily="34" charset="0"/>
@@ -4822,15 +4760,15 @@
           </a:p>
           <a:p>
             <a:r>
-              <a:rPr lang="en-GB" sz="2263" dirty="0">
-                <a:latin typeface="Calibri Light" panose="020F0302020204030204" pitchFamily="34" charset="0"/>
-                <a:ea typeface="Anonymous Pro" panose="02060609030202000504" pitchFamily="49" charset="0"/>
-                <a:cs typeface="Calibri Light" panose="020F0302020204030204" pitchFamily="34" charset="0"/>
-              </a:rPr>
-              <a:t>The data was read into lists to be exported as subfiles, each individual sub file was determined, via their file extension, if they were a geometry file </a:t>
-            </a:r>
-            <a:r>
-              <a:rPr lang="en-GB" sz="2263" dirty="0" err="1">
+              <a:rPr lang="en-GB" sz="2265" dirty="0">
+                <a:latin typeface="Calibri Light" panose="020F0302020204030204" pitchFamily="34" charset="0"/>
+                <a:ea typeface="Anonymous Pro" panose="02060609030202000504" pitchFamily="49" charset="0"/>
+                <a:cs typeface="Calibri Light" panose="020F0302020204030204" pitchFamily="34" charset="0"/>
+              </a:rPr>
+              <a:t>Each .Str file had its syntax profile built through static analysis, </a:t>
+            </a:r>
+            <a:r>
+              <a:rPr lang="en-GB" sz="2265" dirty="0" err="1">
                 <a:latin typeface="Calibri Light" panose="020F0302020204030204" pitchFamily="34" charset="0"/>
                 <a:ea typeface="Anonymous Pro" panose="02060609030202000504" pitchFamily="49" charset="0"/>
                 <a:cs typeface="Calibri Light" panose="020F0302020204030204" pitchFamily="34" charset="0"/>
@@ -4838,113 +4776,21 @@
               <a:t>i.e</a:t>
             </a:r>
             <a:r>
-              <a:rPr lang="en-GB" sz="2263" dirty="0">
-                <a:latin typeface="Calibri Light" panose="020F0302020204030204" pitchFamily="34" charset="0"/>
-                <a:ea typeface="Anonymous Pro" panose="02060609030202000504" pitchFamily="49" charset="0"/>
-                <a:cs typeface="Calibri Light" panose="020F0302020204030204" pitchFamily="34" charset="0"/>
-              </a:rPr>
-              <a:t> .</a:t>
-            </a:r>
-            <a:r>
-              <a:rPr lang="en-GB" sz="2263" dirty="0" err="1">
-                <a:latin typeface="Calibri Light" panose="020F0302020204030204" pitchFamily="34" charset="0"/>
-                <a:ea typeface="Anonymous Pro" panose="02060609030202000504" pitchFamily="49" charset="0"/>
-                <a:cs typeface="Calibri Light" panose="020F0302020204030204" pitchFamily="34" charset="0"/>
-              </a:rPr>
-              <a:t>Rws</a:t>
-            </a:r>
-            <a:r>
-              <a:rPr lang="en-GB" sz="2263" dirty="0">
-                <a:latin typeface="Calibri Light" panose="020F0302020204030204" pitchFamily="34" charset="0"/>
-                <a:ea typeface="Anonymous Pro" panose="02060609030202000504" pitchFamily="49" charset="0"/>
-                <a:cs typeface="Calibri Light" panose="020F0302020204030204" pitchFamily="34" charset="0"/>
-              </a:rPr>
-              <a:t> and .</a:t>
-            </a:r>
-            <a:r>
-              <a:rPr lang="en-GB" sz="2263" dirty="0" err="1">
-                <a:latin typeface="Calibri Light" panose="020F0302020204030204" pitchFamily="34" charset="0"/>
-                <a:ea typeface="Anonymous Pro" panose="02060609030202000504" pitchFamily="49" charset="0"/>
-                <a:cs typeface="Calibri Light" panose="020F0302020204030204" pitchFamily="34" charset="0"/>
-              </a:rPr>
-              <a:t>Dff</a:t>
-            </a:r>
-            <a:r>
-              <a:rPr lang="en-GB" sz="2263" dirty="0">
-                <a:latin typeface="Calibri Light" panose="020F0302020204030204" pitchFamily="34" charset="0"/>
-                <a:ea typeface="Anonymous Pro" panose="02060609030202000504" pitchFamily="49" charset="0"/>
-                <a:cs typeface="Calibri Light" panose="020F0302020204030204" pitchFamily="34" charset="0"/>
-              </a:rPr>
-              <a:t>. Each geometry file  was processed into .</a:t>
-            </a:r>
-            <a:r>
-              <a:rPr lang="en-GB" sz="2263" dirty="0" err="1">
-                <a:latin typeface="Calibri Light" panose="020F0302020204030204" pitchFamily="34" charset="0"/>
-                <a:ea typeface="Anonymous Pro" panose="02060609030202000504" pitchFamily="49" charset="0"/>
-                <a:cs typeface="Calibri Light" panose="020F0302020204030204" pitchFamily="34" charset="0"/>
-              </a:rPr>
-              <a:t>Obj</a:t>
-            </a:r>
-            <a:r>
-              <a:rPr lang="en-GB" sz="2263" dirty="0">
-                <a:latin typeface="Calibri Light" panose="020F0302020204030204" pitchFamily="34" charset="0"/>
-                <a:ea typeface="Anonymous Pro" panose="02060609030202000504" pitchFamily="49" charset="0"/>
-                <a:cs typeface="Calibri Light" panose="020F0302020204030204" pitchFamily="34" charset="0"/>
-              </a:rPr>
-              <a:t> files by understanding their syntax, parsing their data into appropriate ADTs such as lists, and exporting them as “v”, “</a:t>
-            </a:r>
-            <a:r>
-              <a:rPr lang="en-GB" sz="2263" dirty="0" err="1">
-                <a:latin typeface="Calibri Light" panose="020F0302020204030204" pitchFamily="34" charset="0"/>
-                <a:ea typeface="Anonymous Pro" panose="02060609030202000504" pitchFamily="49" charset="0"/>
-                <a:cs typeface="Calibri Light" panose="020F0302020204030204" pitchFamily="34" charset="0"/>
-              </a:rPr>
-              <a:t>vt</a:t>
-            </a:r>
-            <a:r>
-              <a:rPr lang="en-GB" sz="2263" dirty="0">
-                <a:latin typeface="Calibri Light" panose="020F0302020204030204" pitchFamily="34" charset="0"/>
-                <a:ea typeface="Anonymous Pro" panose="02060609030202000504" pitchFamily="49" charset="0"/>
-                <a:cs typeface="Calibri Light" panose="020F0302020204030204" pitchFamily="34" charset="0"/>
-              </a:rPr>
-              <a:t>”, “</a:t>
-            </a:r>
-            <a:r>
-              <a:rPr lang="en-GB" sz="2263" dirty="0" err="1">
-                <a:latin typeface="Calibri Light" panose="020F0302020204030204" pitchFamily="34" charset="0"/>
-                <a:ea typeface="Anonymous Pro" panose="02060609030202000504" pitchFamily="49" charset="0"/>
-                <a:cs typeface="Calibri Light" panose="020F0302020204030204" pitchFamily="34" charset="0"/>
-              </a:rPr>
-              <a:t>vn</a:t>
-            </a:r>
-            <a:r>
-              <a:rPr lang="en-GB" sz="2263" dirty="0">
-                <a:latin typeface="Calibri Light" panose="020F0302020204030204" pitchFamily="34" charset="0"/>
-                <a:ea typeface="Anonymous Pro" panose="02060609030202000504" pitchFamily="49" charset="0"/>
-                <a:cs typeface="Calibri Light" panose="020F0302020204030204" pitchFamily="34" charset="0"/>
-              </a:rPr>
-              <a:t>” and “f” rows.</a:t>
-            </a:r>
-          </a:p>
-          <a:p>
-            <a:endParaRPr lang="en-GB" sz="2263" dirty="0">
+              <a:rPr lang="en-GB" sz="2265" dirty="0">
+                <a:latin typeface="Calibri Light" panose="020F0302020204030204" pitchFamily="34" charset="0"/>
+                <a:ea typeface="Anonymous Pro" panose="02060609030202000504" pitchFamily="49" charset="0"/>
+                <a:cs typeface="Calibri Light" panose="020F0302020204030204" pitchFamily="34" charset="0"/>
+              </a:rPr>
+              <a:t> reading the file as raw binary in a hex editor to discern patters, a syntax profile was built, and code was written to read in the files. Each Section in the .Str files were decompressed and its contents exported.</a:t>
+            </a:r>
+            <a:endParaRPr lang="en-GB" sz="2265" dirty="0">
               <a:latin typeface="Calibri Light" panose="020F0302020204030204" pitchFamily="34" charset="0"/>
               <a:ea typeface="Anonymous Pro" panose="02060609030202000504" pitchFamily="49" charset="0"/>
               <a:cs typeface="Calibri Light" panose="020F0302020204030204" pitchFamily="34" charset="0"/>
             </a:endParaRPr>
           </a:p>
           <a:p>
-            <a:r>
-              <a:rPr lang="en-GB" sz="2263" dirty="0">
-                <a:latin typeface="Calibri Light" panose="020F0302020204030204" pitchFamily="34" charset="0"/>
-                <a:ea typeface="Anonymous Pro" panose="02060609030202000504" pitchFamily="49" charset="0"/>
-                <a:cs typeface="Calibri Light" panose="020F0302020204030204" pitchFamily="34" charset="0"/>
-              </a:rPr>
-              <a:t>Each file is then determined to have subsequent encapsulating data, if they do not, then the process is complete. If they do the process repeats until the contents are successfully converted to contemporary formats.</a:t>
-            </a:r>
-          </a:p>
-          <a:p>
-            <a:endParaRPr lang="en-GB" sz="2263" dirty="0">
+            <a:endParaRPr lang="en-GB" sz="2265" dirty="0">
               <a:latin typeface="Calibri Light" panose="020F0302020204030204" pitchFamily="34" charset="0"/>
               <a:ea typeface="Anonymous Pro" panose="02060609030202000504" pitchFamily="49" charset="0"/>
               <a:cs typeface="Calibri Light" panose="020F0302020204030204" pitchFamily="34" charset="0"/>
@@ -4952,7 +4798,147 @@
           </a:p>
           <a:p>
             <a:r>
-              <a:rPr lang="en-GB" sz="2263" dirty="0">
+              <a:rPr lang="en-GB" sz="2265" dirty="0">
+                <a:latin typeface="Calibri Light" panose="020F0302020204030204" pitchFamily="34" charset="0"/>
+                <a:ea typeface="Anonymous Pro" panose="02060609030202000504" pitchFamily="49" charset="0"/>
+                <a:cs typeface="Calibri Light" panose="020F0302020204030204" pitchFamily="34" charset="0"/>
+              </a:rPr>
+              <a:t>The data was read into lists to be exported as subfiles, each individual sub file was determined, via their file extension, if they were a geometry file </a:t>
+            </a:r>
+            <a:r>
+              <a:rPr lang="en-GB" sz="2265" dirty="0" err="1">
+                <a:latin typeface="Calibri Light" panose="020F0302020204030204" pitchFamily="34" charset="0"/>
+                <a:ea typeface="Anonymous Pro" panose="02060609030202000504" pitchFamily="49" charset="0"/>
+                <a:cs typeface="Calibri Light" panose="020F0302020204030204" pitchFamily="34" charset="0"/>
+              </a:rPr>
+              <a:t>i.e</a:t>
+            </a:r>
+            <a:r>
+              <a:rPr lang="en-GB" sz="2265" dirty="0">
+                <a:latin typeface="Calibri Light" panose="020F0302020204030204" pitchFamily="34" charset="0"/>
+                <a:ea typeface="Anonymous Pro" panose="02060609030202000504" pitchFamily="49" charset="0"/>
+                <a:cs typeface="Calibri Light" panose="020F0302020204030204" pitchFamily="34" charset="0"/>
+              </a:rPr>
+              <a:t> .</a:t>
+            </a:r>
+            <a:r>
+              <a:rPr lang="en-GB" sz="2265" dirty="0" err="1">
+                <a:latin typeface="Calibri Light" panose="020F0302020204030204" pitchFamily="34" charset="0"/>
+                <a:ea typeface="Anonymous Pro" panose="02060609030202000504" pitchFamily="49" charset="0"/>
+                <a:cs typeface="Calibri Light" panose="020F0302020204030204" pitchFamily="34" charset="0"/>
+              </a:rPr>
+              <a:t>Rws</a:t>
+            </a:r>
+            <a:r>
+              <a:rPr lang="en-GB" sz="2265" dirty="0">
+                <a:latin typeface="Calibri Light" panose="020F0302020204030204" pitchFamily="34" charset="0"/>
+                <a:ea typeface="Anonymous Pro" panose="02060609030202000504" pitchFamily="49" charset="0"/>
+                <a:cs typeface="Calibri Light" panose="020F0302020204030204" pitchFamily="34" charset="0"/>
+              </a:rPr>
+              <a:t> and .</a:t>
+            </a:r>
+            <a:r>
+              <a:rPr lang="en-GB" sz="2265" dirty="0" err="1">
+                <a:latin typeface="Calibri Light" panose="020F0302020204030204" pitchFamily="34" charset="0"/>
+                <a:ea typeface="Anonymous Pro" panose="02060609030202000504" pitchFamily="49" charset="0"/>
+                <a:cs typeface="Calibri Light" panose="020F0302020204030204" pitchFamily="34" charset="0"/>
+              </a:rPr>
+              <a:t>Dff</a:t>
+            </a:r>
+            <a:r>
+              <a:rPr lang="en-GB" sz="2265" dirty="0">
+                <a:latin typeface="Calibri Light" panose="020F0302020204030204" pitchFamily="34" charset="0"/>
+                <a:ea typeface="Anonymous Pro" panose="02060609030202000504" pitchFamily="49" charset="0"/>
+                <a:cs typeface="Calibri Light" panose="020F0302020204030204" pitchFamily="34" charset="0"/>
+              </a:rPr>
+              <a:t>. Each geometry file  was processed into .</a:t>
+            </a:r>
+            <a:r>
+              <a:rPr lang="en-GB" sz="2265" dirty="0" err="1">
+                <a:latin typeface="Calibri Light" panose="020F0302020204030204" pitchFamily="34" charset="0"/>
+                <a:ea typeface="Anonymous Pro" panose="02060609030202000504" pitchFamily="49" charset="0"/>
+                <a:cs typeface="Calibri Light" panose="020F0302020204030204" pitchFamily="34" charset="0"/>
+              </a:rPr>
+              <a:t>Obj</a:t>
+            </a:r>
+            <a:r>
+              <a:rPr lang="en-GB" sz="2265" dirty="0">
+                <a:latin typeface="Calibri Light" panose="020F0302020204030204" pitchFamily="34" charset="0"/>
+                <a:ea typeface="Anonymous Pro" panose="02060609030202000504" pitchFamily="49" charset="0"/>
+                <a:cs typeface="Calibri Light" panose="020F0302020204030204" pitchFamily="34" charset="0"/>
+              </a:rPr>
+              <a:t> files by understanding their syntax, parsing their data into appropriate ADTs such as lists, and exporting them as “v”, “</a:t>
+            </a:r>
+            <a:r>
+              <a:rPr lang="en-GB" sz="2265" dirty="0" err="1">
+                <a:latin typeface="Calibri Light" panose="020F0302020204030204" pitchFamily="34" charset="0"/>
+                <a:ea typeface="Anonymous Pro" panose="02060609030202000504" pitchFamily="49" charset="0"/>
+                <a:cs typeface="Calibri Light" panose="020F0302020204030204" pitchFamily="34" charset="0"/>
+              </a:rPr>
+              <a:t>vt</a:t>
+            </a:r>
+            <a:r>
+              <a:rPr lang="en-GB" sz="2265" dirty="0">
+                <a:latin typeface="Calibri Light" panose="020F0302020204030204" pitchFamily="34" charset="0"/>
+                <a:ea typeface="Anonymous Pro" panose="02060609030202000504" pitchFamily="49" charset="0"/>
+                <a:cs typeface="Calibri Light" panose="020F0302020204030204" pitchFamily="34" charset="0"/>
+              </a:rPr>
+              <a:t>”, “</a:t>
+            </a:r>
+            <a:r>
+              <a:rPr lang="en-GB" sz="2265" dirty="0" err="1">
+                <a:latin typeface="Calibri Light" panose="020F0302020204030204" pitchFamily="34" charset="0"/>
+                <a:ea typeface="Anonymous Pro" panose="02060609030202000504" pitchFamily="49" charset="0"/>
+                <a:cs typeface="Calibri Light" panose="020F0302020204030204" pitchFamily="34" charset="0"/>
+              </a:rPr>
+              <a:t>vn</a:t>
+            </a:r>
+            <a:r>
+              <a:rPr lang="en-GB" sz="2265" dirty="0">
+                <a:latin typeface="Calibri Light" panose="020F0302020204030204" pitchFamily="34" charset="0"/>
+                <a:ea typeface="Anonymous Pro" panose="02060609030202000504" pitchFamily="49" charset="0"/>
+                <a:cs typeface="Calibri Light" panose="020F0302020204030204" pitchFamily="34" charset="0"/>
+              </a:rPr>
+              <a:t>” and “f” rows.</a:t>
+            </a:r>
+            <a:endParaRPr lang="en-GB" sz="2265" dirty="0">
+              <a:latin typeface="Calibri Light" panose="020F0302020204030204" pitchFamily="34" charset="0"/>
+              <a:ea typeface="Anonymous Pro" panose="02060609030202000504" pitchFamily="49" charset="0"/>
+              <a:cs typeface="Calibri Light" panose="020F0302020204030204" pitchFamily="34" charset="0"/>
+            </a:endParaRPr>
+          </a:p>
+          <a:p>
+            <a:endParaRPr lang="en-GB" sz="2265" dirty="0">
+              <a:latin typeface="Calibri Light" panose="020F0302020204030204" pitchFamily="34" charset="0"/>
+              <a:ea typeface="Anonymous Pro" panose="02060609030202000504" pitchFamily="49" charset="0"/>
+              <a:cs typeface="Calibri Light" panose="020F0302020204030204" pitchFamily="34" charset="0"/>
+            </a:endParaRPr>
+          </a:p>
+          <a:p>
+            <a:r>
+              <a:rPr lang="en-GB" sz="2265" dirty="0">
+                <a:latin typeface="Calibri Light" panose="020F0302020204030204" pitchFamily="34" charset="0"/>
+                <a:ea typeface="Anonymous Pro" panose="02060609030202000504" pitchFamily="49" charset="0"/>
+                <a:cs typeface="Calibri Light" panose="020F0302020204030204" pitchFamily="34" charset="0"/>
+              </a:rPr>
+              <a:t>Each file is then determined to have subsequent encapsulating data, if they do not, then the process is complete. If they do the process repeats until the contents are successfully converted to contemporary formats.</a:t>
+            </a:r>
+            <a:endParaRPr lang="en-GB" sz="2265" dirty="0">
+              <a:latin typeface="Calibri Light" panose="020F0302020204030204" pitchFamily="34" charset="0"/>
+              <a:ea typeface="Anonymous Pro" panose="02060609030202000504" pitchFamily="49" charset="0"/>
+              <a:cs typeface="Calibri Light" panose="020F0302020204030204" pitchFamily="34" charset="0"/>
+            </a:endParaRPr>
+          </a:p>
+          <a:p>
+            <a:endParaRPr lang="en-GB" sz="2265" dirty="0">
+              <a:latin typeface="Calibri Light" panose="020F0302020204030204" pitchFamily="34" charset="0"/>
+              <a:ea typeface="Anonymous Pro" panose="02060609030202000504" pitchFamily="49" charset="0"/>
+              <a:cs typeface="Calibri Light" panose="020F0302020204030204" pitchFamily="34" charset="0"/>
+            </a:endParaRPr>
+          </a:p>
+          <a:p>
+            <a:r>
+              <a:rPr lang="en-GB" sz="2265" dirty="0">
                 <a:latin typeface="Calibri Light" panose="020F0302020204030204" pitchFamily="34" charset="0"/>
                 <a:ea typeface="Anonymous Pro" panose="02060609030202000504" pitchFamily="49" charset="0"/>
                 <a:cs typeface="Calibri Light" panose="020F0302020204030204" pitchFamily="34" charset="0"/>
@@ -4960,7 +4946,7 @@
               <a:t>Below is an .</a:t>
             </a:r>
             <a:r>
-              <a:rPr lang="en-GB" sz="2263" dirty="0" err="1">
+              <a:rPr lang="en-GB" sz="2265" dirty="0" err="1">
                 <a:latin typeface="Calibri Light" panose="020F0302020204030204" pitchFamily="34" charset="0"/>
                 <a:ea typeface="Anonymous Pro" panose="02060609030202000504" pitchFamily="49" charset="0"/>
                 <a:cs typeface="Calibri Light" panose="020F0302020204030204" pitchFamily="34" charset="0"/>
@@ -4968,7 +4954,7 @@
               <a:t>Obj</a:t>
             </a:r>
             <a:r>
-              <a:rPr lang="en-GB" sz="2263" dirty="0">
+              <a:rPr lang="en-GB" sz="2265" dirty="0">
                 <a:latin typeface="Calibri Light" panose="020F0302020204030204" pitchFamily="34" charset="0"/>
                 <a:ea typeface="Anonymous Pro" panose="02060609030202000504" pitchFamily="49" charset="0"/>
                 <a:cs typeface="Calibri Light" panose="020F0302020204030204" pitchFamily="34" charset="0"/>
@@ -4976,7 +4962,7 @@
               <a:t> file and the </a:t>
             </a:r>
             <a:r>
-              <a:rPr lang="en-GB" sz="2263" b="1" dirty="0">
+              <a:rPr lang="en-GB" sz="2265" b="1" dirty="0">
                 <a:latin typeface="Calibri Light" panose="020F0302020204030204" pitchFamily="34" charset="0"/>
                 <a:ea typeface="Anonymous Pro" panose="02060609030202000504" pitchFamily="49" charset="0"/>
                 <a:cs typeface="Calibri Light" panose="020F0302020204030204" pitchFamily="34" charset="0"/>
@@ -4984,13 +4970,18 @@
               <a:t>GAD</a:t>
             </a:r>
             <a:r>
-              <a:rPr lang="en-GB" sz="2263" dirty="0">
+              <a:rPr lang="en-GB" sz="2265" dirty="0">
                 <a:latin typeface="Calibri Light" panose="020F0302020204030204" pitchFamily="34" charset="0"/>
                 <a:ea typeface="Anonymous Pro" panose="02060609030202000504" pitchFamily="49" charset="0"/>
                 <a:cs typeface="Calibri Light" panose="020F0302020204030204" pitchFamily="34" charset="0"/>
               </a:rPr>
               <a:t>.</a:t>
             </a:r>
+            <a:endParaRPr lang="en-GB" sz="2265" dirty="0">
+              <a:latin typeface="Calibri Light" panose="020F0302020204030204" pitchFamily="34" charset="0"/>
+              <a:ea typeface="Anonymous Pro" panose="02060609030202000504" pitchFamily="49" charset="0"/>
+              <a:cs typeface="Calibri Light" panose="020F0302020204030204" pitchFamily="34" charset="0"/>
+            </a:endParaRPr>
           </a:p>
         </p:txBody>
       </p:sp>
@@ -5017,14 +5008,14 @@
           <a:lstStyle/>
           <a:p>
             <a:r>
-              <a:rPr lang="en-GB" sz="3394" b="1" dirty="0">
+              <a:rPr lang="en-GB" sz="3395" b="1" dirty="0">
                 <a:latin typeface="Calibri Light" panose="020F0302020204030204" pitchFamily="34" charset="0"/>
                 <a:ea typeface="Anonymous Pro" panose="02060609030202000504" pitchFamily="49" charset="0"/>
                 <a:cs typeface="Calibri Light" panose="020F0302020204030204" pitchFamily="34" charset="0"/>
               </a:rPr>
               <a:t>Discussion and Results:</a:t>
             </a:r>
-            <a:endParaRPr lang="en-GB" sz="2829" dirty="0">
+            <a:endParaRPr lang="en-GB" sz="2830" dirty="0">
               <a:latin typeface="Calibri Light" panose="020F0302020204030204" pitchFamily="34" charset="0"/>
               <a:ea typeface="Anonymous Pro" panose="02060609030202000504" pitchFamily="49" charset="0"/>
               <a:cs typeface="Calibri Light" panose="020F0302020204030204" pitchFamily="34" charset="0"/>
@@ -5032,7 +5023,7 @@
           </a:p>
           <a:p>
             <a:r>
-              <a:rPr lang="en-GB" sz="2263" dirty="0">
+              <a:rPr lang="en-GB" sz="2265" dirty="0">
                 <a:latin typeface="Calibri Light" panose="020F0302020204030204" pitchFamily="34" charset="0"/>
                 <a:ea typeface="Anonymous Pro" panose="02060609030202000504" pitchFamily="49" charset="0"/>
                 <a:cs typeface="Calibri Light" panose="020F0302020204030204" pitchFamily="34" charset="0"/>
@@ -5040,7 +5031,7 @@
               <a:t>The results were the successful conversion of the .Str/.</a:t>
             </a:r>
             <a:r>
-              <a:rPr lang="en-GB" sz="2263" dirty="0" err="1">
+              <a:rPr lang="en-GB" sz="2265" dirty="0" err="1">
                 <a:latin typeface="Calibri Light" panose="020F0302020204030204" pitchFamily="34" charset="0"/>
                 <a:ea typeface="Anonymous Pro" panose="02060609030202000504" pitchFamily="49" charset="0"/>
                 <a:cs typeface="Calibri Light" panose="020F0302020204030204" pitchFamily="34" charset="0"/>
@@ -5048,7 +5039,7 @@
               <a:t>Rws</a:t>
             </a:r>
             <a:r>
-              <a:rPr lang="en-GB" sz="2263" dirty="0">
+              <a:rPr lang="en-GB" sz="2265" dirty="0">
                 <a:latin typeface="Calibri Light" panose="020F0302020204030204" pitchFamily="34" charset="0"/>
                 <a:ea typeface="Anonymous Pro" panose="02060609030202000504" pitchFamily="49" charset="0"/>
                 <a:cs typeface="Calibri Light" panose="020F0302020204030204" pitchFamily="34" charset="0"/>
@@ -5056,7 +5047,7 @@
               <a:t>/.</a:t>
             </a:r>
             <a:r>
-              <a:rPr lang="en-GB" sz="2263" dirty="0" err="1">
+              <a:rPr lang="en-GB" sz="2265" dirty="0" err="1">
                 <a:latin typeface="Calibri Light" panose="020F0302020204030204" pitchFamily="34" charset="0"/>
                 <a:ea typeface="Anonymous Pro" panose="02060609030202000504" pitchFamily="49" charset="0"/>
                 <a:cs typeface="Calibri Light" panose="020F0302020204030204" pitchFamily="34" charset="0"/>
@@ -5064,7 +5055,7 @@
               <a:t>Dff</a:t>
             </a:r>
             <a:r>
-              <a:rPr lang="en-GB" sz="2263" dirty="0">
+              <a:rPr lang="en-GB" sz="2265" dirty="0">
                 <a:latin typeface="Calibri Light" panose="020F0302020204030204" pitchFamily="34" charset="0"/>
                 <a:ea typeface="Anonymous Pro" panose="02060609030202000504" pitchFamily="49" charset="0"/>
                 <a:cs typeface="Calibri Light" panose="020F0302020204030204" pitchFamily="34" charset="0"/>
@@ -5072,7 +5063,7 @@
               <a:t> files and the creation of .</a:t>
             </a:r>
             <a:r>
-              <a:rPr lang="en-GB" sz="2263" dirty="0" err="1">
+              <a:rPr lang="en-GB" sz="2265" dirty="0" err="1">
                 <a:latin typeface="Calibri Light" panose="020F0302020204030204" pitchFamily="34" charset="0"/>
                 <a:ea typeface="Anonymous Pro" panose="02060609030202000504" pitchFamily="49" charset="0"/>
                 <a:cs typeface="Calibri Light" panose="020F0302020204030204" pitchFamily="34" charset="0"/>
@@ -5080,7 +5071,7 @@
               <a:t>Obj</a:t>
             </a:r>
             <a:r>
-              <a:rPr lang="en-GB" sz="2263" dirty="0">
+              <a:rPr lang="en-GB" sz="2265" dirty="0">
                 <a:latin typeface="Calibri Light" panose="020F0302020204030204" pitchFamily="34" charset="0"/>
                 <a:ea typeface="Anonymous Pro" panose="02060609030202000504" pitchFamily="49" charset="0"/>
                 <a:cs typeface="Calibri Light" panose="020F0302020204030204" pitchFamily="34" charset="0"/>
@@ -5088,7 +5079,7 @@
               <a:t> files from .</a:t>
             </a:r>
             <a:r>
-              <a:rPr lang="en-GB" sz="2263" dirty="0" err="1">
+              <a:rPr lang="en-GB" sz="2265" dirty="0" err="1">
                 <a:latin typeface="Calibri Light" panose="020F0302020204030204" pitchFamily="34" charset="0"/>
                 <a:ea typeface="Anonymous Pro" panose="02060609030202000504" pitchFamily="49" charset="0"/>
                 <a:cs typeface="Calibri Light" panose="020F0302020204030204" pitchFamily="34" charset="0"/>
@@ -5096,7 +5087,7 @@
               <a:t>Rws</a:t>
             </a:r>
             <a:r>
-              <a:rPr lang="en-GB" sz="2263" dirty="0">
+              <a:rPr lang="en-GB" sz="2265" dirty="0">
                 <a:latin typeface="Calibri Light" panose="020F0302020204030204" pitchFamily="34" charset="0"/>
                 <a:ea typeface="Anonymous Pro" panose="02060609030202000504" pitchFamily="49" charset="0"/>
                 <a:cs typeface="Calibri Light" panose="020F0302020204030204" pitchFamily="34" charset="0"/>
@@ -5104,7 +5095,7 @@
               <a:t> and .</a:t>
             </a:r>
             <a:r>
-              <a:rPr lang="en-GB" sz="2263" dirty="0" err="1">
+              <a:rPr lang="en-GB" sz="2265" dirty="0" err="1">
                 <a:latin typeface="Calibri Light" panose="020F0302020204030204" pitchFamily="34" charset="0"/>
                 <a:ea typeface="Anonymous Pro" panose="02060609030202000504" pitchFamily="49" charset="0"/>
                 <a:cs typeface="Calibri Light" panose="020F0302020204030204" pitchFamily="34" charset="0"/>
@@ -5112,7 +5103,7 @@
               <a:t>Dff</a:t>
             </a:r>
             <a:r>
-              <a:rPr lang="en-GB" sz="2263" dirty="0">
+              <a:rPr lang="en-GB" sz="2265" dirty="0">
                 <a:latin typeface="Calibri Light" panose="020F0302020204030204" pitchFamily="34" charset="0"/>
                 <a:ea typeface="Anonymous Pro" panose="02060609030202000504" pitchFamily="49" charset="0"/>
                 <a:cs typeface="Calibri Light" panose="020F0302020204030204" pitchFamily="34" charset="0"/>
@@ -5120,7 +5111,7 @@
               <a:t> files. These .</a:t>
             </a:r>
             <a:r>
-              <a:rPr lang="en-GB" sz="2263" dirty="0" err="1">
+              <a:rPr lang="en-GB" sz="2265" dirty="0" err="1">
                 <a:latin typeface="Calibri Light" panose="020F0302020204030204" pitchFamily="34" charset="0"/>
                 <a:ea typeface="Anonymous Pro" panose="02060609030202000504" pitchFamily="49" charset="0"/>
                 <a:cs typeface="Calibri Light" panose="020F0302020204030204" pitchFamily="34" charset="0"/>
@@ -5128,24 +5119,29 @@
               <a:t>Objs</a:t>
             </a:r>
             <a:r>
-              <a:rPr lang="en-GB" sz="2263" dirty="0">
+              <a:rPr lang="en-GB" sz="2265" dirty="0">
                 <a:latin typeface="Calibri Light" panose="020F0302020204030204" pitchFamily="34" charset="0"/>
                 <a:ea typeface="Anonymous Pro" panose="02060609030202000504" pitchFamily="49" charset="0"/>
                 <a:cs typeface="Calibri Light" panose="020F0302020204030204" pitchFamily="34" charset="0"/>
               </a:rPr>
               <a:t> include models from the colossal doughnut, never quest and Kill lawyer's level.</a:t>
             </a:r>
-          </a:p>
-          <a:p>
-            <a:endParaRPr lang="en-GB" sz="2263" dirty="0">
+            <a:endParaRPr lang="en-GB" sz="2265" dirty="0">
               <a:latin typeface="Calibri Light" panose="020F0302020204030204" pitchFamily="34" charset="0"/>
               <a:ea typeface="Anonymous Pro" panose="02060609030202000504" pitchFamily="49" charset="0"/>
               <a:cs typeface="Calibri Light" panose="020F0302020204030204" pitchFamily="34" charset="0"/>
             </a:endParaRPr>
           </a:p>
           <a:p>
-            <a:r>
-              <a:rPr lang="en-GB" sz="2263" dirty="0">
+            <a:endParaRPr lang="en-GB" sz="2265" dirty="0">
+              <a:latin typeface="Calibri Light" panose="020F0302020204030204" pitchFamily="34" charset="0"/>
+              <a:ea typeface="Anonymous Pro" panose="02060609030202000504" pitchFamily="49" charset="0"/>
+              <a:cs typeface="Calibri Light" panose="020F0302020204030204" pitchFamily="34" charset="0"/>
+            </a:endParaRPr>
+          </a:p>
+          <a:p>
+            <a:r>
+              <a:rPr lang="en-GB" sz="2265" dirty="0">
                 <a:latin typeface="Calibri Light" panose="020F0302020204030204" pitchFamily="34" charset="0"/>
                 <a:ea typeface="Anonymous Pro" panose="02060609030202000504" pitchFamily="49" charset="0"/>
                 <a:cs typeface="Calibri Light" panose="020F0302020204030204" pitchFamily="34" charset="0"/>
@@ -5153,7 +5149,7 @@
               <a:t>These results were validated through using 3d rendering software </a:t>
             </a:r>
             <a:r>
-              <a:rPr lang="en-GB" sz="2263" dirty="0" err="1">
+              <a:rPr lang="en-GB" sz="2265" dirty="0" err="1">
                 <a:latin typeface="Calibri Light" panose="020F0302020204030204" pitchFamily="34" charset="0"/>
                 <a:ea typeface="Anonymous Pro" panose="02060609030202000504" pitchFamily="49" charset="0"/>
                 <a:cs typeface="Calibri Light" panose="020F0302020204030204" pitchFamily="34" charset="0"/>
@@ -5161,13 +5157,18 @@
               <a:t>i.e</a:t>
             </a:r>
             <a:r>
-              <a:rPr lang="en-GB" sz="2263" dirty="0">
+              <a:rPr lang="en-GB" sz="2265" dirty="0">
                 <a:latin typeface="Calibri Light" panose="020F0302020204030204" pitchFamily="34" charset="0"/>
                 <a:ea typeface="Anonymous Pro" panose="02060609030202000504" pitchFamily="49" charset="0"/>
                 <a:cs typeface="Calibri Light" panose="020F0302020204030204" pitchFamily="34" charset="0"/>
               </a:rPr>
               <a:t> unreal engine and the inbuilt windows object viewer. There were no graphical artefacts such as error with lighting  or geometry. As well as each file being compared to their in-game counterpart.</a:t>
             </a:r>
+            <a:endParaRPr lang="en-GB" sz="2265" dirty="0">
+              <a:latin typeface="Calibri Light" panose="020F0302020204030204" pitchFamily="34" charset="0"/>
+              <a:ea typeface="Anonymous Pro" panose="02060609030202000504" pitchFamily="49" charset="0"/>
+              <a:cs typeface="Calibri Light" panose="020F0302020204030204" pitchFamily="34" charset="0"/>
+            </a:endParaRPr>
           </a:p>
         </p:txBody>
       </p:sp>
@@ -5180,7 +5181,7 @@
         <p:spPr>
           <a:xfrm>
             <a:off x="10861049" y="24304616"/>
-            <a:ext cx="9887452" cy="2529923"/>
+            <a:ext cx="9887452" cy="2358390"/>
           </a:xfrm>
           <a:prstGeom prst="rect">
             <a:avLst/>
@@ -5194,26 +5195,14 @@
           <a:lstStyle/>
           <a:p>
             <a:r>
-              <a:rPr lang="en-GB" sz="3394" b="1" dirty="0">
+              <a:rPr lang="en-GB" sz="3395" b="1" dirty="0">
                 <a:latin typeface="Calibri Light" panose="020F0302020204030204" pitchFamily="34" charset="0"/>
                 <a:ea typeface="Anonymous Pro" panose="02060609030202000504" pitchFamily="49" charset="0"/>
                 <a:cs typeface="Calibri Light" panose="020F0302020204030204" pitchFamily="34" charset="0"/>
               </a:rPr>
               <a:t>Conclusions:</a:t>
             </a:r>
-          </a:p>
-          <a:p>
-            <a:r>
-              <a:rPr lang="en-GB" sz="2263" dirty="0">
-                <a:latin typeface="Calibri Light" panose="020F0302020204030204" pitchFamily="34" charset="0"/>
-                <a:ea typeface="Anonymous Pro" panose="02060609030202000504" pitchFamily="49" charset="0"/>
-                <a:cs typeface="Calibri Light" panose="020F0302020204030204" pitchFamily="34" charset="0"/>
-              </a:rPr>
-              <a:t>The key take aways from this project are the successful reverse engineered game asset files from the Simpsons game 2008.</a:t>
-            </a:r>
-          </a:p>
-          <a:p>
-            <a:endParaRPr lang="en-GB" sz="2263" dirty="0">
+            <a:endParaRPr lang="en-GB" sz="3395" b="1" dirty="0">
               <a:latin typeface="Calibri Light" panose="020F0302020204030204" pitchFamily="34" charset="0"/>
               <a:ea typeface="Anonymous Pro" panose="02060609030202000504" pitchFamily="49" charset="0"/>
               <a:cs typeface="Calibri Light" panose="020F0302020204030204" pitchFamily="34" charset="0"/>
@@ -5221,16 +5210,44 @@
           </a:p>
           <a:p>
             <a:r>
-              <a:rPr lang="en-GB" sz="2263" dirty="0">
-                <a:latin typeface="Calibri Light" panose="020F0302020204030204" pitchFamily="34" charset="0"/>
-                <a:ea typeface="Anonymous Pro" panose="02060609030202000504" pitchFamily="49" charset="0"/>
-                <a:cs typeface="Calibri Light" panose="020F0302020204030204" pitchFamily="34" charset="0"/>
-              </a:rPr>
-              <a:t>That being the </a:t>
-            </a:r>
-          </a:p>
-          <a:p>
-            <a:endParaRPr lang="en-GB" sz="3394" b="1" dirty="0">
+              <a:rPr lang="en-GB" sz="2265" dirty="0">
+                <a:latin typeface="Calibri Light" panose="020F0302020204030204" pitchFamily="34" charset="0"/>
+                <a:ea typeface="Anonymous Pro" panose="02060609030202000504" pitchFamily="49" charset="0"/>
+                <a:cs typeface="Calibri Light" panose="020F0302020204030204" pitchFamily="34" charset="0"/>
+              </a:rPr>
+              <a:t>The key take aways from this project are the successfully reverse engineered game asset files from the Simpsons game 2008.Such files are a proof of concept for the sucess of the </a:t>
+            </a:r>
+            <a:r>
+              <a:rPr lang="en-GB" sz="2265" b="1" dirty="0">
+                <a:latin typeface="Calibri Light" panose="020F0302020204030204" pitchFamily="34" charset="0"/>
+                <a:ea typeface="Anonymous Pro" panose="02060609030202000504" pitchFamily="49" charset="0"/>
+                <a:cs typeface="Calibri Light" panose="020F0302020204030204" pitchFamily="34" charset="0"/>
+              </a:rPr>
+              <a:t>GAD </a:t>
+            </a:r>
+            <a:r>
+              <a:rPr lang="en-GB" sz="2265" dirty="0">
+                <a:latin typeface="Calibri Light" panose="020F0302020204030204" pitchFamily="34" charset="0"/>
+                <a:ea typeface="Anonymous Pro" panose="02060609030202000504" pitchFamily="49" charset="0"/>
+                <a:cs typeface="Calibri Light" panose="020F0302020204030204" pitchFamily="34" charset="0"/>
+              </a:rPr>
+              <a:t>as a means of games prservation and reverse engineering.</a:t>
+            </a:r>
+            <a:br>
+              <a:rPr lang="en-GB" sz="2265" dirty="0">
+                <a:latin typeface="Calibri Light" panose="020F0302020204030204" pitchFamily="34" charset="0"/>
+                <a:ea typeface="Anonymous Pro" panose="02060609030202000504" pitchFamily="49" charset="0"/>
+                <a:cs typeface="Calibri Light" panose="020F0302020204030204" pitchFamily="34" charset="0"/>
+              </a:rPr>
+            </a:br>
+            <a:br>
+              <a:rPr lang="en-GB" sz="2265" dirty="0">
+                <a:latin typeface="Calibri Light" panose="020F0302020204030204" pitchFamily="34" charset="0"/>
+                <a:ea typeface="Anonymous Pro" panose="02060609030202000504" pitchFamily="49" charset="0"/>
+                <a:cs typeface="Calibri Light" panose="020F0302020204030204" pitchFamily="34" charset="0"/>
+              </a:rPr>
+            </a:br>
+            <a:endParaRPr lang="en-GB" sz="2265" dirty="0">
               <a:latin typeface="Calibri Light" panose="020F0302020204030204" pitchFamily="34" charset="0"/>
               <a:ea typeface="Anonymous Pro" panose="02060609030202000504" pitchFamily="49" charset="0"/>
               <a:cs typeface="Calibri Light" panose="020F0302020204030204" pitchFamily="34" charset="0"/>
@@ -5261,14 +5278,14 @@
           <a:lstStyle/>
           <a:p>
             <a:r>
-              <a:rPr lang="en-GB" sz="3394" b="1" cap="all" dirty="0">
+              <a:rPr lang="en-GB" sz="3395" b="1" cap="all" dirty="0">
                 <a:latin typeface="Calibri Light" panose="020F0302020204030204" pitchFamily="34" charset="0"/>
                 <a:ea typeface="SimSun" panose="02010600030101010101" pitchFamily="2" charset="-122"/>
                 <a:cs typeface="Times New Roman" panose="02020603050405020304" pitchFamily="18" charset="0"/>
               </a:rPr>
               <a:t>File Reverse engineering for the purpose of Game Preservation and Restoration For creating An abstract tool for future Reverse engineering.</a:t>
             </a:r>
-            <a:endParaRPr lang="en-GB" sz="3394" b="1" dirty="0"/>
+            <a:endParaRPr lang="en-GB" sz="3395" b="1" dirty="0"/>
           </a:p>
         </p:txBody>
       </p:sp>
@@ -5295,9 +5312,10 @@
           <a:lstStyle/>
           <a:p>
             <a:r>
-              <a:rPr lang="en-GB" sz="3394" dirty="0"/>
+              <a:rPr lang="en-GB" sz="3395" dirty="0"/>
               <a:t>By Khai Ailyan 22130235</a:t>
             </a:r>
+            <a:endParaRPr lang="en-GB" sz="3395" dirty="0"/>
           </a:p>
         </p:txBody>
       </p:sp>
@@ -5350,7 +5368,7 @@
           <a:lstStyle/>
           <a:p>
             <a:pPr algn="ctr"/>
-            <a:endParaRPr lang="en-GB" sz="14412"/>
+            <a:endParaRPr lang="en-GB" sz="14410"/>
           </a:p>
         </p:txBody>
       </p:sp>
@@ -5363,7 +5381,7 @@
           <p:nvPr/>
         </p:nvPicPr>
         <p:blipFill>
-          <a:blip r:embed="rId3"/>
+          <a:blip r:embed="rId2"/>
           <a:stretch>
             <a:fillRect/>
           </a:stretch>
@@ -5391,7 +5409,7 @@
           <p:nvPr/>
         </p:nvPicPr>
         <p:blipFill>
-          <a:blip r:embed="rId4"/>
+          <a:blip r:embed="rId3"/>
           <a:stretch>
             <a:fillRect/>
           </a:stretch>
@@ -5419,7 +5437,7 @@
           <p:nvPr/>
         </p:nvPicPr>
         <p:blipFill>
-          <a:blip r:embed="rId5"/>
+          <a:blip r:embed="rId4"/>
           <a:stretch>
             <a:fillRect/>
           </a:stretch>
@@ -5491,19 +5509,13 @@
           <a:lstStyle/>
           <a:p>
             <a:pPr algn="ctr"/>
-            <a:endParaRPr lang="en-GB" sz="14412"/>
-          </a:p>
-        </p:txBody>
-      </p:sp>
-      <p:sp>
-        <p:nvSpPr>
-          <p:cNvPr id="22" name="TextBox 21">
-            <a:extLst>
-              <a:ext uri="{FF2B5EF4-FFF2-40B4-BE49-F238E27FC236}">
-                <a16:creationId xmlns:a16="http://schemas.microsoft.com/office/drawing/2014/main" id="{C0B7CEE8-0D82-9221-BC0B-BBA910ED8045}"/>
-              </a:ext>
-            </a:extLst>
-          </p:cNvPr>
+            <a:endParaRPr lang="en-GB" sz="14410"/>
+          </a:p>
+        </p:txBody>
+      </p:sp>
+      <p:sp>
+        <p:nvSpPr>
+          <p:cNvPr id="22" name="TextBox 21"/>
           <p:cNvSpPr txBox="1"/>
           <p:nvPr/>
         </p:nvSpPr>
@@ -5524,14 +5536,14 @@
           <a:lstStyle/>
           <a:p>
             <a:r>
-              <a:rPr lang="en-GB" sz="3394" b="1" dirty="0">
+              <a:rPr lang="en-GB" sz="3395" b="1" dirty="0">
                 <a:latin typeface="Calibri Light" panose="020F0302020204030204" pitchFamily="34" charset="0"/>
                 <a:ea typeface="Anonymous Pro" panose="02060609030202000504" pitchFamily="49" charset="0"/>
                 <a:cs typeface="Calibri Light" panose="020F0302020204030204" pitchFamily="34" charset="0"/>
               </a:rPr>
               <a:t>Literature and Research: </a:t>
             </a:r>
-            <a:endParaRPr lang="en-GB" sz="2263" b="1" dirty="0">
+            <a:endParaRPr lang="en-GB" sz="2265" b="1" dirty="0">
               <a:latin typeface="Calibri Light" panose="020F0302020204030204" pitchFamily="34" charset="0"/>
               <a:ea typeface="Anonymous Pro" panose="02060609030202000504" pitchFamily="49" charset="0"/>
               <a:cs typeface="Calibri Light" panose="020F0302020204030204" pitchFamily="34" charset="0"/>
@@ -5539,7 +5551,7 @@
           </a:p>
           <a:p>
             <a:r>
-              <a:rPr lang="en-GB" sz="2263" b="1" dirty="0">
+              <a:rPr lang="en-GB" sz="2265" b="1" dirty="0">
                 <a:latin typeface="Calibri Light" panose="020F0302020204030204" pitchFamily="34" charset="0"/>
                 <a:ea typeface="Anonymous Pro" panose="02060609030202000504" pitchFamily="49" charset="0"/>
                 <a:cs typeface="Calibri Light" panose="020F0302020204030204" pitchFamily="34" charset="0"/>
@@ -5547,7 +5559,7 @@
               <a:t>Reverse engineering: </a:t>
             </a:r>
             <a:r>
-              <a:rPr lang="en-GB" sz="2263" dirty="0">
+              <a:rPr lang="en-GB" sz="2265" dirty="0">
                 <a:latin typeface="Calibri Light" panose="020F0302020204030204" pitchFamily="34" charset="0"/>
                 <a:ea typeface="Anonymous Pro" panose="02060609030202000504" pitchFamily="49" charset="0"/>
                 <a:cs typeface="Calibri Light" panose="020F0302020204030204" pitchFamily="34" charset="0"/>
@@ -5555,7 +5567,7 @@
               <a:t>Reverse engineering as a practice can be used to preserve games through means of understanding the games contents (</a:t>
             </a:r>
             <a:r>
-              <a:rPr lang="en-GB" sz="2263" b="1" dirty="0">
+              <a:rPr lang="en-GB" sz="2265" b="1" dirty="0">
                 <a:latin typeface="Calibri Light" panose="020F0302020204030204" pitchFamily="34" charset="0"/>
                 <a:ea typeface="Anonymous Pro" panose="02060609030202000504" pitchFamily="49" charset="0"/>
                 <a:cs typeface="Calibri Light" panose="020F0302020204030204" pitchFamily="34" charset="0"/>
@@ -5563,41 +5575,21 @@
               <a:t>Singh </a:t>
             </a:r>
             <a:r>
-              <a:rPr lang="en-GB" sz="2263" dirty="0">
+              <a:rPr lang="en-GB" sz="2265" dirty="0">
                 <a:latin typeface="Calibri Light" panose="020F0302020204030204" pitchFamily="34" charset="0"/>
                 <a:ea typeface="Anonymous Pro" panose="02060609030202000504" pitchFamily="49" charset="0"/>
                 <a:cs typeface="Calibri Light" panose="020F0302020204030204" pitchFamily="34" charset="0"/>
               </a:rPr>
               <a:t>2013) and converting them to contemporary format.</a:t>
             </a:r>
-          </a:p>
-          <a:p>
-            <a:endParaRPr lang="en-GB" sz="2263" dirty="0">
+            <a:endParaRPr lang="en-GB" sz="2265" dirty="0">
               <a:latin typeface="Calibri Light" panose="020F0302020204030204" pitchFamily="34" charset="0"/>
               <a:ea typeface="Anonymous Pro" panose="02060609030202000504" pitchFamily="49" charset="0"/>
               <a:cs typeface="Calibri Light" panose="020F0302020204030204" pitchFamily="34" charset="0"/>
             </a:endParaRPr>
           </a:p>
           <a:p>
-            <a:r>
-              <a:rPr lang="en-GB" sz="2263" b="1" dirty="0">
-                <a:latin typeface="Calibri Light" panose="020F0302020204030204" pitchFamily="34" charset="0"/>
-                <a:ea typeface="Anonymous Pro" panose="02060609030202000504" pitchFamily="49" charset="0"/>
-                <a:cs typeface="Calibri Light" panose="020F0302020204030204" pitchFamily="34" charset="0"/>
-              </a:rPr>
-              <a:t>File Syntax: </a:t>
-            </a:r>
-            <a:r>
-              <a:rPr lang="en-GB" sz="2263" dirty="0">
-                <a:latin typeface="Calibri Light" panose="020F0302020204030204" pitchFamily="34" charset="0"/>
-                <a:ea typeface="Anonymous Pro" panose="02060609030202000504" pitchFamily="49" charset="0"/>
-                <a:cs typeface="Calibri Light" panose="020F0302020204030204" pitchFamily="34" charset="0"/>
-              </a:rPr>
-              <a:t> File syntax is needed in preserving games, as to convert the files they first need to be understood. A profile is to be made to create code to read/write to files and preserve their contents.</a:t>
-            </a:r>
-          </a:p>
-          <a:p>
-            <a:endParaRPr lang="en-GB" sz="2263" b="1" dirty="0">
+            <a:endParaRPr lang="en-GB" sz="2265" dirty="0">
               <a:latin typeface="Calibri Light" panose="020F0302020204030204" pitchFamily="34" charset="0"/>
               <a:ea typeface="Anonymous Pro" panose="02060609030202000504" pitchFamily="49" charset="0"/>
               <a:cs typeface="Calibri Light" panose="020F0302020204030204" pitchFamily="34" charset="0"/>
@@ -5605,49 +5597,29 @@
           </a:p>
           <a:p>
             <a:r>
-              <a:rPr lang="en-GB" sz="2263" b="1" dirty="0">
-                <a:latin typeface="Calibri Light" panose="020F0302020204030204" pitchFamily="34" charset="0"/>
-                <a:ea typeface="Anonymous Pro" panose="02060609030202000504" pitchFamily="49" charset="0"/>
-                <a:cs typeface="Calibri Light" panose="020F0302020204030204" pitchFamily="34" charset="0"/>
-              </a:rPr>
-              <a:t>ADT:  </a:t>
-            </a:r>
-            <a:r>
-              <a:rPr lang="en-GB" sz="2263" dirty="0">
-                <a:latin typeface="Calibri Light" panose="020F0302020204030204" pitchFamily="34" charset="0"/>
-                <a:ea typeface="Anonymous Pro" panose="02060609030202000504" pitchFamily="49" charset="0"/>
-                <a:cs typeface="Calibri Light" panose="020F0302020204030204" pitchFamily="34" charset="0"/>
-              </a:rPr>
-              <a:t>ADTs are ways of containing data in specific configurations with specific functionality, game asset files need their contents parsed to ADTs or ADT-LIKE structures to then be outputted to file.</a:t>
-            </a:r>
-          </a:p>
-          <a:p>
-            <a:endParaRPr lang="en-GB" sz="2829" dirty="0">
+              <a:rPr lang="en-GB" sz="2265" b="1" dirty="0">
+                <a:latin typeface="Calibri Light" panose="020F0302020204030204" pitchFamily="34" charset="0"/>
+                <a:ea typeface="Anonymous Pro" panose="02060609030202000504" pitchFamily="49" charset="0"/>
+                <a:cs typeface="Calibri Light" panose="020F0302020204030204" pitchFamily="34" charset="0"/>
+              </a:rPr>
+              <a:t>File Syntax: </a:t>
+            </a:r>
+            <a:r>
+              <a:rPr lang="en-GB" sz="2265" dirty="0">
+                <a:latin typeface="Calibri Light" panose="020F0302020204030204" pitchFamily="34" charset="0"/>
+                <a:ea typeface="Anonymous Pro" panose="02060609030202000504" pitchFamily="49" charset="0"/>
+                <a:cs typeface="Calibri Light" panose="020F0302020204030204" pitchFamily="34" charset="0"/>
+              </a:rPr>
+              <a:t> File syntax is needed in preserving games, as to convert the files they first need to be understood. A profile is to be made to create code to read/write to files and preserve their contents.</a:t>
+            </a:r>
+            <a:endParaRPr lang="en-GB" sz="2265" dirty="0">
               <a:latin typeface="Calibri Light" panose="020F0302020204030204" pitchFamily="34" charset="0"/>
               <a:ea typeface="Anonymous Pro" panose="02060609030202000504" pitchFamily="49" charset="0"/>
               <a:cs typeface="Calibri Light" panose="020F0302020204030204" pitchFamily="34" charset="0"/>
             </a:endParaRPr>
           </a:p>
           <a:p>
-            <a:r>
-              <a:rPr lang="en-GB" sz="2263" b="1" dirty="0">
-                <a:latin typeface="Calibri Light" panose="020F0302020204030204" pitchFamily="34" charset="0"/>
-                <a:ea typeface="Anonymous Pro" panose="02060609030202000504" pitchFamily="49" charset="0"/>
-                <a:cs typeface="Calibri Light" panose="020F0302020204030204" pitchFamily="34" charset="0"/>
-              </a:rPr>
-              <a:t>Compression: </a:t>
-            </a:r>
-            <a:r>
-              <a:rPr lang="en-GB" sz="2263" dirty="0">
-                <a:latin typeface="Calibri Light" panose="020F0302020204030204" pitchFamily="34" charset="0"/>
-                <a:ea typeface="Anonymous Pro" panose="02060609030202000504" pitchFamily="49" charset="0"/>
-                <a:cs typeface="Calibri Light" panose="020F0302020204030204" pitchFamily="34" charset="0"/>
-              </a:rPr>
-              <a:t>game asset files are usually compressed to take up less space on proprietary hardware, therefore, to preserve the contents of the game, each file must be uncompressed to express their true values as data to then be reverse engineered successfully so that preserving the game can be done.</a:t>
-            </a:r>
-          </a:p>
-          <a:p>
-            <a:endParaRPr lang="en-GB" sz="2263" dirty="0">
+            <a:endParaRPr lang="en-GB" sz="2265" b="1" dirty="0">
               <a:latin typeface="Calibri Light" panose="020F0302020204030204" pitchFamily="34" charset="0"/>
               <a:ea typeface="Anonymous Pro" panose="02060609030202000504" pitchFamily="49" charset="0"/>
               <a:cs typeface="Calibri Light" panose="020F0302020204030204" pitchFamily="34" charset="0"/>
@@ -5655,45 +5627,99 @@
           </a:p>
           <a:p>
             <a:r>
-              <a:rPr lang="en-GB" sz="2263" b="1" dirty="0">
-                <a:latin typeface="Calibri Light" panose="020F0302020204030204" pitchFamily="34" charset="0"/>
-                <a:ea typeface="Anonymous Pro" panose="02060609030202000504" pitchFamily="49" charset="0"/>
-                <a:cs typeface="Calibri Light" panose="020F0302020204030204" pitchFamily="34" charset="0"/>
-              </a:rPr>
-              <a:t>Games Preservation:  </a:t>
-            </a:r>
-            <a:r>
-              <a:rPr lang="en-GB" sz="2263" dirty="0">
-                <a:latin typeface="Calibri Light" panose="020F0302020204030204" pitchFamily="34" charset="0"/>
-                <a:ea typeface="Anonymous Pro" panose="02060609030202000504" pitchFamily="49" charset="0"/>
-                <a:cs typeface="Calibri Light" panose="020F0302020204030204" pitchFamily="34" charset="0"/>
-              </a:rPr>
-              <a:t>games preservation can be done through preserving the games assets files, this is an effective method of preserving the game, as the games contents are secured for further use, either to play or be reconstructed by programmers and reverse engineers.</a:t>
-            </a:r>
-            <a:endParaRPr lang="en-GB" sz="2263" b="1" dirty="0">
+              <a:rPr lang="en-GB" sz="2265" b="1" dirty="0">
+                <a:latin typeface="Calibri Light" panose="020F0302020204030204" pitchFamily="34" charset="0"/>
+                <a:ea typeface="Anonymous Pro" panose="02060609030202000504" pitchFamily="49" charset="0"/>
+                <a:cs typeface="Calibri Light" panose="020F0302020204030204" pitchFamily="34" charset="0"/>
+              </a:rPr>
+              <a:t>ADT:  </a:t>
+            </a:r>
+            <a:r>
+              <a:rPr lang="en-GB" sz="2265" dirty="0">
+                <a:latin typeface="Calibri Light" panose="020F0302020204030204" pitchFamily="34" charset="0"/>
+                <a:ea typeface="Anonymous Pro" panose="02060609030202000504" pitchFamily="49" charset="0"/>
+                <a:cs typeface="Calibri Light" panose="020F0302020204030204" pitchFamily="34" charset="0"/>
+              </a:rPr>
+              <a:t>ADTs are ways of containing data in specific configurations with specific functionality, game asset files need their contents parsed to ADTs or ADT-LIKE structures to then be outputted to file.</a:t>
+            </a:r>
+            <a:endParaRPr lang="en-GB" sz="2265" dirty="0">
               <a:latin typeface="Calibri Light" panose="020F0302020204030204" pitchFamily="34" charset="0"/>
               <a:ea typeface="Anonymous Pro" panose="02060609030202000504" pitchFamily="49" charset="0"/>
               <a:cs typeface="Calibri Light" panose="020F0302020204030204" pitchFamily="34" charset="0"/>
             </a:endParaRPr>
           </a:p>
           <a:p>
-            <a:endParaRPr lang="en-GB" sz="3394" b="1" dirty="0">
+            <a:endParaRPr lang="en-GB" sz="2830" dirty="0">
               <a:latin typeface="Calibri Light" panose="020F0302020204030204" pitchFamily="34" charset="0"/>
               <a:ea typeface="Anonymous Pro" panose="02060609030202000504" pitchFamily="49" charset="0"/>
               <a:cs typeface="Calibri Light" panose="020F0302020204030204" pitchFamily="34" charset="0"/>
             </a:endParaRPr>
           </a:p>
-        </p:txBody>
-      </p:sp>
-      <p:sp>
-        <p:nvSpPr>
-          <p:cNvPr id="28" name="Rectangle: Rounded Corners 27">
-            <a:extLst>
-              <a:ext uri="{FF2B5EF4-FFF2-40B4-BE49-F238E27FC236}">
-                <a16:creationId xmlns:a16="http://schemas.microsoft.com/office/drawing/2014/main" id="{05486C91-9432-568A-D30B-73561CC732CC}"/>
-              </a:ext>
-            </a:extLst>
-          </p:cNvPr>
+          <a:p>
+            <a:r>
+              <a:rPr lang="en-GB" sz="2265" b="1" dirty="0">
+                <a:latin typeface="Calibri Light" panose="020F0302020204030204" pitchFamily="34" charset="0"/>
+                <a:ea typeface="Anonymous Pro" panose="02060609030202000504" pitchFamily="49" charset="0"/>
+                <a:cs typeface="Calibri Light" panose="020F0302020204030204" pitchFamily="34" charset="0"/>
+              </a:rPr>
+              <a:t>Compression: </a:t>
+            </a:r>
+            <a:r>
+              <a:rPr lang="en-GB" sz="2265" dirty="0">
+                <a:latin typeface="Calibri Light" panose="020F0302020204030204" pitchFamily="34" charset="0"/>
+                <a:ea typeface="Anonymous Pro" panose="02060609030202000504" pitchFamily="49" charset="0"/>
+                <a:cs typeface="Calibri Light" panose="020F0302020204030204" pitchFamily="34" charset="0"/>
+              </a:rPr>
+              <a:t>game asset files are usually compressed to take up less space on proprietary hardware, therefore, to preserve the contents of the game, each file must be uncompressed to express their true values as data to then be reverse engineered successfully so that preserving the game can be done.</a:t>
+            </a:r>
+            <a:endParaRPr lang="en-GB" sz="2265" dirty="0">
+              <a:latin typeface="Calibri Light" panose="020F0302020204030204" pitchFamily="34" charset="0"/>
+              <a:ea typeface="Anonymous Pro" panose="02060609030202000504" pitchFamily="49" charset="0"/>
+              <a:cs typeface="Calibri Light" panose="020F0302020204030204" pitchFamily="34" charset="0"/>
+            </a:endParaRPr>
+          </a:p>
+          <a:p>
+            <a:endParaRPr lang="en-GB" sz="2265" dirty="0">
+              <a:latin typeface="Calibri Light" panose="020F0302020204030204" pitchFamily="34" charset="0"/>
+              <a:ea typeface="Anonymous Pro" panose="02060609030202000504" pitchFamily="49" charset="0"/>
+              <a:cs typeface="Calibri Light" panose="020F0302020204030204" pitchFamily="34" charset="0"/>
+            </a:endParaRPr>
+          </a:p>
+          <a:p>
+            <a:r>
+              <a:rPr lang="en-GB" sz="2265" b="1" dirty="0">
+                <a:latin typeface="Calibri Light" panose="020F0302020204030204" pitchFamily="34" charset="0"/>
+                <a:ea typeface="Anonymous Pro" panose="02060609030202000504" pitchFamily="49" charset="0"/>
+                <a:cs typeface="Calibri Light" panose="020F0302020204030204" pitchFamily="34" charset="0"/>
+              </a:rPr>
+              <a:t>Games Preservation:  </a:t>
+            </a:r>
+            <a:r>
+              <a:rPr lang="en-GB" sz="2265" dirty="0">
+                <a:latin typeface="Calibri Light" panose="020F0302020204030204" pitchFamily="34" charset="0"/>
+                <a:ea typeface="Anonymous Pro" panose="02060609030202000504" pitchFamily="49" charset="0"/>
+                <a:cs typeface="Calibri Light" panose="020F0302020204030204" pitchFamily="34" charset="0"/>
+              </a:rPr>
+              <a:t>games preservation can be done through preserving the games assets files, this is an effective method of preserving the game, as the games contents are secured for further use, either to play or be reconstructed by programmers and reverse engineers.</a:t>
+            </a:r>
+            <a:endParaRPr lang="en-GB" sz="2265" b="1" dirty="0">
+              <a:latin typeface="Calibri Light" panose="020F0302020204030204" pitchFamily="34" charset="0"/>
+              <a:ea typeface="Anonymous Pro" panose="02060609030202000504" pitchFamily="49" charset="0"/>
+              <a:cs typeface="Calibri Light" panose="020F0302020204030204" pitchFamily="34" charset="0"/>
+            </a:endParaRPr>
+          </a:p>
+          <a:p>
+            <a:endParaRPr lang="en-GB" sz="3395" b="1" dirty="0">
+              <a:latin typeface="Calibri Light" panose="020F0302020204030204" pitchFamily="34" charset="0"/>
+              <a:ea typeface="Anonymous Pro" panose="02060609030202000504" pitchFamily="49" charset="0"/>
+              <a:cs typeface="Calibri Light" panose="020F0302020204030204" pitchFamily="34" charset="0"/>
+            </a:endParaRPr>
+          </a:p>
+        </p:txBody>
+      </p:sp>
+      <p:sp>
+        <p:nvSpPr>
+          <p:cNvPr id="28" name="Rectangle: Rounded Corners 27"/>
           <p:cNvSpPr/>
           <p:nvPr/>
         </p:nvSpPr>
@@ -5746,19 +5772,13 @@
           <a:lstStyle/>
           <a:p>
             <a:pPr algn="ctr"/>
-            <a:endParaRPr lang="en-GB" sz="14412"/>
-          </a:p>
-        </p:txBody>
-      </p:sp>
-      <p:sp>
-        <p:nvSpPr>
-          <p:cNvPr id="27" name="TextBox 26">
-            <a:extLst>
-              <a:ext uri="{FF2B5EF4-FFF2-40B4-BE49-F238E27FC236}">
-                <a16:creationId xmlns:a16="http://schemas.microsoft.com/office/drawing/2014/main" id="{DABE1241-73C2-CD19-E892-5AAE314B0D08}"/>
-              </a:ext>
-            </a:extLst>
-          </p:cNvPr>
+            <a:endParaRPr lang="en-GB" sz="14410"/>
+          </a:p>
+        </p:txBody>
+      </p:sp>
+      <p:sp>
+        <p:nvSpPr>
+          <p:cNvPr id="27" name="TextBox 26"/>
           <p:cNvSpPr txBox="1"/>
           <p:nvPr/>
         </p:nvSpPr>
@@ -5779,14 +5799,14 @@
           <a:lstStyle/>
           <a:p>
             <a:r>
-              <a:rPr lang="en-GB" sz="3394" b="1" dirty="0">
+              <a:rPr lang="en-GB" sz="3395" b="1" dirty="0">
                 <a:latin typeface="Calibri Light" panose="020F0302020204030204" pitchFamily="34" charset="0"/>
                 <a:ea typeface="Anonymous Pro" panose="02060609030202000504" pitchFamily="49" charset="0"/>
                 <a:cs typeface="Calibri Light" panose="020F0302020204030204" pitchFamily="34" charset="0"/>
               </a:rPr>
               <a:t>Project Aim:</a:t>
             </a:r>
-            <a:endParaRPr lang="en-GB" sz="2263" dirty="0">
+            <a:endParaRPr lang="en-GB" sz="2265" dirty="0">
               <a:latin typeface="Calibri Light" panose="020F0302020204030204" pitchFamily="34" charset="0"/>
               <a:ea typeface="Anonymous Pro" panose="02060609030202000504" pitchFamily="49" charset="0"/>
               <a:cs typeface="Calibri Light" panose="020F0302020204030204" pitchFamily="34" charset="0"/>
@@ -5794,7 +5814,7 @@
           </a:p>
           <a:p>
             <a:r>
-              <a:rPr lang="en-GB" sz="2263" dirty="0">
+              <a:rPr lang="en-GB" sz="2265" dirty="0">
                 <a:latin typeface="Calibri Light" panose="020F0302020204030204" pitchFamily="34" charset="0"/>
                 <a:ea typeface="Anonymous Pro" panose="02060609030202000504" pitchFamily="49" charset="0"/>
                 <a:cs typeface="Calibri Light" panose="020F0302020204030204" pitchFamily="34" charset="0"/>
@@ -5802,7 +5822,7 @@
               <a:t>The aim of the report was to reverse engineer game asset files and convert them into contemporary file formats. As well as create a Diagram to aid future reverse engineers preserve games. This will be called the </a:t>
             </a:r>
             <a:r>
-              <a:rPr lang="en-GB" sz="2263" b="1" dirty="0">
+              <a:rPr lang="en-GB" sz="2265" b="1" dirty="0">
                 <a:latin typeface="Calibri Light" panose="020F0302020204030204" pitchFamily="34" charset="0"/>
                 <a:ea typeface="Anonymous Pro" panose="02060609030202000504" pitchFamily="49" charset="0"/>
                 <a:cs typeface="Calibri Light" panose="020F0302020204030204" pitchFamily="34" charset="0"/>
@@ -5810,13 +5830,13 @@
               <a:t>GAD.</a:t>
             </a:r>
             <a:br>
-              <a:rPr lang="en-GB" sz="2263" dirty="0">
+              <a:rPr lang="en-GB" sz="2265" dirty="0">
                 <a:latin typeface="Calibri Light" panose="020F0302020204030204" pitchFamily="34" charset="0"/>
                 <a:ea typeface="Anonymous Pro" panose="02060609030202000504" pitchFamily="49" charset="0"/>
                 <a:cs typeface="Calibri Light" panose="020F0302020204030204" pitchFamily="34" charset="0"/>
               </a:rPr>
             </a:br>
-            <a:endParaRPr lang="en-GB" sz="2263" dirty="0">
+            <a:endParaRPr lang="en-GB" sz="2265" dirty="0">
               <a:latin typeface="Calibri Light" panose="020F0302020204030204" pitchFamily="34" charset="0"/>
               <a:ea typeface="Anonymous Pro" panose="02060609030202000504" pitchFamily="49" charset="0"/>
               <a:cs typeface="Calibri Light" panose="020F0302020204030204" pitchFamily="34" charset="0"/>
@@ -5824,7 +5844,7 @@
           </a:p>
           <a:p>
             <a:r>
-              <a:rPr lang="en-GB" sz="2263" dirty="0">
+              <a:rPr lang="en-GB" sz="2265" dirty="0">
                 <a:latin typeface="Calibri Light" panose="020F0302020204030204" pitchFamily="34" charset="0"/>
                 <a:ea typeface="Anonymous Pro" panose="02060609030202000504" pitchFamily="49" charset="0"/>
                 <a:cs typeface="Calibri Light" panose="020F0302020204030204" pitchFamily="34" charset="0"/>
@@ -5832,7 +5852,7 @@
               <a:t>This was done to the Simpsons game 2008, the chosen files were .Str files  (Ps3 Stream files) </a:t>
             </a:r>
             <a:r>
-              <a:rPr lang="en-GB" sz="2263" dirty="0" err="1">
+              <a:rPr lang="en-GB" sz="2265" dirty="0" err="1">
                 <a:latin typeface="Calibri Light" panose="020F0302020204030204" pitchFamily="34" charset="0"/>
                 <a:ea typeface="Anonymous Pro" panose="02060609030202000504" pitchFamily="49" charset="0"/>
                 <a:cs typeface="Calibri Light" panose="020F0302020204030204" pitchFamily="34" charset="0"/>
@@ -5840,7 +5860,7 @@
               <a:t>and.Rws</a:t>
             </a:r>
             <a:r>
-              <a:rPr lang="en-GB" sz="2263" dirty="0">
+              <a:rPr lang="en-GB" sz="2265" dirty="0">
                 <a:latin typeface="Calibri Light" panose="020F0302020204030204" pitchFamily="34" charset="0"/>
                 <a:ea typeface="Anonymous Pro" panose="02060609030202000504" pitchFamily="49" charset="0"/>
                 <a:cs typeface="Calibri Light" panose="020F0302020204030204" pitchFamily="34" charset="0"/>
@@ -5848,7 +5868,7 @@
               <a:t> /.</a:t>
             </a:r>
             <a:r>
-              <a:rPr lang="en-GB" sz="2263" dirty="0" err="1">
+              <a:rPr lang="en-GB" sz="2265" dirty="0" err="1">
                 <a:latin typeface="Calibri Light" panose="020F0302020204030204" pitchFamily="34" charset="0"/>
                 <a:ea typeface="Anonymous Pro" panose="02060609030202000504" pitchFamily="49" charset="0"/>
                 <a:cs typeface="Calibri Light" panose="020F0302020204030204" pitchFamily="34" charset="0"/>
@@ -5856,25 +5876,24 @@
               <a:t>Dff</a:t>
             </a:r>
             <a:r>
-              <a:rPr lang="en-GB" sz="2263" dirty="0">
+              <a:rPr lang="en-GB" sz="2265" dirty="0">
                 <a:latin typeface="Calibri Light" panose="020F0302020204030204" pitchFamily="34" charset="0"/>
                 <a:ea typeface="Anonymous Pro" panose="02060609030202000504" pitchFamily="49" charset="0"/>
                 <a:cs typeface="Calibri Light" panose="020F0302020204030204" pitchFamily="34" charset="0"/>
               </a:rPr>
               <a:t> files.</a:t>
             </a:r>
-          </a:p>
-        </p:txBody>
-      </p:sp>
-      <p:sp>
-        <p:nvSpPr>
-          <p:cNvPr id="24" name="Rectangle: Rounded Corners 23">
-            <a:extLst>
-              <a:ext uri="{FF2B5EF4-FFF2-40B4-BE49-F238E27FC236}">
-                <a16:creationId xmlns:a16="http://schemas.microsoft.com/office/drawing/2014/main" id="{22B39B11-E085-2B9F-5382-ED76C341DEEF}"/>
-              </a:ext>
-            </a:extLst>
-          </p:cNvPr>
+            <a:endParaRPr lang="en-GB" sz="2265" dirty="0">
+              <a:latin typeface="Calibri Light" panose="020F0302020204030204" pitchFamily="34" charset="0"/>
+              <a:ea typeface="Anonymous Pro" panose="02060609030202000504" pitchFamily="49" charset="0"/>
+              <a:cs typeface="Calibri Light" panose="020F0302020204030204" pitchFamily="34" charset="0"/>
+            </a:endParaRPr>
+          </a:p>
+        </p:txBody>
+      </p:sp>
+      <p:sp>
+        <p:nvSpPr>
+          <p:cNvPr id="24" name="Rectangle: Rounded Corners 23"/>
           <p:cNvSpPr/>
           <p:nvPr/>
         </p:nvSpPr>
@@ -5928,26 +5947,20 @@
           <a:lstStyle/>
           <a:p>
             <a:pPr algn="ctr"/>
-            <a:endParaRPr lang="en-GB" sz="14412"/>
+            <a:endParaRPr lang="en-GB" sz="14410"/>
           </a:p>
         </p:txBody>
       </p:sp>
       <p:pic>
         <p:nvPicPr>
-          <p:cNvPr id="26" name="Picture 25" descr="A diagram of a flowchart&#10;&#10;AI-generated content may be incorrect.">
-            <a:extLst>
-              <a:ext uri="{FF2B5EF4-FFF2-40B4-BE49-F238E27FC236}">
-                <a16:creationId xmlns:a16="http://schemas.microsoft.com/office/drawing/2014/main" id="{9AAE1666-93CD-FC91-D6ED-4B5F93CC604F}"/>
-              </a:ext>
-            </a:extLst>
-          </p:cNvPr>
+          <p:cNvPr id="26" name="Picture 25" descr="A diagram of a flowchart&#10;&#10;AI-generated content may be incorrect."/>
           <p:cNvPicPr>
             <a:picLocks noChangeAspect="1"/>
           </p:cNvPicPr>
           <p:nvPr/>
         </p:nvPicPr>
         <p:blipFill>
-          <a:blip r:embed="rId6"/>
+          <a:blip r:embed="rId5"/>
           <a:stretch>
             <a:fillRect/>
           </a:stretch>
@@ -5968,13 +5981,7 @@
       </p:pic>
       <p:sp>
         <p:nvSpPr>
-          <p:cNvPr id="29" name="Rectangle: Rounded Corners 28">
-            <a:extLst>
-              <a:ext uri="{FF2B5EF4-FFF2-40B4-BE49-F238E27FC236}">
-                <a16:creationId xmlns:a16="http://schemas.microsoft.com/office/drawing/2014/main" id="{7949EEC1-F507-CBB4-C470-74D490861316}"/>
-              </a:ext>
-            </a:extLst>
-          </p:cNvPr>
+          <p:cNvPr id="29" name="Rectangle: Rounded Corners 28"/>
           <p:cNvSpPr/>
           <p:nvPr/>
         </p:nvSpPr>
@@ -6025,26 +6032,20 @@
           <a:lstStyle/>
           <a:p>
             <a:pPr algn="ctr"/>
-            <a:endParaRPr lang="en-GB" sz="14412"/>
+            <a:endParaRPr lang="en-GB" sz="14410"/>
           </a:p>
         </p:txBody>
       </p:sp>
       <p:pic>
         <p:nvPicPr>
-          <p:cNvPr id="30" name="Picture 29" descr="A black screen with white text&#10;&#10;AI-generated content may be incorrect.">
-            <a:extLst>
-              <a:ext uri="{FF2B5EF4-FFF2-40B4-BE49-F238E27FC236}">
-                <a16:creationId xmlns:a16="http://schemas.microsoft.com/office/drawing/2014/main" id="{E3274F29-3F2B-56D2-151D-93F138749522}"/>
-              </a:ext>
-            </a:extLst>
-          </p:cNvPr>
+          <p:cNvPr id="30" name="Picture 29" descr="A black screen with white text&#10;&#10;AI-generated content may be incorrect."/>
           <p:cNvPicPr>
             <a:picLocks noChangeAspect="1"/>
           </p:cNvPicPr>
           <p:nvPr/>
         </p:nvPicPr>
         <p:blipFill>
-          <a:blip r:embed="rId7"/>
+          <a:blip r:embed="rId6"/>
           <a:stretch>
             <a:fillRect/>
           </a:stretch>
@@ -6061,13 +6062,7 @@
       </p:pic>
       <p:sp>
         <p:nvSpPr>
-          <p:cNvPr id="31" name="Rectangle: Rounded Corners 30">
-            <a:extLst>
-              <a:ext uri="{FF2B5EF4-FFF2-40B4-BE49-F238E27FC236}">
-                <a16:creationId xmlns:a16="http://schemas.microsoft.com/office/drawing/2014/main" id="{C3F02BCF-2CF0-9C25-6F19-8AA89EA75BF6}"/>
-              </a:ext>
-            </a:extLst>
-          </p:cNvPr>
+          <p:cNvPr id="31" name="Rectangle: Rounded Corners 30"/>
           <p:cNvSpPr/>
           <p:nvPr/>
         </p:nvSpPr>
@@ -6118,26 +6113,20 @@
           <a:lstStyle/>
           <a:p>
             <a:pPr algn="ctr"/>
-            <a:endParaRPr lang="en-GB" sz="14412"/>
+            <a:endParaRPr lang="en-GB" sz="14410"/>
           </a:p>
         </p:txBody>
       </p:sp>
       <p:pic>
         <p:nvPicPr>
-          <p:cNvPr id="33" name="Picture 32">
-            <a:extLst>
-              <a:ext uri="{FF2B5EF4-FFF2-40B4-BE49-F238E27FC236}">
-                <a16:creationId xmlns:a16="http://schemas.microsoft.com/office/drawing/2014/main" id="{3D5D76C3-F7A7-B52D-88D3-1C1517227AC1}"/>
-              </a:ext>
-            </a:extLst>
-          </p:cNvPr>
+          <p:cNvPr id="33" name="Picture 32"/>
           <p:cNvPicPr>
             <a:picLocks noChangeAspect="1"/>
           </p:cNvPicPr>
           <p:nvPr/>
         </p:nvPicPr>
         <p:blipFill>
-          <a:blip r:embed="rId8"/>
+          <a:blip r:embed="rId7"/>
           <a:stretch>
             <a:fillRect/>
           </a:stretch>
@@ -6154,13 +6143,7 @@
       </p:pic>
       <p:sp>
         <p:nvSpPr>
-          <p:cNvPr id="34" name="Rectangle: Rounded Corners 33">
-            <a:extLst>
-              <a:ext uri="{FF2B5EF4-FFF2-40B4-BE49-F238E27FC236}">
-                <a16:creationId xmlns:a16="http://schemas.microsoft.com/office/drawing/2014/main" id="{AFBF0804-9AFC-1F44-1890-7981DD91DCDD}"/>
-              </a:ext>
-            </a:extLst>
-          </p:cNvPr>
+          <p:cNvPr id="34" name="Rectangle: Rounded Corners 33"/>
           <p:cNvSpPr/>
           <p:nvPr/>
         </p:nvSpPr>
@@ -6214,19 +6197,13 @@
           <a:lstStyle/>
           <a:p>
             <a:pPr algn="ctr"/>
-            <a:endParaRPr lang="en-GB" sz="14412"/>
-          </a:p>
-        </p:txBody>
-      </p:sp>
-      <p:sp>
-        <p:nvSpPr>
-          <p:cNvPr id="35" name="TextBox 34">
-            <a:extLst>
-              <a:ext uri="{FF2B5EF4-FFF2-40B4-BE49-F238E27FC236}">
-                <a16:creationId xmlns:a16="http://schemas.microsoft.com/office/drawing/2014/main" id="{0F15F6CF-FF30-9F82-9086-B4AD6967AB02}"/>
-              </a:ext>
-            </a:extLst>
-          </p:cNvPr>
+            <a:endParaRPr lang="en-GB" sz="14410"/>
+          </a:p>
+        </p:txBody>
+      </p:sp>
+      <p:sp>
+        <p:nvSpPr>
+          <p:cNvPr id="35" name="TextBox 34"/>
           <p:cNvSpPr txBox="1"/>
           <p:nvPr/>
         </p:nvSpPr>
@@ -6247,22 +6224,27 @@
           <a:lstStyle/>
           <a:p>
             <a:r>
-              <a:rPr lang="en-GB" sz="3394" b="1" dirty="0">
+              <a:rPr lang="en-GB" sz="3395" b="1" dirty="0">
                 <a:latin typeface="Calibri Light" panose="020F0302020204030204" pitchFamily="34" charset="0"/>
                 <a:ea typeface="Anonymous Pro" panose="02060609030202000504" pitchFamily="49" charset="0"/>
                 <a:cs typeface="Calibri Light" panose="020F0302020204030204" pitchFamily="34" charset="0"/>
               </a:rPr>
               <a:t>Results Table:</a:t>
             </a:r>
-          </a:p>
-          <a:p>
-            <a:endParaRPr lang="en-GB" sz="3394" b="1" dirty="0">
+            <a:endParaRPr lang="en-GB" sz="3395" b="1" dirty="0">
               <a:latin typeface="Calibri Light" panose="020F0302020204030204" pitchFamily="34" charset="0"/>
               <a:ea typeface="Anonymous Pro" panose="02060609030202000504" pitchFamily="49" charset="0"/>
               <a:cs typeface="Calibri Light" panose="020F0302020204030204" pitchFamily="34" charset="0"/>
             </a:endParaRPr>
           </a:p>
           <a:p>
+            <a:endParaRPr lang="en-GB" sz="3395" b="1" dirty="0">
+              <a:latin typeface="Calibri Light" panose="020F0302020204030204" pitchFamily="34" charset="0"/>
+              <a:ea typeface="Anonymous Pro" panose="02060609030202000504" pitchFamily="49" charset="0"/>
+              <a:cs typeface="Calibri Light" panose="020F0302020204030204" pitchFamily="34" charset="0"/>
+            </a:endParaRPr>
+          </a:p>
+          <a:p>
             <a:r>
               <a:rPr lang="en-GB" sz="2260" dirty="0">
                 <a:latin typeface="Calibri Light" panose="020F0302020204030204" pitchFamily="34" charset="0"/>
@@ -6271,8 +6253,6 @@
               </a:rPr>
               <a:t>These results detail the speed of which the artefact process their respective files. These speeds are compared with the artefacts that also process these files types.</a:t>
             </a:r>
-          </a:p>
-          <a:p>
             <a:endParaRPr lang="en-GB" sz="2260" dirty="0">
               <a:latin typeface="Calibri Light" panose="020F0302020204030204" pitchFamily="34" charset="0"/>
               <a:ea typeface="Anonymous Pro" panose="02060609030202000504" pitchFamily="49" charset="0"/>
@@ -6280,6 +6260,13 @@
             </a:endParaRPr>
           </a:p>
           <a:p>
+            <a:endParaRPr lang="en-GB" sz="2260" dirty="0">
+              <a:latin typeface="Calibri Light" panose="020F0302020204030204" pitchFamily="34" charset="0"/>
+              <a:ea typeface="Anonymous Pro" panose="02060609030202000504" pitchFamily="49" charset="0"/>
+              <a:cs typeface="Calibri Light" panose="020F0302020204030204" pitchFamily="34" charset="0"/>
+            </a:endParaRPr>
+          </a:p>
+          <a:p>
             <a:r>
               <a:rPr lang="en-GB" sz="2260" dirty="0">
                 <a:latin typeface="Calibri Light" panose="020F0302020204030204" pitchFamily="34" charset="0"/>
@@ -6288,6 +6275,11 @@
               </a:rPr>
               <a:t>The reports software artefacts were slower, but this was due to the report's artefacts doing more computations such as vertex normal calculations.</a:t>
             </a:r>
+            <a:endParaRPr lang="en-GB" sz="2260" dirty="0">
+              <a:latin typeface="Calibri Light" panose="020F0302020204030204" pitchFamily="34" charset="0"/>
+              <a:ea typeface="Anonymous Pro" panose="02060609030202000504" pitchFamily="49" charset="0"/>
+              <a:cs typeface="Calibri Light" panose="020F0302020204030204" pitchFamily="34" charset="0"/>
+            </a:endParaRPr>
           </a:p>
         </p:txBody>
       </p:sp>
@@ -6342,7 +6334,7 @@
     </a:clrScheme>
     <a:fontScheme name="Office 2013 - 2022 Theme">
       <a:majorFont>
-        <a:latin typeface="Calibri Light" panose="020F0302020204030204"/>
+        <a:latin typeface="Calibri Light"/>
         <a:ea typeface=""/>
         <a:cs typeface=""/>
         <a:font script="Jpan" typeface="游ゴシック Light"/>
@@ -6377,7 +6369,7 @@
         <a:font script="Geor" typeface="Sylfaen"/>
       </a:majorFont>
       <a:minorFont>
-        <a:latin typeface="Calibri" panose="020F0502020204030204"/>
+        <a:latin typeface="Calibri"/>
         <a:ea typeface=""/>
         <a:cs typeface=""/>
         <a:font script="Jpan" typeface="游ゴシック"/>
@@ -6550,11 +6542,9 @@
       </a:bgFillStyleLst>
     </a:fmtScheme>
   </a:themeElements>
-  <a:objectDefaults/>
-  <a:extraClrSchemeLst/>
   <a:extLst>
     <a:ext uri="{05A4C25C-085E-4340-85A3-A5531E510DB2}">
-      <thm15:themeFamily xmlns:thm15="http://schemas.microsoft.com/office/thememl/2012/main" name="Office 2013 - 2022 Theme" id="{62F939B6-93AF-4DB8-9C6B-D6C7DFDC589F}" vid="{4A3C46E8-61CC-4603-A589-7422A47A8E4A}"/>
+      <thm15:themeFamily xmlns:thm15="http://schemas.microsoft.com/office/thememl/2012/main" name="Office Theme" id="{62F939B6-93AF-4DB8-9C6B-D6C7DFDC589F}" vid="{4A3C46E8-61CC-4603-A589-7422A47A8E4A}"/>
     </a:ext>
   </a:extLst>
 </a:theme>

--- a/FYP_Poser.pptx
+++ b/FYP_Poser.pptx
@@ -5,10 +5,10 @@
     <p:sldMasterId id="2147483648" r:id="rId1"/>
   </p:sldMasterIdLst>
   <p:sldIdLst>
-    <p:sldId id="256" r:id="rId3"/>
+    <p:sldId id="256" r:id="rId2"/>
   </p:sldIdLst>
-  <p:sldSz cx="21383625" cy="30274895"/>
-  <p:notesSz cx="6858000" cy="9144000"/>
+  <p:sldSz cx="21383625" cy="30275213"/>
+  <p:notesSz cx="7104063" cy="10234613"/>
   <p:defaultTextStyle>
     <a:defPPr>
       <a:defRPr lang="en-US"/>
@@ -104,6 +104,11 @@
       </a:defRPr>
     </a:lvl9pPr>
   </p:defaultTextStyle>
+  <p:extLst>
+    <p:ext uri="{EFAFB233-063F-42B5-8137-9DF3F51BA10A}">
+      <p15:sldGuideLst xmlns:p15="http://schemas.microsoft.com/office/powerpoint/2012/main"/>
+    </p:ext>
+  </p:extLst>
 </p:presentation>
 </file>
 
@@ -238,6 +243,7 @@
           <a:p>
             <a:fld id="{DCEEBA53-EBA9-40A5-BD15-213969A436B3}" type="datetimeFigureOut">
               <a:rPr lang="en-GB" smtClean="0"/>
+              <a:t>06/05/2025</a:t>
             </a:fld>
             <a:endParaRPr lang="en-GB"/>
           </a:p>
@@ -279,6 +285,7 @@
           <a:p>
             <a:fld id="{AAFCC6D6-1FBA-4615-81ED-4860CC233C56}" type="slidenum">
               <a:rPr lang="en-GB" smtClean="0"/>
+              <a:t>‹#›</a:t>
             </a:fld>
             <a:endParaRPr lang="en-GB"/>
           </a:p>
@@ -352,7 +359,6 @@
               <a:rPr lang="en-US"/>
               <a:t>Click to edit Master text styles</a:t>
             </a:r>
-            <a:endParaRPr lang="en-US"/>
           </a:p>
           <a:p>
             <a:pPr lvl="1"/>
@@ -360,7 +366,6 @@
               <a:rPr lang="en-US"/>
               <a:t>Second level</a:t>
             </a:r>
-            <a:endParaRPr lang="en-US"/>
           </a:p>
           <a:p>
             <a:pPr lvl="2"/>
@@ -368,7 +373,6 @@
               <a:rPr lang="en-US"/>
               <a:t>Third level</a:t>
             </a:r>
-            <a:endParaRPr lang="en-US"/>
           </a:p>
           <a:p>
             <a:pPr lvl="3"/>
@@ -376,7 +380,6 @@
               <a:rPr lang="en-US"/>
               <a:t>Fourth level</a:t>
             </a:r>
-            <a:endParaRPr lang="en-US"/>
           </a:p>
           <a:p>
             <a:pPr lvl="4"/>
@@ -405,6 +408,7 @@
           <a:p>
             <a:fld id="{DCEEBA53-EBA9-40A5-BD15-213969A436B3}" type="datetimeFigureOut">
               <a:rPr lang="en-GB" smtClean="0"/>
+              <a:t>06/05/2025</a:t>
             </a:fld>
             <a:endParaRPr lang="en-GB"/>
           </a:p>
@@ -446,6 +450,7 @@
           <a:p>
             <a:fld id="{AAFCC6D6-1FBA-4615-81ED-4860CC233C56}" type="slidenum">
               <a:rPr lang="en-GB" smtClean="0"/>
+              <a:t>‹#›</a:t>
             </a:fld>
             <a:endParaRPr lang="en-GB"/>
           </a:p>
@@ -529,7 +534,6 @@
               <a:rPr lang="en-US"/>
               <a:t>Click to edit Master text styles</a:t>
             </a:r>
-            <a:endParaRPr lang="en-US"/>
           </a:p>
           <a:p>
             <a:pPr lvl="1"/>
@@ -537,7 +541,6 @@
               <a:rPr lang="en-US"/>
               <a:t>Second level</a:t>
             </a:r>
-            <a:endParaRPr lang="en-US"/>
           </a:p>
           <a:p>
             <a:pPr lvl="2"/>
@@ -545,7 +548,6 @@
               <a:rPr lang="en-US"/>
               <a:t>Third level</a:t>
             </a:r>
-            <a:endParaRPr lang="en-US"/>
           </a:p>
           <a:p>
             <a:pPr lvl="3"/>
@@ -553,7 +555,6 @@
               <a:rPr lang="en-US"/>
               <a:t>Fourth level</a:t>
             </a:r>
-            <a:endParaRPr lang="en-US"/>
           </a:p>
           <a:p>
             <a:pPr lvl="4"/>
@@ -582,6 +583,7 @@
           <a:p>
             <a:fld id="{DCEEBA53-EBA9-40A5-BD15-213969A436B3}" type="datetimeFigureOut">
               <a:rPr lang="en-GB" smtClean="0"/>
+              <a:t>06/05/2025</a:t>
             </a:fld>
             <a:endParaRPr lang="en-GB"/>
           </a:p>
@@ -623,6 +625,7 @@
           <a:p>
             <a:fld id="{AAFCC6D6-1FBA-4615-81ED-4860CC233C56}" type="slidenum">
               <a:rPr lang="en-GB" smtClean="0"/>
+              <a:t>‹#›</a:t>
             </a:fld>
             <a:endParaRPr lang="en-GB"/>
           </a:p>
@@ -696,7 +699,6 @@
               <a:rPr lang="en-US"/>
               <a:t>Click to edit Master text styles</a:t>
             </a:r>
-            <a:endParaRPr lang="en-US"/>
           </a:p>
           <a:p>
             <a:pPr lvl="1"/>
@@ -704,7 +706,6 @@
               <a:rPr lang="en-US"/>
               <a:t>Second level</a:t>
             </a:r>
-            <a:endParaRPr lang="en-US"/>
           </a:p>
           <a:p>
             <a:pPr lvl="2"/>
@@ -712,7 +713,6 @@
               <a:rPr lang="en-US"/>
               <a:t>Third level</a:t>
             </a:r>
-            <a:endParaRPr lang="en-US"/>
           </a:p>
           <a:p>
             <a:pPr lvl="3"/>
@@ -720,7 +720,6 @@
               <a:rPr lang="en-US"/>
               <a:t>Fourth level</a:t>
             </a:r>
-            <a:endParaRPr lang="en-US"/>
           </a:p>
           <a:p>
             <a:pPr lvl="4"/>
@@ -749,6 +748,7 @@
           <a:p>
             <a:fld id="{DCEEBA53-EBA9-40A5-BD15-213969A436B3}" type="datetimeFigureOut">
               <a:rPr lang="en-GB" smtClean="0"/>
+              <a:t>06/05/2025</a:t>
             </a:fld>
             <a:endParaRPr lang="en-GB"/>
           </a:p>
@@ -790,6 +790,7 @@
           <a:p>
             <a:fld id="{AAFCC6D6-1FBA-4615-81ED-4860CC233C56}" type="slidenum">
               <a:rPr lang="en-GB" smtClean="0"/>
+              <a:t>‹#›</a:t>
             </a:fld>
             <a:endParaRPr lang="en-GB"/>
           </a:p>
@@ -966,7 +967,6 @@
               <a:rPr lang="en-US"/>
               <a:t>Click to edit Master text styles</a:t>
             </a:r>
-            <a:endParaRPr lang="en-US"/>
           </a:p>
         </p:txBody>
       </p:sp>
@@ -987,6 +987,7 @@
           <a:p>
             <a:fld id="{DCEEBA53-EBA9-40A5-BD15-213969A436B3}" type="datetimeFigureOut">
               <a:rPr lang="en-GB" smtClean="0"/>
+              <a:t>06/05/2025</a:t>
             </a:fld>
             <a:endParaRPr lang="en-GB"/>
           </a:p>
@@ -1028,6 +1029,7 @@
           <a:p>
             <a:fld id="{AAFCC6D6-1FBA-4615-81ED-4860CC233C56}" type="slidenum">
               <a:rPr lang="en-GB" smtClean="0"/>
+              <a:t>‹#›</a:t>
             </a:fld>
             <a:endParaRPr lang="en-GB"/>
           </a:p>
@@ -1106,7 +1108,6 @@
               <a:rPr lang="en-US"/>
               <a:t>Click to edit Master text styles</a:t>
             </a:r>
-            <a:endParaRPr lang="en-US"/>
           </a:p>
           <a:p>
             <a:pPr lvl="1"/>
@@ -1114,7 +1115,6 @@
               <a:rPr lang="en-US"/>
               <a:t>Second level</a:t>
             </a:r>
-            <a:endParaRPr lang="en-US"/>
           </a:p>
           <a:p>
             <a:pPr lvl="2"/>
@@ -1122,7 +1122,6 @@
               <a:rPr lang="en-US"/>
               <a:t>Third level</a:t>
             </a:r>
-            <a:endParaRPr lang="en-US"/>
           </a:p>
           <a:p>
             <a:pPr lvl="3"/>
@@ -1130,7 +1129,6 @@
               <a:rPr lang="en-US"/>
               <a:t>Fourth level</a:t>
             </a:r>
-            <a:endParaRPr lang="en-US"/>
           </a:p>
           <a:p>
             <a:pPr lvl="4"/>
@@ -1167,7 +1165,6 @@
               <a:rPr lang="en-US"/>
               <a:t>Click to edit Master text styles</a:t>
             </a:r>
-            <a:endParaRPr lang="en-US"/>
           </a:p>
           <a:p>
             <a:pPr lvl="1"/>
@@ -1175,7 +1172,6 @@
               <a:rPr lang="en-US"/>
               <a:t>Second level</a:t>
             </a:r>
-            <a:endParaRPr lang="en-US"/>
           </a:p>
           <a:p>
             <a:pPr lvl="2"/>
@@ -1183,7 +1179,6 @@
               <a:rPr lang="en-US"/>
               <a:t>Third level</a:t>
             </a:r>
-            <a:endParaRPr lang="en-US"/>
           </a:p>
           <a:p>
             <a:pPr lvl="3"/>
@@ -1191,7 +1186,6 @@
               <a:rPr lang="en-US"/>
               <a:t>Fourth level</a:t>
             </a:r>
-            <a:endParaRPr lang="en-US"/>
           </a:p>
           <a:p>
             <a:pPr lvl="4"/>
@@ -1220,6 +1214,7 @@
           <a:p>
             <a:fld id="{DCEEBA53-EBA9-40A5-BD15-213969A436B3}" type="datetimeFigureOut">
               <a:rPr lang="en-GB" smtClean="0"/>
+              <a:t>06/05/2025</a:t>
             </a:fld>
             <a:endParaRPr lang="en-GB"/>
           </a:p>
@@ -1261,6 +1256,7 @@
           <a:p>
             <a:fld id="{AAFCC6D6-1FBA-4615-81ED-4860CC233C56}" type="slidenum">
               <a:rPr lang="en-GB" smtClean="0"/>
+              <a:t>‹#›</a:t>
             </a:fld>
             <a:endParaRPr lang="en-GB"/>
           </a:p>
@@ -1381,7 +1377,6 @@
               <a:rPr lang="en-US"/>
               <a:t>Click to edit Master text styles</a:t>
             </a:r>
-            <a:endParaRPr lang="en-US"/>
           </a:p>
         </p:txBody>
       </p:sp>
@@ -1410,7 +1405,6 @@
               <a:rPr lang="en-US"/>
               <a:t>Click to edit Master text styles</a:t>
             </a:r>
-            <a:endParaRPr lang="en-US"/>
           </a:p>
           <a:p>
             <a:pPr lvl="1"/>
@@ -1418,7 +1412,6 @@
               <a:rPr lang="en-US"/>
               <a:t>Second level</a:t>
             </a:r>
-            <a:endParaRPr lang="en-US"/>
           </a:p>
           <a:p>
             <a:pPr lvl="2"/>
@@ -1426,7 +1419,6 @@
               <a:rPr lang="en-US"/>
               <a:t>Third level</a:t>
             </a:r>
-            <a:endParaRPr lang="en-US"/>
           </a:p>
           <a:p>
             <a:pPr lvl="3"/>
@@ -1434,7 +1426,6 @@
               <a:rPr lang="en-US"/>
               <a:t>Fourth level</a:t>
             </a:r>
-            <a:endParaRPr lang="en-US"/>
           </a:p>
           <a:p>
             <a:pPr lvl="4"/>
@@ -1508,7 +1499,6 @@
               <a:rPr lang="en-US"/>
               <a:t>Click to edit Master text styles</a:t>
             </a:r>
-            <a:endParaRPr lang="en-US"/>
           </a:p>
         </p:txBody>
       </p:sp>
@@ -1537,7 +1527,6 @@
               <a:rPr lang="en-US"/>
               <a:t>Click to edit Master text styles</a:t>
             </a:r>
-            <a:endParaRPr lang="en-US"/>
           </a:p>
           <a:p>
             <a:pPr lvl="1"/>
@@ -1545,7 +1534,6 @@
               <a:rPr lang="en-US"/>
               <a:t>Second level</a:t>
             </a:r>
-            <a:endParaRPr lang="en-US"/>
           </a:p>
           <a:p>
             <a:pPr lvl="2"/>
@@ -1553,7 +1541,6 @@
               <a:rPr lang="en-US"/>
               <a:t>Third level</a:t>
             </a:r>
-            <a:endParaRPr lang="en-US"/>
           </a:p>
           <a:p>
             <a:pPr lvl="3"/>
@@ -1561,7 +1548,6 @@
               <a:rPr lang="en-US"/>
               <a:t>Fourth level</a:t>
             </a:r>
-            <a:endParaRPr lang="en-US"/>
           </a:p>
           <a:p>
             <a:pPr lvl="4"/>
@@ -1590,6 +1576,7 @@
           <a:p>
             <a:fld id="{DCEEBA53-EBA9-40A5-BD15-213969A436B3}" type="datetimeFigureOut">
               <a:rPr lang="en-GB" smtClean="0"/>
+              <a:t>06/05/2025</a:t>
             </a:fld>
             <a:endParaRPr lang="en-GB"/>
           </a:p>
@@ -1631,6 +1618,7 @@
           <a:p>
             <a:fld id="{AAFCC6D6-1FBA-4615-81ED-4860CC233C56}" type="slidenum">
               <a:rPr lang="en-GB" smtClean="0"/>
+              <a:t>‹#›</a:t>
             </a:fld>
             <a:endParaRPr lang="en-GB"/>
           </a:p>
@@ -1701,6 +1689,7 @@
           <a:p>
             <a:fld id="{DCEEBA53-EBA9-40A5-BD15-213969A436B3}" type="datetimeFigureOut">
               <a:rPr lang="en-GB" smtClean="0"/>
+              <a:t>06/05/2025</a:t>
             </a:fld>
             <a:endParaRPr lang="en-GB"/>
           </a:p>
@@ -1742,6 +1731,7 @@
           <a:p>
             <a:fld id="{AAFCC6D6-1FBA-4615-81ED-4860CC233C56}" type="slidenum">
               <a:rPr lang="en-GB" smtClean="0"/>
+              <a:t>‹#›</a:t>
             </a:fld>
             <a:endParaRPr lang="en-GB"/>
           </a:p>
@@ -1789,6 +1779,7 @@
           <a:p>
             <a:fld id="{DCEEBA53-EBA9-40A5-BD15-213969A436B3}" type="datetimeFigureOut">
               <a:rPr lang="en-GB" smtClean="0"/>
+              <a:t>06/05/2025</a:t>
             </a:fld>
             <a:endParaRPr lang="en-GB"/>
           </a:p>
@@ -1830,6 +1821,7 @@
           <a:p>
             <a:fld id="{AAFCC6D6-1FBA-4615-81ED-4860CC233C56}" type="slidenum">
               <a:rPr lang="en-GB" smtClean="0"/>
+              <a:t>‹#›</a:t>
             </a:fld>
             <a:endParaRPr lang="en-GB"/>
           </a:p>
@@ -1945,7 +1937,6 @@
               <a:rPr lang="en-US"/>
               <a:t>Click to edit Master text styles</a:t>
             </a:r>
-            <a:endParaRPr lang="en-US"/>
           </a:p>
           <a:p>
             <a:pPr lvl="1"/>
@@ -1953,7 +1944,6 @@
               <a:rPr lang="en-US"/>
               <a:t>Second level</a:t>
             </a:r>
-            <a:endParaRPr lang="en-US"/>
           </a:p>
           <a:p>
             <a:pPr lvl="2"/>
@@ -1961,7 +1951,6 @@
               <a:rPr lang="en-US"/>
               <a:t>Third level</a:t>
             </a:r>
-            <a:endParaRPr lang="en-US"/>
           </a:p>
           <a:p>
             <a:pPr lvl="3"/>
@@ -1969,7 +1958,6 @@
               <a:rPr lang="en-US"/>
               <a:t>Fourth level</a:t>
             </a:r>
-            <a:endParaRPr lang="en-US"/>
           </a:p>
           <a:p>
             <a:pPr lvl="4"/>
@@ -2043,7 +2031,6 @@
               <a:rPr lang="en-US"/>
               <a:t>Click to edit Master text styles</a:t>
             </a:r>
-            <a:endParaRPr lang="en-US"/>
           </a:p>
         </p:txBody>
       </p:sp>
@@ -2064,6 +2051,7 @@
           <a:p>
             <a:fld id="{DCEEBA53-EBA9-40A5-BD15-213969A436B3}" type="datetimeFigureOut">
               <a:rPr lang="en-GB" smtClean="0"/>
+              <a:t>06/05/2025</a:t>
             </a:fld>
             <a:endParaRPr lang="en-GB"/>
           </a:p>
@@ -2105,6 +2093,7 @@
           <a:p>
             <a:fld id="{AAFCC6D6-1FBA-4615-81ED-4860CC233C56}" type="slidenum">
               <a:rPr lang="en-GB" smtClean="0"/>
+              <a:t>‹#›</a:t>
             </a:fld>
             <a:endParaRPr lang="en-GB"/>
           </a:p>
@@ -2294,7 +2283,6 @@
               <a:rPr lang="en-US"/>
               <a:t>Click to edit Master text styles</a:t>
             </a:r>
-            <a:endParaRPr lang="en-US"/>
           </a:p>
         </p:txBody>
       </p:sp>
@@ -2315,6 +2303,7 @@
           <a:p>
             <a:fld id="{DCEEBA53-EBA9-40A5-BD15-213969A436B3}" type="datetimeFigureOut">
               <a:rPr lang="en-GB" smtClean="0"/>
+              <a:t>06/05/2025</a:t>
             </a:fld>
             <a:endParaRPr lang="en-GB"/>
           </a:p>
@@ -2356,6 +2345,7 @@
           <a:p>
             <a:fld id="{AAFCC6D6-1FBA-4615-81ED-4860CC233C56}" type="slidenum">
               <a:rPr lang="en-GB" smtClean="0"/>
+              <a:t>‹#›</a:t>
             </a:fld>
             <a:endParaRPr lang="en-GB"/>
           </a:p>
@@ -2454,7 +2444,6 @@
               <a:rPr lang="en-US"/>
               <a:t>Click to edit Master text styles</a:t>
             </a:r>
-            <a:endParaRPr lang="en-US"/>
           </a:p>
           <a:p>
             <a:pPr lvl="1"/>
@@ -2462,7 +2451,6 @@
               <a:rPr lang="en-US"/>
               <a:t>Second level</a:t>
             </a:r>
-            <a:endParaRPr lang="en-US"/>
           </a:p>
           <a:p>
             <a:pPr lvl="2"/>
@@ -2470,7 +2458,6 @@
               <a:rPr lang="en-US"/>
               <a:t>Third level</a:t>
             </a:r>
-            <a:endParaRPr lang="en-US"/>
           </a:p>
           <a:p>
             <a:pPr lvl="3"/>
@@ -2478,7 +2465,6 @@
               <a:rPr lang="en-US"/>
               <a:t>Fourth level</a:t>
             </a:r>
-            <a:endParaRPr lang="en-US"/>
           </a:p>
           <a:p>
             <a:pPr lvl="4"/>
@@ -2525,6 +2511,7 @@
           <a:p>
             <a:fld id="{DCEEBA53-EBA9-40A5-BD15-213969A436B3}" type="datetimeFigureOut">
               <a:rPr lang="en-GB" smtClean="0"/>
+              <a:t>06/05/2025</a:t>
             </a:fld>
             <a:endParaRPr lang="en-GB"/>
           </a:p>
@@ -2602,6 +2589,7 @@
           <a:p>
             <a:fld id="{AAFCC6D6-1FBA-4615-81ED-4860CC233C56}" type="slidenum">
               <a:rPr lang="en-GB" smtClean="0"/>
+              <a:t>‹#›</a:t>
             </a:fld>
             <a:endParaRPr lang="en-GB"/>
           </a:p>
@@ -3096,7 +3084,7 @@
         </p:nvSpPr>
         <p:spPr>
           <a:xfrm>
-            <a:off x="10822805" y="3044560"/>
+            <a:off x="10974514" y="11878983"/>
             <a:ext cx="9963945" cy="6443984"/>
           </a:xfrm>
           <a:prstGeom prst="roundRect">
@@ -3105,9 +3093,7 @@
             </a:avLst>
           </a:prstGeom>
           <a:solidFill>
-            <a:schemeClr val="accent6">
-              <a:lumMod val="75000"/>
-            </a:schemeClr>
+            <a:srgbClr val="85BD5F"/>
           </a:solidFill>
           <a:ln>
             <a:solidFill>
@@ -3164,10 +3150,7 @@
             </a:avLst>
           </a:prstGeom>
           <a:solidFill>
-            <a:schemeClr val="tx1">
-              <a:lumMod val="50000"/>
-              <a:lumOff val="50000"/>
-            </a:schemeClr>
+            <a:srgbClr val="92D050"/>
           </a:solidFill>
           <a:ln>
             <a:solidFill>
@@ -3224,9 +3207,7 @@
             </a:avLst>
           </a:prstGeom>
           <a:solidFill>
-            <a:schemeClr val="accent4">
-              <a:lumMod val="75000"/>
-            </a:schemeClr>
+            <a:srgbClr val="FEC200"/>
           </a:solidFill>
           <a:ln>
             <a:solidFill>
@@ -3324,6 +3305,9 @@
               <a:gd name="adj" fmla="val 15557"/>
             </a:avLst>
           </a:prstGeom>
+          <a:solidFill>
+            <a:srgbClr val="6D91D1"/>
+          </a:solidFill>
           <a:ln>
             <a:solidFill>
               <a:schemeClr val="tx1"/>
@@ -3371,7 +3355,7 @@
           <p:nvPr/>
         </p:nvPicPr>
         <p:blipFill>
-          <a:blip r:embed="rId1" cstate="print">
+          <a:blip r:embed="rId2" cstate="print">
             <a:extLst>
               <a:ext uri="{28A0092B-C50C-407E-A947-70E740481C1C}">
                 <a14:useLocalDpi xmlns:a14="http://schemas.microsoft.com/office/drawing/2010/main" val="0"/>
@@ -3401,7 +3385,7 @@
         <p:spPr>
           <a:xfrm>
             <a:off x="643108" y="7688699"/>
-            <a:ext cx="9887452" cy="4793492"/>
+            <a:ext cx="9887452" cy="4797467"/>
           </a:xfrm>
           <a:prstGeom prst="rect">
             <a:avLst/>
@@ -3420,7 +3404,7 @@
                 <a:ea typeface="Anonymous Pro" panose="02060609030202000504" pitchFamily="49" charset="0"/>
                 <a:cs typeface="Calibri Light" panose="020F0302020204030204" pitchFamily="34" charset="0"/>
               </a:rPr>
-              <a:t>Introduction:</a:t>
+              <a:t>Background:</a:t>
             </a:r>
             <a:endParaRPr lang="en-GB" sz="2830" b="1" dirty="0">
               <a:latin typeface="Calibri Light" panose="020F0302020204030204" pitchFamily="34" charset="0"/>
@@ -3437,6 +3421,8 @@
               </a:rPr>
               <a:t>As Games become older there is less investment from their creators, as a result games go obsolete with time. This makes games preservation vital in ensuring these games do not go obsolete and forgotten for public and professional use.</a:t>
             </a:r>
+          </a:p>
+          <a:p>
             <a:endParaRPr lang="en-GB" sz="2265" dirty="0">
               <a:latin typeface="Calibri Light" panose="020F0302020204030204" pitchFamily="34" charset="0"/>
               <a:ea typeface="Anonymous Pro" panose="02060609030202000504" pitchFamily="49" charset="0"/>
@@ -3444,6 +3430,16 @@
             </a:endParaRPr>
           </a:p>
           <a:p>
+            <a:r>
+              <a:rPr lang="en-GB" sz="2265" dirty="0">
+                <a:latin typeface="Calibri Light" panose="020F0302020204030204" pitchFamily="34" charset="0"/>
+                <a:ea typeface="Anonymous Pro" panose="02060609030202000504" pitchFamily="49" charset="0"/>
+                <a:cs typeface="Calibri Light" panose="020F0302020204030204" pitchFamily="34" charset="0"/>
+              </a:rPr>
+              <a:t>Games preservation is the act of preserving and maintain games, games systems and their files Games preservation as a practice can be done through preserving the contents of the game asset files for further use.</a:t>
+            </a:r>
+          </a:p>
+          <a:p>
             <a:endParaRPr lang="en-GB" sz="2265" dirty="0">
               <a:latin typeface="Calibri Light" panose="020F0302020204030204" pitchFamily="34" charset="0"/>
               <a:ea typeface="Anonymous Pro" panose="02060609030202000504" pitchFamily="49" charset="0"/>
@@ -3457,29 +3453,23 @@
                 <a:ea typeface="Anonymous Pro" panose="02060609030202000504" pitchFamily="49" charset="0"/>
                 <a:cs typeface="Calibri Light" panose="020F0302020204030204" pitchFamily="34" charset="0"/>
               </a:rPr>
-              <a:t>Games preservation is the act of preserving and maintain games, games systems and their files Games preservation as a practice can be done through preserving the contents of the game asset files for further use for programmers and game designers. </a:t>
-            </a:r>
-            <a:endParaRPr lang="en-GB" sz="2265" dirty="0">
-              <a:latin typeface="Calibri Light" panose="020F0302020204030204" pitchFamily="34" charset="0"/>
-              <a:ea typeface="Anonymous Pro" panose="02060609030202000504" pitchFamily="49" charset="0"/>
-              <a:cs typeface="Calibri Light" panose="020F0302020204030204" pitchFamily="34" charset="0"/>
-            </a:endParaRPr>
-          </a:p>
-          <a:p>
-            <a:endParaRPr lang="en-GB" sz="2265" dirty="0">
-              <a:latin typeface="Calibri Light" panose="020F0302020204030204" pitchFamily="34" charset="0"/>
-              <a:ea typeface="Anonymous Pro" panose="02060609030202000504" pitchFamily="49" charset="0"/>
-              <a:cs typeface="Calibri Light" panose="020F0302020204030204" pitchFamily="34" charset="0"/>
-            </a:endParaRPr>
-          </a:p>
-          <a:p>
+              <a:t>4 Artefacts were created in total for this purpose, .Str file exporter, .</a:t>
+            </a:r>
+            <a:r>
+              <a:rPr lang="en-GB" sz="2265" dirty="0" err="1">
+                <a:latin typeface="Calibri Light" panose="020F0302020204030204" pitchFamily="34" charset="0"/>
+                <a:ea typeface="Anonymous Pro" panose="02060609030202000504" pitchFamily="49" charset="0"/>
+                <a:cs typeface="Calibri Light" panose="020F0302020204030204" pitchFamily="34" charset="0"/>
+              </a:rPr>
+              <a:t>Rws</a:t>
+            </a:r>
             <a:r>
               <a:rPr lang="en-GB" sz="2265" dirty="0">
                 <a:latin typeface="Calibri Light" panose="020F0302020204030204" pitchFamily="34" charset="0"/>
                 <a:ea typeface="Anonymous Pro" panose="02060609030202000504" pitchFamily="49" charset="0"/>
                 <a:cs typeface="Calibri Light" panose="020F0302020204030204" pitchFamily="34" charset="0"/>
               </a:rPr>
-              <a:t>4 Artefacts were created in total for this purpose, .Str exporter, .</a:t>
+              <a:t> and .</a:t>
             </a:r>
             <a:r>
               <a:rPr lang="en-GB" sz="2265" dirty="0" err="1">
@@ -3487,7 +3477,7 @@
                 <a:ea typeface="Anonymous Pro" panose="02060609030202000504" pitchFamily="49" charset="0"/>
                 <a:cs typeface="Calibri Light" panose="020F0302020204030204" pitchFamily="34" charset="0"/>
               </a:rPr>
-              <a:t>Rws</a:t>
+              <a:t>Dff</a:t>
             </a:r>
             <a:r>
               <a:rPr lang="en-GB" sz="2265" dirty="0">
@@ -3495,7 +3485,7 @@
                 <a:ea typeface="Anonymous Pro" panose="02060609030202000504" pitchFamily="49" charset="0"/>
                 <a:cs typeface="Calibri Light" panose="020F0302020204030204" pitchFamily="34" charset="0"/>
               </a:rPr>
-              <a:t> and .</a:t>
+              <a:t> file converter to .</a:t>
             </a:r>
             <a:r>
               <a:rPr lang="en-GB" sz="2265" dirty="0" err="1">
@@ -3503,7 +3493,7 @@
                 <a:ea typeface="Anonymous Pro" panose="02060609030202000504" pitchFamily="49" charset="0"/>
                 <a:cs typeface="Calibri Light" panose="020F0302020204030204" pitchFamily="34" charset="0"/>
               </a:rPr>
-              <a:t>Dff</a:t>
+              <a:t>Obj</a:t>
             </a:r>
             <a:r>
               <a:rPr lang="en-GB" sz="2265" dirty="0">
@@ -3511,7 +3501,39 @@
                 <a:ea typeface="Anonymous Pro" panose="02060609030202000504" pitchFamily="49" charset="0"/>
                 <a:cs typeface="Calibri Light" panose="020F0302020204030204" pitchFamily="34" charset="0"/>
               </a:rPr>
-              <a:t> file converter to .</a:t>
+              <a:t> and the </a:t>
+            </a:r>
+            <a:r>
+              <a:rPr lang="en-GB" sz="2265" b="1" dirty="0">
+                <a:latin typeface="Calibri Light" panose="020F0302020204030204" pitchFamily="34" charset="0"/>
+                <a:ea typeface="Anonymous Pro" panose="02060609030202000504" pitchFamily="49" charset="0"/>
+                <a:cs typeface="Calibri Light" panose="020F0302020204030204" pitchFamily="34" charset="0"/>
+              </a:rPr>
+              <a:t>GAD </a:t>
+            </a:r>
+            <a:r>
+              <a:rPr lang="en-GB" sz="2265" dirty="0">
+                <a:latin typeface="Calibri Light" panose="020F0302020204030204" pitchFamily="34" charset="0"/>
+                <a:ea typeface="Anonymous Pro" panose="02060609030202000504" pitchFamily="49" charset="0"/>
+                <a:cs typeface="Calibri Light" panose="020F0302020204030204" pitchFamily="34" charset="0"/>
+              </a:rPr>
+              <a:t>which is a diagram detailing the process in reverse engineering file types</a:t>
+            </a:r>
+            <a:r>
+              <a:rPr lang="en-GB" sz="2265" b="1" dirty="0">
+                <a:latin typeface="Calibri Light" panose="020F0302020204030204" pitchFamily="34" charset="0"/>
+                <a:ea typeface="Anonymous Pro" panose="02060609030202000504" pitchFamily="49" charset="0"/>
+                <a:cs typeface="Calibri Light" panose="020F0302020204030204" pitchFamily="34" charset="0"/>
+              </a:rPr>
+              <a:t>. </a:t>
+            </a:r>
+            <a:r>
+              <a:rPr lang="en-GB" sz="2265" dirty="0">
+                <a:latin typeface="Calibri Light" panose="020F0302020204030204" pitchFamily="34" charset="0"/>
+                <a:ea typeface="Anonymous Pro" panose="02060609030202000504" pitchFamily="49" charset="0"/>
+                <a:cs typeface="Calibri Light" panose="020F0302020204030204" pitchFamily="34" charset="0"/>
+              </a:rPr>
+              <a:t>Software Artefacts were Written in </a:t>
             </a:r>
             <a:r>
               <a:rPr lang="en-GB" sz="2265" dirty="0" err="1">
@@ -3519,7 +3541,7 @@
                 <a:ea typeface="Anonymous Pro" panose="02060609030202000504" pitchFamily="49" charset="0"/>
                 <a:cs typeface="Calibri Light" panose="020F0302020204030204" pitchFamily="34" charset="0"/>
               </a:rPr>
-              <a:t>Obj</a:t>
+              <a:t>c++</a:t>
             </a:r>
             <a:r>
               <a:rPr lang="en-GB" sz="2265" dirty="0">
@@ -3527,45 +3549,8 @@
                 <a:ea typeface="Anonymous Pro" panose="02060609030202000504" pitchFamily="49" charset="0"/>
                 <a:cs typeface="Calibri Light" panose="020F0302020204030204" pitchFamily="34" charset="0"/>
               </a:rPr>
-              <a:t> and the </a:t>
-            </a:r>
-            <a:r>
-              <a:rPr lang="en-GB" sz="2265" b="1" dirty="0">
-                <a:latin typeface="Calibri Light" panose="020F0302020204030204" pitchFamily="34" charset="0"/>
-                <a:ea typeface="Anonymous Pro" panose="02060609030202000504" pitchFamily="49" charset="0"/>
-                <a:cs typeface="Calibri Light" panose="020F0302020204030204" pitchFamily="34" charset="0"/>
-              </a:rPr>
-              <a:t>GAD. </a:t>
-            </a:r>
-            <a:r>
-              <a:rPr lang="en-GB" sz="2265" dirty="0">
-                <a:latin typeface="Calibri Light" panose="020F0302020204030204" pitchFamily="34" charset="0"/>
-                <a:ea typeface="Anonymous Pro" panose="02060609030202000504" pitchFamily="49" charset="0"/>
-                <a:cs typeface="Calibri Light" panose="020F0302020204030204" pitchFamily="34" charset="0"/>
-              </a:rPr>
-              <a:t>Software Artefacts were Written in </a:t>
-            </a:r>
-            <a:r>
-              <a:rPr lang="en-GB" sz="2265" dirty="0" err="1">
-                <a:latin typeface="Calibri Light" panose="020F0302020204030204" pitchFamily="34" charset="0"/>
-                <a:ea typeface="Anonymous Pro" panose="02060609030202000504" pitchFamily="49" charset="0"/>
-                <a:cs typeface="Calibri Light" panose="020F0302020204030204" pitchFamily="34" charset="0"/>
-              </a:rPr>
-              <a:t>c++</a:t>
-            </a:r>
-            <a:r>
-              <a:rPr lang="en-GB" sz="2265" dirty="0">
-                <a:latin typeface="Calibri Light" panose="020F0302020204030204" pitchFamily="34" charset="0"/>
-                <a:ea typeface="Anonymous Pro" panose="02060609030202000504" pitchFamily="49" charset="0"/>
-                <a:cs typeface="Calibri Light" panose="020F0302020204030204" pitchFamily="34" charset="0"/>
-              </a:rPr>
               <a:t> for speed and memory efficiency.</a:t>
             </a:r>
-            <a:endParaRPr lang="en-GB" sz="2265" dirty="0">
-              <a:latin typeface="Calibri Light" panose="020F0302020204030204" pitchFamily="34" charset="0"/>
-              <a:ea typeface="Anonymous Pro" panose="02060609030202000504" pitchFamily="49" charset="0"/>
-              <a:cs typeface="Calibri Light" panose="020F0302020204030204" pitchFamily="34" charset="0"/>
-            </a:endParaRPr>
           </a:p>
         </p:txBody>
       </p:sp>
@@ -3578,12 +3563,14 @@
         <p:spPr>
           <a:xfrm>
             <a:off x="653972" y="27356862"/>
-            <a:ext cx="20189870" cy="2603341"/>
+            <a:ext cx="20189870" cy="2605713"/>
           </a:xfrm>
           <a:prstGeom prst="rect">
             <a:avLst/>
           </a:prstGeom>
-          <a:noFill/>
+          <a:solidFill>
+            <a:srgbClr val="8B8BFF"/>
+          </a:solidFill>
           <a:effectLst>
             <a:outerShdw blurRad="50800" dist="38100" dir="8100000" algn="tr" rotWithShape="0">
               <a:prstClr val="black">
@@ -3744,7 +3731,63 @@
                 <a:ea typeface="SimSun" panose="02010600030101010101" pitchFamily="2" charset="-122"/>
                 <a:cs typeface="Times New Roman" panose="02020603050405020304" pitchFamily="18" charset="0"/>
               </a:rPr>
-              <a:t>. https://www.diva-portal.org/smash/get/diva2:830266/FULLTEXT01.pdf. Peng, J., Kim, C.-S. and Jay Kuo, C.-C. . (2005). Technologies for 3D mesh compression: A survey. </a:t>
+              <a:t>. https://www.diva-portal.org/smash/get/diva2:830266/FULLTEXT01.pdf. Peng, J., Kim, C.-S. and Jay Kuo, C.-C. . (2005). Technologies </a:t>
+            </a:r>
+            <a:r>
+              <a:rPr lang="en-GB" sz="850" kern="100" dirty="0" err="1">
+                <a:latin typeface="Calibri" panose="020F0502020204030204" pitchFamily="34" charset="0"/>
+                <a:ea typeface="SimSun" panose="02010600030101010101" pitchFamily="2" charset="-122"/>
+                <a:cs typeface="Times New Roman" panose="02020603050405020304" pitchFamily="18" charset="0"/>
+              </a:rPr>
+              <a:t>for</a:t>
+            </a:r>
+            <a:r>
+              <a:rPr lang="en-GB" sz="850" i="1" kern="100" dirty="0" err="1">
+                <a:latin typeface="TimesNewRomanPS-ItalicMT"/>
+                <a:ea typeface="SimSun" panose="02010600030101010101" pitchFamily="2" charset="-122"/>
+                <a:cs typeface="Times New Roman" panose="02020603050405020304" pitchFamily="18" charset="0"/>
+              </a:rPr>
+              <a:t>Programming</a:t>
+            </a:r>
+            <a:r>
+              <a:rPr lang="en-GB" sz="850" kern="100" dirty="0">
+                <a:latin typeface="Calibri" panose="020F0502020204030204" pitchFamily="34" charset="0"/>
+                <a:ea typeface="SimSun" panose="02010600030101010101" pitchFamily="2" charset="-122"/>
+                <a:cs typeface="Times New Roman" panose="02020603050405020304" pitchFamily="18" charset="0"/>
+              </a:rPr>
+              <a:t>, 36(2-3), pp.149–181. </a:t>
+            </a:r>
+            <a:r>
+              <a:rPr lang="en-GB" sz="850" kern="100" dirty="0" err="1">
+                <a:latin typeface="Calibri" panose="020F0502020204030204" pitchFamily="34" charset="0"/>
+                <a:ea typeface="SimSun" panose="02010600030101010101" pitchFamily="2" charset="-122"/>
+                <a:cs typeface="Times New Roman" panose="02020603050405020304" pitchFamily="18" charset="0"/>
+              </a:rPr>
+              <a:t>doi:https</a:t>
+            </a:r>
+            <a:r>
+              <a:rPr lang="en-GB" sz="850" kern="100" dirty="0">
+                <a:latin typeface="Calibri" panose="020F0502020204030204" pitchFamily="34" charset="0"/>
+                <a:ea typeface="SimSun" panose="02010600030101010101" pitchFamily="2" charset="-122"/>
+                <a:cs typeface="Times New Roman" panose="02020603050405020304" pitchFamily="18" charset="0"/>
+              </a:rPr>
+              <a:t>://doi.org/10.1016/s0167-6423(99)00035-0. </a:t>
+            </a:r>
+            <a:r>
+              <a:rPr lang="en-GB" sz="850" kern="100" dirty="0" err="1">
+                <a:latin typeface="Calibri" panose="020F0502020204030204" pitchFamily="34" charset="0"/>
+                <a:ea typeface="SimSun" panose="02010600030101010101" pitchFamily="2" charset="-122"/>
+                <a:cs typeface="Times New Roman" panose="02020603050405020304" pitchFamily="18" charset="0"/>
+              </a:rPr>
+              <a:t>Guttag</a:t>
+            </a:r>
+            <a:r>
+              <a:rPr lang="en-GB" sz="850" kern="100" dirty="0">
+                <a:latin typeface="Calibri" panose="020F0502020204030204" pitchFamily="34" charset="0"/>
+                <a:ea typeface="SimSun" panose="02010600030101010101" pitchFamily="2" charset="-122"/>
+                <a:cs typeface="Times New Roman" panose="02020603050405020304" pitchFamily="18" charset="0"/>
+              </a:rPr>
+              <a:t>, J.V., Horowitz, E. and Musser, D.R. (1978). Abstract data types and software validation. </a:t>
             </a:r>
             <a:r>
               <a:rPr lang="en-GB" sz="850" i="1" kern="100" dirty="0">
@@ -3752,15 +3795,15 @@
                 <a:ea typeface="SimSun" panose="02010600030101010101" pitchFamily="2" charset="-122"/>
                 <a:cs typeface="Times New Roman" panose="02020603050405020304" pitchFamily="18" charset="0"/>
               </a:rPr>
-              <a:t>Journal of Visual Communication and Image Representation</a:t>
-            </a:r>
-            <a:r>
-              <a:rPr lang="en-GB" sz="850" kern="100" dirty="0">
-                <a:latin typeface="Calibri" panose="020F0502020204030204" pitchFamily="34" charset="0"/>
-                <a:ea typeface="SimSun" panose="02010600030101010101" pitchFamily="2" charset="-122"/>
-                <a:cs typeface="Times New Roman" panose="02020603050405020304" pitchFamily="18" charset="0"/>
-              </a:rPr>
-              <a:t>, 16(6), pp.688–733. </a:t>
+              <a:t>Communications of the ACM</a:t>
+            </a:r>
+            <a:r>
+              <a:rPr lang="en-GB" sz="850" kern="100" dirty="0">
+                <a:latin typeface="Calibri" panose="020F0502020204030204" pitchFamily="34" charset="0"/>
+                <a:ea typeface="SimSun" panose="02010600030101010101" pitchFamily="2" charset="-122"/>
+                <a:cs typeface="Times New Roman" panose="02020603050405020304" pitchFamily="18" charset="0"/>
+              </a:rPr>
+              <a:t>, 21(12), pp.1048–1064. </a:t>
             </a:r>
             <a:r>
               <a:rPr lang="en-GB" sz="850" kern="100" dirty="0" err="1">
@@ -3776,7 +3819,7 @@
                 <a:ea typeface="SimSun" panose="02010600030101010101" pitchFamily="2" charset="-122"/>
                 <a:cs typeface="Times New Roman" panose="02020603050405020304" pitchFamily="18" charset="0"/>
               </a:rPr>
-              <a:t>://doi.org/10.1016/j.jvcir.2005.03.001. Girard, J.-F. and </a:t>
+              <a:t>://doi.org/10.1145/359657.359666. </a:t>
             </a:r>
             <a:r>
               <a:rPr lang="en-GB" sz="850" kern="100" dirty="0" err="1">
@@ -3784,15 +3827,15 @@
                 <a:ea typeface="SimSun" panose="02010600030101010101" pitchFamily="2" charset="-122"/>
                 <a:cs typeface="Times New Roman" panose="02020603050405020304" pitchFamily="18" charset="0"/>
               </a:rPr>
-              <a:t>Koschke</a:t>
-            </a:r>
-            <a:r>
-              <a:rPr lang="en-GB" sz="850" kern="100" dirty="0">
-                <a:latin typeface="Calibri" panose="020F0502020204030204" pitchFamily="34" charset="0"/>
-                <a:ea typeface="SimSun" panose="02010600030101010101" pitchFamily="2" charset="-122"/>
-                <a:cs typeface="Times New Roman" panose="02020603050405020304" pitchFamily="18" charset="0"/>
-              </a:rPr>
-              <a:t>, R. (2000). A comparison of abstract data types and objects recovery techniques. </a:t>
+              <a:t>Guttag</a:t>
+            </a:r>
+            <a:r>
+              <a:rPr lang="en-GB" sz="850" kern="100" dirty="0">
+                <a:latin typeface="Calibri" panose="020F0502020204030204" pitchFamily="34" charset="0"/>
+                <a:ea typeface="SimSun" panose="02010600030101010101" pitchFamily="2" charset="-122"/>
+                <a:cs typeface="Times New Roman" panose="02020603050405020304" pitchFamily="18" charset="0"/>
+              </a:rPr>
+              <a:t>, J. (1977). Abstract data types and the development of data structures. </a:t>
             </a:r>
             <a:r>
               <a:rPr lang="en-GB" sz="850" i="1" kern="100" dirty="0">
@@ -3800,15 +3843,15 @@
                 <a:ea typeface="SimSun" panose="02010600030101010101" pitchFamily="2" charset="-122"/>
                 <a:cs typeface="Times New Roman" panose="02020603050405020304" pitchFamily="18" charset="0"/>
               </a:rPr>
-              <a:t>Science of Computer Programming</a:t>
-            </a:r>
-            <a:r>
-              <a:rPr lang="en-GB" sz="850" kern="100" dirty="0">
-                <a:latin typeface="Calibri" panose="020F0502020204030204" pitchFamily="34" charset="0"/>
-                <a:ea typeface="SimSun" panose="02010600030101010101" pitchFamily="2" charset="-122"/>
-                <a:cs typeface="Times New Roman" panose="02020603050405020304" pitchFamily="18" charset="0"/>
-              </a:rPr>
-              <a:t>, 36(2-3), pp.149–181. </a:t>
+              <a:t>Communications of the ACM</a:t>
+            </a:r>
+            <a:r>
+              <a:rPr lang="en-GB" sz="850" kern="100" dirty="0">
+                <a:latin typeface="Calibri" panose="020F0502020204030204" pitchFamily="34" charset="0"/>
+                <a:ea typeface="SimSun" panose="02010600030101010101" pitchFamily="2" charset="-122"/>
+                <a:cs typeface="Times New Roman" panose="02020603050405020304" pitchFamily="18" charset="0"/>
+              </a:rPr>
+              <a:t>, 20(6), pp.396–404. </a:t>
             </a:r>
             <a:r>
               <a:rPr lang="en-GB" sz="850" kern="100" dirty="0" err="1">
@@ -3824,7 +3867,23 @@
                 <a:ea typeface="SimSun" panose="02010600030101010101" pitchFamily="2" charset="-122"/>
                 <a:cs typeface="Times New Roman" panose="02020603050405020304" pitchFamily="18" charset="0"/>
               </a:rPr>
-              <a:t>://doi.org/10.1016/s0167-6423(99)00035-0. Guttag, J.V., Horowitz, E. and Musser, D.R. (1978). Abstract data types and software validation. </a:t>
+              <a:t>://doi.org/10.1145/359605.359618. </a:t>
+            </a:r>
+            <a:r>
+              <a:rPr lang="en-GB" sz="850" kern="100" dirty="0" err="1">
+                <a:latin typeface="Calibri" panose="020F0502020204030204" pitchFamily="34" charset="0"/>
+                <a:ea typeface="SimSun" panose="02010600030101010101" pitchFamily="2" charset="-122"/>
+                <a:cs typeface="Times New Roman" panose="02020603050405020304" pitchFamily="18" charset="0"/>
+              </a:rPr>
+              <a:t>Liskov</a:t>
+            </a:r>
+            <a:r>
+              <a:rPr lang="en-GB" sz="850" kern="100" dirty="0">
+                <a:latin typeface="Calibri" panose="020F0502020204030204" pitchFamily="34" charset="0"/>
+                <a:ea typeface="SimSun" panose="02010600030101010101" pitchFamily="2" charset="-122"/>
+                <a:cs typeface="Times New Roman" panose="02020603050405020304" pitchFamily="18" charset="0"/>
+              </a:rPr>
+              <a:t>, B. and Zilles, S. (1974). Programming with abstract data types. </a:t>
             </a:r>
             <a:r>
               <a:rPr lang="en-GB" sz="850" i="1" kern="100" dirty="0">
@@ -3832,15 +3891,15 @@
                 <a:ea typeface="SimSun" panose="02010600030101010101" pitchFamily="2" charset="-122"/>
                 <a:cs typeface="Times New Roman" panose="02020603050405020304" pitchFamily="18" charset="0"/>
               </a:rPr>
-              <a:t>Communications of the ACM</a:t>
-            </a:r>
-            <a:r>
-              <a:rPr lang="en-GB" sz="850" kern="100" dirty="0">
-                <a:latin typeface="Calibri" panose="020F0502020204030204" pitchFamily="34" charset="0"/>
-                <a:ea typeface="SimSun" panose="02010600030101010101" pitchFamily="2" charset="-122"/>
-                <a:cs typeface="Times New Roman" panose="02020603050405020304" pitchFamily="18" charset="0"/>
-              </a:rPr>
-              <a:t>, 21(12), pp.1048–1064. </a:t>
+              <a:t>ACM SIGPLAN Notices</a:t>
+            </a:r>
+            <a:r>
+              <a:rPr lang="en-GB" sz="850" kern="100" dirty="0">
+                <a:latin typeface="Calibri" panose="020F0502020204030204" pitchFamily="34" charset="0"/>
+                <a:ea typeface="SimSun" panose="02010600030101010101" pitchFamily="2" charset="-122"/>
+                <a:cs typeface="Times New Roman" panose="02020603050405020304" pitchFamily="18" charset="0"/>
+              </a:rPr>
+              <a:t>, 9(4), pp.50–59. </a:t>
             </a:r>
             <a:r>
               <a:rPr lang="en-GB" sz="850" kern="100" dirty="0" err="1">
@@ -3856,7 +3915,55 @@
                 <a:ea typeface="SimSun" panose="02010600030101010101" pitchFamily="2" charset="-122"/>
                 <a:cs typeface="Times New Roman" panose="02020603050405020304" pitchFamily="18" charset="0"/>
               </a:rPr>
-              <a:t>://doi.org/10.1145/359657.359666. Guttag, J. (1977). Abstract data types and the development of data structures. </a:t>
+              <a:t>://doi.org/10.1145/942572.807045. Musser, D.R. (1980). On proving inductive properties of abstract data types. </a:t>
+            </a:r>
+            <a:r>
+              <a:rPr lang="en-GB" sz="850" kern="100" dirty="0" err="1">
+                <a:latin typeface="Calibri" panose="020F0502020204030204" pitchFamily="34" charset="0"/>
+                <a:ea typeface="SimSun" panose="02010600030101010101" pitchFamily="2" charset="-122"/>
+                <a:cs typeface="Times New Roman" panose="02020603050405020304" pitchFamily="18" charset="0"/>
+              </a:rPr>
+              <a:t>doi:https</a:t>
+            </a:r>
+            <a:r>
+              <a:rPr lang="en-GB" sz="850" kern="100" dirty="0">
+                <a:latin typeface="Calibri" panose="020F0502020204030204" pitchFamily="34" charset="0"/>
+                <a:ea typeface="SimSun" panose="02010600030101010101" pitchFamily="2" charset="-122"/>
+                <a:cs typeface="Times New Roman" panose="02020603050405020304" pitchFamily="18" charset="0"/>
+              </a:rPr>
+              <a:t>://doi.org/10.1145/567446.567461. </a:t>
+            </a:r>
+            <a:r>
+              <a:rPr lang="en-GB" sz="850" kern="100" dirty="0" err="1">
+                <a:latin typeface="Calibri" panose="020F0502020204030204" pitchFamily="34" charset="0"/>
+                <a:ea typeface="SimSun" panose="02010600030101010101" pitchFamily="2" charset="-122"/>
+                <a:cs typeface="Times New Roman" panose="02020603050405020304" pitchFamily="18" charset="0"/>
+              </a:rPr>
+              <a:t>Bertoni</a:t>
+            </a:r>
+            <a:r>
+              <a:rPr lang="en-GB" sz="850" kern="100" dirty="0">
+                <a:latin typeface="Calibri" panose="020F0502020204030204" pitchFamily="34" charset="0"/>
+                <a:ea typeface="SimSun" panose="02010600030101010101" pitchFamily="2" charset="-122"/>
+                <a:cs typeface="Times New Roman" panose="02020603050405020304" pitchFamily="18" charset="0"/>
+              </a:rPr>
+              <a:t>, A., Mauri, G. and P. </a:t>
+            </a:r>
+            <a:r>
+              <a:rPr lang="en-GB" sz="850" kern="100" dirty="0" err="1">
+                <a:latin typeface="Calibri" panose="020F0502020204030204" pitchFamily="34" charset="0"/>
+                <a:ea typeface="SimSun" panose="02010600030101010101" pitchFamily="2" charset="-122"/>
+                <a:cs typeface="Times New Roman" panose="02020603050405020304" pitchFamily="18" charset="0"/>
+              </a:rPr>
+              <a:t>Miglioli</a:t>
+            </a:r>
+            <a:r>
+              <a:rPr lang="en-GB" sz="850" kern="100" dirty="0">
+                <a:latin typeface="Calibri" panose="020F0502020204030204" pitchFamily="34" charset="0"/>
+                <a:ea typeface="SimSun" panose="02010600030101010101" pitchFamily="2" charset="-122"/>
+                <a:cs typeface="Times New Roman" panose="02020603050405020304" pitchFamily="18" charset="0"/>
+              </a:rPr>
+              <a:t> (2006). Towards a theory of abstract data types: A discussion on problems and tools. </a:t>
             </a:r>
             <a:r>
               <a:rPr lang="en-GB" sz="850" i="1" kern="100" dirty="0">
@@ -3864,15 +3971,15 @@
                 <a:ea typeface="SimSun" panose="02010600030101010101" pitchFamily="2" charset="-122"/>
                 <a:cs typeface="Times New Roman" panose="02020603050405020304" pitchFamily="18" charset="0"/>
               </a:rPr>
-              <a:t>Communications of the ACM</a:t>
-            </a:r>
-            <a:r>
-              <a:rPr lang="en-GB" sz="850" kern="100" dirty="0">
-                <a:latin typeface="Calibri" panose="020F0502020204030204" pitchFamily="34" charset="0"/>
-                <a:ea typeface="SimSun" panose="02010600030101010101" pitchFamily="2" charset="-122"/>
-                <a:cs typeface="Times New Roman" panose="02020603050405020304" pitchFamily="18" charset="0"/>
-              </a:rPr>
-              <a:t>, 20(6), pp.396–404. </a:t>
+              <a:t>Lecture Notes in Computer Science</a:t>
+            </a:r>
+            <a:r>
+              <a:rPr lang="en-GB" sz="850" kern="100" dirty="0">
+                <a:latin typeface="Calibri" panose="020F0502020204030204" pitchFamily="34" charset="0"/>
+                <a:ea typeface="SimSun" panose="02010600030101010101" pitchFamily="2" charset="-122"/>
+                <a:cs typeface="Times New Roman" panose="02020603050405020304" pitchFamily="18" charset="0"/>
+              </a:rPr>
+              <a:t>, [online] pp.44–58. </a:t>
             </a:r>
             <a:r>
               <a:rPr lang="en-GB" sz="850" kern="100" dirty="0" err="1">
@@ -3888,23 +3995,7 @@
                 <a:ea typeface="SimSun" panose="02010600030101010101" pitchFamily="2" charset="-122"/>
                 <a:cs typeface="Times New Roman" panose="02020603050405020304" pitchFamily="18" charset="0"/>
               </a:rPr>
-              <a:t>://doi.org/10.1145/359605.359618. </a:t>
-            </a:r>
-            <a:r>
-              <a:rPr lang="en-GB" sz="850" kern="100" dirty="0" err="1">
-                <a:latin typeface="Calibri" panose="020F0502020204030204" pitchFamily="34" charset="0"/>
-                <a:ea typeface="SimSun" panose="02010600030101010101" pitchFamily="2" charset="-122"/>
-                <a:cs typeface="Times New Roman" panose="02020603050405020304" pitchFamily="18" charset="0"/>
-              </a:rPr>
-              <a:t>Liskov</a:t>
-            </a:r>
-            <a:r>
-              <a:rPr lang="en-GB" sz="850" kern="100" dirty="0">
-                <a:latin typeface="Calibri" panose="020F0502020204030204" pitchFamily="34" charset="0"/>
-                <a:ea typeface="SimSun" panose="02010600030101010101" pitchFamily="2" charset="-122"/>
-                <a:cs typeface="Times New Roman" panose="02020603050405020304" pitchFamily="18" charset="0"/>
-              </a:rPr>
-              <a:t>, B. and Zilles, S. (1974). Programming with abstract data types. </a:t>
+              <a:t>://doi.org/10.1007/3-540-09981-6_4. A, A. (2021). </a:t>
             </a:r>
             <a:r>
               <a:rPr lang="en-GB" sz="850" i="1" kern="100" dirty="0">
@@ -3912,15 +4003,15 @@
                 <a:ea typeface="SimSun" panose="02010600030101010101" pitchFamily="2" charset="-122"/>
                 <a:cs typeface="Times New Roman" panose="02020603050405020304" pitchFamily="18" charset="0"/>
               </a:rPr>
-              <a:t>ACM SIGPLAN Notices</a:t>
-            </a:r>
-            <a:r>
-              <a:rPr lang="en-GB" sz="850" kern="100" dirty="0">
-                <a:latin typeface="Calibri" panose="020F0502020204030204" pitchFamily="34" charset="0"/>
-                <a:ea typeface="SimSun" panose="02010600030101010101" pitchFamily="2" charset="-122"/>
-                <a:cs typeface="Times New Roman" panose="02020603050405020304" pitchFamily="18" charset="0"/>
-              </a:rPr>
-              <a:t>, 9(4), pp.50–59. </a:t>
+              <a:t>Reverse Engineering Research</a:t>
+            </a:r>
+            <a:r>
+              <a:rPr lang="en-GB" sz="850" kern="100" dirty="0">
+                <a:latin typeface="Calibri" panose="020F0502020204030204" pitchFamily="34" charset="0"/>
+                <a:ea typeface="SimSun" panose="02010600030101010101" pitchFamily="2" charset="-122"/>
+                <a:cs typeface="Times New Roman" panose="02020603050405020304" pitchFamily="18" charset="0"/>
+              </a:rPr>
+              <a:t>. [online] </a:t>
             </a:r>
             <a:r>
               <a:rPr lang="en-GB" sz="850" kern="100" dirty="0" err="1">
@@ -3936,39 +4027,7 @@
                 <a:ea typeface="SimSun" panose="02010600030101010101" pitchFamily="2" charset="-122"/>
                 <a:cs typeface="Times New Roman" panose="02020603050405020304" pitchFamily="18" charset="0"/>
               </a:rPr>
-              <a:t>://doi.org/10.1145/942572.807045. Musser, D.R. (1980). On proving inductive properties of abstract data types. </a:t>
-            </a:r>
-            <a:r>
-              <a:rPr lang="en-GB" sz="850" kern="100" dirty="0" err="1">
-                <a:latin typeface="Calibri" panose="020F0502020204030204" pitchFamily="34" charset="0"/>
-                <a:ea typeface="SimSun" panose="02010600030101010101" pitchFamily="2" charset="-122"/>
-                <a:cs typeface="Times New Roman" panose="02020603050405020304" pitchFamily="18" charset="0"/>
-              </a:rPr>
-              <a:t>doi:https</a:t>
-            </a:r>
-            <a:r>
-              <a:rPr lang="en-GB" sz="850" kern="100" dirty="0">
-                <a:latin typeface="Calibri" panose="020F0502020204030204" pitchFamily="34" charset="0"/>
-                <a:ea typeface="SimSun" panose="02010600030101010101" pitchFamily="2" charset="-122"/>
-                <a:cs typeface="Times New Roman" panose="02020603050405020304" pitchFamily="18" charset="0"/>
-              </a:rPr>
-              <a:t>://doi.org/10.1145/567446.567461. Bertoni, A., Mauri, G. and P. </a:t>
-            </a:r>
-            <a:r>
-              <a:rPr lang="en-GB" sz="850" kern="100" dirty="0" err="1">
-                <a:latin typeface="Calibri" panose="020F0502020204030204" pitchFamily="34" charset="0"/>
-                <a:ea typeface="SimSun" panose="02010600030101010101" pitchFamily="2" charset="-122"/>
-                <a:cs typeface="Times New Roman" panose="02020603050405020304" pitchFamily="18" charset="0"/>
-              </a:rPr>
-              <a:t>Miglioli</a:t>
-            </a:r>
-            <a:r>
-              <a:rPr lang="en-GB" sz="850" kern="100" dirty="0">
-                <a:latin typeface="Calibri" panose="020F0502020204030204" pitchFamily="34" charset="0"/>
-                <a:ea typeface="SimSun" panose="02010600030101010101" pitchFamily="2" charset="-122"/>
-                <a:cs typeface="Times New Roman" panose="02020603050405020304" pitchFamily="18" charset="0"/>
-              </a:rPr>
-              <a:t> (2006). Towards a theory of abstract data types: A discussion on problems and tools. </a:t>
+              <a:t> 3D mesh compression: A survey. </a:t>
             </a:r>
             <a:r>
               <a:rPr lang="en-GB" sz="850" i="1" kern="100" dirty="0">
@@ -3976,15 +4035,15 @@
                 <a:ea typeface="SimSun" panose="02010600030101010101" pitchFamily="2" charset="-122"/>
                 <a:cs typeface="Times New Roman" panose="02020603050405020304" pitchFamily="18" charset="0"/>
               </a:rPr>
-              <a:t>Lecture Notes in Computer Science</a:t>
-            </a:r>
-            <a:r>
-              <a:rPr lang="en-GB" sz="850" kern="100" dirty="0">
-                <a:latin typeface="Calibri" panose="020F0502020204030204" pitchFamily="34" charset="0"/>
-                <a:ea typeface="SimSun" panose="02010600030101010101" pitchFamily="2" charset="-122"/>
-                <a:cs typeface="Times New Roman" panose="02020603050405020304" pitchFamily="18" charset="0"/>
-              </a:rPr>
-              <a:t>, [online] pp.44–58. </a:t>
+              <a:t>Journal of Visual Communication and Image Representation</a:t>
+            </a:r>
+            <a:r>
+              <a:rPr lang="en-GB" sz="850" kern="100" dirty="0">
+                <a:latin typeface="Calibri" panose="020F0502020204030204" pitchFamily="34" charset="0"/>
+                <a:ea typeface="SimSun" panose="02010600030101010101" pitchFamily="2" charset="-122"/>
+                <a:cs typeface="Times New Roman" panose="02020603050405020304" pitchFamily="18" charset="0"/>
+              </a:rPr>
+              <a:t>, 16(6), pp.688–733. </a:t>
             </a:r>
             <a:r>
               <a:rPr lang="en-GB" sz="850" kern="100" dirty="0" err="1">
@@ -4000,7 +4059,23 @@
                 <a:ea typeface="SimSun" panose="02010600030101010101" pitchFamily="2" charset="-122"/>
                 <a:cs typeface="Times New Roman" panose="02020603050405020304" pitchFamily="18" charset="0"/>
               </a:rPr>
-              <a:t>://doi.org/10.1007/3-540-09981-6_4. A, A. (2021). </a:t>
+              <a:t>://doi.org/10.1016/j.jvcir.2005.03.001. Girard, J.-F. and </a:t>
+            </a:r>
+            <a:r>
+              <a:rPr lang="en-GB" sz="850" kern="100" dirty="0" err="1">
+                <a:latin typeface="Calibri" panose="020F0502020204030204" pitchFamily="34" charset="0"/>
+                <a:ea typeface="SimSun" panose="02010600030101010101" pitchFamily="2" charset="-122"/>
+                <a:cs typeface="Times New Roman" panose="02020603050405020304" pitchFamily="18" charset="0"/>
+              </a:rPr>
+              <a:t>Koschke</a:t>
+            </a:r>
+            <a:r>
+              <a:rPr lang="en-GB" sz="850" kern="100" dirty="0">
+                <a:latin typeface="Calibri" panose="020F0502020204030204" pitchFamily="34" charset="0"/>
+                <a:ea typeface="SimSun" panose="02010600030101010101" pitchFamily="2" charset="-122"/>
+                <a:cs typeface="Times New Roman" panose="02020603050405020304" pitchFamily="18" charset="0"/>
+              </a:rPr>
+              <a:t>, R. (2000). A comparison of abstract data types and objects recovery techniques. </a:t>
             </a:r>
             <a:r>
               <a:rPr lang="en-GB" sz="850" i="1" kern="100" dirty="0">
@@ -4008,23 +4083,7 @@
                 <a:ea typeface="SimSun" panose="02010600030101010101" pitchFamily="2" charset="-122"/>
                 <a:cs typeface="Times New Roman" panose="02020603050405020304" pitchFamily="18" charset="0"/>
               </a:rPr>
-              <a:t>Reverse Engineering Research</a:t>
-            </a:r>
-            <a:r>
-              <a:rPr lang="en-GB" sz="850" kern="100" dirty="0">
-                <a:latin typeface="Calibri" panose="020F0502020204030204" pitchFamily="34" charset="0"/>
-                <a:ea typeface="SimSun" panose="02010600030101010101" pitchFamily="2" charset="-122"/>
-                <a:cs typeface="Times New Roman" panose="02020603050405020304" pitchFamily="18" charset="0"/>
-              </a:rPr>
-              <a:t>. [online] </a:t>
-            </a:r>
-            <a:r>
-              <a:rPr lang="en-GB" sz="850" kern="100" dirty="0" err="1">
-                <a:latin typeface="Calibri" panose="020F0502020204030204" pitchFamily="34" charset="0"/>
-                <a:ea typeface="SimSun" panose="02010600030101010101" pitchFamily="2" charset="-122"/>
-                <a:cs typeface="Times New Roman" panose="02020603050405020304" pitchFamily="18" charset="0"/>
-              </a:rPr>
-              <a:t>doi:https</a:t>
+              <a:t>Science of Computer </a:t>
             </a:r>
             <a:r>
               <a:rPr lang="en-GB" sz="850" kern="100" dirty="0">
@@ -4714,11 +4773,6 @@
               </a:rPr>
               <a:t>://doi.org/10.2218/ijdc.v7i1.217. Fred brooks, Data definition and file syntax for ISO/TS 14048 data exchange with data storage format based on ISO/TS 14048, RAUL CARLSON JOHAN TIVANDER, CHALMERS UNIVERSITY OF TECHNOLOGY, 2001, https://citeseerx.ist.psu.edu/document?repid=rep1&amp;type=pdf&amp;doi=676dc77da1217c8cdd1b61d76c83cad5 30bc3159 </a:t>
             </a:r>
-            <a:endParaRPr lang="en-GB" sz="850" kern="100" dirty="0">
-              <a:latin typeface="Calibri" panose="020F0502020204030204" pitchFamily="34" charset="0"/>
-              <a:ea typeface="SimSun" panose="02010600030101010101" pitchFamily="2" charset="-122"/>
-              <a:cs typeface="Times New Roman" panose="02020603050405020304" pitchFamily="18" charset="0"/>
-            </a:endParaRPr>
           </a:p>
         </p:txBody>
       </p:sp>
@@ -4730,7 +4784,7 @@
         </p:nvSpPr>
         <p:spPr>
           <a:xfrm>
-            <a:off x="10907052" y="3229889"/>
+            <a:off x="11058761" y="12064312"/>
             <a:ext cx="9887452" cy="6186437"/>
           </a:xfrm>
           <a:prstGeom prst="rect">
@@ -4752,11 +4806,6 @@
               </a:rPr>
               <a:t>Method And Implementation:</a:t>
             </a:r>
-            <a:endParaRPr lang="en-GB" sz="3395" b="1" dirty="0">
-              <a:latin typeface="Calibri Light" panose="020F0302020204030204" pitchFamily="34" charset="0"/>
-              <a:ea typeface="Anonymous Pro" panose="02060609030202000504" pitchFamily="49" charset="0"/>
-              <a:cs typeface="Calibri Light" panose="020F0302020204030204" pitchFamily="34" charset="0"/>
-            </a:endParaRPr>
           </a:p>
           <a:p>
             <a:r>
@@ -4783,6 +4832,8 @@
               </a:rPr>
               <a:t> reading the file as raw binary in a hex editor to discern patters, a syntax profile was built, and code was written to read in the files. Each Section in the .Str files were decompressed and its contents exported.</a:t>
             </a:r>
+          </a:p>
+          <a:p>
             <a:endParaRPr lang="en-GB" sz="2265" dirty="0">
               <a:latin typeface="Calibri Light" panose="020F0302020204030204" pitchFamily="34" charset="0"/>
               <a:ea typeface="Anonymous Pro" panose="02060609030202000504" pitchFamily="49" charset="0"/>
@@ -4790,6 +4841,112 @@
             </a:endParaRPr>
           </a:p>
           <a:p>
+            <a:r>
+              <a:rPr lang="en-GB" sz="2265" dirty="0">
+                <a:latin typeface="Calibri Light" panose="020F0302020204030204" pitchFamily="34" charset="0"/>
+                <a:ea typeface="Anonymous Pro" panose="02060609030202000504" pitchFamily="49" charset="0"/>
+                <a:cs typeface="Calibri Light" panose="020F0302020204030204" pitchFamily="34" charset="0"/>
+              </a:rPr>
+              <a:t>The data was read into lists to be exported as subfiles, each individual sub file was determined, via their file extension, if they were a geometry file </a:t>
+            </a:r>
+            <a:r>
+              <a:rPr lang="en-GB" sz="2265" dirty="0" err="1">
+                <a:latin typeface="Calibri Light" panose="020F0302020204030204" pitchFamily="34" charset="0"/>
+                <a:ea typeface="Anonymous Pro" panose="02060609030202000504" pitchFamily="49" charset="0"/>
+                <a:cs typeface="Calibri Light" panose="020F0302020204030204" pitchFamily="34" charset="0"/>
+              </a:rPr>
+              <a:t>i.e</a:t>
+            </a:r>
+            <a:r>
+              <a:rPr lang="en-GB" sz="2265" dirty="0">
+                <a:latin typeface="Calibri Light" panose="020F0302020204030204" pitchFamily="34" charset="0"/>
+                <a:ea typeface="Anonymous Pro" panose="02060609030202000504" pitchFamily="49" charset="0"/>
+                <a:cs typeface="Calibri Light" panose="020F0302020204030204" pitchFamily="34" charset="0"/>
+              </a:rPr>
+              <a:t> .</a:t>
+            </a:r>
+            <a:r>
+              <a:rPr lang="en-GB" sz="2265" dirty="0" err="1">
+                <a:latin typeface="Calibri Light" panose="020F0302020204030204" pitchFamily="34" charset="0"/>
+                <a:ea typeface="Anonymous Pro" panose="02060609030202000504" pitchFamily="49" charset="0"/>
+                <a:cs typeface="Calibri Light" panose="020F0302020204030204" pitchFamily="34" charset="0"/>
+              </a:rPr>
+              <a:t>Rws</a:t>
+            </a:r>
+            <a:r>
+              <a:rPr lang="en-GB" sz="2265" dirty="0">
+                <a:latin typeface="Calibri Light" panose="020F0302020204030204" pitchFamily="34" charset="0"/>
+                <a:ea typeface="Anonymous Pro" panose="02060609030202000504" pitchFamily="49" charset="0"/>
+                <a:cs typeface="Calibri Light" panose="020F0302020204030204" pitchFamily="34" charset="0"/>
+              </a:rPr>
+              <a:t> and .</a:t>
+            </a:r>
+            <a:r>
+              <a:rPr lang="en-GB" sz="2265" dirty="0" err="1">
+                <a:latin typeface="Calibri Light" panose="020F0302020204030204" pitchFamily="34" charset="0"/>
+                <a:ea typeface="Anonymous Pro" panose="02060609030202000504" pitchFamily="49" charset="0"/>
+                <a:cs typeface="Calibri Light" panose="020F0302020204030204" pitchFamily="34" charset="0"/>
+              </a:rPr>
+              <a:t>Dff</a:t>
+            </a:r>
+            <a:r>
+              <a:rPr lang="en-GB" sz="2265" dirty="0">
+                <a:latin typeface="Calibri Light" panose="020F0302020204030204" pitchFamily="34" charset="0"/>
+                <a:ea typeface="Anonymous Pro" panose="02060609030202000504" pitchFamily="49" charset="0"/>
+                <a:cs typeface="Calibri Light" panose="020F0302020204030204" pitchFamily="34" charset="0"/>
+              </a:rPr>
+              <a:t>. Each geometry file  was processed into .</a:t>
+            </a:r>
+            <a:r>
+              <a:rPr lang="en-GB" sz="2265" dirty="0" err="1">
+                <a:latin typeface="Calibri Light" panose="020F0302020204030204" pitchFamily="34" charset="0"/>
+                <a:ea typeface="Anonymous Pro" panose="02060609030202000504" pitchFamily="49" charset="0"/>
+                <a:cs typeface="Calibri Light" panose="020F0302020204030204" pitchFamily="34" charset="0"/>
+              </a:rPr>
+              <a:t>Obj</a:t>
+            </a:r>
+            <a:r>
+              <a:rPr lang="en-GB" sz="2265" dirty="0">
+                <a:latin typeface="Calibri Light" panose="020F0302020204030204" pitchFamily="34" charset="0"/>
+                <a:ea typeface="Anonymous Pro" panose="02060609030202000504" pitchFamily="49" charset="0"/>
+                <a:cs typeface="Calibri Light" panose="020F0302020204030204" pitchFamily="34" charset="0"/>
+              </a:rPr>
+              <a:t> files by understanding their syntax, parsing their data into appropriate ADTs such as lists, and exporting them as “v”, “</a:t>
+            </a:r>
+            <a:r>
+              <a:rPr lang="en-GB" sz="2265" dirty="0" err="1">
+                <a:latin typeface="Calibri Light" panose="020F0302020204030204" pitchFamily="34" charset="0"/>
+                <a:ea typeface="Anonymous Pro" panose="02060609030202000504" pitchFamily="49" charset="0"/>
+                <a:cs typeface="Calibri Light" panose="020F0302020204030204" pitchFamily="34" charset="0"/>
+              </a:rPr>
+              <a:t>vt</a:t>
+            </a:r>
+            <a:r>
+              <a:rPr lang="en-GB" sz="2265" dirty="0">
+                <a:latin typeface="Calibri Light" panose="020F0302020204030204" pitchFamily="34" charset="0"/>
+                <a:ea typeface="Anonymous Pro" panose="02060609030202000504" pitchFamily="49" charset="0"/>
+                <a:cs typeface="Calibri Light" panose="020F0302020204030204" pitchFamily="34" charset="0"/>
+              </a:rPr>
+              <a:t>”, “</a:t>
+            </a:r>
+            <a:r>
+              <a:rPr lang="en-GB" sz="2265" dirty="0" err="1">
+                <a:latin typeface="Calibri Light" panose="020F0302020204030204" pitchFamily="34" charset="0"/>
+                <a:ea typeface="Anonymous Pro" panose="02060609030202000504" pitchFamily="49" charset="0"/>
+                <a:cs typeface="Calibri Light" panose="020F0302020204030204" pitchFamily="34" charset="0"/>
+              </a:rPr>
+              <a:t>vn</a:t>
+            </a:r>
+            <a:r>
+              <a:rPr lang="en-GB" sz="2265" dirty="0">
+                <a:latin typeface="Calibri Light" panose="020F0302020204030204" pitchFamily="34" charset="0"/>
+                <a:ea typeface="Anonymous Pro" panose="02060609030202000504" pitchFamily="49" charset="0"/>
+                <a:cs typeface="Calibri Light" panose="020F0302020204030204" pitchFamily="34" charset="0"/>
+              </a:rPr>
+              <a:t>” and “f” rows.</a:t>
+            </a:r>
+          </a:p>
+          <a:p>
             <a:endParaRPr lang="en-GB" sz="2265" dirty="0">
               <a:latin typeface="Calibri Light" panose="020F0302020204030204" pitchFamily="34" charset="0"/>
               <a:ea typeface="Anonymous Pro" panose="02060609030202000504" pitchFamily="49" charset="0"/>
@@ -4803,104 +4960,10 @@
                 <a:ea typeface="Anonymous Pro" panose="02060609030202000504" pitchFamily="49" charset="0"/>
                 <a:cs typeface="Calibri Light" panose="020F0302020204030204" pitchFamily="34" charset="0"/>
               </a:rPr>
-              <a:t>The data was read into lists to be exported as subfiles, each individual sub file was determined, via their file extension, if they were a geometry file </a:t>
-            </a:r>
-            <a:r>
-              <a:rPr lang="en-GB" sz="2265" dirty="0" err="1">
-                <a:latin typeface="Calibri Light" panose="020F0302020204030204" pitchFamily="34" charset="0"/>
-                <a:ea typeface="Anonymous Pro" panose="02060609030202000504" pitchFamily="49" charset="0"/>
-                <a:cs typeface="Calibri Light" panose="020F0302020204030204" pitchFamily="34" charset="0"/>
-              </a:rPr>
-              <a:t>i.e</a:t>
-            </a:r>
-            <a:r>
-              <a:rPr lang="en-GB" sz="2265" dirty="0">
-                <a:latin typeface="Calibri Light" panose="020F0302020204030204" pitchFamily="34" charset="0"/>
-                <a:ea typeface="Anonymous Pro" panose="02060609030202000504" pitchFamily="49" charset="0"/>
-                <a:cs typeface="Calibri Light" panose="020F0302020204030204" pitchFamily="34" charset="0"/>
-              </a:rPr>
-              <a:t> .</a:t>
-            </a:r>
-            <a:r>
-              <a:rPr lang="en-GB" sz="2265" dirty="0" err="1">
-                <a:latin typeface="Calibri Light" panose="020F0302020204030204" pitchFamily="34" charset="0"/>
-                <a:ea typeface="Anonymous Pro" panose="02060609030202000504" pitchFamily="49" charset="0"/>
-                <a:cs typeface="Calibri Light" panose="020F0302020204030204" pitchFamily="34" charset="0"/>
-              </a:rPr>
-              <a:t>Rws</a:t>
-            </a:r>
-            <a:r>
-              <a:rPr lang="en-GB" sz="2265" dirty="0">
-                <a:latin typeface="Calibri Light" panose="020F0302020204030204" pitchFamily="34" charset="0"/>
-                <a:ea typeface="Anonymous Pro" panose="02060609030202000504" pitchFamily="49" charset="0"/>
-                <a:cs typeface="Calibri Light" panose="020F0302020204030204" pitchFamily="34" charset="0"/>
-              </a:rPr>
-              <a:t> and .</a:t>
-            </a:r>
-            <a:r>
-              <a:rPr lang="en-GB" sz="2265" dirty="0" err="1">
-                <a:latin typeface="Calibri Light" panose="020F0302020204030204" pitchFamily="34" charset="0"/>
-                <a:ea typeface="Anonymous Pro" panose="02060609030202000504" pitchFamily="49" charset="0"/>
-                <a:cs typeface="Calibri Light" panose="020F0302020204030204" pitchFamily="34" charset="0"/>
-              </a:rPr>
-              <a:t>Dff</a:t>
-            </a:r>
-            <a:r>
-              <a:rPr lang="en-GB" sz="2265" dirty="0">
-                <a:latin typeface="Calibri Light" panose="020F0302020204030204" pitchFamily="34" charset="0"/>
-                <a:ea typeface="Anonymous Pro" panose="02060609030202000504" pitchFamily="49" charset="0"/>
-                <a:cs typeface="Calibri Light" panose="020F0302020204030204" pitchFamily="34" charset="0"/>
-              </a:rPr>
-              <a:t>. Each geometry file  was processed into .</a:t>
-            </a:r>
-            <a:r>
-              <a:rPr lang="en-GB" sz="2265" dirty="0" err="1">
-                <a:latin typeface="Calibri Light" panose="020F0302020204030204" pitchFamily="34" charset="0"/>
-                <a:ea typeface="Anonymous Pro" panose="02060609030202000504" pitchFamily="49" charset="0"/>
-                <a:cs typeface="Calibri Light" panose="020F0302020204030204" pitchFamily="34" charset="0"/>
-              </a:rPr>
-              <a:t>Obj</a:t>
-            </a:r>
-            <a:r>
-              <a:rPr lang="en-GB" sz="2265" dirty="0">
-                <a:latin typeface="Calibri Light" panose="020F0302020204030204" pitchFamily="34" charset="0"/>
-                <a:ea typeface="Anonymous Pro" panose="02060609030202000504" pitchFamily="49" charset="0"/>
-                <a:cs typeface="Calibri Light" panose="020F0302020204030204" pitchFamily="34" charset="0"/>
-              </a:rPr>
-              <a:t> files by understanding their syntax, parsing their data into appropriate ADTs such as lists, and exporting them as “v”, “</a:t>
-            </a:r>
-            <a:r>
-              <a:rPr lang="en-GB" sz="2265" dirty="0" err="1">
-                <a:latin typeface="Calibri Light" panose="020F0302020204030204" pitchFamily="34" charset="0"/>
-                <a:ea typeface="Anonymous Pro" panose="02060609030202000504" pitchFamily="49" charset="0"/>
-                <a:cs typeface="Calibri Light" panose="020F0302020204030204" pitchFamily="34" charset="0"/>
-              </a:rPr>
-              <a:t>vt</a:t>
-            </a:r>
-            <a:r>
-              <a:rPr lang="en-GB" sz="2265" dirty="0">
-                <a:latin typeface="Calibri Light" panose="020F0302020204030204" pitchFamily="34" charset="0"/>
-                <a:ea typeface="Anonymous Pro" panose="02060609030202000504" pitchFamily="49" charset="0"/>
-                <a:cs typeface="Calibri Light" panose="020F0302020204030204" pitchFamily="34" charset="0"/>
-              </a:rPr>
-              <a:t>”, “</a:t>
-            </a:r>
-            <a:r>
-              <a:rPr lang="en-GB" sz="2265" dirty="0" err="1">
-                <a:latin typeface="Calibri Light" panose="020F0302020204030204" pitchFamily="34" charset="0"/>
-                <a:ea typeface="Anonymous Pro" panose="02060609030202000504" pitchFamily="49" charset="0"/>
-                <a:cs typeface="Calibri Light" panose="020F0302020204030204" pitchFamily="34" charset="0"/>
-              </a:rPr>
-              <a:t>vn</a:t>
-            </a:r>
-            <a:r>
-              <a:rPr lang="en-GB" sz="2265" dirty="0">
-                <a:latin typeface="Calibri Light" panose="020F0302020204030204" pitchFamily="34" charset="0"/>
-                <a:ea typeface="Anonymous Pro" panose="02060609030202000504" pitchFamily="49" charset="0"/>
-                <a:cs typeface="Calibri Light" panose="020F0302020204030204" pitchFamily="34" charset="0"/>
-              </a:rPr>
-              <a:t>” and “f” rows.</a:t>
-            </a:r>
+              <a:t>Each file is then determined whether or not they have subsequent encapsulating data, if they do not, then the process is complete. If they do the process repeats until the contents are successfully converted to contemporary formats.</a:t>
+            </a:r>
+          </a:p>
+          <a:p>
             <a:endParaRPr lang="en-GB" sz="2265" dirty="0">
               <a:latin typeface="Calibri Light" panose="020F0302020204030204" pitchFamily="34" charset="0"/>
               <a:ea typeface="Anonymous Pro" panose="02060609030202000504" pitchFamily="49" charset="0"/>
@@ -4908,50 +4971,37 @@
             </a:endParaRPr>
           </a:p>
           <a:p>
-            <a:endParaRPr lang="en-GB" sz="2265" dirty="0">
-              <a:latin typeface="Calibri Light" panose="020F0302020204030204" pitchFamily="34" charset="0"/>
-              <a:ea typeface="Anonymous Pro" panose="02060609030202000504" pitchFamily="49" charset="0"/>
-              <a:cs typeface="Calibri Light" panose="020F0302020204030204" pitchFamily="34" charset="0"/>
-            </a:endParaRPr>
-          </a:p>
-          <a:p>
             <a:r>
               <a:rPr lang="en-GB" sz="2265" dirty="0">
                 <a:latin typeface="Calibri Light" panose="020F0302020204030204" pitchFamily="34" charset="0"/>
                 <a:ea typeface="Anonymous Pro" panose="02060609030202000504" pitchFamily="49" charset="0"/>
                 <a:cs typeface="Calibri Light" panose="020F0302020204030204" pitchFamily="34" charset="0"/>
               </a:rPr>
-              <a:t>Each file is then determined to have subsequent encapsulating data, if they do not, then the process is complete. If they do the process repeats until the contents are successfully converted to contemporary formats.</a:t>
-            </a:r>
-            <a:endParaRPr lang="en-GB" sz="2265" dirty="0">
-              <a:latin typeface="Calibri Light" panose="020F0302020204030204" pitchFamily="34" charset="0"/>
-              <a:ea typeface="Anonymous Pro" panose="02060609030202000504" pitchFamily="49" charset="0"/>
-              <a:cs typeface="Calibri Light" panose="020F0302020204030204" pitchFamily="34" charset="0"/>
-            </a:endParaRPr>
-          </a:p>
-          <a:p>
-            <a:endParaRPr lang="en-GB" sz="2265" dirty="0">
-              <a:latin typeface="Calibri Light" panose="020F0302020204030204" pitchFamily="34" charset="0"/>
-              <a:ea typeface="Anonymous Pro" panose="02060609030202000504" pitchFamily="49" charset="0"/>
-              <a:cs typeface="Calibri Light" panose="020F0302020204030204" pitchFamily="34" charset="0"/>
-            </a:endParaRPr>
-          </a:p>
-          <a:p>
+              <a:t>Below is an .</a:t>
+            </a:r>
+            <a:r>
+              <a:rPr lang="en-GB" sz="2265" dirty="0" err="1">
+                <a:latin typeface="Calibri Light" panose="020F0302020204030204" pitchFamily="34" charset="0"/>
+                <a:ea typeface="Anonymous Pro" panose="02060609030202000504" pitchFamily="49" charset="0"/>
+                <a:cs typeface="Calibri Light" panose="020F0302020204030204" pitchFamily="34" charset="0"/>
+              </a:rPr>
+              <a:t>Obj</a:t>
+            </a:r>
             <a:r>
               <a:rPr lang="en-GB" sz="2265" dirty="0">
                 <a:latin typeface="Calibri Light" panose="020F0302020204030204" pitchFamily="34" charset="0"/>
                 <a:ea typeface="Anonymous Pro" panose="02060609030202000504" pitchFamily="49" charset="0"/>
                 <a:cs typeface="Calibri Light" panose="020F0302020204030204" pitchFamily="34" charset="0"/>
               </a:rPr>
-              <a:t>Below is an .</a:t>
-            </a:r>
-            <a:r>
-              <a:rPr lang="en-GB" sz="2265" dirty="0" err="1">
-                <a:latin typeface="Calibri Light" panose="020F0302020204030204" pitchFamily="34" charset="0"/>
-                <a:ea typeface="Anonymous Pro" panose="02060609030202000504" pitchFamily="49" charset="0"/>
-                <a:cs typeface="Calibri Light" panose="020F0302020204030204" pitchFamily="34" charset="0"/>
-              </a:rPr>
-              <a:t>Obj</a:t>
+              <a:t> file and the </a:t>
+            </a:r>
+            <a:r>
+              <a:rPr lang="en-GB" sz="2265" b="1" dirty="0">
+                <a:latin typeface="Calibri Light" panose="020F0302020204030204" pitchFamily="34" charset="0"/>
+                <a:ea typeface="Anonymous Pro" panose="02060609030202000504" pitchFamily="49" charset="0"/>
+                <a:cs typeface="Calibri Light" panose="020F0302020204030204" pitchFamily="34" charset="0"/>
+              </a:rPr>
+              <a:t>GAD</a:t>
             </a:r>
             <a:r>
               <a:rPr lang="en-GB" sz="2265" dirty="0">
@@ -4959,29 +5009,8 @@
                 <a:ea typeface="Anonymous Pro" panose="02060609030202000504" pitchFamily="49" charset="0"/>
                 <a:cs typeface="Calibri Light" panose="020F0302020204030204" pitchFamily="34" charset="0"/>
               </a:rPr>
-              <a:t> file and the </a:t>
-            </a:r>
-            <a:r>
-              <a:rPr lang="en-GB" sz="2265" b="1" dirty="0">
-                <a:latin typeface="Calibri Light" panose="020F0302020204030204" pitchFamily="34" charset="0"/>
-                <a:ea typeface="Anonymous Pro" panose="02060609030202000504" pitchFamily="49" charset="0"/>
-                <a:cs typeface="Calibri Light" panose="020F0302020204030204" pitchFamily="34" charset="0"/>
-              </a:rPr>
-              <a:t>GAD</a:t>
-            </a:r>
-            <a:r>
-              <a:rPr lang="en-GB" sz="2265" dirty="0">
-                <a:latin typeface="Calibri Light" panose="020F0302020204030204" pitchFamily="34" charset="0"/>
-                <a:ea typeface="Anonymous Pro" panose="02060609030202000504" pitchFamily="49" charset="0"/>
-                <a:cs typeface="Calibri Light" panose="020F0302020204030204" pitchFamily="34" charset="0"/>
-              </a:rPr>
               <a:t>.</a:t>
             </a:r>
-            <a:endParaRPr lang="en-GB" sz="2265" dirty="0">
-              <a:latin typeface="Calibri Light" panose="020F0302020204030204" pitchFamily="34" charset="0"/>
-              <a:ea typeface="Anonymous Pro" panose="02060609030202000504" pitchFamily="49" charset="0"/>
-              <a:cs typeface="Calibri Light" panose="020F0302020204030204" pitchFamily="34" charset="0"/>
-            </a:endParaRPr>
           </a:p>
         </p:txBody>
       </p:sp>
@@ -4994,7 +5023,7 @@
         <p:spPr>
           <a:xfrm>
             <a:off x="757624" y="13691885"/>
-            <a:ext cx="9887452" cy="3400546"/>
+            <a:ext cx="9887452" cy="3446328"/>
           </a:xfrm>
           <a:prstGeom prst="rect">
             <a:avLst/>
@@ -5023,7 +5052,7 @@
           </a:p>
           <a:p>
             <a:r>
-              <a:rPr lang="en-GB" sz="2265" dirty="0">
+              <a:rPr lang="en-GB" sz="2300" dirty="0">
                 <a:latin typeface="Calibri Light" panose="020F0302020204030204" pitchFamily="34" charset="0"/>
                 <a:ea typeface="Anonymous Pro" panose="02060609030202000504" pitchFamily="49" charset="0"/>
                 <a:cs typeface="Calibri Light" panose="020F0302020204030204" pitchFamily="34" charset="0"/>
@@ -5031,7 +5060,7 @@
               <a:t>The results were the successful conversion of the .Str/.</a:t>
             </a:r>
             <a:r>
-              <a:rPr lang="en-GB" sz="2265" dirty="0" err="1">
+              <a:rPr lang="en-GB" sz="2300" dirty="0" err="1">
                 <a:latin typeface="Calibri Light" panose="020F0302020204030204" pitchFamily="34" charset="0"/>
                 <a:ea typeface="Anonymous Pro" panose="02060609030202000504" pitchFamily="49" charset="0"/>
                 <a:cs typeface="Calibri Light" panose="020F0302020204030204" pitchFamily="34" charset="0"/>
@@ -5039,7 +5068,7 @@
               <a:t>Rws</a:t>
             </a:r>
             <a:r>
-              <a:rPr lang="en-GB" sz="2265" dirty="0">
+              <a:rPr lang="en-GB" sz="2300" dirty="0">
                 <a:latin typeface="Calibri Light" panose="020F0302020204030204" pitchFamily="34" charset="0"/>
                 <a:ea typeface="Anonymous Pro" panose="02060609030202000504" pitchFamily="49" charset="0"/>
                 <a:cs typeface="Calibri Light" panose="020F0302020204030204" pitchFamily="34" charset="0"/>
@@ -5047,7 +5076,7 @@
               <a:t>/.</a:t>
             </a:r>
             <a:r>
-              <a:rPr lang="en-GB" sz="2265" dirty="0" err="1">
+              <a:rPr lang="en-GB" sz="2300" dirty="0" err="1">
                 <a:latin typeface="Calibri Light" panose="020F0302020204030204" pitchFamily="34" charset="0"/>
                 <a:ea typeface="Anonymous Pro" panose="02060609030202000504" pitchFamily="49" charset="0"/>
                 <a:cs typeface="Calibri Light" panose="020F0302020204030204" pitchFamily="34" charset="0"/>
@@ -5055,7 +5084,7 @@
               <a:t>Dff</a:t>
             </a:r>
             <a:r>
-              <a:rPr lang="en-GB" sz="2265" dirty="0">
+              <a:rPr lang="en-GB" sz="2300" dirty="0">
                 <a:latin typeface="Calibri Light" panose="020F0302020204030204" pitchFamily="34" charset="0"/>
                 <a:ea typeface="Anonymous Pro" panose="02060609030202000504" pitchFamily="49" charset="0"/>
                 <a:cs typeface="Calibri Light" panose="020F0302020204030204" pitchFamily="34" charset="0"/>
@@ -5063,7 +5092,7 @@
               <a:t> files and the creation of .</a:t>
             </a:r>
             <a:r>
-              <a:rPr lang="en-GB" sz="2265" dirty="0" err="1">
+              <a:rPr lang="en-GB" sz="2300" dirty="0" err="1">
                 <a:latin typeface="Calibri Light" panose="020F0302020204030204" pitchFamily="34" charset="0"/>
                 <a:ea typeface="Anonymous Pro" panose="02060609030202000504" pitchFamily="49" charset="0"/>
                 <a:cs typeface="Calibri Light" panose="020F0302020204030204" pitchFamily="34" charset="0"/>
@@ -5071,7 +5100,7 @@
               <a:t>Obj</a:t>
             </a:r>
             <a:r>
-              <a:rPr lang="en-GB" sz="2265" dirty="0">
+              <a:rPr lang="en-GB" sz="2300" dirty="0">
                 <a:latin typeface="Calibri Light" panose="020F0302020204030204" pitchFamily="34" charset="0"/>
                 <a:ea typeface="Anonymous Pro" panose="02060609030202000504" pitchFamily="49" charset="0"/>
                 <a:cs typeface="Calibri Light" panose="020F0302020204030204" pitchFamily="34" charset="0"/>
@@ -5079,7 +5108,7 @@
               <a:t> files from .</a:t>
             </a:r>
             <a:r>
-              <a:rPr lang="en-GB" sz="2265" dirty="0" err="1">
+              <a:rPr lang="en-GB" sz="2300" dirty="0" err="1">
                 <a:latin typeface="Calibri Light" panose="020F0302020204030204" pitchFamily="34" charset="0"/>
                 <a:ea typeface="Anonymous Pro" panose="02060609030202000504" pitchFamily="49" charset="0"/>
                 <a:cs typeface="Calibri Light" panose="020F0302020204030204" pitchFamily="34" charset="0"/>
@@ -5087,7 +5116,7 @@
               <a:t>Rws</a:t>
             </a:r>
             <a:r>
-              <a:rPr lang="en-GB" sz="2265" dirty="0">
+              <a:rPr lang="en-GB" sz="2300" dirty="0">
                 <a:latin typeface="Calibri Light" panose="020F0302020204030204" pitchFamily="34" charset="0"/>
                 <a:ea typeface="Anonymous Pro" panose="02060609030202000504" pitchFamily="49" charset="0"/>
                 <a:cs typeface="Calibri Light" panose="020F0302020204030204" pitchFamily="34" charset="0"/>
@@ -5095,7 +5124,7 @@
               <a:t> and .</a:t>
             </a:r>
             <a:r>
-              <a:rPr lang="en-GB" sz="2265" dirty="0" err="1">
+              <a:rPr lang="en-GB" sz="2300" dirty="0" err="1">
                 <a:latin typeface="Calibri Light" panose="020F0302020204030204" pitchFamily="34" charset="0"/>
                 <a:ea typeface="Anonymous Pro" panose="02060609030202000504" pitchFamily="49" charset="0"/>
                 <a:cs typeface="Calibri Light" panose="020F0302020204030204" pitchFamily="34" charset="0"/>
@@ -5103,7 +5132,7 @@
               <a:t>Dff</a:t>
             </a:r>
             <a:r>
-              <a:rPr lang="en-GB" sz="2265" dirty="0">
+              <a:rPr lang="en-GB" sz="2300" dirty="0">
                 <a:latin typeface="Calibri Light" panose="020F0302020204030204" pitchFamily="34" charset="0"/>
                 <a:ea typeface="Anonymous Pro" panose="02060609030202000504" pitchFamily="49" charset="0"/>
                 <a:cs typeface="Calibri Light" panose="020F0302020204030204" pitchFamily="34" charset="0"/>
@@ -5111,7 +5140,7 @@
               <a:t> files. These .</a:t>
             </a:r>
             <a:r>
-              <a:rPr lang="en-GB" sz="2265" dirty="0" err="1">
+              <a:rPr lang="en-GB" sz="2300" dirty="0" err="1">
                 <a:latin typeface="Calibri Light" panose="020F0302020204030204" pitchFamily="34" charset="0"/>
                 <a:ea typeface="Anonymous Pro" panose="02060609030202000504" pitchFamily="49" charset="0"/>
                 <a:cs typeface="Calibri Light" panose="020F0302020204030204" pitchFamily="34" charset="0"/>
@@ -5119,29 +5148,24 @@
               <a:t>Objs</a:t>
             </a:r>
             <a:r>
-              <a:rPr lang="en-GB" sz="2265" dirty="0">
+              <a:rPr lang="en-GB" sz="2300" dirty="0">
                 <a:latin typeface="Calibri Light" panose="020F0302020204030204" pitchFamily="34" charset="0"/>
                 <a:ea typeface="Anonymous Pro" panose="02060609030202000504" pitchFamily="49" charset="0"/>
                 <a:cs typeface="Calibri Light" panose="020F0302020204030204" pitchFamily="34" charset="0"/>
               </a:rPr>
               <a:t> include models from the colossal doughnut, never quest and Kill lawyer's level.</a:t>
             </a:r>
-            <a:endParaRPr lang="en-GB" sz="2265" dirty="0">
+          </a:p>
+          <a:p>
+            <a:endParaRPr lang="en-GB" sz="2300" dirty="0">
               <a:latin typeface="Calibri Light" panose="020F0302020204030204" pitchFamily="34" charset="0"/>
               <a:ea typeface="Anonymous Pro" panose="02060609030202000504" pitchFamily="49" charset="0"/>
               <a:cs typeface="Calibri Light" panose="020F0302020204030204" pitchFamily="34" charset="0"/>
             </a:endParaRPr>
           </a:p>
           <a:p>
-            <a:endParaRPr lang="en-GB" sz="2265" dirty="0">
-              <a:latin typeface="Calibri Light" panose="020F0302020204030204" pitchFamily="34" charset="0"/>
-              <a:ea typeface="Anonymous Pro" panose="02060609030202000504" pitchFamily="49" charset="0"/>
-              <a:cs typeface="Calibri Light" panose="020F0302020204030204" pitchFamily="34" charset="0"/>
-            </a:endParaRPr>
-          </a:p>
-          <a:p>
-            <a:r>
-              <a:rPr lang="en-GB" sz="2265" dirty="0">
+            <a:r>
+              <a:rPr lang="en-GB" sz="2300" dirty="0">
                 <a:latin typeface="Calibri Light" panose="020F0302020204030204" pitchFamily="34" charset="0"/>
                 <a:ea typeface="Anonymous Pro" panose="02060609030202000504" pitchFamily="49" charset="0"/>
                 <a:cs typeface="Calibri Light" panose="020F0302020204030204" pitchFamily="34" charset="0"/>
@@ -5149,7 +5173,7 @@
               <a:t>These results were validated through using 3d rendering software </a:t>
             </a:r>
             <a:r>
-              <a:rPr lang="en-GB" sz="2265" dirty="0" err="1">
+              <a:rPr lang="en-GB" sz="2300" dirty="0" err="1">
                 <a:latin typeface="Calibri Light" panose="020F0302020204030204" pitchFamily="34" charset="0"/>
                 <a:ea typeface="Anonymous Pro" panose="02060609030202000504" pitchFamily="49" charset="0"/>
                 <a:cs typeface="Calibri Light" panose="020F0302020204030204" pitchFamily="34" charset="0"/>
@@ -5157,18 +5181,13 @@
               <a:t>i.e</a:t>
             </a:r>
             <a:r>
-              <a:rPr lang="en-GB" sz="2265" dirty="0">
+              <a:rPr lang="en-GB" sz="2300" dirty="0">
                 <a:latin typeface="Calibri Light" panose="020F0302020204030204" pitchFamily="34" charset="0"/>
                 <a:ea typeface="Anonymous Pro" panose="02060609030202000504" pitchFamily="49" charset="0"/>
                 <a:cs typeface="Calibri Light" panose="020F0302020204030204" pitchFamily="34" charset="0"/>
               </a:rPr>
               <a:t> unreal engine and the inbuilt windows object viewer. There were no graphical artefacts such as error with lighting  or geometry. As well as each file being compared to their in-game counterpart.</a:t>
             </a:r>
-            <a:endParaRPr lang="en-GB" sz="2265" dirty="0">
-              <a:latin typeface="Calibri Light" panose="020F0302020204030204" pitchFamily="34" charset="0"/>
-              <a:ea typeface="Anonymous Pro" panose="02060609030202000504" pitchFamily="49" charset="0"/>
-              <a:cs typeface="Calibri Light" panose="020F0302020204030204" pitchFamily="34" charset="0"/>
-            </a:endParaRPr>
           </a:p>
         </p:txBody>
       </p:sp>
@@ -5181,7 +5200,7 @@
         <p:spPr>
           <a:xfrm>
             <a:off x="10861049" y="24304616"/>
-            <a:ext cx="9887452" cy="2358390"/>
+            <a:ext cx="9887452" cy="3403239"/>
           </a:xfrm>
           <a:prstGeom prst="rect">
             <a:avLst/>
@@ -5200,9 +5219,37 @@
                 <a:ea typeface="Anonymous Pro" panose="02060609030202000504" pitchFamily="49" charset="0"/>
                 <a:cs typeface="Calibri Light" panose="020F0302020204030204" pitchFamily="34" charset="0"/>
               </a:rPr>
-              <a:t>Conclusions:</a:t>
-            </a:r>
-            <a:endParaRPr lang="en-GB" sz="3395" b="1" dirty="0">
+              <a:t>Conclusions And Future work:</a:t>
+            </a:r>
+          </a:p>
+          <a:p>
+            <a:r>
+              <a:rPr lang="en-GB" sz="2265" dirty="0">
+                <a:latin typeface="Calibri Light" panose="020F0302020204030204" pitchFamily="34" charset="0"/>
+                <a:ea typeface="Anonymous Pro" panose="02060609030202000504" pitchFamily="49" charset="0"/>
+                <a:cs typeface="Calibri Light" panose="020F0302020204030204" pitchFamily="34" charset="0"/>
+              </a:rPr>
+              <a:t>The key take aways from this project are the successfully reverse engineered game asset files from the Simpsons game 2008.Such files are a proof of concept for the sucess of the </a:t>
+            </a:r>
+            <a:r>
+              <a:rPr lang="en-GB" sz="2265" b="1" dirty="0">
+                <a:latin typeface="Calibri Light" panose="020F0302020204030204" pitchFamily="34" charset="0"/>
+                <a:ea typeface="Anonymous Pro" panose="02060609030202000504" pitchFamily="49" charset="0"/>
+                <a:cs typeface="Calibri Light" panose="020F0302020204030204" pitchFamily="34" charset="0"/>
+              </a:rPr>
+              <a:t>GAD </a:t>
+            </a:r>
+            <a:r>
+              <a:rPr lang="en-GB" sz="2265" dirty="0">
+                <a:latin typeface="Calibri Light" panose="020F0302020204030204" pitchFamily="34" charset="0"/>
+                <a:ea typeface="Anonymous Pro" panose="02060609030202000504" pitchFamily="49" charset="0"/>
+                <a:cs typeface="Calibri Light" panose="020F0302020204030204" pitchFamily="34" charset="0"/>
+              </a:rPr>
+              <a:t>as a means of games prservation and reverse engineering.</a:t>
+            </a:r>
+          </a:p>
+          <a:p>
+            <a:endParaRPr lang="en-GB" sz="2265" dirty="0">
               <a:latin typeface="Calibri Light" panose="020F0302020204030204" pitchFamily="34" charset="0"/>
               <a:ea typeface="Anonymous Pro" panose="02060609030202000504" pitchFamily="49" charset="0"/>
               <a:cs typeface="Calibri Light" panose="020F0302020204030204" pitchFamily="34" charset="0"/>
@@ -5215,15 +5262,15 @@
                 <a:ea typeface="Anonymous Pro" panose="02060609030202000504" pitchFamily="49" charset="0"/>
                 <a:cs typeface="Calibri Light" panose="020F0302020204030204" pitchFamily="34" charset="0"/>
               </a:rPr>
-              <a:t>The key take aways from this project are the successfully reverse engineered game asset files from the Simpsons game 2008.Such files are a proof of concept for the sucess of the </a:t>
-            </a:r>
-            <a:r>
-              <a:rPr lang="en-GB" sz="2265" b="1" dirty="0">
-                <a:latin typeface="Calibri Light" panose="020F0302020204030204" pitchFamily="34" charset="0"/>
-                <a:ea typeface="Anonymous Pro" panose="02060609030202000504" pitchFamily="49" charset="0"/>
-                <a:cs typeface="Calibri Light" panose="020F0302020204030204" pitchFamily="34" charset="0"/>
-              </a:rPr>
-              <a:t>GAD </a:t>
+              <a:t>For future work, more of the Simpsons games asset files are to be converted, such as textures </a:t>
+            </a:r>
+            <a:r>
+              <a:rPr lang="en-GB" sz="2265" dirty="0" err="1">
+                <a:latin typeface="Calibri Light" panose="020F0302020204030204" pitchFamily="34" charset="0"/>
+                <a:ea typeface="Anonymous Pro" panose="02060609030202000504" pitchFamily="49" charset="0"/>
+                <a:cs typeface="Calibri Light" panose="020F0302020204030204" pitchFamily="34" charset="0"/>
+              </a:rPr>
+              <a:t>i.e</a:t>
             </a:r>
             <a:r>
               <a:rPr lang="en-GB" sz="2265" dirty="0">
@@ -5231,7 +5278,7 @@
                 <a:ea typeface="Anonymous Pro" panose="02060609030202000504" pitchFamily="49" charset="0"/>
                 <a:cs typeface="Calibri Light" panose="020F0302020204030204" pitchFamily="34" charset="0"/>
               </a:rPr>
-              <a:t>as a means of games prservation and reverse engineering.</a:t>
+              <a:t> .TXD files, to be converted to .DDS.</a:t>
             </a:r>
             <a:br>
               <a:rPr lang="en-GB" sz="2265" dirty="0">
@@ -5315,7 +5362,6 @@
               <a:rPr lang="en-GB" sz="3395" dirty="0"/>
               <a:t>By Khai Ailyan 22130235</a:t>
             </a:r>
-            <a:endParaRPr lang="en-GB" sz="3395" dirty="0"/>
           </a:p>
         </p:txBody>
       </p:sp>
@@ -5327,7 +5373,7 @@
         </p:nvSpPr>
         <p:spPr>
           <a:xfrm>
-            <a:off x="889990" y="17844169"/>
+            <a:off x="678182" y="17844169"/>
             <a:ext cx="9293477" cy="2712366"/>
           </a:xfrm>
           <a:prstGeom prst="roundRect">
@@ -5381,14 +5427,14 @@
           <p:nvPr/>
         </p:nvPicPr>
         <p:blipFill>
-          <a:blip r:embed="rId2"/>
+          <a:blip r:embed="rId3"/>
           <a:stretch>
             <a:fillRect/>
           </a:stretch>
         </p:blipFill>
         <p:spPr>
           <a:xfrm>
-            <a:off x="1243997" y="18542840"/>
+            <a:off x="1294053" y="18117596"/>
             <a:ext cx="2764238" cy="1482147"/>
           </a:xfrm>
           <a:prstGeom prst="rect">
@@ -5409,14 +5455,14 @@
           <p:nvPr/>
         </p:nvPicPr>
         <p:blipFill>
-          <a:blip r:embed="rId3"/>
+          <a:blip r:embed="rId4"/>
           <a:stretch>
             <a:fillRect/>
           </a:stretch>
         </p:blipFill>
         <p:spPr>
           <a:xfrm>
-            <a:off x="7421801" y="18542840"/>
+            <a:off x="7471857" y="18117596"/>
             <a:ext cx="2406944" cy="1482147"/>
           </a:xfrm>
           <a:prstGeom prst="rect">
@@ -5437,14 +5483,14 @@
           <p:nvPr/>
         </p:nvPicPr>
         <p:blipFill>
-          <a:blip r:embed="rId4"/>
+          <a:blip r:embed="rId5"/>
           <a:stretch>
             <a:fillRect/>
           </a:stretch>
         </p:blipFill>
         <p:spPr>
           <a:xfrm>
-            <a:off x="4234978" y="18542840"/>
+            <a:off x="4285034" y="18117596"/>
             <a:ext cx="2764235" cy="1482147"/>
           </a:xfrm>
           <a:prstGeom prst="rect">
@@ -5464,7 +5510,7 @@
         </p:nvSpPr>
         <p:spPr>
           <a:xfrm>
-            <a:off x="10891541" y="15123331"/>
+            <a:off x="11017609" y="3046753"/>
             <a:ext cx="9887452" cy="8583934"/>
           </a:xfrm>
           <a:prstGeom prst="roundRect">
@@ -5473,269 +5519,9 @@
             </a:avLst>
           </a:prstGeom>
           <a:solidFill>
-            <a:srgbClr val="7030A0"/>
-          </a:solidFill>
-          <a:ln>
-            <a:solidFill>
-              <a:schemeClr val="tx1"/>
-            </a:solidFill>
-          </a:ln>
-          <a:effectLst>
-            <a:outerShdw blurRad="50800" dist="38100" dir="8100000" algn="tr" rotWithShape="0">
-              <a:prstClr val="black">
-                <a:alpha val="40000"/>
-              </a:prstClr>
-            </a:outerShdw>
-          </a:effectLst>
-        </p:spPr>
-        <p:style>
-          <a:lnRef idx="2">
-            <a:schemeClr val="accent1">
-              <a:shade val="15000"/>
-            </a:schemeClr>
-          </a:lnRef>
-          <a:fillRef idx="1">
-            <a:schemeClr val="accent1"/>
-          </a:fillRef>
-          <a:effectRef idx="0">
-            <a:schemeClr val="accent1"/>
-          </a:effectRef>
-          <a:fontRef idx="minor">
-            <a:schemeClr val="lt1"/>
-          </a:fontRef>
-        </p:style>
-        <p:txBody>
-          <a:bodyPr rtlCol="0" anchor="ctr"/>
-          <a:lstStyle/>
-          <a:p>
-            <a:pPr algn="ctr"/>
-            <a:endParaRPr lang="en-GB" sz="14410"/>
-          </a:p>
-        </p:txBody>
-      </p:sp>
-      <p:sp>
-        <p:nvSpPr>
-          <p:cNvPr id="22" name="TextBox 21"/>
-          <p:cNvSpPr txBox="1"/>
-          <p:nvPr/>
-        </p:nvSpPr>
-        <p:spPr>
-          <a:xfrm>
-            <a:off x="11286590" y="15346262"/>
-            <a:ext cx="9207045" cy="8537081"/>
-          </a:xfrm>
-          <a:prstGeom prst="rect">
-            <a:avLst/>
-          </a:prstGeom>
-          <a:noFill/>
-        </p:spPr>
-        <p:txBody>
-          <a:bodyPr wrap="square" rtlCol="0">
-            <a:spAutoFit/>
-          </a:bodyPr>
-          <a:lstStyle/>
-          <a:p>
-            <a:r>
-              <a:rPr lang="en-GB" sz="3395" b="1" dirty="0">
-                <a:latin typeface="Calibri Light" panose="020F0302020204030204" pitchFamily="34" charset="0"/>
-                <a:ea typeface="Anonymous Pro" panose="02060609030202000504" pitchFamily="49" charset="0"/>
-                <a:cs typeface="Calibri Light" panose="020F0302020204030204" pitchFamily="34" charset="0"/>
-              </a:rPr>
-              <a:t>Literature and Research: </a:t>
-            </a:r>
-            <a:endParaRPr lang="en-GB" sz="2265" b="1" dirty="0">
-              <a:latin typeface="Calibri Light" panose="020F0302020204030204" pitchFamily="34" charset="0"/>
-              <a:ea typeface="Anonymous Pro" panose="02060609030202000504" pitchFamily="49" charset="0"/>
-              <a:cs typeface="Calibri Light" panose="020F0302020204030204" pitchFamily="34" charset="0"/>
-            </a:endParaRPr>
-          </a:p>
-          <a:p>
-            <a:r>
-              <a:rPr lang="en-GB" sz="2265" b="1" dirty="0">
-                <a:latin typeface="Calibri Light" panose="020F0302020204030204" pitchFamily="34" charset="0"/>
-                <a:ea typeface="Anonymous Pro" panose="02060609030202000504" pitchFamily="49" charset="0"/>
-                <a:cs typeface="Calibri Light" panose="020F0302020204030204" pitchFamily="34" charset="0"/>
-              </a:rPr>
-              <a:t>Reverse engineering: </a:t>
-            </a:r>
-            <a:r>
-              <a:rPr lang="en-GB" sz="2265" dirty="0">
-                <a:latin typeface="Calibri Light" panose="020F0302020204030204" pitchFamily="34" charset="0"/>
-                <a:ea typeface="Anonymous Pro" panose="02060609030202000504" pitchFamily="49" charset="0"/>
-                <a:cs typeface="Calibri Light" panose="020F0302020204030204" pitchFamily="34" charset="0"/>
-              </a:rPr>
-              <a:t>Reverse engineering as a practice can be used to preserve games through means of understanding the games contents (</a:t>
-            </a:r>
-            <a:r>
-              <a:rPr lang="en-GB" sz="2265" b="1" dirty="0">
-                <a:latin typeface="Calibri Light" panose="020F0302020204030204" pitchFamily="34" charset="0"/>
-                <a:ea typeface="Anonymous Pro" panose="02060609030202000504" pitchFamily="49" charset="0"/>
-                <a:cs typeface="Calibri Light" panose="020F0302020204030204" pitchFamily="34" charset="0"/>
-              </a:rPr>
-              <a:t>Singh </a:t>
-            </a:r>
-            <a:r>
-              <a:rPr lang="en-GB" sz="2265" dirty="0">
-                <a:latin typeface="Calibri Light" panose="020F0302020204030204" pitchFamily="34" charset="0"/>
-                <a:ea typeface="Anonymous Pro" panose="02060609030202000504" pitchFamily="49" charset="0"/>
-                <a:cs typeface="Calibri Light" panose="020F0302020204030204" pitchFamily="34" charset="0"/>
-              </a:rPr>
-              <a:t>2013) and converting them to contemporary format.</a:t>
-            </a:r>
-            <a:endParaRPr lang="en-GB" sz="2265" dirty="0">
-              <a:latin typeface="Calibri Light" panose="020F0302020204030204" pitchFamily="34" charset="0"/>
-              <a:ea typeface="Anonymous Pro" panose="02060609030202000504" pitchFamily="49" charset="0"/>
-              <a:cs typeface="Calibri Light" panose="020F0302020204030204" pitchFamily="34" charset="0"/>
-            </a:endParaRPr>
-          </a:p>
-          <a:p>
-            <a:endParaRPr lang="en-GB" sz="2265" dirty="0">
-              <a:latin typeface="Calibri Light" panose="020F0302020204030204" pitchFamily="34" charset="0"/>
-              <a:ea typeface="Anonymous Pro" panose="02060609030202000504" pitchFamily="49" charset="0"/>
-              <a:cs typeface="Calibri Light" panose="020F0302020204030204" pitchFamily="34" charset="0"/>
-            </a:endParaRPr>
-          </a:p>
-          <a:p>
-            <a:r>
-              <a:rPr lang="en-GB" sz="2265" b="1" dirty="0">
-                <a:latin typeface="Calibri Light" panose="020F0302020204030204" pitchFamily="34" charset="0"/>
-                <a:ea typeface="Anonymous Pro" panose="02060609030202000504" pitchFamily="49" charset="0"/>
-                <a:cs typeface="Calibri Light" panose="020F0302020204030204" pitchFamily="34" charset="0"/>
-              </a:rPr>
-              <a:t>File Syntax: </a:t>
-            </a:r>
-            <a:r>
-              <a:rPr lang="en-GB" sz="2265" dirty="0">
-                <a:latin typeface="Calibri Light" panose="020F0302020204030204" pitchFamily="34" charset="0"/>
-                <a:ea typeface="Anonymous Pro" panose="02060609030202000504" pitchFamily="49" charset="0"/>
-                <a:cs typeface="Calibri Light" panose="020F0302020204030204" pitchFamily="34" charset="0"/>
-              </a:rPr>
-              <a:t> File syntax is needed in preserving games, as to convert the files they first need to be understood. A profile is to be made to create code to read/write to files and preserve their contents.</a:t>
-            </a:r>
-            <a:endParaRPr lang="en-GB" sz="2265" dirty="0">
-              <a:latin typeface="Calibri Light" panose="020F0302020204030204" pitchFamily="34" charset="0"/>
-              <a:ea typeface="Anonymous Pro" panose="02060609030202000504" pitchFamily="49" charset="0"/>
-              <a:cs typeface="Calibri Light" panose="020F0302020204030204" pitchFamily="34" charset="0"/>
-            </a:endParaRPr>
-          </a:p>
-          <a:p>
-            <a:endParaRPr lang="en-GB" sz="2265" b="1" dirty="0">
-              <a:latin typeface="Calibri Light" panose="020F0302020204030204" pitchFamily="34" charset="0"/>
-              <a:ea typeface="Anonymous Pro" panose="02060609030202000504" pitchFamily="49" charset="0"/>
-              <a:cs typeface="Calibri Light" panose="020F0302020204030204" pitchFamily="34" charset="0"/>
-            </a:endParaRPr>
-          </a:p>
-          <a:p>
-            <a:r>
-              <a:rPr lang="en-GB" sz="2265" b="1" dirty="0">
-                <a:latin typeface="Calibri Light" panose="020F0302020204030204" pitchFamily="34" charset="0"/>
-                <a:ea typeface="Anonymous Pro" panose="02060609030202000504" pitchFamily="49" charset="0"/>
-                <a:cs typeface="Calibri Light" panose="020F0302020204030204" pitchFamily="34" charset="0"/>
-              </a:rPr>
-              <a:t>ADT:  </a:t>
-            </a:r>
-            <a:r>
-              <a:rPr lang="en-GB" sz="2265" dirty="0">
-                <a:latin typeface="Calibri Light" panose="020F0302020204030204" pitchFamily="34" charset="0"/>
-                <a:ea typeface="Anonymous Pro" panose="02060609030202000504" pitchFamily="49" charset="0"/>
-                <a:cs typeface="Calibri Light" panose="020F0302020204030204" pitchFamily="34" charset="0"/>
-              </a:rPr>
-              <a:t>ADTs are ways of containing data in specific configurations with specific functionality, game asset files need their contents parsed to ADTs or ADT-LIKE structures to then be outputted to file.</a:t>
-            </a:r>
-            <a:endParaRPr lang="en-GB" sz="2265" dirty="0">
-              <a:latin typeface="Calibri Light" panose="020F0302020204030204" pitchFamily="34" charset="0"/>
-              <a:ea typeface="Anonymous Pro" panose="02060609030202000504" pitchFamily="49" charset="0"/>
-              <a:cs typeface="Calibri Light" panose="020F0302020204030204" pitchFamily="34" charset="0"/>
-            </a:endParaRPr>
-          </a:p>
-          <a:p>
-            <a:endParaRPr lang="en-GB" sz="2830" dirty="0">
-              <a:latin typeface="Calibri Light" panose="020F0302020204030204" pitchFamily="34" charset="0"/>
-              <a:ea typeface="Anonymous Pro" panose="02060609030202000504" pitchFamily="49" charset="0"/>
-              <a:cs typeface="Calibri Light" panose="020F0302020204030204" pitchFamily="34" charset="0"/>
-            </a:endParaRPr>
-          </a:p>
-          <a:p>
-            <a:r>
-              <a:rPr lang="en-GB" sz="2265" b="1" dirty="0">
-                <a:latin typeface="Calibri Light" panose="020F0302020204030204" pitchFamily="34" charset="0"/>
-                <a:ea typeface="Anonymous Pro" panose="02060609030202000504" pitchFamily="49" charset="0"/>
-                <a:cs typeface="Calibri Light" panose="020F0302020204030204" pitchFamily="34" charset="0"/>
-              </a:rPr>
-              <a:t>Compression: </a:t>
-            </a:r>
-            <a:r>
-              <a:rPr lang="en-GB" sz="2265" dirty="0">
-                <a:latin typeface="Calibri Light" panose="020F0302020204030204" pitchFamily="34" charset="0"/>
-                <a:ea typeface="Anonymous Pro" panose="02060609030202000504" pitchFamily="49" charset="0"/>
-                <a:cs typeface="Calibri Light" panose="020F0302020204030204" pitchFamily="34" charset="0"/>
-              </a:rPr>
-              <a:t>game asset files are usually compressed to take up less space on proprietary hardware, therefore, to preserve the contents of the game, each file must be uncompressed to express their true values as data to then be reverse engineered successfully so that preserving the game can be done.</a:t>
-            </a:r>
-            <a:endParaRPr lang="en-GB" sz="2265" dirty="0">
-              <a:latin typeface="Calibri Light" panose="020F0302020204030204" pitchFamily="34" charset="0"/>
-              <a:ea typeface="Anonymous Pro" panose="02060609030202000504" pitchFamily="49" charset="0"/>
-              <a:cs typeface="Calibri Light" panose="020F0302020204030204" pitchFamily="34" charset="0"/>
-            </a:endParaRPr>
-          </a:p>
-          <a:p>
-            <a:endParaRPr lang="en-GB" sz="2265" dirty="0">
-              <a:latin typeface="Calibri Light" panose="020F0302020204030204" pitchFamily="34" charset="0"/>
-              <a:ea typeface="Anonymous Pro" panose="02060609030202000504" pitchFamily="49" charset="0"/>
-              <a:cs typeface="Calibri Light" panose="020F0302020204030204" pitchFamily="34" charset="0"/>
-            </a:endParaRPr>
-          </a:p>
-          <a:p>
-            <a:r>
-              <a:rPr lang="en-GB" sz="2265" b="1" dirty="0">
-                <a:latin typeface="Calibri Light" panose="020F0302020204030204" pitchFamily="34" charset="0"/>
-                <a:ea typeface="Anonymous Pro" panose="02060609030202000504" pitchFamily="49" charset="0"/>
-                <a:cs typeface="Calibri Light" panose="020F0302020204030204" pitchFamily="34" charset="0"/>
-              </a:rPr>
-              <a:t>Games Preservation:  </a:t>
-            </a:r>
-            <a:r>
-              <a:rPr lang="en-GB" sz="2265" dirty="0">
-                <a:latin typeface="Calibri Light" panose="020F0302020204030204" pitchFamily="34" charset="0"/>
-                <a:ea typeface="Anonymous Pro" panose="02060609030202000504" pitchFamily="49" charset="0"/>
-                <a:cs typeface="Calibri Light" panose="020F0302020204030204" pitchFamily="34" charset="0"/>
-              </a:rPr>
-              <a:t>games preservation can be done through preserving the games assets files, this is an effective method of preserving the game, as the games contents are secured for further use, either to play or be reconstructed by programmers and reverse engineers.</a:t>
-            </a:r>
-            <a:endParaRPr lang="en-GB" sz="2265" b="1" dirty="0">
-              <a:latin typeface="Calibri Light" panose="020F0302020204030204" pitchFamily="34" charset="0"/>
-              <a:ea typeface="Anonymous Pro" panose="02060609030202000504" pitchFamily="49" charset="0"/>
-              <a:cs typeface="Calibri Light" panose="020F0302020204030204" pitchFamily="34" charset="0"/>
-            </a:endParaRPr>
-          </a:p>
-          <a:p>
-            <a:endParaRPr lang="en-GB" sz="3395" b="1" dirty="0">
-              <a:latin typeface="Calibri Light" panose="020F0302020204030204" pitchFamily="34" charset="0"/>
-              <a:ea typeface="Anonymous Pro" panose="02060609030202000504" pitchFamily="49" charset="0"/>
-              <a:cs typeface="Calibri Light" panose="020F0302020204030204" pitchFamily="34" charset="0"/>
-            </a:endParaRPr>
-          </a:p>
-        </p:txBody>
-      </p:sp>
-      <p:sp>
-        <p:nvSpPr>
-          <p:cNvPr id="28" name="Rectangle: Rounded Corners 27"/>
-          <p:cNvSpPr/>
-          <p:nvPr/>
-        </p:nvSpPr>
-        <p:spPr>
-          <a:xfrm>
-            <a:off x="589121" y="3051167"/>
-            <a:ext cx="9887452" cy="3938861"/>
-          </a:xfrm>
-          <a:prstGeom prst="roundRect">
-            <a:avLst>
-              <a:gd name="adj" fmla="val 8703"/>
-            </a:avLst>
-          </a:prstGeom>
-          <a:solidFill>
             <a:schemeClr val="accent2">
-              <a:lumMod val="75000"/>
+              <a:lumMod val="60000"/>
+              <a:lumOff val="40000"/>
             </a:schemeClr>
           </a:solidFill>
           <a:ln>
@@ -5778,6 +5564,359 @@
       </p:sp>
       <p:sp>
         <p:nvSpPr>
+          <p:cNvPr id="22" name="TextBox 21"/>
+          <p:cNvSpPr txBox="1"/>
+          <p:nvPr/>
+        </p:nvSpPr>
+        <p:spPr>
+          <a:xfrm>
+            <a:off x="11276774" y="3269684"/>
+            <a:ext cx="9342930" cy="8585427"/>
+          </a:xfrm>
+          <a:prstGeom prst="rect">
+            <a:avLst/>
+          </a:prstGeom>
+          <a:noFill/>
+        </p:spPr>
+        <p:txBody>
+          <a:bodyPr wrap="square" rtlCol="0">
+            <a:spAutoFit/>
+          </a:bodyPr>
+          <a:lstStyle/>
+          <a:p>
+            <a:r>
+              <a:rPr lang="en-GB" sz="3395" b="1" dirty="0">
+                <a:latin typeface="Calibri Light" panose="020F0302020204030204" pitchFamily="34" charset="0"/>
+                <a:ea typeface="Anonymous Pro" panose="02060609030202000504" pitchFamily="49" charset="0"/>
+                <a:cs typeface="Calibri Light" panose="020F0302020204030204" pitchFamily="34" charset="0"/>
+              </a:rPr>
+              <a:t>Literature and Research: </a:t>
+            </a:r>
+            <a:endParaRPr lang="en-GB" sz="2265" b="1" dirty="0">
+              <a:latin typeface="Calibri Light" panose="020F0302020204030204" pitchFamily="34" charset="0"/>
+              <a:ea typeface="Anonymous Pro" panose="02060609030202000504" pitchFamily="49" charset="0"/>
+              <a:cs typeface="Calibri Light" panose="020F0302020204030204" pitchFamily="34" charset="0"/>
+            </a:endParaRPr>
+          </a:p>
+          <a:p>
+            <a:r>
+              <a:rPr lang="en-GB" sz="2200" b="1" dirty="0">
+                <a:latin typeface="Calibri Light" panose="020F0302020204030204" pitchFamily="34" charset="0"/>
+                <a:ea typeface="Anonymous Pro" panose="02060609030202000504" pitchFamily="49" charset="0"/>
+                <a:cs typeface="Calibri Light" panose="020F0302020204030204" pitchFamily="34" charset="0"/>
+              </a:rPr>
+              <a:t>Reverse engineering: </a:t>
+            </a:r>
+            <a:r>
+              <a:rPr lang="en-GB" sz="2200" dirty="0">
+                <a:latin typeface="Calibri Light" panose="020F0302020204030204" pitchFamily="34" charset="0"/>
+                <a:ea typeface="Anonymous Pro" panose="02060609030202000504" pitchFamily="49" charset="0"/>
+                <a:cs typeface="Calibri Light" panose="020F0302020204030204" pitchFamily="34" charset="0"/>
+              </a:rPr>
+              <a:t>Reverse engineering as a practice can be used to preserve games through means of understanding the games contents (</a:t>
+            </a:r>
+            <a:r>
+              <a:rPr lang="en-GB" sz="2200" b="1" dirty="0">
+                <a:latin typeface="Calibri Light" panose="020F0302020204030204" pitchFamily="34" charset="0"/>
+                <a:ea typeface="Anonymous Pro" panose="02060609030202000504" pitchFamily="49" charset="0"/>
+                <a:cs typeface="Calibri Light" panose="020F0302020204030204" pitchFamily="34" charset="0"/>
+              </a:rPr>
+              <a:t>Singh 2013</a:t>
+            </a:r>
+            <a:r>
+              <a:rPr lang="en-GB" sz="2200" dirty="0">
+                <a:latin typeface="Calibri Light" panose="020F0302020204030204" pitchFamily="34" charset="0"/>
+                <a:ea typeface="Anonymous Pro" panose="02060609030202000504" pitchFamily="49" charset="0"/>
+                <a:cs typeface="Calibri Light" panose="020F0302020204030204" pitchFamily="34" charset="0"/>
+              </a:rPr>
+              <a:t>) and converting them to contemporary format.</a:t>
+            </a:r>
+          </a:p>
+          <a:p>
+            <a:endParaRPr lang="en-GB" sz="2200" dirty="0">
+              <a:latin typeface="Calibri Light" panose="020F0302020204030204" pitchFamily="34" charset="0"/>
+              <a:ea typeface="Anonymous Pro" panose="02060609030202000504" pitchFamily="49" charset="0"/>
+              <a:cs typeface="Calibri Light" panose="020F0302020204030204" pitchFamily="34" charset="0"/>
+            </a:endParaRPr>
+          </a:p>
+          <a:p>
+            <a:r>
+              <a:rPr lang="en-GB" sz="2200" b="1" dirty="0">
+                <a:latin typeface="Calibri Light" panose="020F0302020204030204" pitchFamily="34" charset="0"/>
+                <a:ea typeface="Anonymous Pro" panose="02060609030202000504" pitchFamily="49" charset="0"/>
+                <a:cs typeface="Calibri Light" panose="020F0302020204030204" pitchFamily="34" charset="0"/>
+              </a:rPr>
+              <a:t>File Syntax: </a:t>
+            </a:r>
+            <a:r>
+              <a:rPr lang="en-GB" sz="2200" dirty="0">
+                <a:latin typeface="Calibri Light" panose="020F0302020204030204" pitchFamily="34" charset="0"/>
+                <a:ea typeface="Anonymous Pro" panose="02060609030202000504" pitchFamily="49" charset="0"/>
+                <a:cs typeface="Calibri Light" panose="020F0302020204030204" pitchFamily="34" charset="0"/>
+              </a:rPr>
+              <a:t> File  syntax is needed in preserving the games contents, as to convert the files they first need to be understood </a:t>
+            </a:r>
+            <a:r>
+              <a:rPr lang="en-GB" sz="2200" b="1" dirty="0">
+                <a:latin typeface="Calibri Light" panose="020F0302020204030204" pitchFamily="34" charset="0"/>
+                <a:ea typeface="Anonymous Pro" panose="02060609030202000504" pitchFamily="49" charset="0"/>
+                <a:cs typeface="Calibri Light" panose="020F0302020204030204" pitchFamily="34" charset="0"/>
+              </a:rPr>
+              <a:t>(Mouse; </a:t>
+            </a:r>
+            <a:r>
+              <a:rPr lang="en-GB" sz="2200" b="1" dirty="0" err="1">
+                <a:latin typeface="Calibri Light" panose="020F0302020204030204" pitchFamily="34" charset="0"/>
+                <a:ea typeface="Anonymous Pro" panose="02060609030202000504" pitchFamily="49" charset="0"/>
+                <a:cs typeface="Calibri Light" panose="020F0302020204030204" pitchFamily="34" charset="0"/>
+              </a:rPr>
+              <a:t>Watto</a:t>
+            </a:r>
+            <a:r>
+              <a:rPr lang="en-GB" sz="2200" b="1" dirty="0">
+                <a:latin typeface="Calibri Light" panose="020F0302020204030204" pitchFamily="34" charset="0"/>
+                <a:ea typeface="Anonymous Pro" panose="02060609030202000504" pitchFamily="49" charset="0"/>
+                <a:cs typeface="Calibri Light" panose="020F0302020204030204" pitchFamily="34" charset="0"/>
+              </a:rPr>
+              <a:t> 2004).</a:t>
+            </a:r>
+            <a:r>
+              <a:rPr lang="en-GB" sz="2200" dirty="0">
+                <a:latin typeface="Calibri Light" panose="020F0302020204030204" pitchFamily="34" charset="0"/>
+                <a:ea typeface="Anonymous Pro" panose="02060609030202000504" pitchFamily="49" charset="0"/>
+                <a:cs typeface="Calibri Light" panose="020F0302020204030204" pitchFamily="34" charset="0"/>
+              </a:rPr>
+              <a:t> A profile is to be made to create code to read/write to files and preserve their contents.</a:t>
+            </a:r>
+          </a:p>
+          <a:p>
+            <a:endParaRPr lang="en-GB" sz="2200" b="1" dirty="0">
+              <a:latin typeface="Calibri Light" panose="020F0302020204030204" pitchFamily="34" charset="0"/>
+              <a:ea typeface="Anonymous Pro" panose="02060609030202000504" pitchFamily="49" charset="0"/>
+              <a:cs typeface="Calibri Light" panose="020F0302020204030204" pitchFamily="34" charset="0"/>
+            </a:endParaRPr>
+          </a:p>
+          <a:p>
+            <a:r>
+              <a:rPr lang="en-GB" sz="2200" b="1" dirty="0">
+                <a:latin typeface="Calibri Light" panose="020F0302020204030204" pitchFamily="34" charset="0"/>
+                <a:ea typeface="Anonymous Pro" panose="02060609030202000504" pitchFamily="49" charset="0"/>
+                <a:cs typeface="Calibri Light" panose="020F0302020204030204" pitchFamily="34" charset="0"/>
+              </a:rPr>
+              <a:t>ADT:  </a:t>
+            </a:r>
+            <a:r>
+              <a:rPr lang="en-GB" sz="2200" dirty="0">
+                <a:latin typeface="Calibri Light" panose="020F0302020204030204" pitchFamily="34" charset="0"/>
+                <a:ea typeface="Anonymous Pro" panose="02060609030202000504" pitchFamily="49" charset="0"/>
+                <a:cs typeface="Calibri Light" panose="020F0302020204030204" pitchFamily="34" charset="0"/>
+              </a:rPr>
+              <a:t>ADTs are ways of containing data in specific configurations with specific functionality </a:t>
+            </a:r>
+            <a:r>
+              <a:rPr lang="en-GB" sz="2200" b="1" dirty="0">
+                <a:latin typeface="Calibri Light" panose="020F0302020204030204" pitchFamily="34" charset="0"/>
+                <a:ea typeface="Anonymous Pro" panose="02060609030202000504" pitchFamily="49" charset="0"/>
+                <a:cs typeface="Calibri Light" panose="020F0302020204030204" pitchFamily="34" charset="0"/>
+              </a:rPr>
+              <a:t>(</a:t>
+            </a:r>
+            <a:r>
+              <a:rPr lang="en-GB" sz="2200" b="1" dirty="0" err="1">
+                <a:latin typeface="Calibri Light" panose="020F0302020204030204" pitchFamily="34" charset="0"/>
+                <a:ea typeface="Anonymous Pro" panose="02060609030202000504" pitchFamily="49" charset="0"/>
+                <a:cs typeface="Calibri Light" panose="020F0302020204030204" pitchFamily="34" charset="0"/>
+              </a:rPr>
+              <a:t>Liskov</a:t>
+            </a:r>
+            <a:r>
+              <a:rPr lang="en-GB" sz="2200" b="1" dirty="0">
+                <a:latin typeface="Calibri Light" panose="020F0302020204030204" pitchFamily="34" charset="0"/>
+                <a:ea typeface="Anonymous Pro" panose="02060609030202000504" pitchFamily="49" charset="0"/>
+                <a:cs typeface="Calibri Light" panose="020F0302020204030204" pitchFamily="34" charset="0"/>
+              </a:rPr>
+              <a:t> 1974),</a:t>
+            </a:r>
+            <a:r>
+              <a:rPr lang="en-GB" sz="2200" dirty="0">
+                <a:latin typeface="Calibri Light" panose="020F0302020204030204" pitchFamily="34" charset="0"/>
+                <a:ea typeface="Anonymous Pro" panose="02060609030202000504" pitchFamily="49" charset="0"/>
+                <a:cs typeface="Calibri Light" panose="020F0302020204030204" pitchFamily="34" charset="0"/>
+              </a:rPr>
+              <a:t> game asset files need their contents parsed to ADTs or ADT-LIKE structures to then be outputted to a contemporary file type.</a:t>
+            </a:r>
+          </a:p>
+          <a:p>
+            <a:endParaRPr lang="en-GB" sz="2200" dirty="0">
+              <a:latin typeface="Calibri Light" panose="020F0302020204030204" pitchFamily="34" charset="0"/>
+              <a:ea typeface="Anonymous Pro" panose="02060609030202000504" pitchFamily="49" charset="0"/>
+              <a:cs typeface="Calibri Light" panose="020F0302020204030204" pitchFamily="34" charset="0"/>
+            </a:endParaRPr>
+          </a:p>
+          <a:p>
+            <a:r>
+              <a:rPr lang="en-GB" sz="2200" b="1" dirty="0">
+                <a:latin typeface="Calibri Light" panose="020F0302020204030204" pitchFamily="34" charset="0"/>
+                <a:ea typeface="Anonymous Pro" panose="02060609030202000504" pitchFamily="49" charset="0"/>
+                <a:cs typeface="Calibri Light" panose="020F0302020204030204" pitchFamily="34" charset="0"/>
+              </a:rPr>
+              <a:t>Compression: </a:t>
+            </a:r>
+            <a:r>
+              <a:rPr lang="en-GB" sz="2200" dirty="0">
+                <a:latin typeface="Calibri Light" panose="020F0302020204030204" pitchFamily="34" charset="0"/>
+                <a:ea typeface="Anonymous Pro" panose="02060609030202000504" pitchFamily="49" charset="0"/>
+                <a:cs typeface="Calibri Light" panose="020F0302020204030204" pitchFamily="34" charset="0"/>
+              </a:rPr>
+              <a:t>game asset files are usually compressed to take up less space on proprietary hardware </a:t>
+            </a:r>
+            <a:r>
+              <a:rPr lang="en-GB" sz="2200" b="1" dirty="0">
+                <a:latin typeface="Calibri Light" panose="020F0302020204030204" pitchFamily="34" charset="0"/>
+                <a:ea typeface="Anonymous Pro" panose="02060609030202000504" pitchFamily="49" charset="0"/>
+                <a:cs typeface="Calibri Light" panose="020F0302020204030204" pitchFamily="34" charset="0"/>
+              </a:rPr>
+              <a:t>(</a:t>
+            </a:r>
+            <a:r>
+              <a:rPr lang="en-GB" sz="2200" b="1" dirty="0" err="1">
+                <a:latin typeface="Calibri Light" panose="020F0302020204030204" pitchFamily="34" charset="0"/>
+                <a:ea typeface="Anonymous Pro" panose="02060609030202000504" pitchFamily="49" charset="0"/>
+                <a:cs typeface="Calibri Light" panose="020F0302020204030204" pitchFamily="34" charset="0"/>
+              </a:rPr>
+              <a:t>Elmas</a:t>
+            </a:r>
+            <a:r>
+              <a:rPr lang="en-GB" sz="2200" b="1" dirty="0">
+                <a:latin typeface="Calibri Light" panose="020F0302020204030204" pitchFamily="34" charset="0"/>
+                <a:ea typeface="Anonymous Pro" panose="02060609030202000504" pitchFamily="49" charset="0"/>
+                <a:cs typeface="Calibri Light" panose="020F0302020204030204" pitchFamily="34" charset="0"/>
+              </a:rPr>
+              <a:t> 2017),</a:t>
+            </a:r>
+            <a:r>
+              <a:rPr lang="en-GB" sz="2200" dirty="0">
+                <a:latin typeface="Calibri Light" panose="020F0302020204030204" pitchFamily="34" charset="0"/>
+                <a:ea typeface="Anonymous Pro" panose="02060609030202000504" pitchFamily="49" charset="0"/>
+                <a:cs typeface="Calibri Light" panose="020F0302020204030204" pitchFamily="34" charset="0"/>
+              </a:rPr>
+              <a:t> therefore, to preserve the contents of the game, each file must be uncompressed to express their true values as data to then be reverse engineered successfully so that preserving the game can be done.</a:t>
+            </a:r>
+          </a:p>
+          <a:p>
+            <a:endParaRPr lang="en-GB" sz="2200" dirty="0">
+              <a:latin typeface="Calibri Light" panose="020F0302020204030204" pitchFamily="34" charset="0"/>
+              <a:ea typeface="Anonymous Pro" panose="02060609030202000504" pitchFamily="49" charset="0"/>
+              <a:cs typeface="Calibri Light" panose="020F0302020204030204" pitchFamily="34" charset="0"/>
+            </a:endParaRPr>
+          </a:p>
+          <a:p>
+            <a:r>
+              <a:rPr lang="en-GB" sz="2200" b="1" dirty="0">
+                <a:latin typeface="Calibri Light" panose="020F0302020204030204" pitchFamily="34" charset="0"/>
+                <a:ea typeface="Anonymous Pro" panose="02060609030202000504" pitchFamily="49" charset="0"/>
+                <a:cs typeface="Calibri Light" panose="020F0302020204030204" pitchFamily="34" charset="0"/>
+              </a:rPr>
+              <a:t>Games Preservation:  </a:t>
+            </a:r>
+            <a:r>
+              <a:rPr lang="en-GB" sz="2200" dirty="0">
+                <a:latin typeface="Calibri Light" panose="020F0302020204030204" pitchFamily="34" charset="0"/>
+                <a:ea typeface="Anonymous Pro" panose="02060609030202000504" pitchFamily="49" charset="0"/>
+                <a:cs typeface="Calibri Light" panose="020F0302020204030204" pitchFamily="34" charset="0"/>
+              </a:rPr>
+              <a:t>games preservation can be done through preserving the games assets files</a:t>
+            </a:r>
+            <a:r>
+              <a:rPr lang="en-GB" sz="2200" b="1" dirty="0">
+                <a:latin typeface="Calibri Light" panose="020F0302020204030204" pitchFamily="34" charset="0"/>
+                <a:ea typeface="Anonymous Pro" panose="02060609030202000504" pitchFamily="49" charset="0"/>
+                <a:cs typeface="Calibri Light" panose="020F0302020204030204" pitchFamily="34" charset="0"/>
+              </a:rPr>
+              <a:t>(Mike Fold 2003),</a:t>
+            </a:r>
+            <a:r>
+              <a:rPr lang="en-GB" sz="2200" dirty="0">
+                <a:latin typeface="Calibri Light" panose="020F0302020204030204" pitchFamily="34" charset="0"/>
+                <a:ea typeface="Anonymous Pro" panose="02060609030202000504" pitchFamily="49" charset="0"/>
+                <a:cs typeface="Calibri Light" panose="020F0302020204030204" pitchFamily="34" charset="0"/>
+              </a:rPr>
+              <a:t> this is an effective method of preserving the game, as the games contents are secured for further use, either to play or be reconstructed by programmers and reverse engineers.</a:t>
+            </a:r>
+            <a:endParaRPr lang="en-GB" sz="2200" b="1" dirty="0">
+              <a:latin typeface="Calibri Light" panose="020F0302020204030204" pitchFamily="34" charset="0"/>
+              <a:ea typeface="Anonymous Pro" panose="02060609030202000504" pitchFamily="49" charset="0"/>
+              <a:cs typeface="Calibri Light" panose="020F0302020204030204" pitchFamily="34" charset="0"/>
+            </a:endParaRPr>
+          </a:p>
+          <a:p>
+            <a:endParaRPr lang="en-GB" sz="3395" b="1" dirty="0">
+              <a:latin typeface="Calibri Light" panose="020F0302020204030204" pitchFamily="34" charset="0"/>
+              <a:ea typeface="Anonymous Pro" panose="02060609030202000504" pitchFamily="49" charset="0"/>
+              <a:cs typeface="Calibri Light" panose="020F0302020204030204" pitchFamily="34" charset="0"/>
+            </a:endParaRPr>
+          </a:p>
+        </p:txBody>
+      </p:sp>
+      <p:sp>
+        <p:nvSpPr>
+          <p:cNvPr id="28" name="Rectangle: Rounded Corners 27"/>
+          <p:cNvSpPr/>
+          <p:nvPr/>
+        </p:nvSpPr>
+        <p:spPr>
+          <a:xfrm>
+            <a:off x="589121" y="3051167"/>
+            <a:ext cx="9887452" cy="3938861"/>
+          </a:xfrm>
+          <a:prstGeom prst="roundRect">
+            <a:avLst>
+              <a:gd name="adj" fmla="val 8703"/>
+            </a:avLst>
+          </a:prstGeom>
+          <a:solidFill>
+            <a:srgbClr val="F5B68B"/>
+          </a:solidFill>
+          <a:ln>
+            <a:solidFill>
+              <a:schemeClr val="tx1"/>
+            </a:solidFill>
+          </a:ln>
+          <a:effectLst>
+            <a:outerShdw blurRad="50800" dist="38100" dir="8100000" algn="tr" rotWithShape="0">
+              <a:prstClr val="black">
+                <a:alpha val="40000"/>
+              </a:prstClr>
+            </a:outerShdw>
+          </a:effectLst>
+        </p:spPr>
+        <p:style>
+          <a:lnRef idx="2">
+            <a:schemeClr val="accent1">
+              <a:shade val="15000"/>
+            </a:schemeClr>
+          </a:lnRef>
+          <a:fillRef idx="1">
+            <a:schemeClr val="accent1"/>
+          </a:fillRef>
+          <a:effectRef idx="0">
+            <a:schemeClr val="accent1"/>
+          </a:effectRef>
+          <a:fontRef idx="minor">
+            <a:schemeClr val="lt1"/>
+          </a:fontRef>
+        </p:style>
+        <p:txBody>
+          <a:bodyPr rtlCol="0" anchor="ctr"/>
+          <a:lstStyle/>
+          <a:p>
+            <a:pPr algn="ctr"/>
+            <a:endParaRPr lang="en-GB" sz="14410" dirty="0"/>
+          </a:p>
+        </p:txBody>
+      </p:sp>
+      <p:sp>
+        <p:nvSpPr>
           <p:cNvPr id="27" name="TextBox 26"/>
           <p:cNvSpPr txBox="1"/>
           <p:nvPr/>
@@ -5883,11 +6022,6 @@
               </a:rPr>
               <a:t> files.</a:t>
             </a:r>
-            <a:endParaRPr lang="en-GB" sz="2265" dirty="0">
-              <a:latin typeface="Calibri Light" panose="020F0302020204030204" pitchFamily="34" charset="0"/>
-              <a:ea typeface="Anonymous Pro" panose="02060609030202000504" pitchFamily="49" charset="0"/>
-              <a:cs typeface="Calibri Light" panose="020F0302020204030204" pitchFamily="34" charset="0"/>
-            </a:endParaRPr>
           </a:p>
         </p:txBody>
       </p:sp>
@@ -5899,7 +6033,7 @@
         </p:nvSpPr>
         <p:spPr>
           <a:xfrm>
-            <a:off x="15959872" y="9784783"/>
+            <a:off x="16016181" y="18503872"/>
             <a:ext cx="4819119" cy="5141856"/>
           </a:xfrm>
           <a:prstGeom prst="roundRect">
@@ -5960,15 +6094,15 @@
           <p:nvPr/>
         </p:nvPicPr>
         <p:blipFill>
-          <a:blip r:embed="rId5"/>
+          <a:blip r:embed="rId6"/>
           <a:stretch>
             <a:fillRect/>
           </a:stretch>
         </p:blipFill>
         <p:spPr>
           <a:xfrm>
-            <a:off x="16193572" y="9962851"/>
-            <a:ext cx="4300063" cy="4756349"/>
+            <a:off x="16249881" y="18681940"/>
+            <a:ext cx="4300063" cy="4266403"/>
           </a:xfrm>
           <a:prstGeom prst="rect">
             <a:avLst/>
@@ -5987,7 +6121,7 @@
         </p:nvSpPr>
         <p:spPr>
           <a:xfrm>
-            <a:off x="10925513" y="9800314"/>
+            <a:off x="10915696" y="18518614"/>
             <a:ext cx="4819119" cy="5141856"/>
           </a:xfrm>
           <a:prstGeom prst="roundRect">
@@ -5996,7 +6130,7 @@
             </a:avLst>
           </a:prstGeom>
           <a:solidFill>
-            <a:srgbClr val="FF0000"/>
+            <a:srgbClr val="FF9393"/>
           </a:solidFill>
           <a:ln>
             <a:solidFill>
@@ -6045,15 +6179,15 @@
           <p:nvPr/>
         </p:nvPicPr>
         <p:blipFill>
-          <a:blip r:embed="rId6"/>
+          <a:blip r:embed="rId7"/>
           <a:stretch>
             <a:fillRect/>
           </a:stretch>
         </p:blipFill>
         <p:spPr>
           <a:xfrm>
-            <a:off x="11286590" y="9962851"/>
-            <a:ext cx="4176621" cy="4756350"/>
+            <a:off x="11276773" y="18681151"/>
+            <a:ext cx="4176621" cy="4149352"/>
           </a:xfrm>
           <a:prstGeom prst="rect">
             <a:avLst/>
@@ -6068,7 +6202,7 @@
         </p:nvSpPr>
         <p:spPr>
           <a:xfrm>
-            <a:off x="604632" y="21249183"/>
+            <a:off x="5772048" y="21307080"/>
             <a:ext cx="4819119" cy="5903708"/>
           </a:xfrm>
           <a:prstGeom prst="roundRect">
@@ -6077,7 +6211,7 @@
             </a:avLst>
           </a:prstGeom>
           <a:solidFill>
-            <a:srgbClr val="002060"/>
+            <a:srgbClr val="93B7FF"/>
           </a:solidFill>
           <a:ln>
             <a:solidFill>
@@ -6126,15 +6260,15 @@
           <p:nvPr/>
         </p:nvPicPr>
         <p:blipFill>
-          <a:blip r:embed="rId7"/>
+          <a:blip r:embed="rId8"/>
           <a:stretch>
             <a:fillRect/>
           </a:stretch>
         </p:blipFill>
         <p:spPr>
           <a:xfrm>
-            <a:off x="889988" y="21628031"/>
-            <a:ext cx="4291613" cy="5297558"/>
+            <a:off x="6057404" y="21685928"/>
+            <a:ext cx="4291613" cy="4486180"/>
           </a:xfrm>
           <a:prstGeom prst="rect">
             <a:avLst/>
@@ -6149,7 +6283,7 @@
         </p:nvSpPr>
         <p:spPr>
           <a:xfrm>
-            <a:off x="5701350" y="21215552"/>
+            <a:off x="653972" y="21259768"/>
             <a:ext cx="4819119" cy="5903708"/>
           </a:xfrm>
           <a:prstGeom prst="roundRect">
@@ -6209,7 +6343,7 @@
         </p:nvSpPr>
         <p:spPr>
           <a:xfrm>
-            <a:off x="5947722" y="21628032"/>
+            <a:off x="900344" y="21672248"/>
             <a:ext cx="4235745" cy="4962641"/>
           </a:xfrm>
           <a:prstGeom prst="rect">
@@ -6231,6 +6365,8 @@
               </a:rPr>
               <a:t>Results Table:</a:t>
             </a:r>
+          </a:p>
+          <a:p>
             <a:endParaRPr lang="en-GB" sz="3395" b="1" dirty="0">
               <a:latin typeface="Calibri Light" panose="020F0302020204030204" pitchFamily="34" charset="0"/>
               <a:ea typeface="Anonymous Pro" panose="02060609030202000504" pitchFamily="49" charset="0"/>
@@ -6238,13 +6374,6 @@
             </a:endParaRPr>
           </a:p>
           <a:p>
-            <a:endParaRPr lang="en-GB" sz="3395" b="1" dirty="0">
-              <a:latin typeface="Calibri Light" panose="020F0302020204030204" pitchFamily="34" charset="0"/>
-              <a:ea typeface="Anonymous Pro" panose="02060609030202000504" pitchFamily="49" charset="0"/>
-              <a:cs typeface="Calibri Light" panose="020F0302020204030204" pitchFamily="34" charset="0"/>
-            </a:endParaRPr>
-          </a:p>
-          <a:p>
             <a:r>
               <a:rPr lang="en-GB" sz="2260" dirty="0">
                 <a:latin typeface="Calibri Light" panose="020F0302020204030204" pitchFamily="34" charset="0"/>
@@ -6253,6 +6382,8 @@
               </a:rPr>
               <a:t>These results detail the speed of which the artefact process their respective files. These speeds are compared with the artefacts that also process these files types.</a:t>
             </a:r>
+          </a:p>
+          <a:p>
             <a:endParaRPr lang="en-GB" sz="2260" dirty="0">
               <a:latin typeface="Calibri Light" panose="020F0302020204030204" pitchFamily="34" charset="0"/>
               <a:ea typeface="Anonymous Pro" panose="02060609030202000504" pitchFamily="49" charset="0"/>
@@ -6260,13 +6391,6 @@
             </a:endParaRPr>
           </a:p>
           <a:p>
-            <a:endParaRPr lang="en-GB" sz="2260" dirty="0">
-              <a:latin typeface="Calibri Light" panose="020F0302020204030204" pitchFamily="34" charset="0"/>
-              <a:ea typeface="Anonymous Pro" panose="02060609030202000504" pitchFamily="49" charset="0"/>
-              <a:cs typeface="Calibri Light" panose="020F0302020204030204" pitchFamily="34" charset="0"/>
-            </a:endParaRPr>
-          </a:p>
-          <a:p>
             <a:r>
               <a:rPr lang="en-GB" sz="2260" dirty="0">
                 <a:latin typeface="Calibri Light" panose="020F0302020204030204" pitchFamily="34" charset="0"/>
@@ -6275,11 +6399,224 @@
               </a:rPr>
               <a:t>The reports software artefacts were slower, but this was due to the report's artefacts doing more computations such as vertex normal calculations.</a:t>
             </a:r>
-            <a:endParaRPr lang="en-GB" sz="2260" dirty="0">
-              <a:latin typeface="Calibri Light" panose="020F0302020204030204" pitchFamily="34" charset="0"/>
-              <a:ea typeface="Anonymous Pro" panose="02060609030202000504" pitchFamily="49" charset="0"/>
-              <a:cs typeface="Calibri Light" panose="020F0302020204030204" pitchFamily="34" charset="0"/>
-            </a:endParaRPr>
+          </a:p>
+        </p:txBody>
+      </p:sp>
+      <p:sp>
+        <p:nvSpPr>
+          <p:cNvPr id="25" name="TextBox 24">
+            <a:extLst>
+              <a:ext uri="{FF2B5EF4-FFF2-40B4-BE49-F238E27FC236}">
+                <a16:creationId xmlns:a16="http://schemas.microsoft.com/office/drawing/2014/main" id="{378C840D-CF71-4369-9EE1-9F0C11C7C87D}"/>
+              </a:ext>
+            </a:extLst>
+          </p:cNvPr>
+          <p:cNvSpPr txBox="1"/>
+          <p:nvPr/>
+        </p:nvSpPr>
+        <p:spPr>
+          <a:xfrm>
+            <a:off x="11276773" y="22830503"/>
+            <a:ext cx="3914066" cy="646331"/>
+          </a:xfrm>
+          <a:prstGeom prst="rect">
+            <a:avLst/>
+          </a:prstGeom>
+          <a:noFill/>
+        </p:spPr>
+        <p:txBody>
+          <a:bodyPr wrap="square" rtlCol="0">
+            <a:spAutoFit/>
+          </a:bodyPr>
+          <a:lstStyle/>
+          <a:p>
+            <a:r>
+              <a:rPr lang="en-GB" b="1" dirty="0"/>
+              <a:t>Figure 4 shows the .</a:t>
+            </a:r>
+            <a:r>
+              <a:rPr lang="en-GB" b="1" dirty="0" err="1"/>
+              <a:t>Obj</a:t>
+            </a:r>
+            <a:r>
+              <a:rPr lang="en-GB" b="1" dirty="0"/>
+              <a:t> values of a converted file</a:t>
+            </a:r>
+          </a:p>
+        </p:txBody>
+      </p:sp>
+      <p:sp>
+        <p:nvSpPr>
+          <p:cNvPr id="36" name="TextBox 35">
+            <a:extLst>
+              <a:ext uri="{FF2B5EF4-FFF2-40B4-BE49-F238E27FC236}">
+                <a16:creationId xmlns:a16="http://schemas.microsoft.com/office/drawing/2014/main" id="{4160BB38-2A52-48AA-9160-DD44BB6C8765}"/>
+              </a:ext>
+            </a:extLst>
+          </p:cNvPr>
+          <p:cNvSpPr txBox="1"/>
+          <p:nvPr/>
+        </p:nvSpPr>
+        <p:spPr>
+          <a:xfrm>
+            <a:off x="16442879" y="22962940"/>
+            <a:ext cx="3914066" cy="369332"/>
+          </a:xfrm>
+          <a:prstGeom prst="rect">
+            <a:avLst/>
+          </a:prstGeom>
+          <a:noFill/>
+        </p:spPr>
+        <p:txBody>
+          <a:bodyPr wrap="square" rtlCol="0">
+            <a:spAutoFit/>
+          </a:bodyPr>
+          <a:lstStyle/>
+          <a:p>
+            <a:r>
+              <a:rPr lang="en-GB" b="1" dirty="0"/>
+              <a:t>Figure 5 shows the GAD</a:t>
+            </a:r>
+          </a:p>
+        </p:txBody>
+      </p:sp>
+      <p:sp>
+        <p:nvSpPr>
+          <p:cNvPr id="37" name="TextBox 36">
+            <a:extLst>
+              <a:ext uri="{FF2B5EF4-FFF2-40B4-BE49-F238E27FC236}">
+                <a16:creationId xmlns:a16="http://schemas.microsoft.com/office/drawing/2014/main" id="{1DD54C46-B01A-4552-B33E-700DD6BF0353}"/>
+              </a:ext>
+            </a:extLst>
+          </p:cNvPr>
+          <p:cNvSpPr txBox="1"/>
+          <p:nvPr/>
+        </p:nvSpPr>
+        <p:spPr>
+          <a:xfrm>
+            <a:off x="1200275" y="19818296"/>
+            <a:ext cx="2951793" cy="646331"/>
+          </a:xfrm>
+          <a:prstGeom prst="rect">
+            <a:avLst/>
+          </a:prstGeom>
+          <a:noFill/>
+        </p:spPr>
+        <p:txBody>
+          <a:bodyPr wrap="square" rtlCol="0">
+            <a:spAutoFit/>
+          </a:bodyPr>
+          <a:lstStyle/>
+          <a:p>
+            <a:r>
+              <a:rPr lang="en-GB" b="1" dirty="0"/>
+              <a:t>Figure 1 shows the Colossal Doughnut Level</a:t>
+            </a:r>
+          </a:p>
+        </p:txBody>
+      </p:sp>
+      <p:sp>
+        <p:nvSpPr>
+          <p:cNvPr id="38" name="TextBox 37">
+            <a:extLst>
+              <a:ext uri="{FF2B5EF4-FFF2-40B4-BE49-F238E27FC236}">
+                <a16:creationId xmlns:a16="http://schemas.microsoft.com/office/drawing/2014/main" id="{309FD455-1060-458E-B659-B64C3FC04166}"/>
+              </a:ext>
+            </a:extLst>
+          </p:cNvPr>
+          <p:cNvSpPr txBox="1"/>
+          <p:nvPr/>
+        </p:nvSpPr>
+        <p:spPr>
+          <a:xfrm>
+            <a:off x="4296151" y="19755734"/>
+            <a:ext cx="2951793" cy="646331"/>
+          </a:xfrm>
+          <a:prstGeom prst="rect">
+            <a:avLst/>
+          </a:prstGeom>
+          <a:noFill/>
+        </p:spPr>
+        <p:txBody>
+          <a:bodyPr wrap="square" rtlCol="0">
+            <a:spAutoFit/>
+          </a:bodyPr>
+          <a:lstStyle/>
+          <a:p>
+            <a:r>
+              <a:rPr lang="en-GB" b="1" dirty="0"/>
+              <a:t>Figure 2 shows the Kill all lawyers  Level</a:t>
+            </a:r>
+          </a:p>
+        </p:txBody>
+      </p:sp>
+      <p:sp>
+        <p:nvSpPr>
+          <p:cNvPr id="39" name="TextBox 38">
+            <a:extLst>
+              <a:ext uri="{FF2B5EF4-FFF2-40B4-BE49-F238E27FC236}">
+                <a16:creationId xmlns:a16="http://schemas.microsoft.com/office/drawing/2014/main" id="{66307151-FA6E-42F7-A571-7F174CC99CD5}"/>
+              </a:ext>
+            </a:extLst>
+          </p:cNvPr>
+          <p:cNvSpPr txBox="1"/>
+          <p:nvPr/>
+        </p:nvSpPr>
+        <p:spPr>
+          <a:xfrm>
+            <a:off x="7247944" y="19737419"/>
+            <a:ext cx="2951793" cy="646331"/>
+          </a:xfrm>
+          <a:prstGeom prst="rect">
+            <a:avLst/>
+          </a:prstGeom>
+          <a:noFill/>
+        </p:spPr>
+        <p:txBody>
+          <a:bodyPr wrap="square" rtlCol="0">
+            <a:spAutoFit/>
+          </a:bodyPr>
+          <a:lstStyle/>
+          <a:p>
+            <a:r>
+              <a:rPr lang="en-GB" b="1" dirty="0"/>
+              <a:t>Figure 3 shows A statue in the Never Quest Level</a:t>
+            </a:r>
+          </a:p>
+        </p:txBody>
+      </p:sp>
+      <p:sp>
+        <p:nvSpPr>
+          <p:cNvPr id="32" name="TextBox 31">
+            <a:extLst>
+              <a:ext uri="{FF2B5EF4-FFF2-40B4-BE49-F238E27FC236}">
+                <a16:creationId xmlns:a16="http://schemas.microsoft.com/office/drawing/2014/main" id="{316743B1-07AE-4CBC-BB0B-AC72E632CF45}"/>
+              </a:ext>
+            </a:extLst>
+          </p:cNvPr>
+          <p:cNvSpPr txBox="1"/>
+          <p:nvPr/>
+        </p:nvSpPr>
+        <p:spPr>
+          <a:xfrm>
+            <a:off x="6164826" y="26172108"/>
+            <a:ext cx="4018641" cy="923330"/>
+          </a:xfrm>
+          <a:prstGeom prst="rect">
+            <a:avLst/>
+          </a:prstGeom>
+          <a:noFill/>
+        </p:spPr>
+        <p:txBody>
+          <a:bodyPr wrap="square" rtlCol="0">
+            <a:spAutoFit/>
+          </a:bodyPr>
+          <a:lstStyle/>
+          <a:p>
+            <a:r>
+              <a:rPr lang="en-GB" b="1" dirty="0"/>
+              <a:t>Figure 6 shows the contrasting performance statistics between artefacts</a:t>
+            </a:r>
           </a:p>
         </p:txBody>
       </p:sp>
@@ -6542,6 +6879,8 @@
       </a:bgFillStyleLst>
     </a:fmtScheme>
   </a:themeElements>
+  <a:objectDefaults/>
+  <a:extraClrSchemeLst/>
   <a:extLst>
     <a:ext uri="{05A4C25C-085E-4340-85A3-A5531E510DB2}">
       <thm15:themeFamily xmlns:thm15="http://schemas.microsoft.com/office/thememl/2012/main" name="Office Theme" id="{62F939B6-93AF-4DB8-9C6B-D6C7DFDC589F}" vid="{4A3C46E8-61CC-4603-A589-7422A47A8E4A}"/>
